--- a/Document/시스템/시스템.pptx
+++ b/Document/시스템/시스템.pptx
@@ -5,12 +5,14 @@
     <p:sldMasterId id="2147483648" r:id="rId1"/>
   </p:sldMasterIdLst>
   <p:notesMasterIdLst>
-    <p:notesMasterId r:id="rId5"/>
+    <p:notesMasterId r:id="rId7"/>
   </p:notesMasterIdLst>
   <p:sldIdLst>
     <p:sldId id="257" r:id="rId2"/>
     <p:sldId id="290" r:id="rId3"/>
     <p:sldId id="292" r:id="rId4"/>
+    <p:sldId id="295" r:id="rId5"/>
+    <p:sldId id="296" r:id="rId6"/>
   </p:sldIdLst>
   <p:sldSz cx="12192000" cy="6858000"/>
   <p:notesSz cx="6858000" cy="9144000"/>
@@ -109,6 +111,11 @@
       </a:defRPr>
     </a:lvl9pPr>
   </p:defaultTextStyle>
+  <p:extLst>
+    <p:ext uri="{EFAFB233-063F-42B5-8137-9DF3F51BA10A}">
+      <p15:sldGuideLst xmlns:p15="http://schemas.microsoft.com/office/powerpoint/2012/main"/>
+    </p:ext>
+  </p:extLst>
 </p:presentation>
 </file>
 
@@ -620,6 +627,174 @@
     <p:extLst>
       <p:ext uri="{BB962C8B-B14F-4D97-AF65-F5344CB8AC3E}">
         <p14:creationId xmlns:p14="http://schemas.microsoft.com/office/powerpoint/2010/main" val="3309189610"/>
+      </p:ext>
+    </p:extLst>
+  </p:cSld>
+  <p:clrMapOvr>
+    <a:masterClrMapping/>
+  </p:clrMapOvr>
+</p:notes>
+</file>
+
+<file path=ppt/notesSlides/notesSlide3.xml><?xml version="1.0" encoding="utf-8"?>
+<p:notes xmlns:a="http://schemas.openxmlformats.org/drawingml/2006/main" xmlns:r="http://schemas.openxmlformats.org/officeDocument/2006/relationships" xmlns:p="http://schemas.openxmlformats.org/presentationml/2006/main">
+  <p:cSld>
+    <p:spTree>
+      <p:nvGrpSpPr>
+        <p:cNvPr id="1" name=""/>
+        <p:cNvGrpSpPr/>
+        <p:nvPr/>
+      </p:nvGrpSpPr>
+      <p:grpSpPr>
+        <a:xfrm>
+          <a:off x="0" y="0"/>
+          <a:ext cx="0" cy="0"/>
+          <a:chOff x="0" y="0"/>
+          <a:chExt cx="0" cy="0"/>
+        </a:xfrm>
+      </p:grpSpPr>
+      <p:sp>
+        <p:nvSpPr>
+          <p:cNvPr id="2" name="슬라이드 이미지 개체 틀 1"/>
+          <p:cNvSpPr>
+            <a:spLocks noGrp="1" noRot="1" noChangeAspect="1"/>
+          </p:cNvSpPr>
+          <p:nvPr>
+            <p:ph type="sldImg"/>
+          </p:nvPr>
+        </p:nvSpPr>
+        <p:spPr/>
+      </p:sp>
+      <p:sp>
+        <p:nvSpPr>
+          <p:cNvPr id="3" name="슬라이드 노트 개체 틀 2"/>
+          <p:cNvSpPr>
+            <a:spLocks noGrp="1"/>
+          </p:cNvSpPr>
+          <p:nvPr>
+            <p:ph type="body" idx="1"/>
+          </p:nvPr>
+        </p:nvSpPr>
+        <p:spPr/>
+        <p:txBody>
+          <a:bodyPr/>
+          <a:lstStyle/>
+          <a:p>
+            <a:endParaRPr lang="ko-KR" altLang="en-US" dirty="0"/>
+          </a:p>
+        </p:txBody>
+      </p:sp>
+      <p:sp>
+        <p:nvSpPr>
+          <p:cNvPr id="4" name="슬라이드 번호 개체 틀 3"/>
+          <p:cNvSpPr>
+            <a:spLocks noGrp="1"/>
+          </p:cNvSpPr>
+          <p:nvPr>
+            <p:ph type="sldNum" sz="quarter" idx="5"/>
+          </p:nvPr>
+        </p:nvSpPr>
+        <p:spPr/>
+        <p:txBody>
+          <a:bodyPr/>
+          <a:lstStyle/>
+          <a:p>
+            <a:fld id="{73EB825B-89DC-4B21-8B3A-B3CA9CD761CE}" type="slidenum">
+              <a:rPr lang="ko-KR" altLang="en-US" smtClean="0"/>
+              <a:t>4</a:t>
+            </a:fld>
+            <a:endParaRPr lang="ko-KR" altLang="en-US"/>
+          </a:p>
+        </p:txBody>
+      </p:sp>
+    </p:spTree>
+    <p:extLst>
+      <p:ext uri="{BB962C8B-B14F-4D97-AF65-F5344CB8AC3E}">
+        <p14:creationId xmlns:p14="http://schemas.microsoft.com/office/powerpoint/2010/main" val="2185834159"/>
+      </p:ext>
+    </p:extLst>
+  </p:cSld>
+  <p:clrMapOvr>
+    <a:masterClrMapping/>
+  </p:clrMapOvr>
+</p:notes>
+</file>
+
+<file path=ppt/notesSlides/notesSlide4.xml><?xml version="1.0" encoding="utf-8"?>
+<p:notes xmlns:a="http://schemas.openxmlformats.org/drawingml/2006/main" xmlns:r="http://schemas.openxmlformats.org/officeDocument/2006/relationships" xmlns:p="http://schemas.openxmlformats.org/presentationml/2006/main">
+  <p:cSld>
+    <p:spTree>
+      <p:nvGrpSpPr>
+        <p:cNvPr id="1" name=""/>
+        <p:cNvGrpSpPr/>
+        <p:nvPr/>
+      </p:nvGrpSpPr>
+      <p:grpSpPr>
+        <a:xfrm>
+          <a:off x="0" y="0"/>
+          <a:ext cx="0" cy="0"/>
+          <a:chOff x="0" y="0"/>
+          <a:chExt cx="0" cy="0"/>
+        </a:xfrm>
+      </p:grpSpPr>
+      <p:sp>
+        <p:nvSpPr>
+          <p:cNvPr id="2" name="슬라이드 이미지 개체 틀 1"/>
+          <p:cNvSpPr>
+            <a:spLocks noGrp="1" noRot="1" noChangeAspect="1"/>
+          </p:cNvSpPr>
+          <p:nvPr>
+            <p:ph type="sldImg"/>
+          </p:nvPr>
+        </p:nvSpPr>
+        <p:spPr/>
+      </p:sp>
+      <p:sp>
+        <p:nvSpPr>
+          <p:cNvPr id="3" name="슬라이드 노트 개체 틀 2"/>
+          <p:cNvSpPr>
+            <a:spLocks noGrp="1"/>
+          </p:cNvSpPr>
+          <p:nvPr>
+            <p:ph type="body" idx="1"/>
+          </p:nvPr>
+        </p:nvSpPr>
+        <p:spPr/>
+        <p:txBody>
+          <a:bodyPr/>
+          <a:lstStyle/>
+          <a:p>
+            <a:endParaRPr lang="ko-KR" altLang="en-US" dirty="0"/>
+          </a:p>
+        </p:txBody>
+      </p:sp>
+      <p:sp>
+        <p:nvSpPr>
+          <p:cNvPr id="4" name="슬라이드 번호 개체 틀 3"/>
+          <p:cNvSpPr>
+            <a:spLocks noGrp="1"/>
+          </p:cNvSpPr>
+          <p:nvPr>
+            <p:ph type="sldNum" sz="quarter" idx="5"/>
+          </p:nvPr>
+        </p:nvSpPr>
+        <p:spPr/>
+        <p:txBody>
+          <a:bodyPr/>
+          <a:lstStyle/>
+          <a:p>
+            <a:fld id="{73EB825B-89DC-4B21-8B3A-B3CA9CD761CE}" type="slidenum">
+              <a:rPr lang="ko-KR" altLang="en-US" smtClean="0"/>
+              <a:t>5</a:t>
+            </a:fld>
+            <a:endParaRPr lang="ko-KR" altLang="en-US"/>
+          </a:p>
+        </p:txBody>
+      </p:sp>
+    </p:spTree>
+    <p:extLst>
+      <p:ext uri="{BB962C8B-B14F-4D97-AF65-F5344CB8AC3E}">
+        <p14:creationId xmlns:p14="http://schemas.microsoft.com/office/powerpoint/2010/main" val="2875622720"/>
       </p:ext>
     </p:extLst>
   </p:cSld>
@@ -6218,6 +6393,3665 @@
     <p:extLst>
       <p:ext uri="{BB962C8B-B14F-4D97-AF65-F5344CB8AC3E}">
         <p14:creationId xmlns:p14="http://schemas.microsoft.com/office/powerpoint/2010/main" val="600505001"/>
+      </p:ext>
+    </p:extLst>
+  </p:cSld>
+  <p:clrMapOvr>
+    <a:masterClrMapping/>
+  </p:clrMapOvr>
+</p:sld>
+</file>
+
+<file path=ppt/slides/slide4.xml><?xml version="1.0" encoding="utf-8"?>
+<p:sld xmlns:a="http://schemas.openxmlformats.org/drawingml/2006/main" xmlns:r="http://schemas.openxmlformats.org/officeDocument/2006/relationships" xmlns:p="http://schemas.openxmlformats.org/presentationml/2006/main">
+  <p:cSld>
+    <p:spTree>
+      <p:nvGrpSpPr>
+        <p:cNvPr id="1" name=""/>
+        <p:cNvGrpSpPr/>
+        <p:nvPr/>
+      </p:nvGrpSpPr>
+      <p:grpSpPr>
+        <a:xfrm>
+          <a:off x="0" y="0"/>
+          <a:ext cx="0" cy="0"/>
+          <a:chOff x="0" y="0"/>
+          <a:chExt cx="0" cy="0"/>
+        </a:xfrm>
+      </p:grpSpPr>
+      <p:sp>
+        <p:nvSpPr>
+          <p:cNvPr id="4" name="직사각형 3">
+            <a:extLst>
+              <a:ext uri="{FF2B5EF4-FFF2-40B4-BE49-F238E27FC236}">
+                <a16:creationId xmlns:a16="http://schemas.microsoft.com/office/drawing/2014/main" id="{AE93FE2A-85FE-4157-951C-FC2FADBB3B34}"/>
+              </a:ext>
+            </a:extLst>
+          </p:cNvPr>
+          <p:cNvSpPr/>
+          <p:nvPr/>
+        </p:nvSpPr>
+        <p:spPr>
+          <a:xfrm>
+            <a:off x="0" y="0"/>
+            <a:ext cx="12192000" cy="1034474"/>
+          </a:xfrm>
+          <a:prstGeom prst="rect">
+            <a:avLst/>
+          </a:prstGeom>
+          <a:solidFill>
+            <a:schemeClr val="accent5">
+              <a:lumMod val="60000"/>
+              <a:lumOff val="40000"/>
+            </a:schemeClr>
+          </a:solidFill>
+        </p:spPr>
+        <p:style>
+          <a:lnRef idx="2">
+            <a:schemeClr val="accent1">
+              <a:shade val="50000"/>
+            </a:schemeClr>
+          </a:lnRef>
+          <a:fillRef idx="1">
+            <a:schemeClr val="accent1"/>
+          </a:fillRef>
+          <a:effectRef idx="0">
+            <a:schemeClr val="accent1"/>
+          </a:effectRef>
+          <a:fontRef idx="minor">
+            <a:schemeClr val="lt1"/>
+          </a:fontRef>
+        </p:style>
+        <p:txBody>
+          <a:bodyPr rtlCol="0" anchor="ctr"/>
+          <a:lstStyle/>
+          <a:p>
+            <a:pPr algn="ctr"/>
+            <a:endParaRPr lang="ko-KR" altLang="en-US" dirty="0"/>
+          </a:p>
+        </p:txBody>
+      </p:sp>
+      <p:sp>
+        <p:nvSpPr>
+          <p:cNvPr id="7" name="TextBox 6">
+            <a:extLst>
+              <a:ext uri="{FF2B5EF4-FFF2-40B4-BE49-F238E27FC236}">
+                <a16:creationId xmlns:a16="http://schemas.microsoft.com/office/drawing/2014/main" id="{982817C4-ACF4-45FB-A018-6E6F872691BC}"/>
+              </a:ext>
+            </a:extLst>
+          </p:cNvPr>
+          <p:cNvSpPr txBox="1"/>
+          <p:nvPr/>
+        </p:nvSpPr>
+        <p:spPr>
+          <a:xfrm>
+            <a:off x="646546" y="255627"/>
+            <a:ext cx="4230254" cy="523220"/>
+          </a:xfrm>
+          <a:prstGeom prst="rect">
+            <a:avLst/>
+          </a:prstGeom>
+          <a:noFill/>
+        </p:spPr>
+        <p:txBody>
+          <a:bodyPr wrap="square" rtlCol="0">
+            <a:spAutoFit/>
+          </a:bodyPr>
+          <a:lstStyle/>
+          <a:p>
+            <a:r>
+              <a:rPr lang="ko-KR" altLang="en-US" sz="2800" b="1" dirty="0"/>
+              <a:t>게임 구조도 </a:t>
+            </a:r>
+            <a:r>
+              <a:rPr lang="en-US" altLang="ko-KR" sz="2800" b="1" dirty="0"/>
+              <a:t>( </a:t>
+            </a:r>
+            <a:r>
+              <a:rPr lang="ko-KR" altLang="en-US" sz="2800" b="1" dirty="0"/>
+              <a:t>전체 </a:t>
+            </a:r>
+            <a:r>
+              <a:rPr lang="en-US" altLang="ko-KR" sz="2800" b="1" dirty="0"/>
+              <a:t>)</a:t>
+            </a:r>
+          </a:p>
+        </p:txBody>
+      </p:sp>
+      <p:sp>
+        <p:nvSpPr>
+          <p:cNvPr id="3" name="순서도: 처리 2"/>
+          <p:cNvSpPr/>
+          <p:nvPr/>
+        </p:nvSpPr>
+        <p:spPr>
+          <a:xfrm>
+            <a:off x="5043274" y="2431040"/>
+            <a:ext cx="1635370" cy="288668"/>
+          </a:xfrm>
+          <a:prstGeom prst="flowChartProcess">
+            <a:avLst/>
+          </a:prstGeom>
+          <a:solidFill>
+            <a:srgbClr val="FFFF00"/>
+          </a:solidFill>
+          <a:ln>
+            <a:solidFill>
+              <a:schemeClr val="tx1"/>
+            </a:solidFill>
+          </a:ln>
+        </p:spPr>
+        <p:style>
+          <a:lnRef idx="2">
+            <a:schemeClr val="accent1">
+              <a:shade val="50000"/>
+            </a:schemeClr>
+          </a:lnRef>
+          <a:fillRef idx="1">
+            <a:schemeClr val="accent1"/>
+          </a:fillRef>
+          <a:effectRef idx="0">
+            <a:schemeClr val="accent1"/>
+          </a:effectRef>
+          <a:fontRef idx="minor">
+            <a:schemeClr val="lt1"/>
+          </a:fontRef>
+        </p:style>
+        <p:txBody>
+          <a:bodyPr rtlCol="0" anchor="ctr"/>
+          <a:lstStyle/>
+          <a:p>
+            <a:pPr algn="ctr"/>
+            <a:r>
+              <a:rPr lang="ko-KR" altLang="en-US" sz="1100" dirty="0">
+                <a:solidFill>
+                  <a:schemeClr val="tx1"/>
+                </a:solidFill>
+              </a:rPr>
+              <a:t>방 찾기 </a:t>
+            </a:r>
+            <a:r>
+              <a:rPr lang="en-US" altLang="ko-KR" sz="1100" dirty="0">
+                <a:solidFill>
+                  <a:schemeClr val="tx1"/>
+                </a:solidFill>
+              </a:rPr>
+              <a:t>&amp; </a:t>
+            </a:r>
+            <a:r>
+              <a:rPr lang="ko-KR" altLang="en-US" sz="1100" dirty="0">
+                <a:solidFill>
+                  <a:schemeClr val="tx1"/>
+                </a:solidFill>
+              </a:rPr>
+              <a:t>방 만들기</a:t>
+            </a:r>
+          </a:p>
+        </p:txBody>
+      </p:sp>
+      <p:grpSp>
+        <p:nvGrpSpPr>
+          <p:cNvPr id="11" name="그룹 10"/>
+          <p:cNvGrpSpPr/>
+          <p:nvPr/>
+        </p:nvGrpSpPr>
+        <p:grpSpPr>
+          <a:xfrm>
+            <a:off x="5201535" y="2886404"/>
+            <a:ext cx="1318847" cy="657256"/>
+            <a:chOff x="4558809" y="2796775"/>
+            <a:chExt cx="1318847" cy="657256"/>
+          </a:xfrm>
+        </p:grpSpPr>
+        <p:sp>
+          <p:nvSpPr>
+            <p:cNvPr id="8" name="순서도: 판단 7"/>
+            <p:cNvSpPr/>
+            <p:nvPr/>
+          </p:nvSpPr>
+          <p:spPr>
+            <a:xfrm>
+              <a:off x="4558809" y="2796775"/>
+              <a:ext cx="1318847" cy="657256"/>
+            </a:xfrm>
+            <a:prstGeom prst="flowChartDecision">
+              <a:avLst/>
+            </a:prstGeom>
+            <a:solidFill>
+              <a:schemeClr val="bg1">
+                <a:lumMod val="65000"/>
+              </a:schemeClr>
+            </a:solidFill>
+            <a:ln>
+              <a:solidFill>
+                <a:schemeClr val="tx1"/>
+              </a:solidFill>
+            </a:ln>
+          </p:spPr>
+          <p:style>
+            <a:lnRef idx="2">
+              <a:schemeClr val="accent1">
+                <a:shade val="50000"/>
+              </a:schemeClr>
+            </a:lnRef>
+            <a:fillRef idx="1">
+              <a:schemeClr val="accent1"/>
+            </a:fillRef>
+            <a:effectRef idx="0">
+              <a:schemeClr val="accent1"/>
+            </a:effectRef>
+            <a:fontRef idx="minor">
+              <a:schemeClr val="lt1"/>
+            </a:fontRef>
+          </p:style>
+          <p:txBody>
+            <a:bodyPr rtlCol="0" anchor="ctr"/>
+            <a:lstStyle/>
+            <a:p>
+              <a:pPr algn="ctr"/>
+              <a:endParaRPr lang="ko-KR" altLang="en-US" sz="1200" dirty="0">
+                <a:solidFill>
+                  <a:schemeClr val="tx1"/>
+                </a:solidFill>
+              </a:endParaRPr>
+            </a:p>
+          </p:txBody>
+        </p:sp>
+        <p:sp>
+          <p:nvSpPr>
+            <p:cNvPr id="9" name="TextBox 8"/>
+            <p:cNvSpPr txBox="1"/>
+            <p:nvPr/>
+          </p:nvSpPr>
+          <p:spPr>
+            <a:xfrm>
+              <a:off x="4628166" y="2909959"/>
+              <a:ext cx="1180131" cy="430887"/>
+            </a:xfrm>
+            <a:prstGeom prst="rect">
+              <a:avLst/>
+            </a:prstGeom>
+            <a:noFill/>
+            <a:ln>
+              <a:noFill/>
+            </a:ln>
+          </p:spPr>
+          <p:txBody>
+            <a:bodyPr wrap="none" rtlCol="0">
+              <a:spAutoFit/>
+            </a:bodyPr>
+            <a:lstStyle/>
+            <a:p>
+              <a:pPr algn="ctr"/>
+              <a:r>
+                <a:rPr lang="ko-KR" altLang="en-US" sz="1100" dirty="0"/>
+                <a:t>방을 새로 만들 </a:t>
+              </a:r>
+              <a:endParaRPr lang="en-US" altLang="ko-KR" sz="1100" dirty="0"/>
+            </a:p>
+            <a:p>
+              <a:pPr algn="ctr"/>
+              <a:r>
+                <a:rPr lang="ko-KR" altLang="en-US" sz="1100" dirty="0"/>
+                <a:t>것인가</a:t>
+              </a:r>
+              <a:r>
+                <a:rPr lang="en-US" altLang="ko-KR" sz="1100" dirty="0"/>
+                <a:t>?</a:t>
+              </a:r>
+              <a:endParaRPr lang="ko-KR" altLang="en-US" sz="1100" dirty="0"/>
+            </a:p>
+          </p:txBody>
+        </p:sp>
+      </p:grpSp>
+      <p:sp>
+        <p:nvSpPr>
+          <p:cNvPr id="16" name="순서도: 처리 15"/>
+          <p:cNvSpPr/>
+          <p:nvPr/>
+        </p:nvSpPr>
+        <p:spPr>
+          <a:xfrm>
+            <a:off x="3016648" y="3801409"/>
+            <a:ext cx="1266093" cy="313392"/>
+          </a:xfrm>
+          <a:prstGeom prst="flowChartProcess">
+            <a:avLst/>
+          </a:prstGeom>
+          <a:solidFill>
+            <a:srgbClr val="FFFF00"/>
+          </a:solidFill>
+          <a:ln>
+            <a:solidFill>
+              <a:schemeClr val="tx1"/>
+            </a:solidFill>
+          </a:ln>
+        </p:spPr>
+        <p:style>
+          <a:lnRef idx="2">
+            <a:schemeClr val="accent1">
+              <a:shade val="50000"/>
+            </a:schemeClr>
+          </a:lnRef>
+          <a:fillRef idx="1">
+            <a:schemeClr val="accent1"/>
+          </a:fillRef>
+          <a:effectRef idx="0">
+            <a:schemeClr val="accent1"/>
+          </a:effectRef>
+          <a:fontRef idx="minor">
+            <a:schemeClr val="lt1"/>
+          </a:fontRef>
+        </p:style>
+        <p:txBody>
+          <a:bodyPr rtlCol="0" anchor="ctr"/>
+          <a:lstStyle/>
+          <a:p>
+            <a:pPr algn="ctr"/>
+            <a:r>
+              <a:rPr lang="ko-KR" altLang="en-US" sz="1200" dirty="0">
+                <a:solidFill>
+                  <a:schemeClr val="tx1"/>
+                </a:solidFill>
+              </a:rPr>
+              <a:t>방 만들기</a:t>
+            </a:r>
+          </a:p>
+        </p:txBody>
+      </p:sp>
+      <p:sp>
+        <p:nvSpPr>
+          <p:cNvPr id="18" name="TextBox 17"/>
+          <p:cNvSpPr txBox="1"/>
+          <p:nvPr/>
+        </p:nvSpPr>
+        <p:spPr>
+          <a:xfrm>
+            <a:off x="4585838" y="3395535"/>
+            <a:ext cx="408253" cy="276999"/>
+          </a:xfrm>
+          <a:prstGeom prst="rect">
+            <a:avLst/>
+          </a:prstGeom>
+          <a:noFill/>
+        </p:spPr>
+        <p:txBody>
+          <a:bodyPr wrap="none" rtlCol="0">
+            <a:spAutoFit/>
+          </a:bodyPr>
+          <a:lstStyle/>
+          <a:p>
+            <a:r>
+              <a:rPr lang="en-US" altLang="ko-KR" sz="1200" dirty="0"/>
+              <a:t>yes</a:t>
+            </a:r>
+            <a:endParaRPr lang="ko-KR" altLang="en-US" sz="1200" dirty="0"/>
+          </a:p>
+        </p:txBody>
+      </p:sp>
+      <p:sp>
+        <p:nvSpPr>
+          <p:cNvPr id="21" name="순서도: 처리 20"/>
+          <p:cNvSpPr/>
+          <p:nvPr/>
+        </p:nvSpPr>
+        <p:spPr>
+          <a:xfrm>
+            <a:off x="7016573" y="4199687"/>
+            <a:ext cx="1336431" cy="284391"/>
+          </a:xfrm>
+          <a:prstGeom prst="flowChartProcess">
+            <a:avLst/>
+          </a:prstGeom>
+          <a:solidFill>
+            <a:srgbClr val="FFFF00"/>
+          </a:solidFill>
+          <a:ln>
+            <a:solidFill>
+              <a:schemeClr val="tx1"/>
+            </a:solidFill>
+          </a:ln>
+        </p:spPr>
+        <p:style>
+          <a:lnRef idx="2">
+            <a:schemeClr val="accent1">
+              <a:shade val="50000"/>
+            </a:schemeClr>
+          </a:lnRef>
+          <a:fillRef idx="1">
+            <a:schemeClr val="accent1"/>
+          </a:fillRef>
+          <a:effectRef idx="0">
+            <a:schemeClr val="accent1"/>
+          </a:effectRef>
+          <a:fontRef idx="minor">
+            <a:schemeClr val="lt1"/>
+          </a:fontRef>
+        </p:style>
+        <p:txBody>
+          <a:bodyPr rtlCol="0" anchor="ctr"/>
+          <a:lstStyle/>
+          <a:p>
+            <a:pPr algn="ctr"/>
+            <a:r>
+              <a:rPr lang="ko-KR" altLang="en-US" sz="1200" dirty="0">
+                <a:solidFill>
+                  <a:schemeClr val="tx1"/>
+                </a:solidFill>
+              </a:rPr>
+              <a:t>인 게임</a:t>
+            </a:r>
+          </a:p>
+        </p:txBody>
+      </p:sp>
+      <p:cxnSp>
+        <p:nvCxnSpPr>
+          <p:cNvPr id="28" name="직선 화살표 연결선 27"/>
+          <p:cNvCxnSpPr>
+            <a:stCxn id="107" idx="2"/>
+          </p:cNvCxnSpPr>
+          <p:nvPr/>
+        </p:nvCxnSpPr>
+        <p:spPr>
+          <a:xfrm flipH="1">
+            <a:off x="5860956" y="1721386"/>
+            <a:ext cx="1" cy="148124"/>
+          </a:xfrm>
+          <a:prstGeom prst="straightConnector1">
+            <a:avLst/>
+          </a:prstGeom>
+          <a:ln>
+            <a:solidFill>
+              <a:schemeClr val="tx1"/>
+            </a:solidFill>
+            <a:tailEnd type="triangle"/>
+          </a:ln>
+        </p:spPr>
+        <p:style>
+          <a:lnRef idx="1">
+            <a:schemeClr val="accent1"/>
+          </a:lnRef>
+          <a:fillRef idx="0">
+            <a:schemeClr val="accent1"/>
+          </a:fillRef>
+          <a:effectRef idx="0">
+            <a:schemeClr val="accent1"/>
+          </a:effectRef>
+          <a:fontRef idx="minor">
+            <a:schemeClr val="tx1"/>
+          </a:fontRef>
+        </p:style>
+      </p:cxnSp>
+      <p:cxnSp>
+        <p:nvCxnSpPr>
+          <p:cNvPr id="30" name="직선 화살표 연결선 29"/>
+          <p:cNvCxnSpPr>
+            <a:stCxn id="3" idx="2"/>
+            <a:endCxn id="8" idx="0"/>
+          </p:cNvCxnSpPr>
+          <p:nvPr/>
+        </p:nvCxnSpPr>
+        <p:spPr>
+          <a:xfrm>
+            <a:off x="5860959" y="2719708"/>
+            <a:ext cx="0" cy="166696"/>
+          </a:xfrm>
+          <a:prstGeom prst="straightConnector1">
+            <a:avLst/>
+          </a:prstGeom>
+          <a:ln>
+            <a:solidFill>
+              <a:schemeClr val="tx1"/>
+            </a:solidFill>
+            <a:tailEnd type="triangle"/>
+          </a:ln>
+        </p:spPr>
+        <p:style>
+          <a:lnRef idx="1">
+            <a:schemeClr val="accent1"/>
+          </a:lnRef>
+          <a:fillRef idx="0">
+            <a:schemeClr val="accent1"/>
+          </a:fillRef>
+          <a:effectRef idx="0">
+            <a:schemeClr val="accent1"/>
+          </a:effectRef>
+          <a:fontRef idx="minor">
+            <a:schemeClr val="tx1"/>
+          </a:fontRef>
+        </p:style>
+      </p:cxnSp>
+      <p:cxnSp>
+        <p:nvCxnSpPr>
+          <p:cNvPr id="32" name="꺾인 연결선 31"/>
+          <p:cNvCxnSpPr>
+            <a:stCxn id="8" idx="2"/>
+            <a:endCxn id="16" idx="0"/>
+          </p:cNvCxnSpPr>
+          <p:nvPr/>
+        </p:nvCxnSpPr>
+        <p:spPr>
+          <a:xfrm rot="5400000">
+            <a:off x="4626453" y="2566902"/>
+            <a:ext cx="257749" cy="2211264"/>
+          </a:xfrm>
+          <a:prstGeom prst="bentConnector3">
+            <a:avLst/>
+          </a:prstGeom>
+          <a:ln>
+            <a:solidFill>
+              <a:schemeClr val="tx1"/>
+            </a:solidFill>
+            <a:tailEnd type="triangle"/>
+          </a:ln>
+        </p:spPr>
+        <p:style>
+          <a:lnRef idx="1">
+            <a:schemeClr val="accent1"/>
+          </a:lnRef>
+          <a:fillRef idx="0">
+            <a:schemeClr val="accent1"/>
+          </a:fillRef>
+          <a:effectRef idx="0">
+            <a:schemeClr val="accent1"/>
+          </a:effectRef>
+          <a:fontRef idx="minor">
+            <a:schemeClr val="tx1"/>
+          </a:fontRef>
+        </p:style>
+      </p:cxnSp>
+      <p:cxnSp>
+        <p:nvCxnSpPr>
+          <p:cNvPr id="34" name="꺾인 연결선 33"/>
+          <p:cNvCxnSpPr>
+            <a:stCxn id="8" idx="2"/>
+            <a:endCxn id="21" idx="0"/>
+          </p:cNvCxnSpPr>
+          <p:nvPr/>
+        </p:nvCxnSpPr>
+        <p:spPr>
+          <a:xfrm rot="16200000" flipH="1">
+            <a:off x="6444861" y="2959758"/>
+            <a:ext cx="656027" cy="1823830"/>
+          </a:xfrm>
+          <a:prstGeom prst="bentConnector3">
+            <a:avLst/>
+          </a:prstGeom>
+          <a:ln>
+            <a:solidFill>
+              <a:schemeClr val="tx1"/>
+            </a:solidFill>
+            <a:tailEnd type="triangle"/>
+          </a:ln>
+        </p:spPr>
+        <p:style>
+          <a:lnRef idx="1">
+            <a:schemeClr val="accent1"/>
+          </a:lnRef>
+          <a:fillRef idx="0">
+            <a:schemeClr val="accent1"/>
+          </a:fillRef>
+          <a:effectRef idx="0">
+            <a:schemeClr val="accent1"/>
+          </a:effectRef>
+          <a:fontRef idx="minor">
+            <a:schemeClr val="tx1"/>
+          </a:fontRef>
+        </p:style>
+      </p:cxnSp>
+      <p:cxnSp>
+        <p:nvCxnSpPr>
+          <p:cNvPr id="36" name="꺾인 연결선 35"/>
+          <p:cNvCxnSpPr>
+            <a:stCxn id="16" idx="2"/>
+            <a:endCxn id="21" idx="1"/>
+          </p:cNvCxnSpPr>
+          <p:nvPr/>
+        </p:nvCxnSpPr>
+        <p:spPr>
+          <a:xfrm rot="16200000" flipH="1">
+            <a:off x="5219593" y="2544903"/>
+            <a:ext cx="227082" cy="3366878"/>
+          </a:xfrm>
+          <a:prstGeom prst="bentConnector2">
+            <a:avLst/>
+          </a:prstGeom>
+          <a:ln>
+            <a:solidFill>
+              <a:schemeClr val="tx1"/>
+            </a:solidFill>
+            <a:tailEnd type="triangle"/>
+          </a:ln>
+        </p:spPr>
+        <p:style>
+          <a:lnRef idx="1">
+            <a:schemeClr val="accent1"/>
+          </a:lnRef>
+          <a:fillRef idx="0">
+            <a:schemeClr val="accent1"/>
+          </a:fillRef>
+          <a:effectRef idx="0">
+            <a:schemeClr val="accent1"/>
+          </a:effectRef>
+          <a:fontRef idx="minor">
+            <a:schemeClr val="tx1"/>
+          </a:fontRef>
+        </p:style>
+      </p:cxnSp>
+      <p:sp>
+        <p:nvSpPr>
+          <p:cNvPr id="47" name="TextBox 46"/>
+          <p:cNvSpPr txBox="1"/>
+          <p:nvPr/>
+        </p:nvSpPr>
+        <p:spPr>
+          <a:xfrm>
+            <a:off x="6569674" y="3607056"/>
+            <a:ext cx="367408" cy="276999"/>
+          </a:xfrm>
+          <a:prstGeom prst="rect">
+            <a:avLst/>
+          </a:prstGeom>
+          <a:noFill/>
+        </p:spPr>
+        <p:txBody>
+          <a:bodyPr wrap="none" rtlCol="0">
+            <a:spAutoFit/>
+          </a:bodyPr>
+          <a:lstStyle/>
+          <a:p>
+            <a:r>
+              <a:rPr lang="en-US" altLang="ko-KR" sz="1200" dirty="0"/>
+              <a:t>no</a:t>
+            </a:r>
+            <a:endParaRPr lang="ko-KR" altLang="en-US" sz="1200" dirty="0"/>
+          </a:p>
+        </p:txBody>
+      </p:sp>
+      <p:grpSp>
+        <p:nvGrpSpPr>
+          <p:cNvPr id="66" name="그룹 65"/>
+          <p:cNvGrpSpPr/>
+          <p:nvPr/>
+        </p:nvGrpSpPr>
+        <p:grpSpPr>
+          <a:xfrm>
+            <a:off x="6355906" y="4677787"/>
+            <a:ext cx="1162352" cy="491814"/>
+            <a:chOff x="6894245" y="4632365"/>
+            <a:chExt cx="1162352" cy="491814"/>
+          </a:xfrm>
+        </p:grpSpPr>
+        <p:sp>
+          <p:nvSpPr>
+            <p:cNvPr id="41" name="순서도: 판단 40"/>
+            <p:cNvSpPr/>
+            <p:nvPr/>
+          </p:nvSpPr>
+          <p:spPr>
+            <a:xfrm>
+              <a:off x="6894245" y="4632365"/>
+              <a:ext cx="1153373" cy="491814"/>
+            </a:xfrm>
+            <a:prstGeom prst="flowChartDecision">
+              <a:avLst/>
+            </a:prstGeom>
+            <a:solidFill>
+              <a:schemeClr val="bg1">
+                <a:lumMod val="65000"/>
+              </a:schemeClr>
+            </a:solidFill>
+            <a:ln>
+              <a:solidFill>
+                <a:schemeClr val="tx1"/>
+              </a:solidFill>
+            </a:ln>
+          </p:spPr>
+          <p:style>
+            <a:lnRef idx="2">
+              <a:schemeClr val="accent1">
+                <a:shade val="50000"/>
+              </a:schemeClr>
+            </a:lnRef>
+            <a:fillRef idx="1">
+              <a:schemeClr val="accent1"/>
+            </a:fillRef>
+            <a:effectRef idx="0">
+              <a:schemeClr val="accent1"/>
+            </a:effectRef>
+            <a:fontRef idx="minor">
+              <a:schemeClr val="lt1"/>
+            </a:fontRef>
+          </p:style>
+          <p:txBody>
+            <a:bodyPr rtlCol="0" anchor="ctr"/>
+            <a:lstStyle/>
+            <a:p>
+              <a:pPr algn="ctr"/>
+              <a:endParaRPr lang="ko-KR" altLang="en-US" sz="1200" dirty="0">
+                <a:solidFill>
+                  <a:schemeClr val="tx1"/>
+                </a:solidFill>
+              </a:endParaRPr>
+            </a:p>
+          </p:txBody>
+        </p:sp>
+        <p:sp>
+          <p:nvSpPr>
+            <p:cNvPr id="42" name="TextBox 41"/>
+            <p:cNvSpPr txBox="1"/>
+            <p:nvPr/>
+          </p:nvSpPr>
+          <p:spPr>
+            <a:xfrm>
+              <a:off x="6911733" y="4644902"/>
+              <a:ext cx="1144864" cy="430887"/>
+            </a:xfrm>
+            <a:prstGeom prst="rect">
+              <a:avLst/>
+            </a:prstGeom>
+            <a:noFill/>
+            <a:ln>
+              <a:noFill/>
+            </a:ln>
+          </p:spPr>
+          <p:txBody>
+            <a:bodyPr wrap="none" rtlCol="0">
+              <a:spAutoFit/>
+            </a:bodyPr>
+            <a:lstStyle/>
+            <a:p>
+              <a:pPr algn="ctr"/>
+              <a:r>
+                <a:rPr lang="ko-KR" altLang="en-US" sz="1100" dirty="0"/>
+                <a:t>바꾸고 싶은 </a:t>
+              </a:r>
+              <a:endParaRPr lang="en-US" altLang="ko-KR" sz="1100" dirty="0"/>
+            </a:p>
+            <a:p>
+              <a:pPr algn="ctr"/>
+              <a:r>
+                <a:rPr lang="ko-KR" altLang="en-US" sz="1100" dirty="0"/>
+                <a:t>설정이 있는가</a:t>
+              </a:r>
+              <a:r>
+                <a:rPr lang="en-US" altLang="ko-KR" sz="1100" dirty="0"/>
+                <a:t>?</a:t>
+              </a:r>
+              <a:endParaRPr lang="ko-KR" altLang="en-US" sz="1100" dirty="0"/>
+            </a:p>
+          </p:txBody>
+        </p:sp>
+      </p:grpSp>
+      <p:sp>
+        <p:nvSpPr>
+          <p:cNvPr id="48" name="순서도: 처리 47"/>
+          <p:cNvSpPr/>
+          <p:nvPr/>
+        </p:nvSpPr>
+        <p:spPr>
+          <a:xfrm>
+            <a:off x="7227588" y="5627418"/>
+            <a:ext cx="914400" cy="334107"/>
+          </a:xfrm>
+          <a:prstGeom prst="flowChartProcess">
+            <a:avLst/>
+          </a:prstGeom>
+          <a:solidFill>
+            <a:srgbClr val="FFFF00"/>
+          </a:solidFill>
+          <a:ln>
+            <a:solidFill>
+              <a:schemeClr val="tx1"/>
+            </a:solidFill>
+          </a:ln>
+        </p:spPr>
+        <p:style>
+          <a:lnRef idx="2">
+            <a:schemeClr val="accent1">
+              <a:shade val="50000"/>
+            </a:schemeClr>
+          </a:lnRef>
+          <a:fillRef idx="1">
+            <a:schemeClr val="accent1"/>
+          </a:fillRef>
+          <a:effectRef idx="0">
+            <a:schemeClr val="accent1"/>
+          </a:effectRef>
+          <a:fontRef idx="minor">
+            <a:schemeClr val="lt1"/>
+          </a:fontRef>
+        </p:style>
+        <p:txBody>
+          <a:bodyPr rtlCol="0" anchor="ctr"/>
+          <a:lstStyle/>
+          <a:p>
+            <a:pPr algn="ctr"/>
+            <a:r>
+              <a:rPr lang="ko-KR" altLang="en-US" sz="1100">
+                <a:solidFill>
+                  <a:schemeClr val="tx1"/>
+                </a:solidFill>
+              </a:rPr>
+              <a:t>설정창</a:t>
+            </a:r>
+            <a:endParaRPr lang="ko-KR" altLang="en-US" sz="1100" dirty="0">
+              <a:solidFill>
+                <a:schemeClr val="tx1"/>
+              </a:solidFill>
+            </a:endParaRPr>
+          </a:p>
+        </p:txBody>
+      </p:sp>
+      <p:cxnSp>
+        <p:nvCxnSpPr>
+          <p:cNvPr id="75" name="꺾인 연결선 74"/>
+          <p:cNvCxnSpPr>
+            <a:stCxn id="21" idx="2"/>
+            <a:endCxn id="42" idx="0"/>
+          </p:cNvCxnSpPr>
+          <p:nvPr/>
+        </p:nvCxnSpPr>
+        <p:spPr>
+          <a:xfrm rot="5400000">
+            <a:off x="7212185" y="4217720"/>
+            <a:ext cx="206246" cy="738963"/>
+          </a:xfrm>
+          <a:prstGeom prst="bentConnector3">
+            <a:avLst/>
+          </a:prstGeom>
+          <a:ln>
+            <a:solidFill>
+              <a:schemeClr val="tx1"/>
+            </a:solidFill>
+            <a:tailEnd type="triangle"/>
+          </a:ln>
+        </p:spPr>
+        <p:style>
+          <a:lnRef idx="1">
+            <a:schemeClr val="accent1"/>
+          </a:lnRef>
+          <a:fillRef idx="0">
+            <a:schemeClr val="accent1"/>
+          </a:fillRef>
+          <a:effectRef idx="0">
+            <a:schemeClr val="accent1"/>
+          </a:effectRef>
+          <a:fontRef idx="minor">
+            <a:schemeClr val="tx1"/>
+          </a:fontRef>
+        </p:style>
+      </p:cxnSp>
+      <p:cxnSp>
+        <p:nvCxnSpPr>
+          <p:cNvPr id="77" name="꺾인 연결선 76"/>
+          <p:cNvCxnSpPr>
+            <a:stCxn id="21" idx="2"/>
+            <a:endCxn id="61" idx="0"/>
+          </p:cNvCxnSpPr>
+          <p:nvPr/>
+        </p:nvCxnSpPr>
+        <p:spPr>
+          <a:xfrm rot="16200000" flipH="1">
+            <a:off x="7954919" y="4213947"/>
+            <a:ext cx="193709" cy="733969"/>
+          </a:xfrm>
+          <a:prstGeom prst="bentConnector3">
+            <a:avLst/>
+          </a:prstGeom>
+          <a:ln>
+            <a:solidFill>
+              <a:schemeClr val="tx1"/>
+            </a:solidFill>
+            <a:tailEnd type="triangle"/>
+          </a:ln>
+        </p:spPr>
+        <p:style>
+          <a:lnRef idx="1">
+            <a:schemeClr val="accent1"/>
+          </a:lnRef>
+          <a:fillRef idx="0">
+            <a:schemeClr val="accent1"/>
+          </a:fillRef>
+          <a:effectRef idx="0">
+            <a:schemeClr val="accent1"/>
+          </a:effectRef>
+          <a:fontRef idx="minor">
+            <a:schemeClr val="tx1"/>
+          </a:fontRef>
+        </p:style>
+      </p:cxnSp>
+      <p:cxnSp>
+        <p:nvCxnSpPr>
+          <p:cNvPr id="79" name="꺾인 연결선 78"/>
+          <p:cNvCxnSpPr>
+            <a:stCxn id="61" idx="2"/>
+            <a:endCxn id="48" idx="0"/>
+          </p:cNvCxnSpPr>
+          <p:nvPr/>
+        </p:nvCxnSpPr>
+        <p:spPr>
+          <a:xfrm rot="5400000">
+            <a:off x="7819615" y="5028274"/>
+            <a:ext cx="464317" cy="733970"/>
+          </a:xfrm>
+          <a:prstGeom prst="bentConnector3">
+            <a:avLst/>
+          </a:prstGeom>
+          <a:ln>
+            <a:solidFill>
+              <a:schemeClr val="tx1"/>
+            </a:solidFill>
+            <a:tailEnd type="triangle"/>
+          </a:ln>
+        </p:spPr>
+        <p:style>
+          <a:lnRef idx="1">
+            <a:schemeClr val="accent1"/>
+          </a:lnRef>
+          <a:fillRef idx="0">
+            <a:schemeClr val="accent1"/>
+          </a:fillRef>
+          <a:effectRef idx="0">
+            <a:schemeClr val="accent1"/>
+          </a:effectRef>
+          <a:fontRef idx="minor">
+            <a:schemeClr val="tx1"/>
+          </a:fontRef>
+        </p:style>
+      </p:cxnSp>
+      <p:cxnSp>
+        <p:nvCxnSpPr>
+          <p:cNvPr id="81" name="꺾인 연결선 80"/>
+          <p:cNvCxnSpPr>
+            <a:stCxn id="41" idx="2"/>
+            <a:endCxn id="48" idx="0"/>
+          </p:cNvCxnSpPr>
+          <p:nvPr/>
+        </p:nvCxnSpPr>
+        <p:spPr>
+          <a:xfrm rot="16200000" flipH="1">
+            <a:off x="7079782" y="5022411"/>
+            <a:ext cx="457817" cy="752195"/>
+          </a:xfrm>
+          <a:prstGeom prst="bentConnector3">
+            <a:avLst/>
+          </a:prstGeom>
+          <a:ln>
+            <a:solidFill>
+              <a:schemeClr val="tx1"/>
+            </a:solidFill>
+            <a:tailEnd type="triangle"/>
+          </a:ln>
+        </p:spPr>
+        <p:style>
+          <a:lnRef idx="1">
+            <a:schemeClr val="accent1"/>
+          </a:lnRef>
+          <a:fillRef idx="0">
+            <a:schemeClr val="accent1"/>
+          </a:fillRef>
+          <a:effectRef idx="0">
+            <a:schemeClr val="accent1"/>
+          </a:effectRef>
+          <a:fontRef idx="minor">
+            <a:schemeClr val="tx1"/>
+          </a:fontRef>
+        </p:style>
+      </p:cxnSp>
+      <p:grpSp>
+        <p:nvGrpSpPr>
+          <p:cNvPr id="83" name="그룹 82"/>
+          <p:cNvGrpSpPr/>
+          <p:nvPr/>
+        </p:nvGrpSpPr>
+        <p:grpSpPr>
+          <a:xfrm>
+            <a:off x="7842071" y="4677786"/>
+            <a:ext cx="1153373" cy="485315"/>
+            <a:chOff x="7587096" y="3930439"/>
+            <a:chExt cx="1153373" cy="485315"/>
+          </a:xfrm>
+        </p:grpSpPr>
+        <p:sp>
+          <p:nvSpPr>
+            <p:cNvPr id="61" name="순서도: 판단 60"/>
+            <p:cNvSpPr/>
+            <p:nvPr/>
+          </p:nvSpPr>
+          <p:spPr>
+            <a:xfrm>
+              <a:off x="7587096" y="3930440"/>
+              <a:ext cx="1153373" cy="485314"/>
+            </a:xfrm>
+            <a:prstGeom prst="flowChartDecision">
+              <a:avLst/>
+            </a:prstGeom>
+            <a:solidFill>
+              <a:schemeClr val="bg1">
+                <a:lumMod val="65000"/>
+              </a:schemeClr>
+            </a:solidFill>
+            <a:ln>
+              <a:solidFill>
+                <a:schemeClr val="tx1"/>
+              </a:solidFill>
+            </a:ln>
+          </p:spPr>
+          <p:style>
+            <a:lnRef idx="2">
+              <a:schemeClr val="accent1">
+                <a:shade val="50000"/>
+              </a:schemeClr>
+            </a:lnRef>
+            <a:fillRef idx="1">
+              <a:schemeClr val="accent1"/>
+            </a:fillRef>
+            <a:effectRef idx="0">
+              <a:schemeClr val="accent1"/>
+            </a:effectRef>
+            <a:fontRef idx="minor">
+              <a:schemeClr val="lt1"/>
+            </a:fontRef>
+          </p:style>
+          <p:txBody>
+            <a:bodyPr rtlCol="0" anchor="ctr"/>
+            <a:lstStyle/>
+            <a:p>
+              <a:pPr algn="ctr"/>
+              <a:endParaRPr lang="ko-KR" altLang="en-US" sz="1200" dirty="0">
+                <a:solidFill>
+                  <a:schemeClr val="tx1"/>
+                </a:solidFill>
+              </a:endParaRPr>
+            </a:p>
+          </p:txBody>
+        </p:sp>
+        <p:sp>
+          <p:nvSpPr>
+            <p:cNvPr id="82" name="TextBox 81"/>
+            <p:cNvSpPr txBox="1"/>
+            <p:nvPr/>
+          </p:nvSpPr>
+          <p:spPr>
+            <a:xfrm>
+              <a:off x="7661883" y="3930439"/>
+              <a:ext cx="1003801" cy="430887"/>
+            </a:xfrm>
+            <a:prstGeom prst="rect">
+              <a:avLst/>
+            </a:prstGeom>
+            <a:noFill/>
+            <a:ln>
+              <a:noFill/>
+            </a:ln>
+          </p:spPr>
+          <p:txBody>
+            <a:bodyPr wrap="none" rtlCol="0">
+              <a:spAutoFit/>
+            </a:bodyPr>
+            <a:lstStyle/>
+            <a:p>
+              <a:pPr algn="ctr"/>
+              <a:r>
+                <a:rPr lang="ko-KR" altLang="en-US" sz="1100" dirty="0"/>
+                <a:t>게임에서 </a:t>
+              </a:r>
+              <a:endParaRPr lang="en-US" altLang="ko-KR" sz="1100" dirty="0"/>
+            </a:p>
+            <a:p>
+              <a:pPr algn="ctr"/>
+              <a:r>
+                <a:rPr lang="ko-KR" altLang="en-US" sz="1100" dirty="0"/>
+                <a:t>나갈 것인가</a:t>
+              </a:r>
+              <a:r>
+                <a:rPr lang="en-US" altLang="ko-KR" sz="1100" dirty="0"/>
+                <a:t>?</a:t>
+              </a:r>
+              <a:endParaRPr lang="ko-KR" altLang="en-US" sz="1100" dirty="0"/>
+            </a:p>
+          </p:txBody>
+        </p:sp>
+      </p:grpSp>
+      <p:grpSp>
+        <p:nvGrpSpPr>
+          <p:cNvPr id="93" name="그룹 92"/>
+          <p:cNvGrpSpPr/>
+          <p:nvPr/>
+        </p:nvGrpSpPr>
+        <p:grpSpPr>
+          <a:xfrm>
+            <a:off x="7073883" y="6183185"/>
+            <a:ext cx="1221808" cy="485314"/>
+            <a:chOff x="7552878" y="3930440"/>
+            <a:chExt cx="1221808" cy="485314"/>
+          </a:xfrm>
+        </p:grpSpPr>
+        <p:sp>
+          <p:nvSpPr>
+            <p:cNvPr id="94" name="순서도: 판단 93"/>
+            <p:cNvSpPr/>
+            <p:nvPr/>
+          </p:nvSpPr>
+          <p:spPr>
+            <a:xfrm>
+              <a:off x="7587096" y="3930440"/>
+              <a:ext cx="1153373" cy="485314"/>
+            </a:xfrm>
+            <a:prstGeom prst="flowChartDecision">
+              <a:avLst/>
+            </a:prstGeom>
+            <a:solidFill>
+              <a:schemeClr val="bg1">
+                <a:lumMod val="65000"/>
+              </a:schemeClr>
+            </a:solidFill>
+            <a:ln>
+              <a:solidFill>
+                <a:schemeClr val="tx1"/>
+              </a:solidFill>
+            </a:ln>
+          </p:spPr>
+          <p:style>
+            <a:lnRef idx="2">
+              <a:schemeClr val="accent1">
+                <a:shade val="50000"/>
+              </a:schemeClr>
+            </a:lnRef>
+            <a:fillRef idx="1">
+              <a:schemeClr val="accent1"/>
+            </a:fillRef>
+            <a:effectRef idx="0">
+              <a:schemeClr val="accent1"/>
+            </a:effectRef>
+            <a:fontRef idx="minor">
+              <a:schemeClr val="lt1"/>
+            </a:fontRef>
+          </p:style>
+          <p:txBody>
+            <a:bodyPr rtlCol="0" anchor="ctr"/>
+            <a:lstStyle/>
+            <a:p>
+              <a:pPr algn="ctr"/>
+              <a:endParaRPr lang="ko-KR" altLang="en-US" sz="1200" dirty="0">
+                <a:solidFill>
+                  <a:schemeClr val="tx1"/>
+                </a:solidFill>
+              </a:endParaRPr>
+            </a:p>
+          </p:txBody>
+        </p:sp>
+        <p:sp>
+          <p:nvSpPr>
+            <p:cNvPr id="95" name="TextBox 94"/>
+            <p:cNvSpPr txBox="1"/>
+            <p:nvPr/>
+          </p:nvSpPr>
+          <p:spPr>
+            <a:xfrm>
+              <a:off x="7552878" y="3957653"/>
+              <a:ext cx="1221808" cy="430887"/>
+            </a:xfrm>
+            <a:prstGeom prst="rect">
+              <a:avLst/>
+            </a:prstGeom>
+            <a:noFill/>
+            <a:ln>
+              <a:noFill/>
+            </a:ln>
+          </p:spPr>
+          <p:txBody>
+            <a:bodyPr wrap="none" rtlCol="0">
+              <a:spAutoFit/>
+            </a:bodyPr>
+            <a:lstStyle/>
+            <a:p>
+              <a:pPr algn="ctr"/>
+              <a:r>
+                <a:rPr lang="ko-KR" altLang="en-US" sz="1100" dirty="0"/>
+                <a:t>게임에서 진짜로</a:t>
+              </a:r>
+              <a:endParaRPr lang="en-US" altLang="ko-KR" sz="1100" dirty="0"/>
+            </a:p>
+            <a:p>
+              <a:pPr algn="ctr"/>
+              <a:r>
+                <a:rPr lang="ko-KR" altLang="en-US" sz="1100" dirty="0"/>
+                <a:t> 나갈 것인가</a:t>
+              </a:r>
+              <a:r>
+                <a:rPr lang="en-US" altLang="ko-KR" sz="1100" dirty="0"/>
+                <a:t>?</a:t>
+              </a:r>
+              <a:endParaRPr lang="ko-KR" altLang="en-US" sz="1100" dirty="0"/>
+            </a:p>
+          </p:txBody>
+        </p:sp>
+      </p:grpSp>
+      <p:cxnSp>
+        <p:nvCxnSpPr>
+          <p:cNvPr id="86" name="직선 화살표 연결선 85"/>
+          <p:cNvCxnSpPr>
+            <a:stCxn id="48" idx="2"/>
+            <a:endCxn id="94" idx="0"/>
+          </p:cNvCxnSpPr>
+          <p:nvPr/>
+        </p:nvCxnSpPr>
+        <p:spPr>
+          <a:xfrm>
+            <a:off x="7684788" y="5961525"/>
+            <a:ext cx="0" cy="221660"/>
+          </a:xfrm>
+          <a:prstGeom prst="straightConnector1">
+            <a:avLst/>
+          </a:prstGeom>
+          <a:ln>
+            <a:solidFill>
+              <a:schemeClr val="tx1"/>
+            </a:solidFill>
+            <a:tailEnd type="triangle"/>
+          </a:ln>
+        </p:spPr>
+        <p:style>
+          <a:lnRef idx="1">
+            <a:schemeClr val="accent1"/>
+          </a:lnRef>
+          <a:fillRef idx="0">
+            <a:schemeClr val="accent1"/>
+          </a:fillRef>
+          <a:effectRef idx="0">
+            <a:schemeClr val="accent1"/>
+          </a:effectRef>
+          <a:fontRef idx="minor">
+            <a:schemeClr val="tx1"/>
+          </a:fontRef>
+        </p:style>
+      </p:cxnSp>
+      <p:cxnSp>
+        <p:nvCxnSpPr>
+          <p:cNvPr id="88" name="꺾인 연결선 87"/>
+          <p:cNvCxnSpPr>
+            <a:stCxn id="95" idx="3"/>
+            <a:endCxn id="21" idx="3"/>
+          </p:cNvCxnSpPr>
+          <p:nvPr/>
+        </p:nvCxnSpPr>
+        <p:spPr>
+          <a:xfrm flipV="1">
+            <a:off x="8295691" y="4341883"/>
+            <a:ext cx="57313" cy="2083959"/>
+          </a:xfrm>
+          <a:prstGeom prst="bentConnector3">
+            <a:avLst>
+              <a:gd name="adj1" fmla="val 1710792"/>
+            </a:avLst>
+          </a:prstGeom>
+          <a:ln>
+            <a:solidFill>
+              <a:schemeClr val="tx1"/>
+            </a:solidFill>
+            <a:tailEnd type="triangle"/>
+          </a:ln>
+        </p:spPr>
+        <p:style>
+          <a:lnRef idx="1">
+            <a:schemeClr val="accent1"/>
+          </a:lnRef>
+          <a:fillRef idx="0">
+            <a:schemeClr val="accent1"/>
+          </a:fillRef>
+          <a:effectRef idx="0">
+            <a:schemeClr val="accent1"/>
+          </a:effectRef>
+          <a:fontRef idx="minor">
+            <a:schemeClr val="tx1"/>
+          </a:fontRef>
+        </p:style>
+      </p:cxnSp>
+      <p:sp>
+        <p:nvSpPr>
+          <p:cNvPr id="107" name="모서리가 둥근 직사각형 106"/>
+          <p:cNvSpPr/>
+          <p:nvPr/>
+        </p:nvSpPr>
+        <p:spPr>
+          <a:xfrm>
+            <a:off x="5249891" y="1296834"/>
+            <a:ext cx="1222131" cy="424552"/>
+          </a:xfrm>
+          <a:prstGeom prst="roundRect">
+            <a:avLst/>
+          </a:prstGeom>
+          <a:ln>
+            <a:solidFill>
+              <a:schemeClr val="tx1"/>
+            </a:solidFill>
+          </a:ln>
+        </p:spPr>
+        <p:style>
+          <a:lnRef idx="2">
+            <a:schemeClr val="accent1">
+              <a:shade val="50000"/>
+            </a:schemeClr>
+          </a:lnRef>
+          <a:fillRef idx="1">
+            <a:schemeClr val="accent1"/>
+          </a:fillRef>
+          <a:effectRef idx="0">
+            <a:schemeClr val="accent1"/>
+          </a:effectRef>
+          <a:fontRef idx="minor">
+            <a:schemeClr val="lt1"/>
+          </a:fontRef>
+        </p:style>
+        <p:txBody>
+          <a:bodyPr rtlCol="0" anchor="ctr"/>
+          <a:lstStyle/>
+          <a:p>
+            <a:pPr algn="ctr"/>
+            <a:r>
+              <a:rPr lang="ko-KR" altLang="en-US" sz="1100" dirty="0"/>
+              <a:t>게임 앱 </a:t>
+            </a:r>
+            <a:r>
+              <a:rPr lang="en-US" altLang="ko-KR" sz="1100" dirty="0"/>
+              <a:t>ON</a:t>
+            </a:r>
+            <a:endParaRPr lang="ko-KR" altLang="en-US" sz="1100" dirty="0"/>
+          </a:p>
+        </p:txBody>
+      </p:sp>
+      <p:sp>
+        <p:nvSpPr>
+          <p:cNvPr id="114" name="순서도: 처리 113"/>
+          <p:cNvSpPr/>
+          <p:nvPr/>
+        </p:nvSpPr>
+        <p:spPr>
+          <a:xfrm>
+            <a:off x="5043271" y="1871050"/>
+            <a:ext cx="1635370" cy="288668"/>
+          </a:xfrm>
+          <a:prstGeom prst="flowChartProcess">
+            <a:avLst/>
+          </a:prstGeom>
+          <a:solidFill>
+            <a:srgbClr val="FFFF00"/>
+          </a:solidFill>
+          <a:ln>
+            <a:solidFill>
+              <a:schemeClr val="tx1"/>
+            </a:solidFill>
+          </a:ln>
+        </p:spPr>
+        <p:style>
+          <a:lnRef idx="2">
+            <a:schemeClr val="accent1">
+              <a:shade val="50000"/>
+            </a:schemeClr>
+          </a:lnRef>
+          <a:fillRef idx="1">
+            <a:schemeClr val="accent1"/>
+          </a:fillRef>
+          <a:effectRef idx="0">
+            <a:schemeClr val="accent1"/>
+          </a:effectRef>
+          <a:fontRef idx="minor">
+            <a:schemeClr val="lt1"/>
+          </a:fontRef>
+        </p:style>
+        <p:txBody>
+          <a:bodyPr rtlCol="0" anchor="ctr"/>
+          <a:lstStyle/>
+          <a:p>
+            <a:pPr algn="ctr"/>
+            <a:r>
+              <a:rPr lang="ko-KR" altLang="en-US" sz="1100" dirty="0">
+                <a:solidFill>
+                  <a:schemeClr val="tx1"/>
+                </a:solidFill>
+              </a:rPr>
+              <a:t>로비</a:t>
+            </a:r>
+          </a:p>
+        </p:txBody>
+      </p:sp>
+      <p:cxnSp>
+        <p:nvCxnSpPr>
+          <p:cNvPr id="115" name="직선 화살표 연결선 114"/>
+          <p:cNvCxnSpPr>
+            <a:stCxn id="114" idx="2"/>
+            <a:endCxn id="3" idx="0"/>
+          </p:cNvCxnSpPr>
+          <p:nvPr/>
+        </p:nvCxnSpPr>
+        <p:spPr>
+          <a:xfrm>
+            <a:off x="5860956" y="2159718"/>
+            <a:ext cx="3" cy="271322"/>
+          </a:xfrm>
+          <a:prstGeom prst="straightConnector1">
+            <a:avLst/>
+          </a:prstGeom>
+          <a:ln>
+            <a:solidFill>
+              <a:schemeClr val="tx1"/>
+            </a:solidFill>
+            <a:tailEnd type="triangle"/>
+          </a:ln>
+        </p:spPr>
+        <p:style>
+          <a:lnRef idx="1">
+            <a:schemeClr val="accent1"/>
+          </a:lnRef>
+          <a:fillRef idx="0">
+            <a:schemeClr val="accent1"/>
+          </a:fillRef>
+          <a:effectRef idx="0">
+            <a:schemeClr val="accent1"/>
+          </a:effectRef>
+          <a:fontRef idx="minor">
+            <a:schemeClr val="tx1"/>
+          </a:fontRef>
+        </p:style>
+      </p:cxnSp>
+      <p:cxnSp>
+        <p:nvCxnSpPr>
+          <p:cNvPr id="119" name="꺾인 연결선 118"/>
+          <p:cNvCxnSpPr>
+            <a:stCxn id="95" idx="1"/>
+            <a:endCxn id="114" idx="1"/>
+          </p:cNvCxnSpPr>
+          <p:nvPr/>
+        </p:nvCxnSpPr>
+        <p:spPr>
+          <a:xfrm rot="10800000">
+            <a:off x="5043271" y="2015384"/>
+            <a:ext cx="2030612" cy="4410458"/>
+          </a:xfrm>
+          <a:prstGeom prst="bentConnector3">
+            <a:avLst>
+              <a:gd name="adj1" fmla="val 255443"/>
+            </a:avLst>
+          </a:prstGeom>
+          <a:ln>
+            <a:solidFill>
+              <a:schemeClr val="tx1"/>
+            </a:solidFill>
+            <a:tailEnd type="triangle"/>
+          </a:ln>
+        </p:spPr>
+        <p:style>
+          <a:lnRef idx="1">
+            <a:schemeClr val="accent1"/>
+          </a:lnRef>
+          <a:fillRef idx="0">
+            <a:schemeClr val="accent1"/>
+          </a:fillRef>
+          <a:effectRef idx="0">
+            <a:schemeClr val="accent1"/>
+          </a:effectRef>
+          <a:fontRef idx="minor">
+            <a:schemeClr val="tx1"/>
+          </a:fontRef>
+        </p:style>
+      </p:cxnSp>
+      <p:sp>
+        <p:nvSpPr>
+          <p:cNvPr id="123" name="TextBox 122"/>
+          <p:cNvSpPr txBox="1"/>
+          <p:nvPr/>
+        </p:nvSpPr>
+        <p:spPr>
+          <a:xfrm>
+            <a:off x="9273159" y="5163100"/>
+            <a:ext cx="367408" cy="276999"/>
+          </a:xfrm>
+          <a:prstGeom prst="rect">
+            <a:avLst/>
+          </a:prstGeom>
+          <a:noFill/>
+        </p:spPr>
+        <p:txBody>
+          <a:bodyPr wrap="none" rtlCol="0">
+            <a:spAutoFit/>
+          </a:bodyPr>
+          <a:lstStyle/>
+          <a:p>
+            <a:r>
+              <a:rPr lang="en-US" altLang="ko-KR" sz="1200" dirty="0"/>
+              <a:t>no</a:t>
+            </a:r>
+            <a:endParaRPr lang="ko-KR" altLang="en-US" sz="1200" dirty="0"/>
+          </a:p>
+        </p:txBody>
+      </p:sp>
+      <p:sp>
+        <p:nvSpPr>
+          <p:cNvPr id="124" name="TextBox 123"/>
+          <p:cNvSpPr txBox="1"/>
+          <p:nvPr/>
+        </p:nvSpPr>
+        <p:spPr>
+          <a:xfrm>
+            <a:off x="1533400" y="3848886"/>
+            <a:ext cx="408253" cy="276999"/>
+          </a:xfrm>
+          <a:prstGeom prst="rect">
+            <a:avLst/>
+          </a:prstGeom>
+          <a:noFill/>
+        </p:spPr>
+        <p:txBody>
+          <a:bodyPr wrap="none" rtlCol="0">
+            <a:spAutoFit/>
+          </a:bodyPr>
+          <a:lstStyle/>
+          <a:p>
+            <a:r>
+              <a:rPr lang="en-US" altLang="ko-KR" sz="1200" dirty="0"/>
+              <a:t>yes</a:t>
+            </a:r>
+            <a:endParaRPr lang="ko-KR" altLang="en-US" sz="1200" dirty="0"/>
+          </a:p>
+        </p:txBody>
+      </p:sp>
+      <p:sp>
+        <p:nvSpPr>
+          <p:cNvPr id="39" name="TextBox 38">
+            <a:extLst>
+              <a:ext uri="{FF2B5EF4-FFF2-40B4-BE49-F238E27FC236}">
+                <a16:creationId xmlns:a16="http://schemas.microsoft.com/office/drawing/2014/main" id="{626497AF-A42B-488A-B76E-B0FDC5C6D8B9}"/>
+              </a:ext>
+            </a:extLst>
+          </p:cNvPr>
+          <p:cNvSpPr txBox="1"/>
+          <p:nvPr/>
+        </p:nvSpPr>
+        <p:spPr>
+          <a:xfrm>
+            <a:off x="11508508" y="6289963"/>
+            <a:ext cx="311304" cy="369332"/>
+          </a:xfrm>
+          <a:prstGeom prst="rect">
+            <a:avLst/>
+          </a:prstGeom>
+          <a:noFill/>
+        </p:spPr>
+        <p:txBody>
+          <a:bodyPr wrap="none" rtlCol="0">
+            <a:spAutoFit/>
+          </a:bodyPr>
+          <a:lstStyle/>
+          <a:p>
+            <a:r>
+              <a:rPr lang="en-US" altLang="ko-KR" dirty="0"/>
+              <a:t>1</a:t>
+            </a:r>
+            <a:endParaRPr lang="ko-KR" altLang="en-US" dirty="0"/>
+          </a:p>
+        </p:txBody>
+      </p:sp>
+    </p:spTree>
+    <p:extLst>
+      <p:ext uri="{BB962C8B-B14F-4D97-AF65-F5344CB8AC3E}">
+        <p14:creationId xmlns:p14="http://schemas.microsoft.com/office/powerpoint/2010/main" val="475194819"/>
+      </p:ext>
+    </p:extLst>
+  </p:cSld>
+  <p:clrMapOvr>
+    <a:masterClrMapping/>
+  </p:clrMapOvr>
+</p:sld>
+</file>
+
+<file path=ppt/slides/slide5.xml><?xml version="1.0" encoding="utf-8"?>
+<p:sld xmlns:a="http://schemas.openxmlformats.org/drawingml/2006/main" xmlns:r="http://schemas.openxmlformats.org/officeDocument/2006/relationships" xmlns:p="http://schemas.openxmlformats.org/presentationml/2006/main">
+  <p:cSld>
+    <p:spTree>
+      <p:nvGrpSpPr>
+        <p:cNvPr id="1" name=""/>
+        <p:cNvGrpSpPr/>
+        <p:nvPr/>
+      </p:nvGrpSpPr>
+      <p:grpSpPr>
+        <a:xfrm>
+          <a:off x="0" y="0"/>
+          <a:ext cx="0" cy="0"/>
+          <a:chOff x="0" y="0"/>
+          <a:chExt cx="0" cy="0"/>
+        </a:xfrm>
+      </p:grpSpPr>
+      <p:sp>
+        <p:nvSpPr>
+          <p:cNvPr id="98" name="순서도: 판단 97"/>
+          <p:cNvSpPr/>
+          <p:nvPr/>
+        </p:nvSpPr>
+        <p:spPr>
+          <a:xfrm>
+            <a:off x="5326823" y="3770585"/>
+            <a:ext cx="1068266" cy="404446"/>
+          </a:xfrm>
+          <a:prstGeom prst="flowChartDecision">
+            <a:avLst/>
+          </a:prstGeom>
+          <a:solidFill>
+            <a:schemeClr val="bg1">
+              <a:lumMod val="75000"/>
+            </a:schemeClr>
+          </a:solidFill>
+        </p:spPr>
+        <p:style>
+          <a:lnRef idx="2">
+            <a:schemeClr val="accent1">
+              <a:shade val="50000"/>
+            </a:schemeClr>
+          </a:lnRef>
+          <a:fillRef idx="1">
+            <a:schemeClr val="accent1"/>
+          </a:fillRef>
+          <a:effectRef idx="0">
+            <a:schemeClr val="accent1"/>
+          </a:effectRef>
+          <a:fontRef idx="minor">
+            <a:schemeClr val="lt1"/>
+          </a:fontRef>
+        </p:style>
+        <p:txBody>
+          <a:bodyPr rtlCol="0" anchor="ctr"/>
+          <a:lstStyle/>
+          <a:p>
+            <a:pPr algn="ctr"/>
+            <a:endParaRPr lang="ko-KR" altLang="en-US"/>
+          </a:p>
+        </p:txBody>
+      </p:sp>
+      <p:sp>
+        <p:nvSpPr>
+          <p:cNvPr id="4" name="직사각형 3">
+            <a:extLst>
+              <a:ext uri="{FF2B5EF4-FFF2-40B4-BE49-F238E27FC236}">
+                <a16:creationId xmlns:a16="http://schemas.microsoft.com/office/drawing/2014/main" id="{AE93FE2A-85FE-4157-951C-FC2FADBB3B34}"/>
+              </a:ext>
+            </a:extLst>
+          </p:cNvPr>
+          <p:cNvSpPr/>
+          <p:nvPr/>
+        </p:nvSpPr>
+        <p:spPr>
+          <a:xfrm>
+            <a:off x="0" y="0"/>
+            <a:ext cx="12192000" cy="1034474"/>
+          </a:xfrm>
+          <a:prstGeom prst="rect">
+            <a:avLst/>
+          </a:prstGeom>
+          <a:solidFill>
+            <a:schemeClr val="accent5">
+              <a:lumMod val="60000"/>
+              <a:lumOff val="40000"/>
+            </a:schemeClr>
+          </a:solidFill>
+        </p:spPr>
+        <p:style>
+          <a:lnRef idx="2">
+            <a:schemeClr val="accent1">
+              <a:shade val="50000"/>
+            </a:schemeClr>
+          </a:lnRef>
+          <a:fillRef idx="1">
+            <a:schemeClr val="accent1"/>
+          </a:fillRef>
+          <a:effectRef idx="0">
+            <a:schemeClr val="accent1"/>
+          </a:effectRef>
+          <a:fontRef idx="minor">
+            <a:schemeClr val="lt1"/>
+          </a:fontRef>
+        </p:style>
+        <p:txBody>
+          <a:bodyPr rtlCol="0" anchor="ctr"/>
+          <a:lstStyle/>
+          <a:p>
+            <a:pPr algn="ctr"/>
+            <a:endParaRPr lang="ko-KR" altLang="en-US" dirty="0"/>
+          </a:p>
+        </p:txBody>
+      </p:sp>
+      <p:sp>
+        <p:nvSpPr>
+          <p:cNvPr id="7" name="TextBox 6">
+            <a:extLst>
+              <a:ext uri="{FF2B5EF4-FFF2-40B4-BE49-F238E27FC236}">
+                <a16:creationId xmlns:a16="http://schemas.microsoft.com/office/drawing/2014/main" id="{982817C4-ACF4-45FB-A018-6E6F872691BC}"/>
+              </a:ext>
+            </a:extLst>
+          </p:cNvPr>
+          <p:cNvSpPr txBox="1"/>
+          <p:nvPr/>
+        </p:nvSpPr>
+        <p:spPr>
+          <a:xfrm>
+            <a:off x="646546" y="255627"/>
+            <a:ext cx="4230254" cy="523220"/>
+          </a:xfrm>
+          <a:prstGeom prst="rect">
+            <a:avLst/>
+          </a:prstGeom>
+          <a:noFill/>
+        </p:spPr>
+        <p:txBody>
+          <a:bodyPr wrap="square" rtlCol="0">
+            <a:spAutoFit/>
+          </a:bodyPr>
+          <a:lstStyle/>
+          <a:p>
+            <a:r>
+              <a:rPr lang="ko-KR" altLang="en-US" sz="2800" b="1" dirty="0"/>
+              <a:t>게임 구조도 </a:t>
+            </a:r>
+            <a:r>
+              <a:rPr lang="en-US" altLang="ko-KR" sz="2800" b="1" dirty="0"/>
+              <a:t>( </a:t>
+            </a:r>
+            <a:r>
+              <a:rPr lang="ko-KR" altLang="en-US" sz="2800" b="1" dirty="0"/>
+              <a:t>게임 입장 </a:t>
+            </a:r>
+            <a:r>
+              <a:rPr lang="en-US" altLang="ko-KR" sz="2800" b="1" dirty="0"/>
+              <a:t>)</a:t>
+            </a:r>
+          </a:p>
+        </p:txBody>
+      </p:sp>
+      <p:sp>
+        <p:nvSpPr>
+          <p:cNvPr id="40" name="모서리가 둥근 직사각형 39"/>
+          <p:cNvSpPr/>
+          <p:nvPr/>
+        </p:nvSpPr>
+        <p:spPr>
+          <a:xfrm>
+            <a:off x="5249891" y="1156157"/>
+            <a:ext cx="1222131" cy="424552"/>
+          </a:xfrm>
+          <a:prstGeom prst="roundRect">
+            <a:avLst/>
+          </a:prstGeom>
+          <a:ln>
+            <a:solidFill>
+              <a:schemeClr val="tx1"/>
+            </a:solidFill>
+          </a:ln>
+        </p:spPr>
+        <p:style>
+          <a:lnRef idx="2">
+            <a:schemeClr val="accent1">
+              <a:shade val="50000"/>
+            </a:schemeClr>
+          </a:lnRef>
+          <a:fillRef idx="1">
+            <a:schemeClr val="accent1"/>
+          </a:fillRef>
+          <a:effectRef idx="0">
+            <a:schemeClr val="accent1"/>
+          </a:effectRef>
+          <a:fontRef idx="minor">
+            <a:schemeClr val="lt1"/>
+          </a:fontRef>
+        </p:style>
+        <p:txBody>
+          <a:bodyPr rtlCol="0" anchor="ctr"/>
+          <a:lstStyle/>
+          <a:p>
+            <a:pPr algn="ctr"/>
+            <a:r>
+              <a:rPr lang="ko-KR" altLang="en-US" sz="1100" dirty="0"/>
+              <a:t>게임 입장 시도</a:t>
+            </a:r>
+          </a:p>
+        </p:txBody>
+      </p:sp>
+      <p:grpSp>
+        <p:nvGrpSpPr>
+          <p:cNvPr id="25" name="그룹 24"/>
+          <p:cNvGrpSpPr/>
+          <p:nvPr/>
+        </p:nvGrpSpPr>
+        <p:grpSpPr>
+          <a:xfrm>
+            <a:off x="6159898" y="1815579"/>
+            <a:ext cx="1068266" cy="430887"/>
+            <a:chOff x="5342212" y="1956256"/>
+            <a:chExt cx="1068266" cy="430887"/>
+          </a:xfrm>
+        </p:grpSpPr>
+        <p:sp>
+          <p:nvSpPr>
+            <p:cNvPr id="5" name="순서도: 판단 4"/>
+            <p:cNvSpPr/>
+            <p:nvPr/>
+          </p:nvSpPr>
+          <p:spPr>
+            <a:xfrm>
+              <a:off x="5342212" y="1969477"/>
+              <a:ext cx="1068266" cy="404446"/>
+            </a:xfrm>
+            <a:prstGeom prst="flowChartDecision">
+              <a:avLst/>
+            </a:prstGeom>
+            <a:solidFill>
+              <a:schemeClr val="bg1">
+                <a:lumMod val="75000"/>
+              </a:schemeClr>
+            </a:solidFill>
+          </p:spPr>
+          <p:style>
+            <a:lnRef idx="2">
+              <a:schemeClr val="accent1">
+                <a:shade val="50000"/>
+              </a:schemeClr>
+            </a:lnRef>
+            <a:fillRef idx="1">
+              <a:schemeClr val="accent1"/>
+            </a:fillRef>
+            <a:effectRef idx="0">
+              <a:schemeClr val="accent1"/>
+            </a:effectRef>
+            <a:fontRef idx="minor">
+              <a:schemeClr val="lt1"/>
+            </a:fontRef>
+          </p:style>
+          <p:txBody>
+            <a:bodyPr rtlCol="0" anchor="ctr"/>
+            <a:lstStyle/>
+            <a:p>
+              <a:pPr algn="ctr"/>
+              <a:endParaRPr lang="ko-KR" altLang="en-US"/>
+            </a:p>
+          </p:txBody>
+        </p:sp>
+        <p:sp>
+          <p:nvSpPr>
+            <p:cNvPr id="6" name="TextBox 5"/>
+            <p:cNvSpPr txBox="1"/>
+            <p:nvPr/>
+          </p:nvSpPr>
+          <p:spPr>
+            <a:xfrm>
+              <a:off x="5429587" y="1956256"/>
+              <a:ext cx="862737" cy="430887"/>
+            </a:xfrm>
+            <a:prstGeom prst="rect">
+              <a:avLst/>
+            </a:prstGeom>
+            <a:noFill/>
+          </p:spPr>
+          <p:txBody>
+            <a:bodyPr wrap="none" rtlCol="0">
+              <a:spAutoFit/>
+            </a:bodyPr>
+            <a:lstStyle/>
+            <a:p>
+              <a:pPr algn="ctr"/>
+              <a:r>
+                <a:rPr lang="ko-KR" altLang="en-US" sz="1100" dirty="0"/>
+                <a:t>방 인원이 </a:t>
+              </a:r>
+              <a:endParaRPr lang="en-US" altLang="ko-KR" sz="1100" dirty="0"/>
+            </a:p>
+            <a:p>
+              <a:pPr algn="ctr"/>
+              <a:r>
+                <a:rPr lang="ko-KR" altLang="en-US" sz="1100" dirty="0"/>
+                <a:t>다 찼는가</a:t>
+              </a:r>
+              <a:r>
+                <a:rPr lang="en-US" altLang="ko-KR" sz="1100" dirty="0"/>
+                <a:t>?</a:t>
+              </a:r>
+              <a:endParaRPr lang="ko-KR" altLang="en-US" sz="1100" dirty="0"/>
+            </a:p>
+          </p:txBody>
+        </p:sp>
+      </p:grpSp>
+      <p:sp>
+        <p:nvSpPr>
+          <p:cNvPr id="10" name="순서도: 처리 9"/>
+          <p:cNvSpPr/>
+          <p:nvPr/>
+        </p:nvSpPr>
+        <p:spPr>
+          <a:xfrm>
+            <a:off x="9100038" y="1797995"/>
+            <a:ext cx="1600200" cy="474786"/>
+          </a:xfrm>
+          <a:prstGeom prst="flowChartProcess">
+            <a:avLst/>
+          </a:prstGeom>
+          <a:solidFill>
+            <a:srgbClr val="FFFF00"/>
+          </a:solidFill>
+        </p:spPr>
+        <p:style>
+          <a:lnRef idx="2">
+            <a:schemeClr val="accent1">
+              <a:shade val="50000"/>
+            </a:schemeClr>
+          </a:lnRef>
+          <a:fillRef idx="1">
+            <a:schemeClr val="accent1"/>
+          </a:fillRef>
+          <a:effectRef idx="0">
+            <a:schemeClr val="accent1"/>
+          </a:effectRef>
+          <a:fontRef idx="minor">
+            <a:schemeClr val="lt1"/>
+          </a:fontRef>
+        </p:style>
+        <p:txBody>
+          <a:bodyPr rtlCol="0" anchor="ctr"/>
+          <a:lstStyle/>
+          <a:p>
+            <a:pPr algn="ctr"/>
+            <a:r>
+              <a:rPr lang="en-US" altLang="ko-KR" sz="1100" dirty="0">
+                <a:solidFill>
+                  <a:schemeClr val="tx1"/>
+                </a:solidFill>
+              </a:rPr>
+              <a:t>“</a:t>
+            </a:r>
+            <a:r>
+              <a:rPr lang="ko-KR" altLang="en-US" sz="1100" dirty="0">
+                <a:solidFill>
+                  <a:schemeClr val="tx1"/>
+                </a:solidFill>
+              </a:rPr>
+              <a:t>인원이 다 찼습니다</a:t>
+            </a:r>
+            <a:r>
+              <a:rPr lang="en-US" altLang="ko-KR" sz="1100" dirty="0">
+                <a:solidFill>
+                  <a:schemeClr val="tx1"/>
+                </a:solidFill>
+              </a:rPr>
+              <a:t>.”</a:t>
+            </a:r>
+          </a:p>
+          <a:p>
+            <a:pPr algn="ctr"/>
+            <a:r>
+              <a:rPr lang="ko-KR" altLang="en-US" sz="1100" dirty="0">
+                <a:solidFill>
+                  <a:schemeClr val="tx1"/>
+                </a:solidFill>
+              </a:rPr>
+              <a:t>메시지 출력</a:t>
+            </a:r>
+          </a:p>
+        </p:txBody>
+      </p:sp>
+      <p:cxnSp>
+        <p:nvCxnSpPr>
+          <p:cNvPr id="22" name="꺾인 연결선 21"/>
+          <p:cNvCxnSpPr>
+            <a:stCxn id="40" idx="2"/>
+            <a:endCxn id="6" idx="0"/>
+          </p:cNvCxnSpPr>
+          <p:nvPr/>
+        </p:nvCxnSpPr>
+        <p:spPr>
+          <a:xfrm rot="16200000" flipH="1">
+            <a:off x="6152364" y="1289301"/>
+            <a:ext cx="234870" cy="817685"/>
+          </a:xfrm>
+          <a:prstGeom prst="bentConnector3">
+            <a:avLst/>
+          </a:prstGeom>
+          <a:ln>
+            <a:tailEnd type="triangle"/>
+          </a:ln>
+        </p:spPr>
+        <p:style>
+          <a:lnRef idx="1">
+            <a:schemeClr val="accent1"/>
+          </a:lnRef>
+          <a:fillRef idx="0">
+            <a:schemeClr val="accent1"/>
+          </a:fillRef>
+          <a:effectRef idx="0">
+            <a:schemeClr val="accent1"/>
+          </a:effectRef>
+          <a:fontRef idx="minor">
+            <a:schemeClr val="tx1"/>
+          </a:fontRef>
+        </p:style>
+      </p:cxnSp>
+      <p:cxnSp>
+        <p:nvCxnSpPr>
+          <p:cNvPr id="24" name="꺾인 연결선 23"/>
+          <p:cNvCxnSpPr>
+            <a:stCxn id="5" idx="3"/>
+            <a:endCxn id="10" idx="1"/>
+          </p:cNvCxnSpPr>
+          <p:nvPr/>
+        </p:nvCxnSpPr>
+        <p:spPr>
+          <a:xfrm>
+            <a:off x="7228164" y="2031023"/>
+            <a:ext cx="1871874" cy="4365"/>
+          </a:xfrm>
+          <a:prstGeom prst="bentConnector3">
+            <a:avLst/>
+          </a:prstGeom>
+          <a:ln>
+            <a:tailEnd type="triangle"/>
+          </a:ln>
+        </p:spPr>
+        <p:style>
+          <a:lnRef idx="1">
+            <a:schemeClr val="accent1"/>
+          </a:lnRef>
+          <a:fillRef idx="0">
+            <a:schemeClr val="accent1"/>
+          </a:fillRef>
+          <a:effectRef idx="0">
+            <a:schemeClr val="accent1"/>
+          </a:effectRef>
+          <a:fontRef idx="minor">
+            <a:schemeClr val="tx1"/>
+          </a:fontRef>
+        </p:style>
+      </p:cxnSp>
+      <p:sp>
+        <p:nvSpPr>
+          <p:cNvPr id="26" name="직사각형 25"/>
+          <p:cNvSpPr/>
+          <p:nvPr/>
+        </p:nvSpPr>
+        <p:spPr>
+          <a:xfrm>
+            <a:off x="5258684" y="2944076"/>
+            <a:ext cx="1213338" cy="474785"/>
+          </a:xfrm>
+          <a:prstGeom prst="rect">
+            <a:avLst/>
+          </a:prstGeom>
+          <a:solidFill>
+            <a:srgbClr val="FFFF00"/>
+          </a:solidFill>
+        </p:spPr>
+        <p:style>
+          <a:lnRef idx="2">
+            <a:schemeClr val="accent1">
+              <a:shade val="50000"/>
+            </a:schemeClr>
+          </a:lnRef>
+          <a:fillRef idx="1">
+            <a:schemeClr val="accent1"/>
+          </a:fillRef>
+          <a:effectRef idx="0">
+            <a:schemeClr val="accent1"/>
+          </a:effectRef>
+          <a:fontRef idx="minor">
+            <a:schemeClr val="lt1"/>
+          </a:fontRef>
+        </p:style>
+        <p:txBody>
+          <a:bodyPr rtlCol="0" anchor="ctr"/>
+          <a:lstStyle/>
+          <a:p>
+            <a:pPr algn="ctr"/>
+            <a:r>
+              <a:rPr lang="ko-KR" altLang="en-US" sz="1100" dirty="0" err="1">
+                <a:solidFill>
+                  <a:schemeClr val="tx1"/>
+                </a:solidFill>
+              </a:rPr>
+              <a:t>대기방</a:t>
+            </a:r>
+            <a:endParaRPr lang="ko-KR" altLang="en-US" sz="1100" dirty="0">
+              <a:solidFill>
+                <a:schemeClr val="tx1"/>
+              </a:solidFill>
+            </a:endParaRPr>
+          </a:p>
+        </p:txBody>
+      </p:sp>
+      <p:cxnSp>
+        <p:nvCxnSpPr>
+          <p:cNvPr id="29" name="꺾인 연결선 28"/>
+          <p:cNvCxnSpPr>
+            <a:stCxn id="6" idx="2"/>
+            <a:endCxn id="26" idx="0"/>
+          </p:cNvCxnSpPr>
+          <p:nvPr/>
+        </p:nvCxnSpPr>
+        <p:spPr>
+          <a:xfrm rot="5400000">
+            <a:off x="5923193" y="2188627"/>
+            <a:ext cx="697610" cy="813289"/>
+          </a:xfrm>
+          <a:prstGeom prst="bentConnector3">
+            <a:avLst/>
+          </a:prstGeom>
+          <a:ln>
+            <a:tailEnd type="triangle"/>
+          </a:ln>
+        </p:spPr>
+        <p:style>
+          <a:lnRef idx="1">
+            <a:schemeClr val="accent1"/>
+          </a:lnRef>
+          <a:fillRef idx="0">
+            <a:schemeClr val="accent1"/>
+          </a:fillRef>
+          <a:effectRef idx="0">
+            <a:schemeClr val="accent1"/>
+          </a:effectRef>
+          <a:fontRef idx="minor">
+            <a:schemeClr val="tx1"/>
+          </a:fontRef>
+        </p:style>
+      </p:cxnSp>
+      <p:grpSp>
+        <p:nvGrpSpPr>
+          <p:cNvPr id="56" name="그룹 55"/>
+          <p:cNvGrpSpPr/>
+          <p:nvPr/>
+        </p:nvGrpSpPr>
+        <p:grpSpPr>
+          <a:xfrm>
+            <a:off x="4390275" y="1797995"/>
+            <a:ext cx="1426994" cy="443429"/>
+            <a:chOff x="4424023" y="1789817"/>
+            <a:chExt cx="1426994" cy="443429"/>
+          </a:xfrm>
+        </p:grpSpPr>
+        <p:sp>
+          <p:nvSpPr>
+            <p:cNvPr id="62" name="순서도: 판단 61"/>
+            <p:cNvSpPr/>
+            <p:nvPr/>
+          </p:nvSpPr>
+          <p:spPr>
+            <a:xfrm>
+              <a:off x="4647073" y="1828800"/>
+              <a:ext cx="1068266" cy="404446"/>
+            </a:xfrm>
+            <a:prstGeom prst="flowChartDecision">
+              <a:avLst/>
+            </a:prstGeom>
+            <a:solidFill>
+              <a:schemeClr val="bg1">
+                <a:lumMod val="75000"/>
+              </a:schemeClr>
+            </a:solidFill>
+          </p:spPr>
+          <p:style>
+            <a:lnRef idx="2">
+              <a:schemeClr val="accent1">
+                <a:shade val="50000"/>
+              </a:schemeClr>
+            </a:lnRef>
+            <a:fillRef idx="1">
+              <a:schemeClr val="accent1"/>
+            </a:fillRef>
+            <a:effectRef idx="0">
+              <a:schemeClr val="accent1"/>
+            </a:effectRef>
+            <a:fontRef idx="minor">
+              <a:schemeClr val="lt1"/>
+            </a:fontRef>
+          </p:style>
+          <p:txBody>
+            <a:bodyPr rtlCol="0" anchor="ctr"/>
+            <a:lstStyle/>
+            <a:p>
+              <a:pPr algn="ctr"/>
+              <a:endParaRPr lang="ko-KR" altLang="en-US"/>
+            </a:p>
+          </p:txBody>
+        </p:sp>
+        <p:sp>
+          <p:nvSpPr>
+            <p:cNvPr id="63" name="TextBox 62"/>
+            <p:cNvSpPr txBox="1"/>
+            <p:nvPr/>
+          </p:nvSpPr>
+          <p:spPr>
+            <a:xfrm>
+              <a:off x="4424023" y="1789817"/>
+              <a:ext cx="1426994" cy="430887"/>
+            </a:xfrm>
+            <a:prstGeom prst="rect">
+              <a:avLst/>
+            </a:prstGeom>
+            <a:noFill/>
+          </p:spPr>
+          <p:txBody>
+            <a:bodyPr wrap="none" rtlCol="0">
+              <a:spAutoFit/>
+            </a:bodyPr>
+            <a:lstStyle/>
+            <a:p>
+              <a:pPr algn="ctr"/>
+              <a:r>
+                <a:rPr lang="ko-KR" altLang="en-US" sz="1100" dirty="0"/>
+                <a:t>게임이</a:t>
+              </a:r>
+              <a:endParaRPr lang="en-US" altLang="ko-KR" sz="1100" dirty="0"/>
+            </a:p>
+            <a:p>
+              <a:pPr algn="ctr"/>
+              <a:r>
+                <a:rPr lang="ko-KR" altLang="en-US" sz="1100" dirty="0"/>
+                <a:t>이미 시작하였는가</a:t>
+              </a:r>
+              <a:r>
+                <a:rPr lang="en-US" altLang="ko-KR" sz="1100" dirty="0"/>
+                <a:t>?</a:t>
+              </a:r>
+              <a:endParaRPr lang="ko-KR" altLang="en-US" sz="1100" dirty="0"/>
+            </a:p>
+          </p:txBody>
+        </p:sp>
+      </p:grpSp>
+      <p:cxnSp>
+        <p:nvCxnSpPr>
+          <p:cNvPr id="35" name="꺾인 연결선 34"/>
+          <p:cNvCxnSpPr>
+            <a:stCxn id="40" idx="2"/>
+            <a:endCxn id="62" idx="0"/>
+          </p:cNvCxnSpPr>
+          <p:nvPr/>
+        </p:nvCxnSpPr>
+        <p:spPr>
+          <a:xfrm rot="5400000">
+            <a:off x="5376074" y="1352094"/>
+            <a:ext cx="256269" cy="713499"/>
+          </a:xfrm>
+          <a:prstGeom prst="bentConnector3">
+            <a:avLst>
+              <a:gd name="adj1" fmla="val 50000"/>
+            </a:avLst>
+          </a:prstGeom>
+          <a:ln>
+            <a:tailEnd type="triangle"/>
+          </a:ln>
+        </p:spPr>
+        <p:style>
+          <a:lnRef idx="1">
+            <a:schemeClr val="accent1"/>
+          </a:lnRef>
+          <a:fillRef idx="0">
+            <a:schemeClr val="accent1"/>
+          </a:fillRef>
+          <a:effectRef idx="0">
+            <a:schemeClr val="accent1"/>
+          </a:effectRef>
+          <a:fontRef idx="minor">
+            <a:schemeClr val="tx1"/>
+          </a:fontRef>
+        </p:style>
+      </p:cxnSp>
+      <p:sp>
+        <p:nvSpPr>
+          <p:cNvPr id="65" name="순서도: 처리 64"/>
+          <p:cNvSpPr/>
+          <p:nvPr/>
+        </p:nvSpPr>
+        <p:spPr>
+          <a:xfrm>
+            <a:off x="1133953" y="1797995"/>
+            <a:ext cx="1819129" cy="474786"/>
+          </a:xfrm>
+          <a:prstGeom prst="flowChartProcess">
+            <a:avLst/>
+          </a:prstGeom>
+          <a:solidFill>
+            <a:srgbClr val="FFFF00"/>
+          </a:solidFill>
+        </p:spPr>
+        <p:style>
+          <a:lnRef idx="2">
+            <a:schemeClr val="accent1">
+              <a:shade val="50000"/>
+            </a:schemeClr>
+          </a:lnRef>
+          <a:fillRef idx="1">
+            <a:schemeClr val="accent1"/>
+          </a:fillRef>
+          <a:effectRef idx="0">
+            <a:schemeClr val="accent1"/>
+          </a:effectRef>
+          <a:fontRef idx="minor">
+            <a:schemeClr val="lt1"/>
+          </a:fontRef>
+        </p:style>
+        <p:txBody>
+          <a:bodyPr rtlCol="0" anchor="ctr"/>
+          <a:lstStyle/>
+          <a:p>
+            <a:pPr algn="ctr"/>
+            <a:r>
+              <a:rPr lang="en-US" altLang="ko-KR" sz="1100" dirty="0">
+                <a:solidFill>
+                  <a:schemeClr val="tx1"/>
+                </a:solidFill>
+              </a:rPr>
+              <a:t>“</a:t>
+            </a:r>
+            <a:r>
+              <a:rPr lang="ko-KR" altLang="en-US" sz="1100" dirty="0">
+                <a:solidFill>
+                  <a:schemeClr val="tx1"/>
+                </a:solidFill>
+              </a:rPr>
+              <a:t>이미 시작한 게임입니다</a:t>
+            </a:r>
+            <a:r>
+              <a:rPr lang="en-US" altLang="ko-KR" sz="1100" dirty="0">
+                <a:solidFill>
+                  <a:schemeClr val="tx1"/>
+                </a:solidFill>
+              </a:rPr>
+              <a:t>.”</a:t>
+            </a:r>
+          </a:p>
+          <a:p>
+            <a:pPr algn="ctr"/>
+            <a:r>
+              <a:rPr lang="ko-KR" altLang="en-US" sz="1100" dirty="0">
+                <a:solidFill>
+                  <a:schemeClr val="tx1"/>
+                </a:solidFill>
+              </a:rPr>
+              <a:t>메시지 출력</a:t>
+            </a:r>
+          </a:p>
+        </p:txBody>
+      </p:sp>
+      <p:cxnSp>
+        <p:nvCxnSpPr>
+          <p:cNvPr id="43" name="꺾인 연결선 42"/>
+          <p:cNvCxnSpPr>
+            <a:stCxn id="62" idx="1"/>
+            <a:endCxn id="65" idx="3"/>
+          </p:cNvCxnSpPr>
+          <p:nvPr/>
+        </p:nvCxnSpPr>
+        <p:spPr>
+          <a:xfrm rot="10800000">
+            <a:off x="2953083" y="2035389"/>
+            <a:ext cx="1660243" cy="3813"/>
+          </a:xfrm>
+          <a:prstGeom prst="bentConnector3">
+            <a:avLst/>
+          </a:prstGeom>
+          <a:ln>
+            <a:tailEnd type="triangle"/>
+          </a:ln>
+        </p:spPr>
+        <p:style>
+          <a:lnRef idx="1">
+            <a:schemeClr val="accent1"/>
+          </a:lnRef>
+          <a:fillRef idx="0">
+            <a:schemeClr val="accent1"/>
+          </a:fillRef>
+          <a:effectRef idx="0">
+            <a:schemeClr val="accent1"/>
+          </a:effectRef>
+          <a:fontRef idx="minor">
+            <a:schemeClr val="tx1"/>
+          </a:fontRef>
+        </p:style>
+      </p:cxnSp>
+      <p:cxnSp>
+        <p:nvCxnSpPr>
+          <p:cNvPr id="54" name="꺾인 연결선 53"/>
+          <p:cNvCxnSpPr>
+            <a:stCxn id="62" idx="2"/>
+            <a:endCxn id="26" idx="0"/>
+          </p:cNvCxnSpPr>
+          <p:nvPr/>
+        </p:nvCxnSpPr>
+        <p:spPr>
+          <a:xfrm rot="16200000" flipH="1">
+            <a:off x="5155079" y="2233802"/>
+            <a:ext cx="702652" cy="717895"/>
+          </a:xfrm>
+          <a:prstGeom prst="bentConnector3">
+            <a:avLst/>
+          </a:prstGeom>
+          <a:ln>
+            <a:tailEnd type="triangle"/>
+          </a:ln>
+        </p:spPr>
+        <p:style>
+          <a:lnRef idx="1">
+            <a:schemeClr val="accent1"/>
+          </a:lnRef>
+          <a:fillRef idx="0">
+            <a:schemeClr val="accent1"/>
+          </a:fillRef>
+          <a:effectRef idx="0">
+            <a:schemeClr val="accent1"/>
+          </a:effectRef>
+          <a:fontRef idx="minor">
+            <a:schemeClr val="tx1"/>
+          </a:fontRef>
+        </p:style>
+      </p:cxnSp>
+      <p:grpSp>
+        <p:nvGrpSpPr>
+          <p:cNvPr id="58" name="그룹 57"/>
+          <p:cNvGrpSpPr/>
+          <p:nvPr/>
+        </p:nvGrpSpPr>
+        <p:grpSpPr>
+          <a:xfrm>
+            <a:off x="7591669" y="4413103"/>
+            <a:ext cx="1144864" cy="430887"/>
+            <a:chOff x="7607055" y="5006949"/>
+            <a:chExt cx="1144864" cy="430887"/>
+          </a:xfrm>
+        </p:grpSpPr>
+        <p:sp>
+          <p:nvSpPr>
+            <p:cNvPr id="90" name="순서도: 판단 89"/>
+            <p:cNvSpPr/>
+            <p:nvPr/>
+          </p:nvSpPr>
+          <p:spPr>
+            <a:xfrm>
+              <a:off x="7645354" y="5033390"/>
+              <a:ext cx="1068266" cy="404446"/>
+            </a:xfrm>
+            <a:prstGeom prst="flowChartDecision">
+              <a:avLst/>
+            </a:prstGeom>
+            <a:solidFill>
+              <a:schemeClr val="bg1">
+                <a:lumMod val="75000"/>
+              </a:schemeClr>
+            </a:solidFill>
+          </p:spPr>
+          <p:style>
+            <a:lnRef idx="2">
+              <a:schemeClr val="accent1">
+                <a:shade val="50000"/>
+              </a:schemeClr>
+            </a:lnRef>
+            <a:fillRef idx="1">
+              <a:schemeClr val="accent1"/>
+            </a:fillRef>
+            <a:effectRef idx="0">
+              <a:schemeClr val="accent1"/>
+            </a:effectRef>
+            <a:fontRef idx="minor">
+              <a:schemeClr val="lt1"/>
+            </a:fontRef>
+          </p:style>
+          <p:txBody>
+            <a:bodyPr rtlCol="0" anchor="ctr"/>
+            <a:lstStyle/>
+            <a:p>
+              <a:pPr algn="ctr"/>
+              <a:endParaRPr lang="ko-KR" altLang="en-US"/>
+            </a:p>
+          </p:txBody>
+        </p:sp>
+        <p:sp>
+          <p:nvSpPr>
+            <p:cNvPr id="91" name="TextBox 90"/>
+            <p:cNvSpPr txBox="1"/>
+            <p:nvPr/>
+          </p:nvSpPr>
+          <p:spPr>
+            <a:xfrm>
+              <a:off x="7607055" y="5006949"/>
+              <a:ext cx="1144864" cy="430887"/>
+            </a:xfrm>
+            <a:prstGeom prst="rect">
+              <a:avLst/>
+            </a:prstGeom>
+            <a:noFill/>
+          </p:spPr>
+          <p:txBody>
+            <a:bodyPr wrap="none" rtlCol="0">
+              <a:spAutoFit/>
+            </a:bodyPr>
+            <a:lstStyle/>
+            <a:p>
+              <a:pPr algn="ctr"/>
+              <a:r>
+                <a:rPr lang="ko-KR" altLang="en-US" sz="1100" dirty="0"/>
+                <a:t>방장이 게임을</a:t>
+              </a:r>
+              <a:endParaRPr lang="en-US" altLang="ko-KR" sz="1100" dirty="0"/>
+            </a:p>
+            <a:p>
+              <a:pPr algn="ctr"/>
+              <a:r>
+                <a:rPr lang="ko-KR" altLang="en-US" sz="1100" dirty="0"/>
+                <a:t> 시작하였는가</a:t>
+              </a:r>
+              <a:r>
+                <a:rPr lang="en-US" altLang="ko-KR" sz="1100" dirty="0"/>
+                <a:t>?</a:t>
+              </a:r>
+              <a:endParaRPr lang="ko-KR" altLang="en-US" sz="1100" dirty="0"/>
+            </a:p>
+          </p:txBody>
+        </p:sp>
+      </p:grpSp>
+      <p:sp>
+        <p:nvSpPr>
+          <p:cNvPr id="92" name="TextBox 91"/>
+          <p:cNvSpPr txBox="1"/>
+          <p:nvPr/>
+        </p:nvSpPr>
+        <p:spPr>
+          <a:xfrm>
+            <a:off x="5271571" y="3744144"/>
+            <a:ext cx="1144865" cy="430887"/>
+          </a:xfrm>
+          <a:prstGeom prst="rect">
+            <a:avLst/>
+          </a:prstGeom>
+          <a:noFill/>
+        </p:spPr>
+        <p:txBody>
+          <a:bodyPr wrap="none" rtlCol="0">
+            <a:spAutoFit/>
+          </a:bodyPr>
+          <a:lstStyle/>
+          <a:p>
+            <a:pPr algn="ctr"/>
+            <a:r>
+              <a:rPr lang="ko-KR" altLang="en-US" sz="1100" dirty="0"/>
+              <a:t>방장 권한을 </a:t>
+            </a:r>
+            <a:endParaRPr lang="en-US" altLang="ko-KR" sz="1100" dirty="0"/>
+          </a:p>
+          <a:p>
+            <a:pPr algn="ctr"/>
+            <a:r>
+              <a:rPr lang="ko-KR" altLang="en-US" sz="1100" dirty="0"/>
+              <a:t>가지고 있는가</a:t>
+            </a:r>
+            <a:r>
+              <a:rPr lang="en-US" altLang="ko-KR" sz="1100" dirty="0"/>
+              <a:t>?</a:t>
+            </a:r>
+            <a:endParaRPr lang="ko-KR" altLang="en-US" sz="1100" dirty="0"/>
+          </a:p>
+        </p:txBody>
+      </p:sp>
+      <p:cxnSp>
+        <p:nvCxnSpPr>
+          <p:cNvPr id="64" name="꺾인 연결선 63"/>
+          <p:cNvCxnSpPr>
+            <a:stCxn id="26" idx="2"/>
+            <a:endCxn id="98" idx="0"/>
+          </p:cNvCxnSpPr>
+          <p:nvPr/>
+        </p:nvCxnSpPr>
+        <p:spPr>
+          <a:xfrm rot="5400000">
+            <a:off x="5687293" y="3592525"/>
+            <a:ext cx="351724" cy="4397"/>
+          </a:xfrm>
+          <a:prstGeom prst="bentConnector3">
+            <a:avLst/>
+          </a:prstGeom>
+          <a:ln>
+            <a:tailEnd type="triangle"/>
+          </a:ln>
+        </p:spPr>
+        <p:style>
+          <a:lnRef idx="1">
+            <a:schemeClr val="accent1"/>
+          </a:lnRef>
+          <a:fillRef idx="0">
+            <a:schemeClr val="accent1"/>
+          </a:fillRef>
+          <a:effectRef idx="0">
+            <a:schemeClr val="accent1"/>
+          </a:effectRef>
+          <a:fontRef idx="minor">
+            <a:schemeClr val="tx1"/>
+          </a:fontRef>
+        </p:style>
+      </p:cxnSp>
+      <p:sp>
+        <p:nvSpPr>
+          <p:cNvPr id="99" name="순서도: 판단 98"/>
+          <p:cNvSpPr/>
+          <p:nvPr/>
+        </p:nvSpPr>
+        <p:spPr>
+          <a:xfrm>
+            <a:off x="3594537" y="4365063"/>
+            <a:ext cx="1068266" cy="404446"/>
+          </a:xfrm>
+          <a:prstGeom prst="flowChartDecision">
+            <a:avLst/>
+          </a:prstGeom>
+          <a:solidFill>
+            <a:schemeClr val="bg1">
+              <a:lumMod val="75000"/>
+            </a:schemeClr>
+          </a:solidFill>
+        </p:spPr>
+        <p:style>
+          <a:lnRef idx="2">
+            <a:schemeClr val="accent1">
+              <a:shade val="50000"/>
+            </a:schemeClr>
+          </a:lnRef>
+          <a:fillRef idx="1">
+            <a:schemeClr val="accent1"/>
+          </a:fillRef>
+          <a:effectRef idx="0">
+            <a:schemeClr val="accent1"/>
+          </a:effectRef>
+          <a:fontRef idx="minor">
+            <a:schemeClr val="lt1"/>
+          </a:fontRef>
+        </p:style>
+        <p:txBody>
+          <a:bodyPr rtlCol="0" anchor="ctr"/>
+          <a:lstStyle/>
+          <a:p>
+            <a:pPr algn="ctr"/>
+            <a:endParaRPr lang="ko-KR" altLang="en-US"/>
+          </a:p>
+        </p:txBody>
+      </p:sp>
+      <p:sp>
+        <p:nvSpPr>
+          <p:cNvPr id="100" name="TextBox 99"/>
+          <p:cNvSpPr txBox="1"/>
+          <p:nvPr/>
+        </p:nvSpPr>
+        <p:spPr>
+          <a:xfrm>
+            <a:off x="3588298" y="4364427"/>
+            <a:ext cx="1080744" cy="430887"/>
+          </a:xfrm>
+          <a:prstGeom prst="rect">
+            <a:avLst/>
+          </a:prstGeom>
+          <a:noFill/>
+        </p:spPr>
+        <p:txBody>
+          <a:bodyPr wrap="none" rtlCol="0">
+            <a:spAutoFit/>
+          </a:bodyPr>
+          <a:lstStyle/>
+          <a:p>
+            <a:pPr algn="ctr"/>
+            <a:r>
+              <a:rPr lang="ko-KR" altLang="en-US" sz="1100" dirty="0" err="1"/>
+              <a:t>인게임</a:t>
+            </a:r>
+            <a:r>
+              <a:rPr lang="ko-KR" altLang="en-US" sz="1100" dirty="0"/>
+              <a:t> 설정을</a:t>
+            </a:r>
+            <a:endParaRPr lang="en-US" altLang="ko-KR" sz="1100" dirty="0"/>
+          </a:p>
+          <a:p>
+            <a:pPr algn="ctr"/>
+            <a:r>
+              <a:rPr lang="ko-KR" altLang="en-US" sz="1100" dirty="0"/>
+              <a:t>바꿀 것인가</a:t>
+            </a:r>
+            <a:r>
+              <a:rPr lang="en-US" altLang="ko-KR" sz="1100" dirty="0"/>
+              <a:t>?</a:t>
+            </a:r>
+            <a:endParaRPr lang="ko-KR" altLang="en-US" sz="1100" dirty="0"/>
+          </a:p>
+        </p:txBody>
+      </p:sp>
+      <p:sp>
+        <p:nvSpPr>
+          <p:cNvPr id="101" name="순서도: 판단 100"/>
+          <p:cNvSpPr/>
+          <p:nvPr/>
+        </p:nvSpPr>
+        <p:spPr>
+          <a:xfrm>
+            <a:off x="3594537" y="5167568"/>
+            <a:ext cx="1068266" cy="404446"/>
+          </a:xfrm>
+          <a:prstGeom prst="flowChartDecision">
+            <a:avLst/>
+          </a:prstGeom>
+          <a:solidFill>
+            <a:schemeClr val="bg1">
+              <a:lumMod val="75000"/>
+            </a:schemeClr>
+          </a:solidFill>
+        </p:spPr>
+        <p:style>
+          <a:lnRef idx="2">
+            <a:schemeClr val="accent1">
+              <a:shade val="50000"/>
+            </a:schemeClr>
+          </a:lnRef>
+          <a:fillRef idx="1">
+            <a:schemeClr val="accent1"/>
+          </a:fillRef>
+          <a:effectRef idx="0">
+            <a:schemeClr val="accent1"/>
+          </a:effectRef>
+          <a:fontRef idx="minor">
+            <a:schemeClr val="lt1"/>
+          </a:fontRef>
+        </p:style>
+        <p:txBody>
+          <a:bodyPr rtlCol="0" anchor="ctr"/>
+          <a:lstStyle/>
+          <a:p>
+            <a:pPr algn="ctr"/>
+            <a:endParaRPr lang="ko-KR" altLang="en-US"/>
+          </a:p>
+        </p:txBody>
+      </p:sp>
+      <p:sp>
+        <p:nvSpPr>
+          <p:cNvPr id="102" name="TextBox 101"/>
+          <p:cNvSpPr txBox="1"/>
+          <p:nvPr/>
+        </p:nvSpPr>
+        <p:spPr>
+          <a:xfrm>
+            <a:off x="3650181" y="5163844"/>
+            <a:ext cx="939681" cy="430887"/>
+          </a:xfrm>
+          <a:prstGeom prst="rect">
+            <a:avLst/>
+          </a:prstGeom>
+          <a:noFill/>
+        </p:spPr>
+        <p:txBody>
+          <a:bodyPr wrap="none" rtlCol="0">
+            <a:spAutoFit/>
+          </a:bodyPr>
+          <a:lstStyle/>
+          <a:p>
+            <a:pPr algn="ctr"/>
+            <a:r>
+              <a:rPr lang="ko-KR" altLang="en-US" sz="1100" dirty="0"/>
+              <a:t>게임 시작을</a:t>
+            </a:r>
+            <a:endParaRPr lang="en-US" altLang="ko-KR" sz="1100" dirty="0"/>
+          </a:p>
+          <a:p>
+            <a:pPr algn="ctr"/>
+            <a:r>
+              <a:rPr lang="ko-KR" altLang="en-US" sz="1100" dirty="0"/>
+              <a:t> 할 것인가</a:t>
+            </a:r>
+            <a:r>
+              <a:rPr lang="en-US" altLang="ko-KR" sz="1100" dirty="0"/>
+              <a:t>?</a:t>
+            </a:r>
+            <a:endParaRPr lang="ko-KR" altLang="en-US" sz="1100" dirty="0"/>
+          </a:p>
+        </p:txBody>
+      </p:sp>
+      <p:cxnSp>
+        <p:nvCxnSpPr>
+          <p:cNvPr id="71" name="꺾인 연결선 70"/>
+          <p:cNvCxnSpPr>
+            <a:stCxn id="98" idx="1"/>
+            <a:endCxn id="99" idx="0"/>
+          </p:cNvCxnSpPr>
+          <p:nvPr/>
+        </p:nvCxnSpPr>
+        <p:spPr>
+          <a:xfrm rot="10800000" flipV="1">
+            <a:off x="4128671" y="3972807"/>
+            <a:ext cx="1198153" cy="392255"/>
+          </a:xfrm>
+          <a:prstGeom prst="bentConnector2">
+            <a:avLst/>
+          </a:prstGeom>
+          <a:ln>
+            <a:tailEnd type="triangle"/>
+          </a:ln>
+        </p:spPr>
+        <p:style>
+          <a:lnRef idx="1">
+            <a:schemeClr val="accent1"/>
+          </a:lnRef>
+          <a:fillRef idx="0">
+            <a:schemeClr val="accent1"/>
+          </a:fillRef>
+          <a:effectRef idx="0">
+            <a:schemeClr val="accent1"/>
+          </a:effectRef>
+          <a:fontRef idx="minor">
+            <a:schemeClr val="tx1"/>
+          </a:fontRef>
+        </p:style>
+      </p:cxnSp>
+      <p:cxnSp>
+        <p:nvCxnSpPr>
+          <p:cNvPr id="73" name="꺾인 연결선 72"/>
+          <p:cNvCxnSpPr>
+            <a:stCxn id="98" idx="3"/>
+            <a:endCxn id="91" idx="0"/>
+          </p:cNvCxnSpPr>
+          <p:nvPr/>
+        </p:nvCxnSpPr>
+        <p:spPr>
+          <a:xfrm>
+            <a:off x="6395089" y="3972808"/>
+            <a:ext cx="1769012" cy="440295"/>
+          </a:xfrm>
+          <a:prstGeom prst="bentConnector2">
+            <a:avLst/>
+          </a:prstGeom>
+          <a:ln>
+            <a:tailEnd type="triangle"/>
+          </a:ln>
+        </p:spPr>
+        <p:style>
+          <a:lnRef idx="1">
+            <a:schemeClr val="accent1"/>
+          </a:lnRef>
+          <a:fillRef idx="0">
+            <a:schemeClr val="accent1"/>
+          </a:fillRef>
+          <a:effectRef idx="0">
+            <a:schemeClr val="accent1"/>
+          </a:effectRef>
+          <a:fontRef idx="minor">
+            <a:schemeClr val="tx1"/>
+          </a:fontRef>
+        </p:style>
+      </p:cxnSp>
+      <p:sp>
+        <p:nvSpPr>
+          <p:cNvPr id="120" name="직사각형 119"/>
+          <p:cNvSpPr/>
+          <p:nvPr/>
+        </p:nvSpPr>
+        <p:spPr>
+          <a:xfrm>
+            <a:off x="1588544" y="4342479"/>
+            <a:ext cx="1213338" cy="474785"/>
+          </a:xfrm>
+          <a:prstGeom prst="rect">
+            <a:avLst/>
+          </a:prstGeom>
+          <a:solidFill>
+            <a:srgbClr val="FFFF00"/>
+          </a:solidFill>
+        </p:spPr>
+        <p:style>
+          <a:lnRef idx="2">
+            <a:schemeClr val="accent1">
+              <a:shade val="50000"/>
+            </a:schemeClr>
+          </a:lnRef>
+          <a:fillRef idx="1">
+            <a:schemeClr val="accent1"/>
+          </a:fillRef>
+          <a:effectRef idx="0">
+            <a:schemeClr val="accent1"/>
+          </a:effectRef>
+          <a:fontRef idx="minor">
+            <a:schemeClr val="lt1"/>
+          </a:fontRef>
+        </p:style>
+        <p:txBody>
+          <a:bodyPr rtlCol="0" anchor="ctr"/>
+          <a:lstStyle/>
+          <a:p>
+            <a:pPr algn="ctr"/>
+            <a:r>
+              <a:rPr lang="ko-KR" altLang="en-US" sz="1100" dirty="0">
+                <a:solidFill>
+                  <a:schemeClr val="tx1"/>
+                </a:solidFill>
+              </a:rPr>
+              <a:t>인 게임 </a:t>
+            </a:r>
+            <a:r>
+              <a:rPr lang="ko-KR" altLang="en-US" sz="1100" dirty="0" err="1">
+                <a:solidFill>
+                  <a:schemeClr val="tx1"/>
+                </a:solidFill>
+              </a:rPr>
+              <a:t>설정창</a:t>
+            </a:r>
+            <a:endParaRPr lang="ko-KR" altLang="en-US" sz="1100" dirty="0">
+              <a:solidFill>
+                <a:schemeClr val="tx1"/>
+              </a:solidFill>
+            </a:endParaRPr>
+          </a:p>
+        </p:txBody>
+      </p:sp>
+      <p:cxnSp>
+        <p:nvCxnSpPr>
+          <p:cNvPr id="116" name="직선 화살표 연결선 115"/>
+          <p:cNvCxnSpPr>
+            <a:stCxn id="99" idx="1"/>
+            <a:endCxn id="120" idx="3"/>
+          </p:cNvCxnSpPr>
+          <p:nvPr/>
+        </p:nvCxnSpPr>
+        <p:spPr>
+          <a:xfrm flipH="1">
+            <a:off x="2801882" y="4567286"/>
+            <a:ext cx="792655" cy="12586"/>
+          </a:xfrm>
+          <a:prstGeom prst="straightConnector1">
+            <a:avLst/>
+          </a:prstGeom>
+          <a:ln>
+            <a:tailEnd type="triangle"/>
+          </a:ln>
+        </p:spPr>
+        <p:style>
+          <a:lnRef idx="1">
+            <a:schemeClr val="accent1"/>
+          </a:lnRef>
+          <a:fillRef idx="0">
+            <a:schemeClr val="accent1"/>
+          </a:fillRef>
+          <a:effectRef idx="0">
+            <a:schemeClr val="accent1"/>
+          </a:effectRef>
+          <a:fontRef idx="minor">
+            <a:schemeClr val="tx1"/>
+          </a:fontRef>
+        </p:style>
+      </p:cxnSp>
+      <p:cxnSp>
+        <p:nvCxnSpPr>
+          <p:cNvPr id="121" name="꺾인 연결선 120"/>
+          <p:cNvCxnSpPr>
+            <a:stCxn id="120" idx="2"/>
+            <a:endCxn id="101" idx="1"/>
+          </p:cNvCxnSpPr>
+          <p:nvPr/>
+        </p:nvCxnSpPr>
+        <p:spPr>
+          <a:xfrm rot="16200000" flipH="1">
+            <a:off x="2618612" y="4393865"/>
+            <a:ext cx="552527" cy="1399324"/>
+          </a:xfrm>
+          <a:prstGeom prst="bentConnector2">
+            <a:avLst/>
+          </a:prstGeom>
+          <a:ln>
+            <a:tailEnd type="triangle"/>
+          </a:ln>
+        </p:spPr>
+        <p:style>
+          <a:lnRef idx="1">
+            <a:schemeClr val="accent1"/>
+          </a:lnRef>
+          <a:fillRef idx="0">
+            <a:schemeClr val="accent1"/>
+          </a:fillRef>
+          <a:effectRef idx="0">
+            <a:schemeClr val="accent1"/>
+          </a:effectRef>
+          <a:fontRef idx="minor">
+            <a:schemeClr val="tx1"/>
+          </a:fontRef>
+        </p:style>
+      </p:cxnSp>
+      <p:cxnSp>
+        <p:nvCxnSpPr>
+          <p:cNvPr id="128" name="직선 화살표 연결선 127"/>
+          <p:cNvCxnSpPr>
+            <a:stCxn id="99" idx="2"/>
+            <a:endCxn id="101" idx="0"/>
+          </p:cNvCxnSpPr>
+          <p:nvPr/>
+        </p:nvCxnSpPr>
+        <p:spPr>
+          <a:xfrm>
+            <a:off x="4128670" y="4769509"/>
+            <a:ext cx="0" cy="398059"/>
+          </a:xfrm>
+          <a:prstGeom prst="straightConnector1">
+            <a:avLst/>
+          </a:prstGeom>
+          <a:ln>
+            <a:tailEnd type="triangle"/>
+          </a:ln>
+        </p:spPr>
+        <p:style>
+          <a:lnRef idx="1">
+            <a:schemeClr val="accent1"/>
+          </a:lnRef>
+          <a:fillRef idx="0">
+            <a:schemeClr val="accent1"/>
+          </a:fillRef>
+          <a:effectRef idx="0">
+            <a:schemeClr val="accent1"/>
+          </a:effectRef>
+          <a:fontRef idx="minor">
+            <a:schemeClr val="tx1"/>
+          </a:fontRef>
+        </p:style>
+      </p:cxnSp>
+      <p:sp>
+        <p:nvSpPr>
+          <p:cNvPr id="143" name="직사각형 142"/>
+          <p:cNvSpPr/>
+          <p:nvPr/>
+        </p:nvSpPr>
+        <p:spPr>
+          <a:xfrm>
+            <a:off x="5926531" y="5875058"/>
+            <a:ext cx="1213338" cy="474785"/>
+          </a:xfrm>
+          <a:prstGeom prst="rect">
+            <a:avLst/>
+          </a:prstGeom>
+          <a:solidFill>
+            <a:srgbClr val="FFFF00"/>
+          </a:solidFill>
+        </p:spPr>
+        <p:style>
+          <a:lnRef idx="2">
+            <a:schemeClr val="accent1">
+              <a:shade val="50000"/>
+            </a:schemeClr>
+          </a:lnRef>
+          <a:fillRef idx="1">
+            <a:schemeClr val="accent1"/>
+          </a:fillRef>
+          <a:effectRef idx="0">
+            <a:schemeClr val="accent1"/>
+          </a:effectRef>
+          <a:fontRef idx="minor">
+            <a:schemeClr val="lt1"/>
+          </a:fontRef>
+        </p:style>
+        <p:txBody>
+          <a:bodyPr rtlCol="0" anchor="ctr"/>
+          <a:lstStyle/>
+          <a:p>
+            <a:pPr algn="ctr"/>
+            <a:r>
+              <a:rPr lang="ko-KR" altLang="en-US" sz="1100" dirty="0">
+                <a:solidFill>
+                  <a:schemeClr val="tx1"/>
+                </a:solidFill>
+              </a:rPr>
+              <a:t>게임 시작</a:t>
+            </a:r>
+          </a:p>
+        </p:txBody>
+      </p:sp>
+      <p:cxnSp>
+        <p:nvCxnSpPr>
+          <p:cNvPr id="145" name="꺾인 연결선 144"/>
+          <p:cNvCxnSpPr>
+            <a:stCxn id="91" idx="2"/>
+            <a:endCxn id="143" idx="0"/>
+          </p:cNvCxnSpPr>
+          <p:nvPr/>
+        </p:nvCxnSpPr>
+        <p:spPr>
+          <a:xfrm rot="5400000">
+            <a:off x="6833117" y="4544074"/>
+            <a:ext cx="1031068" cy="1630901"/>
+          </a:xfrm>
+          <a:prstGeom prst="bentConnector3">
+            <a:avLst/>
+          </a:prstGeom>
+          <a:ln>
+            <a:tailEnd type="triangle"/>
+          </a:ln>
+        </p:spPr>
+        <p:style>
+          <a:lnRef idx="1">
+            <a:schemeClr val="accent1"/>
+          </a:lnRef>
+          <a:fillRef idx="0">
+            <a:schemeClr val="accent1"/>
+          </a:fillRef>
+          <a:effectRef idx="0">
+            <a:schemeClr val="accent1"/>
+          </a:effectRef>
+          <a:fontRef idx="minor">
+            <a:schemeClr val="tx1"/>
+          </a:fontRef>
+        </p:style>
+      </p:cxnSp>
+      <p:cxnSp>
+        <p:nvCxnSpPr>
+          <p:cNvPr id="147" name="꺾인 연결선 146"/>
+          <p:cNvCxnSpPr>
+            <a:stCxn id="101" idx="3"/>
+            <a:endCxn id="143" idx="0"/>
+          </p:cNvCxnSpPr>
+          <p:nvPr/>
+        </p:nvCxnSpPr>
+        <p:spPr>
+          <a:xfrm>
+            <a:off x="4662803" y="5369791"/>
+            <a:ext cx="1870397" cy="505267"/>
+          </a:xfrm>
+          <a:prstGeom prst="bentConnector2">
+            <a:avLst/>
+          </a:prstGeom>
+          <a:ln>
+            <a:tailEnd type="triangle"/>
+          </a:ln>
+        </p:spPr>
+        <p:style>
+          <a:lnRef idx="1">
+            <a:schemeClr val="accent1"/>
+          </a:lnRef>
+          <a:fillRef idx="0">
+            <a:schemeClr val="accent1"/>
+          </a:fillRef>
+          <a:effectRef idx="0">
+            <a:schemeClr val="accent1"/>
+          </a:effectRef>
+          <a:fontRef idx="minor">
+            <a:schemeClr val="tx1"/>
+          </a:fontRef>
+        </p:style>
+      </p:cxnSp>
+      <p:sp>
+        <p:nvSpPr>
+          <p:cNvPr id="148" name="TextBox 147"/>
+          <p:cNvSpPr txBox="1"/>
+          <p:nvPr/>
+        </p:nvSpPr>
+        <p:spPr>
+          <a:xfrm>
+            <a:off x="7908061" y="1786812"/>
+            <a:ext cx="389850" cy="261610"/>
+          </a:xfrm>
+          <a:prstGeom prst="rect">
+            <a:avLst/>
+          </a:prstGeom>
+          <a:noFill/>
+        </p:spPr>
+        <p:txBody>
+          <a:bodyPr wrap="none" rtlCol="0">
+            <a:spAutoFit/>
+          </a:bodyPr>
+          <a:lstStyle/>
+          <a:p>
+            <a:r>
+              <a:rPr lang="en-US" altLang="ko-KR" sz="1100" dirty="0"/>
+              <a:t>yes</a:t>
+            </a:r>
+            <a:endParaRPr lang="ko-KR" altLang="en-US" sz="1100" dirty="0"/>
+          </a:p>
+        </p:txBody>
+      </p:sp>
+      <p:sp>
+        <p:nvSpPr>
+          <p:cNvPr id="149" name="TextBox 148"/>
+          <p:cNvSpPr txBox="1"/>
+          <p:nvPr/>
+        </p:nvSpPr>
+        <p:spPr>
+          <a:xfrm>
+            <a:off x="6087332" y="2355196"/>
+            <a:ext cx="351378" cy="261610"/>
+          </a:xfrm>
+          <a:prstGeom prst="rect">
+            <a:avLst/>
+          </a:prstGeom>
+          <a:noFill/>
+        </p:spPr>
+        <p:txBody>
+          <a:bodyPr wrap="none" rtlCol="0">
+            <a:spAutoFit/>
+          </a:bodyPr>
+          <a:lstStyle/>
+          <a:p>
+            <a:r>
+              <a:rPr lang="en-US" altLang="ko-KR" sz="1100" dirty="0"/>
+              <a:t>no</a:t>
+            </a:r>
+            <a:endParaRPr lang="ko-KR" altLang="en-US" sz="1100" dirty="0"/>
+          </a:p>
+        </p:txBody>
+      </p:sp>
+      <p:sp>
+        <p:nvSpPr>
+          <p:cNvPr id="150" name="TextBox 149"/>
+          <p:cNvSpPr txBox="1"/>
+          <p:nvPr/>
+        </p:nvSpPr>
+        <p:spPr>
+          <a:xfrm>
+            <a:off x="3533962" y="1763577"/>
+            <a:ext cx="389850" cy="261610"/>
+          </a:xfrm>
+          <a:prstGeom prst="rect">
+            <a:avLst/>
+          </a:prstGeom>
+          <a:noFill/>
+        </p:spPr>
+        <p:txBody>
+          <a:bodyPr wrap="none" rtlCol="0">
+            <a:spAutoFit/>
+          </a:bodyPr>
+          <a:lstStyle/>
+          <a:p>
+            <a:r>
+              <a:rPr lang="en-US" altLang="ko-KR" sz="1100" dirty="0"/>
+              <a:t>yes</a:t>
+            </a:r>
+            <a:endParaRPr lang="ko-KR" altLang="en-US" sz="1100" dirty="0"/>
+          </a:p>
+        </p:txBody>
+      </p:sp>
+      <p:sp>
+        <p:nvSpPr>
+          <p:cNvPr id="151" name="TextBox 150"/>
+          <p:cNvSpPr txBox="1"/>
+          <p:nvPr/>
+        </p:nvSpPr>
+        <p:spPr>
+          <a:xfrm>
+            <a:off x="5330213" y="2350509"/>
+            <a:ext cx="351378" cy="261610"/>
+          </a:xfrm>
+          <a:prstGeom prst="rect">
+            <a:avLst/>
+          </a:prstGeom>
+          <a:noFill/>
+        </p:spPr>
+        <p:txBody>
+          <a:bodyPr wrap="none" rtlCol="0">
+            <a:spAutoFit/>
+          </a:bodyPr>
+          <a:lstStyle/>
+          <a:p>
+            <a:r>
+              <a:rPr lang="en-US" altLang="ko-KR" sz="1100" dirty="0"/>
+              <a:t>no</a:t>
+            </a:r>
+            <a:endParaRPr lang="ko-KR" altLang="en-US" sz="1100" dirty="0"/>
+          </a:p>
+        </p:txBody>
+      </p:sp>
+      <p:sp>
+        <p:nvSpPr>
+          <p:cNvPr id="152" name="TextBox 151"/>
+          <p:cNvSpPr txBox="1"/>
+          <p:nvPr/>
+        </p:nvSpPr>
+        <p:spPr>
+          <a:xfrm>
+            <a:off x="4587029" y="3723739"/>
+            <a:ext cx="389850" cy="261610"/>
+          </a:xfrm>
+          <a:prstGeom prst="rect">
+            <a:avLst/>
+          </a:prstGeom>
+          <a:noFill/>
+        </p:spPr>
+        <p:txBody>
+          <a:bodyPr wrap="none" rtlCol="0">
+            <a:spAutoFit/>
+          </a:bodyPr>
+          <a:lstStyle/>
+          <a:p>
+            <a:r>
+              <a:rPr lang="en-US" altLang="ko-KR" sz="1100" dirty="0"/>
+              <a:t>yes</a:t>
+            </a:r>
+            <a:endParaRPr lang="ko-KR" altLang="en-US" sz="1100" dirty="0"/>
+          </a:p>
+        </p:txBody>
+      </p:sp>
+      <p:sp>
+        <p:nvSpPr>
+          <p:cNvPr id="154" name="TextBox 153"/>
+          <p:cNvSpPr txBox="1"/>
+          <p:nvPr/>
+        </p:nvSpPr>
+        <p:spPr>
+          <a:xfrm>
+            <a:off x="7052871" y="3723739"/>
+            <a:ext cx="351378" cy="261610"/>
+          </a:xfrm>
+          <a:prstGeom prst="rect">
+            <a:avLst/>
+          </a:prstGeom>
+          <a:noFill/>
+        </p:spPr>
+        <p:txBody>
+          <a:bodyPr wrap="none" rtlCol="0">
+            <a:spAutoFit/>
+          </a:bodyPr>
+          <a:lstStyle/>
+          <a:p>
+            <a:r>
+              <a:rPr lang="en-US" altLang="ko-KR" sz="1100" dirty="0"/>
+              <a:t>no</a:t>
+            </a:r>
+            <a:endParaRPr lang="ko-KR" altLang="en-US" sz="1100" dirty="0"/>
+          </a:p>
+        </p:txBody>
+      </p:sp>
+      <p:sp>
+        <p:nvSpPr>
+          <p:cNvPr id="155" name="TextBox 154"/>
+          <p:cNvSpPr txBox="1"/>
+          <p:nvPr/>
+        </p:nvSpPr>
+        <p:spPr>
+          <a:xfrm>
+            <a:off x="3070722" y="4324078"/>
+            <a:ext cx="389850" cy="261610"/>
+          </a:xfrm>
+          <a:prstGeom prst="rect">
+            <a:avLst/>
+          </a:prstGeom>
+          <a:noFill/>
+        </p:spPr>
+        <p:txBody>
+          <a:bodyPr wrap="none" rtlCol="0">
+            <a:spAutoFit/>
+          </a:bodyPr>
+          <a:lstStyle/>
+          <a:p>
+            <a:r>
+              <a:rPr lang="en-US" altLang="ko-KR" sz="1100" dirty="0"/>
+              <a:t>yes</a:t>
+            </a:r>
+            <a:endParaRPr lang="ko-KR" altLang="en-US" sz="1100" dirty="0"/>
+          </a:p>
+        </p:txBody>
+      </p:sp>
+      <p:sp>
+        <p:nvSpPr>
+          <p:cNvPr id="156" name="TextBox 155"/>
+          <p:cNvSpPr txBox="1"/>
+          <p:nvPr/>
+        </p:nvSpPr>
+        <p:spPr>
+          <a:xfrm>
+            <a:off x="4118706" y="4756682"/>
+            <a:ext cx="351378" cy="261610"/>
+          </a:xfrm>
+          <a:prstGeom prst="rect">
+            <a:avLst/>
+          </a:prstGeom>
+          <a:noFill/>
+        </p:spPr>
+        <p:txBody>
+          <a:bodyPr wrap="none" rtlCol="0">
+            <a:spAutoFit/>
+          </a:bodyPr>
+          <a:lstStyle/>
+          <a:p>
+            <a:r>
+              <a:rPr lang="en-US" altLang="ko-KR" sz="1100" dirty="0"/>
+              <a:t>no</a:t>
+            </a:r>
+            <a:endParaRPr lang="ko-KR" altLang="en-US" sz="1100" dirty="0"/>
+          </a:p>
+        </p:txBody>
+      </p:sp>
+      <p:sp>
+        <p:nvSpPr>
+          <p:cNvPr id="157" name="TextBox 156"/>
+          <p:cNvSpPr txBox="1"/>
+          <p:nvPr/>
+        </p:nvSpPr>
+        <p:spPr>
+          <a:xfrm>
+            <a:off x="5317563" y="5118439"/>
+            <a:ext cx="389850" cy="261610"/>
+          </a:xfrm>
+          <a:prstGeom prst="rect">
+            <a:avLst/>
+          </a:prstGeom>
+          <a:noFill/>
+        </p:spPr>
+        <p:txBody>
+          <a:bodyPr wrap="none" rtlCol="0">
+            <a:spAutoFit/>
+          </a:bodyPr>
+          <a:lstStyle/>
+          <a:p>
+            <a:r>
+              <a:rPr lang="en-US" altLang="ko-KR" sz="1100" dirty="0"/>
+              <a:t>yes</a:t>
+            </a:r>
+            <a:endParaRPr lang="ko-KR" altLang="en-US" sz="1100" dirty="0"/>
+          </a:p>
+        </p:txBody>
+      </p:sp>
+      <p:sp>
+        <p:nvSpPr>
+          <p:cNvPr id="158" name="TextBox 157"/>
+          <p:cNvSpPr txBox="1"/>
+          <p:nvPr/>
+        </p:nvSpPr>
+        <p:spPr>
+          <a:xfrm>
+            <a:off x="7216390" y="5097958"/>
+            <a:ext cx="389850" cy="261610"/>
+          </a:xfrm>
+          <a:prstGeom prst="rect">
+            <a:avLst/>
+          </a:prstGeom>
+          <a:noFill/>
+        </p:spPr>
+        <p:txBody>
+          <a:bodyPr wrap="none" rtlCol="0">
+            <a:spAutoFit/>
+          </a:bodyPr>
+          <a:lstStyle/>
+          <a:p>
+            <a:r>
+              <a:rPr lang="en-US" altLang="ko-KR" sz="1100" dirty="0"/>
+              <a:t>yes</a:t>
+            </a:r>
+            <a:endParaRPr lang="ko-KR" altLang="en-US" sz="1100" dirty="0"/>
+          </a:p>
+        </p:txBody>
+      </p:sp>
+      <p:cxnSp>
+        <p:nvCxnSpPr>
+          <p:cNvPr id="160" name="꺾인 연결선 159"/>
+          <p:cNvCxnSpPr>
+            <a:stCxn id="102" idx="2"/>
+            <a:endCxn id="26" idx="1"/>
+          </p:cNvCxnSpPr>
+          <p:nvPr/>
+        </p:nvCxnSpPr>
+        <p:spPr>
+          <a:xfrm rot="5400000" flipH="1" flipV="1">
+            <a:off x="3482722" y="3818769"/>
+            <a:ext cx="2413262" cy="1138662"/>
+          </a:xfrm>
+          <a:prstGeom prst="bentConnector4">
+            <a:avLst>
+              <a:gd name="adj1" fmla="val -9473"/>
+              <a:gd name="adj2" fmla="val -272209"/>
+            </a:avLst>
+          </a:prstGeom>
+          <a:ln>
+            <a:tailEnd type="triangle"/>
+          </a:ln>
+        </p:spPr>
+        <p:style>
+          <a:lnRef idx="1">
+            <a:schemeClr val="accent1"/>
+          </a:lnRef>
+          <a:fillRef idx="0">
+            <a:schemeClr val="accent1"/>
+          </a:fillRef>
+          <a:effectRef idx="0">
+            <a:schemeClr val="accent1"/>
+          </a:effectRef>
+          <a:fontRef idx="minor">
+            <a:schemeClr val="tx1"/>
+          </a:fontRef>
+        </p:style>
+      </p:cxnSp>
+      <p:cxnSp>
+        <p:nvCxnSpPr>
+          <p:cNvPr id="163" name="꺾인 연결선 162"/>
+          <p:cNvCxnSpPr>
+            <a:stCxn id="91" idx="3"/>
+            <a:endCxn id="26" idx="3"/>
+          </p:cNvCxnSpPr>
+          <p:nvPr/>
+        </p:nvCxnSpPr>
+        <p:spPr>
+          <a:xfrm flipH="1" flipV="1">
+            <a:off x="6472022" y="3181469"/>
+            <a:ext cx="2264511" cy="1447078"/>
+          </a:xfrm>
+          <a:prstGeom prst="bentConnector3">
+            <a:avLst>
+              <a:gd name="adj1" fmla="val -10095"/>
+            </a:avLst>
+          </a:prstGeom>
+          <a:ln>
+            <a:tailEnd type="triangle"/>
+          </a:ln>
+        </p:spPr>
+        <p:style>
+          <a:lnRef idx="1">
+            <a:schemeClr val="accent1"/>
+          </a:lnRef>
+          <a:fillRef idx="0">
+            <a:schemeClr val="accent1"/>
+          </a:fillRef>
+          <a:effectRef idx="0">
+            <a:schemeClr val="accent1"/>
+          </a:effectRef>
+          <a:fontRef idx="minor">
+            <a:schemeClr val="tx1"/>
+          </a:fontRef>
+        </p:style>
+      </p:cxnSp>
+      <p:sp>
+        <p:nvSpPr>
+          <p:cNvPr id="164" name="TextBox 163"/>
+          <p:cNvSpPr txBox="1"/>
+          <p:nvPr/>
+        </p:nvSpPr>
+        <p:spPr>
+          <a:xfrm>
+            <a:off x="686109" y="4341164"/>
+            <a:ext cx="351378" cy="261610"/>
+          </a:xfrm>
+          <a:prstGeom prst="rect">
+            <a:avLst/>
+          </a:prstGeom>
+          <a:noFill/>
+        </p:spPr>
+        <p:txBody>
+          <a:bodyPr wrap="none" rtlCol="0">
+            <a:spAutoFit/>
+          </a:bodyPr>
+          <a:lstStyle/>
+          <a:p>
+            <a:r>
+              <a:rPr lang="en-US" altLang="ko-KR" sz="1100" dirty="0"/>
+              <a:t>no</a:t>
+            </a:r>
+            <a:endParaRPr lang="ko-KR" altLang="en-US" sz="1100" dirty="0"/>
+          </a:p>
+        </p:txBody>
+      </p:sp>
+      <p:sp>
+        <p:nvSpPr>
+          <p:cNvPr id="165" name="TextBox 164"/>
+          <p:cNvSpPr txBox="1"/>
+          <p:nvPr/>
+        </p:nvSpPr>
+        <p:spPr>
+          <a:xfrm>
+            <a:off x="8939698" y="3723739"/>
+            <a:ext cx="351378" cy="261610"/>
+          </a:xfrm>
+          <a:prstGeom prst="rect">
+            <a:avLst/>
+          </a:prstGeom>
+          <a:noFill/>
+        </p:spPr>
+        <p:txBody>
+          <a:bodyPr wrap="none" rtlCol="0">
+            <a:spAutoFit/>
+          </a:bodyPr>
+          <a:lstStyle/>
+          <a:p>
+            <a:r>
+              <a:rPr lang="en-US" altLang="ko-KR" sz="1100" dirty="0"/>
+              <a:t>no</a:t>
+            </a:r>
+            <a:endParaRPr lang="ko-KR" altLang="en-US" sz="1100" dirty="0"/>
+          </a:p>
+        </p:txBody>
+      </p:sp>
+      <p:sp>
+        <p:nvSpPr>
+          <p:cNvPr id="53" name="TextBox 52">
+            <a:extLst>
+              <a:ext uri="{FF2B5EF4-FFF2-40B4-BE49-F238E27FC236}">
+                <a16:creationId xmlns:a16="http://schemas.microsoft.com/office/drawing/2014/main" id="{8DE173B3-60A0-4482-9577-A4DFE96DFC2B}"/>
+              </a:ext>
+            </a:extLst>
+          </p:cNvPr>
+          <p:cNvSpPr txBox="1"/>
+          <p:nvPr/>
+        </p:nvSpPr>
+        <p:spPr>
+          <a:xfrm>
+            <a:off x="11508508" y="6289963"/>
+            <a:ext cx="311304" cy="369332"/>
+          </a:xfrm>
+          <a:prstGeom prst="rect">
+            <a:avLst/>
+          </a:prstGeom>
+          <a:noFill/>
+        </p:spPr>
+        <p:txBody>
+          <a:bodyPr wrap="none" rtlCol="0">
+            <a:spAutoFit/>
+          </a:bodyPr>
+          <a:lstStyle/>
+          <a:p>
+            <a:r>
+              <a:rPr lang="en-US" altLang="ko-KR" dirty="0"/>
+              <a:t>1</a:t>
+            </a:r>
+            <a:endParaRPr lang="ko-KR" altLang="en-US" dirty="0"/>
+          </a:p>
+        </p:txBody>
+      </p:sp>
+    </p:spTree>
+    <p:extLst>
+      <p:ext uri="{BB962C8B-B14F-4D97-AF65-F5344CB8AC3E}">
+        <p14:creationId xmlns:p14="http://schemas.microsoft.com/office/powerpoint/2010/main" val="1067366761"/>
       </p:ext>
     </p:extLst>
   </p:cSld>

--- a/Document/시스템/시스템.pptx
+++ b/Document/시스템/시스템.pptx
@@ -201,7 +201,7 @@
           <a:p>
             <a:fld id="{1BE7B796-A74A-480E-B7C3-F20E279F0A7C}" type="datetimeFigureOut">
               <a:rPr lang="ko-KR" altLang="en-US" smtClean="0"/>
-              <a:t>2022-03-03(Thu)</a:t>
+              <a:t>2022-03-08(Tue)</a:t>
             </a:fld>
             <a:endParaRPr lang="ko-KR" altLang="en-US"/>
           </a:p>
@@ -951,7 +951,7 @@
           <a:p>
             <a:fld id="{4E8DDE92-A542-49E3-8BCA-C8166235BA4E}" type="datetimeFigureOut">
               <a:rPr lang="ko-KR" altLang="en-US" smtClean="0"/>
-              <a:t>2022-03-03(Thu)</a:t>
+              <a:t>2022-03-08(Tue)</a:t>
             </a:fld>
             <a:endParaRPr lang="ko-KR" altLang="en-US"/>
           </a:p>
@@ -1149,7 +1149,7 @@
           <a:p>
             <a:fld id="{4E8DDE92-A542-49E3-8BCA-C8166235BA4E}" type="datetimeFigureOut">
               <a:rPr lang="ko-KR" altLang="en-US" smtClean="0"/>
-              <a:t>2022-03-03(Thu)</a:t>
+              <a:t>2022-03-08(Tue)</a:t>
             </a:fld>
             <a:endParaRPr lang="ko-KR" altLang="en-US"/>
           </a:p>
@@ -1357,7 +1357,7 @@
           <a:p>
             <a:fld id="{4E8DDE92-A542-49E3-8BCA-C8166235BA4E}" type="datetimeFigureOut">
               <a:rPr lang="ko-KR" altLang="en-US" smtClean="0"/>
-              <a:t>2022-03-03(Thu)</a:t>
+              <a:t>2022-03-08(Tue)</a:t>
             </a:fld>
             <a:endParaRPr lang="ko-KR" altLang="en-US"/>
           </a:p>
@@ -1807,7 +1807,7 @@
           <a:p>
             <a:fld id="{4E8DDE92-A542-49E3-8BCA-C8166235BA4E}" type="datetimeFigureOut">
               <a:rPr lang="ko-KR" altLang="en-US" smtClean="0"/>
-              <a:t>2022-03-03(Thu)</a:t>
+              <a:t>2022-03-08(Tue)</a:t>
             </a:fld>
             <a:endParaRPr lang="ko-KR" altLang="en-US"/>
           </a:p>
@@ -2082,7 +2082,7 @@
           <a:p>
             <a:fld id="{4E8DDE92-A542-49E3-8BCA-C8166235BA4E}" type="datetimeFigureOut">
               <a:rPr lang="ko-KR" altLang="en-US" smtClean="0"/>
-              <a:t>2022-03-03(Thu)</a:t>
+              <a:t>2022-03-08(Tue)</a:t>
             </a:fld>
             <a:endParaRPr lang="ko-KR" altLang="en-US"/>
           </a:p>
@@ -2347,7 +2347,7 @@
           <a:p>
             <a:fld id="{4E8DDE92-A542-49E3-8BCA-C8166235BA4E}" type="datetimeFigureOut">
               <a:rPr lang="ko-KR" altLang="en-US" smtClean="0"/>
-              <a:t>2022-03-03(Thu)</a:t>
+              <a:t>2022-03-08(Tue)</a:t>
             </a:fld>
             <a:endParaRPr lang="ko-KR" altLang="en-US"/>
           </a:p>
@@ -2759,7 +2759,7 @@
           <a:p>
             <a:fld id="{4E8DDE92-A542-49E3-8BCA-C8166235BA4E}" type="datetimeFigureOut">
               <a:rPr lang="ko-KR" altLang="en-US" smtClean="0"/>
-              <a:t>2022-03-03(Thu)</a:t>
+              <a:t>2022-03-08(Tue)</a:t>
             </a:fld>
             <a:endParaRPr lang="ko-KR" altLang="en-US"/>
           </a:p>
@@ -2900,7 +2900,7 @@
           <a:p>
             <a:fld id="{4E8DDE92-A542-49E3-8BCA-C8166235BA4E}" type="datetimeFigureOut">
               <a:rPr lang="ko-KR" altLang="en-US" smtClean="0"/>
-              <a:t>2022-03-03(Thu)</a:t>
+              <a:t>2022-03-08(Tue)</a:t>
             </a:fld>
             <a:endParaRPr lang="ko-KR" altLang="en-US"/>
           </a:p>
@@ -3013,7 +3013,7 @@
           <a:p>
             <a:fld id="{4E8DDE92-A542-49E3-8BCA-C8166235BA4E}" type="datetimeFigureOut">
               <a:rPr lang="ko-KR" altLang="en-US" smtClean="0"/>
-              <a:t>2022-03-03(Thu)</a:t>
+              <a:t>2022-03-08(Tue)</a:t>
             </a:fld>
             <a:endParaRPr lang="ko-KR" altLang="en-US"/>
           </a:p>
@@ -3324,7 +3324,7 @@
           <a:p>
             <a:fld id="{4E8DDE92-A542-49E3-8BCA-C8166235BA4E}" type="datetimeFigureOut">
               <a:rPr lang="ko-KR" altLang="en-US" smtClean="0"/>
-              <a:t>2022-03-03(Thu)</a:t>
+              <a:t>2022-03-08(Tue)</a:t>
             </a:fld>
             <a:endParaRPr lang="ko-KR" altLang="en-US"/>
           </a:p>
@@ -3612,7 +3612,7 @@
           <a:p>
             <a:fld id="{4E8DDE92-A542-49E3-8BCA-C8166235BA4E}" type="datetimeFigureOut">
               <a:rPr lang="ko-KR" altLang="en-US" smtClean="0"/>
-              <a:t>2022-03-03(Thu)</a:t>
+              <a:t>2022-03-08(Tue)</a:t>
             </a:fld>
             <a:endParaRPr lang="ko-KR" altLang="en-US"/>
           </a:p>
@@ -3853,7 +3853,7 @@
           <a:p>
             <a:fld id="{4E8DDE92-A542-49E3-8BCA-C8166235BA4E}" type="datetimeFigureOut">
               <a:rPr lang="ko-KR" altLang="en-US" smtClean="0"/>
-              <a:t>2022-03-03(Thu)</a:t>
+              <a:t>2022-03-08(Tue)</a:t>
             </a:fld>
             <a:endParaRPr lang="ko-KR" altLang="en-US"/>
           </a:p>
@@ -4260,9 +4260,9 @@
     <p:bg>
       <p:bgPr>
         <a:solidFill>
-          <a:schemeClr val="accent5">
-            <a:lumMod val="60000"/>
-            <a:lumOff val="40000"/>
+          <a:schemeClr val="accent4">
+            <a:lumMod val="40000"/>
+            <a:lumOff val="60000"/>
           </a:schemeClr>
         </a:solidFill>
         <a:effectLst/>
@@ -4376,10 +4376,10 @@
       </p:grpSpPr>
       <p:sp>
         <p:nvSpPr>
-          <p:cNvPr id="4" name="직사각형 3">
-            <a:extLst>
-              <a:ext uri="{FF2B5EF4-FFF2-40B4-BE49-F238E27FC236}">
-                <a16:creationId xmlns:a16="http://schemas.microsoft.com/office/drawing/2014/main" id="{AE93FE2A-85FE-4157-951C-FC2FADBB3B34}"/>
+          <p:cNvPr id="6" name="사각형: 둥근 모서리 5">
+            <a:extLst>
+              <a:ext uri="{FF2B5EF4-FFF2-40B4-BE49-F238E27FC236}">
+                <a16:creationId xmlns:a16="http://schemas.microsoft.com/office/drawing/2014/main" id="{7B827B39-2F2D-4CCF-8643-A975AF568BFC}"/>
               </a:ext>
             </a:extLst>
           </p:cNvPr>
@@ -4388,18 +4388,21 @@
         </p:nvSpPr>
         <p:spPr>
           <a:xfrm>
-            <a:off x="0" y="0"/>
-            <a:ext cx="12192000" cy="1034474"/>
-          </a:xfrm>
-          <a:prstGeom prst="rect">
+            <a:off x="119485" y="966713"/>
+            <a:ext cx="591964" cy="523220"/>
+          </a:xfrm>
+          <a:prstGeom prst="roundRect">
             <a:avLst/>
           </a:prstGeom>
           <a:solidFill>
-            <a:schemeClr val="accent5">
-              <a:lumMod val="60000"/>
-              <a:lumOff val="40000"/>
+            <a:schemeClr val="accent4">
+              <a:lumMod val="40000"/>
+              <a:lumOff val="60000"/>
             </a:schemeClr>
           </a:solidFill>
+          <a:ln>
+            <a:noFill/>
+          </a:ln>
         </p:spPr>
         <p:style>
           <a:lnRef idx="2">
@@ -4422,6 +4425,58 @@
           <a:lstStyle/>
           <a:p>
             <a:pPr algn="ctr"/>
+            <a:endParaRPr lang="ko-KR" altLang="en-US"/>
+          </a:p>
+        </p:txBody>
+      </p:sp>
+      <p:sp>
+        <p:nvSpPr>
+          <p:cNvPr id="4" name="직사각형 3">
+            <a:extLst>
+              <a:ext uri="{FF2B5EF4-FFF2-40B4-BE49-F238E27FC236}">
+                <a16:creationId xmlns:a16="http://schemas.microsoft.com/office/drawing/2014/main" id="{AE93FE2A-85FE-4157-951C-FC2FADBB3B34}"/>
+              </a:ext>
+            </a:extLst>
+          </p:cNvPr>
+          <p:cNvSpPr/>
+          <p:nvPr/>
+        </p:nvSpPr>
+        <p:spPr>
+          <a:xfrm>
+            <a:off x="0" y="0"/>
+            <a:ext cx="12192000" cy="1034474"/>
+          </a:xfrm>
+          <a:prstGeom prst="rect">
+            <a:avLst/>
+          </a:prstGeom>
+          <a:solidFill>
+            <a:schemeClr val="accent5">
+              <a:lumMod val="60000"/>
+              <a:lumOff val="40000"/>
+            </a:schemeClr>
+          </a:solidFill>
+        </p:spPr>
+        <p:style>
+          <a:lnRef idx="2">
+            <a:schemeClr val="accent1">
+              <a:shade val="50000"/>
+            </a:schemeClr>
+          </a:lnRef>
+          <a:fillRef idx="1">
+            <a:schemeClr val="accent1"/>
+          </a:fillRef>
+          <a:effectRef idx="0">
+            <a:schemeClr val="accent1"/>
+          </a:effectRef>
+          <a:fontRef idx="minor">
+            <a:schemeClr val="lt1"/>
+          </a:fontRef>
+        </p:style>
+        <p:txBody>
+          <a:bodyPr rtlCol="0" anchor="ctr"/>
+          <a:lstStyle/>
+          <a:p>
+            <a:pPr algn="ctr"/>
             <a:endParaRPr lang="ko-KR" altLang="en-US" dirty="0"/>
           </a:p>
         </p:txBody>
@@ -4456,28 +4511,9 @@
           <a:p>
             <a:r>
               <a:rPr lang="ko-KR" altLang="en-US" sz="2800" b="1" dirty="0"/>
-              <a:t>게임</a:t>
-            </a:r>
-            <a:r>
-              <a:rPr lang="en-US" altLang="ko-KR" sz="2800" b="1" dirty="0"/>
-              <a:t> </a:t>
-            </a:r>
-            <a:r>
-              <a:rPr lang="ko-KR" altLang="en-US" sz="2800" b="1" dirty="0"/>
-              <a:t>설명 </a:t>
-            </a:r>
-            <a:r>
-              <a:rPr lang="en-US" altLang="ko-KR" sz="2800" b="1" dirty="0"/>
-              <a:t>( </a:t>
-            </a:r>
-            <a:r>
-              <a:rPr lang="ko-KR" altLang="en-US" sz="2800" b="1" dirty="0"/>
-              <a:t>킬 </a:t>
-            </a:r>
-            <a:r>
-              <a:rPr lang="en-US" altLang="ko-KR" sz="2800" b="1" dirty="0"/>
-              <a:t>)</a:t>
-            </a:r>
+              <a:t>킬</a:t>
+            </a:r>
+            <a:endParaRPr lang="en-US" altLang="ko-KR" sz="2800" b="1" dirty="0"/>
           </a:p>
         </p:txBody>
       </p:sp>
@@ -5504,6 +5540,218 @@
           </a:p>
         </p:txBody>
       </p:sp>
+      <p:sp>
+        <p:nvSpPr>
+          <p:cNvPr id="15" name="TextBox 14">
+            <a:extLst>
+              <a:ext uri="{FF2B5EF4-FFF2-40B4-BE49-F238E27FC236}">
+                <a16:creationId xmlns:a16="http://schemas.microsoft.com/office/drawing/2014/main" id="{F5CDF833-7328-4E6D-9658-411E40974F47}"/>
+              </a:ext>
+            </a:extLst>
+          </p:cNvPr>
+          <p:cNvSpPr txBox="1"/>
+          <p:nvPr/>
+        </p:nvSpPr>
+        <p:spPr>
+          <a:xfrm>
+            <a:off x="206463" y="1037795"/>
+            <a:ext cx="199618" cy="400110"/>
+          </a:xfrm>
+          <a:prstGeom prst="rect">
+            <a:avLst/>
+          </a:prstGeom>
+          <a:noFill/>
+        </p:spPr>
+        <p:txBody>
+          <a:bodyPr wrap="square" rtlCol="0">
+            <a:spAutoFit/>
+          </a:bodyPr>
+          <a:lstStyle/>
+          <a:p>
+            <a:r>
+              <a:rPr lang="ko-KR" altLang="en-US" sz="2000" b="1" dirty="0"/>
+              <a:t>킬</a:t>
+            </a:r>
+            <a:endParaRPr lang="en-US" altLang="ko-KR" sz="2000" b="1" dirty="0"/>
+          </a:p>
+        </p:txBody>
+      </p:sp>
+      <p:sp>
+        <p:nvSpPr>
+          <p:cNvPr id="16" name="TextBox 15">
+            <a:extLst>
+              <a:ext uri="{FF2B5EF4-FFF2-40B4-BE49-F238E27FC236}">
+                <a16:creationId xmlns:a16="http://schemas.microsoft.com/office/drawing/2014/main" id="{A76E1F64-88DE-4C3F-82CF-123D36A91C09}"/>
+              </a:ext>
+            </a:extLst>
+          </p:cNvPr>
+          <p:cNvSpPr txBox="1"/>
+          <p:nvPr/>
+        </p:nvSpPr>
+        <p:spPr>
+          <a:xfrm>
+            <a:off x="853008" y="1048865"/>
+            <a:ext cx="2774268" cy="400110"/>
+          </a:xfrm>
+          <a:prstGeom prst="rect">
+            <a:avLst/>
+          </a:prstGeom>
+          <a:noFill/>
+        </p:spPr>
+        <p:txBody>
+          <a:bodyPr wrap="square">
+            <a:spAutoFit/>
+          </a:bodyPr>
+          <a:lstStyle/>
+          <a:p>
+            <a:r>
+              <a:rPr lang="ko-KR" altLang="en-US" sz="2000" b="1" dirty="0"/>
+              <a:t>회의 후 플레이어 배치</a:t>
+            </a:r>
+            <a:endParaRPr lang="en-US" altLang="ko-KR" sz="2000" b="1" dirty="0"/>
+          </a:p>
+        </p:txBody>
+      </p:sp>
+      <p:sp>
+        <p:nvSpPr>
+          <p:cNvPr id="18" name="TextBox 17">
+            <a:extLst>
+              <a:ext uri="{FF2B5EF4-FFF2-40B4-BE49-F238E27FC236}">
+                <a16:creationId xmlns:a16="http://schemas.microsoft.com/office/drawing/2014/main" id="{5B391002-BA4D-42DB-A0A9-CB15E711EFB2}"/>
+              </a:ext>
+            </a:extLst>
+          </p:cNvPr>
+          <p:cNvSpPr txBox="1"/>
+          <p:nvPr/>
+        </p:nvSpPr>
+        <p:spPr>
+          <a:xfrm>
+            <a:off x="3627276" y="1032591"/>
+            <a:ext cx="1550870" cy="400110"/>
+          </a:xfrm>
+          <a:prstGeom prst="rect">
+            <a:avLst/>
+          </a:prstGeom>
+          <a:noFill/>
+        </p:spPr>
+        <p:txBody>
+          <a:bodyPr wrap="square">
+            <a:spAutoFit/>
+          </a:bodyPr>
+          <a:lstStyle/>
+          <a:p>
+            <a:r>
+              <a:rPr lang="ko-KR" altLang="en-US" sz="2000" b="1" dirty="0"/>
+              <a:t>게임 구조도 </a:t>
+            </a:r>
+            <a:endParaRPr lang="ko-KR" altLang="en-US" sz="2000" dirty="0"/>
+          </a:p>
+        </p:txBody>
+      </p:sp>
+      <p:sp>
+        <p:nvSpPr>
+          <p:cNvPr id="5" name="직사각형 4">
+            <a:extLst>
+              <a:ext uri="{FF2B5EF4-FFF2-40B4-BE49-F238E27FC236}">
+                <a16:creationId xmlns:a16="http://schemas.microsoft.com/office/drawing/2014/main" id="{C21F2787-9E16-4D1E-8C02-AFE48FA6A6B1}"/>
+              </a:ext>
+            </a:extLst>
+          </p:cNvPr>
+          <p:cNvSpPr/>
+          <p:nvPr/>
+        </p:nvSpPr>
+        <p:spPr>
+          <a:xfrm>
+            <a:off x="746451" y="1054358"/>
+            <a:ext cx="45719" cy="400110"/>
+          </a:xfrm>
+          <a:prstGeom prst="rect">
+            <a:avLst/>
+          </a:prstGeom>
+          <a:solidFill>
+            <a:schemeClr val="tx1"/>
+          </a:solidFill>
+          <a:ln>
+            <a:noFill/>
+          </a:ln>
+        </p:spPr>
+        <p:style>
+          <a:lnRef idx="2">
+            <a:schemeClr val="accent1">
+              <a:shade val="50000"/>
+            </a:schemeClr>
+          </a:lnRef>
+          <a:fillRef idx="1">
+            <a:schemeClr val="accent1"/>
+          </a:fillRef>
+          <a:effectRef idx="0">
+            <a:schemeClr val="accent1"/>
+          </a:effectRef>
+          <a:fontRef idx="minor">
+            <a:schemeClr val="lt1"/>
+          </a:fontRef>
+        </p:style>
+        <p:txBody>
+          <a:bodyPr rtlCol="0" anchor="ctr"/>
+          <a:lstStyle/>
+          <a:p>
+            <a:pPr algn="ctr"/>
+            <a:endParaRPr lang="ko-KR" altLang="en-US"/>
+          </a:p>
+        </p:txBody>
+      </p:sp>
+      <p:sp>
+        <p:nvSpPr>
+          <p:cNvPr id="20" name="직사각형 19">
+            <a:extLst>
+              <a:ext uri="{FF2B5EF4-FFF2-40B4-BE49-F238E27FC236}">
+                <a16:creationId xmlns:a16="http://schemas.microsoft.com/office/drawing/2014/main" id="{A4F6914C-ACC9-45C8-AC83-05E8EC190A13}"/>
+              </a:ext>
+            </a:extLst>
+          </p:cNvPr>
+          <p:cNvSpPr/>
+          <p:nvPr/>
+        </p:nvSpPr>
+        <p:spPr>
+          <a:xfrm>
+            <a:off x="3581557" y="1056727"/>
+            <a:ext cx="45719" cy="400110"/>
+          </a:xfrm>
+          <a:prstGeom prst="rect">
+            <a:avLst/>
+          </a:prstGeom>
+          <a:solidFill>
+            <a:schemeClr val="tx1"/>
+          </a:solidFill>
+          <a:ln>
+            <a:noFill/>
+          </a:ln>
+        </p:spPr>
+        <p:style>
+          <a:lnRef idx="2">
+            <a:schemeClr val="accent1">
+              <a:shade val="50000"/>
+            </a:schemeClr>
+          </a:lnRef>
+          <a:fillRef idx="1">
+            <a:schemeClr val="accent1"/>
+          </a:fillRef>
+          <a:effectRef idx="0">
+            <a:schemeClr val="accent1"/>
+          </a:effectRef>
+          <a:fontRef idx="minor">
+            <a:schemeClr val="lt1"/>
+          </a:fontRef>
+        </p:style>
+        <p:txBody>
+          <a:bodyPr rtlCol="0" anchor="ctr"/>
+          <a:lstStyle/>
+          <a:p>
+            <a:pPr algn="ctr"/>
+            <a:endParaRPr lang="ko-KR" altLang="en-US"/>
+          </a:p>
+        </p:txBody>
+      </p:sp>
     </p:spTree>
     <p:extLst>
       <p:ext uri="{BB962C8B-B14F-4D97-AF65-F5344CB8AC3E}">
@@ -5536,10 +5784,10 @@
       </p:grpSpPr>
       <p:sp>
         <p:nvSpPr>
-          <p:cNvPr id="4" name="직사각형 3">
-            <a:extLst>
-              <a:ext uri="{FF2B5EF4-FFF2-40B4-BE49-F238E27FC236}">
-                <a16:creationId xmlns:a16="http://schemas.microsoft.com/office/drawing/2014/main" id="{AE93FE2A-85FE-4157-951C-FC2FADBB3B34}"/>
+          <p:cNvPr id="20" name="사각형: 둥근 모서리 19">
+            <a:extLst>
+              <a:ext uri="{FF2B5EF4-FFF2-40B4-BE49-F238E27FC236}">
+                <a16:creationId xmlns:a16="http://schemas.microsoft.com/office/drawing/2014/main" id="{652FFAA4-9043-444F-B733-B919EA50422B}"/>
               </a:ext>
             </a:extLst>
           </p:cNvPr>
@@ -5548,18 +5796,21 @@
         </p:nvSpPr>
         <p:spPr>
           <a:xfrm>
-            <a:off x="0" y="0"/>
-            <a:ext cx="12192000" cy="1034474"/>
-          </a:xfrm>
-          <a:prstGeom prst="rect">
+            <a:off x="835399" y="971978"/>
+            <a:ext cx="2685319" cy="523220"/>
+          </a:xfrm>
+          <a:prstGeom prst="roundRect">
             <a:avLst/>
           </a:prstGeom>
           <a:solidFill>
-            <a:schemeClr val="accent5">
-              <a:lumMod val="60000"/>
-              <a:lumOff val="40000"/>
+            <a:schemeClr val="accent4">
+              <a:lumMod val="40000"/>
+              <a:lumOff val="60000"/>
             </a:schemeClr>
           </a:solidFill>
+          <a:ln>
+            <a:noFill/>
+          </a:ln>
         </p:spPr>
         <p:style>
           <a:lnRef idx="2">
@@ -5582,62 +5833,59 @@
           <a:lstStyle/>
           <a:p>
             <a:pPr algn="ctr"/>
+            <a:endParaRPr lang="ko-KR" altLang="en-US"/>
+          </a:p>
+        </p:txBody>
+      </p:sp>
+      <p:sp>
+        <p:nvSpPr>
+          <p:cNvPr id="4" name="직사각형 3">
+            <a:extLst>
+              <a:ext uri="{FF2B5EF4-FFF2-40B4-BE49-F238E27FC236}">
+                <a16:creationId xmlns:a16="http://schemas.microsoft.com/office/drawing/2014/main" id="{AE93FE2A-85FE-4157-951C-FC2FADBB3B34}"/>
+              </a:ext>
+            </a:extLst>
+          </p:cNvPr>
+          <p:cNvSpPr/>
+          <p:nvPr/>
+        </p:nvSpPr>
+        <p:spPr>
+          <a:xfrm>
+            <a:off x="0" y="0"/>
+            <a:ext cx="12192000" cy="1034474"/>
+          </a:xfrm>
+          <a:prstGeom prst="rect">
+            <a:avLst/>
+          </a:prstGeom>
+          <a:solidFill>
+            <a:schemeClr val="accent5">
+              <a:lumMod val="60000"/>
+              <a:lumOff val="40000"/>
+            </a:schemeClr>
+          </a:solidFill>
+        </p:spPr>
+        <p:style>
+          <a:lnRef idx="2">
+            <a:schemeClr val="accent1">
+              <a:shade val="50000"/>
+            </a:schemeClr>
+          </a:lnRef>
+          <a:fillRef idx="1">
+            <a:schemeClr val="accent1"/>
+          </a:fillRef>
+          <a:effectRef idx="0">
+            <a:schemeClr val="accent1"/>
+          </a:effectRef>
+          <a:fontRef idx="minor">
+            <a:schemeClr val="lt1"/>
+          </a:fontRef>
+        </p:style>
+        <p:txBody>
+          <a:bodyPr rtlCol="0" anchor="ctr"/>
+          <a:lstStyle/>
+          <a:p>
+            <a:pPr algn="ctr"/>
             <a:endParaRPr lang="ko-KR" altLang="en-US" dirty="0"/>
-          </a:p>
-        </p:txBody>
-      </p:sp>
-      <p:sp>
-        <p:nvSpPr>
-          <p:cNvPr id="7" name="TextBox 6">
-            <a:extLst>
-              <a:ext uri="{FF2B5EF4-FFF2-40B4-BE49-F238E27FC236}">
-                <a16:creationId xmlns:a16="http://schemas.microsoft.com/office/drawing/2014/main" id="{982817C4-ACF4-45FB-A018-6E6F872691BC}"/>
-              </a:ext>
-            </a:extLst>
-          </p:cNvPr>
-          <p:cNvSpPr txBox="1"/>
-          <p:nvPr/>
-        </p:nvSpPr>
-        <p:spPr>
-          <a:xfrm>
-            <a:off x="646545" y="255627"/>
-            <a:ext cx="6192403" cy="523220"/>
-          </a:xfrm>
-          <a:prstGeom prst="rect">
-            <a:avLst/>
-          </a:prstGeom>
-          <a:noFill/>
-        </p:spPr>
-        <p:txBody>
-          <a:bodyPr wrap="square" rtlCol="0">
-            <a:spAutoFit/>
-          </a:bodyPr>
-          <a:lstStyle/>
-          <a:p>
-            <a:r>
-              <a:rPr lang="ko-KR" altLang="en-US" sz="2800" b="1" dirty="0"/>
-              <a:t>게임</a:t>
-            </a:r>
-            <a:r>
-              <a:rPr lang="en-US" altLang="ko-KR" sz="2800" b="1" dirty="0"/>
-              <a:t> </a:t>
-            </a:r>
-            <a:r>
-              <a:rPr lang="ko-KR" altLang="en-US" sz="2800" b="1" dirty="0"/>
-              <a:t>설명 </a:t>
-            </a:r>
-            <a:r>
-              <a:rPr lang="en-US" altLang="ko-KR" sz="2800" b="1" dirty="0"/>
-              <a:t>( </a:t>
-            </a:r>
-            <a:r>
-              <a:rPr lang="ko-KR" altLang="en-US" sz="2800" b="1" dirty="0"/>
-              <a:t>회의 후 </a:t>
-            </a:r>
-            <a:r>
-              <a:rPr lang="en-US" altLang="ko-KR" sz="2800" b="1" dirty="0"/>
-              <a:t>)</a:t>
-            </a:r>
           </a:p>
         </p:txBody>
       </p:sp>
@@ -6386,6 +6634,254 @@
               <a:t>1</a:t>
             </a:r>
             <a:endParaRPr lang="ko-KR" altLang="en-US" dirty="0"/>
+          </a:p>
+        </p:txBody>
+      </p:sp>
+      <p:sp>
+        <p:nvSpPr>
+          <p:cNvPr id="15" name="TextBox 14">
+            <a:extLst>
+              <a:ext uri="{FF2B5EF4-FFF2-40B4-BE49-F238E27FC236}">
+                <a16:creationId xmlns:a16="http://schemas.microsoft.com/office/drawing/2014/main" id="{5F276890-08F7-406F-BEAC-5CA950270606}"/>
+              </a:ext>
+            </a:extLst>
+          </p:cNvPr>
+          <p:cNvSpPr txBox="1"/>
+          <p:nvPr/>
+        </p:nvSpPr>
+        <p:spPr>
+          <a:xfrm>
+            <a:off x="646545" y="255627"/>
+            <a:ext cx="6192403" cy="523220"/>
+          </a:xfrm>
+          <a:prstGeom prst="rect">
+            <a:avLst/>
+          </a:prstGeom>
+          <a:noFill/>
+        </p:spPr>
+        <p:txBody>
+          <a:bodyPr wrap="square" rtlCol="0">
+            <a:spAutoFit/>
+          </a:bodyPr>
+          <a:lstStyle/>
+          <a:p>
+            <a:r>
+              <a:rPr lang="ko-KR" altLang="en-US" sz="2800" b="1" dirty="0"/>
+              <a:t>회의 후 플레이어 배치</a:t>
+            </a:r>
+            <a:endParaRPr lang="en-US" altLang="ko-KR" sz="2800" b="1" dirty="0"/>
+          </a:p>
+        </p:txBody>
+      </p:sp>
+      <p:sp>
+        <p:nvSpPr>
+          <p:cNvPr id="21" name="TextBox 20">
+            <a:extLst>
+              <a:ext uri="{FF2B5EF4-FFF2-40B4-BE49-F238E27FC236}">
+                <a16:creationId xmlns:a16="http://schemas.microsoft.com/office/drawing/2014/main" id="{ABF82396-C445-465E-BFFC-E05337BED352}"/>
+              </a:ext>
+            </a:extLst>
+          </p:cNvPr>
+          <p:cNvSpPr txBox="1"/>
+          <p:nvPr/>
+        </p:nvSpPr>
+        <p:spPr>
+          <a:xfrm>
+            <a:off x="206463" y="1037795"/>
+            <a:ext cx="199618" cy="400110"/>
+          </a:xfrm>
+          <a:prstGeom prst="rect">
+            <a:avLst/>
+          </a:prstGeom>
+          <a:noFill/>
+        </p:spPr>
+        <p:txBody>
+          <a:bodyPr wrap="square" rtlCol="0">
+            <a:spAutoFit/>
+          </a:bodyPr>
+          <a:lstStyle/>
+          <a:p>
+            <a:r>
+              <a:rPr lang="ko-KR" altLang="en-US" sz="2000" b="1" dirty="0"/>
+              <a:t>킬</a:t>
+            </a:r>
+            <a:endParaRPr lang="en-US" altLang="ko-KR" sz="2000" b="1" dirty="0"/>
+          </a:p>
+        </p:txBody>
+      </p:sp>
+      <p:sp>
+        <p:nvSpPr>
+          <p:cNvPr id="22" name="TextBox 21">
+            <a:extLst>
+              <a:ext uri="{FF2B5EF4-FFF2-40B4-BE49-F238E27FC236}">
+                <a16:creationId xmlns:a16="http://schemas.microsoft.com/office/drawing/2014/main" id="{DD55C17D-0AC5-443A-AF52-CEE490310DE4}"/>
+              </a:ext>
+            </a:extLst>
+          </p:cNvPr>
+          <p:cNvSpPr txBox="1"/>
+          <p:nvPr/>
+        </p:nvSpPr>
+        <p:spPr>
+          <a:xfrm>
+            <a:off x="853008" y="1048865"/>
+            <a:ext cx="2774268" cy="400110"/>
+          </a:xfrm>
+          <a:prstGeom prst="rect">
+            <a:avLst/>
+          </a:prstGeom>
+          <a:noFill/>
+        </p:spPr>
+        <p:txBody>
+          <a:bodyPr wrap="square">
+            <a:spAutoFit/>
+          </a:bodyPr>
+          <a:lstStyle/>
+          <a:p>
+            <a:r>
+              <a:rPr lang="ko-KR" altLang="en-US" sz="2000" b="1" dirty="0"/>
+              <a:t>회의 후 플레이어 배치</a:t>
+            </a:r>
+            <a:endParaRPr lang="en-US" altLang="ko-KR" sz="2000" b="1" dirty="0"/>
+          </a:p>
+        </p:txBody>
+      </p:sp>
+      <p:sp>
+        <p:nvSpPr>
+          <p:cNvPr id="24" name="TextBox 23">
+            <a:extLst>
+              <a:ext uri="{FF2B5EF4-FFF2-40B4-BE49-F238E27FC236}">
+                <a16:creationId xmlns:a16="http://schemas.microsoft.com/office/drawing/2014/main" id="{AF456377-F18A-4170-A06C-49259E548DCD}"/>
+              </a:ext>
+            </a:extLst>
+          </p:cNvPr>
+          <p:cNvSpPr txBox="1"/>
+          <p:nvPr/>
+        </p:nvSpPr>
+        <p:spPr>
+          <a:xfrm>
+            <a:off x="3627276" y="1032591"/>
+            <a:ext cx="1550870" cy="400110"/>
+          </a:xfrm>
+          <a:prstGeom prst="rect">
+            <a:avLst/>
+          </a:prstGeom>
+          <a:noFill/>
+        </p:spPr>
+        <p:txBody>
+          <a:bodyPr wrap="square">
+            <a:spAutoFit/>
+          </a:bodyPr>
+          <a:lstStyle/>
+          <a:p>
+            <a:r>
+              <a:rPr lang="ko-KR" altLang="en-US" sz="2000" b="1" dirty="0"/>
+              <a:t>게임 구조도 </a:t>
+            </a:r>
+            <a:endParaRPr lang="ko-KR" altLang="en-US" sz="2000" dirty="0"/>
+          </a:p>
+        </p:txBody>
+      </p:sp>
+      <p:sp>
+        <p:nvSpPr>
+          <p:cNvPr id="28" name="직사각형 27">
+            <a:extLst>
+              <a:ext uri="{FF2B5EF4-FFF2-40B4-BE49-F238E27FC236}">
+                <a16:creationId xmlns:a16="http://schemas.microsoft.com/office/drawing/2014/main" id="{3B0B032F-D6C7-4EE8-B4C5-78D4921A28E7}"/>
+              </a:ext>
+            </a:extLst>
+          </p:cNvPr>
+          <p:cNvSpPr/>
+          <p:nvPr/>
+        </p:nvSpPr>
+        <p:spPr>
+          <a:xfrm>
+            <a:off x="746451" y="1054358"/>
+            <a:ext cx="45719" cy="400110"/>
+          </a:xfrm>
+          <a:prstGeom prst="rect">
+            <a:avLst/>
+          </a:prstGeom>
+          <a:solidFill>
+            <a:schemeClr val="tx1"/>
+          </a:solidFill>
+          <a:ln>
+            <a:noFill/>
+          </a:ln>
+        </p:spPr>
+        <p:style>
+          <a:lnRef idx="2">
+            <a:schemeClr val="accent1">
+              <a:shade val="50000"/>
+            </a:schemeClr>
+          </a:lnRef>
+          <a:fillRef idx="1">
+            <a:schemeClr val="accent1"/>
+          </a:fillRef>
+          <a:effectRef idx="0">
+            <a:schemeClr val="accent1"/>
+          </a:effectRef>
+          <a:fontRef idx="minor">
+            <a:schemeClr val="lt1"/>
+          </a:fontRef>
+        </p:style>
+        <p:txBody>
+          <a:bodyPr rtlCol="0" anchor="ctr"/>
+          <a:lstStyle/>
+          <a:p>
+            <a:pPr algn="ctr"/>
+            <a:endParaRPr lang="ko-KR" altLang="en-US"/>
+          </a:p>
+        </p:txBody>
+      </p:sp>
+      <p:sp>
+        <p:nvSpPr>
+          <p:cNvPr id="32" name="직사각형 31">
+            <a:extLst>
+              <a:ext uri="{FF2B5EF4-FFF2-40B4-BE49-F238E27FC236}">
+                <a16:creationId xmlns:a16="http://schemas.microsoft.com/office/drawing/2014/main" id="{451D22BB-B4FB-41AA-866E-935BE6A3EBF7}"/>
+              </a:ext>
+            </a:extLst>
+          </p:cNvPr>
+          <p:cNvSpPr/>
+          <p:nvPr/>
+        </p:nvSpPr>
+        <p:spPr>
+          <a:xfrm>
+            <a:off x="3581557" y="1056727"/>
+            <a:ext cx="45719" cy="400110"/>
+          </a:xfrm>
+          <a:prstGeom prst="rect">
+            <a:avLst/>
+          </a:prstGeom>
+          <a:solidFill>
+            <a:schemeClr val="tx1"/>
+          </a:solidFill>
+          <a:ln>
+            <a:noFill/>
+          </a:ln>
+        </p:spPr>
+        <p:style>
+          <a:lnRef idx="2">
+            <a:schemeClr val="accent1">
+              <a:shade val="50000"/>
+            </a:schemeClr>
+          </a:lnRef>
+          <a:fillRef idx="1">
+            <a:schemeClr val="accent1"/>
+          </a:fillRef>
+          <a:effectRef idx="0">
+            <a:schemeClr val="accent1"/>
+          </a:effectRef>
+          <a:fontRef idx="minor">
+            <a:schemeClr val="lt1"/>
+          </a:fontRef>
+        </p:style>
+        <p:txBody>
+          <a:bodyPr rtlCol="0" anchor="ctr"/>
+          <a:lstStyle/>
+          <a:p>
+            <a:pPr algn="ctr"/>
+            <a:endParaRPr lang="ko-KR" altLang="en-US"/>
           </a:p>
         </p:txBody>
       </p:sp>
@@ -6419,6 +6915,61 @@
           <a:chExt cx="0" cy="0"/>
         </a:xfrm>
       </p:grpSpPr>
+      <p:sp>
+        <p:nvSpPr>
+          <p:cNvPr id="40" name="사각형: 둥근 모서리 39">
+            <a:extLst>
+              <a:ext uri="{FF2B5EF4-FFF2-40B4-BE49-F238E27FC236}">
+                <a16:creationId xmlns:a16="http://schemas.microsoft.com/office/drawing/2014/main" id="{2CB79EFF-9785-4BB7-924C-D5996CD2A628}"/>
+              </a:ext>
+            </a:extLst>
+          </p:cNvPr>
+          <p:cNvSpPr/>
+          <p:nvPr/>
+        </p:nvSpPr>
+        <p:spPr>
+          <a:xfrm>
+            <a:off x="3699020" y="940816"/>
+            <a:ext cx="1410307" cy="523220"/>
+          </a:xfrm>
+          <a:prstGeom prst="roundRect">
+            <a:avLst/>
+          </a:prstGeom>
+          <a:solidFill>
+            <a:schemeClr val="accent4">
+              <a:lumMod val="40000"/>
+              <a:lumOff val="60000"/>
+            </a:schemeClr>
+          </a:solidFill>
+          <a:ln>
+            <a:noFill/>
+          </a:ln>
+        </p:spPr>
+        <p:style>
+          <a:lnRef idx="2">
+            <a:schemeClr val="accent1">
+              <a:shade val="50000"/>
+            </a:schemeClr>
+          </a:lnRef>
+          <a:fillRef idx="1">
+            <a:schemeClr val="accent1"/>
+          </a:fillRef>
+          <a:effectRef idx="0">
+            <a:schemeClr val="accent1"/>
+          </a:effectRef>
+          <a:fontRef idx="minor">
+            <a:schemeClr val="lt1"/>
+          </a:fontRef>
+        </p:style>
+        <p:txBody>
+          <a:bodyPr rtlCol="0" anchor="ctr"/>
+          <a:lstStyle/>
+          <a:p>
+            <a:pPr algn="ctr"/>
+            <a:endParaRPr lang="ko-KR" altLang="en-US"/>
+          </a:p>
+        </p:txBody>
+      </p:sp>
       <p:sp>
         <p:nvSpPr>
           <p:cNvPr id="4" name="직사각형 3">
@@ -7993,6 +8544,218 @@
           </a:p>
         </p:txBody>
       </p:sp>
+      <p:sp>
+        <p:nvSpPr>
+          <p:cNvPr id="43" name="TextBox 42">
+            <a:extLst>
+              <a:ext uri="{FF2B5EF4-FFF2-40B4-BE49-F238E27FC236}">
+                <a16:creationId xmlns:a16="http://schemas.microsoft.com/office/drawing/2014/main" id="{CC908258-5C57-4DDA-9B50-CC700F51FF6B}"/>
+              </a:ext>
+            </a:extLst>
+          </p:cNvPr>
+          <p:cNvSpPr txBox="1"/>
+          <p:nvPr/>
+        </p:nvSpPr>
+        <p:spPr>
+          <a:xfrm>
+            <a:off x="206463" y="1037795"/>
+            <a:ext cx="199618" cy="400110"/>
+          </a:xfrm>
+          <a:prstGeom prst="rect">
+            <a:avLst/>
+          </a:prstGeom>
+          <a:noFill/>
+        </p:spPr>
+        <p:txBody>
+          <a:bodyPr wrap="square" rtlCol="0">
+            <a:spAutoFit/>
+          </a:bodyPr>
+          <a:lstStyle/>
+          <a:p>
+            <a:r>
+              <a:rPr lang="ko-KR" altLang="en-US" sz="2000" b="1" dirty="0"/>
+              <a:t>킬</a:t>
+            </a:r>
+            <a:endParaRPr lang="en-US" altLang="ko-KR" sz="2000" b="1" dirty="0"/>
+          </a:p>
+        </p:txBody>
+      </p:sp>
+      <p:sp>
+        <p:nvSpPr>
+          <p:cNvPr id="44" name="TextBox 43">
+            <a:extLst>
+              <a:ext uri="{FF2B5EF4-FFF2-40B4-BE49-F238E27FC236}">
+                <a16:creationId xmlns:a16="http://schemas.microsoft.com/office/drawing/2014/main" id="{77F374CA-9B62-44DB-BD32-8456DF80ED3A}"/>
+              </a:ext>
+            </a:extLst>
+          </p:cNvPr>
+          <p:cNvSpPr txBox="1"/>
+          <p:nvPr/>
+        </p:nvSpPr>
+        <p:spPr>
+          <a:xfrm>
+            <a:off x="853008" y="1048865"/>
+            <a:ext cx="2774268" cy="400110"/>
+          </a:xfrm>
+          <a:prstGeom prst="rect">
+            <a:avLst/>
+          </a:prstGeom>
+          <a:noFill/>
+        </p:spPr>
+        <p:txBody>
+          <a:bodyPr wrap="square">
+            <a:spAutoFit/>
+          </a:bodyPr>
+          <a:lstStyle/>
+          <a:p>
+            <a:r>
+              <a:rPr lang="ko-KR" altLang="en-US" sz="2000" b="1" dirty="0"/>
+              <a:t>회의 후 플레이어 배치</a:t>
+            </a:r>
+            <a:endParaRPr lang="en-US" altLang="ko-KR" sz="2000" b="1" dirty="0"/>
+          </a:p>
+        </p:txBody>
+      </p:sp>
+      <p:sp>
+        <p:nvSpPr>
+          <p:cNvPr id="45" name="TextBox 44">
+            <a:extLst>
+              <a:ext uri="{FF2B5EF4-FFF2-40B4-BE49-F238E27FC236}">
+                <a16:creationId xmlns:a16="http://schemas.microsoft.com/office/drawing/2014/main" id="{4DA00A06-8306-46C3-AF09-EBDBC1DA137C}"/>
+              </a:ext>
+            </a:extLst>
+          </p:cNvPr>
+          <p:cNvSpPr txBox="1"/>
+          <p:nvPr/>
+        </p:nvSpPr>
+        <p:spPr>
+          <a:xfrm>
+            <a:off x="3627276" y="1032591"/>
+            <a:ext cx="1550870" cy="400110"/>
+          </a:xfrm>
+          <a:prstGeom prst="rect">
+            <a:avLst/>
+          </a:prstGeom>
+          <a:noFill/>
+        </p:spPr>
+        <p:txBody>
+          <a:bodyPr wrap="square">
+            <a:spAutoFit/>
+          </a:bodyPr>
+          <a:lstStyle/>
+          <a:p>
+            <a:r>
+              <a:rPr lang="ko-KR" altLang="en-US" sz="2000" b="1" dirty="0"/>
+              <a:t>게임 구조도 </a:t>
+            </a:r>
+            <a:endParaRPr lang="ko-KR" altLang="en-US" sz="2000" dirty="0"/>
+          </a:p>
+        </p:txBody>
+      </p:sp>
+      <p:sp>
+        <p:nvSpPr>
+          <p:cNvPr id="46" name="직사각형 45">
+            <a:extLst>
+              <a:ext uri="{FF2B5EF4-FFF2-40B4-BE49-F238E27FC236}">
+                <a16:creationId xmlns:a16="http://schemas.microsoft.com/office/drawing/2014/main" id="{E2EEE140-D0D3-422A-95B4-1220D3001976}"/>
+              </a:ext>
+            </a:extLst>
+          </p:cNvPr>
+          <p:cNvSpPr/>
+          <p:nvPr/>
+        </p:nvSpPr>
+        <p:spPr>
+          <a:xfrm>
+            <a:off x="746451" y="1054358"/>
+            <a:ext cx="45719" cy="400110"/>
+          </a:xfrm>
+          <a:prstGeom prst="rect">
+            <a:avLst/>
+          </a:prstGeom>
+          <a:solidFill>
+            <a:schemeClr val="tx1"/>
+          </a:solidFill>
+          <a:ln>
+            <a:noFill/>
+          </a:ln>
+        </p:spPr>
+        <p:style>
+          <a:lnRef idx="2">
+            <a:schemeClr val="accent1">
+              <a:shade val="50000"/>
+            </a:schemeClr>
+          </a:lnRef>
+          <a:fillRef idx="1">
+            <a:schemeClr val="accent1"/>
+          </a:fillRef>
+          <a:effectRef idx="0">
+            <a:schemeClr val="accent1"/>
+          </a:effectRef>
+          <a:fontRef idx="minor">
+            <a:schemeClr val="lt1"/>
+          </a:fontRef>
+        </p:style>
+        <p:txBody>
+          <a:bodyPr rtlCol="0" anchor="ctr"/>
+          <a:lstStyle/>
+          <a:p>
+            <a:pPr algn="ctr"/>
+            <a:endParaRPr lang="ko-KR" altLang="en-US"/>
+          </a:p>
+        </p:txBody>
+      </p:sp>
+      <p:sp>
+        <p:nvSpPr>
+          <p:cNvPr id="49" name="직사각형 48">
+            <a:extLst>
+              <a:ext uri="{FF2B5EF4-FFF2-40B4-BE49-F238E27FC236}">
+                <a16:creationId xmlns:a16="http://schemas.microsoft.com/office/drawing/2014/main" id="{A484C5B2-22E9-41BB-89D7-4BCB0EB5EED7}"/>
+              </a:ext>
+            </a:extLst>
+          </p:cNvPr>
+          <p:cNvSpPr/>
+          <p:nvPr/>
+        </p:nvSpPr>
+        <p:spPr>
+          <a:xfrm>
+            <a:off x="3581557" y="1056727"/>
+            <a:ext cx="45719" cy="400110"/>
+          </a:xfrm>
+          <a:prstGeom prst="rect">
+            <a:avLst/>
+          </a:prstGeom>
+          <a:solidFill>
+            <a:schemeClr val="tx1"/>
+          </a:solidFill>
+          <a:ln>
+            <a:noFill/>
+          </a:ln>
+        </p:spPr>
+        <p:style>
+          <a:lnRef idx="2">
+            <a:schemeClr val="accent1">
+              <a:shade val="50000"/>
+            </a:schemeClr>
+          </a:lnRef>
+          <a:fillRef idx="1">
+            <a:schemeClr val="accent1"/>
+          </a:fillRef>
+          <a:effectRef idx="0">
+            <a:schemeClr val="accent1"/>
+          </a:effectRef>
+          <a:fontRef idx="minor">
+            <a:schemeClr val="lt1"/>
+          </a:fontRef>
+        </p:style>
+        <p:txBody>
+          <a:bodyPr rtlCol="0" anchor="ctr"/>
+          <a:lstStyle/>
+          <a:p>
+            <a:pPr algn="ctr"/>
+            <a:endParaRPr lang="ko-KR" altLang="en-US"/>
+          </a:p>
+        </p:txBody>
+      </p:sp>
     </p:spTree>
     <p:extLst>
       <p:ext uri="{BB962C8B-B14F-4D97-AF65-F5344CB8AC3E}">
@@ -8023,6 +8786,273 @@
           <a:chExt cx="0" cy="0"/>
         </a:xfrm>
       </p:grpSpPr>
+      <p:sp>
+        <p:nvSpPr>
+          <p:cNvPr id="67" name="사각형: 둥근 모서리 66">
+            <a:extLst>
+              <a:ext uri="{FF2B5EF4-FFF2-40B4-BE49-F238E27FC236}">
+                <a16:creationId xmlns:a16="http://schemas.microsoft.com/office/drawing/2014/main" id="{135DFFA6-162D-46BA-910B-6909C80E7F78}"/>
+              </a:ext>
+            </a:extLst>
+          </p:cNvPr>
+          <p:cNvSpPr/>
+          <p:nvPr/>
+        </p:nvSpPr>
+        <p:spPr>
+          <a:xfrm>
+            <a:off x="3699020" y="940816"/>
+            <a:ext cx="1410307" cy="523220"/>
+          </a:xfrm>
+          <a:prstGeom prst="roundRect">
+            <a:avLst/>
+          </a:prstGeom>
+          <a:solidFill>
+            <a:schemeClr val="accent4">
+              <a:lumMod val="40000"/>
+              <a:lumOff val="60000"/>
+            </a:schemeClr>
+          </a:solidFill>
+          <a:ln>
+            <a:noFill/>
+          </a:ln>
+        </p:spPr>
+        <p:style>
+          <a:lnRef idx="2">
+            <a:schemeClr val="accent1">
+              <a:shade val="50000"/>
+            </a:schemeClr>
+          </a:lnRef>
+          <a:fillRef idx="1">
+            <a:schemeClr val="accent1"/>
+          </a:fillRef>
+          <a:effectRef idx="0">
+            <a:schemeClr val="accent1"/>
+          </a:effectRef>
+          <a:fontRef idx="minor">
+            <a:schemeClr val="lt1"/>
+          </a:fontRef>
+        </p:style>
+        <p:txBody>
+          <a:bodyPr rtlCol="0" anchor="ctr"/>
+          <a:lstStyle/>
+          <a:p>
+            <a:pPr algn="ctr"/>
+            <a:endParaRPr lang="ko-KR" altLang="en-US"/>
+          </a:p>
+        </p:txBody>
+      </p:sp>
+      <p:sp>
+        <p:nvSpPr>
+          <p:cNvPr id="68" name="TextBox 67">
+            <a:extLst>
+              <a:ext uri="{FF2B5EF4-FFF2-40B4-BE49-F238E27FC236}">
+                <a16:creationId xmlns:a16="http://schemas.microsoft.com/office/drawing/2014/main" id="{12658D71-6CFE-4718-A222-A59F9BFD9DCA}"/>
+              </a:ext>
+            </a:extLst>
+          </p:cNvPr>
+          <p:cNvSpPr txBox="1"/>
+          <p:nvPr/>
+        </p:nvSpPr>
+        <p:spPr>
+          <a:xfrm>
+            <a:off x="206463" y="1037795"/>
+            <a:ext cx="199618" cy="400110"/>
+          </a:xfrm>
+          <a:prstGeom prst="rect">
+            <a:avLst/>
+          </a:prstGeom>
+          <a:noFill/>
+        </p:spPr>
+        <p:txBody>
+          <a:bodyPr wrap="square" rtlCol="0">
+            <a:spAutoFit/>
+          </a:bodyPr>
+          <a:lstStyle/>
+          <a:p>
+            <a:r>
+              <a:rPr lang="ko-KR" altLang="en-US" sz="2000" b="1" dirty="0"/>
+              <a:t>킬</a:t>
+            </a:r>
+            <a:endParaRPr lang="en-US" altLang="ko-KR" sz="2000" b="1" dirty="0"/>
+          </a:p>
+        </p:txBody>
+      </p:sp>
+      <p:sp>
+        <p:nvSpPr>
+          <p:cNvPr id="69" name="TextBox 68">
+            <a:extLst>
+              <a:ext uri="{FF2B5EF4-FFF2-40B4-BE49-F238E27FC236}">
+                <a16:creationId xmlns:a16="http://schemas.microsoft.com/office/drawing/2014/main" id="{A6DE0166-3F92-41E3-835F-6EA967B55752}"/>
+              </a:ext>
+            </a:extLst>
+          </p:cNvPr>
+          <p:cNvSpPr txBox="1"/>
+          <p:nvPr/>
+        </p:nvSpPr>
+        <p:spPr>
+          <a:xfrm>
+            <a:off x="853008" y="1048865"/>
+            <a:ext cx="2774268" cy="400110"/>
+          </a:xfrm>
+          <a:prstGeom prst="rect">
+            <a:avLst/>
+          </a:prstGeom>
+          <a:noFill/>
+        </p:spPr>
+        <p:txBody>
+          <a:bodyPr wrap="square">
+            <a:spAutoFit/>
+          </a:bodyPr>
+          <a:lstStyle/>
+          <a:p>
+            <a:r>
+              <a:rPr lang="ko-KR" altLang="en-US" sz="2000" b="1" dirty="0"/>
+              <a:t>회의 후 플레이어 배치</a:t>
+            </a:r>
+            <a:endParaRPr lang="en-US" altLang="ko-KR" sz="2000" b="1" dirty="0"/>
+          </a:p>
+        </p:txBody>
+      </p:sp>
+      <p:sp>
+        <p:nvSpPr>
+          <p:cNvPr id="70" name="TextBox 69">
+            <a:extLst>
+              <a:ext uri="{FF2B5EF4-FFF2-40B4-BE49-F238E27FC236}">
+                <a16:creationId xmlns:a16="http://schemas.microsoft.com/office/drawing/2014/main" id="{CEAB88A2-7ECB-4042-88AE-609A107595B0}"/>
+              </a:ext>
+            </a:extLst>
+          </p:cNvPr>
+          <p:cNvSpPr txBox="1"/>
+          <p:nvPr/>
+        </p:nvSpPr>
+        <p:spPr>
+          <a:xfrm>
+            <a:off x="3627276" y="1032591"/>
+            <a:ext cx="1550870" cy="400110"/>
+          </a:xfrm>
+          <a:prstGeom prst="rect">
+            <a:avLst/>
+          </a:prstGeom>
+          <a:noFill/>
+        </p:spPr>
+        <p:txBody>
+          <a:bodyPr wrap="square">
+            <a:spAutoFit/>
+          </a:bodyPr>
+          <a:lstStyle/>
+          <a:p>
+            <a:r>
+              <a:rPr lang="ko-KR" altLang="en-US" sz="2000" b="1" dirty="0"/>
+              <a:t>게임 구조도 </a:t>
+            </a:r>
+            <a:endParaRPr lang="ko-KR" altLang="en-US" sz="2000" dirty="0"/>
+          </a:p>
+        </p:txBody>
+      </p:sp>
+      <p:sp>
+        <p:nvSpPr>
+          <p:cNvPr id="72" name="직사각형 71">
+            <a:extLst>
+              <a:ext uri="{FF2B5EF4-FFF2-40B4-BE49-F238E27FC236}">
+                <a16:creationId xmlns:a16="http://schemas.microsoft.com/office/drawing/2014/main" id="{3E7A2C32-FFB4-460A-A3B1-F07114F8778D}"/>
+              </a:ext>
+            </a:extLst>
+          </p:cNvPr>
+          <p:cNvSpPr/>
+          <p:nvPr/>
+        </p:nvSpPr>
+        <p:spPr>
+          <a:xfrm>
+            <a:off x="746451" y="1054358"/>
+            <a:ext cx="45719" cy="400110"/>
+          </a:xfrm>
+          <a:prstGeom prst="rect">
+            <a:avLst/>
+          </a:prstGeom>
+          <a:solidFill>
+            <a:schemeClr val="tx1"/>
+          </a:solidFill>
+          <a:ln>
+            <a:noFill/>
+          </a:ln>
+        </p:spPr>
+        <p:style>
+          <a:lnRef idx="2">
+            <a:schemeClr val="accent1">
+              <a:shade val="50000"/>
+            </a:schemeClr>
+          </a:lnRef>
+          <a:fillRef idx="1">
+            <a:schemeClr val="accent1"/>
+          </a:fillRef>
+          <a:effectRef idx="0">
+            <a:schemeClr val="accent1"/>
+          </a:effectRef>
+          <a:fontRef idx="minor">
+            <a:schemeClr val="lt1"/>
+          </a:fontRef>
+        </p:style>
+        <p:txBody>
+          <a:bodyPr rtlCol="0" anchor="ctr"/>
+          <a:lstStyle/>
+          <a:p>
+            <a:pPr algn="ctr"/>
+            <a:endParaRPr lang="ko-KR" altLang="en-US"/>
+          </a:p>
+        </p:txBody>
+      </p:sp>
+      <p:sp>
+        <p:nvSpPr>
+          <p:cNvPr id="74" name="직사각형 73">
+            <a:extLst>
+              <a:ext uri="{FF2B5EF4-FFF2-40B4-BE49-F238E27FC236}">
+                <a16:creationId xmlns:a16="http://schemas.microsoft.com/office/drawing/2014/main" id="{A1F56697-C4DA-4F01-A9A0-9053F965A88D}"/>
+              </a:ext>
+            </a:extLst>
+          </p:cNvPr>
+          <p:cNvSpPr/>
+          <p:nvPr/>
+        </p:nvSpPr>
+        <p:spPr>
+          <a:xfrm>
+            <a:off x="3581557" y="1056727"/>
+            <a:ext cx="45719" cy="400110"/>
+          </a:xfrm>
+          <a:prstGeom prst="rect">
+            <a:avLst/>
+          </a:prstGeom>
+          <a:solidFill>
+            <a:schemeClr val="tx1"/>
+          </a:solidFill>
+          <a:ln>
+            <a:noFill/>
+          </a:ln>
+        </p:spPr>
+        <p:style>
+          <a:lnRef idx="2">
+            <a:schemeClr val="accent1">
+              <a:shade val="50000"/>
+            </a:schemeClr>
+          </a:lnRef>
+          <a:fillRef idx="1">
+            <a:schemeClr val="accent1"/>
+          </a:fillRef>
+          <a:effectRef idx="0">
+            <a:schemeClr val="accent1"/>
+          </a:effectRef>
+          <a:fontRef idx="minor">
+            <a:schemeClr val="lt1"/>
+          </a:fontRef>
+        </p:style>
+        <p:txBody>
+          <a:bodyPr rtlCol="0" anchor="ctr"/>
+          <a:lstStyle/>
+          <a:p>
+            <a:pPr algn="ctr"/>
+            <a:endParaRPr lang="ko-KR" altLang="en-US"/>
+          </a:p>
+        </p:txBody>
+      </p:sp>
       <p:sp>
         <p:nvSpPr>
           <p:cNvPr id="98" name="순서도: 판단 97"/>

--- a/Document/시스템/시스템.pptx
+++ b/Document/시스템/시스템.pptx
@@ -5,7 +5,7 @@
     <p:sldMasterId id="2147483648" r:id="rId1"/>
   </p:sldMasterIdLst>
   <p:notesMasterIdLst>
-    <p:notesMasterId r:id="rId7"/>
+    <p:notesMasterId r:id="rId8"/>
   </p:notesMasterIdLst>
   <p:sldIdLst>
     <p:sldId id="257" r:id="rId2"/>
@@ -13,6 +13,7 @@
     <p:sldId id="292" r:id="rId4"/>
     <p:sldId id="295" r:id="rId5"/>
     <p:sldId id="296" r:id="rId6"/>
+    <p:sldId id="297" r:id="rId7"/>
   </p:sldIdLst>
   <p:sldSz cx="12192000" cy="6858000"/>
   <p:notesSz cx="6858000" cy="9144000"/>
@@ -201,7 +202,7 @@
           <a:p>
             <a:fld id="{1BE7B796-A74A-480E-B7C3-F20E279F0A7C}" type="datetimeFigureOut">
               <a:rPr lang="ko-KR" altLang="en-US" smtClean="0"/>
-              <a:t>2022-03-08(Tue)</a:t>
+              <a:t>2022-03-10(Thu)</a:t>
             </a:fld>
             <a:endParaRPr lang="ko-KR" altLang="en-US"/>
           </a:p>
@@ -804,6 +805,90 @@
 </p:notes>
 </file>
 
+<file path=ppt/notesSlides/notesSlide5.xml><?xml version="1.0" encoding="utf-8"?>
+<p:notes xmlns:a="http://schemas.openxmlformats.org/drawingml/2006/main" xmlns:r="http://schemas.openxmlformats.org/officeDocument/2006/relationships" xmlns:p="http://schemas.openxmlformats.org/presentationml/2006/main">
+  <p:cSld>
+    <p:spTree>
+      <p:nvGrpSpPr>
+        <p:cNvPr id="1" name=""/>
+        <p:cNvGrpSpPr/>
+        <p:nvPr/>
+      </p:nvGrpSpPr>
+      <p:grpSpPr>
+        <a:xfrm>
+          <a:off x="0" y="0"/>
+          <a:ext cx="0" cy="0"/>
+          <a:chOff x="0" y="0"/>
+          <a:chExt cx="0" cy="0"/>
+        </a:xfrm>
+      </p:grpSpPr>
+      <p:sp>
+        <p:nvSpPr>
+          <p:cNvPr id="2" name="슬라이드 이미지 개체 틀 1"/>
+          <p:cNvSpPr>
+            <a:spLocks noGrp="1" noRot="1" noChangeAspect="1"/>
+          </p:cNvSpPr>
+          <p:nvPr>
+            <p:ph type="sldImg"/>
+          </p:nvPr>
+        </p:nvSpPr>
+        <p:spPr/>
+      </p:sp>
+      <p:sp>
+        <p:nvSpPr>
+          <p:cNvPr id="3" name="슬라이드 노트 개체 틀 2"/>
+          <p:cNvSpPr>
+            <a:spLocks noGrp="1"/>
+          </p:cNvSpPr>
+          <p:nvPr>
+            <p:ph type="body" idx="1"/>
+          </p:nvPr>
+        </p:nvSpPr>
+        <p:spPr/>
+        <p:txBody>
+          <a:bodyPr/>
+          <a:lstStyle/>
+          <a:p>
+            <a:endParaRPr lang="ko-KR" altLang="en-US" dirty="0"/>
+          </a:p>
+        </p:txBody>
+      </p:sp>
+      <p:sp>
+        <p:nvSpPr>
+          <p:cNvPr id="4" name="슬라이드 번호 개체 틀 3"/>
+          <p:cNvSpPr>
+            <a:spLocks noGrp="1"/>
+          </p:cNvSpPr>
+          <p:nvPr>
+            <p:ph type="sldNum" sz="quarter" idx="5"/>
+          </p:nvPr>
+        </p:nvSpPr>
+        <p:spPr/>
+        <p:txBody>
+          <a:bodyPr/>
+          <a:lstStyle/>
+          <a:p>
+            <a:fld id="{73EB825B-89DC-4B21-8B3A-B3CA9CD761CE}" type="slidenum">
+              <a:rPr lang="ko-KR" altLang="en-US" smtClean="0"/>
+              <a:t>6</a:t>
+            </a:fld>
+            <a:endParaRPr lang="ko-KR" altLang="en-US"/>
+          </a:p>
+        </p:txBody>
+      </p:sp>
+    </p:spTree>
+    <p:extLst>
+      <p:ext uri="{BB962C8B-B14F-4D97-AF65-F5344CB8AC3E}">
+        <p14:creationId xmlns:p14="http://schemas.microsoft.com/office/powerpoint/2010/main" val="185718217"/>
+      </p:ext>
+    </p:extLst>
+  </p:cSld>
+  <p:clrMapOvr>
+    <a:masterClrMapping/>
+  </p:clrMapOvr>
+</p:notes>
+</file>
+
 <file path=ppt/slideLayouts/slideLayout1.xml><?xml version="1.0" encoding="utf-8"?>
 <p:sldLayout xmlns:a="http://schemas.openxmlformats.org/drawingml/2006/main" xmlns:r="http://schemas.openxmlformats.org/officeDocument/2006/relationships" xmlns:p="http://schemas.openxmlformats.org/presentationml/2006/main" type="title" preserve="1">
   <p:cSld name="제목 슬라이드">
@@ -951,7 +1036,7 @@
           <a:p>
             <a:fld id="{4E8DDE92-A542-49E3-8BCA-C8166235BA4E}" type="datetimeFigureOut">
               <a:rPr lang="ko-KR" altLang="en-US" smtClean="0"/>
-              <a:t>2022-03-08(Tue)</a:t>
+              <a:t>2022-03-10(Thu)</a:t>
             </a:fld>
             <a:endParaRPr lang="ko-KR" altLang="en-US"/>
           </a:p>
@@ -1149,7 +1234,7 @@
           <a:p>
             <a:fld id="{4E8DDE92-A542-49E3-8BCA-C8166235BA4E}" type="datetimeFigureOut">
               <a:rPr lang="ko-KR" altLang="en-US" smtClean="0"/>
-              <a:t>2022-03-08(Tue)</a:t>
+              <a:t>2022-03-10(Thu)</a:t>
             </a:fld>
             <a:endParaRPr lang="ko-KR" altLang="en-US"/>
           </a:p>
@@ -1357,7 +1442,7 @@
           <a:p>
             <a:fld id="{4E8DDE92-A542-49E3-8BCA-C8166235BA4E}" type="datetimeFigureOut">
               <a:rPr lang="ko-KR" altLang="en-US" smtClean="0"/>
-              <a:t>2022-03-08(Tue)</a:t>
+              <a:t>2022-03-10(Thu)</a:t>
             </a:fld>
             <a:endParaRPr lang="ko-KR" altLang="en-US"/>
           </a:p>
@@ -1807,7 +1892,7 @@
           <a:p>
             <a:fld id="{4E8DDE92-A542-49E3-8BCA-C8166235BA4E}" type="datetimeFigureOut">
               <a:rPr lang="ko-KR" altLang="en-US" smtClean="0"/>
-              <a:t>2022-03-08(Tue)</a:t>
+              <a:t>2022-03-10(Thu)</a:t>
             </a:fld>
             <a:endParaRPr lang="ko-KR" altLang="en-US"/>
           </a:p>
@@ -2082,7 +2167,7 @@
           <a:p>
             <a:fld id="{4E8DDE92-A542-49E3-8BCA-C8166235BA4E}" type="datetimeFigureOut">
               <a:rPr lang="ko-KR" altLang="en-US" smtClean="0"/>
-              <a:t>2022-03-08(Tue)</a:t>
+              <a:t>2022-03-10(Thu)</a:t>
             </a:fld>
             <a:endParaRPr lang="ko-KR" altLang="en-US"/>
           </a:p>
@@ -2347,7 +2432,7 @@
           <a:p>
             <a:fld id="{4E8DDE92-A542-49E3-8BCA-C8166235BA4E}" type="datetimeFigureOut">
               <a:rPr lang="ko-KR" altLang="en-US" smtClean="0"/>
-              <a:t>2022-03-08(Tue)</a:t>
+              <a:t>2022-03-10(Thu)</a:t>
             </a:fld>
             <a:endParaRPr lang="ko-KR" altLang="en-US"/>
           </a:p>
@@ -2759,7 +2844,7 @@
           <a:p>
             <a:fld id="{4E8DDE92-A542-49E3-8BCA-C8166235BA4E}" type="datetimeFigureOut">
               <a:rPr lang="ko-KR" altLang="en-US" smtClean="0"/>
-              <a:t>2022-03-08(Tue)</a:t>
+              <a:t>2022-03-10(Thu)</a:t>
             </a:fld>
             <a:endParaRPr lang="ko-KR" altLang="en-US"/>
           </a:p>
@@ -2900,7 +2985,7 @@
           <a:p>
             <a:fld id="{4E8DDE92-A542-49E3-8BCA-C8166235BA4E}" type="datetimeFigureOut">
               <a:rPr lang="ko-KR" altLang="en-US" smtClean="0"/>
-              <a:t>2022-03-08(Tue)</a:t>
+              <a:t>2022-03-10(Thu)</a:t>
             </a:fld>
             <a:endParaRPr lang="ko-KR" altLang="en-US"/>
           </a:p>
@@ -3013,7 +3098,7 @@
           <a:p>
             <a:fld id="{4E8DDE92-A542-49E3-8BCA-C8166235BA4E}" type="datetimeFigureOut">
               <a:rPr lang="ko-KR" altLang="en-US" smtClean="0"/>
-              <a:t>2022-03-08(Tue)</a:t>
+              <a:t>2022-03-10(Thu)</a:t>
             </a:fld>
             <a:endParaRPr lang="ko-KR" altLang="en-US"/>
           </a:p>
@@ -3324,7 +3409,7 @@
           <a:p>
             <a:fld id="{4E8DDE92-A542-49E3-8BCA-C8166235BA4E}" type="datetimeFigureOut">
               <a:rPr lang="ko-KR" altLang="en-US" smtClean="0"/>
-              <a:t>2022-03-08(Tue)</a:t>
+              <a:t>2022-03-10(Thu)</a:t>
             </a:fld>
             <a:endParaRPr lang="ko-KR" altLang="en-US"/>
           </a:p>
@@ -3612,7 +3697,7 @@
           <a:p>
             <a:fld id="{4E8DDE92-A542-49E3-8BCA-C8166235BA4E}" type="datetimeFigureOut">
               <a:rPr lang="ko-KR" altLang="en-US" smtClean="0"/>
-              <a:t>2022-03-08(Tue)</a:t>
+              <a:t>2022-03-10(Thu)</a:t>
             </a:fld>
             <a:endParaRPr lang="ko-KR" altLang="en-US"/>
           </a:p>
@@ -3853,7 +3938,7 @@
           <a:p>
             <a:fld id="{4E8DDE92-A542-49E3-8BCA-C8166235BA4E}" type="datetimeFigureOut">
               <a:rPr lang="ko-KR" altLang="en-US" smtClean="0"/>
-              <a:t>2022-03-08(Tue)</a:t>
+              <a:t>2022-03-10(Thu)</a:t>
             </a:fld>
             <a:endParaRPr lang="ko-KR" altLang="en-US"/>
           </a:p>
@@ -5318,7 +5403,7 @@
         <p:spPr>
           <a:xfrm>
             <a:off x="5375520" y="2804955"/>
-            <a:ext cx="6853351" cy="2123658"/>
+            <a:ext cx="6829114" cy="2123658"/>
           </a:xfrm>
           <a:prstGeom prst="rect">
             <a:avLst/>
@@ -5445,35 +5530,24 @@
             </a:r>
           </a:p>
           <a:p>
+            <a:endParaRPr lang="en-US" altLang="ko-KR" sz="1200" dirty="0"/>
+          </a:p>
+          <a:p>
+            <a:r>
+              <a:rPr lang="ko-KR" altLang="en-US" sz="1200" dirty="0"/>
+              <a:t>킬 </a:t>
+            </a:r>
             <a:r>
               <a:rPr lang="ko-KR" altLang="en-US" sz="1200" dirty="0" err="1"/>
-              <a:t>킬을</a:t>
+              <a:t>쿨타임</a:t>
             </a:r>
             <a:r>
               <a:rPr lang="ko-KR" altLang="en-US" sz="1200" dirty="0"/>
-              <a:t> 할 때는 밤에 쌓인 스택을 두개 사용하여 </a:t>
-            </a:r>
-            <a:r>
-              <a:rPr lang="ko-KR" altLang="en-US" sz="1200" dirty="0" err="1"/>
-              <a:t>킬이</a:t>
-            </a:r>
-            <a:r>
-              <a:rPr lang="ko-KR" altLang="en-US" sz="1200" dirty="0"/>
-              <a:t> 가능하다</a:t>
-            </a:r>
-            <a:r>
-              <a:rPr lang="en-US" altLang="ko-KR" sz="1200" dirty="0"/>
-              <a:t>.</a:t>
-            </a:r>
-          </a:p>
-          <a:p>
+              <a:t> 시간이 부족할 경우에는 화면 중앙에 빨간색으로 </a:t>
+            </a:r>
             <a:endParaRPr lang="en-US" altLang="ko-KR" sz="1200" dirty="0"/>
           </a:p>
           <a:p>
-            <a:r>
-              <a:rPr lang="ko-KR" altLang="en-US" sz="1200" dirty="0"/>
-              <a:t>킬 스택이 부족할 경우에는 화면 중앙에 빨간색으로 </a:t>
-            </a:r>
             <a:r>
               <a:rPr lang="en-US" altLang="ko-KR" sz="1200" dirty="0"/>
               <a:t>“</a:t>
@@ -5484,7 +5558,7 @@
                   <a:srgbClr val="FF0000"/>
                 </a:solidFill>
               </a:rPr>
-              <a:t>킬 스택이 부족합니다</a:t>
+              <a:t>아직 킬 할 수 없습니다</a:t>
             </a:r>
             <a:r>
               <a:rPr lang="en-US" altLang="ko-KR" sz="1200" dirty="0"/>
@@ -11082,6 +11156,394 @@
     <p:extLst>
       <p:ext uri="{BB962C8B-B14F-4D97-AF65-F5344CB8AC3E}">
         <p14:creationId xmlns:p14="http://schemas.microsoft.com/office/powerpoint/2010/main" val="1067366761"/>
+      </p:ext>
+    </p:extLst>
+  </p:cSld>
+  <p:clrMapOvr>
+    <a:masterClrMapping/>
+  </p:clrMapOvr>
+</p:sld>
+</file>
+
+<file path=ppt/slides/slide6.xml><?xml version="1.0" encoding="utf-8"?>
+<p:sld xmlns:a="http://schemas.openxmlformats.org/drawingml/2006/main" xmlns:r="http://schemas.openxmlformats.org/officeDocument/2006/relationships" xmlns:p="http://schemas.openxmlformats.org/presentationml/2006/main">
+  <p:cSld>
+    <p:spTree>
+      <p:nvGrpSpPr>
+        <p:cNvPr id="1" name=""/>
+        <p:cNvGrpSpPr/>
+        <p:nvPr/>
+      </p:nvGrpSpPr>
+      <p:grpSpPr>
+        <a:xfrm>
+          <a:off x="0" y="0"/>
+          <a:ext cx="0" cy="0"/>
+          <a:chOff x="0" y="0"/>
+          <a:chExt cx="0" cy="0"/>
+        </a:xfrm>
+      </p:grpSpPr>
+      <p:sp>
+        <p:nvSpPr>
+          <p:cNvPr id="67" name="사각형: 둥근 모서리 66">
+            <a:extLst>
+              <a:ext uri="{FF2B5EF4-FFF2-40B4-BE49-F238E27FC236}">
+                <a16:creationId xmlns:a16="http://schemas.microsoft.com/office/drawing/2014/main" id="{135DFFA6-162D-46BA-910B-6909C80E7F78}"/>
+              </a:ext>
+            </a:extLst>
+          </p:cNvPr>
+          <p:cNvSpPr/>
+          <p:nvPr/>
+        </p:nvSpPr>
+        <p:spPr>
+          <a:xfrm>
+            <a:off x="3699020" y="940816"/>
+            <a:ext cx="1410307" cy="523220"/>
+          </a:xfrm>
+          <a:prstGeom prst="roundRect">
+            <a:avLst/>
+          </a:prstGeom>
+          <a:solidFill>
+            <a:schemeClr val="accent4">
+              <a:lumMod val="40000"/>
+              <a:lumOff val="60000"/>
+            </a:schemeClr>
+          </a:solidFill>
+          <a:ln>
+            <a:noFill/>
+          </a:ln>
+        </p:spPr>
+        <p:style>
+          <a:lnRef idx="2">
+            <a:schemeClr val="accent1">
+              <a:shade val="50000"/>
+            </a:schemeClr>
+          </a:lnRef>
+          <a:fillRef idx="1">
+            <a:schemeClr val="accent1"/>
+          </a:fillRef>
+          <a:effectRef idx="0">
+            <a:schemeClr val="accent1"/>
+          </a:effectRef>
+          <a:fontRef idx="minor">
+            <a:schemeClr val="lt1"/>
+          </a:fontRef>
+        </p:style>
+        <p:txBody>
+          <a:bodyPr rtlCol="0" anchor="ctr"/>
+          <a:lstStyle/>
+          <a:p>
+            <a:pPr algn="ctr"/>
+            <a:endParaRPr lang="ko-KR" altLang="en-US"/>
+          </a:p>
+        </p:txBody>
+      </p:sp>
+      <p:sp>
+        <p:nvSpPr>
+          <p:cNvPr id="68" name="TextBox 67">
+            <a:extLst>
+              <a:ext uri="{FF2B5EF4-FFF2-40B4-BE49-F238E27FC236}">
+                <a16:creationId xmlns:a16="http://schemas.microsoft.com/office/drawing/2014/main" id="{12658D71-6CFE-4718-A222-A59F9BFD9DCA}"/>
+              </a:ext>
+            </a:extLst>
+          </p:cNvPr>
+          <p:cNvSpPr txBox="1"/>
+          <p:nvPr/>
+        </p:nvSpPr>
+        <p:spPr>
+          <a:xfrm>
+            <a:off x="206463" y="1037795"/>
+            <a:ext cx="199618" cy="400110"/>
+          </a:xfrm>
+          <a:prstGeom prst="rect">
+            <a:avLst/>
+          </a:prstGeom>
+          <a:noFill/>
+        </p:spPr>
+        <p:txBody>
+          <a:bodyPr wrap="square" rtlCol="0">
+            <a:spAutoFit/>
+          </a:bodyPr>
+          <a:lstStyle/>
+          <a:p>
+            <a:r>
+              <a:rPr lang="ko-KR" altLang="en-US" sz="2000" b="1" dirty="0"/>
+              <a:t>킬</a:t>
+            </a:r>
+            <a:endParaRPr lang="en-US" altLang="ko-KR" sz="2000" b="1" dirty="0"/>
+          </a:p>
+        </p:txBody>
+      </p:sp>
+      <p:sp>
+        <p:nvSpPr>
+          <p:cNvPr id="69" name="TextBox 68">
+            <a:extLst>
+              <a:ext uri="{FF2B5EF4-FFF2-40B4-BE49-F238E27FC236}">
+                <a16:creationId xmlns:a16="http://schemas.microsoft.com/office/drawing/2014/main" id="{A6DE0166-3F92-41E3-835F-6EA967B55752}"/>
+              </a:ext>
+            </a:extLst>
+          </p:cNvPr>
+          <p:cNvSpPr txBox="1"/>
+          <p:nvPr/>
+        </p:nvSpPr>
+        <p:spPr>
+          <a:xfrm>
+            <a:off x="853008" y="1048865"/>
+            <a:ext cx="2774268" cy="400110"/>
+          </a:xfrm>
+          <a:prstGeom prst="rect">
+            <a:avLst/>
+          </a:prstGeom>
+          <a:noFill/>
+        </p:spPr>
+        <p:txBody>
+          <a:bodyPr wrap="square">
+            <a:spAutoFit/>
+          </a:bodyPr>
+          <a:lstStyle/>
+          <a:p>
+            <a:r>
+              <a:rPr lang="ko-KR" altLang="en-US" sz="2000" b="1" dirty="0"/>
+              <a:t>회의 후 플레이어 배치</a:t>
+            </a:r>
+            <a:endParaRPr lang="en-US" altLang="ko-KR" sz="2000" b="1" dirty="0"/>
+          </a:p>
+        </p:txBody>
+      </p:sp>
+      <p:sp>
+        <p:nvSpPr>
+          <p:cNvPr id="70" name="TextBox 69">
+            <a:extLst>
+              <a:ext uri="{FF2B5EF4-FFF2-40B4-BE49-F238E27FC236}">
+                <a16:creationId xmlns:a16="http://schemas.microsoft.com/office/drawing/2014/main" id="{CEAB88A2-7ECB-4042-88AE-609A107595B0}"/>
+              </a:ext>
+            </a:extLst>
+          </p:cNvPr>
+          <p:cNvSpPr txBox="1"/>
+          <p:nvPr/>
+        </p:nvSpPr>
+        <p:spPr>
+          <a:xfrm>
+            <a:off x="3627276" y="1032591"/>
+            <a:ext cx="1550870" cy="400110"/>
+          </a:xfrm>
+          <a:prstGeom prst="rect">
+            <a:avLst/>
+          </a:prstGeom>
+          <a:noFill/>
+        </p:spPr>
+        <p:txBody>
+          <a:bodyPr wrap="square">
+            <a:spAutoFit/>
+          </a:bodyPr>
+          <a:lstStyle/>
+          <a:p>
+            <a:r>
+              <a:rPr lang="ko-KR" altLang="en-US" sz="2000" b="1" dirty="0"/>
+              <a:t>게임 구조도 </a:t>
+            </a:r>
+            <a:endParaRPr lang="ko-KR" altLang="en-US" sz="2000" dirty="0"/>
+          </a:p>
+        </p:txBody>
+      </p:sp>
+      <p:sp>
+        <p:nvSpPr>
+          <p:cNvPr id="72" name="직사각형 71">
+            <a:extLst>
+              <a:ext uri="{FF2B5EF4-FFF2-40B4-BE49-F238E27FC236}">
+                <a16:creationId xmlns:a16="http://schemas.microsoft.com/office/drawing/2014/main" id="{3E7A2C32-FFB4-460A-A3B1-F07114F8778D}"/>
+              </a:ext>
+            </a:extLst>
+          </p:cNvPr>
+          <p:cNvSpPr/>
+          <p:nvPr/>
+        </p:nvSpPr>
+        <p:spPr>
+          <a:xfrm>
+            <a:off x="746451" y="1054358"/>
+            <a:ext cx="45719" cy="400110"/>
+          </a:xfrm>
+          <a:prstGeom prst="rect">
+            <a:avLst/>
+          </a:prstGeom>
+          <a:solidFill>
+            <a:schemeClr val="tx1"/>
+          </a:solidFill>
+          <a:ln>
+            <a:noFill/>
+          </a:ln>
+        </p:spPr>
+        <p:style>
+          <a:lnRef idx="2">
+            <a:schemeClr val="accent1">
+              <a:shade val="50000"/>
+            </a:schemeClr>
+          </a:lnRef>
+          <a:fillRef idx="1">
+            <a:schemeClr val="accent1"/>
+          </a:fillRef>
+          <a:effectRef idx="0">
+            <a:schemeClr val="accent1"/>
+          </a:effectRef>
+          <a:fontRef idx="minor">
+            <a:schemeClr val="lt1"/>
+          </a:fontRef>
+        </p:style>
+        <p:txBody>
+          <a:bodyPr rtlCol="0" anchor="ctr"/>
+          <a:lstStyle/>
+          <a:p>
+            <a:pPr algn="ctr"/>
+            <a:endParaRPr lang="ko-KR" altLang="en-US"/>
+          </a:p>
+        </p:txBody>
+      </p:sp>
+      <p:sp>
+        <p:nvSpPr>
+          <p:cNvPr id="74" name="직사각형 73">
+            <a:extLst>
+              <a:ext uri="{FF2B5EF4-FFF2-40B4-BE49-F238E27FC236}">
+                <a16:creationId xmlns:a16="http://schemas.microsoft.com/office/drawing/2014/main" id="{A1F56697-C4DA-4F01-A9A0-9053F965A88D}"/>
+              </a:ext>
+            </a:extLst>
+          </p:cNvPr>
+          <p:cNvSpPr/>
+          <p:nvPr/>
+        </p:nvSpPr>
+        <p:spPr>
+          <a:xfrm>
+            <a:off x="3581557" y="1056727"/>
+            <a:ext cx="45719" cy="400110"/>
+          </a:xfrm>
+          <a:prstGeom prst="rect">
+            <a:avLst/>
+          </a:prstGeom>
+          <a:solidFill>
+            <a:schemeClr val="tx1"/>
+          </a:solidFill>
+          <a:ln>
+            <a:noFill/>
+          </a:ln>
+        </p:spPr>
+        <p:style>
+          <a:lnRef idx="2">
+            <a:schemeClr val="accent1">
+              <a:shade val="50000"/>
+            </a:schemeClr>
+          </a:lnRef>
+          <a:fillRef idx="1">
+            <a:schemeClr val="accent1"/>
+          </a:fillRef>
+          <a:effectRef idx="0">
+            <a:schemeClr val="accent1"/>
+          </a:effectRef>
+          <a:fontRef idx="minor">
+            <a:schemeClr val="lt1"/>
+          </a:fontRef>
+        </p:style>
+        <p:txBody>
+          <a:bodyPr rtlCol="0" anchor="ctr"/>
+          <a:lstStyle/>
+          <a:p>
+            <a:pPr algn="ctr"/>
+            <a:endParaRPr lang="ko-KR" altLang="en-US"/>
+          </a:p>
+        </p:txBody>
+      </p:sp>
+      <p:sp>
+        <p:nvSpPr>
+          <p:cNvPr id="4" name="직사각형 3">
+            <a:extLst>
+              <a:ext uri="{FF2B5EF4-FFF2-40B4-BE49-F238E27FC236}">
+                <a16:creationId xmlns:a16="http://schemas.microsoft.com/office/drawing/2014/main" id="{AE93FE2A-85FE-4157-951C-FC2FADBB3B34}"/>
+              </a:ext>
+            </a:extLst>
+          </p:cNvPr>
+          <p:cNvSpPr/>
+          <p:nvPr/>
+        </p:nvSpPr>
+        <p:spPr>
+          <a:xfrm>
+            <a:off x="0" y="0"/>
+            <a:ext cx="12192000" cy="1034474"/>
+          </a:xfrm>
+          <a:prstGeom prst="rect">
+            <a:avLst/>
+          </a:prstGeom>
+          <a:solidFill>
+            <a:schemeClr val="accent5">
+              <a:lumMod val="60000"/>
+              <a:lumOff val="40000"/>
+            </a:schemeClr>
+          </a:solidFill>
+        </p:spPr>
+        <p:style>
+          <a:lnRef idx="2">
+            <a:schemeClr val="accent1">
+              <a:shade val="50000"/>
+            </a:schemeClr>
+          </a:lnRef>
+          <a:fillRef idx="1">
+            <a:schemeClr val="accent1"/>
+          </a:fillRef>
+          <a:effectRef idx="0">
+            <a:schemeClr val="accent1"/>
+          </a:effectRef>
+          <a:fontRef idx="minor">
+            <a:schemeClr val="lt1"/>
+          </a:fontRef>
+        </p:style>
+        <p:txBody>
+          <a:bodyPr rtlCol="0" anchor="ctr"/>
+          <a:lstStyle/>
+          <a:p>
+            <a:pPr algn="ctr"/>
+            <a:endParaRPr lang="ko-KR" altLang="en-US" dirty="0"/>
+          </a:p>
+        </p:txBody>
+      </p:sp>
+      <p:sp>
+        <p:nvSpPr>
+          <p:cNvPr id="7" name="TextBox 6">
+            <a:extLst>
+              <a:ext uri="{FF2B5EF4-FFF2-40B4-BE49-F238E27FC236}">
+                <a16:creationId xmlns:a16="http://schemas.microsoft.com/office/drawing/2014/main" id="{982817C4-ACF4-45FB-A018-6E6F872691BC}"/>
+              </a:ext>
+            </a:extLst>
+          </p:cNvPr>
+          <p:cNvSpPr txBox="1"/>
+          <p:nvPr/>
+        </p:nvSpPr>
+        <p:spPr>
+          <a:xfrm>
+            <a:off x="646546" y="255627"/>
+            <a:ext cx="4230254" cy="523220"/>
+          </a:xfrm>
+          <a:prstGeom prst="rect">
+            <a:avLst/>
+          </a:prstGeom>
+          <a:noFill/>
+        </p:spPr>
+        <p:txBody>
+          <a:bodyPr wrap="square" rtlCol="0">
+            <a:spAutoFit/>
+          </a:bodyPr>
+          <a:lstStyle/>
+          <a:p>
+            <a:r>
+              <a:rPr lang="ko-KR" altLang="en-US" sz="2800" b="1" dirty="0"/>
+              <a:t>게임 구조도 </a:t>
+            </a:r>
+            <a:r>
+              <a:rPr lang="en-US" altLang="ko-KR" sz="2800" b="1" dirty="0"/>
+              <a:t>( UI )</a:t>
+            </a:r>
+          </a:p>
+        </p:txBody>
+      </p:sp>
+    </p:spTree>
+    <p:extLst>
+      <p:ext uri="{BB962C8B-B14F-4D97-AF65-F5344CB8AC3E}">
+        <p14:creationId xmlns:p14="http://schemas.microsoft.com/office/powerpoint/2010/main" val="122669228"/>
       </p:ext>
     </p:extLst>
   </p:cSld>

--- a/Document/시스템/시스템.pptx
+++ b/Document/시스템/시스템.pptx
@@ -11184,10 +11184,10 @@
       </p:grpSpPr>
       <p:sp>
         <p:nvSpPr>
-          <p:cNvPr id="67" name="사각형: 둥근 모서리 66">
-            <a:extLst>
-              <a:ext uri="{FF2B5EF4-FFF2-40B4-BE49-F238E27FC236}">
-                <a16:creationId xmlns:a16="http://schemas.microsoft.com/office/drawing/2014/main" id="{135DFFA6-162D-46BA-910B-6909C80E7F78}"/>
+          <p:cNvPr id="12" name="사각형: 둥근 모서리 11">
+            <a:extLst>
+              <a:ext uri="{FF2B5EF4-FFF2-40B4-BE49-F238E27FC236}">
+                <a16:creationId xmlns:a16="http://schemas.microsoft.com/office/drawing/2014/main" id="{6CA48564-8D2A-41E2-9BC0-77500EB8993D}"/>
               </a:ext>
             </a:extLst>
           </p:cNvPr>
@@ -11196,8 +11196,8 @@
         </p:nvSpPr>
         <p:spPr>
           <a:xfrm>
-            <a:off x="3699020" y="940816"/>
-            <a:ext cx="1410307" cy="523220"/>
+            <a:off x="5240222" y="955480"/>
+            <a:ext cx="1579988" cy="523220"/>
           </a:xfrm>
           <a:prstGeom prst="roundRect">
             <a:avLst/>
@@ -11323,7 +11323,7 @@
         </p:nvSpPr>
         <p:spPr>
           <a:xfrm>
-            <a:off x="3627276" y="1032591"/>
+            <a:off x="3627276" y="1041926"/>
             <a:ext cx="1550870" cy="400110"/>
           </a:xfrm>
           <a:prstGeom prst="rect">
@@ -11536,6 +11536,1328 @@
             <a:r>
               <a:rPr lang="en-US" altLang="ko-KR" sz="2800" b="1" dirty="0"/>
               <a:t>( UI )</a:t>
+            </a:r>
+          </a:p>
+        </p:txBody>
+      </p:sp>
+      <p:sp>
+        <p:nvSpPr>
+          <p:cNvPr id="10" name="직사각형 9">
+            <a:extLst>
+              <a:ext uri="{FF2B5EF4-FFF2-40B4-BE49-F238E27FC236}">
+                <a16:creationId xmlns:a16="http://schemas.microsoft.com/office/drawing/2014/main" id="{46A0F60D-0077-4149-B062-DBD9307E6FEA}"/>
+              </a:ext>
+            </a:extLst>
+          </p:cNvPr>
+          <p:cNvSpPr/>
+          <p:nvPr/>
+        </p:nvSpPr>
+        <p:spPr>
+          <a:xfrm>
+            <a:off x="5161545" y="1041173"/>
+            <a:ext cx="45719" cy="400110"/>
+          </a:xfrm>
+          <a:prstGeom prst="rect">
+            <a:avLst/>
+          </a:prstGeom>
+          <a:solidFill>
+            <a:schemeClr val="tx1"/>
+          </a:solidFill>
+          <a:ln>
+            <a:noFill/>
+          </a:ln>
+        </p:spPr>
+        <p:style>
+          <a:lnRef idx="2">
+            <a:schemeClr val="accent1">
+              <a:shade val="50000"/>
+            </a:schemeClr>
+          </a:lnRef>
+          <a:fillRef idx="1">
+            <a:schemeClr val="accent1"/>
+          </a:fillRef>
+          <a:effectRef idx="0">
+            <a:schemeClr val="accent1"/>
+          </a:effectRef>
+          <a:fontRef idx="minor">
+            <a:schemeClr val="lt1"/>
+          </a:fontRef>
+        </p:style>
+        <p:txBody>
+          <a:bodyPr rtlCol="0" anchor="ctr"/>
+          <a:lstStyle/>
+          <a:p>
+            <a:pPr algn="ctr"/>
+            <a:endParaRPr lang="ko-KR" altLang="en-US"/>
+          </a:p>
+        </p:txBody>
+      </p:sp>
+      <p:sp>
+        <p:nvSpPr>
+          <p:cNvPr id="11" name="TextBox 10">
+            <a:extLst>
+              <a:ext uri="{FF2B5EF4-FFF2-40B4-BE49-F238E27FC236}">
+                <a16:creationId xmlns:a16="http://schemas.microsoft.com/office/drawing/2014/main" id="{D3CFEE73-41B2-4270-8C30-853053249758}"/>
+              </a:ext>
+            </a:extLst>
+          </p:cNvPr>
+          <p:cNvSpPr txBox="1"/>
+          <p:nvPr/>
+        </p:nvSpPr>
+        <p:spPr>
+          <a:xfrm>
+            <a:off x="5207264" y="1054358"/>
+            <a:ext cx="1678530" cy="400110"/>
+          </a:xfrm>
+          <a:prstGeom prst="rect">
+            <a:avLst/>
+          </a:prstGeom>
+          <a:noFill/>
+        </p:spPr>
+        <p:txBody>
+          <a:bodyPr wrap="square">
+            <a:spAutoFit/>
+          </a:bodyPr>
+          <a:lstStyle/>
+          <a:p>
+            <a:r>
+              <a:rPr lang="ko-KR" altLang="en-US" sz="2000" b="1" dirty="0"/>
+              <a:t>게임 결과 창 </a:t>
+            </a:r>
+            <a:endParaRPr lang="ko-KR" altLang="en-US" sz="2000" dirty="0"/>
+          </a:p>
+        </p:txBody>
+      </p:sp>
+      <p:sp>
+        <p:nvSpPr>
+          <p:cNvPr id="14" name="사각형: 둥근 모서리 13">
+            <a:extLst>
+              <a:ext uri="{FF2B5EF4-FFF2-40B4-BE49-F238E27FC236}">
+                <a16:creationId xmlns:a16="http://schemas.microsoft.com/office/drawing/2014/main" id="{0AAF1AD4-E157-484B-9346-CB1804FD3DF3}"/>
+              </a:ext>
+            </a:extLst>
+          </p:cNvPr>
+          <p:cNvSpPr/>
+          <p:nvPr/>
+        </p:nvSpPr>
+        <p:spPr>
+          <a:xfrm rot="5400000">
+            <a:off x="1726353" y="1298204"/>
+            <a:ext cx="2862400" cy="5700610"/>
+          </a:xfrm>
+          <a:prstGeom prst="roundRect">
+            <a:avLst/>
+          </a:prstGeom>
+          <a:noFill/>
+          <a:ln w="38100">
+            <a:solidFill>
+              <a:schemeClr val="tx1"/>
+            </a:solidFill>
+          </a:ln>
+        </p:spPr>
+        <p:style>
+          <a:lnRef idx="2">
+            <a:schemeClr val="accent1">
+              <a:shade val="50000"/>
+            </a:schemeClr>
+          </a:lnRef>
+          <a:fillRef idx="1">
+            <a:schemeClr val="accent1"/>
+          </a:fillRef>
+          <a:effectRef idx="0">
+            <a:schemeClr val="accent1"/>
+          </a:effectRef>
+          <a:fontRef idx="minor">
+            <a:schemeClr val="lt1"/>
+          </a:fontRef>
+        </p:style>
+        <p:txBody>
+          <a:bodyPr rtlCol="0" anchor="ctr"/>
+          <a:lstStyle/>
+          <a:p>
+            <a:pPr algn="ctr"/>
+            <a:endParaRPr lang="ko-KR" altLang="en-US" dirty="0"/>
+          </a:p>
+        </p:txBody>
+      </p:sp>
+      <p:sp>
+        <p:nvSpPr>
+          <p:cNvPr id="2" name="직사각형 1">
+            <a:extLst>
+              <a:ext uri="{FF2B5EF4-FFF2-40B4-BE49-F238E27FC236}">
+                <a16:creationId xmlns:a16="http://schemas.microsoft.com/office/drawing/2014/main" id="{8DA77785-D063-44D1-8E37-0FBA8703B670}"/>
+              </a:ext>
+            </a:extLst>
+          </p:cNvPr>
+          <p:cNvSpPr/>
+          <p:nvPr/>
+        </p:nvSpPr>
+        <p:spPr>
+          <a:xfrm>
+            <a:off x="314893" y="3867268"/>
+            <a:ext cx="5710334" cy="651315"/>
+          </a:xfrm>
+          <a:prstGeom prst="rect">
+            <a:avLst/>
+          </a:prstGeom>
+          <a:solidFill>
+            <a:schemeClr val="accent2">
+              <a:lumMod val="40000"/>
+              <a:lumOff val="60000"/>
+            </a:schemeClr>
+          </a:solidFill>
+        </p:spPr>
+        <p:style>
+          <a:lnRef idx="2">
+            <a:schemeClr val="accent1">
+              <a:shade val="50000"/>
+            </a:schemeClr>
+          </a:lnRef>
+          <a:fillRef idx="1">
+            <a:schemeClr val="accent1"/>
+          </a:fillRef>
+          <a:effectRef idx="0">
+            <a:schemeClr val="accent1"/>
+          </a:effectRef>
+          <a:fontRef idx="minor">
+            <a:schemeClr val="lt1"/>
+          </a:fontRef>
+        </p:style>
+        <p:txBody>
+          <a:bodyPr rtlCol="0" anchor="ctr"/>
+          <a:lstStyle/>
+          <a:p>
+            <a:pPr algn="ctr"/>
+            <a:r>
+              <a:rPr lang="ko-KR" altLang="en-US" dirty="0">
+                <a:solidFill>
+                  <a:schemeClr val="tx1"/>
+                </a:solidFill>
+              </a:rPr>
+              <a:t>납치자 승리</a:t>
+            </a:r>
+          </a:p>
+        </p:txBody>
+      </p:sp>
+      <p:pic>
+        <p:nvPicPr>
+          <p:cNvPr id="5" name="그림 4" descr="클립아트이(가) 표시된 사진&#10;&#10;자동 생성된 설명">
+            <a:extLst>
+              <a:ext uri="{FF2B5EF4-FFF2-40B4-BE49-F238E27FC236}">
+                <a16:creationId xmlns:a16="http://schemas.microsoft.com/office/drawing/2014/main" id="{E25D863B-9E06-44B5-A060-ED08F599847C}"/>
+              </a:ext>
+            </a:extLst>
+          </p:cNvPr>
+          <p:cNvPicPr>
+            <a:picLocks noChangeAspect="1"/>
+          </p:cNvPicPr>
+          <p:nvPr/>
+        </p:nvPicPr>
+        <p:blipFill>
+          <a:blip r:embed="rId3">
+            <a:extLst>
+              <a:ext uri="{28A0092B-C50C-407E-A947-70E740481C1C}">
+                <a14:useLocalDpi xmlns:a14="http://schemas.microsoft.com/office/drawing/2010/main" val="0"/>
+              </a:ext>
+            </a:extLst>
+          </a:blip>
+          <a:stretch>
+            <a:fillRect/>
+          </a:stretch>
+        </p:blipFill>
+        <p:spPr>
+          <a:xfrm>
+            <a:off x="1863838" y="2995280"/>
+            <a:ext cx="886836" cy="886836"/>
+          </a:xfrm>
+          <a:prstGeom prst="rect">
+            <a:avLst/>
+          </a:prstGeom>
+          <a:scene3d>
+            <a:camera prst="orthographicFront">
+              <a:rot lat="0" lon="10800000" rev="0"/>
+            </a:camera>
+            <a:lightRig rig="threePt" dir="t"/>
+          </a:scene3d>
+        </p:spPr>
+      </p:pic>
+      <p:pic>
+        <p:nvPicPr>
+          <p:cNvPr id="22" name="그림 21" descr="클립아트이(가) 표시된 사진&#10;&#10;자동 생성된 설명">
+            <a:extLst>
+              <a:ext uri="{FF2B5EF4-FFF2-40B4-BE49-F238E27FC236}">
+                <a16:creationId xmlns:a16="http://schemas.microsoft.com/office/drawing/2014/main" id="{627FA3E3-901E-421E-A12C-AD34651E3F02}"/>
+              </a:ext>
+            </a:extLst>
+          </p:cNvPr>
+          <p:cNvPicPr>
+            <a:picLocks noChangeAspect="1"/>
+          </p:cNvPicPr>
+          <p:nvPr/>
+        </p:nvPicPr>
+        <p:blipFill>
+          <a:blip r:embed="rId3">
+            <a:extLst>
+              <a:ext uri="{28A0092B-C50C-407E-A947-70E740481C1C}">
+                <a14:useLocalDpi xmlns:a14="http://schemas.microsoft.com/office/drawing/2010/main" val="0"/>
+              </a:ext>
+            </a:extLst>
+          </a:blip>
+          <a:stretch>
+            <a:fillRect/>
+          </a:stretch>
+        </p:blipFill>
+        <p:spPr>
+          <a:xfrm>
+            <a:off x="2180529" y="4740413"/>
+            <a:ext cx="886836" cy="886836"/>
+          </a:xfrm>
+          <a:prstGeom prst="rect">
+            <a:avLst/>
+          </a:prstGeom>
+          <a:scene3d>
+            <a:camera prst="orthographicFront">
+              <a:rot lat="0" lon="10800000" rev="0"/>
+            </a:camera>
+            <a:lightRig rig="threePt" dir="t"/>
+          </a:scene3d>
+        </p:spPr>
+      </p:pic>
+      <p:pic>
+        <p:nvPicPr>
+          <p:cNvPr id="8" name="그림 7" descr="벡터그래픽이(가) 표시된 사진&#10;&#10;자동 생성된 설명">
+            <a:extLst>
+              <a:ext uri="{FF2B5EF4-FFF2-40B4-BE49-F238E27FC236}">
+                <a16:creationId xmlns:a16="http://schemas.microsoft.com/office/drawing/2014/main" id="{06BBB882-8DE9-4B2A-9369-FC42F1F5C34B}"/>
+              </a:ext>
+            </a:extLst>
+          </p:cNvPr>
+          <p:cNvPicPr>
+            <a:picLocks noChangeAspect="1"/>
+          </p:cNvPicPr>
+          <p:nvPr/>
+        </p:nvPicPr>
+        <p:blipFill>
+          <a:blip r:embed="rId4">
+            <a:extLst>
+              <a:ext uri="{28A0092B-C50C-407E-A947-70E740481C1C}">
+                <a14:useLocalDpi xmlns:a14="http://schemas.microsoft.com/office/drawing/2010/main" val="0"/>
+              </a:ext>
+            </a:extLst>
+          </a:blip>
+          <a:stretch>
+            <a:fillRect/>
+          </a:stretch>
+        </p:blipFill>
+        <p:spPr>
+          <a:xfrm>
+            <a:off x="3603298" y="2990732"/>
+            <a:ext cx="914400" cy="914400"/>
+          </a:xfrm>
+          <a:prstGeom prst="rect">
+            <a:avLst/>
+          </a:prstGeom>
+        </p:spPr>
+      </p:pic>
+      <p:pic>
+        <p:nvPicPr>
+          <p:cNvPr id="25" name="그림 24" descr="클립아트이(가) 표시된 사진&#10;&#10;자동 생성된 설명">
+            <a:extLst>
+              <a:ext uri="{FF2B5EF4-FFF2-40B4-BE49-F238E27FC236}">
+                <a16:creationId xmlns:a16="http://schemas.microsoft.com/office/drawing/2014/main" id="{E978F5C1-F9D5-49F3-B77F-EBCA7194A463}"/>
+              </a:ext>
+            </a:extLst>
+          </p:cNvPr>
+          <p:cNvPicPr>
+            <a:picLocks noChangeAspect="1"/>
+          </p:cNvPicPr>
+          <p:nvPr/>
+        </p:nvPicPr>
+        <p:blipFill>
+          <a:blip r:embed="rId3">
+            <a:extLst>
+              <a:ext uri="{28A0092B-C50C-407E-A947-70E740481C1C}">
+                <a14:useLocalDpi xmlns:a14="http://schemas.microsoft.com/office/drawing/2010/main" val="0"/>
+              </a:ext>
+            </a:extLst>
+          </a:blip>
+          <a:stretch>
+            <a:fillRect/>
+          </a:stretch>
+        </p:blipFill>
+        <p:spPr>
+          <a:xfrm>
+            <a:off x="3431353" y="4716465"/>
+            <a:ext cx="886836" cy="886836"/>
+          </a:xfrm>
+          <a:prstGeom prst="rect">
+            <a:avLst/>
+          </a:prstGeom>
+          <a:scene3d>
+            <a:camera prst="orthographicFront">
+              <a:rot lat="0" lon="10800000" rev="0"/>
+            </a:camera>
+            <a:lightRig rig="threePt" dir="t"/>
+          </a:scene3d>
+        </p:spPr>
+      </p:pic>
+      <p:pic>
+        <p:nvPicPr>
+          <p:cNvPr id="26" name="그림 25" descr="클립아트이(가) 표시된 사진&#10;&#10;자동 생성된 설명">
+            <a:extLst>
+              <a:ext uri="{FF2B5EF4-FFF2-40B4-BE49-F238E27FC236}">
+                <a16:creationId xmlns:a16="http://schemas.microsoft.com/office/drawing/2014/main" id="{0942E6FF-8D32-4475-A9AE-1CC805533822}"/>
+              </a:ext>
+            </a:extLst>
+          </p:cNvPr>
+          <p:cNvPicPr>
+            <a:picLocks noChangeAspect="1"/>
+          </p:cNvPicPr>
+          <p:nvPr/>
+        </p:nvPicPr>
+        <p:blipFill>
+          <a:blip r:embed="rId3">
+            <a:extLst>
+              <a:ext uri="{28A0092B-C50C-407E-A947-70E740481C1C}">
+                <a14:useLocalDpi xmlns:a14="http://schemas.microsoft.com/office/drawing/2010/main" val="0"/>
+              </a:ext>
+            </a:extLst>
+          </a:blip>
+          <a:stretch>
+            <a:fillRect/>
+          </a:stretch>
+        </p:blipFill>
+        <p:spPr>
+          <a:xfrm>
+            <a:off x="4060498" y="4719863"/>
+            <a:ext cx="886836" cy="886836"/>
+          </a:xfrm>
+          <a:prstGeom prst="rect">
+            <a:avLst/>
+          </a:prstGeom>
+          <a:scene3d>
+            <a:camera prst="orthographicFront">
+              <a:rot lat="0" lon="10800000" rev="0"/>
+            </a:camera>
+            <a:lightRig rig="threePt" dir="t"/>
+          </a:scene3d>
+        </p:spPr>
+      </p:pic>
+      <p:pic>
+        <p:nvPicPr>
+          <p:cNvPr id="27" name="그림 26" descr="벡터그래픽이(가) 표시된 사진&#10;&#10;자동 생성된 설명">
+            <a:extLst>
+              <a:ext uri="{FF2B5EF4-FFF2-40B4-BE49-F238E27FC236}">
+                <a16:creationId xmlns:a16="http://schemas.microsoft.com/office/drawing/2014/main" id="{F06A40C4-3B30-406A-A2F1-424BA1ABE003}"/>
+              </a:ext>
+            </a:extLst>
+          </p:cNvPr>
+          <p:cNvPicPr>
+            <a:picLocks noChangeAspect="1"/>
+          </p:cNvPicPr>
+          <p:nvPr/>
+        </p:nvPicPr>
+        <p:blipFill>
+          <a:blip r:embed="rId4">
+            <a:extLst>
+              <a:ext uri="{28A0092B-C50C-407E-A947-70E740481C1C}">
+                <a14:useLocalDpi xmlns:a14="http://schemas.microsoft.com/office/drawing/2010/main" val="0"/>
+              </a:ext>
+            </a:extLst>
+          </a:blip>
+          <a:stretch>
+            <a:fillRect/>
+          </a:stretch>
+        </p:blipFill>
+        <p:spPr>
+          <a:xfrm>
+            <a:off x="4675861" y="4667370"/>
+            <a:ext cx="914400" cy="914400"/>
+          </a:xfrm>
+          <a:prstGeom prst="rect">
+            <a:avLst/>
+          </a:prstGeom>
+        </p:spPr>
+      </p:pic>
+      <p:pic>
+        <p:nvPicPr>
+          <p:cNvPr id="18" name="그림 17" descr="텍스트이(가) 표시된 사진&#10;&#10;자동 생성된 설명">
+            <a:extLst>
+              <a:ext uri="{FF2B5EF4-FFF2-40B4-BE49-F238E27FC236}">
+                <a16:creationId xmlns:a16="http://schemas.microsoft.com/office/drawing/2014/main" id="{90905107-7643-425F-AC99-6D95132697B6}"/>
+              </a:ext>
+            </a:extLst>
+          </p:cNvPr>
+          <p:cNvPicPr>
+            <a:picLocks noChangeAspect="1"/>
+          </p:cNvPicPr>
+          <p:nvPr/>
+        </p:nvPicPr>
+        <p:blipFill>
+          <a:blip r:embed="rId5">
+            <a:extLst>
+              <a:ext uri="{28A0092B-C50C-407E-A947-70E740481C1C}">
+                <a14:useLocalDpi xmlns:a14="http://schemas.microsoft.com/office/drawing/2010/main" val="0"/>
+              </a:ext>
+            </a:extLst>
+          </a:blip>
+          <a:stretch>
+            <a:fillRect/>
+          </a:stretch>
+        </p:blipFill>
+        <p:spPr>
+          <a:xfrm>
+            <a:off x="2759857" y="3004514"/>
+            <a:ext cx="886836" cy="886836"/>
+          </a:xfrm>
+          <a:prstGeom prst="rect">
+            <a:avLst/>
+          </a:prstGeom>
+        </p:spPr>
+      </p:pic>
+      <p:pic>
+        <p:nvPicPr>
+          <p:cNvPr id="30" name="그림 29" descr="텍스트이(가) 표시된 사진&#10;&#10;자동 생성된 설명">
+            <a:extLst>
+              <a:ext uri="{FF2B5EF4-FFF2-40B4-BE49-F238E27FC236}">
+                <a16:creationId xmlns:a16="http://schemas.microsoft.com/office/drawing/2014/main" id="{4F89D849-02DA-4872-8638-2FC349E2FEEC}"/>
+              </a:ext>
+            </a:extLst>
+          </p:cNvPr>
+          <p:cNvPicPr>
+            <a:picLocks noChangeAspect="1"/>
+          </p:cNvPicPr>
+          <p:nvPr/>
+        </p:nvPicPr>
+        <p:blipFill>
+          <a:blip r:embed="rId5">
+            <a:extLst>
+              <a:ext uri="{28A0092B-C50C-407E-A947-70E740481C1C}">
+                <a14:useLocalDpi xmlns:a14="http://schemas.microsoft.com/office/drawing/2010/main" val="0"/>
+              </a:ext>
+            </a:extLst>
+          </a:blip>
+          <a:stretch>
+            <a:fillRect/>
+          </a:stretch>
+        </p:blipFill>
+        <p:spPr>
+          <a:xfrm>
+            <a:off x="2815990" y="4756112"/>
+            <a:ext cx="886836" cy="886836"/>
+          </a:xfrm>
+          <a:prstGeom prst="rect">
+            <a:avLst/>
+          </a:prstGeom>
+        </p:spPr>
+      </p:pic>
+      <p:pic>
+        <p:nvPicPr>
+          <p:cNvPr id="31" name="그림 30" descr="텍스트이(가) 표시된 사진&#10;&#10;자동 생성된 설명">
+            <a:extLst>
+              <a:ext uri="{FF2B5EF4-FFF2-40B4-BE49-F238E27FC236}">
+                <a16:creationId xmlns:a16="http://schemas.microsoft.com/office/drawing/2014/main" id="{18050541-DC46-487F-96AE-794557B8519F}"/>
+              </a:ext>
+            </a:extLst>
+          </p:cNvPr>
+          <p:cNvPicPr>
+            <a:picLocks noChangeAspect="1"/>
+          </p:cNvPicPr>
+          <p:nvPr/>
+        </p:nvPicPr>
+        <p:blipFill>
+          <a:blip r:embed="rId5">
+            <a:extLst>
+              <a:ext uri="{28A0092B-C50C-407E-A947-70E740481C1C}">
+                <a14:useLocalDpi xmlns:a14="http://schemas.microsoft.com/office/drawing/2010/main" val="0"/>
+              </a:ext>
+            </a:extLst>
+          </a:blip>
+          <a:stretch>
+            <a:fillRect/>
+          </a:stretch>
+        </p:blipFill>
+        <p:spPr>
+          <a:xfrm>
+            <a:off x="1583000" y="4747427"/>
+            <a:ext cx="886836" cy="886836"/>
+          </a:xfrm>
+          <a:prstGeom prst="rect">
+            <a:avLst/>
+          </a:prstGeom>
+        </p:spPr>
+      </p:pic>
+      <p:pic>
+        <p:nvPicPr>
+          <p:cNvPr id="32" name="그림 31" descr="벡터그래픽이(가) 표시된 사진&#10;&#10;자동 생성된 설명">
+            <a:extLst>
+              <a:ext uri="{FF2B5EF4-FFF2-40B4-BE49-F238E27FC236}">
+                <a16:creationId xmlns:a16="http://schemas.microsoft.com/office/drawing/2014/main" id="{855CDDA1-7A97-48DD-A8A8-26C8F3F6EEBD}"/>
+              </a:ext>
+            </a:extLst>
+          </p:cNvPr>
+          <p:cNvPicPr>
+            <a:picLocks noChangeAspect="1"/>
+          </p:cNvPicPr>
+          <p:nvPr/>
+        </p:nvPicPr>
+        <p:blipFill>
+          <a:blip r:embed="rId4">
+            <a:extLst>
+              <a:ext uri="{28A0092B-C50C-407E-A947-70E740481C1C}">
+                <a14:useLocalDpi xmlns:a14="http://schemas.microsoft.com/office/drawing/2010/main" val="0"/>
+              </a:ext>
+            </a:extLst>
+          </a:blip>
+          <a:stretch>
+            <a:fillRect/>
+          </a:stretch>
+        </p:blipFill>
+        <p:spPr>
+          <a:xfrm>
+            <a:off x="951557" y="4698949"/>
+            <a:ext cx="914400" cy="914400"/>
+          </a:xfrm>
+          <a:prstGeom prst="rect">
+            <a:avLst/>
+          </a:prstGeom>
+        </p:spPr>
+      </p:pic>
+      <p:sp>
+        <p:nvSpPr>
+          <p:cNvPr id="20" name="직사각형 19">
+            <a:extLst>
+              <a:ext uri="{FF2B5EF4-FFF2-40B4-BE49-F238E27FC236}">
+                <a16:creationId xmlns:a16="http://schemas.microsoft.com/office/drawing/2014/main" id="{9294A0F6-C959-4AD6-B239-A9A0793AC668}"/>
+              </a:ext>
+            </a:extLst>
+          </p:cNvPr>
+          <p:cNvSpPr/>
+          <p:nvPr/>
+        </p:nvSpPr>
+        <p:spPr>
+          <a:xfrm>
+            <a:off x="2590548" y="2791580"/>
+            <a:ext cx="953634" cy="282763"/>
+          </a:xfrm>
+          <a:prstGeom prst="rect">
+            <a:avLst/>
+          </a:prstGeom>
+          <a:noFill/>
+          <a:ln>
+            <a:solidFill>
+              <a:schemeClr val="tx1"/>
+            </a:solidFill>
+          </a:ln>
+        </p:spPr>
+        <p:style>
+          <a:lnRef idx="2">
+            <a:schemeClr val="accent1">
+              <a:shade val="50000"/>
+            </a:schemeClr>
+          </a:lnRef>
+          <a:fillRef idx="1">
+            <a:schemeClr val="accent1"/>
+          </a:fillRef>
+          <a:effectRef idx="0">
+            <a:schemeClr val="accent1"/>
+          </a:effectRef>
+          <a:fontRef idx="minor">
+            <a:schemeClr val="lt1"/>
+          </a:fontRef>
+        </p:style>
+        <p:txBody>
+          <a:bodyPr rtlCol="0" anchor="ctr"/>
+          <a:lstStyle/>
+          <a:p>
+            <a:pPr algn="ctr"/>
+            <a:r>
+              <a:rPr lang="ko-KR" altLang="en-US" sz="1400" dirty="0">
+                <a:solidFill>
+                  <a:schemeClr val="tx1"/>
+                </a:solidFill>
+              </a:rPr>
+              <a:t>납치자</a:t>
+            </a:r>
+          </a:p>
+        </p:txBody>
+      </p:sp>
+      <p:sp>
+        <p:nvSpPr>
+          <p:cNvPr id="34" name="직사각형 33">
+            <a:extLst>
+              <a:ext uri="{FF2B5EF4-FFF2-40B4-BE49-F238E27FC236}">
+                <a16:creationId xmlns:a16="http://schemas.microsoft.com/office/drawing/2014/main" id="{70EECDB1-012C-47F3-BD57-8CEC5BEA45A4}"/>
+              </a:ext>
+            </a:extLst>
+          </p:cNvPr>
+          <p:cNvSpPr/>
+          <p:nvPr/>
+        </p:nvSpPr>
+        <p:spPr>
+          <a:xfrm>
+            <a:off x="2608658" y="4509094"/>
+            <a:ext cx="953634" cy="254244"/>
+          </a:xfrm>
+          <a:prstGeom prst="rect">
+            <a:avLst/>
+          </a:prstGeom>
+          <a:noFill/>
+          <a:ln>
+            <a:solidFill>
+              <a:schemeClr val="tx1"/>
+            </a:solidFill>
+          </a:ln>
+        </p:spPr>
+        <p:style>
+          <a:lnRef idx="2">
+            <a:schemeClr val="accent1">
+              <a:shade val="50000"/>
+            </a:schemeClr>
+          </a:lnRef>
+          <a:fillRef idx="1">
+            <a:schemeClr val="accent1"/>
+          </a:fillRef>
+          <a:effectRef idx="0">
+            <a:schemeClr val="accent1"/>
+          </a:effectRef>
+          <a:fontRef idx="minor">
+            <a:schemeClr val="lt1"/>
+          </a:fontRef>
+        </p:style>
+        <p:txBody>
+          <a:bodyPr rtlCol="0" anchor="ctr"/>
+          <a:lstStyle/>
+          <a:p>
+            <a:pPr algn="ctr"/>
+            <a:r>
+              <a:rPr lang="ko-KR" altLang="en-US" sz="1400" dirty="0">
+                <a:solidFill>
+                  <a:schemeClr val="tx1"/>
+                </a:solidFill>
+              </a:rPr>
+              <a:t>시민</a:t>
+            </a:r>
+          </a:p>
+        </p:txBody>
+      </p:sp>
+      <p:sp>
+        <p:nvSpPr>
+          <p:cNvPr id="35" name="사각형: 둥근 모서리 34">
+            <a:extLst>
+              <a:ext uri="{FF2B5EF4-FFF2-40B4-BE49-F238E27FC236}">
+                <a16:creationId xmlns:a16="http://schemas.microsoft.com/office/drawing/2014/main" id="{F0D572B4-803F-4A94-AADF-5AE2B7F781B7}"/>
+              </a:ext>
+            </a:extLst>
+          </p:cNvPr>
+          <p:cNvSpPr/>
+          <p:nvPr/>
+        </p:nvSpPr>
+        <p:spPr>
+          <a:xfrm rot="5400000">
+            <a:off x="7737769" y="1285887"/>
+            <a:ext cx="2862400" cy="5700610"/>
+          </a:xfrm>
+          <a:prstGeom prst="roundRect">
+            <a:avLst/>
+          </a:prstGeom>
+          <a:noFill/>
+          <a:ln w="38100">
+            <a:solidFill>
+              <a:schemeClr val="tx1"/>
+            </a:solidFill>
+          </a:ln>
+        </p:spPr>
+        <p:style>
+          <a:lnRef idx="2">
+            <a:schemeClr val="accent1">
+              <a:shade val="50000"/>
+            </a:schemeClr>
+          </a:lnRef>
+          <a:fillRef idx="1">
+            <a:schemeClr val="accent1"/>
+          </a:fillRef>
+          <a:effectRef idx="0">
+            <a:schemeClr val="accent1"/>
+          </a:effectRef>
+          <a:fontRef idx="minor">
+            <a:schemeClr val="lt1"/>
+          </a:fontRef>
+        </p:style>
+        <p:txBody>
+          <a:bodyPr rtlCol="0" anchor="ctr"/>
+          <a:lstStyle/>
+          <a:p>
+            <a:pPr algn="ctr"/>
+            <a:endParaRPr lang="ko-KR" altLang="en-US" dirty="0"/>
+          </a:p>
+        </p:txBody>
+      </p:sp>
+      <p:sp>
+        <p:nvSpPr>
+          <p:cNvPr id="36" name="직사각형 35">
+            <a:extLst>
+              <a:ext uri="{FF2B5EF4-FFF2-40B4-BE49-F238E27FC236}">
+                <a16:creationId xmlns:a16="http://schemas.microsoft.com/office/drawing/2014/main" id="{1F325BD2-130C-42A7-8AFE-C4A797F420D6}"/>
+              </a:ext>
+            </a:extLst>
+          </p:cNvPr>
+          <p:cNvSpPr/>
+          <p:nvPr/>
+        </p:nvSpPr>
+        <p:spPr>
+          <a:xfrm>
+            <a:off x="6326309" y="3854951"/>
+            <a:ext cx="5710334" cy="651315"/>
+          </a:xfrm>
+          <a:prstGeom prst="rect">
+            <a:avLst/>
+          </a:prstGeom>
+          <a:solidFill>
+            <a:schemeClr val="accent1">
+              <a:lumMod val="40000"/>
+              <a:lumOff val="60000"/>
+            </a:schemeClr>
+          </a:solidFill>
+        </p:spPr>
+        <p:style>
+          <a:lnRef idx="2">
+            <a:schemeClr val="accent1">
+              <a:shade val="50000"/>
+            </a:schemeClr>
+          </a:lnRef>
+          <a:fillRef idx="1">
+            <a:schemeClr val="accent1"/>
+          </a:fillRef>
+          <a:effectRef idx="0">
+            <a:schemeClr val="accent1"/>
+          </a:effectRef>
+          <a:fontRef idx="minor">
+            <a:schemeClr val="lt1"/>
+          </a:fontRef>
+        </p:style>
+        <p:txBody>
+          <a:bodyPr rtlCol="0" anchor="ctr"/>
+          <a:lstStyle/>
+          <a:p>
+            <a:pPr algn="ctr"/>
+            <a:r>
+              <a:rPr lang="ko-KR" altLang="en-US">
+                <a:solidFill>
+                  <a:schemeClr val="tx1"/>
+                </a:solidFill>
+              </a:rPr>
+              <a:t>시민 </a:t>
+            </a:r>
+            <a:r>
+              <a:rPr lang="ko-KR" altLang="en-US" dirty="0">
+                <a:solidFill>
+                  <a:schemeClr val="tx1"/>
+                </a:solidFill>
+              </a:rPr>
+              <a:t>승리</a:t>
+            </a:r>
+          </a:p>
+        </p:txBody>
+      </p:sp>
+      <p:pic>
+        <p:nvPicPr>
+          <p:cNvPr id="37" name="그림 36" descr="클립아트이(가) 표시된 사진&#10;&#10;자동 생성된 설명">
+            <a:extLst>
+              <a:ext uri="{FF2B5EF4-FFF2-40B4-BE49-F238E27FC236}">
+                <a16:creationId xmlns:a16="http://schemas.microsoft.com/office/drawing/2014/main" id="{D77BB159-3069-42B2-8050-CB485D15480C}"/>
+              </a:ext>
+            </a:extLst>
+          </p:cNvPr>
+          <p:cNvPicPr>
+            <a:picLocks noChangeAspect="1"/>
+          </p:cNvPicPr>
+          <p:nvPr/>
+        </p:nvPicPr>
+        <p:blipFill>
+          <a:blip r:embed="rId3">
+            <a:extLst>
+              <a:ext uri="{28A0092B-C50C-407E-A947-70E740481C1C}">
+                <a14:useLocalDpi xmlns:a14="http://schemas.microsoft.com/office/drawing/2010/main" val="0"/>
+              </a:ext>
+            </a:extLst>
+          </a:blip>
+          <a:stretch>
+            <a:fillRect/>
+          </a:stretch>
+        </p:blipFill>
+        <p:spPr>
+          <a:xfrm>
+            <a:off x="7875254" y="2982963"/>
+            <a:ext cx="886836" cy="886836"/>
+          </a:xfrm>
+          <a:prstGeom prst="rect">
+            <a:avLst/>
+          </a:prstGeom>
+          <a:scene3d>
+            <a:camera prst="orthographicFront">
+              <a:rot lat="0" lon="10800000" rev="0"/>
+            </a:camera>
+            <a:lightRig rig="threePt" dir="t"/>
+          </a:scene3d>
+        </p:spPr>
+      </p:pic>
+      <p:pic>
+        <p:nvPicPr>
+          <p:cNvPr id="38" name="그림 37" descr="클립아트이(가) 표시된 사진&#10;&#10;자동 생성된 설명">
+            <a:extLst>
+              <a:ext uri="{FF2B5EF4-FFF2-40B4-BE49-F238E27FC236}">
+                <a16:creationId xmlns:a16="http://schemas.microsoft.com/office/drawing/2014/main" id="{8E359EF7-3983-42EA-8714-C1D1F79DC7EB}"/>
+              </a:ext>
+            </a:extLst>
+          </p:cNvPr>
+          <p:cNvPicPr>
+            <a:picLocks noChangeAspect="1"/>
+          </p:cNvPicPr>
+          <p:nvPr/>
+        </p:nvPicPr>
+        <p:blipFill>
+          <a:blip r:embed="rId3">
+            <a:extLst>
+              <a:ext uri="{28A0092B-C50C-407E-A947-70E740481C1C}">
+                <a14:useLocalDpi xmlns:a14="http://schemas.microsoft.com/office/drawing/2010/main" val="0"/>
+              </a:ext>
+            </a:extLst>
+          </a:blip>
+          <a:stretch>
+            <a:fillRect/>
+          </a:stretch>
+        </p:blipFill>
+        <p:spPr>
+          <a:xfrm>
+            <a:off x="8191945" y="4728096"/>
+            <a:ext cx="886836" cy="886836"/>
+          </a:xfrm>
+          <a:prstGeom prst="rect">
+            <a:avLst/>
+          </a:prstGeom>
+          <a:scene3d>
+            <a:camera prst="orthographicFront">
+              <a:rot lat="0" lon="10800000" rev="0"/>
+            </a:camera>
+            <a:lightRig rig="threePt" dir="t"/>
+          </a:scene3d>
+        </p:spPr>
+      </p:pic>
+      <p:pic>
+        <p:nvPicPr>
+          <p:cNvPr id="39" name="그림 38" descr="벡터그래픽이(가) 표시된 사진&#10;&#10;자동 생성된 설명">
+            <a:extLst>
+              <a:ext uri="{FF2B5EF4-FFF2-40B4-BE49-F238E27FC236}">
+                <a16:creationId xmlns:a16="http://schemas.microsoft.com/office/drawing/2014/main" id="{14F82095-D83E-49FC-B141-D177FE205F41}"/>
+              </a:ext>
+            </a:extLst>
+          </p:cNvPr>
+          <p:cNvPicPr>
+            <a:picLocks noChangeAspect="1"/>
+          </p:cNvPicPr>
+          <p:nvPr/>
+        </p:nvPicPr>
+        <p:blipFill>
+          <a:blip r:embed="rId4">
+            <a:extLst>
+              <a:ext uri="{28A0092B-C50C-407E-A947-70E740481C1C}">
+                <a14:useLocalDpi xmlns:a14="http://schemas.microsoft.com/office/drawing/2010/main" val="0"/>
+              </a:ext>
+            </a:extLst>
+          </a:blip>
+          <a:stretch>
+            <a:fillRect/>
+          </a:stretch>
+        </p:blipFill>
+        <p:spPr>
+          <a:xfrm>
+            <a:off x="9614714" y="2978415"/>
+            <a:ext cx="914400" cy="914400"/>
+          </a:xfrm>
+          <a:prstGeom prst="rect">
+            <a:avLst/>
+          </a:prstGeom>
+        </p:spPr>
+      </p:pic>
+      <p:pic>
+        <p:nvPicPr>
+          <p:cNvPr id="40" name="그림 39" descr="클립아트이(가) 표시된 사진&#10;&#10;자동 생성된 설명">
+            <a:extLst>
+              <a:ext uri="{FF2B5EF4-FFF2-40B4-BE49-F238E27FC236}">
+                <a16:creationId xmlns:a16="http://schemas.microsoft.com/office/drawing/2014/main" id="{6B1D055B-5505-40C1-91A4-79183B738506}"/>
+              </a:ext>
+            </a:extLst>
+          </p:cNvPr>
+          <p:cNvPicPr>
+            <a:picLocks noChangeAspect="1"/>
+          </p:cNvPicPr>
+          <p:nvPr/>
+        </p:nvPicPr>
+        <p:blipFill>
+          <a:blip r:embed="rId3">
+            <a:extLst>
+              <a:ext uri="{28A0092B-C50C-407E-A947-70E740481C1C}">
+                <a14:useLocalDpi xmlns:a14="http://schemas.microsoft.com/office/drawing/2010/main" val="0"/>
+              </a:ext>
+            </a:extLst>
+          </a:blip>
+          <a:stretch>
+            <a:fillRect/>
+          </a:stretch>
+        </p:blipFill>
+        <p:spPr>
+          <a:xfrm>
+            <a:off x="9442769" y="4704148"/>
+            <a:ext cx="886836" cy="886836"/>
+          </a:xfrm>
+          <a:prstGeom prst="rect">
+            <a:avLst/>
+          </a:prstGeom>
+          <a:scene3d>
+            <a:camera prst="orthographicFront">
+              <a:rot lat="0" lon="10800000" rev="0"/>
+            </a:camera>
+            <a:lightRig rig="threePt" dir="t"/>
+          </a:scene3d>
+        </p:spPr>
+      </p:pic>
+      <p:pic>
+        <p:nvPicPr>
+          <p:cNvPr id="41" name="그림 40" descr="클립아트이(가) 표시된 사진&#10;&#10;자동 생성된 설명">
+            <a:extLst>
+              <a:ext uri="{FF2B5EF4-FFF2-40B4-BE49-F238E27FC236}">
+                <a16:creationId xmlns:a16="http://schemas.microsoft.com/office/drawing/2014/main" id="{FACCB054-FA89-4612-92C2-F9586415C6EE}"/>
+              </a:ext>
+            </a:extLst>
+          </p:cNvPr>
+          <p:cNvPicPr>
+            <a:picLocks noChangeAspect="1"/>
+          </p:cNvPicPr>
+          <p:nvPr/>
+        </p:nvPicPr>
+        <p:blipFill>
+          <a:blip r:embed="rId3">
+            <a:extLst>
+              <a:ext uri="{28A0092B-C50C-407E-A947-70E740481C1C}">
+                <a14:useLocalDpi xmlns:a14="http://schemas.microsoft.com/office/drawing/2010/main" val="0"/>
+              </a:ext>
+            </a:extLst>
+          </a:blip>
+          <a:stretch>
+            <a:fillRect/>
+          </a:stretch>
+        </p:blipFill>
+        <p:spPr>
+          <a:xfrm>
+            <a:off x="10071914" y="4707546"/>
+            <a:ext cx="886836" cy="886836"/>
+          </a:xfrm>
+          <a:prstGeom prst="rect">
+            <a:avLst/>
+          </a:prstGeom>
+          <a:scene3d>
+            <a:camera prst="orthographicFront">
+              <a:rot lat="0" lon="10800000" rev="0"/>
+            </a:camera>
+            <a:lightRig rig="threePt" dir="t"/>
+          </a:scene3d>
+        </p:spPr>
+      </p:pic>
+      <p:pic>
+        <p:nvPicPr>
+          <p:cNvPr id="42" name="그림 41" descr="벡터그래픽이(가) 표시된 사진&#10;&#10;자동 생성된 설명">
+            <a:extLst>
+              <a:ext uri="{FF2B5EF4-FFF2-40B4-BE49-F238E27FC236}">
+                <a16:creationId xmlns:a16="http://schemas.microsoft.com/office/drawing/2014/main" id="{F700F386-8E6E-4C1C-86AF-449A7AA18642}"/>
+              </a:ext>
+            </a:extLst>
+          </p:cNvPr>
+          <p:cNvPicPr>
+            <a:picLocks noChangeAspect="1"/>
+          </p:cNvPicPr>
+          <p:nvPr/>
+        </p:nvPicPr>
+        <p:blipFill>
+          <a:blip r:embed="rId4">
+            <a:extLst>
+              <a:ext uri="{28A0092B-C50C-407E-A947-70E740481C1C}">
+                <a14:useLocalDpi xmlns:a14="http://schemas.microsoft.com/office/drawing/2010/main" val="0"/>
+              </a:ext>
+            </a:extLst>
+          </a:blip>
+          <a:stretch>
+            <a:fillRect/>
+          </a:stretch>
+        </p:blipFill>
+        <p:spPr>
+          <a:xfrm>
+            <a:off x="10687277" y="4655053"/>
+            <a:ext cx="914400" cy="914400"/>
+          </a:xfrm>
+          <a:prstGeom prst="rect">
+            <a:avLst/>
+          </a:prstGeom>
+        </p:spPr>
+      </p:pic>
+      <p:pic>
+        <p:nvPicPr>
+          <p:cNvPr id="43" name="그림 42" descr="텍스트이(가) 표시된 사진&#10;&#10;자동 생성된 설명">
+            <a:extLst>
+              <a:ext uri="{FF2B5EF4-FFF2-40B4-BE49-F238E27FC236}">
+                <a16:creationId xmlns:a16="http://schemas.microsoft.com/office/drawing/2014/main" id="{8BBE5C4C-D5B5-442A-8F6F-48E405D220DA}"/>
+              </a:ext>
+            </a:extLst>
+          </p:cNvPr>
+          <p:cNvPicPr>
+            <a:picLocks noChangeAspect="1"/>
+          </p:cNvPicPr>
+          <p:nvPr/>
+        </p:nvPicPr>
+        <p:blipFill>
+          <a:blip r:embed="rId5">
+            <a:extLst>
+              <a:ext uri="{28A0092B-C50C-407E-A947-70E740481C1C}">
+                <a14:useLocalDpi xmlns:a14="http://schemas.microsoft.com/office/drawing/2010/main" val="0"/>
+              </a:ext>
+            </a:extLst>
+          </a:blip>
+          <a:stretch>
+            <a:fillRect/>
+          </a:stretch>
+        </p:blipFill>
+        <p:spPr>
+          <a:xfrm>
+            <a:off x="8771273" y="2992197"/>
+            <a:ext cx="886836" cy="886836"/>
+          </a:xfrm>
+          <a:prstGeom prst="rect">
+            <a:avLst/>
+          </a:prstGeom>
+        </p:spPr>
+      </p:pic>
+      <p:pic>
+        <p:nvPicPr>
+          <p:cNvPr id="44" name="그림 43" descr="텍스트이(가) 표시된 사진&#10;&#10;자동 생성된 설명">
+            <a:extLst>
+              <a:ext uri="{FF2B5EF4-FFF2-40B4-BE49-F238E27FC236}">
+                <a16:creationId xmlns:a16="http://schemas.microsoft.com/office/drawing/2014/main" id="{9B8431FB-9417-4C7A-A126-86183E6542FF}"/>
+              </a:ext>
+            </a:extLst>
+          </p:cNvPr>
+          <p:cNvPicPr>
+            <a:picLocks noChangeAspect="1"/>
+          </p:cNvPicPr>
+          <p:nvPr/>
+        </p:nvPicPr>
+        <p:blipFill>
+          <a:blip r:embed="rId5">
+            <a:extLst>
+              <a:ext uri="{28A0092B-C50C-407E-A947-70E740481C1C}">
+                <a14:useLocalDpi xmlns:a14="http://schemas.microsoft.com/office/drawing/2010/main" val="0"/>
+              </a:ext>
+            </a:extLst>
+          </a:blip>
+          <a:stretch>
+            <a:fillRect/>
+          </a:stretch>
+        </p:blipFill>
+        <p:spPr>
+          <a:xfrm>
+            <a:off x="8827406" y="4743795"/>
+            <a:ext cx="886836" cy="886836"/>
+          </a:xfrm>
+          <a:prstGeom prst="rect">
+            <a:avLst/>
+          </a:prstGeom>
+        </p:spPr>
+      </p:pic>
+      <p:pic>
+        <p:nvPicPr>
+          <p:cNvPr id="45" name="그림 44" descr="텍스트이(가) 표시된 사진&#10;&#10;자동 생성된 설명">
+            <a:extLst>
+              <a:ext uri="{FF2B5EF4-FFF2-40B4-BE49-F238E27FC236}">
+                <a16:creationId xmlns:a16="http://schemas.microsoft.com/office/drawing/2014/main" id="{F20009B3-FB23-4582-BD41-F0D0F9331B27}"/>
+              </a:ext>
+            </a:extLst>
+          </p:cNvPr>
+          <p:cNvPicPr>
+            <a:picLocks noChangeAspect="1"/>
+          </p:cNvPicPr>
+          <p:nvPr/>
+        </p:nvPicPr>
+        <p:blipFill>
+          <a:blip r:embed="rId5">
+            <a:extLst>
+              <a:ext uri="{28A0092B-C50C-407E-A947-70E740481C1C}">
+                <a14:useLocalDpi xmlns:a14="http://schemas.microsoft.com/office/drawing/2010/main" val="0"/>
+              </a:ext>
+            </a:extLst>
+          </a:blip>
+          <a:stretch>
+            <a:fillRect/>
+          </a:stretch>
+        </p:blipFill>
+        <p:spPr>
+          <a:xfrm>
+            <a:off x="7594416" y="4735110"/>
+            <a:ext cx="886836" cy="886836"/>
+          </a:xfrm>
+          <a:prstGeom prst="rect">
+            <a:avLst/>
+          </a:prstGeom>
+        </p:spPr>
+      </p:pic>
+      <p:pic>
+        <p:nvPicPr>
+          <p:cNvPr id="46" name="그림 45" descr="벡터그래픽이(가) 표시된 사진&#10;&#10;자동 생성된 설명">
+            <a:extLst>
+              <a:ext uri="{FF2B5EF4-FFF2-40B4-BE49-F238E27FC236}">
+                <a16:creationId xmlns:a16="http://schemas.microsoft.com/office/drawing/2014/main" id="{C664A30C-C6D6-4B0B-A114-3E4654291FB8}"/>
+              </a:ext>
+            </a:extLst>
+          </p:cNvPr>
+          <p:cNvPicPr>
+            <a:picLocks noChangeAspect="1"/>
+          </p:cNvPicPr>
+          <p:nvPr/>
+        </p:nvPicPr>
+        <p:blipFill>
+          <a:blip r:embed="rId4">
+            <a:extLst>
+              <a:ext uri="{28A0092B-C50C-407E-A947-70E740481C1C}">
+                <a14:useLocalDpi xmlns:a14="http://schemas.microsoft.com/office/drawing/2010/main" val="0"/>
+              </a:ext>
+            </a:extLst>
+          </a:blip>
+          <a:stretch>
+            <a:fillRect/>
+          </a:stretch>
+        </p:blipFill>
+        <p:spPr>
+          <a:xfrm>
+            <a:off x="6962973" y="4686632"/>
+            <a:ext cx="914400" cy="914400"/>
+          </a:xfrm>
+          <a:prstGeom prst="rect">
+            <a:avLst/>
+          </a:prstGeom>
+        </p:spPr>
+      </p:pic>
+      <p:sp>
+        <p:nvSpPr>
+          <p:cNvPr id="47" name="직사각형 46">
+            <a:extLst>
+              <a:ext uri="{FF2B5EF4-FFF2-40B4-BE49-F238E27FC236}">
+                <a16:creationId xmlns:a16="http://schemas.microsoft.com/office/drawing/2014/main" id="{68FA6A2C-0FCD-4992-9737-6F8A2869A016}"/>
+              </a:ext>
+            </a:extLst>
+          </p:cNvPr>
+          <p:cNvSpPr/>
+          <p:nvPr/>
+        </p:nvSpPr>
+        <p:spPr>
+          <a:xfrm>
+            <a:off x="8601964" y="2779263"/>
+            <a:ext cx="953634" cy="282763"/>
+          </a:xfrm>
+          <a:prstGeom prst="rect">
+            <a:avLst/>
+          </a:prstGeom>
+          <a:noFill/>
+          <a:ln>
+            <a:solidFill>
+              <a:schemeClr val="tx1"/>
+            </a:solidFill>
+          </a:ln>
+        </p:spPr>
+        <p:style>
+          <a:lnRef idx="2">
+            <a:schemeClr val="accent1">
+              <a:shade val="50000"/>
+            </a:schemeClr>
+          </a:lnRef>
+          <a:fillRef idx="1">
+            <a:schemeClr val="accent1"/>
+          </a:fillRef>
+          <a:effectRef idx="0">
+            <a:schemeClr val="accent1"/>
+          </a:effectRef>
+          <a:fontRef idx="minor">
+            <a:schemeClr val="lt1"/>
+          </a:fontRef>
+        </p:style>
+        <p:txBody>
+          <a:bodyPr rtlCol="0" anchor="ctr"/>
+          <a:lstStyle/>
+          <a:p>
+            <a:pPr algn="ctr"/>
+            <a:r>
+              <a:rPr lang="ko-KR" altLang="en-US" sz="1400" dirty="0">
+                <a:solidFill>
+                  <a:schemeClr val="tx1"/>
+                </a:solidFill>
+              </a:rPr>
+              <a:t>납치자</a:t>
+            </a:r>
+          </a:p>
+        </p:txBody>
+      </p:sp>
+      <p:sp>
+        <p:nvSpPr>
+          <p:cNvPr id="48" name="직사각형 47">
+            <a:extLst>
+              <a:ext uri="{FF2B5EF4-FFF2-40B4-BE49-F238E27FC236}">
+                <a16:creationId xmlns:a16="http://schemas.microsoft.com/office/drawing/2014/main" id="{FC62D31D-00E2-4D8A-AB2E-7C79523A6565}"/>
+              </a:ext>
+            </a:extLst>
+          </p:cNvPr>
+          <p:cNvSpPr/>
+          <p:nvPr/>
+        </p:nvSpPr>
+        <p:spPr>
+          <a:xfrm>
+            <a:off x="8620074" y="4496777"/>
+            <a:ext cx="953634" cy="254244"/>
+          </a:xfrm>
+          <a:prstGeom prst="rect">
+            <a:avLst/>
+          </a:prstGeom>
+          <a:noFill/>
+          <a:ln>
+            <a:solidFill>
+              <a:schemeClr val="tx1"/>
+            </a:solidFill>
+          </a:ln>
+        </p:spPr>
+        <p:style>
+          <a:lnRef idx="2">
+            <a:schemeClr val="accent1">
+              <a:shade val="50000"/>
+            </a:schemeClr>
+          </a:lnRef>
+          <a:fillRef idx="1">
+            <a:schemeClr val="accent1"/>
+          </a:fillRef>
+          <a:effectRef idx="0">
+            <a:schemeClr val="accent1"/>
+          </a:effectRef>
+          <a:fontRef idx="minor">
+            <a:schemeClr val="lt1"/>
+          </a:fontRef>
+        </p:style>
+        <p:txBody>
+          <a:bodyPr rtlCol="0" anchor="ctr"/>
+          <a:lstStyle/>
+          <a:p>
+            <a:pPr algn="ctr"/>
+            <a:r>
+              <a:rPr lang="ko-KR" altLang="en-US" sz="1400" dirty="0">
+                <a:solidFill>
+                  <a:schemeClr val="tx1"/>
+                </a:solidFill>
+              </a:rPr>
+              <a:t>시민</a:t>
             </a:r>
           </a:p>
         </p:txBody>

--- a/Document/시스템/시스템.pptx
+++ b/Document/시스템/시스템.pptx
@@ -5,7 +5,7 @@
     <p:sldMasterId id="2147483648" r:id="rId1"/>
   </p:sldMasterIdLst>
   <p:notesMasterIdLst>
-    <p:notesMasterId r:id="rId8"/>
+    <p:notesMasterId r:id="rId12"/>
   </p:notesMasterIdLst>
   <p:sldIdLst>
     <p:sldId id="257" r:id="rId2"/>
@@ -14,6 +14,10 @@
     <p:sldId id="295" r:id="rId5"/>
     <p:sldId id="296" r:id="rId6"/>
     <p:sldId id="297" r:id="rId7"/>
+    <p:sldId id="298" r:id="rId8"/>
+    <p:sldId id="299" r:id="rId9"/>
+    <p:sldId id="300" r:id="rId10"/>
+    <p:sldId id="301" r:id="rId11"/>
   </p:sldIdLst>
   <p:sldSz cx="12192000" cy="6858000"/>
   <p:notesSz cx="6858000" cy="9144000"/>
@@ -880,6 +884,342 @@
     <p:extLst>
       <p:ext uri="{BB962C8B-B14F-4D97-AF65-F5344CB8AC3E}">
         <p14:creationId xmlns:p14="http://schemas.microsoft.com/office/powerpoint/2010/main" val="185718217"/>
+      </p:ext>
+    </p:extLst>
+  </p:cSld>
+  <p:clrMapOvr>
+    <a:masterClrMapping/>
+  </p:clrMapOvr>
+</p:notes>
+</file>
+
+<file path=ppt/notesSlides/notesSlide6.xml><?xml version="1.0" encoding="utf-8"?>
+<p:notes xmlns:a="http://schemas.openxmlformats.org/drawingml/2006/main" xmlns:r="http://schemas.openxmlformats.org/officeDocument/2006/relationships" xmlns:p="http://schemas.openxmlformats.org/presentationml/2006/main">
+  <p:cSld>
+    <p:spTree>
+      <p:nvGrpSpPr>
+        <p:cNvPr id="1" name=""/>
+        <p:cNvGrpSpPr/>
+        <p:nvPr/>
+      </p:nvGrpSpPr>
+      <p:grpSpPr>
+        <a:xfrm>
+          <a:off x="0" y="0"/>
+          <a:ext cx="0" cy="0"/>
+          <a:chOff x="0" y="0"/>
+          <a:chExt cx="0" cy="0"/>
+        </a:xfrm>
+      </p:grpSpPr>
+      <p:sp>
+        <p:nvSpPr>
+          <p:cNvPr id="2" name="슬라이드 이미지 개체 틀 1"/>
+          <p:cNvSpPr>
+            <a:spLocks noGrp="1" noRot="1" noChangeAspect="1"/>
+          </p:cNvSpPr>
+          <p:nvPr>
+            <p:ph type="sldImg"/>
+          </p:nvPr>
+        </p:nvSpPr>
+        <p:spPr/>
+      </p:sp>
+      <p:sp>
+        <p:nvSpPr>
+          <p:cNvPr id="3" name="슬라이드 노트 개체 틀 2"/>
+          <p:cNvSpPr>
+            <a:spLocks noGrp="1"/>
+          </p:cNvSpPr>
+          <p:nvPr>
+            <p:ph type="body" idx="1"/>
+          </p:nvPr>
+        </p:nvSpPr>
+        <p:spPr/>
+        <p:txBody>
+          <a:bodyPr/>
+          <a:lstStyle/>
+          <a:p>
+            <a:endParaRPr lang="ko-KR" altLang="en-US" dirty="0"/>
+          </a:p>
+        </p:txBody>
+      </p:sp>
+      <p:sp>
+        <p:nvSpPr>
+          <p:cNvPr id="4" name="슬라이드 번호 개체 틀 3"/>
+          <p:cNvSpPr>
+            <a:spLocks noGrp="1"/>
+          </p:cNvSpPr>
+          <p:nvPr>
+            <p:ph type="sldNum" sz="quarter" idx="5"/>
+          </p:nvPr>
+        </p:nvSpPr>
+        <p:spPr/>
+        <p:txBody>
+          <a:bodyPr/>
+          <a:lstStyle/>
+          <a:p>
+            <a:fld id="{73EB825B-89DC-4B21-8B3A-B3CA9CD761CE}" type="slidenum">
+              <a:rPr lang="ko-KR" altLang="en-US" smtClean="0"/>
+              <a:t>7</a:t>
+            </a:fld>
+            <a:endParaRPr lang="ko-KR" altLang="en-US"/>
+          </a:p>
+        </p:txBody>
+      </p:sp>
+    </p:spTree>
+    <p:extLst>
+      <p:ext uri="{BB962C8B-B14F-4D97-AF65-F5344CB8AC3E}">
+        <p14:creationId xmlns:p14="http://schemas.microsoft.com/office/powerpoint/2010/main" val="2634498860"/>
+      </p:ext>
+    </p:extLst>
+  </p:cSld>
+  <p:clrMapOvr>
+    <a:masterClrMapping/>
+  </p:clrMapOvr>
+</p:notes>
+</file>
+
+<file path=ppt/notesSlides/notesSlide7.xml><?xml version="1.0" encoding="utf-8"?>
+<p:notes xmlns:a="http://schemas.openxmlformats.org/drawingml/2006/main" xmlns:r="http://schemas.openxmlformats.org/officeDocument/2006/relationships" xmlns:p="http://schemas.openxmlformats.org/presentationml/2006/main">
+  <p:cSld>
+    <p:spTree>
+      <p:nvGrpSpPr>
+        <p:cNvPr id="1" name=""/>
+        <p:cNvGrpSpPr/>
+        <p:nvPr/>
+      </p:nvGrpSpPr>
+      <p:grpSpPr>
+        <a:xfrm>
+          <a:off x="0" y="0"/>
+          <a:ext cx="0" cy="0"/>
+          <a:chOff x="0" y="0"/>
+          <a:chExt cx="0" cy="0"/>
+        </a:xfrm>
+      </p:grpSpPr>
+      <p:sp>
+        <p:nvSpPr>
+          <p:cNvPr id="2" name="슬라이드 이미지 개체 틀 1"/>
+          <p:cNvSpPr>
+            <a:spLocks noGrp="1" noRot="1" noChangeAspect="1"/>
+          </p:cNvSpPr>
+          <p:nvPr>
+            <p:ph type="sldImg"/>
+          </p:nvPr>
+        </p:nvSpPr>
+        <p:spPr/>
+      </p:sp>
+      <p:sp>
+        <p:nvSpPr>
+          <p:cNvPr id="3" name="슬라이드 노트 개체 틀 2"/>
+          <p:cNvSpPr>
+            <a:spLocks noGrp="1"/>
+          </p:cNvSpPr>
+          <p:nvPr>
+            <p:ph type="body" idx="1"/>
+          </p:nvPr>
+        </p:nvSpPr>
+        <p:spPr/>
+        <p:txBody>
+          <a:bodyPr/>
+          <a:lstStyle/>
+          <a:p>
+            <a:endParaRPr lang="ko-KR" altLang="en-US" dirty="0"/>
+          </a:p>
+        </p:txBody>
+      </p:sp>
+      <p:sp>
+        <p:nvSpPr>
+          <p:cNvPr id="4" name="슬라이드 번호 개체 틀 3"/>
+          <p:cNvSpPr>
+            <a:spLocks noGrp="1"/>
+          </p:cNvSpPr>
+          <p:nvPr>
+            <p:ph type="sldNum" sz="quarter" idx="5"/>
+          </p:nvPr>
+        </p:nvSpPr>
+        <p:spPr/>
+        <p:txBody>
+          <a:bodyPr/>
+          <a:lstStyle/>
+          <a:p>
+            <a:fld id="{73EB825B-89DC-4B21-8B3A-B3CA9CD761CE}" type="slidenum">
+              <a:rPr lang="ko-KR" altLang="en-US" smtClean="0"/>
+              <a:t>8</a:t>
+            </a:fld>
+            <a:endParaRPr lang="ko-KR" altLang="en-US"/>
+          </a:p>
+        </p:txBody>
+      </p:sp>
+    </p:spTree>
+    <p:extLst>
+      <p:ext uri="{BB962C8B-B14F-4D97-AF65-F5344CB8AC3E}">
+        <p14:creationId xmlns:p14="http://schemas.microsoft.com/office/powerpoint/2010/main" val="2971540532"/>
+      </p:ext>
+    </p:extLst>
+  </p:cSld>
+  <p:clrMapOvr>
+    <a:masterClrMapping/>
+  </p:clrMapOvr>
+</p:notes>
+</file>
+
+<file path=ppt/notesSlides/notesSlide8.xml><?xml version="1.0" encoding="utf-8"?>
+<p:notes xmlns:a="http://schemas.openxmlformats.org/drawingml/2006/main" xmlns:r="http://schemas.openxmlformats.org/officeDocument/2006/relationships" xmlns:p="http://schemas.openxmlformats.org/presentationml/2006/main">
+  <p:cSld>
+    <p:spTree>
+      <p:nvGrpSpPr>
+        <p:cNvPr id="1" name=""/>
+        <p:cNvGrpSpPr/>
+        <p:nvPr/>
+      </p:nvGrpSpPr>
+      <p:grpSpPr>
+        <a:xfrm>
+          <a:off x="0" y="0"/>
+          <a:ext cx="0" cy="0"/>
+          <a:chOff x="0" y="0"/>
+          <a:chExt cx="0" cy="0"/>
+        </a:xfrm>
+      </p:grpSpPr>
+      <p:sp>
+        <p:nvSpPr>
+          <p:cNvPr id="2" name="슬라이드 이미지 개체 틀 1"/>
+          <p:cNvSpPr>
+            <a:spLocks noGrp="1" noRot="1" noChangeAspect="1"/>
+          </p:cNvSpPr>
+          <p:nvPr>
+            <p:ph type="sldImg"/>
+          </p:nvPr>
+        </p:nvSpPr>
+        <p:spPr/>
+      </p:sp>
+      <p:sp>
+        <p:nvSpPr>
+          <p:cNvPr id="3" name="슬라이드 노트 개체 틀 2"/>
+          <p:cNvSpPr>
+            <a:spLocks noGrp="1"/>
+          </p:cNvSpPr>
+          <p:nvPr>
+            <p:ph type="body" idx="1"/>
+          </p:nvPr>
+        </p:nvSpPr>
+        <p:spPr/>
+        <p:txBody>
+          <a:bodyPr/>
+          <a:lstStyle/>
+          <a:p>
+            <a:endParaRPr lang="ko-KR" altLang="en-US" dirty="0"/>
+          </a:p>
+        </p:txBody>
+      </p:sp>
+      <p:sp>
+        <p:nvSpPr>
+          <p:cNvPr id="4" name="슬라이드 번호 개체 틀 3"/>
+          <p:cNvSpPr>
+            <a:spLocks noGrp="1"/>
+          </p:cNvSpPr>
+          <p:nvPr>
+            <p:ph type="sldNum" sz="quarter" idx="5"/>
+          </p:nvPr>
+        </p:nvSpPr>
+        <p:spPr/>
+        <p:txBody>
+          <a:bodyPr/>
+          <a:lstStyle/>
+          <a:p>
+            <a:fld id="{73EB825B-89DC-4B21-8B3A-B3CA9CD761CE}" type="slidenum">
+              <a:rPr lang="ko-KR" altLang="en-US" smtClean="0"/>
+              <a:t>9</a:t>
+            </a:fld>
+            <a:endParaRPr lang="ko-KR" altLang="en-US"/>
+          </a:p>
+        </p:txBody>
+      </p:sp>
+    </p:spTree>
+    <p:extLst>
+      <p:ext uri="{BB962C8B-B14F-4D97-AF65-F5344CB8AC3E}">
+        <p14:creationId xmlns:p14="http://schemas.microsoft.com/office/powerpoint/2010/main" val="1808876994"/>
+      </p:ext>
+    </p:extLst>
+  </p:cSld>
+  <p:clrMapOvr>
+    <a:masterClrMapping/>
+  </p:clrMapOvr>
+</p:notes>
+</file>
+
+<file path=ppt/notesSlides/notesSlide9.xml><?xml version="1.0" encoding="utf-8"?>
+<p:notes xmlns:a="http://schemas.openxmlformats.org/drawingml/2006/main" xmlns:r="http://schemas.openxmlformats.org/officeDocument/2006/relationships" xmlns:p="http://schemas.openxmlformats.org/presentationml/2006/main">
+  <p:cSld>
+    <p:spTree>
+      <p:nvGrpSpPr>
+        <p:cNvPr id="1" name=""/>
+        <p:cNvGrpSpPr/>
+        <p:nvPr/>
+      </p:nvGrpSpPr>
+      <p:grpSpPr>
+        <a:xfrm>
+          <a:off x="0" y="0"/>
+          <a:ext cx="0" cy="0"/>
+          <a:chOff x="0" y="0"/>
+          <a:chExt cx="0" cy="0"/>
+        </a:xfrm>
+      </p:grpSpPr>
+      <p:sp>
+        <p:nvSpPr>
+          <p:cNvPr id="2" name="슬라이드 이미지 개체 틀 1"/>
+          <p:cNvSpPr>
+            <a:spLocks noGrp="1" noRot="1" noChangeAspect="1"/>
+          </p:cNvSpPr>
+          <p:nvPr>
+            <p:ph type="sldImg"/>
+          </p:nvPr>
+        </p:nvSpPr>
+        <p:spPr/>
+      </p:sp>
+      <p:sp>
+        <p:nvSpPr>
+          <p:cNvPr id="3" name="슬라이드 노트 개체 틀 2"/>
+          <p:cNvSpPr>
+            <a:spLocks noGrp="1"/>
+          </p:cNvSpPr>
+          <p:nvPr>
+            <p:ph type="body" idx="1"/>
+          </p:nvPr>
+        </p:nvSpPr>
+        <p:spPr/>
+        <p:txBody>
+          <a:bodyPr/>
+          <a:lstStyle/>
+          <a:p>
+            <a:endParaRPr lang="ko-KR" altLang="en-US" dirty="0"/>
+          </a:p>
+        </p:txBody>
+      </p:sp>
+      <p:sp>
+        <p:nvSpPr>
+          <p:cNvPr id="4" name="슬라이드 번호 개체 틀 3"/>
+          <p:cNvSpPr>
+            <a:spLocks noGrp="1"/>
+          </p:cNvSpPr>
+          <p:nvPr>
+            <p:ph type="sldNum" sz="quarter" idx="5"/>
+          </p:nvPr>
+        </p:nvSpPr>
+        <p:spPr/>
+        <p:txBody>
+          <a:bodyPr/>
+          <a:lstStyle/>
+          <a:p>
+            <a:fld id="{73EB825B-89DC-4B21-8B3A-B3CA9CD761CE}" type="slidenum">
+              <a:rPr lang="ko-KR" altLang="en-US" smtClean="0"/>
+              <a:t>10</a:t>
+            </a:fld>
+            <a:endParaRPr lang="ko-KR" altLang="en-US"/>
+          </a:p>
+        </p:txBody>
+      </p:sp>
+    </p:spTree>
+    <p:extLst>
+      <p:ext uri="{BB962C8B-B14F-4D97-AF65-F5344CB8AC3E}">
+        <p14:creationId xmlns:p14="http://schemas.microsoft.com/office/powerpoint/2010/main" val="2922286954"/>
       </p:ext>
     </p:extLst>
   </p:cSld>
@@ -4433,6 +4773,1186 @@
     <p:extLst>
       <p:ext uri="{BB962C8B-B14F-4D97-AF65-F5344CB8AC3E}">
         <p14:creationId xmlns:p14="http://schemas.microsoft.com/office/powerpoint/2010/main" val="1182045950"/>
+      </p:ext>
+    </p:extLst>
+  </p:cSld>
+  <p:clrMapOvr>
+    <a:masterClrMapping/>
+  </p:clrMapOvr>
+</p:sld>
+</file>
+
+<file path=ppt/slides/slide10.xml><?xml version="1.0" encoding="utf-8"?>
+<p:sld xmlns:a="http://schemas.openxmlformats.org/drawingml/2006/main" xmlns:r="http://schemas.openxmlformats.org/officeDocument/2006/relationships" xmlns:p="http://schemas.openxmlformats.org/presentationml/2006/main">
+  <p:cSld>
+    <p:spTree>
+      <p:nvGrpSpPr>
+        <p:cNvPr id="1" name=""/>
+        <p:cNvGrpSpPr/>
+        <p:nvPr/>
+      </p:nvGrpSpPr>
+      <p:grpSpPr>
+        <a:xfrm>
+          <a:off x="0" y="0"/>
+          <a:ext cx="0" cy="0"/>
+          <a:chOff x="0" y="0"/>
+          <a:chExt cx="0" cy="0"/>
+        </a:xfrm>
+      </p:grpSpPr>
+      <p:sp>
+        <p:nvSpPr>
+          <p:cNvPr id="12" name="사각형: 둥근 모서리 11">
+            <a:extLst>
+              <a:ext uri="{FF2B5EF4-FFF2-40B4-BE49-F238E27FC236}">
+                <a16:creationId xmlns:a16="http://schemas.microsoft.com/office/drawing/2014/main" id="{6CA48564-8D2A-41E2-9BC0-77500EB8993D}"/>
+              </a:ext>
+            </a:extLst>
+          </p:cNvPr>
+          <p:cNvSpPr/>
+          <p:nvPr/>
+        </p:nvSpPr>
+        <p:spPr>
+          <a:xfrm>
+            <a:off x="5240222" y="955480"/>
+            <a:ext cx="1579988" cy="523220"/>
+          </a:xfrm>
+          <a:prstGeom prst="roundRect">
+            <a:avLst/>
+          </a:prstGeom>
+          <a:solidFill>
+            <a:schemeClr val="accent4">
+              <a:lumMod val="40000"/>
+              <a:lumOff val="60000"/>
+            </a:schemeClr>
+          </a:solidFill>
+          <a:ln>
+            <a:noFill/>
+          </a:ln>
+        </p:spPr>
+        <p:style>
+          <a:lnRef idx="2">
+            <a:schemeClr val="accent1">
+              <a:shade val="50000"/>
+            </a:schemeClr>
+          </a:lnRef>
+          <a:fillRef idx="1">
+            <a:schemeClr val="accent1"/>
+          </a:fillRef>
+          <a:effectRef idx="0">
+            <a:schemeClr val="accent1"/>
+          </a:effectRef>
+          <a:fontRef idx="minor">
+            <a:schemeClr val="lt1"/>
+          </a:fontRef>
+        </p:style>
+        <p:txBody>
+          <a:bodyPr rtlCol="0" anchor="ctr"/>
+          <a:lstStyle/>
+          <a:p>
+            <a:pPr algn="ctr"/>
+            <a:endParaRPr lang="ko-KR" altLang="en-US"/>
+          </a:p>
+        </p:txBody>
+      </p:sp>
+      <p:sp>
+        <p:nvSpPr>
+          <p:cNvPr id="68" name="TextBox 67">
+            <a:extLst>
+              <a:ext uri="{FF2B5EF4-FFF2-40B4-BE49-F238E27FC236}">
+                <a16:creationId xmlns:a16="http://schemas.microsoft.com/office/drawing/2014/main" id="{12658D71-6CFE-4718-A222-A59F9BFD9DCA}"/>
+              </a:ext>
+            </a:extLst>
+          </p:cNvPr>
+          <p:cNvSpPr txBox="1"/>
+          <p:nvPr/>
+        </p:nvSpPr>
+        <p:spPr>
+          <a:xfrm>
+            <a:off x="206463" y="1037795"/>
+            <a:ext cx="199618" cy="400110"/>
+          </a:xfrm>
+          <a:prstGeom prst="rect">
+            <a:avLst/>
+          </a:prstGeom>
+          <a:noFill/>
+        </p:spPr>
+        <p:txBody>
+          <a:bodyPr wrap="square" rtlCol="0">
+            <a:spAutoFit/>
+          </a:bodyPr>
+          <a:lstStyle/>
+          <a:p>
+            <a:r>
+              <a:rPr lang="ko-KR" altLang="en-US" sz="2000" b="1" dirty="0"/>
+              <a:t>킬</a:t>
+            </a:r>
+            <a:endParaRPr lang="en-US" altLang="ko-KR" sz="2000" b="1" dirty="0"/>
+          </a:p>
+        </p:txBody>
+      </p:sp>
+      <p:sp>
+        <p:nvSpPr>
+          <p:cNvPr id="69" name="TextBox 68">
+            <a:extLst>
+              <a:ext uri="{FF2B5EF4-FFF2-40B4-BE49-F238E27FC236}">
+                <a16:creationId xmlns:a16="http://schemas.microsoft.com/office/drawing/2014/main" id="{A6DE0166-3F92-41E3-835F-6EA967B55752}"/>
+              </a:ext>
+            </a:extLst>
+          </p:cNvPr>
+          <p:cNvSpPr txBox="1"/>
+          <p:nvPr/>
+        </p:nvSpPr>
+        <p:spPr>
+          <a:xfrm>
+            <a:off x="853008" y="1048865"/>
+            <a:ext cx="2774268" cy="400110"/>
+          </a:xfrm>
+          <a:prstGeom prst="rect">
+            <a:avLst/>
+          </a:prstGeom>
+          <a:noFill/>
+        </p:spPr>
+        <p:txBody>
+          <a:bodyPr wrap="square">
+            <a:spAutoFit/>
+          </a:bodyPr>
+          <a:lstStyle/>
+          <a:p>
+            <a:r>
+              <a:rPr lang="ko-KR" altLang="en-US" sz="2000" b="1" dirty="0"/>
+              <a:t>회의 후 플레이어 배치</a:t>
+            </a:r>
+            <a:endParaRPr lang="en-US" altLang="ko-KR" sz="2000" b="1" dirty="0"/>
+          </a:p>
+        </p:txBody>
+      </p:sp>
+      <p:sp>
+        <p:nvSpPr>
+          <p:cNvPr id="70" name="TextBox 69">
+            <a:extLst>
+              <a:ext uri="{FF2B5EF4-FFF2-40B4-BE49-F238E27FC236}">
+                <a16:creationId xmlns:a16="http://schemas.microsoft.com/office/drawing/2014/main" id="{CEAB88A2-7ECB-4042-88AE-609A107595B0}"/>
+              </a:ext>
+            </a:extLst>
+          </p:cNvPr>
+          <p:cNvSpPr txBox="1"/>
+          <p:nvPr/>
+        </p:nvSpPr>
+        <p:spPr>
+          <a:xfrm>
+            <a:off x="3627276" y="1041926"/>
+            <a:ext cx="1550870" cy="400110"/>
+          </a:xfrm>
+          <a:prstGeom prst="rect">
+            <a:avLst/>
+          </a:prstGeom>
+          <a:noFill/>
+        </p:spPr>
+        <p:txBody>
+          <a:bodyPr wrap="square">
+            <a:spAutoFit/>
+          </a:bodyPr>
+          <a:lstStyle/>
+          <a:p>
+            <a:r>
+              <a:rPr lang="ko-KR" altLang="en-US" sz="2000" b="1" dirty="0"/>
+              <a:t>게임 구조도 </a:t>
+            </a:r>
+            <a:endParaRPr lang="ko-KR" altLang="en-US" sz="2000" dirty="0"/>
+          </a:p>
+        </p:txBody>
+      </p:sp>
+      <p:sp>
+        <p:nvSpPr>
+          <p:cNvPr id="72" name="직사각형 71">
+            <a:extLst>
+              <a:ext uri="{FF2B5EF4-FFF2-40B4-BE49-F238E27FC236}">
+                <a16:creationId xmlns:a16="http://schemas.microsoft.com/office/drawing/2014/main" id="{3E7A2C32-FFB4-460A-A3B1-F07114F8778D}"/>
+              </a:ext>
+            </a:extLst>
+          </p:cNvPr>
+          <p:cNvSpPr/>
+          <p:nvPr/>
+        </p:nvSpPr>
+        <p:spPr>
+          <a:xfrm>
+            <a:off x="746451" y="1054358"/>
+            <a:ext cx="45719" cy="400110"/>
+          </a:xfrm>
+          <a:prstGeom prst="rect">
+            <a:avLst/>
+          </a:prstGeom>
+          <a:solidFill>
+            <a:schemeClr val="tx1"/>
+          </a:solidFill>
+          <a:ln>
+            <a:noFill/>
+          </a:ln>
+        </p:spPr>
+        <p:style>
+          <a:lnRef idx="2">
+            <a:schemeClr val="accent1">
+              <a:shade val="50000"/>
+            </a:schemeClr>
+          </a:lnRef>
+          <a:fillRef idx="1">
+            <a:schemeClr val="accent1"/>
+          </a:fillRef>
+          <a:effectRef idx="0">
+            <a:schemeClr val="accent1"/>
+          </a:effectRef>
+          <a:fontRef idx="minor">
+            <a:schemeClr val="lt1"/>
+          </a:fontRef>
+        </p:style>
+        <p:txBody>
+          <a:bodyPr rtlCol="0" anchor="ctr"/>
+          <a:lstStyle/>
+          <a:p>
+            <a:pPr algn="ctr"/>
+            <a:endParaRPr lang="ko-KR" altLang="en-US"/>
+          </a:p>
+        </p:txBody>
+      </p:sp>
+      <p:sp>
+        <p:nvSpPr>
+          <p:cNvPr id="74" name="직사각형 73">
+            <a:extLst>
+              <a:ext uri="{FF2B5EF4-FFF2-40B4-BE49-F238E27FC236}">
+                <a16:creationId xmlns:a16="http://schemas.microsoft.com/office/drawing/2014/main" id="{A1F56697-C4DA-4F01-A9A0-9053F965A88D}"/>
+              </a:ext>
+            </a:extLst>
+          </p:cNvPr>
+          <p:cNvSpPr/>
+          <p:nvPr/>
+        </p:nvSpPr>
+        <p:spPr>
+          <a:xfrm>
+            <a:off x="3581557" y="1056727"/>
+            <a:ext cx="45719" cy="400110"/>
+          </a:xfrm>
+          <a:prstGeom prst="rect">
+            <a:avLst/>
+          </a:prstGeom>
+          <a:solidFill>
+            <a:schemeClr val="tx1"/>
+          </a:solidFill>
+          <a:ln>
+            <a:noFill/>
+          </a:ln>
+        </p:spPr>
+        <p:style>
+          <a:lnRef idx="2">
+            <a:schemeClr val="accent1">
+              <a:shade val="50000"/>
+            </a:schemeClr>
+          </a:lnRef>
+          <a:fillRef idx="1">
+            <a:schemeClr val="accent1"/>
+          </a:fillRef>
+          <a:effectRef idx="0">
+            <a:schemeClr val="accent1"/>
+          </a:effectRef>
+          <a:fontRef idx="minor">
+            <a:schemeClr val="lt1"/>
+          </a:fontRef>
+        </p:style>
+        <p:txBody>
+          <a:bodyPr rtlCol="0" anchor="ctr"/>
+          <a:lstStyle/>
+          <a:p>
+            <a:pPr algn="ctr"/>
+            <a:endParaRPr lang="ko-KR" altLang="en-US"/>
+          </a:p>
+        </p:txBody>
+      </p:sp>
+      <p:sp>
+        <p:nvSpPr>
+          <p:cNvPr id="4" name="직사각형 3">
+            <a:extLst>
+              <a:ext uri="{FF2B5EF4-FFF2-40B4-BE49-F238E27FC236}">
+                <a16:creationId xmlns:a16="http://schemas.microsoft.com/office/drawing/2014/main" id="{AE93FE2A-85FE-4157-951C-FC2FADBB3B34}"/>
+              </a:ext>
+            </a:extLst>
+          </p:cNvPr>
+          <p:cNvSpPr/>
+          <p:nvPr/>
+        </p:nvSpPr>
+        <p:spPr>
+          <a:xfrm>
+            <a:off x="0" y="0"/>
+            <a:ext cx="12192000" cy="1034474"/>
+          </a:xfrm>
+          <a:prstGeom prst="rect">
+            <a:avLst/>
+          </a:prstGeom>
+          <a:solidFill>
+            <a:schemeClr val="accent5">
+              <a:lumMod val="60000"/>
+              <a:lumOff val="40000"/>
+            </a:schemeClr>
+          </a:solidFill>
+        </p:spPr>
+        <p:style>
+          <a:lnRef idx="2">
+            <a:schemeClr val="accent1">
+              <a:shade val="50000"/>
+            </a:schemeClr>
+          </a:lnRef>
+          <a:fillRef idx="1">
+            <a:schemeClr val="accent1"/>
+          </a:fillRef>
+          <a:effectRef idx="0">
+            <a:schemeClr val="accent1"/>
+          </a:effectRef>
+          <a:fontRef idx="minor">
+            <a:schemeClr val="lt1"/>
+          </a:fontRef>
+        </p:style>
+        <p:txBody>
+          <a:bodyPr rtlCol="0" anchor="ctr"/>
+          <a:lstStyle/>
+          <a:p>
+            <a:pPr algn="ctr"/>
+            <a:endParaRPr lang="ko-KR" altLang="en-US" dirty="0"/>
+          </a:p>
+        </p:txBody>
+      </p:sp>
+      <p:sp>
+        <p:nvSpPr>
+          <p:cNvPr id="7" name="TextBox 6">
+            <a:extLst>
+              <a:ext uri="{FF2B5EF4-FFF2-40B4-BE49-F238E27FC236}">
+                <a16:creationId xmlns:a16="http://schemas.microsoft.com/office/drawing/2014/main" id="{982817C4-ACF4-45FB-A018-6E6F872691BC}"/>
+              </a:ext>
+            </a:extLst>
+          </p:cNvPr>
+          <p:cNvSpPr txBox="1"/>
+          <p:nvPr/>
+        </p:nvSpPr>
+        <p:spPr>
+          <a:xfrm>
+            <a:off x="646546" y="255627"/>
+            <a:ext cx="9411854" cy="523220"/>
+          </a:xfrm>
+          <a:prstGeom prst="rect">
+            <a:avLst/>
+          </a:prstGeom>
+          <a:noFill/>
+        </p:spPr>
+        <p:txBody>
+          <a:bodyPr wrap="square" rtlCol="0">
+            <a:spAutoFit/>
+          </a:bodyPr>
+          <a:lstStyle/>
+          <a:p>
+            <a:r>
+              <a:rPr lang="ko-KR" altLang="en-US" sz="2800" b="1" dirty="0"/>
+              <a:t>게임 결과 창 </a:t>
+            </a:r>
+            <a:r>
+              <a:rPr lang="en-US" altLang="ko-KR" sz="2800" b="1" dirty="0"/>
+              <a:t>( </a:t>
+            </a:r>
+            <a:r>
+              <a:rPr lang="ko-KR" altLang="en-US" sz="2800" b="1" dirty="0"/>
+              <a:t>납치자를 모두 찾았을 때 결과 창 </a:t>
+            </a:r>
+            <a:r>
+              <a:rPr lang="en-US" altLang="ko-KR" sz="2800" b="1" dirty="0"/>
+              <a:t>)</a:t>
+            </a:r>
+          </a:p>
+        </p:txBody>
+      </p:sp>
+      <p:sp>
+        <p:nvSpPr>
+          <p:cNvPr id="10" name="직사각형 9">
+            <a:extLst>
+              <a:ext uri="{FF2B5EF4-FFF2-40B4-BE49-F238E27FC236}">
+                <a16:creationId xmlns:a16="http://schemas.microsoft.com/office/drawing/2014/main" id="{46A0F60D-0077-4149-B062-DBD9307E6FEA}"/>
+              </a:ext>
+            </a:extLst>
+          </p:cNvPr>
+          <p:cNvSpPr/>
+          <p:nvPr/>
+        </p:nvSpPr>
+        <p:spPr>
+          <a:xfrm>
+            <a:off x="5161545" y="1041173"/>
+            <a:ext cx="45719" cy="400110"/>
+          </a:xfrm>
+          <a:prstGeom prst="rect">
+            <a:avLst/>
+          </a:prstGeom>
+          <a:solidFill>
+            <a:schemeClr val="tx1"/>
+          </a:solidFill>
+          <a:ln>
+            <a:noFill/>
+          </a:ln>
+        </p:spPr>
+        <p:style>
+          <a:lnRef idx="2">
+            <a:schemeClr val="accent1">
+              <a:shade val="50000"/>
+            </a:schemeClr>
+          </a:lnRef>
+          <a:fillRef idx="1">
+            <a:schemeClr val="accent1"/>
+          </a:fillRef>
+          <a:effectRef idx="0">
+            <a:schemeClr val="accent1"/>
+          </a:effectRef>
+          <a:fontRef idx="minor">
+            <a:schemeClr val="lt1"/>
+          </a:fontRef>
+        </p:style>
+        <p:txBody>
+          <a:bodyPr rtlCol="0" anchor="ctr"/>
+          <a:lstStyle/>
+          <a:p>
+            <a:pPr algn="ctr"/>
+            <a:endParaRPr lang="ko-KR" altLang="en-US"/>
+          </a:p>
+        </p:txBody>
+      </p:sp>
+      <p:sp>
+        <p:nvSpPr>
+          <p:cNvPr id="11" name="TextBox 10">
+            <a:extLst>
+              <a:ext uri="{FF2B5EF4-FFF2-40B4-BE49-F238E27FC236}">
+                <a16:creationId xmlns:a16="http://schemas.microsoft.com/office/drawing/2014/main" id="{D3CFEE73-41B2-4270-8C30-853053249758}"/>
+              </a:ext>
+            </a:extLst>
+          </p:cNvPr>
+          <p:cNvSpPr txBox="1"/>
+          <p:nvPr/>
+        </p:nvSpPr>
+        <p:spPr>
+          <a:xfrm>
+            <a:off x="5207264" y="1054358"/>
+            <a:ext cx="1678530" cy="400110"/>
+          </a:xfrm>
+          <a:prstGeom prst="rect">
+            <a:avLst/>
+          </a:prstGeom>
+          <a:noFill/>
+        </p:spPr>
+        <p:txBody>
+          <a:bodyPr wrap="square">
+            <a:spAutoFit/>
+          </a:bodyPr>
+          <a:lstStyle/>
+          <a:p>
+            <a:r>
+              <a:rPr lang="ko-KR" altLang="en-US" sz="2000" b="1" dirty="0"/>
+              <a:t>게임 결과 창 </a:t>
+            </a:r>
+            <a:endParaRPr lang="ko-KR" altLang="en-US" sz="2000" dirty="0"/>
+          </a:p>
+        </p:txBody>
+      </p:sp>
+      <p:sp>
+        <p:nvSpPr>
+          <p:cNvPr id="3" name="직사각형 2">
+            <a:extLst>
+              <a:ext uri="{FF2B5EF4-FFF2-40B4-BE49-F238E27FC236}">
+                <a16:creationId xmlns:a16="http://schemas.microsoft.com/office/drawing/2014/main" id="{2C18C050-3297-43B0-B3DD-79AF0F21F07D}"/>
+              </a:ext>
+            </a:extLst>
+          </p:cNvPr>
+          <p:cNvSpPr/>
+          <p:nvPr/>
+        </p:nvSpPr>
+        <p:spPr>
+          <a:xfrm>
+            <a:off x="8518845" y="2748914"/>
+            <a:ext cx="3405674" cy="2715209"/>
+          </a:xfrm>
+          <a:prstGeom prst="rect">
+            <a:avLst/>
+          </a:prstGeom>
+          <a:solidFill>
+            <a:schemeClr val="bg1"/>
+          </a:solidFill>
+          <a:ln w="38100">
+            <a:solidFill>
+              <a:schemeClr val="tx1"/>
+            </a:solidFill>
+          </a:ln>
+        </p:spPr>
+        <p:style>
+          <a:lnRef idx="2">
+            <a:schemeClr val="accent1">
+              <a:shade val="50000"/>
+            </a:schemeClr>
+          </a:lnRef>
+          <a:fillRef idx="1">
+            <a:schemeClr val="accent1"/>
+          </a:fillRef>
+          <a:effectRef idx="0">
+            <a:schemeClr val="accent1"/>
+          </a:effectRef>
+          <a:fontRef idx="minor">
+            <a:schemeClr val="lt1"/>
+          </a:fontRef>
+        </p:style>
+        <p:txBody>
+          <a:bodyPr rtlCol="0" anchor="ctr"/>
+          <a:lstStyle/>
+          <a:p>
+            <a:pPr marL="285750" indent="-285750" algn="ctr">
+              <a:buFontTx/>
+              <a:buChar char="-"/>
+            </a:pPr>
+            <a:r>
+              <a:rPr lang="ko-KR" altLang="en-US" sz="1600" b="1" dirty="0">
+                <a:solidFill>
+                  <a:schemeClr val="tx1"/>
+                </a:solidFill>
+              </a:rPr>
+              <a:t>사람들과 가득 실린 먹을 것을 배를 타고 탈출하는 사람들을 표현</a:t>
+            </a:r>
+            <a:endParaRPr lang="en-US" altLang="ko-KR" sz="1600" b="1" dirty="0">
+              <a:solidFill>
+                <a:schemeClr val="tx1"/>
+              </a:solidFill>
+            </a:endParaRPr>
+          </a:p>
+          <a:p>
+            <a:pPr marL="285750" indent="-285750" algn="ctr">
+              <a:buFontTx/>
+              <a:buChar char="-"/>
+            </a:pPr>
+            <a:endParaRPr lang="en-US" altLang="ko-KR" sz="1600" b="1" dirty="0">
+              <a:solidFill>
+                <a:schemeClr val="tx1"/>
+              </a:solidFill>
+            </a:endParaRPr>
+          </a:p>
+          <a:p>
+            <a:pPr marL="285750" indent="-285750" algn="ctr">
+              <a:buFontTx/>
+              <a:buChar char="-"/>
+            </a:pPr>
+            <a:r>
+              <a:rPr lang="ko-KR" altLang="en-US" sz="1600" b="1" dirty="0">
+                <a:solidFill>
+                  <a:schemeClr val="tx1"/>
+                </a:solidFill>
+              </a:rPr>
+              <a:t>이후에 공동 결과창으로 이동</a:t>
+            </a:r>
+          </a:p>
+        </p:txBody>
+      </p:sp>
+      <p:sp>
+        <p:nvSpPr>
+          <p:cNvPr id="64" name="사각형: 둥근 모서리 63">
+            <a:extLst>
+              <a:ext uri="{FF2B5EF4-FFF2-40B4-BE49-F238E27FC236}">
+                <a16:creationId xmlns:a16="http://schemas.microsoft.com/office/drawing/2014/main" id="{25BB1B42-FDC4-490B-B1F7-AB3472EAC00B}"/>
+              </a:ext>
+            </a:extLst>
+          </p:cNvPr>
+          <p:cNvSpPr/>
+          <p:nvPr/>
+        </p:nvSpPr>
+        <p:spPr>
+          <a:xfrm rot="5400000">
+            <a:off x="2351283" y="169148"/>
+            <a:ext cx="3954079" cy="7874742"/>
+          </a:xfrm>
+          <a:prstGeom prst="roundRect">
+            <a:avLst/>
+          </a:prstGeom>
+          <a:noFill/>
+          <a:ln w="38100">
+            <a:solidFill>
+              <a:schemeClr val="tx1"/>
+            </a:solidFill>
+          </a:ln>
+        </p:spPr>
+        <p:style>
+          <a:lnRef idx="2">
+            <a:schemeClr val="accent1">
+              <a:shade val="50000"/>
+            </a:schemeClr>
+          </a:lnRef>
+          <a:fillRef idx="1">
+            <a:schemeClr val="accent1"/>
+          </a:fillRef>
+          <a:effectRef idx="0">
+            <a:schemeClr val="accent1"/>
+          </a:effectRef>
+          <a:fontRef idx="minor">
+            <a:schemeClr val="lt1"/>
+          </a:fontRef>
+        </p:style>
+        <p:txBody>
+          <a:bodyPr rtlCol="0" anchor="ctr"/>
+          <a:lstStyle/>
+          <a:p>
+            <a:pPr algn="ctr"/>
+            <a:endParaRPr lang="ko-KR" altLang="en-US" dirty="0"/>
+          </a:p>
+        </p:txBody>
+      </p:sp>
+      <p:pic>
+        <p:nvPicPr>
+          <p:cNvPr id="65" name="Picture 2" descr="배 - 무료 수송개 아이콘">
+            <a:extLst>
+              <a:ext uri="{FF2B5EF4-FFF2-40B4-BE49-F238E27FC236}">
+                <a16:creationId xmlns:a16="http://schemas.microsoft.com/office/drawing/2014/main" id="{BBAF3833-EC0D-420F-84E1-410E0E8F4E76}"/>
+              </a:ext>
+            </a:extLst>
+          </p:cNvPr>
+          <p:cNvPicPr>
+            <a:picLocks noChangeAspect="1" noChangeArrowheads="1"/>
+          </p:cNvPicPr>
+          <p:nvPr/>
+        </p:nvPicPr>
+        <p:blipFill>
+          <a:blip r:embed="rId3">
+            <a:extLst>
+              <a:ext uri="{BEBA8EAE-BF5A-486C-A8C5-ECC9F3942E4B}">
+                <a14:imgProps xmlns:a14="http://schemas.microsoft.com/office/drawing/2010/main">
+                  <a14:imgLayer r:embed="rId4">
+                    <a14:imgEffect>
+                      <a14:backgroundRemoval t="9778" b="89778" l="4000" r="97333">
+                        <a14:foregroundMark x1="4444" y1="55556" x2="45778" y2="60444"/>
+                        <a14:foregroundMark x1="45778" y1="60444" x2="71111" y2="56444"/>
+                        <a14:foregroundMark x1="46667" y1="66222" x2="65333" y2="72444"/>
+                        <a14:foregroundMark x1="65333" y1="72444" x2="69778" y2="71111"/>
+                        <a14:foregroundMark x1="55556" y1="72444" x2="15556" y2="69778"/>
+                        <a14:foregroundMark x1="68000" y1="60000" x2="90667" y2="62667"/>
+                        <a14:foregroundMark x1="90667" y1="62667" x2="77333" y2="72000"/>
+                        <a14:foregroundMark x1="77333" y1="72000" x2="76889" y2="72000"/>
+                        <a14:foregroundMark x1="95111" y1="60889" x2="97333" y2="67111"/>
+                        <a14:foregroundMark x1="69333" y1="48444" x2="71111" y2="52889"/>
+                        <a14:foregroundMark x1="47556" y1="48444" x2="27111" y2="49333"/>
+                        <a14:foregroundMark x1="27111" y1="49333" x2="28889" y2="53333"/>
+                        <a14:foregroundMark x1="7111" y1="47556" x2="8889" y2="54222"/>
+                        <a14:foregroundMark x1="7556" y1="48444" x2="7111" y2="53333"/>
+                        <a14:foregroundMark x1="47556" y1="26222" x2="46667" y2="49333"/>
+                        <a14:foregroundMark x1="36444" y1="38667" x2="36889" y2="46667"/>
+                      </a14:backgroundRemoval>
+                    </a14:imgEffect>
+                  </a14:imgLayer>
+                </a14:imgProps>
+              </a:ext>
+              <a:ext uri="{28A0092B-C50C-407E-A947-70E740481C1C}">
+                <a14:useLocalDpi xmlns:a14="http://schemas.microsoft.com/office/drawing/2010/main" val="0"/>
+              </a:ext>
+            </a:extLst>
+          </a:blip>
+          <a:srcRect/>
+          <a:stretch>
+            <a:fillRect/>
+          </a:stretch>
+        </p:blipFill>
+        <p:spPr bwMode="auto">
+          <a:xfrm>
+            <a:off x="1786715" y="2535736"/>
+            <a:ext cx="3839644" cy="3839644"/>
+          </a:xfrm>
+          <a:prstGeom prst="rect">
+            <a:avLst/>
+          </a:prstGeom>
+          <a:noFill/>
+          <a:extLst>
+            <a:ext uri="{909E8E84-426E-40DD-AFC4-6F175D3DCCD1}">
+              <a14:hiddenFill xmlns:a14="http://schemas.microsoft.com/office/drawing/2010/main">
+                <a:solidFill>
+                  <a:srgbClr val="FFFFFF"/>
+                </a:solidFill>
+              </a14:hiddenFill>
+            </a:ext>
+          </a:extLst>
+        </p:spPr>
+      </p:pic>
+      <p:pic>
+        <p:nvPicPr>
+          <p:cNvPr id="21" name="그림 20" descr="옅은이(가) 표시된 사진&#10;&#10;자동 생성된 설명">
+            <a:extLst>
+              <a:ext uri="{FF2B5EF4-FFF2-40B4-BE49-F238E27FC236}">
+                <a16:creationId xmlns:a16="http://schemas.microsoft.com/office/drawing/2014/main" id="{33C1F8CB-ED44-46ED-92A4-4A328DCD1848}"/>
+              </a:ext>
+            </a:extLst>
+          </p:cNvPr>
+          <p:cNvPicPr>
+            <a:picLocks noChangeAspect="1"/>
+          </p:cNvPicPr>
+          <p:nvPr/>
+        </p:nvPicPr>
+        <p:blipFill>
+          <a:blip r:embed="rId5">
+            <a:extLst>
+              <a:ext uri="{28A0092B-C50C-407E-A947-70E740481C1C}">
+                <a14:useLocalDpi xmlns:a14="http://schemas.microsoft.com/office/drawing/2010/main" val="0"/>
+              </a:ext>
+            </a:extLst>
+          </a:blip>
+          <a:stretch>
+            <a:fillRect/>
+          </a:stretch>
+        </p:blipFill>
+        <p:spPr>
+          <a:xfrm>
+            <a:off x="5056727" y="4261943"/>
+            <a:ext cx="366254" cy="366254"/>
+          </a:xfrm>
+          <a:prstGeom prst="rect">
+            <a:avLst/>
+          </a:prstGeom>
+        </p:spPr>
+      </p:pic>
+      <p:pic>
+        <p:nvPicPr>
+          <p:cNvPr id="75" name="그림 74" descr="텍스트이(가) 표시된 사진&#10;&#10;자동 생성된 설명">
+            <a:extLst>
+              <a:ext uri="{FF2B5EF4-FFF2-40B4-BE49-F238E27FC236}">
+                <a16:creationId xmlns:a16="http://schemas.microsoft.com/office/drawing/2014/main" id="{8013D5DF-07BC-4425-BF7B-235502976964}"/>
+              </a:ext>
+            </a:extLst>
+          </p:cNvPr>
+          <p:cNvPicPr>
+            <a:picLocks noChangeAspect="1"/>
+          </p:cNvPicPr>
+          <p:nvPr/>
+        </p:nvPicPr>
+        <p:blipFill>
+          <a:blip r:embed="rId6">
+            <a:extLst>
+              <a:ext uri="{28A0092B-C50C-407E-A947-70E740481C1C}">
+                <a14:useLocalDpi xmlns:a14="http://schemas.microsoft.com/office/drawing/2010/main" val="0"/>
+              </a:ext>
+            </a:extLst>
+          </a:blip>
+          <a:stretch>
+            <a:fillRect/>
+          </a:stretch>
+        </p:blipFill>
+        <p:spPr>
+          <a:xfrm>
+            <a:off x="4447961" y="4272582"/>
+            <a:ext cx="355615" cy="355615"/>
+          </a:xfrm>
+          <a:prstGeom prst="rect">
+            <a:avLst/>
+          </a:prstGeom>
+        </p:spPr>
+      </p:pic>
+      <p:pic>
+        <p:nvPicPr>
+          <p:cNvPr id="76" name="그림 75" descr="옅은이(가) 표시된 사진&#10;&#10;자동 생성된 설명">
+            <a:extLst>
+              <a:ext uri="{FF2B5EF4-FFF2-40B4-BE49-F238E27FC236}">
+                <a16:creationId xmlns:a16="http://schemas.microsoft.com/office/drawing/2014/main" id="{D65F3DAF-57E0-4368-AF50-F48F5906CF9D}"/>
+              </a:ext>
+            </a:extLst>
+          </p:cNvPr>
+          <p:cNvPicPr>
+            <a:picLocks noChangeAspect="1"/>
+          </p:cNvPicPr>
+          <p:nvPr/>
+        </p:nvPicPr>
+        <p:blipFill>
+          <a:blip r:embed="rId5">
+            <a:extLst>
+              <a:ext uri="{28A0092B-C50C-407E-A947-70E740481C1C}">
+                <a14:useLocalDpi xmlns:a14="http://schemas.microsoft.com/office/drawing/2010/main" val="0"/>
+              </a:ext>
+            </a:extLst>
+          </a:blip>
+          <a:stretch>
+            <a:fillRect/>
+          </a:stretch>
+        </p:blipFill>
+        <p:spPr>
+          <a:xfrm>
+            <a:off x="2417392" y="4272582"/>
+            <a:ext cx="366254" cy="366254"/>
+          </a:xfrm>
+          <a:prstGeom prst="rect">
+            <a:avLst/>
+          </a:prstGeom>
+        </p:spPr>
+      </p:pic>
+      <p:pic>
+        <p:nvPicPr>
+          <p:cNvPr id="77" name="그림 76" descr="텍스트이(가) 표시된 사진&#10;&#10;자동 생성된 설명">
+            <a:extLst>
+              <a:ext uri="{FF2B5EF4-FFF2-40B4-BE49-F238E27FC236}">
+                <a16:creationId xmlns:a16="http://schemas.microsoft.com/office/drawing/2014/main" id="{5C30FB1A-D4C0-4E27-B102-EEC3EC68C9D3}"/>
+              </a:ext>
+            </a:extLst>
+          </p:cNvPr>
+          <p:cNvPicPr>
+            <a:picLocks noChangeAspect="1"/>
+          </p:cNvPicPr>
+          <p:nvPr/>
+        </p:nvPicPr>
+        <p:blipFill>
+          <a:blip r:embed="rId6">
+            <a:extLst>
+              <a:ext uri="{28A0092B-C50C-407E-A947-70E740481C1C}">
+                <a14:useLocalDpi xmlns:a14="http://schemas.microsoft.com/office/drawing/2010/main" val="0"/>
+              </a:ext>
+            </a:extLst>
+          </a:blip>
+          <a:stretch>
+            <a:fillRect/>
+          </a:stretch>
+        </p:blipFill>
+        <p:spPr>
+          <a:xfrm>
+            <a:off x="4740157" y="4272582"/>
+            <a:ext cx="355615" cy="355615"/>
+          </a:xfrm>
+          <a:prstGeom prst="rect">
+            <a:avLst/>
+          </a:prstGeom>
+        </p:spPr>
+      </p:pic>
+      <p:pic>
+        <p:nvPicPr>
+          <p:cNvPr id="78" name="그림 77" descr="텍스트이(가) 표시된 사진&#10;&#10;자동 생성된 설명">
+            <a:extLst>
+              <a:ext uri="{FF2B5EF4-FFF2-40B4-BE49-F238E27FC236}">
+                <a16:creationId xmlns:a16="http://schemas.microsoft.com/office/drawing/2014/main" id="{F68819C7-2A14-4E60-B4AF-87D307E0C200}"/>
+              </a:ext>
+            </a:extLst>
+          </p:cNvPr>
+          <p:cNvPicPr>
+            <a:picLocks noChangeAspect="1"/>
+          </p:cNvPicPr>
+          <p:nvPr/>
+        </p:nvPicPr>
+        <p:blipFill>
+          <a:blip r:embed="rId6">
+            <a:extLst>
+              <a:ext uri="{28A0092B-C50C-407E-A947-70E740481C1C}">
+                <a14:useLocalDpi xmlns:a14="http://schemas.microsoft.com/office/drawing/2010/main" val="0"/>
+              </a:ext>
+            </a:extLst>
+          </a:blip>
+          <a:stretch>
+            <a:fillRect/>
+          </a:stretch>
+        </p:blipFill>
+        <p:spPr>
+          <a:xfrm>
+            <a:off x="2113009" y="4261943"/>
+            <a:ext cx="355615" cy="355615"/>
+          </a:xfrm>
+          <a:prstGeom prst="rect">
+            <a:avLst/>
+          </a:prstGeom>
+        </p:spPr>
+      </p:pic>
+      <p:pic>
+        <p:nvPicPr>
+          <p:cNvPr id="79" name="그림 78" descr="옅은이(가) 표시된 사진&#10;&#10;자동 생성된 설명">
+            <a:extLst>
+              <a:ext uri="{FF2B5EF4-FFF2-40B4-BE49-F238E27FC236}">
+                <a16:creationId xmlns:a16="http://schemas.microsoft.com/office/drawing/2014/main" id="{641AC7F4-420F-4090-A82E-7AA0EE23E178}"/>
+              </a:ext>
+            </a:extLst>
+          </p:cNvPr>
+          <p:cNvPicPr>
+            <a:picLocks noChangeAspect="1"/>
+          </p:cNvPicPr>
+          <p:nvPr/>
+        </p:nvPicPr>
+        <p:blipFill>
+          <a:blip r:embed="rId5">
+            <a:extLst>
+              <a:ext uri="{28A0092B-C50C-407E-A947-70E740481C1C}">
+                <a14:useLocalDpi xmlns:a14="http://schemas.microsoft.com/office/drawing/2010/main" val="0"/>
+              </a:ext>
+            </a:extLst>
+          </a:blip>
+          <a:stretch>
+            <a:fillRect/>
+          </a:stretch>
+        </p:blipFill>
+        <p:spPr>
+          <a:xfrm>
+            <a:off x="4328253" y="3970122"/>
+            <a:ext cx="366254" cy="366254"/>
+          </a:xfrm>
+          <a:prstGeom prst="rect">
+            <a:avLst/>
+          </a:prstGeom>
+        </p:spPr>
+      </p:pic>
+      <p:pic>
+        <p:nvPicPr>
+          <p:cNvPr id="80" name="그림 79" descr="텍스트이(가) 표시된 사진&#10;&#10;자동 생성된 설명">
+            <a:extLst>
+              <a:ext uri="{FF2B5EF4-FFF2-40B4-BE49-F238E27FC236}">
+                <a16:creationId xmlns:a16="http://schemas.microsoft.com/office/drawing/2014/main" id="{320617BE-CCE6-499B-8905-F8DFCA2AD3AD}"/>
+              </a:ext>
+            </a:extLst>
+          </p:cNvPr>
+          <p:cNvPicPr>
+            <a:picLocks noChangeAspect="1"/>
+          </p:cNvPicPr>
+          <p:nvPr/>
+        </p:nvPicPr>
+        <p:blipFill>
+          <a:blip r:embed="rId6">
+            <a:extLst>
+              <a:ext uri="{28A0092B-C50C-407E-A947-70E740481C1C}">
+                <a14:useLocalDpi xmlns:a14="http://schemas.microsoft.com/office/drawing/2010/main" val="0"/>
+              </a:ext>
+            </a:extLst>
+          </a:blip>
+          <a:stretch>
+            <a:fillRect/>
+          </a:stretch>
+        </p:blipFill>
+        <p:spPr>
+          <a:xfrm>
+            <a:off x="4754239" y="3991400"/>
+            <a:ext cx="355615" cy="355615"/>
+          </a:xfrm>
+          <a:prstGeom prst="rect">
+            <a:avLst/>
+          </a:prstGeom>
+        </p:spPr>
+      </p:pic>
+      <p:pic>
+        <p:nvPicPr>
+          <p:cNvPr id="81" name="그림 80" descr="옅은이(가) 표시된 사진&#10;&#10;자동 생성된 설명">
+            <a:extLst>
+              <a:ext uri="{FF2B5EF4-FFF2-40B4-BE49-F238E27FC236}">
+                <a16:creationId xmlns:a16="http://schemas.microsoft.com/office/drawing/2014/main" id="{07C25237-C366-4AF8-8E01-913D76C33BCF}"/>
+              </a:ext>
+            </a:extLst>
+          </p:cNvPr>
+          <p:cNvPicPr>
+            <a:picLocks noChangeAspect="1"/>
+          </p:cNvPicPr>
+          <p:nvPr/>
+        </p:nvPicPr>
+        <p:blipFill>
+          <a:blip r:embed="rId5">
+            <a:extLst>
+              <a:ext uri="{28A0092B-C50C-407E-A947-70E740481C1C}">
+                <a14:useLocalDpi xmlns:a14="http://schemas.microsoft.com/office/drawing/2010/main" val="0"/>
+              </a:ext>
+            </a:extLst>
+          </a:blip>
+          <a:stretch>
+            <a:fillRect/>
+          </a:stretch>
+        </p:blipFill>
+        <p:spPr>
+          <a:xfrm>
+            <a:off x="2723670" y="3991400"/>
+            <a:ext cx="366254" cy="366254"/>
+          </a:xfrm>
+          <a:prstGeom prst="rect">
+            <a:avLst/>
+          </a:prstGeom>
+        </p:spPr>
+      </p:pic>
+      <p:pic>
+        <p:nvPicPr>
+          <p:cNvPr id="82" name="그림 81" descr="텍스트이(가) 표시된 사진&#10;&#10;자동 생성된 설명">
+            <a:extLst>
+              <a:ext uri="{FF2B5EF4-FFF2-40B4-BE49-F238E27FC236}">
+                <a16:creationId xmlns:a16="http://schemas.microsoft.com/office/drawing/2014/main" id="{995143CB-7FC1-4FEA-860F-4E59992A4361}"/>
+              </a:ext>
+            </a:extLst>
+          </p:cNvPr>
+          <p:cNvPicPr>
+            <a:picLocks noChangeAspect="1"/>
+          </p:cNvPicPr>
+          <p:nvPr/>
+        </p:nvPicPr>
+        <p:blipFill>
+          <a:blip r:embed="rId6">
+            <a:extLst>
+              <a:ext uri="{28A0092B-C50C-407E-A947-70E740481C1C}">
+                <a14:useLocalDpi xmlns:a14="http://schemas.microsoft.com/office/drawing/2010/main" val="0"/>
+              </a:ext>
+            </a:extLst>
+          </a:blip>
+          <a:stretch>
+            <a:fillRect/>
+          </a:stretch>
+        </p:blipFill>
+        <p:spPr>
+          <a:xfrm>
+            <a:off x="5046435" y="3991400"/>
+            <a:ext cx="355615" cy="355615"/>
+          </a:xfrm>
+          <a:prstGeom prst="rect">
+            <a:avLst/>
+          </a:prstGeom>
+        </p:spPr>
+      </p:pic>
+      <p:pic>
+        <p:nvPicPr>
+          <p:cNvPr id="83" name="그림 82" descr="텍스트이(가) 표시된 사진&#10;&#10;자동 생성된 설명">
+            <a:extLst>
+              <a:ext uri="{FF2B5EF4-FFF2-40B4-BE49-F238E27FC236}">
+                <a16:creationId xmlns:a16="http://schemas.microsoft.com/office/drawing/2014/main" id="{EB86605D-EF2C-4E68-AC0B-6F6BFA944D04}"/>
+              </a:ext>
+            </a:extLst>
+          </p:cNvPr>
+          <p:cNvPicPr>
+            <a:picLocks noChangeAspect="1"/>
+          </p:cNvPicPr>
+          <p:nvPr/>
+        </p:nvPicPr>
+        <p:blipFill>
+          <a:blip r:embed="rId6">
+            <a:extLst>
+              <a:ext uri="{28A0092B-C50C-407E-A947-70E740481C1C}">
+                <a14:useLocalDpi xmlns:a14="http://schemas.microsoft.com/office/drawing/2010/main" val="0"/>
+              </a:ext>
+            </a:extLst>
+          </a:blip>
+          <a:stretch>
+            <a:fillRect/>
+          </a:stretch>
+        </p:blipFill>
+        <p:spPr>
+          <a:xfrm>
+            <a:off x="2419287" y="3980761"/>
+            <a:ext cx="355615" cy="355615"/>
+          </a:xfrm>
+          <a:prstGeom prst="rect">
+            <a:avLst/>
+          </a:prstGeom>
+        </p:spPr>
+      </p:pic>
+      <p:pic>
+        <p:nvPicPr>
+          <p:cNvPr id="84" name="그래픽 83" descr="사용자 단색으로 채워진">
+            <a:extLst>
+              <a:ext uri="{FF2B5EF4-FFF2-40B4-BE49-F238E27FC236}">
+                <a16:creationId xmlns:a16="http://schemas.microsoft.com/office/drawing/2014/main" id="{A086F853-F53E-4AB2-8B4D-A35339284B96}"/>
+              </a:ext>
+            </a:extLst>
+          </p:cNvPr>
+          <p:cNvPicPr>
+            <a:picLocks noChangeAspect="1"/>
+          </p:cNvPicPr>
+          <p:nvPr/>
+        </p:nvPicPr>
+        <p:blipFill>
+          <a:blip r:embed="rId7">
+            <a:extLst>
+              <a:ext uri="{28A0092B-C50C-407E-A947-70E740481C1C}">
+                <a14:useLocalDpi xmlns:a14="http://schemas.microsoft.com/office/drawing/2010/main" val="0"/>
+              </a:ext>
+              <a:ext uri="{96DAC541-7B7A-43D3-8B79-37D633B846F1}">
+                <asvg:svgBlip xmlns:asvg="http://schemas.microsoft.com/office/drawing/2016/SVG/main" r:embed="rId8"/>
+              </a:ext>
+            </a:extLst>
+          </a:blip>
+          <a:stretch>
+            <a:fillRect/>
+          </a:stretch>
+        </p:blipFill>
+        <p:spPr>
+          <a:xfrm>
+            <a:off x="3602080" y="3790697"/>
+            <a:ext cx="481885" cy="481885"/>
+          </a:xfrm>
+          <a:prstGeom prst="rect">
+            <a:avLst/>
+          </a:prstGeom>
+        </p:spPr>
+      </p:pic>
+      <p:pic>
+        <p:nvPicPr>
+          <p:cNvPr id="85" name="그래픽 84" descr="사용자 단색으로 채워진">
+            <a:extLst>
+              <a:ext uri="{FF2B5EF4-FFF2-40B4-BE49-F238E27FC236}">
+                <a16:creationId xmlns:a16="http://schemas.microsoft.com/office/drawing/2014/main" id="{2EB229AB-1421-4996-9E41-1C6D5AB09E22}"/>
+              </a:ext>
+            </a:extLst>
+          </p:cNvPr>
+          <p:cNvPicPr>
+            <a:picLocks noChangeAspect="1"/>
+          </p:cNvPicPr>
+          <p:nvPr/>
+        </p:nvPicPr>
+        <p:blipFill>
+          <a:blip r:embed="rId7">
+            <a:extLst>
+              <a:ext uri="{28A0092B-C50C-407E-A947-70E740481C1C}">
+                <a14:useLocalDpi xmlns:a14="http://schemas.microsoft.com/office/drawing/2010/main" val="0"/>
+              </a:ext>
+              <a:ext uri="{96DAC541-7B7A-43D3-8B79-37D633B846F1}">
+                <asvg:svgBlip xmlns:asvg="http://schemas.microsoft.com/office/drawing/2016/SVG/main" r:embed="rId8"/>
+              </a:ext>
+            </a:extLst>
+          </a:blip>
+          <a:stretch>
+            <a:fillRect/>
+          </a:stretch>
+        </p:blipFill>
+        <p:spPr>
+          <a:xfrm rot="21338965">
+            <a:off x="3918627" y="4139368"/>
+            <a:ext cx="481885" cy="481885"/>
+          </a:xfrm>
+          <a:prstGeom prst="rect">
+            <a:avLst/>
+          </a:prstGeom>
+        </p:spPr>
+      </p:pic>
+      <p:pic>
+        <p:nvPicPr>
+          <p:cNvPr id="86" name="그래픽 85" descr="사용자 단색으로 채워진">
+            <a:extLst>
+              <a:ext uri="{FF2B5EF4-FFF2-40B4-BE49-F238E27FC236}">
+                <a16:creationId xmlns:a16="http://schemas.microsoft.com/office/drawing/2014/main" id="{6BF36942-9950-4FEF-AF34-98272CDC9B21}"/>
+              </a:ext>
+            </a:extLst>
+          </p:cNvPr>
+          <p:cNvPicPr>
+            <a:picLocks noChangeAspect="1"/>
+          </p:cNvPicPr>
+          <p:nvPr/>
+        </p:nvPicPr>
+        <p:blipFill>
+          <a:blip r:embed="rId7">
+            <a:extLst>
+              <a:ext uri="{28A0092B-C50C-407E-A947-70E740481C1C}">
+                <a14:useLocalDpi xmlns:a14="http://schemas.microsoft.com/office/drawing/2010/main" val="0"/>
+              </a:ext>
+              <a:ext uri="{96DAC541-7B7A-43D3-8B79-37D633B846F1}">
+                <asvg:svgBlip xmlns:asvg="http://schemas.microsoft.com/office/drawing/2016/SVG/main" r:embed="rId8"/>
+              </a:ext>
+            </a:extLst>
+          </a:blip>
+          <a:stretch>
+            <a:fillRect/>
+          </a:stretch>
+        </p:blipFill>
+        <p:spPr>
+          <a:xfrm>
+            <a:off x="3301405" y="4146312"/>
+            <a:ext cx="481885" cy="481885"/>
+          </a:xfrm>
+          <a:prstGeom prst="rect">
+            <a:avLst/>
+          </a:prstGeom>
+        </p:spPr>
+      </p:pic>
+    </p:spTree>
+    <p:extLst>
+      <p:ext uri="{BB962C8B-B14F-4D97-AF65-F5344CB8AC3E}">
+        <p14:creationId xmlns:p14="http://schemas.microsoft.com/office/powerpoint/2010/main" val="2552889122"/>
       </p:ext>
     </p:extLst>
   </p:cSld>
@@ -11516,7 +13036,7 @@
         <p:spPr>
           <a:xfrm>
             <a:off x="646546" y="255627"/>
-            <a:ext cx="4230254" cy="523220"/>
+            <a:ext cx="5700610" cy="523220"/>
           </a:xfrm>
           <a:prstGeom prst="rect">
             <a:avLst/>
@@ -11531,11 +13051,19 @@
           <a:p>
             <a:r>
               <a:rPr lang="ko-KR" altLang="en-US" sz="2800" b="1" dirty="0"/>
-              <a:t>게임 구조도 </a:t>
+              <a:t>게임 결과 창 </a:t>
             </a:r>
             <a:r>
               <a:rPr lang="en-US" altLang="ko-KR" sz="2800" b="1" dirty="0"/>
-              <a:t>( UI )</a:t>
+              <a:t>( </a:t>
+            </a:r>
+            <a:r>
+              <a:rPr lang="ko-KR" altLang="en-US" sz="2800" b="1" dirty="0"/>
+              <a:t>공통 결과 창</a:t>
+            </a:r>
+            <a:r>
+              <a:rPr lang="en-US" altLang="ko-KR" sz="2800" b="1" dirty="0"/>
+              <a:t> )</a:t>
             </a:r>
           </a:p>
         </p:txBody>
@@ -12866,6 +14394,4073 @@
     <p:extLst>
       <p:ext uri="{BB962C8B-B14F-4D97-AF65-F5344CB8AC3E}">
         <p14:creationId xmlns:p14="http://schemas.microsoft.com/office/powerpoint/2010/main" val="122669228"/>
+      </p:ext>
+    </p:extLst>
+  </p:cSld>
+  <p:clrMapOvr>
+    <a:masterClrMapping/>
+  </p:clrMapOvr>
+</p:sld>
+</file>
+
+<file path=ppt/slides/slide7.xml><?xml version="1.0" encoding="utf-8"?>
+<p:sld xmlns:a="http://schemas.openxmlformats.org/drawingml/2006/main" xmlns:r="http://schemas.openxmlformats.org/officeDocument/2006/relationships" xmlns:p="http://schemas.openxmlformats.org/presentationml/2006/main">
+  <p:cSld>
+    <p:spTree>
+      <p:nvGrpSpPr>
+        <p:cNvPr id="1" name=""/>
+        <p:cNvGrpSpPr/>
+        <p:nvPr/>
+      </p:nvGrpSpPr>
+      <p:grpSpPr>
+        <a:xfrm>
+          <a:off x="0" y="0"/>
+          <a:ext cx="0" cy="0"/>
+          <a:chOff x="0" y="0"/>
+          <a:chExt cx="0" cy="0"/>
+        </a:xfrm>
+      </p:grpSpPr>
+      <p:sp>
+        <p:nvSpPr>
+          <p:cNvPr id="12" name="사각형: 둥근 모서리 11">
+            <a:extLst>
+              <a:ext uri="{FF2B5EF4-FFF2-40B4-BE49-F238E27FC236}">
+                <a16:creationId xmlns:a16="http://schemas.microsoft.com/office/drawing/2014/main" id="{6CA48564-8D2A-41E2-9BC0-77500EB8993D}"/>
+              </a:ext>
+            </a:extLst>
+          </p:cNvPr>
+          <p:cNvSpPr/>
+          <p:nvPr/>
+        </p:nvSpPr>
+        <p:spPr>
+          <a:xfrm>
+            <a:off x="5240222" y="955480"/>
+            <a:ext cx="1579988" cy="523220"/>
+          </a:xfrm>
+          <a:prstGeom prst="roundRect">
+            <a:avLst/>
+          </a:prstGeom>
+          <a:solidFill>
+            <a:schemeClr val="accent4">
+              <a:lumMod val="40000"/>
+              <a:lumOff val="60000"/>
+            </a:schemeClr>
+          </a:solidFill>
+          <a:ln>
+            <a:noFill/>
+          </a:ln>
+        </p:spPr>
+        <p:style>
+          <a:lnRef idx="2">
+            <a:schemeClr val="accent1">
+              <a:shade val="50000"/>
+            </a:schemeClr>
+          </a:lnRef>
+          <a:fillRef idx="1">
+            <a:schemeClr val="accent1"/>
+          </a:fillRef>
+          <a:effectRef idx="0">
+            <a:schemeClr val="accent1"/>
+          </a:effectRef>
+          <a:fontRef idx="minor">
+            <a:schemeClr val="lt1"/>
+          </a:fontRef>
+        </p:style>
+        <p:txBody>
+          <a:bodyPr rtlCol="0" anchor="ctr"/>
+          <a:lstStyle/>
+          <a:p>
+            <a:pPr algn="ctr"/>
+            <a:endParaRPr lang="ko-KR" altLang="en-US"/>
+          </a:p>
+        </p:txBody>
+      </p:sp>
+      <p:sp>
+        <p:nvSpPr>
+          <p:cNvPr id="68" name="TextBox 67">
+            <a:extLst>
+              <a:ext uri="{FF2B5EF4-FFF2-40B4-BE49-F238E27FC236}">
+                <a16:creationId xmlns:a16="http://schemas.microsoft.com/office/drawing/2014/main" id="{12658D71-6CFE-4718-A222-A59F9BFD9DCA}"/>
+              </a:ext>
+            </a:extLst>
+          </p:cNvPr>
+          <p:cNvSpPr txBox="1"/>
+          <p:nvPr/>
+        </p:nvSpPr>
+        <p:spPr>
+          <a:xfrm>
+            <a:off x="206463" y="1037795"/>
+            <a:ext cx="199618" cy="400110"/>
+          </a:xfrm>
+          <a:prstGeom prst="rect">
+            <a:avLst/>
+          </a:prstGeom>
+          <a:noFill/>
+        </p:spPr>
+        <p:txBody>
+          <a:bodyPr wrap="square" rtlCol="0">
+            <a:spAutoFit/>
+          </a:bodyPr>
+          <a:lstStyle/>
+          <a:p>
+            <a:r>
+              <a:rPr lang="ko-KR" altLang="en-US" sz="2000" b="1" dirty="0"/>
+              <a:t>킬</a:t>
+            </a:r>
+            <a:endParaRPr lang="en-US" altLang="ko-KR" sz="2000" b="1" dirty="0"/>
+          </a:p>
+        </p:txBody>
+      </p:sp>
+      <p:sp>
+        <p:nvSpPr>
+          <p:cNvPr id="69" name="TextBox 68">
+            <a:extLst>
+              <a:ext uri="{FF2B5EF4-FFF2-40B4-BE49-F238E27FC236}">
+                <a16:creationId xmlns:a16="http://schemas.microsoft.com/office/drawing/2014/main" id="{A6DE0166-3F92-41E3-835F-6EA967B55752}"/>
+              </a:ext>
+            </a:extLst>
+          </p:cNvPr>
+          <p:cNvSpPr txBox="1"/>
+          <p:nvPr/>
+        </p:nvSpPr>
+        <p:spPr>
+          <a:xfrm>
+            <a:off x="853008" y="1048865"/>
+            <a:ext cx="2774268" cy="400110"/>
+          </a:xfrm>
+          <a:prstGeom prst="rect">
+            <a:avLst/>
+          </a:prstGeom>
+          <a:noFill/>
+        </p:spPr>
+        <p:txBody>
+          <a:bodyPr wrap="square">
+            <a:spAutoFit/>
+          </a:bodyPr>
+          <a:lstStyle/>
+          <a:p>
+            <a:r>
+              <a:rPr lang="ko-KR" altLang="en-US" sz="2000" b="1" dirty="0"/>
+              <a:t>회의 후 플레이어 배치</a:t>
+            </a:r>
+            <a:endParaRPr lang="en-US" altLang="ko-KR" sz="2000" b="1" dirty="0"/>
+          </a:p>
+        </p:txBody>
+      </p:sp>
+      <p:sp>
+        <p:nvSpPr>
+          <p:cNvPr id="70" name="TextBox 69">
+            <a:extLst>
+              <a:ext uri="{FF2B5EF4-FFF2-40B4-BE49-F238E27FC236}">
+                <a16:creationId xmlns:a16="http://schemas.microsoft.com/office/drawing/2014/main" id="{CEAB88A2-7ECB-4042-88AE-609A107595B0}"/>
+              </a:ext>
+            </a:extLst>
+          </p:cNvPr>
+          <p:cNvSpPr txBox="1"/>
+          <p:nvPr/>
+        </p:nvSpPr>
+        <p:spPr>
+          <a:xfrm>
+            <a:off x="3627276" y="1041926"/>
+            <a:ext cx="1550870" cy="400110"/>
+          </a:xfrm>
+          <a:prstGeom prst="rect">
+            <a:avLst/>
+          </a:prstGeom>
+          <a:noFill/>
+        </p:spPr>
+        <p:txBody>
+          <a:bodyPr wrap="square">
+            <a:spAutoFit/>
+          </a:bodyPr>
+          <a:lstStyle/>
+          <a:p>
+            <a:r>
+              <a:rPr lang="ko-KR" altLang="en-US" sz="2000" b="1" dirty="0"/>
+              <a:t>게임 구조도 </a:t>
+            </a:r>
+            <a:endParaRPr lang="ko-KR" altLang="en-US" sz="2000" dirty="0"/>
+          </a:p>
+        </p:txBody>
+      </p:sp>
+      <p:sp>
+        <p:nvSpPr>
+          <p:cNvPr id="72" name="직사각형 71">
+            <a:extLst>
+              <a:ext uri="{FF2B5EF4-FFF2-40B4-BE49-F238E27FC236}">
+                <a16:creationId xmlns:a16="http://schemas.microsoft.com/office/drawing/2014/main" id="{3E7A2C32-FFB4-460A-A3B1-F07114F8778D}"/>
+              </a:ext>
+            </a:extLst>
+          </p:cNvPr>
+          <p:cNvSpPr/>
+          <p:nvPr/>
+        </p:nvSpPr>
+        <p:spPr>
+          <a:xfrm>
+            <a:off x="746451" y="1054358"/>
+            <a:ext cx="45719" cy="400110"/>
+          </a:xfrm>
+          <a:prstGeom prst="rect">
+            <a:avLst/>
+          </a:prstGeom>
+          <a:solidFill>
+            <a:schemeClr val="tx1"/>
+          </a:solidFill>
+          <a:ln>
+            <a:noFill/>
+          </a:ln>
+        </p:spPr>
+        <p:style>
+          <a:lnRef idx="2">
+            <a:schemeClr val="accent1">
+              <a:shade val="50000"/>
+            </a:schemeClr>
+          </a:lnRef>
+          <a:fillRef idx="1">
+            <a:schemeClr val="accent1"/>
+          </a:fillRef>
+          <a:effectRef idx="0">
+            <a:schemeClr val="accent1"/>
+          </a:effectRef>
+          <a:fontRef idx="minor">
+            <a:schemeClr val="lt1"/>
+          </a:fontRef>
+        </p:style>
+        <p:txBody>
+          <a:bodyPr rtlCol="0" anchor="ctr"/>
+          <a:lstStyle/>
+          <a:p>
+            <a:pPr algn="ctr"/>
+            <a:endParaRPr lang="ko-KR" altLang="en-US"/>
+          </a:p>
+        </p:txBody>
+      </p:sp>
+      <p:sp>
+        <p:nvSpPr>
+          <p:cNvPr id="74" name="직사각형 73">
+            <a:extLst>
+              <a:ext uri="{FF2B5EF4-FFF2-40B4-BE49-F238E27FC236}">
+                <a16:creationId xmlns:a16="http://schemas.microsoft.com/office/drawing/2014/main" id="{A1F56697-C4DA-4F01-A9A0-9053F965A88D}"/>
+              </a:ext>
+            </a:extLst>
+          </p:cNvPr>
+          <p:cNvSpPr/>
+          <p:nvPr/>
+        </p:nvSpPr>
+        <p:spPr>
+          <a:xfrm>
+            <a:off x="3581557" y="1056727"/>
+            <a:ext cx="45719" cy="400110"/>
+          </a:xfrm>
+          <a:prstGeom prst="rect">
+            <a:avLst/>
+          </a:prstGeom>
+          <a:solidFill>
+            <a:schemeClr val="tx1"/>
+          </a:solidFill>
+          <a:ln>
+            <a:noFill/>
+          </a:ln>
+        </p:spPr>
+        <p:style>
+          <a:lnRef idx="2">
+            <a:schemeClr val="accent1">
+              <a:shade val="50000"/>
+            </a:schemeClr>
+          </a:lnRef>
+          <a:fillRef idx="1">
+            <a:schemeClr val="accent1"/>
+          </a:fillRef>
+          <a:effectRef idx="0">
+            <a:schemeClr val="accent1"/>
+          </a:effectRef>
+          <a:fontRef idx="minor">
+            <a:schemeClr val="lt1"/>
+          </a:fontRef>
+        </p:style>
+        <p:txBody>
+          <a:bodyPr rtlCol="0" anchor="ctr"/>
+          <a:lstStyle/>
+          <a:p>
+            <a:pPr algn="ctr"/>
+            <a:endParaRPr lang="ko-KR" altLang="en-US"/>
+          </a:p>
+        </p:txBody>
+      </p:sp>
+      <p:sp>
+        <p:nvSpPr>
+          <p:cNvPr id="4" name="직사각형 3">
+            <a:extLst>
+              <a:ext uri="{FF2B5EF4-FFF2-40B4-BE49-F238E27FC236}">
+                <a16:creationId xmlns:a16="http://schemas.microsoft.com/office/drawing/2014/main" id="{AE93FE2A-85FE-4157-951C-FC2FADBB3B34}"/>
+              </a:ext>
+            </a:extLst>
+          </p:cNvPr>
+          <p:cNvSpPr/>
+          <p:nvPr/>
+        </p:nvSpPr>
+        <p:spPr>
+          <a:xfrm>
+            <a:off x="0" y="0"/>
+            <a:ext cx="12192000" cy="1034474"/>
+          </a:xfrm>
+          <a:prstGeom prst="rect">
+            <a:avLst/>
+          </a:prstGeom>
+          <a:solidFill>
+            <a:schemeClr val="accent5">
+              <a:lumMod val="60000"/>
+              <a:lumOff val="40000"/>
+            </a:schemeClr>
+          </a:solidFill>
+        </p:spPr>
+        <p:style>
+          <a:lnRef idx="2">
+            <a:schemeClr val="accent1">
+              <a:shade val="50000"/>
+            </a:schemeClr>
+          </a:lnRef>
+          <a:fillRef idx="1">
+            <a:schemeClr val="accent1"/>
+          </a:fillRef>
+          <a:effectRef idx="0">
+            <a:schemeClr val="accent1"/>
+          </a:effectRef>
+          <a:fontRef idx="minor">
+            <a:schemeClr val="lt1"/>
+          </a:fontRef>
+        </p:style>
+        <p:txBody>
+          <a:bodyPr rtlCol="0" anchor="ctr"/>
+          <a:lstStyle/>
+          <a:p>
+            <a:pPr algn="ctr"/>
+            <a:endParaRPr lang="ko-KR" altLang="en-US" dirty="0"/>
+          </a:p>
+        </p:txBody>
+      </p:sp>
+      <p:sp>
+        <p:nvSpPr>
+          <p:cNvPr id="7" name="TextBox 6">
+            <a:extLst>
+              <a:ext uri="{FF2B5EF4-FFF2-40B4-BE49-F238E27FC236}">
+                <a16:creationId xmlns:a16="http://schemas.microsoft.com/office/drawing/2014/main" id="{982817C4-ACF4-45FB-A018-6E6F872691BC}"/>
+              </a:ext>
+            </a:extLst>
+          </p:cNvPr>
+          <p:cNvSpPr txBox="1"/>
+          <p:nvPr/>
+        </p:nvSpPr>
+        <p:spPr>
+          <a:xfrm>
+            <a:off x="646546" y="255627"/>
+            <a:ext cx="8562768" cy="523220"/>
+          </a:xfrm>
+          <a:prstGeom prst="rect">
+            <a:avLst/>
+          </a:prstGeom>
+          <a:noFill/>
+        </p:spPr>
+        <p:txBody>
+          <a:bodyPr wrap="square" rtlCol="0">
+            <a:spAutoFit/>
+          </a:bodyPr>
+          <a:lstStyle/>
+          <a:p>
+            <a:r>
+              <a:rPr lang="ko-KR" altLang="en-US" sz="2800" b="1" dirty="0"/>
+              <a:t>게임 결과 창 </a:t>
+            </a:r>
+            <a:r>
+              <a:rPr lang="en-US" altLang="ko-KR" sz="2800" b="1" dirty="0"/>
+              <a:t>( </a:t>
+            </a:r>
+            <a:r>
+              <a:rPr lang="ko-KR" altLang="en-US" sz="2800" b="1" dirty="0"/>
+              <a:t>납치자가 다 죽였을 때 결과 창 </a:t>
+            </a:r>
+            <a:r>
+              <a:rPr lang="en-US" altLang="ko-KR" sz="2800" b="1" dirty="0"/>
+              <a:t>)</a:t>
+            </a:r>
+          </a:p>
+        </p:txBody>
+      </p:sp>
+      <p:sp>
+        <p:nvSpPr>
+          <p:cNvPr id="10" name="직사각형 9">
+            <a:extLst>
+              <a:ext uri="{FF2B5EF4-FFF2-40B4-BE49-F238E27FC236}">
+                <a16:creationId xmlns:a16="http://schemas.microsoft.com/office/drawing/2014/main" id="{46A0F60D-0077-4149-B062-DBD9307E6FEA}"/>
+              </a:ext>
+            </a:extLst>
+          </p:cNvPr>
+          <p:cNvSpPr/>
+          <p:nvPr/>
+        </p:nvSpPr>
+        <p:spPr>
+          <a:xfrm>
+            <a:off x="5161545" y="1041173"/>
+            <a:ext cx="45719" cy="400110"/>
+          </a:xfrm>
+          <a:prstGeom prst="rect">
+            <a:avLst/>
+          </a:prstGeom>
+          <a:solidFill>
+            <a:schemeClr val="tx1"/>
+          </a:solidFill>
+          <a:ln>
+            <a:noFill/>
+          </a:ln>
+        </p:spPr>
+        <p:style>
+          <a:lnRef idx="2">
+            <a:schemeClr val="accent1">
+              <a:shade val="50000"/>
+            </a:schemeClr>
+          </a:lnRef>
+          <a:fillRef idx="1">
+            <a:schemeClr val="accent1"/>
+          </a:fillRef>
+          <a:effectRef idx="0">
+            <a:schemeClr val="accent1"/>
+          </a:effectRef>
+          <a:fontRef idx="minor">
+            <a:schemeClr val="lt1"/>
+          </a:fontRef>
+        </p:style>
+        <p:txBody>
+          <a:bodyPr rtlCol="0" anchor="ctr"/>
+          <a:lstStyle/>
+          <a:p>
+            <a:pPr algn="ctr"/>
+            <a:endParaRPr lang="ko-KR" altLang="en-US"/>
+          </a:p>
+        </p:txBody>
+      </p:sp>
+      <p:sp>
+        <p:nvSpPr>
+          <p:cNvPr id="11" name="TextBox 10">
+            <a:extLst>
+              <a:ext uri="{FF2B5EF4-FFF2-40B4-BE49-F238E27FC236}">
+                <a16:creationId xmlns:a16="http://schemas.microsoft.com/office/drawing/2014/main" id="{D3CFEE73-41B2-4270-8C30-853053249758}"/>
+              </a:ext>
+            </a:extLst>
+          </p:cNvPr>
+          <p:cNvSpPr txBox="1"/>
+          <p:nvPr/>
+        </p:nvSpPr>
+        <p:spPr>
+          <a:xfrm>
+            <a:off x="5207264" y="1054358"/>
+            <a:ext cx="1678530" cy="400110"/>
+          </a:xfrm>
+          <a:prstGeom prst="rect">
+            <a:avLst/>
+          </a:prstGeom>
+          <a:noFill/>
+        </p:spPr>
+        <p:txBody>
+          <a:bodyPr wrap="square">
+            <a:spAutoFit/>
+          </a:bodyPr>
+          <a:lstStyle/>
+          <a:p>
+            <a:r>
+              <a:rPr lang="ko-KR" altLang="en-US" sz="2000" b="1" dirty="0"/>
+              <a:t>게임 결과 창 </a:t>
+            </a:r>
+            <a:endParaRPr lang="ko-KR" altLang="en-US" sz="2000" dirty="0"/>
+          </a:p>
+        </p:txBody>
+      </p:sp>
+      <p:sp>
+        <p:nvSpPr>
+          <p:cNvPr id="14" name="사각형: 둥근 모서리 13">
+            <a:extLst>
+              <a:ext uri="{FF2B5EF4-FFF2-40B4-BE49-F238E27FC236}">
+                <a16:creationId xmlns:a16="http://schemas.microsoft.com/office/drawing/2014/main" id="{0AAF1AD4-E157-484B-9346-CB1804FD3DF3}"/>
+              </a:ext>
+            </a:extLst>
+          </p:cNvPr>
+          <p:cNvSpPr/>
+          <p:nvPr/>
+        </p:nvSpPr>
+        <p:spPr>
+          <a:xfrm rot="5400000">
+            <a:off x="2351283" y="169148"/>
+            <a:ext cx="3954079" cy="7874742"/>
+          </a:xfrm>
+          <a:prstGeom prst="roundRect">
+            <a:avLst/>
+          </a:prstGeom>
+          <a:noFill/>
+          <a:ln w="38100">
+            <a:solidFill>
+              <a:schemeClr val="tx1"/>
+            </a:solidFill>
+          </a:ln>
+        </p:spPr>
+        <p:style>
+          <a:lnRef idx="2">
+            <a:schemeClr val="accent1">
+              <a:shade val="50000"/>
+            </a:schemeClr>
+          </a:lnRef>
+          <a:fillRef idx="1">
+            <a:schemeClr val="accent1"/>
+          </a:fillRef>
+          <a:effectRef idx="0">
+            <a:schemeClr val="accent1"/>
+          </a:effectRef>
+          <a:fontRef idx="minor">
+            <a:schemeClr val="lt1"/>
+          </a:fontRef>
+        </p:style>
+        <p:txBody>
+          <a:bodyPr rtlCol="0" anchor="ctr"/>
+          <a:lstStyle/>
+          <a:p>
+            <a:pPr algn="ctr"/>
+            <a:endParaRPr lang="ko-KR" altLang="en-US" dirty="0"/>
+          </a:p>
+        </p:txBody>
+      </p:sp>
+      <p:pic>
+        <p:nvPicPr>
+          <p:cNvPr id="1028" name="Picture 4" descr="살인 사건 - 스톡일러스트 [41559464] - PIXTA">
+            <a:extLst>
+              <a:ext uri="{FF2B5EF4-FFF2-40B4-BE49-F238E27FC236}">
+                <a16:creationId xmlns:a16="http://schemas.microsoft.com/office/drawing/2014/main" id="{2FC76769-84F3-4249-96F6-C4634F7C3ADD}"/>
+              </a:ext>
+            </a:extLst>
+          </p:cNvPr>
+          <p:cNvPicPr>
+            <a:picLocks noChangeAspect="1" noChangeArrowheads="1"/>
+          </p:cNvPicPr>
+          <p:nvPr/>
+        </p:nvPicPr>
+        <p:blipFill>
+          <a:blip r:embed="rId3">
+            <a:extLst>
+              <a:ext uri="{BEBA8EAE-BF5A-486C-A8C5-ECC9F3942E4B}">
+                <a14:imgProps xmlns:a14="http://schemas.microsoft.com/office/drawing/2010/main">
+                  <a14:imgLayer r:embed="rId4">
+                    <a14:imgEffect>
+                      <a14:backgroundRemoval t="10000" b="90000" l="10000" r="90000"/>
+                    </a14:imgEffect>
+                  </a14:imgLayer>
+                </a14:imgProps>
+              </a:ext>
+              <a:ext uri="{28A0092B-C50C-407E-A947-70E740481C1C}">
+                <a14:useLocalDpi xmlns:a14="http://schemas.microsoft.com/office/drawing/2010/main" val="0"/>
+              </a:ext>
+            </a:extLst>
+          </a:blip>
+          <a:srcRect/>
+          <a:stretch>
+            <a:fillRect/>
+          </a:stretch>
+        </p:blipFill>
+        <p:spPr bwMode="auto">
+          <a:xfrm>
+            <a:off x="2622987" y="2919996"/>
+            <a:ext cx="3516085" cy="2705737"/>
+          </a:xfrm>
+          <a:prstGeom prst="rect">
+            <a:avLst/>
+          </a:prstGeom>
+          <a:noFill/>
+          <a:extLst>
+            <a:ext uri="{909E8E84-426E-40DD-AFC4-6F175D3DCCD1}">
+              <a14:hiddenFill xmlns:a14="http://schemas.microsoft.com/office/drawing/2010/main">
+                <a:solidFill>
+                  <a:srgbClr val="FFFFFF"/>
+                </a:solidFill>
+              </a14:hiddenFill>
+            </a:ext>
+          </a:extLst>
+        </p:spPr>
+      </p:pic>
+      <p:pic>
+        <p:nvPicPr>
+          <p:cNvPr id="49" name="Picture 4" descr="살인 사건 - 스톡일러스트 [41559464] - PIXTA">
+            <a:extLst>
+              <a:ext uri="{FF2B5EF4-FFF2-40B4-BE49-F238E27FC236}">
+                <a16:creationId xmlns:a16="http://schemas.microsoft.com/office/drawing/2014/main" id="{E4DDF074-E768-4AFE-8A3D-1B943AEBDB78}"/>
+              </a:ext>
+            </a:extLst>
+          </p:cNvPr>
+          <p:cNvPicPr>
+            <a:picLocks noChangeAspect="1" noChangeArrowheads="1"/>
+          </p:cNvPicPr>
+          <p:nvPr/>
+        </p:nvPicPr>
+        <p:blipFill>
+          <a:blip r:embed="rId3">
+            <a:extLst>
+              <a:ext uri="{BEBA8EAE-BF5A-486C-A8C5-ECC9F3942E4B}">
+                <a14:imgProps xmlns:a14="http://schemas.microsoft.com/office/drawing/2010/main">
+                  <a14:imgLayer r:embed="rId4">
+                    <a14:imgEffect>
+                      <a14:backgroundRemoval t="10000" b="90000" l="10000" r="90000"/>
+                    </a14:imgEffect>
+                  </a14:imgLayer>
+                </a14:imgProps>
+              </a:ext>
+              <a:ext uri="{28A0092B-C50C-407E-A947-70E740481C1C}">
+                <a14:useLocalDpi xmlns:a14="http://schemas.microsoft.com/office/drawing/2010/main" val="0"/>
+              </a:ext>
+            </a:extLst>
+          </a:blip>
+          <a:srcRect/>
+          <a:stretch>
+            <a:fillRect/>
+          </a:stretch>
+        </p:blipFill>
+        <p:spPr bwMode="auto">
+          <a:xfrm>
+            <a:off x="1166067" y="2846765"/>
+            <a:ext cx="2835426" cy="2181949"/>
+          </a:xfrm>
+          <a:prstGeom prst="rect">
+            <a:avLst/>
+          </a:prstGeom>
+          <a:noFill/>
+          <a:extLst>
+            <a:ext uri="{909E8E84-426E-40DD-AFC4-6F175D3DCCD1}">
+              <a14:hiddenFill xmlns:a14="http://schemas.microsoft.com/office/drawing/2010/main">
+                <a:solidFill>
+                  <a:srgbClr val="FFFFFF"/>
+                </a:solidFill>
+              </a14:hiddenFill>
+            </a:ext>
+          </a:extLst>
+        </p:spPr>
+      </p:pic>
+      <p:pic>
+        <p:nvPicPr>
+          <p:cNvPr id="50" name="Picture 4" descr="살인 사건 - 스톡일러스트 [41559464] - PIXTA">
+            <a:extLst>
+              <a:ext uri="{FF2B5EF4-FFF2-40B4-BE49-F238E27FC236}">
+                <a16:creationId xmlns:a16="http://schemas.microsoft.com/office/drawing/2014/main" id="{B56AB350-5871-469F-AA06-52F12A00CDC0}"/>
+              </a:ext>
+            </a:extLst>
+          </p:cNvPr>
+          <p:cNvPicPr>
+            <a:picLocks noChangeAspect="1" noChangeArrowheads="1"/>
+          </p:cNvPicPr>
+          <p:nvPr/>
+        </p:nvPicPr>
+        <p:blipFill>
+          <a:blip r:embed="rId3">
+            <a:extLst>
+              <a:ext uri="{BEBA8EAE-BF5A-486C-A8C5-ECC9F3942E4B}">
+                <a14:imgProps xmlns:a14="http://schemas.microsoft.com/office/drawing/2010/main">
+                  <a14:imgLayer r:embed="rId4">
+                    <a14:imgEffect>
+                      <a14:backgroundRemoval t="10000" b="90000" l="10000" r="90000"/>
+                    </a14:imgEffect>
+                  </a14:imgLayer>
+                </a14:imgProps>
+              </a:ext>
+              <a:ext uri="{28A0092B-C50C-407E-A947-70E740481C1C}">
+                <a14:useLocalDpi xmlns:a14="http://schemas.microsoft.com/office/drawing/2010/main" val="0"/>
+              </a:ext>
+            </a:extLst>
+          </a:blip>
+          <a:srcRect/>
+          <a:stretch>
+            <a:fillRect/>
+          </a:stretch>
+        </p:blipFill>
+        <p:spPr bwMode="auto">
+          <a:xfrm>
+            <a:off x="4926876" y="2919996"/>
+            <a:ext cx="2740263" cy="2108718"/>
+          </a:xfrm>
+          <a:prstGeom prst="rect">
+            <a:avLst/>
+          </a:prstGeom>
+          <a:noFill/>
+          <a:extLst>
+            <a:ext uri="{909E8E84-426E-40DD-AFC4-6F175D3DCCD1}">
+              <a14:hiddenFill xmlns:a14="http://schemas.microsoft.com/office/drawing/2010/main">
+                <a:solidFill>
+                  <a:srgbClr val="FFFFFF"/>
+                </a:solidFill>
+              </a14:hiddenFill>
+            </a:ext>
+          </a:extLst>
+        </p:spPr>
+      </p:pic>
+      <p:sp>
+        <p:nvSpPr>
+          <p:cNvPr id="3" name="직사각형 2">
+            <a:extLst>
+              <a:ext uri="{FF2B5EF4-FFF2-40B4-BE49-F238E27FC236}">
+                <a16:creationId xmlns:a16="http://schemas.microsoft.com/office/drawing/2014/main" id="{2C18C050-3297-43B0-B3DD-79AF0F21F07D}"/>
+              </a:ext>
+            </a:extLst>
+          </p:cNvPr>
+          <p:cNvSpPr/>
+          <p:nvPr/>
+        </p:nvSpPr>
+        <p:spPr>
+          <a:xfrm>
+            <a:off x="8518845" y="2748914"/>
+            <a:ext cx="3405674" cy="2715209"/>
+          </a:xfrm>
+          <a:prstGeom prst="rect">
+            <a:avLst/>
+          </a:prstGeom>
+          <a:solidFill>
+            <a:schemeClr val="bg1"/>
+          </a:solidFill>
+          <a:ln w="38100">
+            <a:solidFill>
+              <a:schemeClr val="tx1"/>
+            </a:solidFill>
+          </a:ln>
+        </p:spPr>
+        <p:style>
+          <a:lnRef idx="2">
+            <a:schemeClr val="accent1">
+              <a:shade val="50000"/>
+            </a:schemeClr>
+          </a:lnRef>
+          <a:fillRef idx="1">
+            <a:schemeClr val="accent1"/>
+          </a:fillRef>
+          <a:effectRef idx="0">
+            <a:schemeClr val="accent1"/>
+          </a:effectRef>
+          <a:fontRef idx="minor">
+            <a:schemeClr val="lt1"/>
+          </a:fontRef>
+        </p:style>
+        <p:txBody>
+          <a:bodyPr rtlCol="0" anchor="ctr"/>
+          <a:lstStyle/>
+          <a:p>
+            <a:pPr marL="285750" indent="-285750" algn="ctr">
+              <a:buFontTx/>
+              <a:buChar char="-"/>
+            </a:pPr>
+            <a:r>
+              <a:rPr lang="ko-KR" altLang="en-US" sz="1600" b="1" dirty="0">
+                <a:solidFill>
+                  <a:schemeClr val="tx1"/>
+                </a:solidFill>
+              </a:rPr>
+              <a:t>검은 화면에서 총소리 또는 </a:t>
+            </a:r>
+            <a:br>
+              <a:rPr lang="en-US" altLang="ko-KR" sz="1600" b="1" dirty="0">
+                <a:solidFill>
+                  <a:schemeClr val="tx1"/>
+                </a:solidFill>
+              </a:rPr>
+            </a:br>
+            <a:r>
+              <a:rPr lang="ko-KR" altLang="en-US" sz="1600" b="1" dirty="0">
+                <a:solidFill>
+                  <a:schemeClr val="tx1"/>
+                </a:solidFill>
+              </a:rPr>
+              <a:t>칼 찔리는 소리가 난 후 캐릭터 모양은 아니지만 </a:t>
+            </a:r>
+            <a:r>
+              <a:rPr lang="en-US" altLang="ko-KR" sz="1600" b="1" dirty="0">
+                <a:solidFill>
+                  <a:schemeClr val="tx1"/>
+                </a:solidFill>
+              </a:rPr>
+              <a:t>3</a:t>
+            </a:r>
+            <a:r>
+              <a:rPr lang="ko-KR" altLang="en-US" sz="1600" b="1" dirty="0">
+                <a:solidFill>
+                  <a:schemeClr val="tx1"/>
+                </a:solidFill>
+              </a:rPr>
+              <a:t>개의 사람 </a:t>
+            </a:r>
+            <a:br>
+              <a:rPr lang="en-US" altLang="ko-KR" sz="1600" b="1" dirty="0">
+                <a:solidFill>
+                  <a:schemeClr val="tx1"/>
+                </a:solidFill>
+              </a:rPr>
+            </a:br>
+            <a:r>
+              <a:rPr lang="ko-KR" altLang="en-US" sz="1600" b="1" dirty="0">
+                <a:solidFill>
+                  <a:schemeClr val="tx1"/>
+                </a:solidFill>
+              </a:rPr>
+              <a:t>모양의 아이콘이 죽어 있으며 </a:t>
+            </a:r>
+            <a:br>
+              <a:rPr lang="en-US" altLang="ko-KR" sz="1600" b="1" dirty="0">
+                <a:solidFill>
+                  <a:schemeClr val="tx1"/>
+                </a:solidFill>
+              </a:rPr>
+            </a:br>
+            <a:r>
+              <a:rPr lang="ko-KR" altLang="en-US" sz="1600" b="1" dirty="0">
+                <a:solidFill>
+                  <a:schemeClr val="tx1"/>
+                </a:solidFill>
+              </a:rPr>
+              <a:t>다시 검은 화면으로 바뀜</a:t>
+            </a:r>
+            <a:r>
+              <a:rPr lang="en-US" altLang="ko-KR" sz="1600" b="1" dirty="0">
+                <a:solidFill>
+                  <a:schemeClr val="tx1"/>
+                </a:solidFill>
+              </a:rPr>
+              <a:t>.</a:t>
+            </a:r>
+          </a:p>
+          <a:p>
+            <a:pPr algn="ctr"/>
+            <a:endParaRPr lang="en-US" altLang="ko-KR" sz="1600" b="1" dirty="0">
+              <a:solidFill>
+                <a:schemeClr val="tx1"/>
+              </a:solidFill>
+            </a:endParaRPr>
+          </a:p>
+          <a:p>
+            <a:pPr algn="ctr"/>
+            <a:r>
+              <a:rPr lang="en-US" altLang="ko-KR" sz="1600" b="1" dirty="0">
+                <a:solidFill>
+                  <a:schemeClr val="tx1"/>
+                </a:solidFill>
+              </a:rPr>
+              <a:t>- </a:t>
+            </a:r>
+            <a:r>
+              <a:rPr lang="ko-KR" altLang="en-US" sz="1600" b="1" dirty="0">
+                <a:solidFill>
+                  <a:schemeClr val="tx1"/>
+                </a:solidFill>
+              </a:rPr>
+              <a:t>이 후에 공통 결과창으로 </a:t>
+            </a:r>
+            <a:br>
+              <a:rPr lang="en-US" altLang="ko-KR" sz="1600" b="1" dirty="0">
+                <a:solidFill>
+                  <a:schemeClr val="tx1"/>
+                </a:solidFill>
+              </a:rPr>
+            </a:br>
+            <a:r>
+              <a:rPr lang="ko-KR" altLang="en-US" sz="1600" b="1" dirty="0">
+                <a:solidFill>
+                  <a:schemeClr val="tx1"/>
+                </a:solidFill>
+              </a:rPr>
+              <a:t>넘어간다</a:t>
+            </a:r>
+            <a:r>
+              <a:rPr lang="en-US" altLang="ko-KR" sz="1600" b="1" dirty="0">
+                <a:solidFill>
+                  <a:schemeClr val="tx1"/>
+                </a:solidFill>
+              </a:rPr>
+              <a:t>.</a:t>
+            </a:r>
+            <a:endParaRPr lang="ko-KR" altLang="en-US" sz="1600" b="1" dirty="0">
+              <a:solidFill>
+                <a:schemeClr val="tx1"/>
+              </a:solidFill>
+            </a:endParaRPr>
+          </a:p>
+        </p:txBody>
+      </p:sp>
+    </p:spTree>
+    <p:extLst>
+      <p:ext uri="{BB962C8B-B14F-4D97-AF65-F5344CB8AC3E}">
+        <p14:creationId xmlns:p14="http://schemas.microsoft.com/office/powerpoint/2010/main" val="1833258639"/>
+      </p:ext>
+    </p:extLst>
+  </p:cSld>
+  <p:clrMapOvr>
+    <a:masterClrMapping/>
+  </p:clrMapOvr>
+</p:sld>
+</file>
+
+<file path=ppt/slides/slide8.xml><?xml version="1.0" encoding="utf-8"?>
+<p:sld xmlns:a="http://schemas.openxmlformats.org/drawingml/2006/main" xmlns:r="http://schemas.openxmlformats.org/officeDocument/2006/relationships" xmlns:p="http://schemas.openxmlformats.org/presentationml/2006/main">
+  <p:cSld>
+    <p:spTree>
+      <p:nvGrpSpPr>
+        <p:cNvPr id="1" name=""/>
+        <p:cNvGrpSpPr/>
+        <p:nvPr/>
+      </p:nvGrpSpPr>
+      <p:grpSpPr>
+        <a:xfrm>
+          <a:off x="0" y="0"/>
+          <a:ext cx="0" cy="0"/>
+          <a:chOff x="0" y="0"/>
+          <a:chExt cx="0" cy="0"/>
+        </a:xfrm>
+      </p:grpSpPr>
+      <p:sp>
+        <p:nvSpPr>
+          <p:cNvPr id="12" name="사각형: 둥근 모서리 11">
+            <a:extLst>
+              <a:ext uri="{FF2B5EF4-FFF2-40B4-BE49-F238E27FC236}">
+                <a16:creationId xmlns:a16="http://schemas.microsoft.com/office/drawing/2014/main" id="{6CA48564-8D2A-41E2-9BC0-77500EB8993D}"/>
+              </a:ext>
+            </a:extLst>
+          </p:cNvPr>
+          <p:cNvSpPr/>
+          <p:nvPr/>
+        </p:nvSpPr>
+        <p:spPr>
+          <a:xfrm>
+            <a:off x="5240222" y="955480"/>
+            <a:ext cx="1579988" cy="523220"/>
+          </a:xfrm>
+          <a:prstGeom prst="roundRect">
+            <a:avLst/>
+          </a:prstGeom>
+          <a:solidFill>
+            <a:schemeClr val="accent4">
+              <a:lumMod val="40000"/>
+              <a:lumOff val="60000"/>
+            </a:schemeClr>
+          </a:solidFill>
+          <a:ln>
+            <a:noFill/>
+          </a:ln>
+        </p:spPr>
+        <p:style>
+          <a:lnRef idx="2">
+            <a:schemeClr val="accent1">
+              <a:shade val="50000"/>
+            </a:schemeClr>
+          </a:lnRef>
+          <a:fillRef idx="1">
+            <a:schemeClr val="accent1"/>
+          </a:fillRef>
+          <a:effectRef idx="0">
+            <a:schemeClr val="accent1"/>
+          </a:effectRef>
+          <a:fontRef idx="minor">
+            <a:schemeClr val="lt1"/>
+          </a:fontRef>
+        </p:style>
+        <p:txBody>
+          <a:bodyPr rtlCol="0" anchor="ctr"/>
+          <a:lstStyle/>
+          <a:p>
+            <a:pPr algn="ctr"/>
+            <a:endParaRPr lang="ko-KR" altLang="en-US"/>
+          </a:p>
+        </p:txBody>
+      </p:sp>
+      <p:sp>
+        <p:nvSpPr>
+          <p:cNvPr id="68" name="TextBox 67">
+            <a:extLst>
+              <a:ext uri="{FF2B5EF4-FFF2-40B4-BE49-F238E27FC236}">
+                <a16:creationId xmlns:a16="http://schemas.microsoft.com/office/drawing/2014/main" id="{12658D71-6CFE-4718-A222-A59F9BFD9DCA}"/>
+              </a:ext>
+            </a:extLst>
+          </p:cNvPr>
+          <p:cNvSpPr txBox="1"/>
+          <p:nvPr/>
+        </p:nvSpPr>
+        <p:spPr>
+          <a:xfrm>
+            <a:off x="206463" y="1037795"/>
+            <a:ext cx="199618" cy="400110"/>
+          </a:xfrm>
+          <a:prstGeom prst="rect">
+            <a:avLst/>
+          </a:prstGeom>
+          <a:noFill/>
+        </p:spPr>
+        <p:txBody>
+          <a:bodyPr wrap="square" rtlCol="0">
+            <a:spAutoFit/>
+          </a:bodyPr>
+          <a:lstStyle/>
+          <a:p>
+            <a:r>
+              <a:rPr lang="ko-KR" altLang="en-US" sz="2000" b="1" dirty="0"/>
+              <a:t>킬</a:t>
+            </a:r>
+            <a:endParaRPr lang="en-US" altLang="ko-KR" sz="2000" b="1" dirty="0"/>
+          </a:p>
+        </p:txBody>
+      </p:sp>
+      <p:sp>
+        <p:nvSpPr>
+          <p:cNvPr id="69" name="TextBox 68">
+            <a:extLst>
+              <a:ext uri="{FF2B5EF4-FFF2-40B4-BE49-F238E27FC236}">
+                <a16:creationId xmlns:a16="http://schemas.microsoft.com/office/drawing/2014/main" id="{A6DE0166-3F92-41E3-835F-6EA967B55752}"/>
+              </a:ext>
+            </a:extLst>
+          </p:cNvPr>
+          <p:cNvSpPr txBox="1"/>
+          <p:nvPr/>
+        </p:nvSpPr>
+        <p:spPr>
+          <a:xfrm>
+            <a:off x="853008" y="1048865"/>
+            <a:ext cx="2774268" cy="400110"/>
+          </a:xfrm>
+          <a:prstGeom prst="rect">
+            <a:avLst/>
+          </a:prstGeom>
+          <a:noFill/>
+        </p:spPr>
+        <p:txBody>
+          <a:bodyPr wrap="square">
+            <a:spAutoFit/>
+          </a:bodyPr>
+          <a:lstStyle/>
+          <a:p>
+            <a:r>
+              <a:rPr lang="ko-KR" altLang="en-US" sz="2000" b="1" dirty="0"/>
+              <a:t>회의 후 플레이어 배치</a:t>
+            </a:r>
+            <a:endParaRPr lang="en-US" altLang="ko-KR" sz="2000" b="1" dirty="0"/>
+          </a:p>
+        </p:txBody>
+      </p:sp>
+      <p:sp>
+        <p:nvSpPr>
+          <p:cNvPr id="70" name="TextBox 69">
+            <a:extLst>
+              <a:ext uri="{FF2B5EF4-FFF2-40B4-BE49-F238E27FC236}">
+                <a16:creationId xmlns:a16="http://schemas.microsoft.com/office/drawing/2014/main" id="{CEAB88A2-7ECB-4042-88AE-609A107595B0}"/>
+              </a:ext>
+            </a:extLst>
+          </p:cNvPr>
+          <p:cNvSpPr txBox="1"/>
+          <p:nvPr/>
+        </p:nvSpPr>
+        <p:spPr>
+          <a:xfrm>
+            <a:off x="3627276" y="1041926"/>
+            <a:ext cx="1550870" cy="400110"/>
+          </a:xfrm>
+          <a:prstGeom prst="rect">
+            <a:avLst/>
+          </a:prstGeom>
+          <a:noFill/>
+        </p:spPr>
+        <p:txBody>
+          <a:bodyPr wrap="square">
+            <a:spAutoFit/>
+          </a:bodyPr>
+          <a:lstStyle/>
+          <a:p>
+            <a:r>
+              <a:rPr lang="ko-KR" altLang="en-US" sz="2000" b="1" dirty="0"/>
+              <a:t>게임 구조도 </a:t>
+            </a:r>
+            <a:endParaRPr lang="ko-KR" altLang="en-US" sz="2000" dirty="0"/>
+          </a:p>
+        </p:txBody>
+      </p:sp>
+      <p:sp>
+        <p:nvSpPr>
+          <p:cNvPr id="72" name="직사각형 71">
+            <a:extLst>
+              <a:ext uri="{FF2B5EF4-FFF2-40B4-BE49-F238E27FC236}">
+                <a16:creationId xmlns:a16="http://schemas.microsoft.com/office/drawing/2014/main" id="{3E7A2C32-FFB4-460A-A3B1-F07114F8778D}"/>
+              </a:ext>
+            </a:extLst>
+          </p:cNvPr>
+          <p:cNvSpPr/>
+          <p:nvPr/>
+        </p:nvSpPr>
+        <p:spPr>
+          <a:xfrm>
+            <a:off x="746451" y="1054358"/>
+            <a:ext cx="45719" cy="400110"/>
+          </a:xfrm>
+          <a:prstGeom prst="rect">
+            <a:avLst/>
+          </a:prstGeom>
+          <a:solidFill>
+            <a:schemeClr val="tx1"/>
+          </a:solidFill>
+          <a:ln>
+            <a:noFill/>
+          </a:ln>
+        </p:spPr>
+        <p:style>
+          <a:lnRef idx="2">
+            <a:schemeClr val="accent1">
+              <a:shade val="50000"/>
+            </a:schemeClr>
+          </a:lnRef>
+          <a:fillRef idx="1">
+            <a:schemeClr val="accent1"/>
+          </a:fillRef>
+          <a:effectRef idx="0">
+            <a:schemeClr val="accent1"/>
+          </a:effectRef>
+          <a:fontRef idx="minor">
+            <a:schemeClr val="lt1"/>
+          </a:fontRef>
+        </p:style>
+        <p:txBody>
+          <a:bodyPr rtlCol="0" anchor="ctr"/>
+          <a:lstStyle/>
+          <a:p>
+            <a:pPr algn="ctr"/>
+            <a:endParaRPr lang="ko-KR" altLang="en-US"/>
+          </a:p>
+        </p:txBody>
+      </p:sp>
+      <p:sp>
+        <p:nvSpPr>
+          <p:cNvPr id="74" name="직사각형 73">
+            <a:extLst>
+              <a:ext uri="{FF2B5EF4-FFF2-40B4-BE49-F238E27FC236}">
+                <a16:creationId xmlns:a16="http://schemas.microsoft.com/office/drawing/2014/main" id="{A1F56697-C4DA-4F01-A9A0-9053F965A88D}"/>
+              </a:ext>
+            </a:extLst>
+          </p:cNvPr>
+          <p:cNvSpPr/>
+          <p:nvPr/>
+        </p:nvSpPr>
+        <p:spPr>
+          <a:xfrm>
+            <a:off x="3581557" y="1056727"/>
+            <a:ext cx="45719" cy="400110"/>
+          </a:xfrm>
+          <a:prstGeom prst="rect">
+            <a:avLst/>
+          </a:prstGeom>
+          <a:solidFill>
+            <a:schemeClr val="tx1"/>
+          </a:solidFill>
+          <a:ln>
+            <a:noFill/>
+          </a:ln>
+        </p:spPr>
+        <p:style>
+          <a:lnRef idx="2">
+            <a:schemeClr val="accent1">
+              <a:shade val="50000"/>
+            </a:schemeClr>
+          </a:lnRef>
+          <a:fillRef idx="1">
+            <a:schemeClr val="accent1"/>
+          </a:fillRef>
+          <a:effectRef idx="0">
+            <a:schemeClr val="accent1"/>
+          </a:effectRef>
+          <a:fontRef idx="minor">
+            <a:schemeClr val="lt1"/>
+          </a:fontRef>
+        </p:style>
+        <p:txBody>
+          <a:bodyPr rtlCol="0" anchor="ctr"/>
+          <a:lstStyle/>
+          <a:p>
+            <a:pPr algn="ctr"/>
+            <a:endParaRPr lang="ko-KR" altLang="en-US"/>
+          </a:p>
+        </p:txBody>
+      </p:sp>
+      <p:sp>
+        <p:nvSpPr>
+          <p:cNvPr id="4" name="직사각형 3">
+            <a:extLst>
+              <a:ext uri="{FF2B5EF4-FFF2-40B4-BE49-F238E27FC236}">
+                <a16:creationId xmlns:a16="http://schemas.microsoft.com/office/drawing/2014/main" id="{AE93FE2A-85FE-4157-951C-FC2FADBB3B34}"/>
+              </a:ext>
+            </a:extLst>
+          </p:cNvPr>
+          <p:cNvSpPr/>
+          <p:nvPr/>
+        </p:nvSpPr>
+        <p:spPr>
+          <a:xfrm>
+            <a:off x="0" y="0"/>
+            <a:ext cx="12192000" cy="1034474"/>
+          </a:xfrm>
+          <a:prstGeom prst="rect">
+            <a:avLst/>
+          </a:prstGeom>
+          <a:solidFill>
+            <a:schemeClr val="accent5">
+              <a:lumMod val="60000"/>
+              <a:lumOff val="40000"/>
+            </a:schemeClr>
+          </a:solidFill>
+        </p:spPr>
+        <p:style>
+          <a:lnRef idx="2">
+            <a:schemeClr val="accent1">
+              <a:shade val="50000"/>
+            </a:schemeClr>
+          </a:lnRef>
+          <a:fillRef idx="1">
+            <a:schemeClr val="accent1"/>
+          </a:fillRef>
+          <a:effectRef idx="0">
+            <a:schemeClr val="accent1"/>
+          </a:effectRef>
+          <a:fontRef idx="minor">
+            <a:schemeClr val="lt1"/>
+          </a:fontRef>
+        </p:style>
+        <p:txBody>
+          <a:bodyPr rtlCol="0" anchor="ctr"/>
+          <a:lstStyle/>
+          <a:p>
+            <a:pPr algn="ctr"/>
+            <a:endParaRPr lang="ko-KR" altLang="en-US" dirty="0"/>
+          </a:p>
+        </p:txBody>
+      </p:sp>
+      <p:sp>
+        <p:nvSpPr>
+          <p:cNvPr id="7" name="TextBox 6">
+            <a:extLst>
+              <a:ext uri="{FF2B5EF4-FFF2-40B4-BE49-F238E27FC236}">
+                <a16:creationId xmlns:a16="http://schemas.microsoft.com/office/drawing/2014/main" id="{982817C4-ACF4-45FB-A018-6E6F872691BC}"/>
+              </a:ext>
+            </a:extLst>
+          </p:cNvPr>
+          <p:cNvSpPr txBox="1"/>
+          <p:nvPr/>
+        </p:nvSpPr>
+        <p:spPr>
+          <a:xfrm>
+            <a:off x="646546" y="255627"/>
+            <a:ext cx="9411854" cy="523220"/>
+          </a:xfrm>
+          <a:prstGeom prst="rect">
+            <a:avLst/>
+          </a:prstGeom>
+          <a:noFill/>
+        </p:spPr>
+        <p:txBody>
+          <a:bodyPr wrap="square" rtlCol="0">
+            <a:spAutoFit/>
+          </a:bodyPr>
+          <a:lstStyle/>
+          <a:p>
+            <a:r>
+              <a:rPr lang="ko-KR" altLang="en-US" sz="2800" b="1" dirty="0"/>
+              <a:t>게임 결과 창 </a:t>
+            </a:r>
+            <a:r>
+              <a:rPr lang="en-US" altLang="ko-KR" sz="2800" b="1" dirty="0"/>
+              <a:t>( </a:t>
+            </a:r>
+            <a:r>
+              <a:rPr lang="ko-KR" altLang="en-US" sz="2800" b="1" dirty="0"/>
+              <a:t>납치자가 마지막에 살아서 배에 탔을 경우 </a:t>
+            </a:r>
+            <a:r>
+              <a:rPr lang="en-US" altLang="ko-KR" sz="2800" b="1" dirty="0"/>
+              <a:t>)</a:t>
+            </a:r>
+          </a:p>
+        </p:txBody>
+      </p:sp>
+      <p:sp>
+        <p:nvSpPr>
+          <p:cNvPr id="10" name="직사각형 9">
+            <a:extLst>
+              <a:ext uri="{FF2B5EF4-FFF2-40B4-BE49-F238E27FC236}">
+                <a16:creationId xmlns:a16="http://schemas.microsoft.com/office/drawing/2014/main" id="{46A0F60D-0077-4149-B062-DBD9307E6FEA}"/>
+              </a:ext>
+            </a:extLst>
+          </p:cNvPr>
+          <p:cNvSpPr/>
+          <p:nvPr/>
+        </p:nvSpPr>
+        <p:spPr>
+          <a:xfrm>
+            <a:off x="5161545" y="1041173"/>
+            <a:ext cx="45719" cy="400110"/>
+          </a:xfrm>
+          <a:prstGeom prst="rect">
+            <a:avLst/>
+          </a:prstGeom>
+          <a:solidFill>
+            <a:schemeClr val="tx1"/>
+          </a:solidFill>
+          <a:ln>
+            <a:noFill/>
+          </a:ln>
+        </p:spPr>
+        <p:style>
+          <a:lnRef idx="2">
+            <a:schemeClr val="accent1">
+              <a:shade val="50000"/>
+            </a:schemeClr>
+          </a:lnRef>
+          <a:fillRef idx="1">
+            <a:schemeClr val="accent1"/>
+          </a:fillRef>
+          <a:effectRef idx="0">
+            <a:schemeClr val="accent1"/>
+          </a:effectRef>
+          <a:fontRef idx="minor">
+            <a:schemeClr val="lt1"/>
+          </a:fontRef>
+        </p:style>
+        <p:txBody>
+          <a:bodyPr rtlCol="0" anchor="ctr"/>
+          <a:lstStyle/>
+          <a:p>
+            <a:pPr algn="ctr"/>
+            <a:endParaRPr lang="ko-KR" altLang="en-US"/>
+          </a:p>
+        </p:txBody>
+      </p:sp>
+      <p:sp>
+        <p:nvSpPr>
+          <p:cNvPr id="11" name="TextBox 10">
+            <a:extLst>
+              <a:ext uri="{FF2B5EF4-FFF2-40B4-BE49-F238E27FC236}">
+                <a16:creationId xmlns:a16="http://schemas.microsoft.com/office/drawing/2014/main" id="{D3CFEE73-41B2-4270-8C30-853053249758}"/>
+              </a:ext>
+            </a:extLst>
+          </p:cNvPr>
+          <p:cNvSpPr txBox="1"/>
+          <p:nvPr/>
+        </p:nvSpPr>
+        <p:spPr>
+          <a:xfrm>
+            <a:off x="5207264" y="1054358"/>
+            <a:ext cx="1678530" cy="400110"/>
+          </a:xfrm>
+          <a:prstGeom prst="rect">
+            <a:avLst/>
+          </a:prstGeom>
+          <a:noFill/>
+        </p:spPr>
+        <p:txBody>
+          <a:bodyPr wrap="square">
+            <a:spAutoFit/>
+          </a:bodyPr>
+          <a:lstStyle/>
+          <a:p>
+            <a:r>
+              <a:rPr lang="ko-KR" altLang="en-US" sz="2000" b="1" dirty="0"/>
+              <a:t>게임 결과 창 </a:t>
+            </a:r>
+            <a:endParaRPr lang="ko-KR" altLang="en-US" sz="2000" dirty="0"/>
+          </a:p>
+        </p:txBody>
+      </p:sp>
+      <p:sp>
+        <p:nvSpPr>
+          <p:cNvPr id="14" name="사각형: 둥근 모서리 13">
+            <a:extLst>
+              <a:ext uri="{FF2B5EF4-FFF2-40B4-BE49-F238E27FC236}">
+                <a16:creationId xmlns:a16="http://schemas.microsoft.com/office/drawing/2014/main" id="{0AAF1AD4-E157-484B-9346-CB1804FD3DF3}"/>
+              </a:ext>
+            </a:extLst>
+          </p:cNvPr>
+          <p:cNvSpPr/>
+          <p:nvPr/>
+        </p:nvSpPr>
+        <p:spPr>
+          <a:xfrm rot="5400000">
+            <a:off x="2351283" y="169148"/>
+            <a:ext cx="3954079" cy="7874742"/>
+          </a:xfrm>
+          <a:prstGeom prst="roundRect">
+            <a:avLst/>
+          </a:prstGeom>
+          <a:noFill/>
+          <a:ln w="38100">
+            <a:solidFill>
+              <a:schemeClr val="tx1"/>
+            </a:solidFill>
+          </a:ln>
+        </p:spPr>
+        <p:style>
+          <a:lnRef idx="2">
+            <a:schemeClr val="accent1">
+              <a:shade val="50000"/>
+            </a:schemeClr>
+          </a:lnRef>
+          <a:fillRef idx="1">
+            <a:schemeClr val="accent1"/>
+          </a:fillRef>
+          <a:effectRef idx="0">
+            <a:schemeClr val="accent1"/>
+          </a:effectRef>
+          <a:fontRef idx="minor">
+            <a:schemeClr val="lt1"/>
+          </a:fontRef>
+        </p:style>
+        <p:txBody>
+          <a:bodyPr rtlCol="0" anchor="ctr"/>
+          <a:lstStyle/>
+          <a:p>
+            <a:pPr algn="ctr"/>
+            <a:endParaRPr lang="ko-KR" altLang="en-US" dirty="0"/>
+          </a:p>
+        </p:txBody>
+      </p:sp>
+      <p:sp>
+        <p:nvSpPr>
+          <p:cNvPr id="3" name="직사각형 2">
+            <a:extLst>
+              <a:ext uri="{FF2B5EF4-FFF2-40B4-BE49-F238E27FC236}">
+                <a16:creationId xmlns:a16="http://schemas.microsoft.com/office/drawing/2014/main" id="{2C18C050-3297-43B0-B3DD-79AF0F21F07D}"/>
+              </a:ext>
+            </a:extLst>
+          </p:cNvPr>
+          <p:cNvSpPr/>
+          <p:nvPr/>
+        </p:nvSpPr>
+        <p:spPr>
+          <a:xfrm>
+            <a:off x="8518845" y="2748914"/>
+            <a:ext cx="3405674" cy="2715209"/>
+          </a:xfrm>
+          <a:prstGeom prst="rect">
+            <a:avLst/>
+          </a:prstGeom>
+          <a:solidFill>
+            <a:schemeClr val="bg1"/>
+          </a:solidFill>
+          <a:ln w="38100">
+            <a:solidFill>
+              <a:schemeClr val="tx1"/>
+            </a:solidFill>
+          </a:ln>
+        </p:spPr>
+        <p:style>
+          <a:lnRef idx="2">
+            <a:schemeClr val="accent1">
+              <a:shade val="50000"/>
+            </a:schemeClr>
+          </a:lnRef>
+          <a:fillRef idx="1">
+            <a:schemeClr val="accent1"/>
+          </a:fillRef>
+          <a:effectRef idx="0">
+            <a:schemeClr val="accent1"/>
+          </a:effectRef>
+          <a:fontRef idx="minor">
+            <a:schemeClr val="lt1"/>
+          </a:fontRef>
+        </p:style>
+        <p:txBody>
+          <a:bodyPr rtlCol="0" anchor="ctr"/>
+          <a:lstStyle/>
+          <a:p>
+            <a:pPr marL="285750" indent="-285750" algn="ctr">
+              <a:buFontTx/>
+              <a:buChar char="-"/>
+            </a:pPr>
+            <a:r>
+              <a:rPr lang="ko-KR" altLang="en-US" sz="1600" b="1" dirty="0">
+                <a:solidFill>
+                  <a:schemeClr val="tx1"/>
+                </a:solidFill>
+              </a:rPr>
+              <a:t>마지막에 배에 납치자가 탔을 경우 납치자가 배를 타고 가다가 일반 시민들을 바다에 던져버리고 그냥 출발한다</a:t>
+            </a:r>
+            <a:r>
+              <a:rPr lang="en-US" altLang="ko-KR" sz="1600" b="1" dirty="0">
+                <a:solidFill>
+                  <a:schemeClr val="tx1"/>
+                </a:solidFill>
+              </a:rPr>
+              <a:t>.</a:t>
+            </a:r>
+          </a:p>
+          <a:p>
+            <a:pPr marL="285750" indent="-285750" algn="ctr">
+              <a:buFontTx/>
+              <a:buChar char="-"/>
+            </a:pPr>
+            <a:endParaRPr lang="en-US" altLang="ko-KR" sz="1600" b="1" dirty="0">
+              <a:solidFill>
+                <a:schemeClr val="tx1"/>
+              </a:solidFill>
+            </a:endParaRPr>
+          </a:p>
+          <a:p>
+            <a:pPr marL="285750" indent="-285750" algn="ctr">
+              <a:buFontTx/>
+              <a:buChar char="-"/>
+            </a:pPr>
+            <a:r>
+              <a:rPr lang="ko-KR" altLang="en-US" sz="1600" b="1" dirty="0">
+                <a:solidFill>
+                  <a:schemeClr val="tx1"/>
+                </a:solidFill>
+              </a:rPr>
+              <a:t>이후에 공통 결과창으로 이동</a:t>
+            </a:r>
+          </a:p>
+        </p:txBody>
+      </p:sp>
+      <p:pic>
+        <p:nvPicPr>
+          <p:cNvPr id="2050" name="Picture 2" descr="배 - 무료 수송개 아이콘">
+            <a:extLst>
+              <a:ext uri="{FF2B5EF4-FFF2-40B4-BE49-F238E27FC236}">
+                <a16:creationId xmlns:a16="http://schemas.microsoft.com/office/drawing/2014/main" id="{E04CAEFE-7CF6-4849-9D12-CD476CF4E62E}"/>
+              </a:ext>
+            </a:extLst>
+          </p:cNvPr>
+          <p:cNvPicPr>
+            <a:picLocks noChangeAspect="1" noChangeArrowheads="1"/>
+          </p:cNvPicPr>
+          <p:nvPr/>
+        </p:nvPicPr>
+        <p:blipFill>
+          <a:blip r:embed="rId3">
+            <a:extLst>
+              <a:ext uri="{BEBA8EAE-BF5A-486C-A8C5-ECC9F3942E4B}">
+                <a14:imgProps xmlns:a14="http://schemas.microsoft.com/office/drawing/2010/main">
+                  <a14:imgLayer r:embed="rId4">
+                    <a14:imgEffect>
+                      <a14:backgroundRemoval t="9778" b="89778" l="4000" r="97333">
+                        <a14:foregroundMark x1="4444" y1="55556" x2="45778" y2="60444"/>
+                        <a14:foregroundMark x1="45778" y1="60444" x2="71111" y2="56444"/>
+                        <a14:foregroundMark x1="46667" y1="66222" x2="65333" y2="72444"/>
+                        <a14:foregroundMark x1="65333" y1="72444" x2="69778" y2="71111"/>
+                        <a14:foregroundMark x1="55556" y1="72444" x2="15556" y2="69778"/>
+                        <a14:foregroundMark x1="68000" y1="60000" x2="90667" y2="62667"/>
+                        <a14:foregroundMark x1="90667" y1="62667" x2="77333" y2="72000"/>
+                        <a14:foregroundMark x1="77333" y1="72000" x2="76889" y2="72000"/>
+                        <a14:foregroundMark x1="95111" y1="60889" x2="97333" y2="67111"/>
+                        <a14:foregroundMark x1="69333" y1="48444" x2="71111" y2="52889"/>
+                        <a14:foregroundMark x1="47556" y1="48444" x2="27111" y2="49333"/>
+                        <a14:foregroundMark x1="27111" y1="49333" x2="28889" y2="53333"/>
+                        <a14:foregroundMark x1="7111" y1="47556" x2="8889" y2="54222"/>
+                        <a14:foregroundMark x1="7556" y1="48444" x2="7111" y2="53333"/>
+                        <a14:foregroundMark x1="47556" y1="26222" x2="46667" y2="49333"/>
+                        <a14:foregroundMark x1="36444" y1="38667" x2="36889" y2="46667"/>
+                      </a14:backgroundRemoval>
+                    </a14:imgEffect>
+                  </a14:imgLayer>
+                </a14:imgProps>
+              </a:ext>
+              <a:ext uri="{28A0092B-C50C-407E-A947-70E740481C1C}">
+                <a14:useLocalDpi xmlns:a14="http://schemas.microsoft.com/office/drawing/2010/main" val="0"/>
+              </a:ext>
+            </a:extLst>
+          </a:blip>
+          <a:srcRect/>
+          <a:stretch>
+            <a:fillRect/>
+          </a:stretch>
+        </p:blipFill>
+        <p:spPr bwMode="auto">
+          <a:xfrm>
+            <a:off x="1674748" y="2748914"/>
+            <a:ext cx="3141564" cy="3141564"/>
+          </a:xfrm>
+          <a:prstGeom prst="rect">
+            <a:avLst/>
+          </a:prstGeom>
+          <a:noFill/>
+          <a:extLst>
+            <a:ext uri="{909E8E84-426E-40DD-AFC4-6F175D3DCCD1}">
+              <a14:hiddenFill xmlns:a14="http://schemas.microsoft.com/office/drawing/2010/main">
+                <a:solidFill>
+                  <a:srgbClr val="FFFFFF"/>
+                </a:solidFill>
+              </a14:hiddenFill>
+            </a:ext>
+          </a:extLst>
+        </p:spPr>
+      </p:pic>
+      <p:pic>
+        <p:nvPicPr>
+          <p:cNvPr id="2052" name="Picture 4" descr="세트, 사람, 아이콘. | CanStock">
+            <a:extLst>
+              <a:ext uri="{FF2B5EF4-FFF2-40B4-BE49-F238E27FC236}">
+                <a16:creationId xmlns:a16="http://schemas.microsoft.com/office/drawing/2014/main" id="{F7D09460-A4CF-4D18-B0E8-14169076B43D}"/>
+              </a:ext>
+            </a:extLst>
+          </p:cNvPr>
+          <p:cNvPicPr>
+            <a:picLocks noChangeAspect="1" noChangeArrowheads="1"/>
+          </p:cNvPicPr>
+          <p:nvPr/>
+        </p:nvPicPr>
+        <p:blipFill>
+          <a:blip r:embed="rId5">
+            <a:extLst>
+              <a:ext uri="{28A0092B-C50C-407E-A947-70E740481C1C}">
+                <a14:useLocalDpi xmlns:a14="http://schemas.microsoft.com/office/drawing/2010/main" val="0"/>
+              </a:ext>
+            </a:extLst>
+          </a:blip>
+          <a:srcRect/>
+          <a:stretch>
+            <a:fillRect/>
+          </a:stretch>
+        </p:blipFill>
+        <p:spPr bwMode="auto">
+          <a:xfrm>
+            <a:off x="4057039" y="4106518"/>
+            <a:ext cx="691344" cy="360121"/>
+          </a:xfrm>
+          <a:prstGeom prst="rect">
+            <a:avLst/>
+          </a:prstGeom>
+          <a:noFill/>
+          <a:extLst>
+            <a:ext uri="{909E8E84-426E-40DD-AFC4-6F175D3DCCD1}">
+              <a14:hiddenFill xmlns:a14="http://schemas.microsoft.com/office/drawing/2010/main">
+                <a:solidFill>
+                  <a:srgbClr val="FFFFFF"/>
+                </a:solidFill>
+              </a14:hiddenFill>
+            </a:ext>
+          </a:extLst>
+        </p:spPr>
+      </p:pic>
+      <p:sp>
+        <p:nvSpPr>
+          <p:cNvPr id="5" name="사각형: 둥근 모서리 4">
+            <a:extLst>
+              <a:ext uri="{FF2B5EF4-FFF2-40B4-BE49-F238E27FC236}">
+                <a16:creationId xmlns:a16="http://schemas.microsoft.com/office/drawing/2014/main" id="{3962BB17-D05B-429C-851E-8185BB7B0350}"/>
+              </a:ext>
+            </a:extLst>
+          </p:cNvPr>
+          <p:cNvSpPr/>
+          <p:nvPr/>
+        </p:nvSpPr>
+        <p:spPr>
+          <a:xfrm>
+            <a:off x="390951" y="5118755"/>
+            <a:ext cx="7865316" cy="942680"/>
+          </a:xfrm>
+          <a:custGeom>
+            <a:avLst/>
+            <a:gdLst>
+              <a:gd name="connsiteX0" fmla="*/ 0 w 7874743"/>
+              <a:gd name="connsiteY0" fmla="*/ 160804 h 964804"/>
+              <a:gd name="connsiteX1" fmla="*/ 160804 w 7874743"/>
+              <a:gd name="connsiteY1" fmla="*/ 0 h 964804"/>
+              <a:gd name="connsiteX2" fmla="*/ 7713939 w 7874743"/>
+              <a:gd name="connsiteY2" fmla="*/ 0 h 964804"/>
+              <a:gd name="connsiteX3" fmla="*/ 7874743 w 7874743"/>
+              <a:gd name="connsiteY3" fmla="*/ 160804 h 964804"/>
+              <a:gd name="connsiteX4" fmla="*/ 7874743 w 7874743"/>
+              <a:gd name="connsiteY4" fmla="*/ 804000 h 964804"/>
+              <a:gd name="connsiteX5" fmla="*/ 7713939 w 7874743"/>
+              <a:gd name="connsiteY5" fmla="*/ 964804 h 964804"/>
+              <a:gd name="connsiteX6" fmla="*/ 160804 w 7874743"/>
+              <a:gd name="connsiteY6" fmla="*/ 964804 h 964804"/>
+              <a:gd name="connsiteX7" fmla="*/ 0 w 7874743"/>
+              <a:gd name="connsiteY7" fmla="*/ 804000 h 964804"/>
+              <a:gd name="connsiteX8" fmla="*/ 0 w 7874743"/>
+              <a:gd name="connsiteY8" fmla="*/ 160804 h 964804"/>
+              <a:gd name="connsiteX0" fmla="*/ 0 w 7874743"/>
+              <a:gd name="connsiteY0" fmla="*/ 160804 h 964804"/>
+              <a:gd name="connsiteX1" fmla="*/ 160804 w 7874743"/>
+              <a:gd name="connsiteY1" fmla="*/ 0 h 964804"/>
+              <a:gd name="connsiteX2" fmla="*/ 7713939 w 7874743"/>
+              <a:gd name="connsiteY2" fmla="*/ 0 h 964804"/>
+              <a:gd name="connsiteX3" fmla="*/ 7874743 w 7874743"/>
+              <a:gd name="connsiteY3" fmla="*/ 160804 h 964804"/>
+              <a:gd name="connsiteX4" fmla="*/ 7874743 w 7874743"/>
+              <a:gd name="connsiteY4" fmla="*/ 804000 h 964804"/>
+              <a:gd name="connsiteX5" fmla="*/ 7713939 w 7874743"/>
+              <a:gd name="connsiteY5" fmla="*/ 964804 h 964804"/>
+              <a:gd name="connsiteX6" fmla="*/ 160804 w 7874743"/>
+              <a:gd name="connsiteY6" fmla="*/ 964804 h 964804"/>
+              <a:gd name="connsiteX7" fmla="*/ 0 w 7874743"/>
+              <a:gd name="connsiteY7" fmla="*/ 389221 h 964804"/>
+              <a:gd name="connsiteX8" fmla="*/ 0 w 7874743"/>
+              <a:gd name="connsiteY8" fmla="*/ 160804 h 964804"/>
+              <a:gd name="connsiteX0" fmla="*/ 0 w 7874743"/>
+              <a:gd name="connsiteY0" fmla="*/ 160804 h 964804"/>
+              <a:gd name="connsiteX1" fmla="*/ 160804 w 7874743"/>
+              <a:gd name="connsiteY1" fmla="*/ 0 h 964804"/>
+              <a:gd name="connsiteX2" fmla="*/ 7713939 w 7874743"/>
+              <a:gd name="connsiteY2" fmla="*/ 0 h 964804"/>
+              <a:gd name="connsiteX3" fmla="*/ 7874743 w 7874743"/>
+              <a:gd name="connsiteY3" fmla="*/ 160804 h 964804"/>
+              <a:gd name="connsiteX4" fmla="*/ 7874743 w 7874743"/>
+              <a:gd name="connsiteY4" fmla="*/ 804000 h 964804"/>
+              <a:gd name="connsiteX5" fmla="*/ 7713939 w 7874743"/>
+              <a:gd name="connsiteY5" fmla="*/ 964804 h 964804"/>
+              <a:gd name="connsiteX6" fmla="*/ 226792 w 7874743"/>
+              <a:gd name="connsiteY6" fmla="*/ 625439 h 964804"/>
+              <a:gd name="connsiteX7" fmla="*/ 0 w 7874743"/>
+              <a:gd name="connsiteY7" fmla="*/ 389221 h 964804"/>
+              <a:gd name="connsiteX8" fmla="*/ 0 w 7874743"/>
+              <a:gd name="connsiteY8" fmla="*/ 160804 h 964804"/>
+              <a:gd name="connsiteX0" fmla="*/ 0 w 7874743"/>
+              <a:gd name="connsiteY0" fmla="*/ 160804 h 964804"/>
+              <a:gd name="connsiteX1" fmla="*/ 160804 w 7874743"/>
+              <a:gd name="connsiteY1" fmla="*/ 0 h 964804"/>
+              <a:gd name="connsiteX2" fmla="*/ 7713939 w 7874743"/>
+              <a:gd name="connsiteY2" fmla="*/ 0 h 964804"/>
+              <a:gd name="connsiteX3" fmla="*/ 7874743 w 7874743"/>
+              <a:gd name="connsiteY3" fmla="*/ 160804 h 964804"/>
+              <a:gd name="connsiteX4" fmla="*/ 7874743 w 7874743"/>
+              <a:gd name="connsiteY4" fmla="*/ 804000 h 964804"/>
+              <a:gd name="connsiteX5" fmla="*/ 7713939 w 7874743"/>
+              <a:gd name="connsiteY5" fmla="*/ 964804 h 964804"/>
+              <a:gd name="connsiteX6" fmla="*/ 226792 w 7874743"/>
+              <a:gd name="connsiteY6" fmla="*/ 625439 h 964804"/>
+              <a:gd name="connsiteX7" fmla="*/ 0 w 7874743"/>
+              <a:gd name="connsiteY7" fmla="*/ 389221 h 964804"/>
+              <a:gd name="connsiteX8" fmla="*/ 0 w 7874743"/>
+              <a:gd name="connsiteY8" fmla="*/ 160804 h 964804"/>
+              <a:gd name="connsiteX0" fmla="*/ 0 w 7874743"/>
+              <a:gd name="connsiteY0" fmla="*/ 160804 h 964804"/>
+              <a:gd name="connsiteX1" fmla="*/ 160804 w 7874743"/>
+              <a:gd name="connsiteY1" fmla="*/ 0 h 964804"/>
+              <a:gd name="connsiteX2" fmla="*/ 7713939 w 7874743"/>
+              <a:gd name="connsiteY2" fmla="*/ 0 h 964804"/>
+              <a:gd name="connsiteX3" fmla="*/ 7874743 w 7874743"/>
+              <a:gd name="connsiteY3" fmla="*/ 160804 h 964804"/>
+              <a:gd name="connsiteX4" fmla="*/ 7874743 w 7874743"/>
+              <a:gd name="connsiteY4" fmla="*/ 804000 h 964804"/>
+              <a:gd name="connsiteX5" fmla="*/ 7713939 w 7874743"/>
+              <a:gd name="connsiteY5" fmla="*/ 964804 h 964804"/>
+              <a:gd name="connsiteX6" fmla="*/ 292780 w 7874743"/>
+              <a:gd name="connsiteY6" fmla="*/ 823402 h 964804"/>
+              <a:gd name="connsiteX7" fmla="*/ 0 w 7874743"/>
+              <a:gd name="connsiteY7" fmla="*/ 389221 h 964804"/>
+              <a:gd name="connsiteX8" fmla="*/ 0 w 7874743"/>
+              <a:gd name="connsiteY8" fmla="*/ 160804 h 964804"/>
+              <a:gd name="connsiteX0" fmla="*/ 0 w 7874743"/>
+              <a:gd name="connsiteY0" fmla="*/ 160804 h 975842"/>
+              <a:gd name="connsiteX1" fmla="*/ 160804 w 7874743"/>
+              <a:gd name="connsiteY1" fmla="*/ 0 h 975842"/>
+              <a:gd name="connsiteX2" fmla="*/ 7713939 w 7874743"/>
+              <a:gd name="connsiteY2" fmla="*/ 0 h 975842"/>
+              <a:gd name="connsiteX3" fmla="*/ 7874743 w 7874743"/>
+              <a:gd name="connsiteY3" fmla="*/ 160804 h 975842"/>
+              <a:gd name="connsiteX4" fmla="*/ 7874743 w 7874743"/>
+              <a:gd name="connsiteY4" fmla="*/ 804000 h 975842"/>
+              <a:gd name="connsiteX5" fmla="*/ 7713939 w 7874743"/>
+              <a:gd name="connsiteY5" fmla="*/ 964804 h 975842"/>
+              <a:gd name="connsiteX6" fmla="*/ 495169 w 7874743"/>
+              <a:gd name="connsiteY6" fmla="*/ 961534 h 975842"/>
+              <a:gd name="connsiteX7" fmla="*/ 292780 w 7874743"/>
+              <a:gd name="connsiteY7" fmla="*/ 823402 h 975842"/>
+              <a:gd name="connsiteX8" fmla="*/ 0 w 7874743"/>
+              <a:gd name="connsiteY8" fmla="*/ 389221 h 975842"/>
+              <a:gd name="connsiteX9" fmla="*/ 0 w 7874743"/>
+              <a:gd name="connsiteY9" fmla="*/ 160804 h 975842"/>
+              <a:gd name="connsiteX0" fmla="*/ 0 w 7874743"/>
+              <a:gd name="connsiteY0" fmla="*/ 160804 h 973930"/>
+              <a:gd name="connsiteX1" fmla="*/ 160804 w 7874743"/>
+              <a:gd name="connsiteY1" fmla="*/ 0 h 973930"/>
+              <a:gd name="connsiteX2" fmla="*/ 7713939 w 7874743"/>
+              <a:gd name="connsiteY2" fmla="*/ 0 h 973930"/>
+              <a:gd name="connsiteX3" fmla="*/ 7874743 w 7874743"/>
+              <a:gd name="connsiteY3" fmla="*/ 160804 h 973930"/>
+              <a:gd name="connsiteX4" fmla="*/ 7874743 w 7874743"/>
+              <a:gd name="connsiteY4" fmla="*/ 804000 h 973930"/>
+              <a:gd name="connsiteX5" fmla="*/ 7713939 w 7874743"/>
+              <a:gd name="connsiteY5" fmla="*/ 964804 h 973930"/>
+              <a:gd name="connsiteX6" fmla="*/ 1532117 w 7874743"/>
+              <a:gd name="connsiteY6" fmla="*/ 942680 h 973930"/>
+              <a:gd name="connsiteX7" fmla="*/ 495169 w 7874743"/>
+              <a:gd name="connsiteY7" fmla="*/ 961534 h 973930"/>
+              <a:gd name="connsiteX8" fmla="*/ 292780 w 7874743"/>
+              <a:gd name="connsiteY8" fmla="*/ 823402 h 973930"/>
+              <a:gd name="connsiteX9" fmla="*/ 0 w 7874743"/>
+              <a:gd name="connsiteY9" fmla="*/ 389221 h 973930"/>
+              <a:gd name="connsiteX10" fmla="*/ 0 w 7874743"/>
+              <a:gd name="connsiteY10" fmla="*/ 160804 h 973930"/>
+              <a:gd name="connsiteX0" fmla="*/ 0 w 7874743"/>
+              <a:gd name="connsiteY0" fmla="*/ 160804 h 973930"/>
+              <a:gd name="connsiteX1" fmla="*/ 160804 w 7874743"/>
+              <a:gd name="connsiteY1" fmla="*/ 0 h 973930"/>
+              <a:gd name="connsiteX2" fmla="*/ 7713939 w 7874743"/>
+              <a:gd name="connsiteY2" fmla="*/ 0 h 973930"/>
+              <a:gd name="connsiteX3" fmla="*/ 7874743 w 7874743"/>
+              <a:gd name="connsiteY3" fmla="*/ 160804 h 973930"/>
+              <a:gd name="connsiteX4" fmla="*/ 7874743 w 7874743"/>
+              <a:gd name="connsiteY4" fmla="*/ 804000 h 973930"/>
+              <a:gd name="connsiteX5" fmla="*/ 7713939 w 7874743"/>
+              <a:gd name="connsiteY5" fmla="*/ 964804 h 973930"/>
+              <a:gd name="connsiteX6" fmla="*/ 1532117 w 7874743"/>
+              <a:gd name="connsiteY6" fmla="*/ 942680 h 973930"/>
+              <a:gd name="connsiteX7" fmla="*/ 532877 w 7874743"/>
+              <a:gd name="connsiteY7" fmla="*/ 895547 h 973930"/>
+              <a:gd name="connsiteX8" fmla="*/ 292780 w 7874743"/>
+              <a:gd name="connsiteY8" fmla="*/ 823402 h 973930"/>
+              <a:gd name="connsiteX9" fmla="*/ 0 w 7874743"/>
+              <a:gd name="connsiteY9" fmla="*/ 389221 h 973930"/>
+              <a:gd name="connsiteX10" fmla="*/ 0 w 7874743"/>
+              <a:gd name="connsiteY10" fmla="*/ 160804 h 973930"/>
+              <a:gd name="connsiteX0" fmla="*/ 0 w 7874743"/>
+              <a:gd name="connsiteY0" fmla="*/ 160804 h 973930"/>
+              <a:gd name="connsiteX1" fmla="*/ 160804 w 7874743"/>
+              <a:gd name="connsiteY1" fmla="*/ 0 h 973930"/>
+              <a:gd name="connsiteX2" fmla="*/ 7713939 w 7874743"/>
+              <a:gd name="connsiteY2" fmla="*/ 0 h 973930"/>
+              <a:gd name="connsiteX3" fmla="*/ 7874743 w 7874743"/>
+              <a:gd name="connsiteY3" fmla="*/ 160804 h 973930"/>
+              <a:gd name="connsiteX4" fmla="*/ 7874743 w 7874743"/>
+              <a:gd name="connsiteY4" fmla="*/ 804000 h 973930"/>
+              <a:gd name="connsiteX5" fmla="*/ 7713939 w 7874743"/>
+              <a:gd name="connsiteY5" fmla="*/ 964804 h 973930"/>
+              <a:gd name="connsiteX6" fmla="*/ 1532117 w 7874743"/>
+              <a:gd name="connsiteY6" fmla="*/ 942680 h 973930"/>
+              <a:gd name="connsiteX7" fmla="*/ 532877 w 7874743"/>
+              <a:gd name="connsiteY7" fmla="*/ 895547 h 973930"/>
+              <a:gd name="connsiteX8" fmla="*/ 311634 w 7874743"/>
+              <a:gd name="connsiteY8" fmla="*/ 785694 h 973930"/>
+              <a:gd name="connsiteX9" fmla="*/ 0 w 7874743"/>
+              <a:gd name="connsiteY9" fmla="*/ 389221 h 973930"/>
+              <a:gd name="connsiteX10" fmla="*/ 0 w 7874743"/>
+              <a:gd name="connsiteY10" fmla="*/ 160804 h 973930"/>
+              <a:gd name="connsiteX0" fmla="*/ 0 w 7874743"/>
+              <a:gd name="connsiteY0" fmla="*/ 160804 h 942680"/>
+              <a:gd name="connsiteX1" fmla="*/ 160804 w 7874743"/>
+              <a:gd name="connsiteY1" fmla="*/ 0 h 942680"/>
+              <a:gd name="connsiteX2" fmla="*/ 7713939 w 7874743"/>
+              <a:gd name="connsiteY2" fmla="*/ 0 h 942680"/>
+              <a:gd name="connsiteX3" fmla="*/ 7874743 w 7874743"/>
+              <a:gd name="connsiteY3" fmla="*/ 160804 h 942680"/>
+              <a:gd name="connsiteX4" fmla="*/ 7874743 w 7874743"/>
+              <a:gd name="connsiteY4" fmla="*/ 804000 h 942680"/>
+              <a:gd name="connsiteX5" fmla="*/ 7591390 w 7874743"/>
+              <a:gd name="connsiteY5" fmla="*/ 804549 h 942680"/>
+              <a:gd name="connsiteX6" fmla="*/ 1532117 w 7874743"/>
+              <a:gd name="connsiteY6" fmla="*/ 942680 h 942680"/>
+              <a:gd name="connsiteX7" fmla="*/ 532877 w 7874743"/>
+              <a:gd name="connsiteY7" fmla="*/ 895547 h 942680"/>
+              <a:gd name="connsiteX8" fmla="*/ 311634 w 7874743"/>
+              <a:gd name="connsiteY8" fmla="*/ 785694 h 942680"/>
+              <a:gd name="connsiteX9" fmla="*/ 0 w 7874743"/>
+              <a:gd name="connsiteY9" fmla="*/ 389221 h 942680"/>
+              <a:gd name="connsiteX10" fmla="*/ 0 w 7874743"/>
+              <a:gd name="connsiteY10" fmla="*/ 160804 h 942680"/>
+              <a:gd name="connsiteX0" fmla="*/ 0 w 7874743"/>
+              <a:gd name="connsiteY0" fmla="*/ 160804 h 942680"/>
+              <a:gd name="connsiteX1" fmla="*/ 160804 w 7874743"/>
+              <a:gd name="connsiteY1" fmla="*/ 0 h 942680"/>
+              <a:gd name="connsiteX2" fmla="*/ 7713939 w 7874743"/>
+              <a:gd name="connsiteY2" fmla="*/ 0 h 942680"/>
+              <a:gd name="connsiteX3" fmla="*/ 7874743 w 7874743"/>
+              <a:gd name="connsiteY3" fmla="*/ 160804 h 942680"/>
+              <a:gd name="connsiteX4" fmla="*/ 7874743 w 7874743"/>
+              <a:gd name="connsiteY4" fmla="*/ 804000 h 942680"/>
+              <a:gd name="connsiteX5" fmla="*/ 7421708 w 7874743"/>
+              <a:gd name="connsiteY5" fmla="*/ 927097 h 942680"/>
+              <a:gd name="connsiteX6" fmla="*/ 1532117 w 7874743"/>
+              <a:gd name="connsiteY6" fmla="*/ 942680 h 942680"/>
+              <a:gd name="connsiteX7" fmla="*/ 532877 w 7874743"/>
+              <a:gd name="connsiteY7" fmla="*/ 895547 h 942680"/>
+              <a:gd name="connsiteX8" fmla="*/ 311634 w 7874743"/>
+              <a:gd name="connsiteY8" fmla="*/ 785694 h 942680"/>
+              <a:gd name="connsiteX9" fmla="*/ 0 w 7874743"/>
+              <a:gd name="connsiteY9" fmla="*/ 389221 h 942680"/>
+              <a:gd name="connsiteX10" fmla="*/ 0 w 7874743"/>
+              <a:gd name="connsiteY10" fmla="*/ 160804 h 942680"/>
+              <a:gd name="connsiteX0" fmla="*/ 0 w 7874743"/>
+              <a:gd name="connsiteY0" fmla="*/ 160804 h 942680"/>
+              <a:gd name="connsiteX1" fmla="*/ 160804 w 7874743"/>
+              <a:gd name="connsiteY1" fmla="*/ 0 h 942680"/>
+              <a:gd name="connsiteX2" fmla="*/ 7713939 w 7874743"/>
+              <a:gd name="connsiteY2" fmla="*/ 0 h 942680"/>
+              <a:gd name="connsiteX3" fmla="*/ 7874743 w 7874743"/>
+              <a:gd name="connsiteY3" fmla="*/ 160804 h 942680"/>
+              <a:gd name="connsiteX4" fmla="*/ 7601365 w 7874743"/>
+              <a:gd name="connsiteY4" fmla="*/ 709732 h 942680"/>
+              <a:gd name="connsiteX5" fmla="*/ 7421708 w 7874743"/>
+              <a:gd name="connsiteY5" fmla="*/ 927097 h 942680"/>
+              <a:gd name="connsiteX6" fmla="*/ 1532117 w 7874743"/>
+              <a:gd name="connsiteY6" fmla="*/ 942680 h 942680"/>
+              <a:gd name="connsiteX7" fmla="*/ 532877 w 7874743"/>
+              <a:gd name="connsiteY7" fmla="*/ 895547 h 942680"/>
+              <a:gd name="connsiteX8" fmla="*/ 311634 w 7874743"/>
+              <a:gd name="connsiteY8" fmla="*/ 785694 h 942680"/>
+              <a:gd name="connsiteX9" fmla="*/ 0 w 7874743"/>
+              <a:gd name="connsiteY9" fmla="*/ 389221 h 942680"/>
+              <a:gd name="connsiteX10" fmla="*/ 0 w 7874743"/>
+              <a:gd name="connsiteY10" fmla="*/ 160804 h 942680"/>
+              <a:gd name="connsiteX0" fmla="*/ 0 w 7874743"/>
+              <a:gd name="connsiteY0" fmla="*/ 160804 h 942680"/>
+              <a:gd name="connsiteX1" fmla="*/ 160804 w 7874743"/>
+              <a:gd name="connsiteY1" fmla="*/ 0 h 942680"/>
+              <a:gd name="connsiteX2" fmla="*/ 7713939 w 7874743"/>
+              <a:gd name="connsiteY2" fmla="*/ 0 h 942680"/>
+              <a:gd name="connsiteX3" fmla="*/ 7874743 w 7874743"/>
+              <a:gd name="connsiteY3" fmla="*/ 160804 h 942680"/>
+              <a:gd name="connsiteX4" fmla="*/ 7705060 w 7874743"/>
+              <a:gd name="connsiteY4" fmla="*/ 728585 h 942680"/>
+              <a:gd name="connsiteX5" fmla="*/ 7421708 w 7874743"/>
+              <a:gd name="connsiteY5" fmla="*/ 927097 h 942680"/>
+              <a:gd name="connsiteX6" fmla="*/ 1532117 w 7874743"/>
+              <a:gd name="connsiteY6" fmla="*/ 942680 h 942680"/>
+              <a:gd name="connsiteX7" fmla="*/ 532877 w 7874743"/>
+              <a:gd name="connsiteY7" fmla="*/ 895547 h 942680"/>
+              <a:gd name="connsiteX8" fmla="*/ 311634 w 7874743"/>
+              <a:gd name="connsiteY8" fmla="*/ 785694 h 942680"/>
+              <a:gd name="connsiteX9" fmla="*/ 0 w 7874743"/>
+              <a:gd name="connsiteY9" fmla="*/ 389221 h 942680"/>
+              <a:gd name="connsiteX10" fmla="*/ 0 w 7874743"/>
+              <a:gd name="connsiteY10" fmla="*/ 160804 h 942680"/>
+              <a:gd name="connsiteX0" fmla="*/ 0 w 7874743"/>
+              <a:gd name="connsiteY0" fmla="*/ 160804 h 942680"/>
+              <a:gd name="connsiteX1" fmla="*/ 160804 w 7874743"/>
+              <a:gd name="connsiteY1" fmla="*/ 0 h 942680"/>
+              <a:gd name="connsiteX2" fmla="*/ 7713939 w 7874743"/>
+              <a:gd name="connsiteY2" fmla="*/ 0 h 942680"/>
+              <a:gd name="connsiteX3" fmla="*/ 7874743 w 7874743"/>
+              <a:gd name="connsiteY3" fmla="*/ 160804 h 942680"/>
+              <a:gd name="connsiteX4" fmla="*/ 7705060 w 7874743"/>
+              <a:gd name="connsiteY4" fmla="*/ 728585 h 942680"/>
+              <a:gd name="connsiteX5" fmla="*/ 7421708 w 7874743"/>
+              <a:gd name="connsiteY5" fmla="*/ 927097 h 942680"/>
+              <a:gd name="connsiteX6" fmla="*/ 1532117 w 7874743"/>
+              <a:gd name="connsiteY6" fmla="*/ 942680 h 942680"/>
+              <a:gd name="connsiteX7" fmla="*/ 532877 w 7874743"/>
+              <a:gd name="connsiteY7" fmla="*/ 895547 h 942680"/>
+              <a:gd name="connsiteX8" fmla="*/ 311634 w 7874743"/>
+              <a:gd name="connsiteY8" fmla="*/ 785694 h 942680"/>
+              <a:gd name="connsiteX9" fmla="*/ 0 w 7874743"/>
+              <a:gd name="connsiteY9" fmla="*/ 389221 h 942680"/>
+              <a:gd name="connsiteX10" fmla="*/ 0 w 7874743"/>
+              <a:gd name="connsiteY10" fmla="*/ 160804 h 942680"/>
+              <a:gd name="connsiteX0" fmla="*/ 0 w 7865316"/>
+              <a:gd name="connsiteY0" fmla="*/ 160804 h 942680"/>
+              <a:gd name="connsiteX1" fmla="*/ 160804 w 7865316"/>
+              <a:gd name="connsiteY1" fmla="*/ 0 h 942680"/>
+              <a:gd name="connsiteX2" fmla="*/ 7713939 w 7865316"/>
+              <a:gd name="connsiteY2" fmla="*/ 0 h 942680"/>
+              <a:gd name="connsiteX3" fmla="*/ 7865316 w 7865316"/>
+              <a:gd name="connsiteY3" fmla="*/ 217365 h 942680"/>
+              <a:gd name="connsiteX4" fmla="*/ 7705060 w 7865316"/>
+              <a:gd name="connsiteY4" fmla="*/ 728585 h 942680"/>
+              <a:gd name="connsiteX5" fmla="*/ 7421708 w 7865316"/>
+              <a:gd name="connsiteY5" fmla="*/ 927097 h 942680"/>
+              <a:gd name="connsiteX6" fmla="*/ 1532117 w 7865316"/>
+              <a:gd name="connsiteY6" fmla="*/ 942680 h 942680"/>
+              <a:gd name="connsiteX7" fmla="*/ 532877 w 7865316"/>
+              <a:gd name="connsiteY7" fmla="*/ 895547 h 942680"/>
+              <a:gd name="connsiteX8" fmla="*/ 311634 w 7865316"/>
+              <a:gd name="connsiteY8" fmla="*/ 785694 h 942680"/>
+              <a:gd name="connsiteX9" fmla="*/ 0 w 7865316"/>
+              <a:gd name="connsiteY9" fmla="*/ 389221 h 942680"/>
+              <a:gd name="connsiteX10" fmla="*/ 0 w 7865316"/>
+              <a:gd name="connsiteY10" fmla="*/ 160804 h 942680"/>
+              <a:gd name="connsiteX0" fmla="*/ 0 w 7865316"/>
+              <a:gd name="connsiteY0" fmla="*/ 160804 h 942680"/>
+              <a:gd name="connsiteX1" fmla="*/ 160804 w 7865316"/>
+              <a:gd name="connsiteY1" fmla="*/ 0 h 942680"/>
+              <a:gd name="connsiteX2" fmla="*/ 7713939 w 7865316"/>
+              <a:gd name="connsiteY2" fmla="*/ 0 h 942680"/>
+              <a:gd name="connsiteX3" fmla="*/ 7865316 w 7865316"/>
+              <a:gd name="connsiteY3" fmla="*/ 217365 h 942680"/>
+              <a:gd name="connsiteX4" fmla="*/ 7705060 w 7865316"/>
+              <a:gd name="connsiteY4" fmla="*/ 728585 h 942680"/>
+              <a:gd name="connsiteX5" fmla="*/ 7421708 w 7865316"/>
+              <a:gd name="connsiteY5" fmla="*/ 927097 h 942680"/>
+              <a:gd name="connsiteX6" fmla="*/ 1532117 w 7865316"/>
+              <a:gd name="connsiteY6" fmla="*/ 942680 h 942680"/>
+              <a:gd name="connsiteX7" fmla="*/ 532877 w 7865316"/>
+              <a:gd name="connsiteY7" fmla="*/ 895547 h 942680"/>
+              <a:gd name="connsiteX8" fmla="*/ 311634 w 7865316"/>
+              <a:gd name="connsiteY8" fmla="*/ 785694 h 942680"/>
+              <a:gd name="connsiteX9" fmla="*/ 0 w 7865316"/>
+              <a:gd name="connsiteY9" fmla="*/ 389221 h 942680"/>
+              <a:gd name="connsiteX10" fmla="*/ 0 w 7865316"/>
+              <a:gd name="connsiteY10" fmla="*/ 160804 h 942680"/>
+            </a:gdLst>
+            <a:ahLst/>
+            <a:cxnLst>
+              <a:cxn ang="0">
+                <a:pos x="connsiteX0" y="connsiteY0"/>
+              </a:cxn>
+              <a:cxn ang="0">
+                <a:pos x="connsiteX1" y="connsiteY1"/>
+              </a:cxn>
+              <a:cxn ang="0">
+                <a:pos x="connsiteX2" y="connsiteY2"/>
+              </a:cxn>
+              <a:cxn ang="0">
+                <a:pos x="connsiteX3" y="connsiteY3"/>
+              </a:cxn>
+              <a:cxn ang="0">
+                <a:pos x="connsiteX4" y="connsiteY4"/>
+              </a:cxn>
+              <a:cxn ang="0">
+                <a:pos x="connsiteX5" y="connsiteY5"/>
+              </a:cxn>
+              <a:cxn ang="0">
+                <a:pos x="connsiteX6" y="connsiteY6"/>
+              </a:cxn>
+              <a:cxn ang="0">
+                <a:pos x="connsiteX7" y="connsiteY7"/>
+              </a:cxn>
+              <a:cxn ang="0">
+                <a:pos x="connsiteX8" y="connsiteY8"/>
+              </a:cxn>
+              <a:cxn ang="0">
+                <a:pos x="connsiteX9" y="connsiteY9"/>
+              </a:cxn>
+              <a:cxn ang="0">
+                <a:pos x="connsiteX10" y="connsiteY10"/>
+              </a:cxn>
+            </a:cxnLst>
+            <a:rect l="l" t="t" r="r" b="b"/>
+            <a:pathLst>
+              <a:path w="7865316" h="942680">
+                <a:moveTo>
+                  <a:pt x="0" y="160804"/>
+                </a:moveTo>
+                <a:cubicBezTo>
+                  <a:pt x="0" y="71994"/>
+                  <a:pt x="71994" y="0"/>
+                  <a:pt x="160804" y="0"/>
+                </a:cubicBezTo>
+                <a:lnTo>
+                  <a:pt x="7713939" y="0"/>
+                </a:lnTo>
+                <a:cubicBezTo>
+                  <a:pt x="7802749" y="0"/>
+                  <a:pt x="7865316" y="128555"/>
+                  <a:pt x="7865316" y="217365"/>
+                </a:cubicBezTo>
+                <a:cubicBezTo>
+                  <a:pt x="7846462" y="425478"/>
+                  <a:pt x="7837036" y="595886"/>
+                  <a:pt x="7705060" y="728585"/>
+                </a:cubicBezTo>
+                <a:cubicBezTo>
+                  <a:pt x="7705060" y="817395"/>
+                  <a:pt x="7510518" y="927097"/>
+                  <a:pt x="7421708" y="927097"/>
+                </a:cubicBezTo>
+                <a:lnTo>
+                  <a:pt x="1532117" y="942680"/>
+                </a:lnTo>
+                <a:cubicBezTo>
+                  <a:pt x="328989" y="942135"/>
+                  <a:pt x="700155" y="921711"/>
+                  <a:pt x="532877" y="895547"/>
+                </a:cubicBezTo>
+                <a:lnTo>
+                  <a:pt x="311634" y="785694"/>
+                </a:lnTo>
+                <a:cubicBezTo>
+                  <a:pt x="213397" y="879962"/>
+                  <a:pt x="0" y="478031"/>
+                  <a:pt x="0" y="389221"/>
+                </a:cubicBezTo>
+                <a:lnTo>
+                  <a:pt x="0" y="160804"/>
+                </a:lnTo>
+                <a:close/>
+              </a:path>
+            </a:pathLst>
+          </a:custGeom>
+        </p:spPr>
+        <p:style>
+          <a:lnRef idx="2">
+            <a:schemeClr val="accent1">
+              <a:shade val="50000"/>
+            </a:schemeClr>
+          </a:lnRef>
+          <a:fillRef idx="1">
+            <a:schemeClr val="accent1"/>
+          </a:fillRef>
+          <a:effectRef idx="0">
+            <a:schemeClr val="accent1"/>
+          </a:effectRef>
+          <a:fontRef idx="minor">
+            <a:schemeClr val="lt1"/>
+          </a:fontRef>
+        </p:style>
+        <p:txBody>
+          <a:bodyPr rtlCol="0" anchor="ctr"/>
+          <a:lstStyle/>
+          <a:p>
+            <a:pPr algn="ctr"/>
+            <a:endParaRPr lang="ko-KR" altLang="en-US"/>
+          </a:p>
+        </p:txBody>
+      </p:sp>
+      <p:pic>
+        <p:nvPicPr>
+          <p:cNvPr id="8" name="그래픽 7" descr="사용자 단색으로 채워진">
+            <a:extLst>
+              <a:ext uri="{FF2B5EF4-FFF2-40B4-BE49-F238E27FC236}">
+                <a16:creationId xmlns:a16="http://schemas.microsoft.com/office/drawing/2014/main" id="{AAD3956D-1CB0-4FF5-ABB0-7A081E39BD5F}"/>
+              </a:ext>
+            </a:extLst>
+          </p:cNvPr>
+          <p:cNvPicPr>
+            <a:picLocks noChangeAspect="1"/>
+          </p:cNvPicPr>
+          <p:nvPr/>
+        </p:nvPicPr>
+        <p:blipFill>
+          <a:blip r:embed="rId6">
+            <a:extLst>
+              <a:ext uri="{28A0092B-C50C-407E-A947-70E740481C1C}">
+                <a14:useLocalDpi xmlns:a14="http://schemas.microsoft.com/office/drawing/2010/main" val="0"/>
+              </a:ext>
+              <a:ext uri="{96DAC541-7B7A-43D3-8B79-37D633B846F1}">
+                <asvg:svgBlip xmlns:asvg="http://schemas.microsoft.com/office/drawing/2016/SVG/main" r:embed="rId7"/>
+              </a:ext>
+            </a:extLst>
+          </a:blip>
+          <a:stretch>
+            <a:fillRect/>
+          </a:stretch>
+        </p:blipFill>
+        <p:spPr>
+          <a:xfrm rot="13778660">
+            <a:off x="5284048" y="3249241"/>
+            <a:ext cx="481885" cy="481885"/>
+          </a:xfrm>
+          <a:prstGeom prst="rect">
+            <a:avLst/>
+          </a:prstGeom>
+        </p:spPr>
+      </p:pic>
+      <p:pic>
+        <p:nvPicPr>
+          <p:cNvPr id="23" name="그래픽 22" descr="사용자 단색으로 채워진">
+            <a:extLst>
+              <a:ext uri="{FF2B5EF4-FFF2-40B4-BE49-F238E27FC236}">
+                <a16:creationId xmlns:a16="http://schemas.microsoft.com/office/drawing/2014/main" id="{E35E18B1-2D3C-49C5-BEFB-31360FC000E1}"/>
+              </a:ext>
+            </a:extLst>
+          </p:cNvPr>
+          <p:cNvPicPr>
+            <a:picLocks noChangeAspect="1"/>
+          </p:cNvPicPr>
+          <p:nvPr/>
+        </p:nvPicPr>
+        <p:blipFill>
+          <a:blip r:embed="rId6">
+            <a:extLst>
+              <a:ext uri="{28A0092B-C50C-407E-A947-70E740481C1C}">
+                <a14:useLocalDpi xmlns:a14="http://schemas.microsoft.com/office/drawing/2010/main" val="0"/>
+              </a:ext>
+              <a:ext uri="{96DAC541-7B7A-43D3-8B79-37D633B846F1}">
+                <asvg:svgBlip xmlns:asvg="http://schemas.microsoft.com/office/drawing/2016/SVG/main" r:embed="rId7"/>
+              </a:ext>
+            </a:extLst>
+          </a:blip>
+          <a:stretch>
+            <a:fillRect/>
+          </a:stretch>
+        </p:blipFill>
+        <p:spPr>
+          <a:xfrm rot="19939363">
+            <a:off x="6644851" y="3383175"/>
+            <a:ext cx="481885" cy="481885"/>
+          </a:xfrm>
+          <a:prstGeom prst="rect">
+            <a:avLst/>
+          </a:prstGeom>
+        </p:spPr>
+      </p:pic>
+      <p:sp>
+        <p:nvSpPr>
+          <p:cNvPr id="13" name="자유형: 도형 12">
+            <a:extLst>
+              <a:ext uri="{FF2B5EF4-FFF2-40B4-BE49-F238E27FC236}">
+                <a16:creationId xmlns:a16="http://schemas.microsoft.com/office/drawing/2014/main" id="{14B84700-3113-406B-B116-DA6FF75AF20D}"/>
+              </a:ext>
+            </a:extLst>
+          </p:cNvPr>
+          <p:cNvSpPr/>
+          <p:nvPr/>
+        </p:nvSpPr>
+        <p:spPr>
+          <a:xfrm>
+            <a:off x="4779390" y="3601031"/>
+            <a:ext cx="527901" cy="461922"/>
+          </a:xfrm>
+          <a:custGeom>
+            <a:avLst/>
+            <a:gdLst>
+              <a:gd name="connsiteX0" fmla="*/ 65987 w 527901"/>
+              <a:gd name="connsiteY0" fmla="*/ 461922 h 461922"/>
+              <a:gd name="connsiteX1" fmla="*/ 18853 w 527901"/>
+              <a:gd name="connsiteY1" fmla="*/ 443068 h 461922"/>
+              <a:gd name="connsiteX2" fmla="*/ 0 w 527901"/>
+              <a:gd name="connsiteY2" fmla="*/ 386507 h 461922"/>
+              <a:gd name="connsiteX3" fmla="*/ 18853 w 527901"/>
+              <a:gd name="connsiteY3" fmla="*/ 320520 h 461922"/>
+              <a:gd name="connsiteX4" fmla="*/ 47134 w 527901"/>
+              <a:gd name="connsiteY4" fmla="*/ 311093 h 461922"/>
+              <a:gd name="connsiteX5" fmla="*/ 122548 w 527901"/>
+              <a:gd name="connsiteY5" fmla="*/ 367654 h 461922"/>
+              <a:gd name="connsiteX6" fmla="*/ 131975 w 527901"/>
+              <a:gd name="connsiteY6" fmla="*/ 395934 h 461922"/>
+              <a:gd name="connsiteX7" fmla="*/ 75414 w 527901"/>
+              <a:gd name="connsiteY7" fmla="*/ 367654 h 461922"/>
+              <a:gd name="connsiteX8" fmla="*/ 65987 w 527901"/>
+              <a:gd name="connsiteY8" fmla="*/ 320520 h 461922"/>
+              <a:gd name="connsiteX9" fmla="*/ 160255 w 527901"/>
+              <a:gd name="connsiteY9" fmla="*/ 235678 h 461922"/>
+              <a:gd name="connsiteX10" fmla="*/ 207389 w 527901"/>
+              <a:gd name="connsiteY10" fmla="*/ 263959 h 461922"/>
+              <a:gd name="connsiteX11" fmla="*/ 216816 w 527901"/>
+              <a:gd name="connsiteY11" fmla="*/ 311093 h 461922"/>
+              <a:gd name="connsiteX12" fmla="*/ 188536 w 527901"/>
+              <a:gd name="connsiteY12" fmla="*/ 329946 h 461922"/>
+              <a:gd name="connsiteX13" fmla="*/ 169682 w 527901"/>
+              <a:gd name="connsiteY13" fmla="*/ 263959 h 461922"/>
+              <a:gd name="connsiteX14" fmla="*/ 282804 w 527901"/>
+              <a:gd name="connsiteY14" fmla="*/ 131983 h 461922"/>
+              <a:gd name="connsiteX15" fmla="*/ 329938 w 527901"/>
+              <a:gd name="connsiteY15" fmla="*/ 141410 h 461922"/>
+              <a:gd name="connsiteX16" fmla="*/ 339365 w 527901"/>
+              <a:gd name="connsiteY16" fmla="*/ 188544 h 461922"/>
+              <a:gd name="connsiteX17" fmla="*/ 311084 w 527901"/>
+              <a:gd name="connsiteY17" fmla="*/ 235678 h 461922"/>
+              <a:gd name="connsiteX18" fmla="*/ 282804 w 527901"/>
+              <a:gd name="connsiteY18" fmla="*/ 122557 h 461922"/>
+              <a:gd name="connsiteX19" fmla="*/ 292231 w 527901"/>
+              <a:gd name="connsiteY19" fmla="*/ 56569 h 461922"/>
+              <a:gd name="connsiteX20" fmla="*/ 377072 w 527901"/>
+              <a:gd name="connsiteY20" fmla="*/ 28289 h 461922"/>
+              <a:gd name="connsiteX21" fmla="*/ 527901 w 527901"/>
+              <a:gd name="connsiteY21" fmla="*/ 8 h 461922"/>
+            </a:gdLst>
+            <a:ahLst/>
+            <a:cxnLst>
+              <a:cxn ang="0">
+                <a:pos x="connsiteX0" y="connsiteY0"/>
+              </a:cxn>
+              <a:cxn ang="0">
+                <a:pos x="connsiteX1" y="connsiteY1"/>
+              </a:cxn>
+              <a:cxn ang="0">
+                <a:pos x="connsiteX2" y="connsiteY2"/>
+              </a:cxn>
+              <a:cxn ang="0">
+                <a:pos x="connsiteX3" y="connsiteY3"/>
+              </a:cxn>
+              <a:cxn ang="0">
+                <a:pos x="connsiteX4" y="connsiteY4"/>
+              </a:cxn>
+              <a:cxn ang="0">
+                <a:pos x="connsiteX5" y="connsiteY5"/>
+              </a:cxn>
+              <a:cxn ang="0">
+                <a:pos x="connsiteX6" y="connsiteY6"/>
+              </a:cxn>
+              <a:cxn ang="0">
+                <a:pos x="connsiteX7" y="connsiteY7"/>
+              </a:cxn>
+              <a:cxn ang="0">
+                <a:pos x="connsiteX8" y="connsiteY8"/>
+              </a:cxn>
+              <a:cxn ang="0">
+                <a:pos x="connsiteX9" y="connsiteY9"/>
+              </a:cxn>
+              <a:cxn ang="0">
+                <a:pos x="connsiteX10" y="connsiteY10"/>
+              </a:cxn>
+              <a:cxn ang="0">
+                <a:pos x="connsiteX11" y="connsiteY11"/>
+              </a:cxn>
+              <a:cxn ang="0">
+                <a:pos x="connsiteX12" y="connsiteY12"/>
+              </a:cxn>
+              <a:cxn ang="0">
+                <a:pos x="connsiteX13" y="connsiteY13"/>
+              </a:cxn>
+              <a:cxn ang="0">
+                <a:pos x="connsiteX14" y="connsiteY14"/>
+              </a:cxn>
+              <a:cxn ang="0">
+                <a:pos x="connsiteX15" y="connsiteY15"/>
+              </a:cxn>
+              <a:cxn ang="0">
+                <a:pos x="connsiteX16" y="connsiteY16"/>
+              </a:cxn>
+              <a:cxn ang="0">
+                <a:pos x="connsiteX17" y="connsiteY17"/>
+              </a:cxn>
+              <a:cxn ang="0">
+                <a:pos x="connsiteX18" y="connsiteY18"/>
+              </a:cxn>
+              <a:cxn ang="0">
+                <a:pos x="connsiteX19" y="connsiteY19"/>
+              </a:cxn>
+              <a:cxn ang="0">
+                <a:pos x="connsiteX20" y="connsiteY20"/>
+              </a:cxn>
+              <a:cxn ang="0">
+                <a:pos x="connsiteX21" y="connsiteY21"/>
+              </a:cxn>
+            </a:cxnLst>
+            <a:rect l="l" t="t" r="r" b="b"/>
+            <a:pathLst>
+              <a:path w="527901" h="461922">
+                <a:moveTo>
+                  <a:pt x="65987" y="461922"/>
+                </a:moveTo>
+                <a:cubicBezTo>
+                  <a:pt x="50276" y="455637"/>
+                  <a:pt x="29996" y="455803"/>
+                  <a:pt x="18853" y="443068"/>
+                </a:cubicBezTo>
+                <a:cubicBezTo>
+                  <a:pt x="5766" y="428112"/>
+                  <a:pt x="0" y="386507"/>
+                  <a:pt x="0" y="386507"/>
+                </a:cubicBezTo>
+                <a:cubicBezTo>
+                  <a:pt x="6284" y="364511"/>
+                  <a:pt x="6729" y="339919"/>
+                  <a:pt x="18853" y="320520"/>
+                </a:cubicBezTo>
+                <a:cubicBezTo>
+                  <a:pt x="24120" y="312094"/>
+                  <a:pt x="38088" y="306981"/>
+                  <a:pt x="47134" y="311093"/>
+                </a:cubicBezTo>
+                <a:cubicBezTo>
+                  <a:pt x="75740" y="324096"/>
+                  <a:pt x="122548" y="367654"/>
+                  <a:pt x="122548" y="367654"/>
+                </a:cubicBezTo>
+                <a:cubicBezTo>
+                  <a:pt x="125690" y="377081"/>
+                  <a:pt x="141912" y="395934"/>
+                  <a:pt x="131975" y="395934"/>
+                </a:cubicBezTo>
+                <a:cubicBezTo>
+                  <a:pt x="110896" y="395934"/>
+                  <a:pt x="89295" y="383517"/>
+                  <a:pt x="75414" y="367654"/>
+                </a:cubicBezTo>
+                <a:cubicBezTo>
+                  <a:pt x="64863" y="355596"/>
+                  <a:pt x="69129" y="336231"/>
+                  <a:pt x="65987" y="320520"/>
+                </a:cubicBezTo>
+                <a:cubicBezTo>
+                  <a:pt x="89061" y="266681"/>
+                  <a:pt x="84849" y="229394"/>
+                  <a:pt x="160255" y="235678"/>
+                </a:cubicBezTo>
+                <a:cubicBezTo>
+                  <a:pt x="178514" y="237200"/>
+                  <a:pt x="191678" y="254532"/>
+                  <a:pt x="207389" y="263959"/>
+                </a:cubicBezTo>
+                <a:cubicBezTo>
+                  <a:pt x="210531" y="279670"/>
+                  <a:pt x="221218" y="295687"/>
+                  <a:pt x="216816" y="311093"/>
+                </a:cubicBezTo>
+                <a:cubicBezTo>
+                  <a:pt x="213704" y="321986"/>
+                  <a:pt x="196547" y="337957"/>
+                  <a:pt x="188536" y="329946"/>
+                </a:cubicBezTo>
+                <a:cubicBezTo>
+                  <a:pt x="172360" y="313770"/>
+                  <a:pt x="175967" y="285955"/>
+                  <a:pt x="169682" y="263959"/>
+                </a:cubicBezTo>
+                <a:cubicBezTo>
+                  <a:pt x="202728" y="181343"/>
+                  <a:pt x="189658" y="153479"/>
+                  <a:pt x="282804" y="131983"/>
+                </a:cubicBezTo>
+                <a:cubicBezTo>
+                  <a:pt x="298416" y="128380"/>
+                  <a:pt x="314227" y="138268"/>
+                  <a:pt x="329938" y="141410"/>
+                </a:cubicBezTo>
+                <a:cubicBezTo>
+                  <a:pt x="333080" y="157121"/>
+                  <a:pt x="342507" y="172833"/>
+                  <a:pt x="339365" y="188544"/>
+                </a:cubicBezTo>
+                <a:cubicBezTo>
+                  <a:pt x="335772" y="206511"/>
+                  <a:pt x="323008" y="249589"/>
+                  <a:pt x="311084" y="235678"/>
+                </a:cubicBezTo>
+                <a:cubicBezTo>
+                  <a:pt x="285789" y="206168"/>
+                  <a:pt x="292231" y="160264"/>
+                  <a:pt x="282804" y="122557"/>
+                </a:cubicBezTo>
+                <a:cubicBezTo>
+                  <a:pt x="285946" y="100561"/>
+                  <a:pt x="276520" y="72280"/>
+                  <a:pt x="292231" y="56569"/>
+                </a:cubicBezTo>
+                <a:cubicBezTo>
+                  <a:pt x="313310" y="35490"/>
+                  <a:pt x="348227" y="35814"/>
+                  <a:pt x="377072" y="28289"/>
+                </a:cubicBezTo>
+                <a:cubicBezTo>
+                  <a:pt x="490530" y="-1309"/>
+                  <a:pt x="467502" y="8"/>
+                  <a:pt x="527901" y="8"/>
+                </a:cubicBezTo>
+              </a:path>
+            </a:pathLst>
+          </a:custGeom>
+          <a:noFill/>
+        </p:spPr>
+        <p:style>
+          <a:lnRef idx="2">
+            <a:schemeClr val="accent1">
+              <a:shade val="50000"/>
+            </a:schemeClr>
+          </a:lnRef>
+          <a:fillRef idx="1">
+            <a:schemeClr val="accent1"/>
+          </a:fillRef>
+          <a:effectRef idx="0">
+            <a:schemeClr val="accent1"/>
+          </a:effectRef>
+          <a:fontRef idx="minor">
+            <a:schemeClr val="lt1"/>
+          </a:fontRef>
+        </p:style>
+        <p:txBody>
+          <a:bodyPr rtlCol="0" anchor="ctr"/>
+          <a:lstStyle/>
+          <a:p>
+            <a:pPr algn="ctr"/>
+            <a:endParaRPr lang="ko-KR" altLang="en-US"/>
+          </a:p>
+        </p:txBody>
+      </p:sp>
+      <p:sp>
+        <p:nvSpPr>
+          <p:cNvPr id="26" name="자유형: 도형 25">
+            <a:extLst>
+              <a:ext uri="{FF2B5EF4-FFF2-40B4-BE49-F238E27FC236}">
+                <a16:creationId xmlns:a16="http://schemas.microsoft.com/office/drawing/2014/main" id="{5DE29E76-3B19-4144-989D-A26BE94D2995}"/>
+              </a:ext>
+            </a:extLst>
+          </p:cNvPr>
+          <p:cNvSpPr/>
+          <p:nvPr/>
+        </p:nvSpPr>
+        <p:spPr>
+          <a:xfrm rot="3281378">
+            <a:off x="6031333" y="3270956"/>
+            <a:ext cx="527901" cy="461922"/>
+          </a:xfrm>
+          <a:custGeom>
+            <a:avLst/>
+            <a:gdLst>
+              <a:gd name="connsiteX0" fmla="*/ 65987 w 527901"/>
+              <a:gd name="connsiteY0" fmla="*/ 461922 h 461922"/>
+              <a:gd name="connsiteX1" fmla="*/ 18853 w 527901"/>
+              <a:gd name="connsiteY1" fmla="*/ 443068 h 461922"/>
+              <a:gd name="connsiteX2" fmla="*/ 0 w 527901"/>
+              <a:gd name="connsiteY2" fmla="*/ 386507 h 461922"/>
+              <a:gd name="connsiteX3" fmla="*/ 18853 w 527901"/>
+              <a:gd name="connsiteY3" fmla="*/ 320520 h 461922"/>
+              <a:gd name="connsiteX4" fmla="*/ 47134 w 527901"/>
+              <a:gd name="connsiteY4" fmla="*/ 311093 h 461922"/>
+              <a:gd name="connsiteX5" fmla="*/ 122548 w 527901"/>
+              <a:gd name="connsiteY5" fmla="*/ 367654 h 461922"/>
+              <a:gd name="connsiteX6" fmla="*/ 131975 w 527901"/>
+              <a:gd name="connsiteY6" fmla="*/ 395934 h 461922"/>
+              <a:gd name="connsiteX7" fmla="*/ 75414 w 527901"/>
+              <a:gd name="connsiteY7" fmla="*/ 367654 h 461922"/>
+              <a:gd name="connsiteX8" fmla="*/ 65987 w 527901"/>
+              <a:gd name="connsiteY8" fmla="*/ 320520 h 461922"/>
+              <a:gd name="connsiteX9" fmla="*/ 160255 w 527901"/>
+              <a:gd name="connsiteY9" fmla="*/ 235678 h 461922"/>
+              <a:gd name="connsiteX10" fmla="*/ 207389 w 527901"/>
+              <a:gd name="connsiteY10" fmla="*/ 263959 h 461922"/>
+              <a:gd name="connsiteX11" fmla="*/ 216816 w 527901"/>
+              <a:gd name="connsiteY11" fmla="*/ 311093 h 461922"/>
+              <a:gd name="connsiteX12" fmla="*/ 188536 w 527901"/>
+              <a:gd name="connsiteY12" fmla="*/ 329946 h 461922"/>
+              <a:gd name="connsiteX13" fmla="*/ 169682 w 527901"/>
+              <a:gd name="connsiteY13" fmla="*/ 263959 h 461922"/>
+              <a:gd name="connsiteX14" fmla="*/ 282804 w 527901"/>
+              <a:gd name="connsiteY14" fmla="*/ 131983 h 461922"/>
+              <a:gd name="connsiteX15" fmla="*/ 329938 w 527901"/>
+              <a:gd name="connsiteY15" fmla="*/ 141410 h 461922"/>
+              <a:gd name="connsiteX16" fmla="*/ 339365 w 527901"/>
+              <a:gd name="connsiteY16" fmla="*/ 188544 h 461922"/>
+              <a:gd name="connsiteX17" fmla="*/ 311084 w 527901"/>
+              <a:gd name="connsiteY17" fmla="*/ 235678 h 461922"/>
+              <a:gd name="connsiteX18" fmla="*/ 282804 w 527901"/>
+              <a:gd name="connsiteY18" fmla="*/ 122557 h 461922"/>
+              <a:gd name="connsiteX19" fmla="*/ 292231 w 527901"/>
+              <a:gd name="connsiteY19" fmla="*/ 56569 h 461922"/>
+              <a:gd name="connsiteX20" fmla="*/ 377072 w 527901"/>
+              <a:gd name="connsiteY20" fmla="*/ 28289 h 461922"/>
+              <a:gd name="connsiteX21" fmla="*/ 527901 w 527901"/>
+              <a:gd name="connsiteY21" fmla="*/ 8 h 461922"/>
+            </a:gdLst>
+            <a:ahLst/>
+            <a:cxnLst>
+              <a:cxn ang="0">
+                <a:pos x="connsiteX0" y="connsiteY0"/>
+              </a:cxn>
+              <a:cxn ang="0">
+                <a:pos x="connsiteX1" y="connsiteY1"/>
+              </a:cxn>
+              <a:cxn ang="0">
+                <a:pos x="connsiteX2" y="connsiteY2"/>
+              </a:cxn>
+              <a:cxn ang="0">
+                <a:pos x="connsiteX3" y="connsiteY3"/>
+              </a:cxn>
+              <a:cxn ang="0">
+                <a:pos x="connsiteX4" y="connsiteY4"/>
+              </a:cxn>
+              <a:cxn ang="0">
+                <a:pos x="connsiteX5" y="connsiteY5"/>
+              </a:cxn>
+              <a:cxn ang="0">
+                <a:pos x="connsiteX6" y="connsiteY6"/>
+              </a:cxn>
+              <a:cxn ang="0">
+                <a:pos x="connsiteX7" y="connsiteY7"/>
+              </a:cxn>
+              <a:cxn ang="0">
+                <a:pos x="connsiteX8" y="connsiteY8"/>
+              </a:cxn>
+              <a:cxn ang="0">
+                <a:pos x="connsiteX9" y="connsiteY9"/>
+              </a:cxn>
+              <a:cxn ang="0">
+                <a:pos x="connsiteX10" y="connsiteY10"/>
+              </a:cxn>
+              <a:cxn ang="0">
+                <a:pos x="connsiteX11" y="connsiteY11"/>
+              </a:cxn>
+              <a:cxn ang="0">
+                <a:pos x="connsiteX12" y="connsiteY12"/>
+              </a:cxn>
+              <a:cxn ang="0">
+                <a:pos x="connsiteX13" y="connsiteY13"/>
+              </a:cxn>
+              <a:cxn ang="0">
+                <a:pos x="connsiteX14" y="connsiteY14"/>
+              </a:cxn>
+              <a:cxn ang="0">
+                <a:pos x="connsiteX15" y="connsiteY15"/>
+              </a:cxn>
+              <a:cxn ang="0">
+                <a:pos x="connsiteX16" y="connsiteY16"/>
+              </a:cxn>
+              <a:cxn ang="0">
+                <a:pos x="connsiteX17" y="connsiteY17"/>
+              </a:cxn>
+              <a:cxn ang="0">
+                <a:pos x="connsiteX18" y="connsiteY18"/>
+              </a:cxn>
+              <a:cxn ang="0">
+                <a:pos x="connsiteX19" y="connsiteY19"/>
+              </a:cxn>
+              <a:cxn ang="0">
+                <a:pos x="connsiteX20" y="connsiteY20"/>
+              </a:cxn>
+              <a:cxn ang="0">
+                <a:pos x="connsiteX21" y="connsiteY21"/>
+              </a:cxn>
+            </a:cxnLst>
+            <a:rect l="l" t="t" r="r" b="b"/>
+            <a:pathLst>
+              <a:path w="527901" h="461922">
+                <a:moveTo>
+                  <a:pt x="65987" y="461922"/>
+                </a:moveTo>
+                <a:cubicBezTo>
+                  <a:pt x="50276" y="455637"/>
+                  <a:pt x="29996" y="455803"/>
+                  <a:pt x="18853" y="443068"/>
+                </a:cubicBezTo>
+                <a:cubicBezTo>
+                  <a:pt x="5766" y="428112"/>
+                  <a:pt x="0" y="386507"/>
+                  <a:pt x="0" y="386507"/>
+                </a:cubicBezTo>
+                <a:cubicBezTo>
+                  <a:pt x="6284" y="364511"/>
+                  <a:pt x="6729" y="339919"/>
+                  <a:pt x="18853" y="320520"/>
+                </a:cubicBezTo>
+                <a:cubicBezTo>
+                  <a:pt x="24120" y="312094"/>
+                  <a:pt x="38088" y="306981"/>
+                  <a:pt x="47134" y="311093"/>
+                </a:cubicBezTo>
+                <a:cubicBezTo>
+                  <a:pt x="75740" y="324096"/>
+                  <a:pt x="122548" y="367654"/>
+                  <a:pt x="122548" y="367654"/>
+                </a:cubicBezTo>
+                <a:cubicBezTo>
+                  <a:pt x="125690" y="377081"/>
+                  <a:pt x="141912" y="395934"/>
+                  <a:pt x="131975" y="395934"/>
+                </a:cubicBezTo>
+                <a:cubicBezTo>
+                  <a:pt x="110896" y="395934"/>
+                  <a:pt x="89295" y="383517"/>
+                  <a:pt x="75414" y="367654"/>
+                </a:cubicBezTo>
+                <a:cubicBezTo>
+                  <a:pt x="64863" y="355596"/>
+                  <a:pt x="69129" y="336231"/>
+                  <a:pt x="65987" y="320520"/>
+                </a:cubicBezTo>
+                <a:cubicBezTo>
+                  <a:pt x="89061" y="266681"/>
+                  <a:pt x="84849" y="229394"/>
+                  <a:pt x="160255" y="235678"/>
+                </a:cubicBezTo>
+                <a:cubicBezTo>
+                  <a:pt x="178514" y="237200"/>
+                  <a:pt x="191678" y="254532"/>
+                  <a:pt x="207389" y="263959"/>
+                </a:cubicBezTo>
+                <a:cubicBezTo>
+                  <a:pt x="210531" y="279670"/>
+                  <a:pt x="221218" y="295687"/>
+                  <a:pt x="216816" y="311093"/>
+                </a:cubicBezTo>
+                <a:cubicBezTo>
+                  <a:pt x="213704" y="321986"/>
+                  <a:pt x="196547" y="337957"/>
+                  <a:pt x="188536" y="329946"/>
+                </a:cubicBezTo>
+                <a:cubicBezTo>
+                  <a:pt x="172360" y="313770"/>
+                  <a:pt x="175967" y="285955"/>
+                  <a:pt x="169682" y="263959"/>
+                </a:cubicBezTo>
+                <a:cubicBezTo>
+                  <a:pt x="202728" y="181343"/>
+                  <a:pt x="189658" y="153479"/>
+                  <a:pt x="282804" y="131983"/>
+                </a:cubicBezTo>
+                <a:cubicBezTo>
+                  <a:pt x="298416" y="128380"/>
+                  <a:pt x="314227" y="138268"/>
+                  <a:pt x="329938" y="141410"/>
+                </a:cubicBezTo>
+                <a:cubicBezTo>
+                  <a:pt x="333080" y="157121"/>
+                  <a:pt x="342507" y="172833"/>
+                  <a:pt x="339365" y="188544"/>
+                </a:cubicBezTo>
+                <a:cubicBezTo>
+                  <a:pt x="335772" y="206511"/>
+                  <a:pt x="323008" y="249589"/>
+                  <a:pt x="311084" y="235678"/>
+                </a:cubicBezTo>
+                <a:cubicBezTo>
+                  <a:pt x="285789" y="206168"/>
+                  <a:pt x="292231" y="160264"/>
+                  <a:pt x="282804" y="122557"/>
+                </a:cubicBezTo>
+                <a:cubicBezTo>
+                  <a:pt x="285946" y="100561"/>
+                  <a:pt x="276520" y="72280"/>
+                  <a:pt x="292231" y="56569"/>
+                </a:cubicBezTo>
+                <a:cubicBezTo>
+                  <a:pt x="313310" y="35490"/>
+                  <a:pt x="348227" y="35814"/>
+                  <a:pt x="377072" y="28289"/>
+                </a:cubicBezTo>
+                <a:cubicBezTo>
+                  <a:pt x="490530" y="-1309"/>
+                  <a:pt x="467502" y="8"/>
+                  <a:pt x="527901" y="8"/>
+                </a:cubicBezTo>
+              </a:path>
+            </a:pathLst>
+          </a:custGeom>
+          <a:noFill/>
+        </p:spPr>
+        <p:style>
+          <a:lnRef idx="2">
+            <a:schemeClr val="accent1">
+              <a:shade val="50000"/>
+            </a:schemeClr>
+          </a:lnRef>
+          <a:fillRef idx="1">
+            <a:schemeClr val="accent1"/>
+          </a:fillRef>
+          <a:effectRef idx="0">
+            <a:schemeClr val="accent1"/>
+          </a:effectRef>
+          <a:fontRef idx="minor">
+            <a:schemeClr val="lt1"/>
+          </a:fontRef>
+        </p:style>
+        <p:txBody>
+          <a:bodyPr rtlCol="0" anchor="ctr"/>
+          <a:lstStyle/>
+          <a:p>
+            <a:pPr algn="ctr"/>
+            <a:endParaRPr lang="ko-KR" altLang="en-US"/>
+          </a:p>
+        </p:txBody>
+      </p:sp>
+      <p:pic>
+        <p:nvPicPr>
+          <p:cNvPr id="27" name="그래픽 26" descr="사용자 단색으로 채워진">
+            <a:extLst>
+              <a:ext uri="{FF2B5EF4-FFF2-40B4-BE49-F238E27FC236}">
+                <a16:creationId xmlns:a16="http://schemas.microsoft.com/office/drawing/2014/main" id="{F490D0A0-9D6F-459C-A2EE-B68DF488C472}"/>
+              </a:ext>
+            </a:extLst>
+          </p:cNvPr>
+          <p:cNvPicPr>
+            <a:picLocks noChangeAspect="1"/>
+          </p:cNvPicPr>
+          <p:nvPr/>
+        </p:nvPicPr>
+        <p:blipFill>
+          <a:blip r:embed="rId6">
+            <a:extLst>
+              <a:ext uri="{28A0092B-C50C-407E-A947-70E740481C1C}">
+                <a14:useLocalDpi xmlns:a14="http://schemas.microsoft.com/office/drawing/2010/main" val="0"/>
+              </a:ext>
+              <a:ext uri="{96DAC541-7B7A-43D3-8B79-37D633B846F1}">
+                <asvg:svgBlip xmlns:asvg="http://schemas.microsoft.com/office/drawing/2016/SVG/main" r:embed="rId7"/>
+              </a:ext>
+            </a:extLst>
+          </a:blip>
+          <a:stretch>
+            <a:fillRect/>
+          </a:stretch>
+        </p:blipFill>
+        <p:spPr>
+          <a:xfrm>
+            <a:off x="7375690" y="4731138"/>
+            <a:ext cx="481885" cy="481885"/>
+          </a:xfrm>
+          <a:prstGeom prst="rect">
+            <a:avLst/>
+          </a:prstGeom>
+        </p:spPr>
+      </p:pic>
+      <p:sp>
+        <p:nvSpPr>
+          <p:cNvPr id="28" name="자유형: 도형 27">
+            <a:extLst>
+              <a:ext uri="{FF2B5EF4-FFF2-40B4-BE49-F238E27FC236}">
+                <a16:creationId xmlns:a16="http://schemas.microsoft.com/office/drawing/2014/main" id="{EBCEE029-1DBF-4CB5-8BD4-EF43641771CE}"/>
+              </a:ext>
+            </a:extLst>
+          </p:cNvPr>
+          <p:cNvSpPr/>
+          <p:nvPr/>
+        </p:nvSpPr>
+        <p:spPr>
+          <a:xfrm rot="17023503">
+            <a:off x="7116753" y="4106063"/>
+            <a:ext cx="527901" cy="461922"/>
+          </a:xfrm>
+          <a:custGeom>
+            <a:avLst/>
+            <a:gdLst>
+              <a:gd name="connsiteX0" fmla="*/ 65987 w 527901"/>
+              <a:gd name="connsiteY0" fmla="*/ 461922 h 461922"/>
+              <a:gd name="connsiteX1" fmla="*/ 18853 w 527901"/>
+              <a:gd name="connsiteY1" fmla="*/ 443068 h 461922"/>
+              <a:gd name="connsiteX2" fmla="*/ 0 w 527901"/>
+              <a:gd name="connsiteY2" fmla="*/ 386507 h 461922"/>
+              <a:gd name="connsiteX3" fmla="*/ 18853 w 527901"/>
+              <a:gd name="connsiteY3" fmla="*/ 320520 h 461922"/>
+              <a:gd name="connsiteX4" fmla="*/ 47134 w 527901"/>
+              <a:gd name="connsiteY4" fmla="*/ 311093 h 461922"/>
+              <a:gd name="connsiteX5" fmla="*/ 122548 w 527901"/>
+              <a:gd name="connsiteY5" fmla="*/ 367654 h 461922"/>
+              <a:gd name="connsiteX6" fmla="*/ 131975 w 527901"/>
+              <a:gd name="connsiteY6" fmla="*/ 395934 h 461922"/>
+              <a:gd name="connsiteX7" fmla="*/ 75414 w 527901"/>
+              <a:gd name="connsiteY7" fmla="*/ 367654 h 461922"/>
+              <a:gd name="connsiteX8" fmla="*/ 65987 w 527901"/>
+              <a:gd name="connsiteY8" fmla="*/ 320520 h 461922"/>
+              <a:gd name="connsiteX9" fmla="*/ 160255 w 527901"/>
+              <a:gd name="connsiteY9" fmla="*/ 235678 h 461922"/>
+              <a:gd name="connsiteX10" fmla="*/ 207389 w 527901"/>
+              <a:gd name="connsiteY10" fmla="*/ 263959 h 461922"/>
+              <a:gd name="connsiteX11" fmla="*/ 216816 w 527901"/>
+              <a:gd name="connsiteY11" fmla="*/ 311093 h 461922"/>
+              <a:gd name="connsiteX12" fmla="*/ 188536 w 527901"/>
+              <a:gd name="connsiteY12" fmla="*/ 329946 h 461922"/>
+              <a:gd name="connsiteX13" fmla="*/ 169682 w 527901"/>
+              <a:gd name="connsiteY13" fmla="*/ 263959 h 461922"/>
+              <a:gd name="connsiteX14" fmla="*/ 282804 w 527901"/>
+              <a:gd name="connsiteY14" fmla="*/ 131983 h 461922"/>
+              <a:gd name="connsiteX15" fmla="*/ 329938 w 527901"/>
+              <a:gd name="connsiteY15" fmla="*/ 141410 h 461922"/>
+              <a:gd name="connsiteX16" fmla="*/ 339365 w 527901"/>
+              <a:gd name="connsiteY16" fmla="*/ 188544 h 461922"/>
+              <a:gd name="connsiteX17" fmla="*/ 311084 w 527901"/>
+              <a:gd name="connsiteY17" fmla="*/ 235678 h 461922"/>
+              <a:gd name="connsiteX18" fmla="*/ 282804 w 527901"/>
+              <a:gd name="connsiteY18" fmla="*/ 122557 h 461922"/>
+              <a:gd name="connsiteX19" fmla="*/ 292231 w 527901"/>
+              <a:gd name="connsiteY19" fmla="*/ 56569 h 461922"/>
+              <a:gd name="connsiteX20" fmla="*/ 377072 w 527901"/>
+              <a:gd name="connsiteY20" fmla="*/ 28289 h 461922"/>
+              <a:gd name="connsiteX21" fmla="*/ 527901 w 527901"/>
+              <a:gd name="connsiteY21" fmla="*/ 8 h 461922"/>
+            </a:gdLst>
+            <a:ahLst/>
+            <a:cxnLst>
+              <a:cxn ang="0">
+                <a:pos x="connsiteX0" y="connsiteY0"/>
+              </a:cxn>
+              <a:cxn ang="0">
+                <a:pos x="connsiteX1" y="connsiteY1"/>
+              </a:cxn>
+              <a:cxn ang="0">
+                <a:pos x="connsiteX2" y="connsiteY2"/>
+              </a:cxn>
+              <a:cxn ang="0">
+                <a:pos x="connsiteX3" y="connsiteY3"/>
+              </a:cxn>
+              <a:cxn ang="0">
+                <a:pos x="connsiteX4" y="connsiteY4"/>
+              </a:cxn>
+              <a:cxn ang="0">
+                <a:pos x="connsiteX5" y="connsiteY5"/>
+              </a:cxn>
+              <a:cxn ang="0">
+                <a:pos x="connsiteX6" y="connsiteY6"/>
+              </a:cxn>
+              <a:cxn ang="0">
+                <a:pos x="connsiteX7" y="connsiteY7"/>
+              </a:cxn>
+              <a:cxn ang="0">
+                <a:pos x="connsiteX8" y="connsiteY8"/>
+              </a:cxn>
+              <a:cxn ang="0">
+                <a:pos x="connsiteX9" y="connsiteY9"/>
+              </a:cxn>
+              <a:cxn ang="0">
+                <a:pos x="connsiteX10" y="connsiteY10"/>
+              </a:cxn>
+              <a:cxn ang="0">
+                <a:pos x="connsiteX11" y="connsiteY11"/>
+              </a:cxn>
+              <a:cxn ang="0">
+                <a:pos x="connsiteX12" y="connsiteY12"/>
+              </a:cxn>
+              <a:cxn ang="0">
+                <a:pos x="connsiteX13" y="connsiteY13"/>
+              </a:cxn>
+              <a:cxn ang="0">
+                <a:pos x="connsiteX14" y="connsiteY14"/>
+              </a:cxn>
+              <a:cxn ang="0">
+                <a:pos x="connsiteX15" y="connsiteY15"/>
+              </a:cxn>
+              <a:cxn ang="0">
+                <a:pos x="connsiteX16" y="connsiteY16"/>
+              </a:cxn>
+              <a:cxn ang="0">
+                <a:pos x="connsiteX17" y="connsiteY17"/>
+              </a:cxn>
+              <a:cxn ang="0">
+                <a:pos x="connsiteX18" y="connsiteY18"/>
+              </a:cxn>
+              <a:cxn ang="0">
+                <a:pos x="connsiteX19" y="connsiteY19"/>
+              </a:cxn>
+              <a:cxn ang="0">
+                <a:pos x="connsiteX20" y="connsiteY20"/>
+              </a:cxn>
+              <a:cxn ang="0">
+                <a:pos x="connsiteX21" y="connsiteY21"/>
+              </a:cxn>
+            </a:cxnLst>
+            <a:rect l="l" t="t" r="r" b="b"/>
+            <a:pathLst>
+              <a:path w="527901" h="461922">
+                <a:moveTo>
+                  <a:pt x="65987" y="461922"/>
+                </a:moveTo>
+                <a:cubicBezTo>
+                  <a:pt x="50276" y="455637"/>
+                  <a:pt x="29996" y="455803"/>
+                  <a:pt x="18853" y="443068"/>
+                </a:cubicBezTo>
+                <a:cubicBezTo>
+                  <a:pt x="5766" y="428112"/>
+                  <a:pt x="0" y="386507"/>
+                  <a:pt x="0" y="386507"/>
+                </a:cubicBezTo>
+                <a:cubicBezTo>
+                  <a:pt x="6284" y="364511"/>
+                  <a:pt x="6729" y="339919"/>
+                  <a:pt x="18853" y="320520"/>
+                </a:cubicBezTo>
+                <a:cubicBezTo>
+                  <a:pt x="24120" y="312094"/>
+                  <a:pt x="38088" y="306981"/>
+                  <a:pt x="47134" y="311093"/>
+                </a:cubicBezTo>
+                <a:cubicBezTo>
+                  <a:pt x="75740" y="324096"/>
+                  <a:pt x="122548" y="367654"/>
+                  <a:pt x="122548" y="367654"/>
+                </a:cubicBezTo>
+                <a:cubicBezTo>
+                  <a:pt x="125690" y="377081"/>
+                  <a:pt x="141912" y="395934"/>
+                  <a:pt x="131975" y="395934"/>
+                </a:cubicBezTo>
+                <a:cubicBezTo>
+                  <a:pt x="110896" y="395934"/>
+                  <a:pt x="89295" y="383517"/>
+                  <a:pt x="75414" y="367654"/>
+                </a:cubicBezTo>
+                <a:cubicBezTo>
+                  <a:pt x="64863" y="355596"/>
+                  <a:pt x="69129" y="336231"/>
+                  <a:pt x="65987" y="320520"/>
+                </a:cubicBezTo>
+                <a:cubicBezTo>
+                  <a:pt x="89061" y="266681"/>
+                  <a:pt x="84849" y="229394"/>
+                  <a:pt x="160255" y="235678"/>
+                </a:cubicBezTo>
+                <a:cubicBezTo>
+                  <a:pt x="178514" y="237200"/>
+                  <a:pt x="191678" y="254532"/>
+                  <a:pt x="207389" y="263959"/>
+                </a:cubicBezTo>
+                <a:cubicBezTo>
+                  <a:pt x="210531" y="279670"/>
+                  <a:pt x="221218" y="295687"/>
+                  <a:pt x="216816" y="311093"/>
+                </a:cubicBezTo>
+                <a:cubicBezTo>
+                  <a:pt x="213704" y="321986"/>
+                  <a:pt x="196547" y="337957"/>
+                  <a:pt x="188536" y="329946"/>
+                </a:cubicBezTo>
+                <a:cubicBezTo>
+                  <a:pt x="172360" y="313770"/>
+                  <a:pt x="175967" y="285955"/>
+                  <a:pt x="169682" y="263959"/>
+                </a:cubicBezTo>
+                <a:cubicBezTo>
+                  <a:pt x="202728" y="181343"/>
+                  <a:pt x="189658" y="153479"/>
+                  <a:pt x="282804" y="131983"/>
+                </a:cubicBezTo>
+                <a:cubicBezTo>
+                  <a:pt x="298416" y="128380"/>
+                  <a:pt x="314227" y="138268"/>
+                  <a:pt x="329938" y="141410"/>
+                </a:cubicBezTo>
+                <a:cubicBezTo>
+                  <a:pt x="333080" y="157121"/>
+                  <a:pt x="342507" y="172833"/>
+                  <a:pt x="339365" y="188544"/>
+                </a:cubicBezTo>
+                <a:cubicBezTo>
+                  <a:pt x="335772" y="206511"/>
+                  <a:pt x="323008" y="249589"/>
+                  <a:pt x="311084" y="235678"/>
+                </a:cubicBezTo>
+                <a:cubicBezTo>
+                  <a:pt x="285789" y="206168"/>
+                  <a:pt x="292231" y="160264"/>
+                  <a:pt x="282804" y="122557"/>
+                </a:cubicBezTo>
+                <a:cubicBezTo>
+                  <a:pt x="285946" y="100561"/>
+                  <a:pt x="276520" y="72280"/>
+                  <a:pt x="292231" y="56569"/>
+                </a:cubicBezTo>
+                <a:cubicBezTo>
+                  <a:pt x="313310" y="35490"/>
+                  <a:pt x="348227" y="35814"/>
+                  <a:pt x="377072" y="28289"/>
+                </a:cubicBezTo>
+                <a:cubicBezTo>
+                  <a:pt x="490530" y="-1309"/>
+                  <a:pt x="467502" y="8"/>
+                  <a:pt x="527901" y="8"/>
+                </a:cubicBezTo>
+              </a:path>
+            </a:pathLst>
+          </a:custGeom>
+          <a:noFill/>
+        </p:spPr>
+        <p:style>
+          <a:lnRef idx="2">
+            <a:schemeClr val="accent1">
+              <a:shade val="50000"/>
+            </a:schemeClr>
+          </a:lnRef>
+          <a:fillRef idx="1">
+            <a:schemeClr val="accent1"/>
+          </a:fillRef>
+          <a:effectRef idx="0">
+            <a:schemeClr val="accent1"/>
+          </a:effectRef>
+          <a:fontRef idx="minor">
+            <a:schemeClr val="lt1"/>
+          </a:fontRef>
+        </p:style>
+        <p:txBody>
+          <a:bodyPr rtlCol="0" anchor="ctr"/>
+          <a:lstStyle/>
+          <a:p>
+            <a:pPr algn="ctr"/>
+            <a:endParaRPr lang="ko-KR" altLang="en-US"/>
+          </a:p>
+        </p:txBody>
+      </p:sp>
+    </p:spTree>
+    <p:extLst>
+      <p:ext uri="{BB962C8B-B14F-4D97-AF65-F5344CB8AC3E}">
+        <p14:creationId xmlns:p14="http://schemas.microsoft.com/office/powerpoint/2010/main" val="1451462976"/>
+      </p:ext>
+    </p:extLst>
+  </p:cSld>
+  <p:clrMapOvr>
+    <a:masterClrMapping/>
+  </p:clrMapOvr>
+</p:sld>
+</file>
+
+<file path=ppt/slides/slide9.xml><?xml version="1.0" encoding="utf-8"?>
+<p:sld xmlns:a="http://schemas.openxmlformats.org/drawingml/2006/main" xmlns:r="http://schemas.openxmlformats.org/officeDocument/2006/relationships" xmlns:p="http://schemas.openxmlformats.org/presentationml/2006/main">
+  <p:cSld>
+    <p:spTree>
+      <p:nvGrpSpPr>
+        <p:cNvPr id="1" name=""/>
+        <p:cNvGrpSpPr/>
+        <p:nvPr/>
+      </p:nvGrpSpPr>
+      <p:grpSpPr>
+        <a:xfrm>
+          <a:off x="0" y="0"/>
+          <a:ext cx="0" cy="0"/>
+          <a:chOff x="0" y="0"/>
+          <a:chExt cx="0" cy="0"/>
+        </a:xfrm>
+      </p:grpSpPr>
+      <p:sp>
+        <p:nvSpPr>
+          <p:cNvPr id="12" name="사각형: 둥근 모서리 11">
+            <a:extLst>
+              <a:ext uri="{FF2B5EF4-FFF2-40B4-BE49-F238E27FC236}">
+                <a16:creationId xmlns:a16="http://schemas.microsoft.com/office/drawing/2014/main" id="{6CA48564-8D2A-41E2-9BC0-77500EB8993D}"/>
+              </a:ext>
+            </a:extLst>
+          </p:cNvPr>
+          <p:cNvSpPr/>
+          <p:nvPr/>
+        </p:nvSpPr>
+        <p:spPr>
+          <a:xfrm>
+            <a:off x="5240222" y="955480"/>
+            <a:ext cx="1579988" cy="523220"/>
+          </a:xfrm>
+          <a:prstGeom prst="roundRect">
+            <a:avLst/>
+          </a:prstGeom>
+          <a:solidFill>
+            <a:schemeClr val="accent4">
+              <a:lumMod val="40000"/>
+              <a:lumOff val="60000"/>
+            </a:schemeClr>
+          </a:solidFill>
+          <a:ln>
+            <a:noFill/>
+          </a:ln>
+        </p:spPr>
+        <p:style>
+          <a:lnRef idx="2">
+            <a:schemeClr val="accent1">
+              <a:shade val="50000"/>
+            </a:schemeClr>
+          </a:lnRef>
+          <a:fillRef idx="1">
+            <a:schemeClr val="accent1"/>
+          </a:fillRef>
+          <a:effectRef idx="0">
+            <a:schemeClr val="accent1"/>
+          </a:effectRef>
+          <a:fontRef idx="minor">
+            <a:schemeClr val="lt1"/>
+          </a:fontRef>
+        </p:style>
+        <p:txBody>
+          <a:bodyPr rtlCol="0" anchor="ctr"/>
+          <a:lstStyle/>
+          <a:p>
+            <a:pPr algn="ctr"/>
+            <a:endParaRPr lang="ko-KR" altLang="en-US"/>
+          </a:p>
+        </p:txBody>
+      </p:sp>
+      <p:sp>
+        <p:nvSpPr>
+          <p:cNvPr id="68" name="TextBox 67">
+            <a:extLst>
+              <a:ext uri="{FF2B5EF4-FFF2-40B4-BE49-F238E27FC236}">
+                <a16:creationId xmlns:a16="http://schemas.microsoft.com/office/drawing/2014/main" id="{12658D71-6CFE-4718-A222-A59F9BFD9DCA}"/>
+              </a:ext>
+            </a:extLst>
+          </p:cNvPr>
+          <p:cNvSpPr txBox="1"/>
+          <p:nvPr/>
+        </p:nvSpPr>
+        <p:spPr>
+          <a:xfrm>
+            <a:off x="206463" y="1037795"/>
+            <a:ext cx="199618" cy="400110"/>
+          </a:xfrm>
+          <a:prstGeom prst="rect">
+            <a:avLst/>
+          </a:prstGeom>
+          <a:noFill/>
+        </p:spPr>
+        <p:txBody>
+          <a:bodyPr wrap="square" rtlCol="0">
+            <a:spAutoFit/>
+          </a:bodyPr>
+          <a:lstStyle/>
+          <a:p>
+            <a:r>
+              <a:rPr lang="ko-KR" altLang="en-US" sz="2000" b="1" dirty="0"/>
+              <a:t>킬</a:t>
+            </a:r>
+            <a:endParaRPr lang="en-US" altLang="ko-KR" sz="2000" b="1" dirty="0"/>
+          </a:p>
+        </p:txBody>
+      </p:sp>
+      <p:sp>
+        <p:nvSpPr>
+          <p:cNvPr id="69" name="TextBox 68">
+            <a:extLst>
+              <a:ext uri="{FF2B5EF4-FFF2-40B4-BE49-F238E27FC236}">
+                <a16:creationId xmlns:a16="http://schemas.microsoft.com/office/drawing/2014/main" id="{A6DE0166-3F92-41E3-835F-6EA967B55752}"/>
+              </a:ext>
+            </a:extLst>
+          </p:cNvPr>
+          <p:cNvSpPr txBox="1"/>
+          <p:nvPr/>
+        </p:nvSpPr>
+        <p:spPr>
+          <a:xfrm>
+            <a:off x="853008" y="1048865"/>
+            <a:ext cx="2774268" cy="400110"/>
+          </a:xfrm>
+          <a:prstGeom prst="rect">
+            <a:avLst/>
+          </a:prstGeom>
+          <a:noFill/>
+        </p:spPr>
+        <p:txBody>
+          <a:bodyPr wrap="square">
+            <a:spAutoFit/>
+          </a:bodyPr>
+          <a:lstStyle/>
+          <a:p>
+            <a:r>
+              <a:rPr lang="ko-KR" altLang="en-US" sz="2000" b="1" dirty="0"/>
+              <a:t>회의 후 플레이어 배치</a:t>
+            </a:r>
+            <a:endParaRPr lang="en-US" altLang="ko-KR" sz="2000" b="1" dirty="0"/>
+          </a:p>
+        </p:txBody>
+      </p:sp>
+      <p:sp>
+        <p:nvSpPr>
+          <p:cNvPr id="70" name="TextBox 69">
+            <a:extLst>
+              <a:ext uri="{FF2B5EF4-FFF2-40B4-BE49-F238E27FC236}">
+                <a16:creationId xmlns:a16="http://schemas.microsoft.com/office/drawing/2014/main" id="{CEAB88A2-7ECB-4042-88AE-609A107595B0}"/>
+              </a:ext>
+            </a:extLst>
+          </p:cNvPr>
+          <p:cNvSpPr txBox="1"/>
+          <p:nvPr/>
+        </p:nvSpPr>
+        <p:spPr>
+          <a:xfrm>
+            <a:off x="3627276" y="1041926"/>
+            <a:ext cx="1550870" cy="400110"/>
+          </a:xfrm>
+          <a:prstGeom prst="rect">
+            <a:avLst/>
+          </a:prstGeom>
+          <a:noFill/>
+        </p:spPr>
+        <p:txBody>
+          <a:bodyPr wrap="square">
+            <a:spAutoFit/>
+          </a:bodyPr>
+          <a:lstStyle/>
+          <a:p>
+            <a:r>
+              <a:rPr lang="ko-KR" altLang="en-US" sz="2000" b="1" dirty="0"/>
+              <a:t>게임 구조도 </a:t>
+            </a:r>
+            <a:endParaRPr lang="ko-KR" altLang="en-US" sz="2000" dirty="0"/>
+          </a:p>
+        </p:txBody>
+      </p:sp>
+      <p:sp>
+        <p:nvSpPr>
+          <p:cNvPr id="72" name="직사각형 71">
+            <a:extLst>
+              <a:ext uri="{FF2B5EF4-FFF2-40B4-BE49-F238E27FC236}">
+                <a16:creationId xmlns:a16="http://schemas.microsoft.com/office/drawing/2014/main" id="{3E7A2C32-FFB4-460A-A3B1-F07114F8778D}"/>
+              </a:ext>
+            </a:extLst>
+          </p:cNvPr>
+          <p:cNvSpPr/>
+          <p:nvPr/>
+        </p:nvSpPr>
+        <p:spPr>
+          <a:xfrm>
+            <a:off x="746451" y="1054358"/>
+            <a:ext cx="45719" cy="400110"/>
+          </a:xfrm>
+          <a:prstGeom prst="rect">
+            <a:avLst/>
+          </a:prstGeom>
+          <a:solidFill>
+            <a:schemeClr val="tx1"/>
+          </a:solidFill>
+          <a:ln>
+            <a:noFill/>
+          </a:ln>
+        </p:spPr>
+        <p:style>
+          <a:lnRef idx="2">
+            <a:schemeClr val="accent1">
+              <a:shade val="50000"/>
+            </a:schemeClr>
+          </a:lnRef>
+          <a:fillRef idx="1">
+            <a:schemeClr val="accent1"/>
+          </a:fillRef>
+          <a:effectRef idx="0">
+            <a:schemeClr val="accent1"/>
+          </a:effectRef>
+          <a:fontRef idx="minor">
+            <a:schemeClr val="lt1"/>
+          </a:fontRef>
+        </p:style>
+        <p:txBody>
+          <a:bodyPr rtlCol="0" anchor="ctr"/>
+          <a:lstStyle/>
+          <a:p>
+            <a:pPr algn="ctr"/>
+            <a:endParaRPr lang="ko-KR" altLang="en-US"/>
+          </a:p>
+        </p:txBody>
+      </p:sp>
+      <p:sp>
+        <p:nvSpPr>
+          <p:cNvPr id="74" name="직사각형 73">
+            <a:extLst>
+              <a:ext uri="{FF2B5EF4-FFF2-40B4-BE49-F238E27FC236}">
+                <a16:creationId xmlns:a16="http://schemas.microsoft.com/office/drawing/2014/main" id="{A1F56697-C4DA-4F01-A9A0-9053F965A88D}"/>
+              </a:ext>
+            </a:extLst>
+          </p:cNvPr>
+          <p:cNvSpPr/>
+          <p:nvPr/>
+        </p:nvSpPr>
+        <p:spPr>
+          <a:xfrm>
+            <a:off x="3581557" y="1056727"/>
+            <a:ext cx="45719" cy="400110"/>
+          </a:xfrm>
+          <a:prstGeom prst="rect">
+            <a:avLst/>
+          </a:prstGeom>
+          <a:solidFill>
+            <a:schemeClr val="tx1"/>
+          </a:solidFill>
+          <a:ln>
+            <a:noFill/>
+          </a:ln>
+        </p:spPr>
+        <p:style>
+          <a:lnRef idx="2">
+            <a:schemeClr val="accent1">
+              <a:shade val="50000"/>
+            </a:schemeClr>
+          </a:lnRef>
+          <a:fillRef idx="1">
+            <a:schemeClr val="accent1"/>
+          </a:fillRef>
+          <a:effectRef idx="0">
+            <a:schemeClr val="accent1"/>
+          </a:effectRef>
+          <a:fontRef idx="minor">
+            <a:schemeClr val="lt1"/>
+          </a:fontRef>
+        </p:style>
+        <p:txBody>
+          <a:bodyPr rtlCol="0" anchor="ctr"/>
+          <a:lstStyle/>
+          <a:p>
+            <a:pPr algn="ctr"/>
+            <a:endParaRPr lang="ko-KR" altLang="en-US"/>
+          </a:p>
+        </p:txBody>
+      </p:sp>
+      <p:sp>
+        <p:nvSpPr>
+          <p:cNvPr id="4" name="직사각형 3">
+            <a:extLst>
+              <a:ext uri="{FF2B5EF4-FFF2-40B4-BE49-F238E27FC236}">
+                <a16:creationId xmlns:a16="http://schemas.microsoft.com/office/drawing/2014/main" id="{AE93FE2A-85FE-4157-951C-FC2FADBB3B34}"/>
+              </a:ext>
+            </a:extLst>
+          </p:cNvPr>
+          <p:cNvSpPr/>
+          <p:nvPr/>
+        </p:nvSpPr>
+        <p:spPr>
+          <a:xfrm>
+            <a:off x="0" y="0"/>
+            <a:ext cx="12192000" cy="1034474"/>
+          </a:xfrm>
+          <a:prstGeom prst="rect">
+            <a:avLst/>
+          </a:prstGeom>
+          <a:solidFill>
+            <a:schemeClr val="accent5">
+              <a:lumMod val="60000"/>
+              <a:lumOff val="40000"/>
+            </a:schemeClr>
+          </a:solidFill>
+        </p:spPr>
+        <p:style>
+          <a:lnRef idx="2">
+            <a:schemeClr val="accent1">
+              <a:shade val="50000"/>
+            </a:schemeClr>
+          </a:lnRef>
+          <a:fillRef idx="1">
+            <a:schemeClr val="accent1"/>
+          </a:fillRef>
+          <a:effectRef idx="0">
+            <a:schemeClr val="accent1"/>
+          </a:effectRef>
+          <a:fontRef idx="minor">
+            <a:schemeClr val="lt1"/>
+          </a:fontRef>
+        </p:style>
+        <p:txBody>
+          <a:bodyPr rtlCol="0" anchor="ctr"/>
+          <a:lstStyle/>
+          <a:p>
+            <a:pPr algn="ctr"/>
+            <a:endParaRPr lang="ko-KR" altLang="en-US" dirty="0"/>
+          </a:p>
+        </p:txBody>
+      </p:sp>
+      <p:sp>
+        <p:nvSpPr>
+          <p:cNvPr id="7" name="TextBox 6">
+            <a:extLst>
+              <a:ext uri="{FF2B5EF4-FFF2-40B4-BE49-F238E27FC236}">
+                <a16:creationId xmlns:a16="http://schemas.microsoft.com/office/drawing/2014/main" id="{982817C4-ACF4-45FB-A018-6E6F872691BC}"/>
+              </a:ext>
+            </a:extLst>
+          </p:cNvPr>
+          <p:cNvSpPr txBox="1"/>
+          <p:nvPr/>
+        </p:nvSpPr>
+        <p:spPr>
+          <a:xfrm>
+            <a:off x="646546" y="255627"/>
+            <a:ext cx="9411854" cy="523220"/>
+          </a:xfrm>
+          <a:prstGeom prst="rect">
+            <a:avLst/>
+          </a:prstGeom>
+          <a:noFill/>
+        </p:spPr>
+        <p:txBody>
+          <a:bodyPr wrap="square" rtlCol="0">
+            <a:spAutoFit/>
+          </a:bodyPr>
+          <a:lstStyle/>
+          <a:p>
+            <a:r>
+              <a:rPr lang="ko-KR" altLang="en-US" sz="2800" b="1" dirty="0"/>
+              <a:t>게임 결과 창 </a:t>
+            </a:r>
+            <a:r>
+              <a:rPr lang="en-US" altLang="ko-KR" sz="2800" b="1" dirty="0"/>
+              <a:t>( </a:t>
+            </a:r>
+            <a:r>
+              <a:rPr lang="ko-KR" altLang="en-US" sz="2800" b="1" dirty="0"/>
+              <a:t>납치자를 모두 찾았을 때 결과 창 </a:t>
+            </a:r>
+            <a:r>
+              <a:rPr lang="en-US" altLang="ko-KR" sz="2800" b="1" dirty="0"/>
+              <a:t>)</a:t>
+            </a:r>
+          </a:p>
+        </p:txBody>
+      </p:sp>
+      <p:sp>
+        <p:nvSpPr>
+          <p:cNvPr id="10" name="직사각형 9">
+            <a:extLst>
+              <a:ext uri="{FF2B5EF4-FFF2-40B4-BE49-F238E27FC236}">
+                <a16:creationId xmlns:a16="http://schemas.microsoft.com/office/drawing/2014/main" id="{46A0F60D-0077-4149-B062-DBD9307E6FEA}"/>
+              </a:ext>
+            </a:extLst>
+          </p:cNvPr>
+          <p:cNvSpPr/>
+          <p:nvPr/>
+        </p:nvSpPr>
+        <p:spPr>
+          <a:xfrm>
+            <a:off x="5161545" y="1041173"/>
+            <a:ext cx="45719" cy="400110"/>
+          </a:xfrm>
+          <a:prstGeom prst="rect">
+            <a:avLst/>
+          </a:prstGeom>
+          <a:solidFill>
+            <a:schemeClr val="tx1"/>
+          </a:solidFill>
+          <a:ln>
+            <a:noFill/>
+          </a:ln>
+        </p:spPr>
+        <p:style>
+          <a:lnRef idx="2">
+            <a:schemeClr val="accent1">
+              <a:shade val="50000"/>
+            </a:schemeClr>
+          </a:lnRef>
+          <a:fillRef idx="1">
+            <a:schemeClr val="accent1"/>
+          </a:fillRef>
+          <a:effectRef idx="0">
+            <a:schemeClr val="accent1"/>
+          </a:effectRef>
+          <a:fontRef idx="minor">
+            <a:schemeClr val="lt1"/>
+          </a:fontRef>
+        </p:style>
+        <p:txBody>
+          <a:bodyPr rtlCol="0" anchor="ctr"/>
+          <a:lstStyle/>
+          <a:p>
+            <a:pPr algn="ctr"/>
+            <a:endParaRPr lang="ko-KR" altLang="en-US"/>
+          </a:p>
+        </p:txBody>
+      </p:sp>
+      <p:sp>
+        <p:nvSpPr>
+          <p:cNvPr id="11" name="TextBox 10">
+            <a:extLst>
+              <a:ext uri="{FF2B5EF4-FFF2-40B4-BE49-F238E27FC236}">
+                <a16:creationId xmlns:a16="http://schemas.microsoft.com/office/drawing/2014/main" id="{D3CFEE73-41B2-4270-8C30-853053249758}"/>
+              </a:ext>
+            </a:extLst>
+          </p:cNvPr>
+          <p:cNvSpPr txBox="1"/>
+          <p:nvPr/>
+        </p:nvSpPr>
+        <p:spPr>
+          <a:xfrm>
+            <a:off x="5207264" y="1054358"/>
+            <a:ext cx="1678530" cy="400110"/>
+          </a:xfrm>
+          <a:prstGeom prst="rect">
+            <a:avLst/>
+          </a:prstGeom>
+          <a:noFill/>
+        </p:spPr>
+        <p:txBody>
+          <a:bodyPr wrap="square">
+            <a:spAutoFit/>
+          </a:bodyPr>
+          <a:lstStyle/>
+          <a:p>
+            <a:r>
+              <a:rPr lang="ko-KR" altLang="en-US" sz="2000" b="1" dirty="0"/>
+              <a:t>게임 결과 창 </a:t>
+            </a:r>
+            <a:endParaRPr lang="ko-KR" altLang="en-US" sz="2000" dirty="0"/>
+          </a:p>
+        </p:txBody>
+      </p:sp>
+      <p:sp>
+        <p:nvSpPr>
+          <p:cNvPr id="14" name="사각형: 둥근 모서리 13">
+            <a:extLst>
+              <a:ext uri="{FF2B5EF4-FFF2-40B4-BE49-F238E27FC236}">
+                <a16:creationId xmlns:a16="http://schemas.microsoft.com/office/drawing/2014/main" id="{0AAF1AD4-E157-484B-9346-CB1804FD3DF3}"/>
+              </a:ext>
+            </a:extLst>
+          </p:cNvPr>
+          <p:cNvSpPr/>
+          <p:nvPr/>
+        </p:nvSpPr>
+        <p:spPr>
+          <a:xfrm rot="5400000">
+            <a:off x="2351283" y="169148"/>
+            <a:ext cx="3954079" cy="7874742"/>
+          </a:xfrm>
+          <a:prstGeom prst="roundRect">
+            <a:avLst/>
+          </a:prstGeom>
+          <a:noFill/>
+          <a:ln w="38100">
+            <a:solidFill>
+              <a:schemeClr val="tx1"/>
+            </a:solidFill>
+          </a:ln>
+        </p:spPr>
+        <p:style>
+          <a:lnRef idx="2">
+            <a:schemeClr val="accent1">
+              <a:shade val="50000"/>
+            </a:schemeClr>
+          </a:lnRef>
+          <a:fillRef idx="1">
+            <a:schemeClr val="accent1"/>
+          </a:fillRef>
+          <a:effectRef idx="0">
+            <a:schemeClr val="accent1"/>
+          </a:effectRef>
+          <a:fontRef idx="minor">
+            <a:schemeClr val="lt1"/>
+          </a:fontRef>
+        </p:style>
+        <p:txBody>
+          <a:bodyPr rtlCol="0" anchor="ctr"/>
+          <a:lstStyle/>
+          <a:p>
+            <a:pPr algn="ctr"/>
+            <a:endParaRPr lang="ko-KR" altLang="en-US" dirty="0"/>
+          </a:p>
+        </p:txBody>
+      </p:sp>
+      <p:sp>
+        <p:nvSpPr>
+          <p:cNvPr id="3" name="직사각형 2">
+            <a:extLst>
+              <a:ext uri="{FF2B5EF4-FFF2-40B4-BE49-F238E27FC236}">
+                <a16:creationId xmlns:a16="http://schemas.microsoft.com/office/drawing/2014/main" id="{2C18C050-3297-43B0-B3DD-79AF0F21F07D}"/>
+              </a:ext>
+            </a:extLst>
+          </p:cNvPr>
+          <p:cNvSpPr/>
+          <p:nvPr/>
+        </p:nvSpPr>
+        <p:spPr>
+          <a:xfrm>
+            <a:off x="8518845" y="2748914"/>
+            <a:ext cx="3405674" cy="2715209"/>
+          </a:xfrm>
+          <a:prstGeom prst="rect">
+            <a:avLst/>
+          </a:prstGeom>
+          <a:solidFill>
+            <a:schemeClr val="bg1"/>
+          </a:solidFill>
+          <a:ln w="38100">
+            <a:solidFill>
+              <a:schemeClr val="tx1"/>
+            </a:solidFill>
+          </a:ln>
+        </p:spPr>
+        <p:style>
+          <a:lnRef idx="2">
+            <a:schemeClr val="accent1">
+              <a:shade val="50000"/>
+            </a:schemeClr>
+          </a:lnRef>
+          <a:fillRef idx="1">
+            <a:schemeClr val="accent1"/>
+          </a:fillRef>
+          <a:effectRef idx="0">
+            <a:schemeClr val="accent1"/>
+          </a:effectRef>
+          <a:fontRef idx="minor">
+            <a:schemeClr val="lt1"/>
+          </a:fontRef>
+        </p:style>
+        <p:txBody>
+          <a:bodyPr rtlCol="0" anchor="ctr"/>
+          <a:lstStyle/>
+          <a:p>
+            <a:pPr marL="285750" indent="-285750" algn="ctr">
+              <a:buFontTx/>
+              <a:buChar char="-"/>
+            </a:pPr>
+            <a:r>
+              <a:rPr lang="ko-KR" altLang="en-US" sz="1600" b="1" dirty="0">
+                <a:solidFill>
+                  <a:schemeClr val="tx1"/>
+                </a:solidFill>
+              </a:rPr>
+              <a:t>돋보기로 사람을 검사하는 듯한 모션을 한다</a:t>
+            </a:r>
+            <a:r>
+              <a:rPr lang="en-US" altLang="ko-KR" sz="1600" b="1" dirty="0">
+                <a:solidFill>
+                  <a:schemeClr val="tx1"/>
+                </a:solidFill>
+              </a:rPr>
+              <a:t>. </a:t>
+            </a:r>
+            <a:r>
+              <a:rPr lang="ko-KR" altLang="en-US" sz="1600" b="1" dirty="0">
+                <a:solidFill>
+                  <a:schemeClr val="tx1"/>
+                </a:solidFill>
+              </a:rPr>
+              <a:t>그 사람을 지나치면 빨간 느낌표가 표시되며 검은 화면으로 바뀐다</a:t>
+            </a:r>
+            <a:r>
+              <a:rPr lang="en-US" altLang="ko-KR" sz="1600" b="1" dirty="0">
+                <a:solidFill>
+                  <a:schemeClr val="tx1"/>
+                </a:solidFill>
+              </a:rPr>
+              <a:t>.</a:t>
+            </a:r>
+          </a:p>
+          <a:p>
+            <a:pPr marL="285750" indent="-285750" algn="ctr">
+              <a:buFontTx/>
+              <a:buChar char="-"/>
+            </a:pPr>
+            <a:endParaRPr lang="en-US" altLang="ko-KR" sz="1600" b="1" dirty="0">
+              <a:solidFill>
+                <a:schemeClr val="tx1"/>
+              </a:solidFill>
+            </a:endParaRPr>
+          </a:p>
+          <a:p>
+            <a:pPr marL="285750" indent="-285750" algn="ctr">
+              <a:buFontTx/>
+              <a:buChar char="-"/>
+            </a:pPr>
+            <a:r>
+              <a:rPr lang="ko-KR" altLang="en-US" sz="1600" b="1" dirty="0">
+                <a:solidFill>
+                  <a:schemeClr val="tx1"/>
+                </a:solidFill>
+              </a:rPr>
+              <a:t>공동 결과창으로 이동</a:t>
+            </a:r>
+          </a:p>
+        </p:txBody>
+      </p:sp>
+      <p:pic>
+        <p:nvPicPr>
+          <p:cNvPr id="6" name="그래픽 5" descr="남자 윤곽선">
+            <a:extLst>
+              <a:ext uri="{FF2B5EF4-FFF2-40B4-BE49-F238E27FC236}">
+                <a16:creationId xmlns:a16="http://schemas.microsoft.com/office/drawing/2014/main" id="{EADB742A-6A5D-4F23-A97C-FCD24478AC79}"/>
+              </a:ext>
+            </a:extLst>
+          </p:cNvPr>
+          <p:cNvPicPr>
+            <a:picLocks noChangeAspect="1"/>
+          </p:cNvPicPr>
+          <p:nvPr/>
+        </p:nvPicPr>
+        <p:blipFill>
+          <a:blip r:embed="rId3">
+            <a:extLst>
+              <a:ext uri="{28A0092B-C50C-407E-A947-70E740481C1C}">
+                <a14:useLocalDpi xmlns:a14="http://schemas.microsoft.com/office/drawing/2010/main" val="0"/>
+              </a:ext>
+              <a:ext uri="{96DAC541-7B7A-43D3-8B79-37D633B846F1}">
+                <asvg:svgBlip xmlns:asvg="http://schemas.microsoft.com/office/drawing/2016/SVG/main" r:embed="rId4"/>
+              </a:ext>
+            </a:extLst>
+          </a:blip>
+          <a:stretch>
+            <a:fillRect/>
+          </a:stretch>
+        </p:blipFill>
+        <p:spPr>
+          <a:xfrm>
+            <a:off x="1234750" y="3251717"/>
+            <a:ext cx="1824136" cy="1824136"/>
+          </a:xfrm>
+          <a:prstGeom prst="rect">
+            <a:avLst/>
+          </a:prstGeom>
+        </p:spPr>
+      </p:pic>
+      <p:pic>
+        <p:nvPicPr>
+          <p:cNvPr id="25" name="그래픽 24" descr="남자 윤곽선">
+            <a:extLst>
+              <a:ext uri="{FF2B5EF4-FFF2-40B4-BE49-F238E27FC236}">
+                <a16:creationId xmlns:a16="http://schemas.microsoft.com/office/drawing/2014/main" id="{A3AA7A24-8100-46D9-BFFD-EE8B0AA3E961}"/>
+              </a:ext>
+            </a:extLst>
+          </p:cNvPr>
+          <p:cNvPicPr>
+            <a:picLocks noChangeAspect="1"/>
+          </p:cNvPicPr>
+          <p:nvPr/>
+        </p:nvPicPr>
+        <p:blipFill>
+          <a:blip r:embed="rId3">
+            <a:extLst>
+              <a:ext uri="{28A0092B-C50C-407E-A947-70E740481C1C}">
+                <a14:useLocalDpi xmlns:a14="http://schemas.microsoft.com/office/drawing/2010/main" val="0"/>
+              </a:ext>
+              <a:ext uri="{96DAC541-7B7A-43D3-8B79-37D633B846F1}">
+                <asvg:svgBlip xmlns:asvg="http://schemas.microsoft.com/office/drawing/2016/SVG/main" r:embed="rId4"/>
+              </a:ext>
+            </a:extLst>
+          </a:blip>
+          <a:stretch>
+            <a:fillRect/>
+          </a:stretch>
+        </p:blipFill>
+        <p:spPr>
+          <a:xfrm>
+            <a:off x="3418866" y="3093097"/>
+            <a:ext cx="1824136" cy="1824136"/>
+          </a:xfrm>
+          <a:prstGeom prst="rect">
+            <a:avLst/>
+          </a:prstGeom>
+        </p:spPr>
+      </p:pic>
+      <p:pic>
+        <p:nvPicPr>
+          <p:cNvPr id="29" name="그래픽 28" descr="남자 윤곽선">
+            <a:extLst>
+              <a:ext uri="{FF2B5EF4-FFF2-40B4-BE49-F238E27FC236}">
+                <a16:creationId xmlns:a16="http://schemas.microsoft.com/office/drawing/2014/main" id="{6A445642-7ADF-416E-A6AE-5F39095573F8}"/>
+              </a:ext>
+            </a:extLst>
+          </p:cNvPr>
+          <p:cNvPicPr>
+            <a:picLocks noChangeAspect="1"/>
+          </p:cNvPicPr>
+          <p:nvPr/>
+        </p:nvPicPr>
+        <p:blipFill>
+          <a:blip r:embed="rId3">
+            <a:extLst>
+              <a:ext uri="{28A0092B-C50C-407E-A947-70E740481C1C}">
+                <a14:useLocalDpi xmlns:a14="http://schemas.microsoft.com/office/drawing/2010/main" val="0"/>
+              </a:ext>
+              <a:ext uri="{96DAC541-7B7A-43D3-8B79-37D633B846F1}">
+                <asvg:svgBlip xmlns:asvg="http://schemas.microsoft.com/office/drawing/2016/SVG/main" r:embed="rId4"/>
+              </a:ext>
+            </a:extLst>
+          </a:blip>
+          <a:stretch>
+            <a:fillRect/>
+          </a:stretch>
+        </p:blipFill>
+        <p:spPr>
+          <a:xfrm>
+            <a:off x="5602982" y="3093097"/>
+            <a:ext cx="1824136" cy="1824136"/>
+          </a:xfrm>
+          <a:prstGeom prst="rect">
+            <a:avLst/>
+          </a:prstGeom>
+        </p:spPr>
+      </p:pic>
+      <p:sp>
+        <p:nvSpPr>
+          <p:cNvPr id="9" name="TextBox 8">
+            <a:extLst>
+              <a:ext uri="{FF2B5EF4-FFF2-40B4-BE49-F238E27FC236}">
+                <a16:creationId xmlns:a16="http://schemas.microsoft.com/office/drawing/2014/main" id="{44C4C182-44E4-41D3-B2F4-7ACC44FCD16F}"/>
+              </a:ext>
+            </a:extLst>
+          </p:cNvPr>
+          <p:cNvSpPr txBox="1"/>
+          <p:nvPr/>
+        </p:nvSpPr>
+        <p:spPr>
+          <a:xfrm>
+            <a:off x="1979568" y="3651222"/>
+            <a:ext cx="334500" cy="707886"/>
+          </a:xfrm>
+          <a:prstGeom prst="rect">
+            <a:avLst/>
+          </a:prstGeom>
+          <a:noFill/>
+        </p:spPr>
+        <p:txBody>
+          <a:bodyPr wrap="square" rtlCol="0">
+            <a:spAutoFit/>
+          </a:bodyPr>
+          <a:lstStyle/>
+          <a:p>
+            <a:r>
+              <a:rPr lang="en-US" altLang="ko-KR" sz="4000" b="1" dirty="0">
+                <a:solidFill>
+                  <a:srgbClr val="FF0000"/>
+                </a:solidFill>
+              </a:rPr>
+              <a:t>!</a:t>
+            </a:r>
+            <a:endParaRPr lang="ko-KR" altLang="en-US" sz="4000" b="1" dirty="0">
+              <a:solidFill>
+                <a:srgbClr val="FF0000"/>
+              </a:solidFill>
+            </a:endParaRPr>
+          </a:p>
+        </p:txBody>
+      </p:sp>
+      <p:sp>
+        <p:nvSpPr>
+          <p:cNvPr id="30" name="TextBox 29">
+            <a:extLst>
+              <a:ext uri="{FF2B5EF4-FFF2-40B4-BE49-F238E27FC236}">
+                <a16:creationId xmlns:a16="http://schemas.microsoft.com/office/drawing/2014/main" id="{A3F22A5B-4F31-4443-B807-3D9FEB71906C}"/>
+              </a:ext>
+            </a:extLst>
+          </p:cNvPr>
+          <p:cNvSpPr txBox="1"/>
+          <p:nvPr/>
+        </p:nvSpPr>
+        <p:spPr>
+          <a:xfrm>
+            <a:off x="4161072" y="3533034"/>
+            <a:ext cx="334500" cy="707886"/>
+          </a:xfrm>
+          <a:prstGeom prst="rect">
+            <a:avLst/>
+          </a:prstGeom>
+          <a:noFill/>
+        </p:spPr>
+        <p:txBody>
+          <a:bodyPr wrap="square" rtlCol="0">
+            <a:spAutoFit/>
+          </a:bodyPr>
+          <a:lstStyle/>
+          <a:p>
+            <a:r>
+              <a:rPr lang="en-US" altLang="ko-KR" sz="4000" b="1" dirty="0">
+                <a:solidFill>
+                  <a:srgbClr val="FF0000"/>
+                </a:solidFill>
+              </a:rPr>
+              <a:t>!</a:t>
+            </a:r>
+            <a:endParaRPr lang="ko-KR" altLang="en-US" sz="4000" b="1" dirty="0">
+              <a:solidFill>
+                <a:srgbClr val="FF0000"/>
+              </a:solidFill>
+            </a:endParaRPr>
+          </a:p>
+        </p:txBody>
+      </p:sp>
+      <p:sp>
+        <p:nvSpPr>
+          <p:cNvPr id="31" name="TextBox 30">
+            <a:extLst>
+              <a:ext uri="{FF2B5EF4-FFF2-40B4-BE49-F238E27FC236}">
+                <a16:creationId xmlns:a16="http://schemas.microsoft.com/office/drawing/2014/main" id="{26EE3C3A-9927-409E-837C-BB294F6AD955}"/>
+              </a:ext>
+            </a:extLst>
+          </p:cNvPr>
+          <p:cNvSpPr txBox="1"/>
+          <p:nvPr/>
+        </p:nvSpPr>
+        <p:spPr>
+          <a:xfrm>
+            <a:off x="6347800" y="3503329"/>
+            <a:ext cx="334500" cy="707886"/>
+          </a:xfrm>
+          <a:prstGeom prst="rect">
+            <a:avLst/>
+          </a:prstGeom>
+          <a:noFill/>
+        </p:spPr>
+        <p:txBody>
+          <a:bodyPr wrap="square" rtlCol="0">
+            <a:spAutoFit/>
+          </a:bodyPr>
+          <a:lstStyle/>
+          <a:p>
+            <a:r>
+              <a:rPr lang="en-US" altLang="ko-KR" sz="4000" b="1" dirty="0">
+                <a:solidFill>
+                  <a:srgbClr val="FF0000"/>
+                </a:solidFill>
+              </a:rPr>
+              <a:t>!</a:t>
+            </a:r>
+            <a:endParaRPr lang="ko-KR" altLang="en-US" sz="4000" b="1" dirty="0">
+              <a:solidFill>
+                <a:srgbClr val="FF0000"/>
+              </a:solidFill>
+            </a:endParaRPr>
+          </a:p>
+        </p:txBody>
+      </p:sp>
+      <p:pic>
+        <p:nvPicPr>
+          <p:cNvPr id="16" name="그래픽 15" descr="돋보기 윤곽선">
+            <a:extLst>
+              <a:ext uri="{FF2B5EF4-FFF2-40B4-BE49-F238E27FC236}">
+                <a16:creationId xmlns:a16="http://schemas.microsoft.com/office/drawing/2014/main" id="{FDE7620F-4E24-46BD-A3A3-5F3F971E2D08}"/>
+              </a:ext>
+            </a:extLst>
+          </p:cNvPr>
+          <p:cNvPicPr>
+            <a:picLocks noChangeAspect="1"/>
+          </p:cNvPicPr>
+          <p:nvPr/>
+        </p:nvPicPr>
+        <p:blipFill>
+          <a:blip r:embed="rId5">
+            <a:extLst>
+              <a:ext uri="{28A0092B-C50C-407E-A947-70E740481C1C}">
+                <a14:useLocalDpi xmlns:a14="http://schemas.microsoft.com/office/drawing/2010/main" val="0"/>
+              </a:ext>
+              <a:ext uri="{96DAC541-7B7A-43D3-8B79-37D633B846F1}">
+                <asvg:svgBlip xmlns:asvg="http://schemas.microsoft.com/office/drawing/2016/SVG/main" r:embed="rId6"/>
+              </a:ext>
+            </a:extLst>
+          </a:blip>
+          <a:stretch>
+            <a:fillRect/>
+          </a:stretch>
+        </p:blipFill>
+        <p:spPr>
+          <a:xfrm>
+            <a:off x="1391407" y="3093097"/>
+            <a:ext cx="1931089" cy="1931089"/>
+          </a:xfrm>
+          <a:prstGeom prst="rect">
+            <a:avLst/>
+          </a:prstGeom>
+        </p:spPr>
+      </p:pic>
+      <p:pic>
+        <p:nvPicPr>
+          <p:cNvPr id="32" name="그래픽 31" descr="돋보기 윤곽선">
+            <a:extLst>
+              <a:ext uri="{FF2B5EF4-FFF2-40B4-BE49-F238E27FC236}">
+                <a16:creationId xmlns:a16="http://schemas.microsoft.com/office/drawing/2014/main" id="{BF35FADF-E2CD-4A51-BD94-74370B3DFDBF}"/>
+              </a:ext>
+            </a:extLst>
+          </p:cNvPr>
+          <p:cNvPicPr>
+            <a:picLocks noChangeAspect="1"/>
+          </p:cNvPicPr>
+          <p:nvPr/>
+        </p:nvPicPr>
+        <p:blipFill>
+          <a:blip r:embed="rId5">
+            <a:extLst>
+              <a:ext uri="{28A0092B-C50C-407E-A947-70E740481C1C}">
+                <a14:useLocalDpi xmlns:a14="http://schemas.microsoft.com/office/drawing/2010/main" val="0"/>
+              </a:ext>
+              <a:ext uri="{96DAC541-7B7A-43D3-8B79-37D633B846F1}">
+                <asvg:svgBlip xmlns:asvg="http://schemas.microsoft.com/office/drawing/2016/SVG/main" r:embed="rId6"/>
+              </a:ext>
+            </a:extLst>
+          </a:blip>
+          <a:stretch>
+            <a:fillRect/>
+          </a:stretch>
+        </p:blipFill>
+        <p:spPr>
+          <a:xfrm>
+            <a:off x="3567991" y="3030463"/>
+            <a:ext cx="1931089" cy="1931089"/>
+          </a:xfrm>
+          <a:prstGeom prst="rect">
+            <a:avLst/>
+          </a:prstGeom>
+        </p:spPr>
+      </p:pic>
+      <p:pic>
+        <p:nvPicPr>
+          <p:cNvPr id="33" name="그래픽 32" descr="돋보기 윤곽선">
+            <a:extLst>
+              <a:ext uri="{FF2B5EF4-FFF2-40B4-BE49-F238E27FC236}">
+                <a16:creationId xmlns:a16="http://schemas.microsoft.com/office/drawing/2014/main" id="{007B0A62-5F7C-4D11-BD28-365FB0C93353}"/>
+              </a:ext>
+            </a:extLst>
+          </p:cNvPr>
+          <p:cNvPicPr>
+            <a:picLocks noChangeAspect="1"/>
+          </p:cNvPicPr>
+          <p:nvPr/>
+        </p:nvPicPr>
+        <p:blipFill>
+          <a:blip r:embed="rId5">
+            <a:extLst>
+              <a:ext uri="{28A0092B-C50C-407E-A947-70E740481C1C}">
+                <a14:useLocalDpi xmlns:a14="http://schemas.microsoft.com/office/drawing/2010/main" val="0"/>
+              </a:ext>
+              <a:ext uri="{96DAC541-7B7A-43D3-8B79-37D633B846F1}">
+                <asvg:svgBlip xmlns:asvg="http://schemas.microsoft.com/office/drawing/2016/SVG/main" r:embed="rId6"/>
+              </a:ext>
+            </a:extLst>
+          </a:blip>
+          <a:stretch>
+            <a:fillRect/>
+          </a:stretch>
+        </p:blipFill>
+        <p:spPr>
+          <a:xfrm>
+            <a:off x="5741470" y="2986144"/>
+            <a:ext cx="1931089" cy="1931089"/>
+          </a:xfrm>
+          <a:prstGeom prst="rect">
+            <a:avLst/>
+          </a:prstGeom>
+        </p:spPr>
+      </p:pic>
+    </p:spTree>
+    <p:extLst>
+      <p:ext uri="{BB962C8B-B14F-4D97-AF65-F5344CB8AC3E}">
+        <p14:creationId xmlns:p14="http://schemas.microsoft.com/office/powerpoint/2010/main" val="1654176119"/>
       </p:ext>
     </p:extLst>
   </p:cSld>

--- a/Document/시스템/시스템.pptx
+++ b/Document/시스템/시스템.pptx
@@ -5,7 +5,7 @@
     <p:sldMasterId id="2147483648" r:id="rId1"/>
   </p:sldMasterIdLst>
   <p:notesMasterIdLst>
-    <p:notesMasterId r:id="rId12"/>
+    <p:notesMasterId r:id="rId11"/>
   </p:notesMasterIdLst>
   <p:sldIdLst>
     <p:sldId id="257" r:id="rId2"/>
@@ -15,9 +15,8 @@
     <p:sldId id="296" r:id="rId6"/>
     <p:sldId id="297" r:id="rId7"/>
     <p:sldId id="298" r:id="rId8"/>
-    <p:sldId id="299" r:id="rId9"/>
-    <p:sldId id="300" r:id="rId10"/>
-    <p:sldId id="301" r:id="rId11"/>
+    <p:sldId id="300" r:id="rId9"/>
+    <p:sldId id="301" r:id="rId10"/>
   </p:sldIdLst>
   <p:sldSz cx="12192000" cy="6858000"/>
   <p:notesSz cx="6858000" cy="9144000"/>
@@ -206,7 +205,7 @@
           <a:p>
             <a:fld id="{1BE7B796-A74A-480E-B7C3-F20E279F0A7C}" type="datetimeFigureOut">
               <a:rPr lang="ko-KR" altLang="en-US" smtClean="0"/>
-              <a:t>2022-03-10(Thu)</a:t>
+              <a:t>2022-03-14(Mon)</a:t>
             </a:fld>
             <a:endParaRPr lang="ko-KR" altLang="en-US"/>
           </a:p>
@@ -1051,7 +1050,7 @@
     </p:spTree>
     <p:extLst>
       <p:ext uri="{BB962C8B-B14F-4D97-AF65-F5344CB8AC3E}">
-        <p14:creationId xmlns:p14="http://schemas.microsoft.com/office/powerpoint/2010/main" val="2971540532"/>
+        <p14:creationId xmlns:p14="http://schemas.microsoft.com/office/powerpoint/2010/main" val="1808876994"/>
       </p:ext>
     </p:extLst>
   </p:cSld>
@@ -1127,90 +1126,6 @@
             <a:fld id="{73EB825B-89DC-4B21-8B3A-B3CA9CD761CE}" type="slidenum">
               <a:rPr lang="ko-KR" altLang="en-US" smtClean="0"/>
               <a:t>9</a:t>
-            </a:fld>
-            <a:endParaRPr lang="ko-KR" altLang="en-US"/>
-          </a:p>
-        </p:txBody>
-      </p:sp>
-    </p:spTree>
-    <p:extLst>
-      <p:ext uri="{BB962C8B-B14F-4D97-AF65-F5344CB8AC3E}">
-        <p14:creationId xmlns:p14="http://schemas.microsoft.com/office/powerpoint/2010/main" val="1808876994"/>
-      </p:ext>
-    </p:extLst>
-  </p:cSld>
-  <p:clrMapOvr>
-    <a:masterClrMapping/>
-  </p:clrMapOvr>
-</p:notes>
-</file>
-
-<file path=ppt/notesSlides/notesSlide9.xml><?xml version="1.0" encoding="utf-8"?>
-<p:notes xmlns:a="http://schemas.openxmlformats.org/drawingml/2006/main" xmlns:r="http://schemas.openxmlformats.org/officeDocument/2006/relationships" xmlns:p="http://schemas.openxmlformats.org/presentationml/2006/main">
-  <p:cSld>
-    <p:spTree>
-      <p:nvGrpSpPr>
-        <p:cNvPr id="1" name=""/>
-        <p:cNvGrpSpPr/>
-        <p:nvPr/>
-      </p:nvGrpSpPr>
-      <p:grpSpPr>
-        <a:xfrm>
-          <a:off x="0" y="0"/>
-          <a:ext cx="0" cy="0"/>
-          <a:chOff x="0" y="0"/>
-          <a:chExt cx="0" cy="0"/>
-        </a:xfrm>
-      </p:grpSpPr>
-      <p:sp>
-        <p:nvSpPr>
-          <p:cNvPr id="2" name="슬라이드 이미지 개체 틀 1"/>
-          <p:cNvSpPr>
-            <a:spLocks noGrp="1" noRot="1" noChangeAspect="1"/>
-          </p:cNvSpPr>
-          <p:nvPr>
-            <p:ph type="sldImg"/>
-          </p:nvPr>
-        </p:nvSpPr>
-        <p:spPr/>
-      </p:sp>
-      <p:sp>
-        <p:nvSpPr>
-          <p:cNvPr id="3" name="슬라이드 노트 개체 틀 2"/>
-          <p:cNvSpPr>
-            <a:spLocks noGrp="1"/>
-          </p:cNvSpPr>
-          <p:nvPr>
-            <p:ph type="body" idx="1"/>
-          </p:nvPr>
-        </p:nvSpPr>
-        <p:spPr/>
-        <p:txBody>
-          <a:bodyPr/>
-          <a:lstStyle/>
-          <a:p>
-            <a:endParaRPr lang="ko-KR" altLang="en-US" dirty="0"/>
-          </a:p>
-        </p:txBody>
-      </p:sp>
-      <p:sp>
-        <p:nvSpPr>
-          <p:cNvPr id="4" name="슬라이드 번호 개체 틀 3"/>
-          <p:cNvSpPr>
-            <a:spLocks noGrp="1"/>
-          </p:cNvSpPr>
-          <p:nvPr>
-            <p:ph type="sldNum" sz="quarter" idx="5"/>
-          </p:nvPr>
-        </p:nvSpPr>
-        <p:spPr/>
-        <p:txBody>
-          <a:bodyPr/>
-          <a:lstStyle/>
-          <a:p>
-            <a:fld id="{73EB825B-89DC-4B21-8B3A-B3CA9CD761CE}" type="slidenum">
-              <a:rPr lang="ko-KR" altLang="en-US" smtClean="0"/>
-              <a:t>10</a:t>
             </a:fld>
             <a:endParaRPr lang="ko-KR" altLang="en-US"/>
           </a:p>
@@ -1376,7 +1291,7 @@
           <a:p>
             <a:fld id="{4E8DDE92-A542-49E3-8BCA-C8166235BA4E}" type="datetimeFigureOut">
               <a:rPr lang="ko-KR" altLang="en-US" smtClean="0"/>
-              <a:t>2022-03-10(Thu)</a:t>
+              <a:t>2022-03-14(Mon)</a:t>
             </a:fld>
             <a:endParaRPr lang="ko-KR" altLang="en-US"/>
           </a:p>
@@ -1574,7 +1489,7 @@
           <a:p>
             <a:fld id="{4E8DDE92-A542-49E3-8BCA-C8166235BA4E}" type="datetimeFigureOut">
               <a:rPr lang="ko-KR" altLang="en-US" smtClean="0"/>
-              <a:t>2022-03-10(Thu)</a:t>
+              <a:t>2022-03-14(Mon)</a:t>
             </a:fld>
             <a:endParaRPr lang="ko-KR" altLang="en-US"/>
           </a:p>
@@ -1782,7 +1697,7 @@
           <a:p>
             <a:fld id="{4E8DDE92-A542-49E3-8BCA-C8166235BA4E}" type="datetimeFigureOut">
               <a:rPr lang="ko-KR" altLang="en-US" smtClean="0"/>
-              <a:t>2022-03-10(Thu)</a:t>
+              <a:t>2022-03-14(Mon)</a:t>
             </a:fld>
             <a:endParaRPr lang="ko-KR" altLang="en-US"/>
           </a:p>
@@ -2232,7 +2147,7 @@
           <a:p>
             <a:fld id="{4E8DDE92-A542-49E3-8BCA-C8166235BA4E}" type="datetimeFigureOut">
               <a:rPr lang="ko-KR" altLang="en-US" smtClean="0"/>
-              <a:t>2022-03-10(Thu)</a:t>
+              <a:t>2022-03-14(Mon)</a:t>
             </a:fld>
             <a:endParaRPr lang="ko-KR" altLang="en-US"/>
           </a:p>
@@ -2507,7 +2422,7 @@
           <a:p>
             <a:fld id="{4E8DDE92-A542-49E3-8BCA-C8166235BA4E}" type="datetimeFigureOut">
               <a:rPr lang="ko-KR" altLang="en-US" smtClean="0"/>
-              <a:t>2022-03-10(Thu)</a:t>
+              <a:t>2022-03-14(Mon)</a:t>
             </a:fld>
             <a:endParaRPr lang="ko-KR" altLang="en-US"/>
           </a:p>
@@ -2772,7 +2687,7 @@
           <a:p>
             <a:fld id="{4E8DDE92-A542-49E3-8BCA-C8166235BA4E}" type="datetimeFigureOut">
               <a:rPr lang="ko-KR" altLang="en-US" smtClean="0"/>
-              <a:t>2022-03-10(Thu)</a:t>
+              <a:t>2022-03-14(Mon)</a:t>
             </a:fld>
             <a:endParaRPr lang="ko-KR" altLang="en-US"/>
           </a:p>
@@ -3184,7 +3099,7 @@
           <a:p>
             <a:fld id="{4E8DDE92-A542-49E3-8BCA-C8166235BA4E}" type="datetimeFigureOut">
               <a:rPr lang="ko-KR" altLang="en-US" smtClean="0"/>
-              <a:t>2022-03-10(Thu)</a:t>
+              <a:t>2022-03-14(Mon)</a:t>
             </a:fld>
             <a:endParaRPr lang="ko-KR" altLang="en-US"/>
           </a:p>
@@ -3325,7 +3240,7 @@
           <a:p>
             <a:fld id="{4E8DDE92-A542-49E3-8BCA-C8166235BA4E}" type="datetimeFigureOut">
               <a:rPr lang="ko-KR" altLang="en-US" smtClean="0"/>
-              <a:t>2022-03-10(Thu)</a:t>
+              <a:t>2022-03-14(Mon)</a:t>
             </a:fld>
             <a:endParaRPr lang="ko-KR" altLang="en-US"/>
           </a:p>
@@ -3438,7 +3353,7 @@
           <a:p>
             <a:fld id="{4E8DDE92-A542-49E3-8BCA-C8166235BA4E}" type="datetimeFigureOut">
               <a:rPr lang="ko-KR" altLang="en-US" smtClean="0"/>
-              <a:t>2022-03-10(Thu)</a:t>
+              <a:t>2022-03-14(Mon)</a:t>
             </a:fld>
             <a:endParaRPr lang="ko-KR" altLang="en-US"/>
           </a:p>
@@ -3749,7 +3664,7 @@
           <a:p>
             <a:fld id="{4E8DDE92-A542-49E3-8BCA-C8166235BA4E}" type="datetimeFigureOut">
               <a:rPr lang="ko-KR" altLang="en-US" smtClean="0"/>
-              <a:t>2022-03-10(Thu)</a:t>
+              <a:t>2022-03-14(Mon)</a:t>
             </a:fld>
             <a:endParaRPr lang="ko-KR" altLang="en-US"/>
           </a:p>
@@ -4037,7 +3952,7 @@
           <a:p>
             <a:fld id="{4E8DDE92-A542-49E3-8BCA-C8166235BA4E}" type="datetimeFigureOut">
               <a:rPr lang="ko-KR" altLang="en-US" smtClean="0"/>
-              <a:t>2022-03-10(Thu)</a:t>
+              <a:t>2022-03-14(Mon)</a:t>
             </a:fld>
             <a:endParaRPr lang="ko-KR" altLang="en-US"/>
           </a:p>
@@ -4278,7 +4193,7 @@
           <a:p>
             <a:fld id="{4E8DDE92-A542-49E3-8BCA-C8166235BA4E}" type="datetimeFigureOut">
               <a:rPr lang="ko-KR" altLang="en-US" smtClean="0"/>
-              <a:t>2022-03-10(Thu)</a:t>
+              <a:t>2022-03-14(Mon)</a:t>
             </a:fld>
             <a:endParaRPr lang="ko-KR" altLang="en-US"/>
           </a:p>
@@ -4773,1186 +4688,6 @@
     <p:extLst>
       <p:ext uri="{BB962C8B-B14F-4D97-AF65-F5344CB8AC3E}">
         <p14:creationId xmlns:p14="http://schemas.microsoft.com/office/powerpoint/2010/main" val="1182045950"/>
-      </p:ext>
-    </p:extLst>
-  </p:cSld>
-  <p:clrMapOvr>
-    <a:masterClrMapping/>
-  </p:clrMapOvr>
-</p:sld>
-</file>
-
-<file path=ppt/slides/slide10.xml><?xml version="1.0" encoding="utf-8"?>
-<p:sld xmlns:a="http://schemas.openxmlformats.org/drawingml/2006/main" xmlns:r="http://schemas.openxmlformats.org/officeDocument/2006/relationships" xmlns:p="http://schemas.openxmlformats.org/presentationml/2006/main">
-  <p:cSld>
-    <p:spTree>
-      <p:nvGrpSpPr>
-        <p:cNvPr id="1" name=""/>
-        <p:cNvGrpSpPr/>
-        <p:nvPr/>
-      </p:nvGrpSpPr>
-      <p:grpSpPr>
-        <a:xfrm>
-          <a:off x="0" y="0"/>
-          <a:ext cx="0" cy="0"/>
-          <a:chOff x="0" y="0"/>
-          <a:chExt cx="0" cy="0"/>
-        </a:xfrm>
-      </p:grpSpPr>
-      <p:sp>
-        <p:nvSpPr>
-          <p:cNvPr id="12" name="사각형: 둥근 모서리 11">
-            <a:extLst>
-              <a:ext uri="{FF2B5EF4-FFF2-40B4-BE49-F238E27FC236}">
-                <a16:creationId xmlns:a16="http://schemas.microsoft.com/office/drawing/2014/main" id="{6CA48564-8D2A-41E2-9BC0-77500EB8993D}"/>
-              </a:ext>
-            </a:extLst>
-          </p:cNvPr>
-          <p:cNvSpPr/>
-          <p:nvPr/>
-        </p:nvSpPr>
-        <p:spPr>
-          <a:xfrm>
-            <a:off x="5240222" y="955480"/>
-            <a:ext cx="1579988" cy="523220"/>
-          </a:xfrm>
-          <a:prstGeom prst="roundRect">
-            <a:avLst/>
-          </a:prstGeom>
-          <a:solidFill>
-            <a:schemeClr val="accent4">
-              <a:lumMod val="40000"/>
-              <a:lumOff val="60000"/>
-            </a:schemeClr>
-          </a:solidFill>
-          <a:ln>
-            <a:noFill/>
-          </a:ln>
-        </p:spPr>
-        <p:style>
-          <a:lnRef idx="2">
-            <a:schemeClr val="accent1">
-              <a:shade val="50000"/>
-            </a:schemeClr>
-          </a:lnRef>
-          <a:fillRef idx="1">
-            <a:schemeClr val="accent1"/>
-          </a:fillRef>
-          <a:effectRef idx="0">
-            <a:schemeClr val="accent1"/>
-          </a:effectRef>
-          <a:fontRef idx="minor">
-            <a:schemeClr val="lt1"/>
-          </a:fontRef>
-        </p:style>
-        <p:txBody>
-          <a:bodyPr rtlCol="0" anchor="ctr"/>
-          <a:lstStyle/>
-          <a:p>
-            <a:pPr algn="ctr"/>
-            <a:endParaRPr lang="ko-KR" altLang="en-US"/>
-          </a:p>
-        </p:txBody>
-      </p:sp>
-      <p:sp>
-        <p:nvSpPr>
-          <p:cNvPr id="68" name="TextBox 67">
-            <a:extLst>
-              <a:ext uri="{FF2B5EF4-FFF2-40B4-BE49-F238E27FC236}">
-                <a16:creationId xmlns:a16="http://schemas.microsoft.com/office/drawing/2014/main" id="{12658D71-6CFE-4718-A222-A59F9BFD9DCA}"/>
-              </a:ext>
-            </a:extLst>
-          </p:cNvPr>
-          <p:cNvSpPr txBox="1"/>
-          <p:nvPr/>
-        </p:nvSpPr>
-        <p:spPr>
-          <a:xfrm>
-            <a:off x="206463" y="1037795"/>
-            <a:ext cx="199618" cy="400110"/>
-          </a:xfrm>
-          <a:prstGeom prst="rect">
-            <a:avLst/>
-          </a:prstGeom>
-          <a:noFill/>
-        </p:spPr>
-        <p:txBody>
-          <a:bodyPr wrap="square" rtlCol="0">
-            <a:spAutoFit/>
-          </a:bodyPr>
-          <a:lstStyle/>
-          <a:p>
-            <a:r>
-              <a:rPr lang="ko-KR" altLang="en-US" sz="2000" b="1" dirty="0"/>
-              <a:t>킬</a:t>
-            </a:r>
-            <a:endParaRPr lang="en-US" altLang="ko-KR" sz="2000" b="1" dirty="0"/>
-          </a:p>
-        </p:txBody>
-      </p:sp>
-      <p:sp>
-        <p:nvSpPr>
-          <p:cNvPr id="69" name="TextBox 68">
-            <a:extLst>
-              <a:ext uri="{FF2B5EF4-FFF2-40B4-BE49-F238E27FC236}">
-                <a16:creationId xmlns:a16="http://schemas.microsoft.com/office/drawing/2014/main" id="{A6DE0166-3F92-41E3-835F-6EA967B55752}"/>
-              </a:ext>
-            </a:extLst>
-          </p:cNvPr>
-          <p:cNvSpPr txBox="1"/>
-          <p:nvPr/>
-        </p:nvSpPr>
-        <p:spPr>
-          <a:xfrm>
-            <a:off x="853008" y="1048865"/>
-            <a:ext cx="2774268" cy="400110"/>
-          </a:xfrm>
-          <a:prstGeom prst="rect">
-            <a:avLst/>
-          </a:prstGeom>
-          <a:noFill/>
-        </p:spPr>
-        <p:txBody>
-          <a:bodyPr wrap="square">
-            <a:spAutoFit/>
-          </a:bodyPr>
-          <a:lstStyle/>
-          <a:p>
-            <a:r>
-              <a:rPr lang="ko-KR" altLang="en-US" sz="2000" b="1" dirty="0"/>
-              <a:t>회의 후 플레이어 배치</a:t>
-            </a:r>
-            <a:endParaRPr lang="en-US" altLang="ko-KR" sz="2000" b="1" dirty="0"/>
-          </a:p>
-        </p:txBody>
-      </p:sp>
-      <p:sp>
-        <p:nvSpPr>
-          <p:cNvPr id="70" name="TextBox 69">
-            <a:extLst>
-              <a:ext uri="{FF2B5EF4-FFF2-40B4-BE49-F238E27FC236}">
-                <a16:creationId xmlns:a16="http://schemas.microsoft.com/office/drawing/2014/main" id="{CEAB88A2-7ECB-4042-88AE-609A107595B0}"/>
-              </a:ext>
-            </a:extLst>
-          </p:cNvPr>
-          <p:cNvSpPr txBox="1"/>
-          <p:nvPr/>
-        </p:nvSpPr>
-        <p:spPr>
-          <a:xfrm>
-            <a:off x="3627276" y="1041926"/>
-            <a:ext cx="1550870" cy="400110"/>
-          </a:xfrm>
-          <a:prstGeom prst="rect">
-            <a:avLst/>
-          </a:prstGeom>
-          <a:noFill/>
-        </p:spPr>
-        <p:txBody>
-          <a:bodyPr wrap="square">
-            <a:spAutoFit/>
-          </a:bodyPr>
-          <a:lstStyle/>
-          <a:p>
-            <a:r>
-              <a:rPr lang="ko-KR" altLang="en-US" sz="2000" b="1" dirty="0"/>
-              <a:t>게임 구조도 </a:t>
-            </a:r>
-            <a:endParaRPr lang="ko-KR" altLang="en-US" sz="2000" dirty="0"/>
-          </a:p>
-        </p:txBody>
-      </p:sp>
-      <p:sp>
-        <p:nvSpPr>
-          <p:cNvPr id="72" name="직사각형 71">
-            <a:extLst>
-              <a:ext uri="{FF2B5EF4-FFF2-40B4-BE49-F238E27FC236}">
-                <a16:creationId xmlns:a16="http://schemas.microsoft.com/office/drawing/2014/main" id="{3E7A2C32-FFB4-460A-A3B1-F07114F8778D}"/>
-              </a:ext>
-            </a:extLst>
-          </p:cNvPr>
-          <p:cNvSpPr/>
-          <p:nvPr/>
-        </p:nvSpPr>
-        <p:spPr>
-          <a:xfrm>
-            <a:off x="746451" y="1054358"/>
-            <a:ext cx="45719" cy="400110"/>
-          </a:xfrm>
-          <a:prstGeom prst="rect">
-            <a:avLst/>
-          </a:prstGeom>
-          <a:solidFill>
-            <a:schemeClr val="tx1"/>
-          </a:solidFill>
-          <a:ln>
-            <a:noFill/>
-          </a:ln>
-        </p:spPr>
-        <p:style>
-          <a:lnRef idx="2">
-            <a:schemeClr val="accent1">
-              <a:shade val="50000"/>
-            </a:schemeClr>
-          </a:lnRef>
-          <a:fillRef idx="1">
-            <a:schemeClr val="accent1"/>
-          </a:fillRef>
-          <a:effectRef idx="0">
-            <a:schemeClr val="accent1"/>
-          </a:effectRef>
-          <a:fontRef idx="minor">
-            <a:schemeClr val="lt1"/>
-          </a:fontRef>
-        </p:style>
-        <p:txBody>
-          <a:bodyPr rtlCol="0" anchor="ctr"/>
-          <a:lstStyle/>
-          <a:p>
-            <a:pPr algn="ctr"/>
-            <a:endParaRPr lang="ko-KR" altLang="en-US"/>
-          </a:p>
-        </p:txBody>
-      </p:sp>
-      <p:sp>
-        <p:nvSpPr>
-          <p:cNvPr id="74" name="직사각형 73">
-            <a:extLst>
-              <a:ext uri="{FF2B5EF4-FFF2-40B4-BE49-F238E27FC236}">
-                <a16:creationId xmlns:a16="http://schemas.microsoft.com/office/drawing/2014/main" id="{A1F56697-C4DA-4F01-A9A0-9053F965A88D}"/>
-              </a:ext>
-            </a:extLst>
-          </p:cNvPr>
-          <p:cNvSpPr/>
-          <p:nvPr/>
-        </p:nvSpPr>
-        <p:spPr>
-          <a:xfrm>
-            <a:off x="3581557" y="1056727"/>
-            <a:ext cx="45719" cy="400110"/>
-          </a:xfrm>
-          <a:prstGeom prst="rect">
-            <a:avLst/>
-          </a:prstGeom>
-          <a:solidFill>
-            <a:schemeClr val="tx1"/>
-          </a:solidFill>
-          <a:ln>
-            <a:noFill/>
-          </a:ln>
-        </p:spPr>
-        <p:style>
-          <a:lnRef idx="2">
-            <a:schemeClr val="accent1">
-              <a:shade val="50000"/>
-            </a:schemeClr>
-          </a:lnRef>
-          <a:fillRef idx="1">
-            <a:schemeClr val="accent1"/>
-          </a:fillRef>
-          <a:effectRef idx="0">
-            <a:schemeClr val="accent1"/>
-          </a:effectRef>
-          <a:fontRef idx="minor">
-            <a:schemeClr val="lt1"/>
-          </a:fontRef>
-        </p:style>
-        <p:txBody>
-          <a:bodyPr rtlCol="0" anchor="ctr"/>
-          <a:lstStyle/>
-          <a:p>
-            <a:pPr algn="ctr"/>
-            <a:endParaRPr lang="ko-KR" altLang="en-US"/>
-          </a:p>
-        </p:txBody>
-      </p:sp>
-      <p:sp>
-        <p:nvSpPr>
-          <p:cNvPr id="4" name="직사각형 3">
-            <a:extLst>
-              <a:ext uri="{FF2B5EF4-FFF2-40B4-BE49-F238E27FC236}">
-                <a16:creationId xmlns:a16="http://schemas.microsoft.com/office/drawing/2014/main" id="{AE93FE2A-85FE-4157-951C-FC2FADBB3B34}"/>
-              </a:ext>
-            </a:extLst>
-          </p:cNvPr>
-          <p:cNvSpPr/>
-          <p:nvPr/>
-        </p:nvSpPr>
-        <p:spPr>
-          <a:xfrm>
-            <a:off x="0" y="0"/>
-            <a:ext cx="12192000" cy="1034474"/>
-          </a:xfrm>
-          <a:prstGeom prst="rect">
-            <a:avLst/>
-          </a:prstGeom>
-          <a:solidFill>
-            <a:schemeClr val="accent5">
-              <a:lumMod val="60000"/>
-              <a:lumOff val="40000"/>
-            </a:schemeClr>
-          </a:solidFill>
-        </p:spPr>
-        <p:style>
-          <a:lnRef idx="2">
-            <a:schemeClr val="accent1">
-              <a:shade val="50000"/>
-            </a:schemeClr>
-          </a:lnRef>
-          <a:fillRef idx="1">
-            <a:schemeClr val="accent1"/>
-          </a:fillRef>
-          <a:effectRef idx="0">
-            <a:schemeClr val="accent1"/>
-          </a:effectRef>
-          <a:fontRef idx="minor">
-            <a:schemeClr val="lt1"/>
-          </a:fontRef>
-        </p:style>
-        <p:txBody>
-          <a:bodyPr rtlCol="0" anchor="ctr"/>
-          <a:lstStyle/>
-          <a:p>
-            <a:pPr algn="ctr"/>
-            <a:endParaRPr lang="ko-KR" altLang="en-US" dirty="0"/>
-          </a:p>
-        </p:txBody>
-      </p:sp>
-      <p:sp>
-        <p:nvSpPr>
-          <p:cNvPr id="7" name="TextBox 6">
-            <a:extLst>
-              <a:ext uri="{FF2B5EF4-FFF2-40B4-BE49-F238E27FC236}">
-                <a16:creationId xmlns:a16="http://schemas.microsoft.com/office/drawing/2014/main" id="{982817C4-ACF4-45FB-A018-6E6F872691BC}"/>
-              </a:ext>
-            </a:extLst>
-          </p:cNvPr>
-          <p:cNvSpPr txBox="1"/>
-          <p:nvPr/>
-        </p:nvSpPr>
-        <p:spPr>
-          <a:xfrm>
-            <a:off x="646546" y="255627"/>
-            <a:ext cx="9411854" cy="523220"/>
-          </a:xfrm>
-          <a:prstGeom prst="rect">
-            <a:avLst/>
-          </a:prstGeom>
-          <a:noFill/>
-        </p:spPr>
-        <p:txBody>
-          <a:bodyPr wrap="square" rtlCol="0">
-            <a:spAutoFit/>
-          </a:bodyPr>
-          <a:lstStyle/>
-          <a:p>
-            <a:r>
-              <a:rPr lang="ko-KR" altLang="en-US" sz="2800" b="1" dirty="0"/>
-              <a:t>게임 결과 창 </a:t>
-            </a:r>
-            <a:r>
-              <a:rPr lang="en-US" altLang="ko-KR" sz="2800" b="1" dirty="0"/>
-              <a:t>( </a:t>
-            </a:r>
-            <a:r>
-              <a:rPr lang="ko-KR" altLang="en-US" sz="2800" b="1" dirty="0"/>
-              <a:t>납치자를 모두 찾았을 때 결과 창 </a:t>
-            </a:r>
-            <a:r>
-              <a:rPr lang="en-US" altLang="ko-KR" sz="2800" b="1" dirty="0"/>
-              <a:t>)</a:t>
-            </a:r>
-          </a:p>
-        </p:txBody>
-      </p:sp>
-      <p:sp>
-        <p:nvSpPr>
-          <p:cNvPr id="10" name="직사각형 9">
-            <a:extLst>
-              <a:ext uri="{FF2B5EF4-FFF2-40B4-BE49-F238E27FC236}">
-                <a16:creationId xmlns:a16="http://schemas.microsoft.com/office/drawing/2014/main" id="{46A0F60D-0077-4149-B062-DBD9307E6FEA}"/>
-              </a:ext>
-            </a:extLst>
-          </p:cNvPr>
-          <p:cNvSpPr/>
-          <p:nvPr/>
-        </p:nvSpPr>
-        <p:spPr>
-          <a:xfrm>
-            <a:off x="5161545" y="1041173"/>
-            <a:ext cx="45719" cy="400110"/>
-          </a:xfrm>
-          <a:prstGeom prst="rect">
-            <a:avLst/>
-          </a:prstGeom>
-          <a:solidFill>
-            <a:schemeClr val="tx1"/>
-          </a:solidFill>
-          <a:ln>
-            <a:noFill/>
-          </a:ln>
-        </p:spPr>
-        <p:style>
-          <a:lnRef idx="2">
-            <a:schemeClr val="accent1">
-              <a:shade val="50000"/>
-            </a:schemeClr>
-          </a:lnRef>
-          <a:fillRef idx="1">
-            <a:schemeClr val="accent1"/>
-          </a:fillRef>
-          <a:effectRef idx="0">
-            <a:schemeClr val="accent1"/>
-          </a:effectRef>
-          <a:fontRef idx="minor">
-            <a:schemeClr val="lt1"/>
-          </a:fontRef>
-        </p:style>
-        <p:txBody>
-          <a:bodyPr rtlCol="0" anchor="ctr"/>
-          <a:lstStyle/>
-          <a:p>
-            <a:pPr algn="ctr"/>
-            <a:endParaRPr lang="ko-KR" altLang="en-US"/>
-          </a:p>
-        </p:txBody>
-      </p:sp>
-      <p:sp>
-        <p:nvSpPr>
-          <p:cNvPr id="11" name="TextBox 10">
-            <a:extLst>
-              <a:ext uri="{FF2B5EF4-FFF2-40B4-BE49-F238E27FC236}">
-                <a16:creationId xmlns:a16="http://schemas.microsoft.com/office/drawing/2014/main" id="{D3CFEE73-41B2-4270-8C30-853053249758}"/>
-              </a:ext>
-            </a:extLst>
-          </p:cNvPr>
-          <p:cNvSpPr txBox="1"/>
-          <p:nvPr/>
-        </p:nvSpPr>
-        <p:spPr>
-          <a:xfrm>
-            <a:off x="5207264" y="1054358"/>
-            <a:ext cx="1678530" cy="400110"/>
-          </a:xfrm>
-          <a:prstGeom prst="rect">
-            <a:avLst/>
-          </a:prstGeom>
-          <a:noFill/>
-        </p:spPr>
-        <p:txBody>
-          <a:bodyPr wrap="square">
-            <a:spAutoFit/>
-          </a:bodyPr>
-          <a:lstStyle/>
-          <a:p>
-            <a:r>
-              <a:rPr lang="ko-KR" altLang="en-US" sz="2000" b="1" dirty="0"/>
-              <a:t>게임 결과 창 </a:t>
-            </a:r>
-            <a:endParaRPr lang="ko-KR" altLang="en-US" sz="2000" dirty="0"/>
-          </a:p>
-        </p:txBody>
-      </p:sp>
-      <p:sp>
-        <p:nvSpPr>
-          <p:cNvPr id="3" name="직사각형 2">
-            <a:extLst>
-              <a:ext uri="{FF2B5EF4-FFF2-40B4-BE49-F238E27FC236}">
-                <a16:creationId xmlns:a16="http://schemas.microsoft.com/office/drawing/2014/main" id="{2C18C050-3297-43B0-B3DD-79AF0F21F07D}"/>
-              </a:ext>
-            </a:extLst>
-          </p:cNvPr>
-          <p:cNvSpPr/>
-          <p:nvPr/>
-        </p:nvSpPr>
-        <p:spPr>
-          <a:xfrm>
-            <a:off x="8518845" y="2748914"/>
-            <a:ext cx="3405674" cy="2715209"/>
-          </a:xfrm>
-          <a:prstGeom prst="rect">
-            <a:avLst/>
-          </a:prstGeom>
-          <a:solidFill>
-            <a:schemeClr val="bg1"/>
-          </a:solidFill>
-          <a:ln w="38100">
-            <a:solidFill>
-              <a:schemeClr val="tx1"/>
-            </a:solidFill>
-          </a:ln>
-        </p:spPr>
-        <p:style>
-          <a:lnRef idx="2">
-            <a:schemeClr val="accent1">
-              <a:shade val="50000"/>
-            </a:schemeClr>
-          </a:lnRef>
-          <a:fillRef idx="1">
-            <a:schemeClr val="accent1"/>
-          </a:fillRef>
-          <a:effectRef idx="0">
-            <a:schemeClr val="accent1"/>
-          </a:effectRef>
-          <a:fontRef idx="minor">
-            <a:schemeClr val="lt1"/>
-          </a:fontRef>
-        </p:style>
-        <p:txBody>
-          <a:bodyPr rtlCol="0" anchor="ctr"/>
-          <a:lstStyle/>
-          <a:p>
-            <a:pPr marL="285750" indent="-285750" algn="ctr">
-              <a:buFontTx/>
-              <a:buChar char="-"/>
-            </a:pPr>
-            <a:r>
-              <a:rPr lang="ko-KR" altLang="en-US" sz="1600" b="1" dirty="0">
-                <a:solidFill>
-                  <a:schemeClr val="tx1"/>
-                </a:solidFill>
-              </a:rPr>
-              <a:t>사람들과 가득 실린 먹을 것을 배를 타고 탈출하는 사람들을 표현</a:t>
-            </a:r>
-            <a:endParaRPr lang="en-US" altLang="ko-KR" sz="1600" b="1" dirty="0">
-              <a:solidFill>
-                <a:schemeClr val="tx1"/>
-              </a:solidFill>
-            </a:endParaRPr>
-          </a:p>
-          <a:p>
-            <a:pPr marL="285750" indent="-285750" algn="ctr">
-              <a:buFontTx/>
-              <a:buChar char="-"/>
-            </a:pPr>
-            <a:endParaRPr lang="en-US" altLang="ko-KR" sz="1600" b="1" dirty="0">
-              <a:solidFill>
-                <a:schemeClr val="tx1"/>
-              </a:solidFill>
-            </a:endParaRPr>
-          </a:p>
-          <a:p>
-            <a:pPr marL="285750" indent="-285750" algn="ctr">
-              <a:buFontTx/>
-              <a:buChar char="-"/>
-            </a:pPr>
-            <a:r>
-              <a:rPr lang="ko-KR" altLang="en-US" sz="1600" b="1" dirty="0">
-                <a:solidFill>
-                  <a:schemeClr val="tx1"/>
-                </a:solidFill>
-              </a:rPr>
-              <a:t>이후에 공동 결과창으로 이동</a:t>
-            </a:r>
-          </a:p>
-        </p:txBody>
-      </p:sp>
-      <p:sp>
-        <p:nvSpPr>
-          <p:cNvPr id="64" name="사각형: 둥근 모서리 63">
-            <a:extLst>
-              <a:ext uri="{FF2B5EF4-FFF2-40B4-BE49-F238E27FC236}">
-                <a16:creationId xmlns:a16="http://schemas.microsoft.com/office/drawing/2014/main" id="{25BB1B42-FDC4-490B-B1F7-AB3472EAC00B}"/>
-              </a:ext>
-            </a:extLst>
-          </p:cNvPr>
-          <p:cNvSpPr/>
-          <p:nvPr/>
-        </p:nvSpPr>
-        <p:spPr>
-          <a:xfrm rot="5400000">
-            <a:off x="2351283" y="169148"/>
-            <a:ext cx="3954079" cy="7874742"/>
-          </a:xfrm>
-          <a:prstGeom prst="roundRect">
-            <a:avLst/>
-          </a:prstGeom>
-          <a:noFill/>
-          <a:ln w="38100">
-            <a:solidFill>
-              <a:schemeClr val="tx1"/>
-            </a:solidFill>
-          </a:ln>
-        </p:spPr>
-        <p:style>
-          <a:lnRef idx="2">
-            <a:schemeClr val="accent1">
-              <a:shade val="50000"/>
-            </a:schemeClr>
-          </a:lnRef>
-          <a:fillRef idx="1">
-            <a:schemeClr val="accent1"/>
-          </a:fillRef>
-          <a:effectRef idx="0">
-            <a:schemeClr val="accent1"/>
-          </a:effectRef>
-          <a:fontRef idx="minor">
-            <a:schemeClr val="lt1"/>
-          </a:fontRef>
-        </p:style>
-        <p:txBody>
-          <a:bodyPr rtlCol="0" anchor="ctr"/>
-          <a:lstStyle/>
-          <a:p>
-            <a:pPr algn="ctr"/>
-            <a:endParaRPr lang="ko-KR" altLang="en-US" dirty="0"/>
-          </a:p>
-        </p:txBody>
-      </p:sp>
-      <p:pic>
-        <p:nvPicPr>
-          <p:cNvPr id="65" name="Picture 2" descr="배 - 무료 수송개 아이콘">
-            <a:extLst>
-              <a:ext uri="{FF2B5EF4-FFF2-40B4-BE49-F238E27FC236}">
-                <a16:creationId xmlns:a16="http://schemas.microsoft.com/office/drawing/2014/main" id="{BBAF3833-EC0D-420F-84E1-410E0E8F4E76}"/>
-              </a:ext>
-            </a:extLst>
-          </p:cNvPr>
-          <p:cNvPicPr>
-            <a:picLocks noChangeAspect="1" noChangeArrowheads="1"/>
-          </p:cNvPicPr>
-          <p:nvPr/>
-        </p:nvPicPr>
-        <p:blipFill>
-          <a:blip r:embed="rId3">
-            <a:extLst>
-              <a:ext uri="{BEBA8EAE-BF5A-486C-A8C5-ECC9F3942E4B}">
-                <a14:imgProps xmlns:a14="http://schemas.microsoft.com/office/drawing/2010/main">
-                  <a14:imgLayer r:embed="rId4">
-                    <a14:imgEffect>
-                      <a14:backgroundRemoval t="9778" b="89778" l="4000" r="97333">
-                        <a14:foregroundMark x1="4444" y1="55556" x2="45778" y2="60444"/>
-                        <a14:foregroundMark x1="45778" y1="60444" x2="71111" y2="56444"/>
-                        <a14:foregroundMark x1="46667" y1="66222" x2="65333" y2="72444"/>
-                        <a14:foregroundMark x1="65333" y1="72444" x2="69778" y2="71111"/>
-                        <a14:foregroundMark x1="55556" y1="72444" x2="15556" y2="69778"/>
-                        <a14:foregroundMark x1="68000" y1="60000" x2="90667" y2="62667"/>
-                        <a14:foregroundMark x1="90667" y1="62667" x2="77333" y2="72000"/>
-                        <a14:foregroundMark x1="77333" y1="72000" x2="76889" y2="72000"/>
-                        <a14:foregroundMark x1="95111" y1="60889" x2="97333" y2="67111"/>
-                        <a14:foregroundMark x1="69333" y1="48444" x2="71111" y2="52889"/>
-                        <a14:foregroundMark x1="47556" y1="48444" x2="27111" y2="49333"/>
-                        <a14:foregroundMark x1="27111" y1="49333" x2="28889" y2="53333"/>
-                        <a14:foregroundMark x1="7111" y1="47556" x2="8889" y2="54222"/>
-                        <a14:foregroundMark x1="7556" y1="48444" x2="7111" y2="53333"/>
-                        <a14:foregroundMark x1="47556" y1="26222" x2="46667" y2="49333"/>
-                        <a14:foregroundMark x1="36444" y1="38667" x2="36889" y2="46667"/>
-                      </a14:backgroundRemoval>
-                    </a14:imgEffect>
-                  </a14:imgLayer>
-                </a14:imgProps>
-              </a:ext>
-              <a:ext uri="{28A0092B-C50C-407E-A947-70E740481C1C}">
-                <a14:useLocalDpi xmlns:a14="http://schemas.microsoft.com/office/drawing/2010/main" val="0"/>
-              </a:ext>
-            </a:extLst>
-          </a:blip>
-          <a:srcRect/>
-          <a:stretch>
-            <a:fillRect/>
-          </a:stretch>
-        </p:blipFill>
-        <p:spPr bwMode="auto">
-          <a:xfrm>
-            <a:off x="1786715" y="2535736"/>
-            <a:ext cx="3839644" cy="3839644"/>
-          </a:xfrm>
-          <a:prstGeom prst="rect">
-            <a:avLst/>
-          </a:prstGeom>
-          <a:noFill/>
-          <a:extLst>
-            <a:ext uri="{909E8E84-426E-40DD-AFC4-6F175D3DCCD1}">
-              <a14:hiddenFill xmlns:a14="http://schemas.microsoft.com/office/drawing/2010/main">
-                <a:solidFill>
-                  <a:srgbClr val="FFFFFF"/>
-                </a:solidFill>
-              </a14:hiddenFill>
-            </a:ext>
-          </a:extLst>
-        </p:spPr>
-      </p:pic>
-      <p:pic>
-        <p:nvPicPr>
-          <p:cNvPr id="21" name="그림 20" descr="옅은이(가) 표시된 사진&#10;&#10;자동 생성된 설명">
-            <a:extLst>
-              <a:ext uri="{FF2B5EF4-FFF2-40B4-BE49-F238E27FC236}">
-                <a16:creationId xmlns:a16="http://schemas.microsoft.com/office/drawing/2014/main" id="{33C1F8CB-ED44-46ED-92A4-4A328DCD1848}"/>
-              </a:ext>
-            </a:extLst>
-          </p:cNvPr>
-          <p:cNvPicPr>
-            <a:picLocks noChangeAspect="1"/>
-          </p:cNvPicPr>
-          <p:nvPr/>
-        </p:nvPicPr>
-        <p:blipFill>
-          <a:blip r:embed="rId5">
-            <a:extLst>
-              <a:ext uri="{28A0092B-C50C-407E-A947-70E740481C1C}">
-                <a14:useLocalDpi xmlns:a14="http://schemas.microsoft.com/office/drawing/2010/main" val="0"/>
-              </a:ext>
-            </a:extLst>
-          </a:blip>
-          <a:stretch>
-            <a:fillRect/>
-          </a:stretch>
-        </p:blipFill>
-        <p:spPr>
-          <a:xfrm>
-            <a:off x="5056727" y="4261943"/>
-            <a:ext cx="366254" cy="366254"/>
-          </a:xfrm>
-          <a:prstGeom prst="rect">
-            <a:avLst/>
-          </a:prstGeom>
-        </p:spPr>
-      </p:pic>
-      <p:pic>
-        <p:nvPicPr>
-          <p:cNvPr id="75" name="그림 74" descr="텍스트이(가) 표시된 사진&#10;&#10;자동 생성된 설명">
-            <a:extLst>
-              <a:ext uri="{FF2B5EF4-FFF2-40B4-BE49-F238E27FC236}">
-                <a16:creationId xmlns:a16="http://schemas.microsoft.com/office/drawing/2014/main" id="{8013D5DF-07BC-4425-BF7B-235502976964}"/>
-              </a:ext>
-            </a:extLst>
-          </p:cNvPr>
-          <p:cNvPicPr>
-            <a:picLocks noChangeAspect="1"/>
-          </p:cNvPicPr>
-          <p:nvPr/>
-        </p:nvPicPr>
-        <p:blipFill>
-          <a:blip r:embed="rId6">
-            <a:extLst>
-              <a:ext uri="{28A0092B-C50C-407E-A947-70E740481C1C}">
-                <a14:useLocalDpi xmlns:a14="http://schemas.microsoft.com/office/drawing/2010/main" val="0"/>
-              </a:ext>
-            </a:extLst>
-          </a:blip>
-          <a:stretch>
-            <a:fillRect/>
-          </a:stretch>
-        </p:blipFill>
-        <p:spPr>
-          <a:xfrm>
-            <a:off x="4447961" y="4272582"/>
-            <a:ext cx="355615" cy="355615"/>
-          </a:xfrm>
-          <a:prstGeom prst="rect">
-            <a:avLst/>
-          </a:prstGeom>
-        </p:spPr>
-      </p:pic>
-      <p:pic>
-        <p:nvPicPr>
-          <p:cNvPr id="76" name="그림 75" descr="옅은이(가) 표시된 사진&#10;&#10;자동 생성된 설명">
-            <a:extLst>
-              <a:ext uri="{FF2B5EF4-FFF2-40B4-BE49-F238E27FC236}">
-                <a16:creationId xmlns:a16="http://schemas.microsoft.com/office/drawing/2014/main" id="{D65F3DAF-57E0-4368-AF50-F48F5906CF9D}"/>
-              </a:ext>
-            </a:extLst>
-          </p:cNvPr>
-          <p:cNvPicPr>
-            <a:picLocks noChangeAspect="1"/>
-          </p:cNvPicPr>
-          <p:nvPr/>
-        </p:nvPicPr>
-        <p:blipFill>
-          <a:blip r:embed="rId5">
-            <a:extLst>
-              <a:ext uri="{28A0092B-C50C-407E-A947-70E740481C1C}">
-                <a14:useLocalDpi xmlns:a14="http://schemas.microsoft.com/office/drawing/2010/main" val="0"/>
-              </a:ext>
-            </a:extLst>
-          </a:blip>
-          <a:stretch>
-            <a:fillRect/>
-          </a:stretch>
-        </p:blipFill>
-        <p:spPr>
-          <a:xfrm>
-            <a:off x="2417392" y="4272582"/>
-            <a:ext cx="366254" cy="366254"/>
-          </a:xfrm>
-          <a:prstGeom prst="rect">
-            <a:avLst/>
-          </a:prstGeom>
-        </p:spPr>
-      </p:pic>
-      <p:pic>
-        <p:nvPicPr>
-          <p:cNvPr id="77" name="그림 76" descr="텍스트이(가) 표시된 사진&#10;&#10;자동 생성된 설명">
-            <a:extLst>
-              <a:ext uri="{FF2B5EF4-FFF2-40B4-BE49-F238E27FC236}">
-                <a16:creationId xmlns:a16="http://schemas.microsoft.com/office/drawing/2014/main" id="{5C30FB1A-D4C0-4E27-B102-EEC3EC68C9D3}"/>
-              </a:ext>
-            </a:extLst>
-          </p:cNvPr>
-          <p:cNvPicPr>
-            <a:picLocks noChangeAspect="1"/>
-          </p:cNvPicPr>
-          <p:nvPr/>
-        </p:nvPicPr>
-        <p:blipFill>
-          <a:blip r:embed="rId6">
-            <a:extLst>
-              <a:ext uri="{28A0092B-C50C-407E-A947-70E740481C1C}">
-                <a14:useLocalDpi xmlns:a14="http://schemas.microsoft.com/office/drawing/2010/main" val="0"/>
-              </a:ext>
-            </a:extLst>
-          </a:blip>
-          <a:stretch>
-            <a:fillRect/>
-          </a:stretch>
-        </p:blipFill>
-        <p:spPr>
-          <a:xfrm>
-            <a:off x="4740157" y="4272582"/>
-            <a:ext cx="355615" cy="355615"/>
-          </a:xfrm>
-          <a:prstGeom prst="rect">
-            <a:avLst/>
-          </a:prstGeom>
-        </p:spPr>
-      </p:pic>
-      <p:pic>
-        <p:nvPicPr>
-          <p:cNvPr id="78" name="그림 77" descr="텍스트이(가) 표시된 사진&#10;&#10;자동 생성된 설명">
-            <a:extLst>
-              <a:ext uri="{FF2B5EF4-FFF2-40B4-BE49-F238E27FC236}">
-                <a16:creationId xmlns:a16="http://schemas.microsoft.com/office/drawing/2014/main" id="{F68819C7-2A14-4E60-B4AF-87D307E0C200}"/>
-              </a:ext>
-            </a:extLst>
-          </p:cNvPr>
-          <p:cNvPicPr>
-            <a:picLocks noChangeAspect="1"/>
-          </p:cNvPicPr>
-          <p:nvPr/>
-        </p:nvPicPr>
-        <p:blipFill>
-          <a:blip r:embed="rId6">
-            <a:extLst>
-              <a:ext uri="{28A0092B-C50C-407E-A947-70E740481C1C}">
-                <a14:useLocalDpi xmlns:a14="http://schemas.microsoft.com/office/drawing/2010/main" val="0"/>
-              </a:ext>
-            </a:extLst>
-          </a:blip>
-          <a:stretch>
-            <a:fillRect/>
-          </a:stretch>
-        </p:blipFill>
-        <p:spPr>
-          <a:xfrm>
-            <a:off x="2113009" y="4261943"/>
-            <a:ext cx="355615" cy="355615"/>
-          </a:xfrm>
-          <a:prstGeom prst="rect">
-            <a:avLst/>
-          </a:prstGeom>
-        </p:spPr>
-      </p:pic>
-      <p:pic>
-        <p:nvPicPr>
-          <p:cNvPr id="79" name="그림 78" descr="옅은이(가) 표시된 사진&#10;&#10;자동 생성된 설명">
-            <a:extLst>
-              <a:ext uri="{FF2B5EF4-FFF2-40B4-BE49-F238E27FC236}">
-                <a16:creationId xmlns:a16="http://schemas.microsoft.com/office/drawing/2014/main" id="{641AC7F4-420F-4090-A82E-7AA0EE23E178}"/>
-              </a:ext>
-            </a:extLst>
-          </p:cNvPr>
-          <p:cNvPicPr>
-            <a:picLocks noChangeAspect="1"/>
-          </p:cNvPicPr>
-          <p:nvPr/>
-        </p:nvPicPr>
-        <p:blipFill>
-          <a:blip r:embed="rId5">
-            <a:extLst>
-              <a:ext uri="{28A0092B-C50C-407E-A947-70E740481C1C}">
-                <a14:useLocalDpi xmlns:a14="http://schemas.microsoft.com/office/drawing/2010/main" val="0"/>
-              </a:ext>
-            </a:extLst>
-          </a:blip>
-          <a:stretch>
-            <a:fillRect/>
-          </a:stretch>
-        </p:blipFill>
-        <p:spPr>
-          <a:xfrm>
-            <a:off x="4328253" y="3970122"/>
-            <a:ext cx="366254" cy="366254"/>
-          </a:xfrm>
-          <a:prstGeom prst="rect">
-            <a:avLst/>
-          </a:prstGeom>
-        </p:spPr>
-      </p:pic>
-      <p:pic>
-        <p:nvPicPr>
-          <p:cNvPr id="80" name="그림 79" descr="텍스트이(가) 표시된 사진&#10;&#10;자동 생성된 설명">
-            <a:extLst>
-              <a:ext uri="{FF2B5EF4-FFF2-40B4-BE49-F238E27FC236}">
-                <a16:creationId xmlns:a16="http://schemas.microsoft.com/office/drawing/2014/main" id="{320617BE-CCE6-499B-8905-F8DFCA2AD3AD}"/>
-              </a:ext>
-            </a:extLst>
-          </p:cNvPr>
-          <p:cNvPicPr>
-            <a:picLocks noChangeAspect="1"/>
-          </p:cNvPicPr>
-          <p:nvPr/>
-        </p:nvPicPr>
-        <p:blipFill>
-          <a:blip r:embed="rId6">
-            <a:extLst>
-              <a:ext uri="{28A0092B-C50C-407E-A947-70E740481C1C}">
-                <a14:useLocalDpi xmlns:a14="http://schemas.microsoft.com/office/drawing/2010/main" val="0"/>
-              </a:ext>
-            </a:extLst>
-          </a:blip>
-          <a:stretch>
-            <a:fillRect/>
-          </a:stretch>
-        </p:blipFill>
-        <p:spPr>
-          <a:xfrm>
-            <a:off x="4754239" y="3991400"/>
-            <a:ext cx="355615" cy="355615"/>
-          </a:xfrm>
-          <a:prstGeom prst="rect">
-            <a:avLst/>
-          </a:prstGeom>
-        </p:spPr>
-      </p:pic>
-      <p:pic>
-        <p:nvPicPr>
-          <p:cNvPr id="81" name="그림 80" descr="옅은이(가) 표시된 사진&#10;&#10;자동 생성된 설명">
-            <a:extLst>
-              <a:ext uri="{FF2B5EF4-FFF2-40B4-BE49-F238E27FC236}">
-                <a16:creationId xmlns:a16="http://schemas.microsoft.com/office/drawing/2014/main" id="{07C25237-C366-4AF8-8E01-913D76C33BCF}"/>
-              </a:ext>
-            </a:extLst>
-          </p:cNvPr>
-          <p:cNvPicPr>
-            <a:picLocks noChangeAspect="1"/>
-          </p:cNvPicPr>
-          <p:nvPr/>
-        </p:nvPicPr>
-        <p:blipFill>
-          <a:blip r:embed="rId5">
-            <a:extLst>
-              <a:ext uri="{28A0092B-C50C-407E-A947-70E740481C1C}">
-                <a14:useLocalDpi xmlns:a14="http://schemas.microsoft.com/office/drawing/2010/main" val="0"/>
-              </a:ext>
-            </a:extLst>
-          </a:blip>
-          <a:stretch>
-            <a:fillRect/>
-          </a:stretch>
-        </p:blipFill>
-        <p:spPr>
-          <a:xfrm>
-            <a:off x="2723670" y="3991400"/>
-            <a:ext cx="366254" cy="366254"/>
-          </a:xfrm>
-          <a:prstGeom prst="rect">
-            <a:avLst/>
-          </a:prstGeom>
-        </p:spPr>
-      </p:pic>
-      <p:pic>
-        <p:nvPicPr>
-          <p:cNvPr id="82" name="그림 81" descr="텍스트이(가) 표시된 사진&#10;&#10;자동 생성된 설명">
-            <a:extLst>
-              <a:ext uri="{FF2B5EF4-FFF2-40B4-BE49-F238E27FC236}">
-                <a16:creationId xmlns:a16="http://schemas.microsoft.com/office/drawing/2014/main" id="{995143CB-7FC1-4FEA-860F-4E59992A4361}"/>
-              </a:ext>
-            </a:extLst>
-          </p:cNvPr>
-          <p:cNvPicPr>
-            <a:picLocks noChangeAspect="1"/>
-          </p:cNvPicPr>
-          <p:nvPr/>
-        </p:nvPicPr>
-        <p:blipFill>
-          <a:blip r:embed="rId6">
-            <a:extLst>
-              <a:ext uri="{28A0092B-C50C-407E-A947-70E740481C1C}">
-                <a14:useLocalDpi xmlns:a14="http://schemas.microsoft.com/office/drawing/2010/main" val="0"/>
-              </a:ext>
-            </a:extLst>
-          </a:blip>
-          <a:stretch>
-            <a:fillRect/>
-          </a:stretch>
-        </p:blipFill>
-        <p:spPr>
-          <a:xfrm>
-            <a:off x="5046435" y="3991400"/>
-            <a:ext cx="355615" cy="355615"/>
-          </a:xfrm>
-          <a:prstGeom prst="rect">
-            <a:avLst/>
-          </a:prstGeom>
-        </p:spPr>
-      </p:pic>
-      <p:pic>
-        <p:nvPicPr>
-          <p:cNvPr id="83" name="그림 82" descr="텍스트이(가) 표시된 사진&#10;&#10;자동 생성된 설명">
-            <a:extLst>
-              <a:ext uri="{FF2B5EF4-FFF2-40B4-BE49-F238E27FC236}">
-                <a16:creationId xmlns:a16="http://schemas.microsoft.com/office/drawing/2014/main" id="{EB86605D-EF2C-4E68-AC0B-6F6BFA944D04}"/>
-              </a:ext>
-            </a:extLst>
-          </p:cNvPr>
-          <p:cNvPicPr>
-            <a:picLocks noChangeAspect="1"/>
-          </p:cNvPicPr>
-          <p:nvPr/>
-        </p:nvPicPr>
-        <p:blipFill>
-          <a:blip r:embed="rId6">
-            <a:extLst>
-              <a:ext uri="{28A0092B-C50C-407E-A947-70E740481C1C}">
-                <a14:useLocalDpi xmlns:a14="http://schemas.microsoft.com/office/drawing/2010/main" val="0"/>
-              </a:ext>
-            </a:extLst>
-          </a:blip>
-          <a:stretch>
-            <a:fillRect/>
-          </a:stretch>
-        </p:blipFill>
-        <p:spPr>
-          <a:xfrm>
-            <a:off x="2419287" y="3980761"/>
-            <a:ext cx="355615" cy="355615"/>
-          </a:xfrm>
-          <a:prstGeom prst="rect">
-            <a:avLst/>
-          </a:prstGeom>
-        </p:spPr>
-      </p:pic>
-      <p:pic>
-        <p:nvPicPr>
-          <p:cNvPr id="84" name="그래픽 83" descr="사용자 단색으로 채워진">
-            <a:extLst>
-              <a:ext uri="{FF2B5EF4-FFF2-40B4-BE49-F238E27FC236}">
-                <a16:creationId xmlns:a16="http://schemas.microsoft.com/office/drawing/2014/main" id="{A086F853-F53E-4AB2-8B4D-A35339284B96}"/>
-              </a:ext>
-            </a:extLst>
-          </p:cNvPr>
-          <p:cNvPicPr>
-            <a:picLocks noChangeAspect="1"/>
-          </p:cNvPicPr>
-          <p:nvPr/>
-        </p:nvPicPr>
-        <p:blipFill>
-          <a:blip r:embed="rId7">
-            <a:extLst>
-              <a:ext uri="{28A0092B-C50C-407E-A947-70E740481C1C}">
-                <a14:useLocalDpi xmlns:a14="http://schemas.microsoft.com/office/drawing/2010/main" val="0"/>
-              </a:ext>
-              <a:ext uri="{96DAC541-7B7A-43D3-8B79-37D633B846F1}">
-                <asvg:svgBlip xmlns:asvg="http://schemas.microsoft.com/office/drawing/2016/SVG/main" r:embed="rId8"/>
-              </a:ext>
-            </a:extLst>
-          </a:blip>
-          <a:stretch>
-            <a:fillRect/>
-          </a:stretch>
-        </p:blipFill>
-        <p:spPr>
-          <a:xfrm>
-            <a:off x="3602080" y="3790697"/>
-            <a:ext cx="481885" cy="481885"/>
-          </a:xfrm>
-          <a:prstGeom prst="rect">
-            <a:avLst/>
-          </a:prstGeom>
-        </p:spPr>
-      </p:pic>
-      <p:pic>
-        <p:nvPicPr>
-          <p:cNvPr id="85" name="그래픽 84" descr="사용자 단색으로 채워진">
-            <a:extLst>
-              <a:ext uri="{FF2B5EF4-FFF2-40B4-BE49-F238E27FC236}">
-                <a16:creationId xmlns:a16="http://schemas.microsoft.com/office/drawing/2014/main" id="{2EB229AB-1421-4996-9E41-1C6D5AB09E22}"/>
-              </a:ext>
-            </a:extLst>
-          </p:cNvPr>
-          <p:cNvPicPr>
-            <a:picLocks noChangeAspect="1"/>
-          </p:cNvPicPr>
-          <p:nvPr/>
-        </p:nvPicPr>
-        <p:blipFill>
-          <a:blip r:embed="rId7">
-            <a:extLst>
-              <a:ext uri="{28A0092B-C50C-407E-A947-70E740481C1C}">
-                <a14:useLocalDpi xmlns:a14="http://schemas.microsoft.com/office/drawing/2010/main" val="0"/>
-              </a:ext>
-              <a:ext uri="{96DAC541-7B7A-43D3-8B79-37D633B846F1}">
-                <asvg:svgBlip xmlns:asvg="http://schemas.microsoft.com/office/drawing/2016/SVG/main" r:embed="rId8"/>
-              </a:ext>
-            </a:extLst>
-          </a:blip>
-          <a:stretch>
-            <a:fillRect/>
-          </a:stretch>
-        </p:blipFill>
-        <p:spPr>
-          <a:xfrm rot="21338965">
-            <a:off x="3918627" y="4139368"/>
-            <a:ext cx="481885" cy="481885"/>
-          </a:xfrm>
-          <a:prstGeom prst="rect">
-            <a:avLst/>
-          </a:prstGeom>
-        </p:spPr>
-      </p:pic>
-      <p:pic>
-        <p:nvPicPr>
-          <p:cNvPr id="86" name="그래픽 85" descr="사용자 단색으로 채워진">
-            <a:extLst>
-              <a:ext uri="{FF2B5EF4-FFF2-40B4-BE49-F238E27FC236}">
-                <a16:creationId xmlns:a16="http://schemas.microsoft.com/office/drawing/2014/main" id="{6BF36942-9950-4FEF-AF34-98272CDC9B21}"/>
-              </a:ext>
-            </a:extLst>
-          </p:cNvPr>
-          <p:cNvPicPr>
-            <a:picLocks noChangeAspect="1"/>
-          </p:cNvPicPr>
-          <p:nvPr/>
-        </p:nvPicPr>
-        <p:blipFill>
-          <a:blip r:embed="rId7">
-            <a:extLst>
-              <a:ext uri="{28A0092B-C50C-407E-A947-70E740481C1C}">
-                <a14:useLocalDpi xmlns:a14="http://schemas.microsoft.com/office/drawing/2010/main" val="0"/>
-              </a:ext>
-              <a:ext uri="{96DAC541-7B7A-43D3-8B79-37D633B846F1}">
-                <asvg:svgBlip xmlns:asvg="http://schemas.microsoft.com/office/drawing/2016/SVG/main" r:embed="rId8"/>
-              </a:ext>
-            </a:extLst>
-          </a:blip>
-          <a:stretch>
-            <a:fillRect/>
-          </a:stretch>
-        </p:blipFill>
-        <p:spPr>
-          <a:xfrm>
-            <a:off x="3301405" y="4146312"/>
-            <a:ext cx="481885" cy="481885"/>
-          </a:xfrm>
-          <a:prstGeom prst="rect">
-            <a:avLst/>
-          </a:prstGeom>
-        </p:spPr>
-      </p:pic>
-    </p:spTree>
-    <p:extLst>
-      <p:ext uri="{BB962C8B-B14F-4D97-AF65-F5344CB8AC3E}">
-        <p14:creationId xmlns:p14="http://schemas.microsoft.com/office/powerpoint/2010/main" val="2552889122"/>
       </p:ext>
     </p:extLst>
   </p:cSld>
@@ -15669,7 +14404,7 @@
             </a:r>
             <a:r>
               <a:rPr lang="ko-KR" altLang="en-US" sz="2800" b="1" dirty="0"/>
-              <a:t>납치자가 마지막에 살아서 배에 탔을 경우 </a:t>
+              <a:t>납치자를 모두 찾았을 때 결과 창 </a:t>
             </a:r>
             <a:r>
               <a:rPr lang="en-US" altLang="ko-KR" sz="2800" b="1" dirty="0"/>
@@ -15877,7 +14612,23 @@
                   <a:schemeClr val="tx1"/>
                 </a:solidFill>
               </a:rPr>
-              <a:t>마지막에 배에 납치자가 탔을 경우 납치자가 배를 타고 가다가 일반 시민들을 바다에 던져버리고 그냥 출발한다</a:t>
+              <a:t>돋보기로 사람을 검사하는 듯한 모션을 한다</a:t>
+            </a:r>
+            <a:r>
+              <a:rPr lang="en-US" altLang="ko-KR" sz="1600" b="1" dirty="0">
+                <a:solidFill>
+                  <a:schemeClr val="tx1"/>
+                </a:solidFill>
+              </a:rPr>
+              <a:t>. </a:t>
+            </a:r>
+            <a:r>
+              <a:rPr lang="ko-KR" altLang="en-US" sz="1600" b="1" dirty="0">
+                <a:solidFill>
+                  <a:schemeClr val="tx1"/>
+                </a:solidFill>
+              </a:rPr>
+              <a:t>그 사람을 지나치면 빨간 느낌표가 표시되며 검은 화면으로 바뀐다</a:t>
             </a:r>
             <a:r>
               <a:rPr lang="en-US" altLang="ko-KR" sz="1600" b="1" dirty="0">
@@ -15910,618 +14661,33 @@
                   <a:schemeClr val="tx1"/>
                 </a:solidFill>
               </a:rPr>
-              <a:t>이후에 공통 결과창으로 이동</a:t>
+              <a:t>공동 결과창으로 이동</a:t>
             </a:r>
           </a:p>
         </p:txBody>
       </p:sp>
       <p:pic>
         <p:nvPicPr>
-          <p:cNvPr id="2050" name="Picture 2" descr="배 - 무료 수송개 아이콘">
-            <a:extLst>
-              <a:ext uri="{FF2B5EF4-FFF2-40B4-BE49-F238E27FC236}">
-                <a16:creationId xmlns:a16="http://schemas.microsoft.com/office/drawing/2014/main" id="{E04CAEFE-7CF6-4849-9D12-CD476CF4E62E}"/>
+          <p:cNvPr id="6" name="그래픽 5" descr="남자 윤곽선">
+            <a:extLst>
+              <a:ext uri="{FF2B5EF4-FFF2-40B4-BE49-F238E27FC236}">
+                <a16:creationId xmlns:a16="http://schemas.microsoft.com/office/drawing/2014/main" id="{EADB742A-6A5D-4F23-A97C-FCD24478AC79}"/>
               </a:ext>
             </a:extLst>
           </p:cNvPr>
           <p:cNvPicPr>
-            <a:picLocks noChangeAspect="1" noChangeArrowheads="1"/>
+            <a:picLocks noChangeAspect="1"/>
           </p:cNvPicPr>
           <p:nvPr/>
         </p:nvPicPr>
         <p:blipFill>
           <a:blip r:embed="rId3">
             <a:extLst>
-              <a:ext uri="{BEBA8EAE-BF5A-486C-A8C5-ECC9F3942E4B}">
-                <a14:imgProps xmlns:a14="http://schemas.microsoft.com/office/drawing/2010/main">
-                  <a14:imgLayer r:embed="rId4">
-                    <a14:imgEffect>
-                      <a14:backgroundRemoval t="9778" b="89778" l="4000" r="97333">
-                        <a14:foregroundMark x1="4444" y1="55556" x2="45778" y2="60444"/>
-                        <a14:foregroundMark x1="45778" y1="60444" x2="71111" y2="56444"/>
-                        <a14:foregroundMark x1="46667" y1="66222" x2="65333" y2="72444"/>
-                        <a14:foregroundMark x1="65333" y1="72444" x2="69778" y2="71111"/>
-                        <a14:foregroundMark x1="55556" y1="72444" x2="15556" y2="69778"/>
-                        <a14:foregroundMark x1="68000" y1="60000" x2="90667" y2="62667"/>
-                        <a14:foregroundMark x1="90667" y1="62667" x2="77333" y2="72000"/>
-                        <a14:foregroundMark x1="77333" y1="72000" x2="76889" y2="72000"/>
-                        <a14:foregroundMark x1="95111" y1="60889" x2="97333" y2="67111"/>
-                        <a14:foregroundMark x1="69333" y1="48444" x2="71111" y2="52889"/>
-                        <a14:foregroundMark x1="47556" y1="48444" x2="27111" y2="49333"/>
-                        <a14:foregroundMark x1="27111" y1="49333" x2="28889" y2="53333"/>
-                        <a14:foregroundMark x1="7111" y1="47556" x2="8889" y2="54222"/>
-                        <a14:foregroundMark x1="7556" y1="48444" x2="7111" y2="53333"/>
-                        <a14:foregroundMark x1="47556" y1="26222" x2="46667" y2="49333"/>
-                        <a14:foregroundMark x1="36444" y1="38667" x2="36889" y2="46667"/>
-                      </a14:backgroundRemoval>
-                    </a14:imgEffect>
-                  </a14:imgLayer>
-                </a14:imgProps>
-              </a:ext>
               <a:ext uri="{28A0092B-C50C-407E-A947-70E740481C1C}">
                 <a14:useLocalDpi xmlns:a14="http://schemas.microsoft.com/office/drawing/2010/main" val="0"/>
               </a:ext>
-            </a:extLst>
-          </a:blip>
-          <a:srcRect/>
-          <a:stretch>
-            <a:fillRect/>
-          </a:stretch>
-        </p:blipFill>
-        <p:spPr bwMode="auto">
-          <a:xfrm>
-            <a:off x="1674748" y="2748914"/>
-            <a:ext cx="3141564" cy="3141564"/>
-          </a:xfrm>
-          <a:prstGeom prst="rect">
-            <a:avLst/>
-          </a:prstGeom>
-          <a:noFill/>
-          <a:extLst>
-            <a:ext uri="{909E8E84-426E-40DD-AFC4-6F175D3DCCD1}">
-              <a14:hiddenFill xmlns:a14="http://schemas.microsoft.com/office/drawing/2010/main">
-                <a:solidFill>
-                  <a:srgbClr val="FFFFFF"/>
-                </a:solidFill>
-              </a14:hiddenFill>
-            </a:ext>
-          </a:extLst>
-        </p:spPr>
-      </p:pic>
-      <p:pic>
-        <p:nvPicPr>
-          <p:cNvPr id="2052" name="Picture 4" descr="세트, 사람, 아이콘. | CanStock">
-            <a:extLst>
-              <a:ext uri="{FF2B5EF4-FFF2-40B4-BE49-F238E27FC236}">
-                <a16:creationId xmlns:a16="http://schemas.microsoft.com/office/drawing/2014/main" id="{F7D09460-A4CF-4D18-B0E8-14169076B43D}"/>
-              </a:ext>
-            </a:extLst>
-          </p:cNvPr>
-          <p:cNvPicPr>
-            <a:picLocks noChangeAspect="1" noChangeArrowheads="1"/>
-          </p:cNvPicPr>
-          <p:nvPr/>
-        </p:nvPicPr>
-        <p:blipFill>
-          <a:blip r:embed="rId5">
-            <a:extLst>
-              <a:ext uri="{28A0092B-C50C-407E-A947-70E740481C1C}">
-                <a14:useLocalDpi xmlns:a14="http://schemas.microsoft.com/office/drawing/2010/main" val="0"/>
-              </a:ext>
-            </a:extLst>
-          </a:blip>
-          <a:srcRect/>
-          <a:stretch>
-            <a:fillRect/>
-          </a:stretch>
-        </p:blipFill>
-        <p:spPr bwMode="auto">
-          <a:xfrm>
-            <a:off x="4057039" y="4106518"/>
-            <a:ext cx="691344" cy="360121"/>
-          </a:xfrm>
-          <a:prstGeom prst="rect">
-            <a:avLst/>
-          </a:prstGeom>
-          <a:noFill/>
-          <a:extLst>
-            <a:ext uri="{909E8E84-426E-40DD-AFC4-6F175D3DCCD1}">
-              <a14:hiddenFill xmlns:a14="http://schemas.microsoft.com/office/drawing/2010/main">
-                <a:solidFill>
-                  <a:srgbClr val="FFFFFF"/>
-                </a:solidFill>
-              </a14:hiddenFill>
-            </a:ext>
-          </a:extLst>
-        </p:spPr>
-      </p:pic>
-      <p:sp>
-        <p:nvSpPr>
-          <p:cNvPr id="5" name="사각형: 둥근 모서리 4">
-            <a:extLst>
-              <a:ext uri="{FF2B5EF4-FFF2-40B4-BE49-F238E27FC236}">
-                <a16:creationId xmlns:a16="http://schemas.microsoft.com/office/drawing/2014/main" id="{3962BB17-D05B-429C-851E-8185BB7B0350}"/>
-              </a:ext>
-            </a:extLst>
-          </p:cNvPr>
-          <p:cNvSpPr/>
-          <p:nvPr/>
-        </p:nvSpPr>
-        <p:spPr>
-          <a:xfrm>
-            <a:off x="390951" y="5118755"/>
-            <a:ext cx="7865316" cy="942680"/>
-          </a:xfrm>
-          <a:custGeom>
-            <a:avLst/>
-            <a:gdLst>
-              <a:gd name="connsiteX0" fmla="*/ 0 w 7874743"/>
-              <a:gd name="connsiteY0" fmla="*/ 160804 h 964804"/>
-              <a:gd name="connsiteX1" fmla="*/ 160804 w 7874743"/>
-              <a:gd name="connsiteY1" fmla="*/ 0 h 964804"/>
-              <a:gd name="connsiteX2" fmla="*/ 7713939 w 7874743"/>
-              <a:gd name="connsiteY2" fmla="*/ 0 h 964804"/>
-              <a:gd name="connsiteX3" fmla="*/ 7874743 w 7874743"/>
-              <a:gd name="connsiteY3" fmla="*/ 160804 h 964804"/>
-              <a:gd name="connsiteX4" fmla="*/ 7874743 w 7874743"/>
-              <a:gd name="connsiteY4" fmla="*/ 804000 h 964804"/>
-              <a:gd name="connsiteX5" fmla="*/ 7713939 w 7874743"/>
-              <a:gd name="connsiteY5" fmla="*/ 964804 h 964804"/>
-              <a:gd name="connsiteX6" fmla="*/ 160804 w 7874743"/>
-              <a:gd name="connsiteY6" fmla="*/ 964804 h 964804"/>
-              <a:gd name="connsiteX7" fmla="*/ 0 w 7874743"/>
-              <a:gd name="connsiteY7" fmla="*/ 804000 h 964804"/>
-              <a:gd name="connsiteX8" fmla="*/ 0 w 7874743"/>
-              <a:gd name="connsiteY8" fmla="*/ 160804 h 964804"/>
-              <a:gd name="connsiteX0" fmla="*/ 0 w 7874743"/>
-              <a:gd name="connsiteY0" fmla="*/ 160804 h 964804"/>
-              <a:gd name="connsiteX1" fmla="*/ 160804 w 7874743"/>
-              <a:gd name="connsiteY1" fmla="*/ 0 h 964804"/>
-              <a:gd name="connsiteX2" fmla="*/ 7713939 w 7874743"/>
-              <a:gd name="connsiteY2" fmla="*/ 0 h 964804"/>
-              <a:gd name="connsiteX3" fmla="*/ 7874743 w 7874743"/>
-              <a:gd name="connsiteY3" fmla="*/ 160804 h 964804"/>
-              <a:gd name="connsiteX4" fmla="*/ 7874743 w 7874743"/>
-              <a:gd name="connsiteY4" fmla="*/ 804000 h 964804"/>
-              <a:gd name="connsiteX5" fmla="*/ 7713939 w 7874743"/>
-              <a:gd name="connsiteY5" fmla="*/ 964804 h 964804"/>
-              <a:gd name="connsiteX6" fmla="*/ 160804 w 7874743"/>
-              <a:gd name="connsiteY6" fmla="*/ 964804 h 964804"/>
-              <a:gd name="connsiteX7" fmla="*/ 0 w 7874743"/>
-              <a:gd name="connsiteY7" fmla="*/ 389221 h 964804"/>
-              <a:gd name="connsiteX8" fmla="*/ 0 w 7874743"/>
-              <a:gd name="connsiteY8" fmla="*/ 160804 h 964804"/>
-              <a:gd name="connsiteX0" fmla="*/ 0 w 7874743"/>
-              <a:gd name="connsiteY0" fmla="*/ 160804 h 964804"/>
-              <a:gd name="connsiteX1" fmla="*/ 160804 w 7874743"/>
-              <a:gd name="connsiteY1" fmla="*/ 0 h 964804"/>
-              <a:gd name="connsiteX2" fmla="*/ 7713939 w 7874743"/>
-              <a:gd name="connsiteY2" fmla="*/ 0 h 964804"/>
-              <a:gd name="connsiteX3" fmla="*/ 7874743 w 7874743"/>
-              <a:gd name="connsiteY3" fmla="*/ 160804 h 964804"/>
-              <a:gd name="connsiteX4" fmla="*/ 7874743 w 7874743"/>
-              <a:gd name="connsiteY4" fmla="*/ 804000 h 964804"/>
-              <a:gd name="connsiteX5" fmla="*/ 7713939 w 7874743"/>
-              <a:gd name="connsiteY5" fmla="*/ 964804 h 964804"/>
-              <a:gd name="connsiteX6" fmla="*/ 226792 w 7874743"/>
-              <a:gd name="connsiteY6" fmla="*/ 625439 h 964804"/>
-              <a:gd name="connsiteX7" fmla="*/ 0 w 7874743"/>
-              <a:gd name="connsiteY7" fmla="*/ 389221 h 964804"/>
-              <a:gd name="connsiteX8" fmla="*/ 0 w 7874743"/>
-              <a:gd name="connsiteY8" fmla="*/ 160804 h 964804"/>
-              <a:gd name="connsiteX0" fmla="*/ 0 w 7874743"/>
-              <a:gd name="connsiteY0" fmla="*/ 160804 h 964804"/>
-              <a:gd name="connsiteX1" fmla="*/ 160804 w 7874743"/>
-              <a:gd name="connsiteY1" fmla="*/ 0 h 964804"/>
-              <a:gd name="connsiteX2" fmla="*/ 7713939 w 7874743"/>
-              <a:gd name="connsiteY2" fmla="*/ 0 h 964804"/>
-              <a:gd name="connsiteX3" fmla="*/ 7874743 w 7874743"/>
-              <a:gd name="connsiteY3" fmla="*/ 160804 h 964804"/>
-              <a:gd name="connsiteX4" fmla="*/ 7874743 w 7874743"/>
-              <a:gd name="connsiteY4" fmla="*/ 804000 h 964804"/>
-              <a:gd name="connsiteX5" fmla="*/ 7713939 w 7874743"/>
-              <a:gd name="connsiteY5" fmla="*/ 964804 h 964804"/>
-              <a:gd name="connsiteX6" fmla="*/ 226792 w 7874743"/>
-              <a:gd name="connsiteY6" fmla="*/ 625439 h 964804"/>
-              <a:gd name="connsiteX7" fmla="*/ 0 w 7874743"/>
-              <a:gd name="connsiteY7" fmla="*/ 389221 h 964804"/>
-              <a:gd name="connsiteX8" fmla="*/ 0 w 7874743"/>
-              <a:gd name="connsiteY8" fmla="*/ 160804 h 964804"/>
-              <a:gd name="connsiteX0" fmla="*/ 0 w 7874743"/>
-              <a:gd name="connsiteY0" fmla="*/ 160804 h 964804"/>
-              <a:gd name="connsiteX1" fmla="*/ 160804 w 7874743"/>
-              <a:gd name="connsiteY1" fmla="*/ 0 h 964804"/>
-              <a:gd name="connsiteX2" fmla="*/ 7713939 w 7874743"/>
-              <a:gd name="connsiteY2" fmla="*/ 0 h 964804"/>
-              <a:gd name="connsiteX3" fmla="*/ 7874743 w 7874743"/>
-              <a:gd name="connsiteY3" fmla="*/ 160804 h 964804"/>
-              <a:gd name="connsiteX4" fmla="*/ 7874743 w 7874743"/>
-              <a:gd name="connsiteY4" fmla="*/ 804000 h 964804"/>
-              <a:gd name="connsiteX5" fmla="*/ 7713939 w 7874743"/>
-              <a:gd name="connsiteY5" fmla="*/ 964804 h 964804"/>
-              <a:gd name="connsiteX6" fmla="*/ 292780 w 7874743"/>
-              <a:gd name="connsiteY6" fmla="*/ 823402 h 964804"/>
-              <a:gd name="connsiteX7" fmla="*/ 0 w 7874743"/>
-              <a:gd name="connsiteY7" fmla="*/ 389221 h 964804"/>
-              <a:gd name="connsiteX8" fmla="*/ 0 w 7874743"/>
-              <a:gd name="connsiteY8" fmla="*/ 160804 h 964804"/>
-              <a:gd name="connsiteX0" fmla="*/ 0 w 7874743"/>
-              <a:gd name="connsiteY0" fmla="*/ 160804 h 975842"/>
-              <a:gd name="connsiteX1" fmla="*/ 160804 w 7874743"/>
-              <a:gd name="connsiteY1" fmla="*/ 0 h 975842"/>
-              <a:gd name="connsiteX2" fmla="*/ 7713939 w 7874743"/>
-              <a:gd name="connsiteY2" fmla="*/ 0 h 975842"/>
-              <a:gd name="connsiteX3" fmla="*/ 7874743 w 7874743"/>
-              <a:gd name="connsiteY3" fmla="*/ 160804 h 975842"/>
-              <a:gd name="connsiteX4" fmla="*/ 7874743 w 7874743"/>
-              <a:gd name="connsiteY4" fmla="*/ 804000 h 975842"/>
-              <a:gd name="connsiteX5" fmla="*/ 7713939 w 7874743"/>
-              <a:gd name="connsiteY5" fmla="*/ 964804 h 975842"/>
-              <a:gd name="connsiteX6" fmla="*/ 495169 w 7874743"/>
-              <a:gd name="connsiteY6" fmla="*/ 961534 h 975842"/>
-              <a:gd name="connsiteX7" fmla="*/ 292780 w 7874743"/>
-              <a:gd name="connsiteY7" fmla="*/ 823402 h 975842"/>
-              <a:gd name="connsiteX8" fmla="*/ 0 w 7874743"/>
-              <a:gd name="connsiteY8" fmla="*/ 389221 h 975842"/>
-              <a:gd name="connsiteX9" fmla="*/ 0 w 7874743"/>
-              <a:gd name="connsiteY9" fmla="*/ 160804 h 975842"/>
-              <a:gd name="connsiteX0" fmla="*/ 0 w 7874743"/>
-              <a:gd name="connsiteY0" fmla="*/ 160804 h 973930"/>
-              <a:gd name="connsiteX1" fmla="*/ 160804 w 7874743"/>
-              <a:gd name="connsiteY1" fmla="*/ 0 h 973930"/>
-              <a:gd name="connsiteX2" fmla="*/ 7713939 w 7874743"/>
-              <a:gd name="connsiteY2" fmla="*/ 0 h 973930"/>
-              <a:gd name="connsiteX3" fmla="*/ 7874743 w 7874743"/>
-              <a:gd name="connsiteY3" fmla="*/ 160804 h 973930"/>
-              <a:gd name="connsiteX4" fmla="*/ 7874743 w 7874743"/>
-              <a:gd name="connsiteY4" fmla="*/ 804000 h 973930"/>
-              <a:gd name="connsiteX5" fmla="*/ 7713939 w 7874743"/>
-              <a:gd name="connsiteY5" fmla="*/ 964804 h 973930"/>
-              <a:gd name="connsiteX6" fmla="*/ 1532117 w 7874743"/>
-              <a:gd name="connsiteY6" fmla="*/ 942680 h 973930"/>
-              <a:gd name="connsiteX7" fmla="*/ 495169 w 7874743"/>
-              <a:gd name="connsiteY7" fmla="*/ 961534 h 973930"/>
-              <a:gd name="connsiteX8" fmla="*/ 292780 w 7874743"/>
-              <a:gd name="connsiteY8" fmla="*/ 823402 h 973930"/>
-              <a:gd name="connsiteX9" fmla="*/ 0 w 7874743"/>
-              <a:gd name="connsiteY9" fmla="*/ 389221 h 973930"/>
-              <a:gd name="connsiteX10" fmla="*/ 0 w 7874743"/>
-              <a:gd name="connsiteY10" fmla="*/ 160804 h 973930"/>
-              <a:gd name="connsiteX0" fmla="*/ 0 w 7874743"/>
-              <a:gd name="connsiteY0" fmla="*/ 160804 h 973930"/>
-              <a:gd name="connsiteX1" fmla="*/ 160804 w 7874743"/>
-              <a:gd name="connsiteY1" fmla="*/ 0 h 973930"/>
-              <a:gd name="connsiteX2" fmla="*/ 7713939 w 7874743"/>
-              <a:gd name="connsiteY2" fmla="*/ 0 h 973930"/>
-              <a:gd name="connsiteX3" fmla="*/ 7874743 w 7874743"/>
-              <a:gd name="connsiteY3" fmla="*/ 160804 h 973930"/>
-              <a:gd name="connsiteX4" fmla="*/ 7874743 w 7874743"/>
-              <a:gd name="connsiteY4" fmla="*/ 804000 h 973930"/>
-              <a:gd name="connsiteX5" fmla="*/ 7713939 w 7874743"/>
-              <a:gd name="connsiteY5" fmla="*/ 964804 h 973930"/>
-              <a:gd name="connsiteX6" fmla="*/ 1532117 w 7874743"/>
-              <a:gd name="connsiteY6" fmla="*/ 942680 h 973930"/>
-              <a:gd name="connsiteX7" fmla="*/ 532877 w 7874743"/>
-              <a:gd name="connsiteY7" fmla="*/ 895547 h 973930"/>
-              <a:gd name="connsiteX8" fmla="*/ 292780 w 7874743"/>
-              <a:gd name="connsiteY8" fmla="*/ 823402 h 973930"/>
-              <a:gd name="connsiteX9" fmla="*/ 0 w 7874743"/>
-              <a:gd name="connsiteY9" fmla="*/ 389221 h 973930"/>
-              <a:gd name="connsiteX10" fmla="*/ 0 w 7874743"/>
-              <a:gd name="connsiteY10" fmla="*/ 160804 h 973930"/>
-              <a:gd name="connsiteX0" fmla="*/ 0 w 7874743"/>
-              <a:gd name="connsiteY0" fmla="*/ 160804 h 973930"/>
-              <a:gd name="connsiteX1" fmla="*/ 160804 w 7874743"/>
-              <a:gd name="connsiteY1" fmla="*/ 0 h 973930"/>
-              <a:gd name="connsiteX2" fmla="*/ 7713939 w 7874743"/>
-              <a:gd name="connsiteY2" fmla="*/ 0 h 973930"/>
-              <a:gd name="connsiteX3" fmla="*/ 7874743 w 7874743"/>
-              <a:gd name="connsiteY3" fmla="*/ 160804 h 973930"/>
-              <a:gd name="connsiteX4" fmla="*/ 7874743 w 7874743"/>
-              <a:gd name="connsiteY4" fmla="*/ 804000 h 973930"/>
-              <a:gd name="connsiteX5" fmla="*/ 7713939 w 7874743"/>
-              <a:gd name="connsiteY5" fmla="*/ 964804 h 973930"/>
-              <a:gd name="connsiteX6" fmla="*/ 1532117 w 7874743"/>
-              <a:gd name="connsiteY6" fmla="*/ 942680 h 973930"/>
-              <a:gd name="connsiteX7" fmla="*/ 532877 w 7874743"/>
-              <a:gd name="connsiteY7" fmla="*/ 895547 h 973930"/>
-              <a:gd name="connsiteX8" fmla="*/ 311634 w 7874743"/>
-              <a:gd name="connsiteY8" fmla="*/ 785694 h 973930"/>
-              <a:gd name="connsiteX9" fmla="*/ 0 w 7874743"/>
-              <a:gd name="connsiteY9" fmla="*/ 389221 h 973930"/>
-              <a:gd name="connsiteX10" fmla="*/ 0 w 7874743"/>
-              <a:gd name="connsiteY10" fmla="*/ 160804 h 973930"/>
-              <a:gd name="connsiteX0" fmla="*/ 0 w 7874743"/>
-              <a:gd name="connsiteY0" fmla="*/ 160804 h 942680"/>
-              <a:gd name="connsiteX1" fmla="*/ 160804 w 7874743"/>
-              <a:gd name="connsiteY1" fmla="*/ 0 h 942680"/>
-              <a:gd name="connsiteX2" fmla="*/ 7713939 w 7874743"/>
-              <a:gd name="connsiteY2" fmla="*/ 0 h 942680"/>
-              <a:gd name="connsiteX3" fmla="*/ 7874743 w 7874743"/>
-              <a:gd name="connsiteY3" fmla="*/ 160804 h 942680"/>
-              <a:gd name="connsiteX4" fmla="*/ 7874743 w 7874743"/>
-              <a:gd name="connsiteY4" fmla="*/ 804000 h 942680"/>
-              <a:gd name="connsiteX5" fmla="*/ 7591390 w 7874743"/>
-              <a:gd name="connsiteY5" fmla="*/ 804549 h 942680"/>
-              <a:gd name="connsiteX6" fmla="*/ 1532117 w 7874743"/>
-              <a:gd name="connsiteY6" fmla="*/ 942680 h 942680"/>
-              <a:gd name="connsiteX7" fmla="*/ 532877 w 7874743"/>
-              <a:gd name="connsiteY7" fmla="*/ 895547 h 942680"/>
-              <a:gd name="connsiteX8" fmla="*/ 311634 w 7874743"/>
-              <a:gd name="connsiteY8" fmla="*/ 785694 h 942680"/>
-              <a:gd name="connsiteX9" fmla="*/ 0 w 7874743"/>
-              <a:gd name="connsiteY9" fmla="*/ 389221 h 942680"/>
-              <a:gd name="connsiteX10" fmla="*/ 0 w 7874743"/>
-              <a:gd name="connsiteY10" fmla="*/ 160804 h 942680"/>
-              <a:gd name="connsiteX0" fmla="*/ 0 w 7874743"/>
-              <a:gd name="connsiteY0" fmla="*/ 160804 h 942680"/>
-              <a:gd name="connsiteX1" fmla="*/ 160804 w 7874743"/>
-              <a:gd name="connsiteY1" fmla="*/ 0 h 942680"/>
-              <a:gd name="connsiteX2" fmla="*/ 7713939 w 7874743"/>
-              <a:gd name="connsiteY2" fmla="*/ 0 h 942680"/>
-              <a:gd name="connsiteX3" fmla="*/ 7874743 w 7874743"/>
-              <a:gd name="connsiteY3" fmla="*/ 160804 h 942680"/>
-              <a:gd name="connsiteX4" fmla="*/ 7874743 w 7874743"/>
-              <a:gd name="connsiteY4" fmla="*/ 804000 h 942680"/>
-              <a:gd name="connsiteX5" fmla="*/ 7421708 w 7874743"/>
-              <a:gd name="connsiteY5" fmla="*/ 927097 h 942680"/>
-              <a:gd name="connsiteX6" fmla="*/ 1532117 w 7874743"/>
-              <a:gd name="connsiteY6" fmla="*/ 942680 h 942680"/>
-              <a:gd name="connsiteX7" fmla="*/ 532877 w 7874743"/>
-              <a:gd name="connsiteY7" fmla="*/ 895547 h 942680"/>
-              <a:gd name="connsiteX8" fmla="*/ 311634 w 7874743"/>
-              <a:gd name="connsiteY8" fmla="*/ 785694 h 942680"/>
-              <a:gd name="connsiteX9" fmla="*/ 0 w 7874743"/>
-              <a:gd name="connsiteY9" fmla="*/ 389221 h 942680"/>
-              <a:gd name="connsiteX10" fmla="*/ 0 w 7874743"/>
-              <a:gd name="connsiteY10" fmla="*/ 160804 h 942680"/>
-              <a:gd name="connsiteX0" fmla="*/ 0 w 7874743"/>
-              <a:gd name="connsiteY0" fmla="*/ 160804 h 942680"/>
-              <a:gd name="connsiteX1" fmla="*/ 160804 w 7874743"/>
-              <a:gd name="connsiteY1" fmla="*/ 0 h 942680"/>
-              <a:gd name="connsiteX2" fmla="*/ 7713939 w 7874743"/>
-              <a:gd name="connsiteY2" fmla="*/ 0 h 942680"/>
-              <a:gd name="connsiteX3" fmla="*/ 7874743 w 7874743"/>
-              <a:gd name="connsiteY3" fmla="*/ 160804 h 942680"/>
-              <a:gd name="connsiteX4" fmla="*/ 7601365 w 7874743"/>
-              <a:gd name="connsiteY4" fmla="*/ 709732 h 942680"/>
-              <a:gd name="connsiteX5" fmla="*/ 7421708 w 7874743"/>
-              <a:gd name="connsiteY5" fmla="*/ 927097 h 942680"/>
-              <a:gd name="connsiteX6" fmla="*/ 1532117 w 7874743"/>
-              <a:gd name="connsiteY6" fmla="*/ 942680 h 942680"/>
-              <a:gd name="connsiteX7" fmla="*/ 532877 w 7874743"/>
-              <a:gd name="connsiteY7" fmla="*/ 895547 h 942680"/>
-              <a:gd name="connsiteX8" fmla="*/ 311634 w 7874743"/>
-              <a:gd name="connsiteY8" fmla="*/ 785694 h 942680"/>
-              <a:gd name="connsiteX9" fmla="*/ 0 w 7874743"/>
-              <a:gd name="connsiteY9" fmla="*/ 389221 h 942680"/>
-              <a:gd name="connsiteX10" fmla="*/ 0 w 7874743"/>
-              <a:gd name="connsiteY10" fmla="*/ 160804 h 942680"/>
-              <a:gd name="connsiteX0" fmla="*/ 0 w 7874743"/>
-              <a:gd name="connsiteY0" fmla="*/ 160804 h 942680"/>
-              <a:gd name="connsiteX1" fmla="*/ 160804 w 7874743"/>
-              <a:gd name="connsiteY1" fmla="*/ 0 h 942680"/>
-              <a:gd name="connsiteX2" fmla="*/ 7713939 w 7874743"/>
-              <a:gd name="connsiteY2" fmla="*/ 0 h 942680"/>
-              <a:gd name="connsiteX3" fmla="*/ 7874743 w 7874743"/>
-              <a:gd name="connsiteY3" fmla="*/ 160804 h 942680"/>
-              <a:gd name="connsiteX4" fmla="*/ 7705060 w 7874743"/>
-              <a:gd name="connsiteY4" fmla="*/ 728585 h 942680"/>
-              <a:gd name="connsiteX5" fmla="*/ 7421708 w 7874743"/>
-              <a:gd name="connsiteY5" fmla="*/ 927097 h 942680"/>
-              <a:gd name="connsiteX6" fmla="*/ 1532117 w 7874743"/>
-              <a:gd name="connsiteY6" fmla="*/ 942680 h 942680"/>
-              <a:gd name="connsiteX7" fmla="*/ 532877 w 7874743"/>
-              <a:gd name="connsiteY7" fmla="*/ 895547 h 942680"/>
-              <a:gd name="connsiteX8" fmla="*/ 311634 w 7874743"/>
-              <a:gd name="connsiteY8" fmla="*/ 785694 h 942680"/>
-              <a:gd name="connsiteX9" fmla="*/ 0 w 7874743"/>
-              <a:gd name="connsiteY9" fmla="*/ 389221 h 942680"/>
-              <a:gd name="connsiteX10" fmla="*/ 0 w 7874743"/>
-              <a:gd name="connsiteY10" fmla="*/ 160804 h 942680"/>
-              <a:gd name="connsiteX0" fmla="*/ 0 w 7874743"/>
-              <a:gd name="connsiteY0" fmla="*/ 160804 h 942680"/>
-              <a:gd name="connsiteX1" fmla="*/ 160804 w 7874743"/>
-              <a:gd name="connsiteY1" fmla="*/ 0 h 942680"/>
-              <a:gd name="connsiteX2" fmla="*/ 7713939 w 7874743"/>
-              <a:gd name="connsiteY2" fmla="*/ 0 h 942680"/>
-              <a:gd name="connsiteX3" fmla="*/ 7874743 w 7874743"/>
-              <a:gd name="connsiteY3" fmla="*/ 160804 h 942680"/>
-              <a:gd name="connsiteX4" fmla="*/ 7705060 w 7874743"/>
-              <a:gd name="connsiteY4" fmla="*/ 728585 h 942680"/>
-              <a:gd name="connsiteX5" fmla="*/ 7421708 w 7874743"/>
-              <a:gd name="connsiteY5" fmla="*/ 927097 h 942680"/>
-              <a:gd name="connsiteX6" fmla="*/ 1532117 w 7874743"/>
-              <a:gd name="connsiteY6" fmla="*/ 942680 h 942680"/>
-              <a:gd name="connsiteX7" fmla="*/ 532877 w 7874743"/>
-              <a:gd name="connsiteY7" fmla="*/ 895547 h 942680"/>
-              <a:gd name="connsiteX8" fmla="*/ 311634 w 7874743"/>
-              <a:gd name="connsiteY8" fmla="*/ 785694 h 942680"/>
-              <a:gd name="connsiteX9" fmla="*/ 0 w 7874743"/>
-              <a:gd name="connsiteY9" fmla="*/ 389221 h 942680"/>
-              <a:gd name="connsiteX10" fmla="*/ 0 w 7874743"/>
-              <a:gd name="connsiteY10" fmla="*/ 160804 h 942680"/>
-              <a:gd name="connsiteX0" fmla="*/ 0 w 7865316"/>
-              <a:gd name="connsiteY0" fmla="*/ 160804 h 942680"/>
-              <a:gd name="connsiteX1" fmla="*/ 160804 w 7865316"/>
-              <a:gd name="connsiteY1" fmla="*/ 0 h 942680"/>
-              <a:gd name="connsiteX2" fmla="*/ 7713939 w 7865316"/>
-              <a:gd name="connsiteY2" fmla="*/ 0 h 942680"/>
-              <a:gd name="connsiteX3" fmla="*/ 7865316 w 7865316"/>
-              <a:gd name="connsiteY3" fmla="*/ 217365 h 942680"/>
-              <a:gd name="connsiteX4" fmla="*/ 7705060 w 7865316"/>
-              <a:gd name="connsiteY4" fmla="*/ 728585 h 942680"/>
-              <a:gd name="connsiteX5" fmla="*/ 7421708 w 7865316"/>
-              <a:gd name="connsiteY5" fmla="*/ 927097 h 942680"/>
-              <a:gd name="connsiteX6" fmla="*/ 1532117 w 7865316"/>
-              <a:gd name="connsiteY6" fmla="*/ 942680 h 942680"/>
-              <a:gd name="connsiteX7" fmla="*/ 532877 w 7865316"/>
-              <a:gd name="connsiteY7" fmla="*/ 895547 h 942680"/>
-              <a:gd name="connsiteX8" fmla="*/ 311634 w 7865316"/>
-              <a:gd name="connsiteY8" fmla="*/ 785694 h 942680"/>
-              <a:gd name="connsiteX9" fmla="*/ 0 w 7865316"/>
-              <a:gd name="connsiteY9" fmla="*/ 389221 h 942680"/>
-              <a:gd name="connsiteX10" fmla="*/ 0 w 7865316"/>
-              <a:gd name="connsiteY10" fmla="*/ 160804 h 942680"/>
-              <a:gd name="connsiteX0" fmla="*/ 0 w 7865316"/>
-              <a:gd name="connsiteY0" fmla="*/ 160804 h 942680"/>
-              <a:gd name="connsiteX1" fmla="*/ 160804 w 7865316"/>
-              <a:gd name="connsiteY1" fmla="*/ 0 h 942680"/>
-              <a:gd name="connsiteX2" fmla="*/ 7713939 w 7865316"/>
-              <a:gd name="connsiteY2" fmla="*/ 0 h 942680"/>
-              <a:gd name="connsiteX3" fmla="*/ 7865316 w 7865316"/>
-              <a:gd name="connsiteY3" fmla="*/ 217365 h 942680"/>
-              <a:gd name="connsiteX4" fmla="*/ 7705060 w 7865316"/>
-              <a:gd name="connsiteY4" fmla="*/ 728585 h 942680"/>
-              <a:gd name="connsiteX5" fmla="*/ 7421708 w 7865316"/>
-              <a:gd name="connsiteY5" fmla="*/ 927097 h 942680"/>
-              <a:gd name="connsiteX6" fmla="*/ 1532117 w 7865316"/>
-              <a:gd name="connsiteY6" fmla="*/ 942680 h 942680"/>
-              <a:gd name="connsiteX7" fmla="*/ 532877 w 7865316"/>
-              <a:gd name="connsiteY7" fmla="*/ 895547 h 942680"/>
-              <a:gd name="connsiteX8" fmla="*/ 311634 w 7865316"/>
-              <a:gd name="connsiteY8" fmla="*/ 785694 h 942680"/>
-              <a:gd name="connsiteX9" fmla="*/ 0 w 7865316"/>
-              <a:gd name="connsiteY9" fmla="*/ 389221 h 942680"/>
-              <a:gd name="connsiteX10" fmla="*/ 0 w 7865316"/>
-              <a:gd name="connsiteY10" fmla="*/ 160804 h 942680"/>
-            </a:gdLst>
-            <a:ahLst/>
-            <a:cxnLst>
-              <a:cxn ang="0">
-                <a:pos x="connsiteX0" y="connsiteY0"/>
-              </a:cxn>
-              <a:cxn ang="0">
-                <a:pos x="connsiteX1" y="connsiteY1"/>
-              </a:cxn>
-              <a:cxn ang="0">
-                <a:pos x="connsiteX2" y="connsiteY2"/>
-              </a:cxn>
-              <a:cxn ang="0">
-                <a:pos x="connsiteX3" y="connsiteY3"/>
-              </a:cxn>
-              <a:cxn ang="0">
-                <a:pos x="connsiteX4" y="connsiteY4"/>
-              </a:cxn>
-              <a:cxn ang="0">
-                <a:pos x="connsiteX5" y="connsiteY5"/>
-              </a:cxn>
-              <a:cxn ang="0">
-                <a:pos x="connsiteX6" y="connsiteY6"/>
-              </a:cxn>
-              <a:cxn ang="0">
-                <a:pos x="connsiteX7" y="connsiteY7"/>
-              </a:cxn>
-              <a:cxn ang="0">
-                <a:pos x="connsiteX8" y="connsiteY8"/>
-              </a:cxn>
-              <a:cxn ang="0">
-                <a:pos x="connsiteX9" y="connsiteY9"/>
-              </a:cxn>
-              <a:cxn ang="0">
-                <a:pos x="connsiteX10" y="connsiteY10"/>
-              </a:cxn>
-            </a:cxnLst>
-            <a:rect l="l" t="t" r="r" b="b"/>
-            <a:pathLst>
-              <a:path w="7865316" h="942680">
-                <a:moveTo>
-                  <a:pt x="0" y="160804"/>
-                </a:moveTo>
-                <a:cubicBezTo>
-                  <a:pt x="0" y="71994"/>
-                  <a:pt x="71994" y="0"/>
-                  <a:pt x="160804" y="0"/>
-                </a:cubicBezTo>
-                <a:lnTo>
-                  <a:pt x="7713939" y="0"/>
-                </a:lnTo>
-                <a:cubicBezTo>
-                  <a:pt x="7802749" y="0"/>
-                  <a:pt x="7865316" y="128555"/>
-                  <a:pt x="7865316" y="217365"/>
-                </a:cubicBezTo>
-                <a:cubicBezTo>
-                  <a:pt x="7846462" y="425478"/>
-                  <a:pt x="7837036" y="595886"/>
-                  <a:pt x="7705060" y="728585"/>
-                </a:cubicBezTo>
-                <a:cubicBezTo>
-                  <a:pt x="7705060" y="817395"/>
-                  <a:pt x="7510518" y="927097"/>
-                  <a:pt x="7421708" y="927097"/>
-                </a:cubicBezTo>
-                <a:lnTo>
-                  <a:pt x="1532117" y="942680"/>
-                </a:lnTo>
-                <a:cubicBezTo>
-                  <a:pt x="328989" y="942135"/>
-                  <a:pt x="700155" y="921711"/>
-                  <a:pt x="532877" y="895547"/>
-                </a:cubicBezTo>
-                <a:lnTo>
-                  <a:pt x="311634" y="785694"/>
-                </a:lnTo>
-                <a:cubicBezTo>
-                  <a:pt x="213397" y="879962"/>
-                  <a:pt x="0" y="478031"/>
-                  <a:pt x="0" y="389221"/>
-                </a:cubicBezTo>
-                <a:lnTo>
-                  <a:pt x="0" y="160804"/>
-                </a:lnTo>
-                <a:close/>
-              </a:path>
-            </a:pathLst>
-          </a:custGeom>
-        </p:spPr>
-        <p:style>
-          <a:lnRef idx="2">
-            <a:schemeClr val="accent1">
-              <a:shade val="50000"/>
-            </a:schemeClr>
-          </a:lnRef>
-          <a:fillRef idx="1">
-            <a:schemeClr val="accent1"/>
-          </a:fillRef>
-          <a:effectRef idx="0">
-            <a:schemeClr val="accent1"/>
-          </a:effectRef>
-          <a:fontRef idx="minor">
-            <a:schemeClr val="lt1"/>
-          </a:fontRef>
-        </p:style>
-        <p:txBody>
-          <a:bodyPr rtlCol="0" anchor="ctr"/>
-          <a:lstStyle/>
-          <a:p>
-            <a:pPr algn="ctr"/>
-            <a:endParaRPr lang="ko-KR" altLang="en-US"/>
-          </a:p>
-        </p:txBody>
-      </p:sp>
-      <p:pic>
-        <p:nvPicPr>
-          <p:cNvPr id="8" name="그래픽 7" descr="사용자 단색으로 채워진">
-            <a:extLst>
-              <a:ext uri="{FF2B5EF4-FFF2-40B4-BE49-F238E27FC236}">
-                <a16:creationId xmlns:a16="http://schemas.microsoft.com/office/drawing/2014/main" id="{AAD3956D-1CB0-4FF5-ABB0-7A081E39BD5F}"/>
-              </a:ext>
-            </a:extLst>
-          </p:cNvPr>
-          <p:cNvPicPr>
-            <a:picLocks noChangeAspect="1"/>
-          </p:cNvPicPr>
-          <p:nvPr/>
-        </p:nvPicPr>
-        <p:blipFill>
-          <a:blip r:embed="rId6">
-            <a:extLst>
-              <a:ext uri="{28A0092B-C50C-407E-A947-70E740481C1C}">
-                <a14:useLocalDpi xmlns:a14="http://schemas.microsoft.com/office/drawing/2010/main" val="0"/>
-              </a:ext>
               <a:ext uri="{96DAC541-7B7A-43D3-8B79-37D633B846F1}">
-                <asvg:svgBlip xmlns:asvg="http://schemas.microsoft.com/office/drawing/2016/SVG/main" r:embed="rId7"/>
+                <asvg:svgBlip xmlns:asvg="http://schemas.microsoft.com/office/drawing/2016/SVG/main" r:embed="rId4"/>
               </a:ext>
             </a:extLst>
           </a:blip>
@@ -16530,9 +14696,9 @@
           </a:stretch>
         </p:blipFill>
         <p:spPr>
-          <a:xfrm rot="13778660">
-            <a:off x="5284048" y="3249241"/>
-            <a:ext cx="481885" cy="481885"/>
+          <a:xfrm>
+            <a:off x="1234750" y="3251717"/>
+            <a:ext cx="1824136" cy="1824136"/>
           </a:xfrm>
           <a:prstGeom prst="rect">
             <a:avLst/>
@@ -16541,10 +14707,10 @@
       </p:pic>
       <p:pic>
         <p:nvPicPr>
-          <p:cNvPr id="23" name="그래픽 22" descr="사용자 단색으로 채워진">
-            <a:extLst>
-              <a:ext uri="{FF2B5EF4-FFF2-40B4-BE49-F238E27FC236}">
-                <a16:creationId xmlns:a16="http://schemas.microsoft.com/office/drawing/2014/main" id="{E35E18B1-2D3C-49C5-BEFB-31360FC000E1}"/>
+          <p:cNvPr id="25" name="그래픽 24" descr="남자 윤곽선">
+            <a:extLst>
+              <a:ext uri="{FF2B5EF4-FFF2-40B4-BE49-F238E27FC236}">
+                <a16:creationId xmlns:a16="http://schemas.microsoft.com/office/drawing/2014/main" id="{A3AA7A24-8100-46D9-BFFD-EE8B0AA3E961}"/>
               </a:ext>
             </a:extLst>
           </p:cNvPr>
@@ -16554,13 +14720,13 @@
           <p:nvPr/>
         </p:nvPicPr>
         <p:blipFill>
-          <a:blip r:embed="rId6">
+          <a:blip r:embed="rId3">
             <a:extLst>
               <a:ext uri="{28A0092B-C50C-407E-A947-70E740481C1C}">
                 <a14:useLocalDpi xmlns:a14="http://schemas.microsoft.com/office/drawing/2010/main" val="0"/>
               </a:ext>
               <a:ext uri="{96DAC541-7B7A-43D3-8B79-37D633B846F1}">
-                <asvg:svgBlip xmlns:asvg="http://schemas.microsoft.com/office/drawing/2016/SVG/main" r:embed="rId7"/>
+                <asvg:svgBlip xmlns:asvg="http://schemas.microsoft.com/office/drawing/2016/SVG/main" r:embed="rId4"/>
               </a:ext>
             </a:extLst>
           </a:blip>
@@ -16569,571 +14735,21 @@
           </a:stretch>
         </p:blipFill>
         <p:spPr>
-          <a:xfrm rot="19939363">
-            <a:off x="6644851" y="3383175"/>
-            <a:ext cx="481885" cy="481885"/>
+          <a:xfrm>
+            <a:off x="3418866" y="3093097"/>
+            <a:ext cx="1824136" cy="1824136"/>
           </a:xfrm>
           <a:prstGeom prst="rect">
             <a:avLst/>
           </a:prstGeom>
         </p:spPr>
       </p:pic>
-      <p:sp>
-        <p:nvSpPr>
-          <p:cNvPr id="13" name="자유형: 도형 12">
-            <a:extLst>
-              <a:ext uri="{FF2B5EF4-FFF2-40B4-BE49-F238E27FC236}">
-                <a16:creationId xmlns:a16="http://schemas.microsoft.com/office/drawing/2014/main" id="{14B84700-3113-406B-B116-DA6FF75AF20D}"/>
-              </a:ext>
-            </a:extLst>
-          </p:cNvPr>
-          <p:cNvSpPr/>
-          <p:nvPr/>
-        </p:nvSpPr>
-        <p:spPr>
-          <a:xfrm>
-            <a:off x="4779390" y="3601031"/>
-            <a:ext cx="527901" cy="461922"/>
-          </a:xfrm>
-          <a:custGeom>
-            <a:avLst/>
-            <a:gdLst>
-              <a:gd name="connsiteX0" fmla="*/ 65987 w 527901"/>
-              <a:gd name="connsiteY0" fmla="*/ 461922 h 461922"/>
-              <a:gd name="connsiteX1" fmla="*/ 18853 w 527901"/>
-              <a:gd name="connsiteY1" fmla="*/ 443068 h 461922"/>
-              <a:gd name="connsiteX2" fmla="*/ 0 w 527901"/>
-              <a:gd name="connsiteY2" fmla="*/ 386507 h 461922"/>
-              <a:gd name="connsiteX3" fmla="*/ 18853 w 527901"/>
-              <a:gd name="connsiteY3" fmla="*/ 320520 h 461922"/>
-              <a:gd name="connsiteX4" fmla="*/ 47134 w 527901"/>
-              <a:gd name="connsiteY4" fmla="*/ 311093 h 461922"/>
-              <a:gd name="connsiteX5" fmla="*/ 122548 w 527901"/>
-              <a:gd name="connsiteY5" fmla="*/ 367654 h 461922"/>
-              <a:gd name="connsiteX6" fmla="*/ 131975 w 527901"/>
-              <a:gd name="connsiteY6" fmla="*/ 395934 h 461922"/>
-              <a:gd name="connsiteX7" fmla="*/ 75414 w 527901"/>
-              <a:gd name="connsiteY7" fmla="*/ 367654 h 461922"/>
-              <a:gd name="connsiteX8" fmla="*/ 65987 w 527901"/>
-              <a:gd name="connsiteY8" fmla="*/ 320520 h 461922"/>
-              <a:gd name="connsiteX9" fmla="*/ 160255 w 527901"/>
-              <a:gd name="connsiteY9" fmla="*/ 235678 h 461922"/>
-              <a:gd name="connsiteX10" fmla="*/ 207389 w 527901"/>
-              <a:gd name="connsiteY10" fmla="*/ 263959 h 461922"/>
-              <a:gd name="connsiteX11" fmla="*/ 216816 w 527901"/>
-              <a:gd name="connsiteY11" fmla="*/ 311093 h 461922"/>
-              <a:gd name="connsiteX12" fmla="*/ 188536 w 527901"/>
-              <a:gd name="connsiteY12" fmla="*/ 329946 h 461922"/>
-              <a:gd name="connsiteX13" fmla="*/ 169682 w 527901"/>
-              <a:gd name="connsiteY13" fmla="*/ 263959 h 461922"/>
-              <a:gd name="connsiteX14" fmla="*/ 282804 w 527901"/>
-              <a:gd name="connsiteY14" fmla="*/ 131983 h 461922"/>
-              <a:gd name="connsiteX15" fmla="*/ 329938 w 527901"/>
-              <a:gd name="connsiteY15" fmla="*/ 141410 h 461922"/>
-              <a:gd name="connsiteX16" fmla="*/ 339365 w 527901"/>
-              <a:gd name="connsiteY16" fmla="*/ 188544 h 461922"/>
-              <a:gd name="connsiteX17" fmla="*/ 311084 w 527901"/>
-              <a:gd name="connsiteY17" fmla="*/ 235678 h 461922"/>
-              <a:gd name="connsiteX18" fmla="*/ 282804 w 527901"/>
-              <a:gd name="connsiteY18" fmla="*/ 122557 h 461922"/>
-              <a:gd name="connsiteX19" fmla="*/ 292231 w 527901"/>
-              <a:gd name="connsiteY19" fmla="*/ 56569 h 461922"/>
-              <a:gd name="connsiteX20" fmla="*/ 377072 w 527901"/>
-              <a:gd name="connsiteY20" fmla="*/ 28289 h 461922"/>
-              <a:gd name="connsiteX21" fmla="*/ 527901 w 527901"/>
-              <a:gd name="connsiteY21" fmla="*/ 8 h 461922"/>
-            </a:gdLst>
-            <a:ahLst/>
-            <a:cxnLst>
-              <a:cxn ang="0">
-                <a:pos x="connsiteX0" y="connsiteY0"/>
-              </a:cxn>
-              <a:cxn ang="0">
-                <a:pos x="connsiteX1" y="connsiteY1"/>
-              </a:cxn>
-              <a:cxn ang="0">
-                <a:pos x="connsiteX2" y="connsiteY2"/>
-              </a:cxn>
-              <a:cxn ang="0">
-                <a:pos x="connsiteX3" y="connsiteY3"/>
-              </a:cxn>
-              <a:cxn ang="0">
-                <a:pos x="connsiteX4" y="connsiteY4"/>
-              </a:cxn>
-              <a:cxn ang="0">
-                <a:pos x="connsiteX5" y="connsiteY5"/>
-              </a:cxn>
-              <a:cxn ang="0">
-                <a:pos x="connsiteX6" y="connsiteY6"/>
-              </a:cxn>
-              <a:cxn ang="0">
-                <a:pos x="connsiteX7" y="connsiteY7"/>
-              </a:cxn>
-              <a:cxn ang="0">
-                <a:pos x="connsiteX8" y="connsiteY8"/>
-              </a:cxn>
-              <a:cxn ang="0">
-                <a:pos x="connsiteX9" y="connsiteY9"/>
-              </a:cxn>
-              <a:cxn ang="0">
-                <a:pos x="connsiteX10" y="connsiteY10"/>
-              </a:cxn>
-              <a:cxn ang="0">
-                <a:pos x="connsiteX11" y="connsiteY11"/>
-              </a:cxn>
-              <a:cxn ang="0">
-                <a:pos x="connsiteX12" y="connsiteY12"/>
-              </a:cxn>
-              <a:cxn ang="0">
-                <a:pos x="connsiteX13" y="connsiteY13"/>
-              </a:cxn>
-              <a:cxn ang="0">
-                <a:pos x="connsiteX14" y="connsiteY14"/>
-              </a:cxn>
-              <a:cxn ang="0">
-                <a:pos x="connsiteX15" y="connsiteY15"/>
-              </a:cxn>
-              <a:cxn ang="0">
-                <a:pos x="connsiteX16" y="connsiteY16"/>
-              </a:cxn>
-              <a:cxn ang="0">
-                <a:pos x="connsiteX17" y="connsiteY17"/>
-              </a:cxn>
-              <a:cxn ang="0">
-                <a:pos x="connsiteX18" y="connsiteY18"/>
-              </a:cxn>
-              <a:cxn ang="0">
-                <a:pos x="connsiteX19" y="connsiteY19"/>
-              </a:cxn>
-              <a:cxn ang="0">
-                <a:pos x="connsiteX20" y="connsiteY20"/>
-              </a:cxn>
-              <a:cxn ang="0">
-                <a:pos x="connsiteX21" y="connsiteY21"/>
-              </a:cxn>
-            </a:cxnLst>
-            <a:rect l="l" t="t" r="r" b="b"/>
-            <a:pathLst>
-              <a:path w="527901" h="461922">
-                <a:moveTo>
-                  <a:pt x="65987" y="461922"/>
-                </a:moveTo>
-                <a:cubicBezTo>
-                  <a:pt x="50276" y="455637"/>
-                  <a:pt x="29996" y="455803"/>
-                  <a:pt x="18853" y="443068"/>
-                </a:cubicBezTo>
-                <a:cubicBezTo>
-                  <a:pt x="5766" y="428112"/>
-                  <a:pt x="0" y="386507"/>
-                  <a:pt x="0" y="386507"/>
-                </a:cubicBezTo>
-                <a:cubicBezTo>
-                  <a:pt x="6284" y="364511"/>
-                  <a:pt x="6729" y="339919"/>
-                  <a:pt x="18853" y="320520"/>
-                </a:cubicBezTo>
-                <a:cubicBezTo>
-                  <a:pt x="24120" y="312094"/>
-                  <a:pt x="38088" y="306981"/>
-                  <a:pt x="47134" y="311093"/>
-                </a:cubicBezTo>
-                <a:cubicBezTo>
-                  <a:pt x="75740" y="324096"/>
-                  <a:pt x="122548" y="367654"/>
-                  <a:pt x="122548" y="367654"/>
-                </a:cubicBezTo>
-                <a:cubicBezTo>
-                  <a:pt x="125690" y="377081"/>
-                  <a:pt x="141912" y="395934"/>
-                  <a:pt x="131975" y="395934"/>
-                </a:cubicBezTo>
-                <a:cubicBezTo>
-                  <a:pt x="110896" y="395934"/>
-                  <a:pt x="89295" y="383517"/>
-                  <a:pt x="75414" y="367654"/>
-                </a:cubicBezTo>
-                <a:cubicBezTo>
-                  <a:pt x="64863" y="355596"/>
-                  <a:pt x="69129" y="336231"/>
-                  <a:pt x="65987" y="320520"/>
-                </a:cubicBezTo>
-                <a:cubicBezTo>
-                  <a:pt x="89061" y="266681"/>
-                  <a:pt x="84849" y="229394"/>
-                  <a:pt x="160255" y="235678"/>
-                </a:cubicBezTo>
-                <a:cubicBezTo>
-                  <a:pt x="178514" y="237200"/>
-                  <a:pt x="191678" y="254532"/>
-                  <a:pt x="207389" y="263959"/>
-                </a:cubicBezTo>
-                <a:cubicBezTo>
-                  <a:pt x="210531" y="279670"/>
-                  <a:pt x="221218" y="295687"/>
-                  <a:pt x="216816" y="311093"/>
-                </a:cubicBezTo>
-                <a:cubicBezTo>
-                  <a:pt x="213704" y="321986"/>
-                  <a:pt x="196547" y="337957"/>
-                  <a:pt x="188536" y="329946"/>
-                </a:cubicBezTo>
-                <a:cubicBezTo>
-                  <a:pt x="172360" y="313770"/>
-                  <a:pt x="175967" y="285955"/>
-                  <a:pt x="169682" y="263959"/>
-                </a:cubicBezTo>
-                <a:cubicBezTo>
-                  <a:pt x="202728" y="181343"/>
-                  <a:pt x="189658" y="153479"/>
-                  <a:pt x="282804" y="131983"/>
-                </a:cubicBezTo>
-                <a:cubicBezTo>
-                  <a:pt x="298416" y="128380"/>
-                  <a:pt x="314227" y="138268"/>
-                  <a:pt x="329938" y="141410"/>
-                </a:cubicBezTo>
-                <a:cubicBezTo>
-                  <a:pt x="333080" y="157121"/>
-                  <a:pt x="342507" y="172833"/>
-                  <a:pt x="339365" y="188544"/>
-                </a:cubicBezTo>
-                <a:cubicBezTo>
-                  <a:pt x="335772" y="206511"/>
-                  <a:pt x="323008" y="249589"/>
-                  <a:pt x="311084" y="235678"/>
-                </a:cubicBezTo>
-                <a:cubicBezTo>
-                  <a:pt x="285789" y="206168"/>
-                  <a:pt x="292231" y="160264"/>
-                  <a:pt x="282804" y="122557"/>
-                </a:cubicBezTo>
-                <a:cubicBezTo>
-                  <a:pt x="285946" y="100561"/>
-                  <a:pt x="276520" y="72280"/>
-                  <a:pt x="292231" y="56569"/>
-                </a:cubicBezTo>
-                <a:cubicBezTo>
-                  <a:pt x="313310" y="35490"/>
-                  <a:pt x="348227" y="35814"/>
-                  <a:pt x="377072" y="28289"/>
-                </a:cubicBezTo>
-                <a:cubicBezTo>
-                  <a:pt x="490530" y="-1309"/>
-                  <a:pt x="467502" y="8"/>
-                  <a:pt x="527901" y="8"/>
-                </a:cubicBezTo>
-              </a:path>
-            </a:pathLst>
-          </a:custGeom>
-          <a:noFill/>
-        </p:spPr>
-        <p:style>
-          <a:lnRef idx="2">
-            <a:schemeClr val="accent1">
-              <a:shade val="50000"/>
-            </a:schemeClr>
-          </a:lnRef>
-          <a:fillRef idx="1">
-            <a:schemeClr val="accent1"/>
-          </a:fillRef>
-          <a:effectRef idx="0">
-            <a:schemeClr val="accent1"/>
-          </a:effectRef>
-          <a:fontRef idx="minor">
-            <a:schemeClr val="lt1"/>
-          </a:fontRef>
-        </p:style>
-        <p:txBody>
-          <a:bodyPr rtlCol="0" anchor="ctr"/>
-          <a:lstStyle/>
-          <a:p>
-            <a:pPr algn="ctr"/>
-            <a:endParaRPr lang="ko-KR" altLang="en-US"/>
-          </a:p>
-        </p:txBody>
-      </p:sp>
-      <p:sp>
-        <p:nvSpPr>
-          <p:cNvPr id="26" name="자유형: 도형 25">
-            <a:extLst>
-              <a:ext uri="{FF2B5EF4-FFF2-40B4-BE49-F238E27FC236}">
-                <a16:creationId xmlns:a16="http://schemas.microsoft.com/office/drawing/2014/main" id="{5DE29E76-3B19-4144-989D-A26BE94D2995}"/>
-              </a:ext>
-            </a:extLst>
-          </p:cNvPr>
-          <p:cNvSpPr/>
-          <p:nvPr/>
-        </p:nvSpPr>
-        <p:spPr>
-          <a:xfrm rot="3281378">
-            <a:off x="6031333" y="3270956"/>
-            <a:ext cx="527901" cy="461922"/>
-          </a:xfrm>
-          <a:custGeom>
-            <a:avLst/>
-            <a:gdLst>
-              <a:gd name="connsiteX0" fmla="*/ 65987 w 527901"/>
-              <a:gd name="connsiteY0" fmla="*/ 461922 h 461922"/>
-              <a:gd name="connsiteX1" fmla="*/ 18853 w 527901"/>
-              <a:gd name="connsiteY1" fmla="*/ 443068 h 461922"/>
-              <a:gd name="connsiteX2" fmla="*/ 0 w 527901"/>
-              <a:gd name="connsiteY2" fmla="*/ 386507 h 461922"/>
-              <a:gd name="connsiteX3" fmla="*/ 18853 w 527901"/>
-              <a:gd name="connsiteY3" fmla="*/ 320520 h 461922"/>
-              <a:gd name="connsiteX4" fmla="*/ 47134 w 527901"/>
-              <a:gd name="connsiteY4" fmla="*/ 311093 h 461922"/>
-              <a:gd name="connsiteX5" fmla="*/ 122548 w 527901"/>
-              <a:gd name="connsiteY5" fmla="*/ 367654 h 461922"/>
-              <a:gd name="connsiteX6" fmla="*/ 131975 w 527901"/>
-              <a:gd name="connsiteY6" fmla="*/ 395934 h 461922"/>
-              <a:gd name="connsiteX7" fmla="*/ 75414 w 527901"/>
-              <a:gd name="connsiteY7" fmla="*/ 367654 h 461922"/>
-              <a:gd name="connsiteX8" fmla="*/ 65987 w 527901"/>
-              <a:gd name="connsiteY8" fmla="*/ 320520 h 461922"/>
-              <a:gd name="connsiteX9" fmla="*/ 160255 w 527901"/>
-              <a:gd name="connsiteY9" fmla="*/ 235678 h 461922"/>
-              <a:gd name="connsiteX10" fmla="*/ 207389 w 527901"/>
-              <a:gd name="connsiteY10" fmla="*/ 263959 h 461922"/>
-              <a:gd name="connsiteX11" fmla="*/ 216816 w 527901"/>
-              <a:gd name="connsiteY11" fmla="*/ 311093 h 461922"/>
-              <a:gd name="connsiteX12" fmla="*/ 188536 w 527901"/>
-              <a:gd name="connsiteY12" fmla="*/ 329946 h 461922"/>
-              <a:gd name="connsiteX13" fmla="*/ 169682 w 527901"/>
-              <a:gd name="connsiteY13" fmla="*/ 263959 h 461922"/>
-              <a:gd name="connsiteX14" fmla="*/ 282804 w 527901"/>
-              <a:gd name="connsiteY14" fmla="*/ 131983 h 461922"/>
-              <a:gd name="connsiteX15" fmla="*/ 329938 w 527901"/>
-              <a:gd name="connsiteY15" fmla="*/ 141410 h 461922"/>
-              <a:gd name="connsiteX16" fmla="*/ 339365 w 527901"/>
-              <a:gd name="connsiteY16" fmla="*/ 188544 h 461922"/>
-              <a:gd name="connsiteX17" fmla="*/ 311084 w 527901"/>
-              <a:gd name="connsiteY17" fmla="*/ 235678 h 461922"/>
-              <a:gd name="connsiteX18" fmla="*/ 282804 w 527901"/>
-              <a:gd name="connsiteY18" fmla="*/ 122557 h 461922"/>
-              <a:gd name="connsiteX19" fmla="*/ 292231 w 527901"/>
-              <a:gd name="connsiteY19" fmla="*/ 56569 h 461922"/>
-              <a:gd name="connsiteX20" fmla="*/ 377072 w 527901"/>
-              <a:gd name="connsiteY20" fmla="*/ 28289 h 461922"/>
-              <a:gd name="connsiteX21" fmla="*/ 527901 w 527901"/>
-              <a:gd name="connsiteY21" fmla="*/ 8 h 461922"/>
-            </a:gdLst>
-            <a:ahLst/>
-            <a:cxnLst>
-              <a:cxn ang="0">
-                <a:pos x="connsiteX0" y="connsiteY0"/>
-              </a:cxn>
-              <a:cxn ang="0">
-                <a:pos x="connsiteX1" y="connsiteY1"/>
-              </a:cxn>
-              <a:cxn ang="0">
-                <a:pos x="connsiteX2" y="connsiteY2"/>
-              </a:cxn>
-              <a:cxn ang="0">
-                <a:pos x="connsiteX3" y="connsiteY3"/>
-              </a:cxn>
-              <a:cxn ang="0">
-                <a:pos x="connsiteX4" y="connsiteY4"/>
-              </a:cxn>
-              <a:cxn ang="0">
-                <a:pos x="connsiteX5" y="connsiteY5"/>
-              </a:cxn>
-              <a:cxn ang="0">
-                <a:pos x="connsiteX6" y="connsiteY6"/>
-              </a:cxn>
-              <a:cxn ang="0">
-                <a:pos x="connsiteX7" y="connsiteY7"/>
-              </a:cxn>
-              <a:cxn ang="0">
-                <a:pos x="connsiteX8" y="connsiteY8"/>
-              </a:cxn>
-              <a:cxn ang="0">
-                <a:pos x="connsiteX9" y="connsiteY9"/>
-              </a:cxn>
-              <a:cxn ang="0">
-                <a:pos x="connsiteX10" y="connsiteY10"/>
-              </a:cxn>
-              <a:cxn ang="0">
-                <a:pos x="connsiteX11" y="connsiteY11"/>
-              </a:cxn>
-              <a:cxn ang="0">
-                <a:pos x="connsiteX12" y="connsiteY12"/>
-              </a:cxn>
-              <a:cxn ang="0">
-                <a:pos x="connsiteX13" y="connsiteY13"/>
-              </a:cxn>
-              <a:cxn ang="0">
-                <a:pos x="connsiteX14" y="connsiteY14"/>
-              </a:cxn>
-              <a:cxn ang="0">
-                <a:pos x="connsiteX15" y="connsiteY15"/>
-              </a:cxn>
-              <a:cxn ang="0">
-                <a:pos x="connsiteX16" y="connsiteY16"/>
-              </a:cxn>
-              <a:cxn ang="0">
-                <a:pos x="connsiteX17" y="connsiteY17"/>
-              </a:cxn>
-              <a:cxn ang="0">
-                <a:pos x="connsiteX18" y="connsiteY18"/>
-              </a:cxn>
-              <a:cxn ang="0">
-                <a:pos x="connsiteX19" y="connsiteY19"/>
-              </a:cxn>
-              <a:cxn ang="0">
-                <a:pos x="connsiteX20" y="connsiteY20"/>
-              </a:cxn>
-              <a:cxn ang="0">
-                <a:pos x="connsiteX21" y="connsiteY21"/>
-              </a:cxn>
-            </a:cxnLst>
-            <a:rect l="l" t="t" r="r" b="b"/>
-            <a:pathLst>
-              <a:path w="527901" h="461922">
-                <a:moveTo>
-                  <a:pt x="65987" y="461922"/>
-                </a:moveTo>
-                <a:cubicBezTo>
-                  <a:pt x="50276" y="455637"/>
-                  <a:pt x="29996" y="455803"/>
-                  <a:pt x="18853" y="443068"/>
-                </a:cubicBezTo>
-                <a:cubicBezTo>
-                  <a:pt x="5766" y="428112"/>
-                  <a:pt x="0" y="386507"/>
-                  <a:pt x="0" y="386507"/>
-                </a:cubicBezTo>
-                <a:cubicBezTo>
-                  <a:pt x="6284" y="364511"/>
-                  <a:pt x="6729" y="339919"/>
-                  <a:pt x="18853" y="320520"/>
-                </a:cubicBezTo>
-                <a:cubicBezTo>
-                  <a:pt x="24120" y="312094"/>
-                  <a:pt x="38088" y="306981"/>
-                  <a:pt x="47134" y="311093"/>
-                </a:cubicBezTo>
-                <a:cubicBezTo>
-                  <a:pt x="75740" y="324096"/>
-                  <a:pt x="122548" y="367654"/>
-                  <a:pt x="122548" y="367654"/>
-                </a:cubicBezTo>
-                <a:cubicBezTo>
-                  <a:pt x="125690" y="377081"/>
-                  <a:pt x="141912" y="395934"/>
-                  <a:pt x="131975" y="395934"/>
-                </a:cubicBezTo>
-                <a:cubicBezTo>
-                  <a:pt x="110896" y="395934"/>
-                  <a:pt x="89295" y="383517"/>
-                  <a:pt x="75414" y="367654"/>
-                </a:cubicBezTo>
-                <a:cubicBezTo>
-                  <a:pt x="64863" y="355596"/>
-                  <a:pt x="69129" y="336231"/>
-                  <a:pt x="65987" y="320520"/>
-                </a:cubicBezTo>
-                <a:cubicBezTo>
-                  <a:pt x="89061" y="266681"/>
-                  <a:pt x="84849" y="229394"/>
-                  <a:pt x="160255" y="235678"/>
-                </a:cubicBezTo>
-                <a:cubicBezTo>
-                  <a:pt x="178514" y="237200"/>
-                  <a:pt x="191678" y="254532"/>
-                  <a:pt x="207389" y="263959"/>
-                </a:cubicBezTo>
-                <a:cubicBezTo>
-                  <a:pt x="210531" y="279670"/>
-                  <a:pt x="221218" y="295687"/>
-                  <a:pt x="216816" y="311093"/>
-                </a:cubicBezTo>
-                <a:cubicBezTo>
-                  <a:pt x="213704" y="321986"/>
-                  <a:pt x="196547" y="337957"/>
-                  <a:pt x="188536" y="329946"/>
-                </a:cubicBezTo>
-                <a:cubicBezTo>
-                  <a:pt x="172360" y="313770"/>
-                  <a:pt x="175967" y="285955"/>
-                  <a:pt x="169682" y="263959"/>
-                </a:cubicBezTo>
-                <a:cubicBezTo>
-                  <a:pt x="202728" y="181343"/>
-                  <a:pt x="189658" y="153479"/>
-                  <a:pt x="282804" y="131983"/>
-                </a:cubicBezTo>
-                <a:cubicBezTo>
-                  <a:pt x="298416" y="128380"/>
-                  <a:pt x="314227" y="138268"/>
-                  <a:pt x="329938" y="141410"/>
-                </a:cubicBezTo>
-                <a:cubicBezTo>
-                  <a:pt x="333080" y="157121"/>
-                  <a:pt x="342507" y="172833"/>
-                  <a:pt x="339365" y="188544"/>
-                </a:cubicBezTo>
-                <a:cubicBezTo>
-                  <a:pt x="335772" y="206511"/>
-                  <a:pt x="323008" y="249589"/>
-                  <a:pt x="311084" y="235678"/>
-                </a:cubicBezTo>
-                <a:cubicBezTo>
-                  <a:pt x="285789" y="206168"/>
-                  <a:pt x="292231" y="160264"/>
-                  <a:pt x="282804" y="122557"/>
-                </a:cubicBezTo>
-                <a:cubicBezTo>
-                  <a:pt x="285946" y="100561"/>
-                  <a:pt x="276520" y="72280"/>
-                  <a:pt x="292231" y="56569"/>
-                </a:cubicBezTo>
-                <a:cubicBezTo>
-                  <a:pt x="313310" y="35490"/>
-                  <a:pt x="348227" y="35814"/>
-                  <a:pt x="377072" y="28289"/>
-                </a:cubicBezTo>
-                <a:cubicBezTo>
-                  <a:pt x="490530" y="-1309"/>
-                  <a:pt x="467502" y="8"/>
-                  <a:pt x="527901" y="8"/>
-                </a:cubicBezTo>
-              </a:path>
-            </a:pathLst>
-          </a:custGeom>
-          <a:noFill/>
-        </p:spPr>
-        <p:style>
-          <a:lnRef idx="2">
-            <a:schemeClr val="accent1">
-              <a:shade val="50000"/>
-            </a:schemeClr>
-          </a:lnRef>
-          <a:fillRef idx="1">
-            <a:schemeClr val="accent1"/>
-          </a:fillRef>
-          <a:effectRef idx="0">
-            <a:schemeClr val="accent1"/>
-          </a:effectRef>
-          <a:fontRef idx="minor">
-            <a:schemeClr val="lt1"/>
-          </a:fontRef>
-        </p:style>
-        <p:txBody>
-          <a:bodyPr rtlCol="0" anchor="ctr"/>
-          <a:lstStyle/>
-          <a:p>
-            <a:pPr algn="ctr"/>
-            <a:endParaRPr lang="ko-KR" altLang="en-US"/>
-          </a:p>
-        </p:txBody>
-      </p:sp>
       <p:pic>
         <p:nvPicPr>
-          <p:cNvPr id="27" name="그래픽 26" descr="사용자 단색으로 채워진">
-            <a:extLst>
-              <a:ext uri="{FF2B5EF4-FFF2-40B4-BE49-F238E27FC236}">
-                <a16:creationId xmlns:a16="http://schemas.microsoft.com/office/drawing/2014/main" id="{F490D0A0-9D6F-459C-A2EE-B68DF488C472}"/>
+          <p:cNvPr id="29" name="그래픽 28" descr="남자 윤곽선">
+            <a:extLst>
+              <a:ext uri="{FF2B5EF4-FFF2-40B4-BE49-F238E27FC236}">
+                <a16:creationId xmlns:a16="http://schemas.microsoft.com/office/drawing/2014/main" id="{6A445642-7ADF-416E-A6AE-5F39095573F8}"/>
               </a:ext>
             </a:extLst>
           </p:cNvPr>
@@ -17143,13 +14759,13 @@
           <p:nvPr/>
         </p:nvPicPr>
         <p:blipFill>
-          <a:blip r:embed="rId6">
+          <a:blip r:embed="rId3">
             <a:extLst>
               <a:ext uri="{28A0092B-C50C-407E-A947-70E740481C1C}">
                 <a14:useLocalDpi xmlns:a14="http://schemas.microsoft.com/office/drawing/2010/main" val="0"/>
               </a:ext>
               <a:ext uri="{96DAC541-7B7A-43D3-8B79-37D633B846F1}">
-                <asvg:svgBlip xmlns:asvg="http://schemas.microsoft.com/office/drawing/2016/SVG/main" r:embed="rId7"/>
+                <asvg:svgBlip xmlns:asvg="http://schemas.microsoft.com/office/drawing/2016/SVG/main" r:embed="rId4"/>
               </a:ext>
             </a:extLst>
           </a:blip>
@@ -17159,8 +14775,8 @@
         </p:blipFill>
         <p:spPr>
           <a:xfrm>
-            <a:off x="7375690" y="4731138"/>
-            <a:ext cx="481885" cy="481885"/>
+            <a:off x="5602982" y="3093097"/>
+            <a:ext cx="1824136" cy="1824136"/>
           </a:xfrm>
           <a:prstGeom prst="rect">
             <a:avLst/>
@@ -17169,283 +14785,257 @@
       </p:pic>
       <p:sp>
         <p:nvSpPr>
-          <p:cNvPr id="28" name="자유형: 도형 27">
-            <a:extLst>
-              <a:ext uri="{FF2B5EF4-FFF2-40B4-BE49-F238E27FC236}">
-                <a16:creationId xmlns:a16="http://schemas.microsoft.com/office/drawing/2014/main" id="{EBCEE029-1DBF-4CB5-8BD4-EF43641771CE}"/>
-              </a:ext>
-            </a:extLst>
-          </p:cNvPr>
-          <p:cNvSpPr/>
-          <p:nvPr/>
-        </p:nvSpPr>
-        <p:spPr>
-          <a:xfrm rot="17023503">
-            <a:off x="7116753" y="4106063"/>
-            <a:ext cx="527901" cy="461922"/>
-          </a:xfrm>
-          <a:custGeom>
-            <a:avLst/>
-            <a:gdLst>
-              <a:gd name="connsiteX0" fmla="*/ 65987 w 527901"/>
-              <a:gd name="connsiteY0" fmla="*/ 461922 h 461922"/>
-              <a:gd name="connsiteX1" fmla="*/ 18853 w 527901"/>
-              <a:gd name="connsiteY1" fmla="*/ 443068 h 461922"/>
-              <a:gd name="connsiteX2" fmla="*/ 0 w 527901"/>
-              <a:gd name="connsiteY2" fmla="*/ 386507 h 461922"/>
-              <a:gd name="connsiteX3" fmla="*/ 18853 w 527901"/>
-              <a:gd name="connsiteY3" fmla="*/ 320520 h 461922"/>
-              <a:gd name="connsiteX4" fmla="*/ 47134 w 527901"/>
-              <a:gd name="connsiteY4" fmla="*/ 311093 h 461922"/>
-              <a:gd name="connsiteX5" fmla="*/ 122548 w 527901"/>
-              <a:gd name="connsiteY5" fmla="*/ 367654 h 461922"/>
-              <a:gd name="connsiteX6" fmla="*/ 131975 w 527901"/>
-              <a:gd name="connsiteY6" fmla="*/ 395934 h 461922"/>
-              <a:gd name="connsiteX7" fmla="*/ 75414 w 527901"/>
-              <a:gd name="connsiteY7" fmla="*/ 367654 h 461922"/>
-              <a:gd name="connsiteX8" fmla="*/ 65987 w 527901"/>
-              <a:gd name="connsiteY8" fmla="*/ 320520 h 461922"/>
-              <a:gd name="connsiteX9" fmla="*/ 160255 w 527901"/>
-              <a:gd name="connsiteY9" fmla="*/ 235678 h 461922"/>
-              <a:gd name="connsiteX10" fmla="*/ 207389 w 527901"/>
-              <a:gd name="connsiteY10" fmla="*/ 263959 h 461922"/>
-              <a:gd name="connsiteX11" fmla="*/ 216816 w 527901"/>
-              <a:gd name="connsiteY11" fmla="*/ 311093 h 461922"/>
-              <a:gd name="connsiteX12" fmla="*/ 188536 w 527901"/>
-              <a:gd name="connsiteY12" fmla="*/ 329946 h 461922"/>
-              <a:gd name="connsiteX13" fmla="*/ 169682 w 527901"/>
-              <a:gd name="connsiteY13" fmla="*/ 263959 h 461922"/>
-              <a:gd name="connsiteX14" fmla="*/ 282804 w 527901"/>
-              <a:gd name="connsiteY14" fmla="*/ 131983 h 461922"/>
-              <a:gd name="connsiteX15" fmla="*/ 329938 w 527901"/>
-              <a:gd name="connsiteY15" fmla="*/ 141410 h 461922"/>
-              <a:gd name="connsiteX16" fmla="*/ 339365 w 527901"/>
-              <a:gd name="connsiteY16" fmla="*/ 188544 h 461922"/>
-              <a:gd name="connsiteX17" fmla="*/ 311084 w 527901"/>
-              <a:gd name="connsiteY17" fmla="*/ 235678 h 461922"/>
-              <a:gd name="connsiteX18" fmla="*/ 282804 w 527901"/>
-              <a:gd name="connsiteY18" fmla="*/ 122557 h 461922"/>
-              <a:gd name="connsiteX19" fmla="*/ 292231 w 527901"/>
-              <a:gd name="connsiteY19" fmla="*/ 56569 h 461922"/>
-              <a:gd name="connsiteX20" fmla="*/ 377072 w 527901"/>
-              <a:gd name="connsiteY20" fmla="*/ 28289 h 461922"/>
-              <a:gd name="connsiteX21" fmla="*/ 527901 w 527901"/>
-              <a:gd name="connsiteY21" fmla="*/ 8 h 461922"/>
-            </a:gdLst>
-            <a:ahLst/>
-            <a:cxnLst>
-              <a:cxn ang="0">
-                <a:pos x="connsiteX0" y="connsiteY0"/>
-              </a:cxn>
-              <a:cxn ang="0">
-                <a:pos x="connsiteX1" y="connsiteY1"/>
-              </a:cxn>
-              <a:cxn ang="0">
-                <a:pos x="connsiteX2" y="connsiteY2"/>
-              </a:cxn>
-              <a:cxn ang="0">
-                <a:pos x="connsiteX3" y="connsiteY3"/>
-              </a:cxn>
-              <a:cxn ang="0">
-                <a:pos x="connsiteX4" y="connsiteY4"/>
-              </a:cxn>
-              <a:cxn ang="0">
-                <a:pos x="connsiteX5" y="connsiteY5"/>
-              </a:cxn>
-              <a:cxn ang="0">
-                <a:pos x="connsiteX6" y="connsiteY6"/>
-              </a:cxn>
-              <a:cxn ang="0">
-                <a:pos x="connsiteX7" y="connsiteY7"/>
-              </a:cxn>
-              <a:cxn ang="0">
-                <a:pos x="connsiteX8" y="connsiteY8"/>
-              </a:cxn>
-              <a:cxn ang="0">
-                <a:pos x="connsiteX9" y="connsiteY9"/>
-              </a:cxn>
-              <a:cxn ang="0">
-                <a:pos x="connsiteX10" y="connsiteY10"/>
-              </a:cxn>
-              <a:cxn ang="0">
-                <a:pos x="connsiteX11" y="connsiteY11"/>
-              </a:cxn>
-              <a:cxn ang="0">
-                <a:pos x="connsiteX12" y="connsiteY12"/>
-              </a:cxn>
-              <a:cxn ang="0">
-                <a:pos x="connsiteX13" y="connsiteY13"/>
-              </a:cxn>
-              <a:cxn ang="0">
-                <a:pos x="connsiteX14" y="connsiteY14"/>
-              </a:cxn>
-              <a:cxn ang="0">
-                <a:pos x="connsiteX15" y="connsiteY15"/>
-              </a:cxn>
-              <a:cxn ang="0">
-                <a:pos x="connsiteX16" y="connsiteY16"/>
-              </a:cxn>
-              <a:cxn ang="0">
-                <a:pos x="connsiteX17" y="connsiteY17"/>
-              </a:cxn>
-              <a:cxn ang="0">
-                <a:pos x="connsiteX18" y="connsiteY18"/>
-              </a:cxn>
-              <a:cxn ang="0">
-                <a:pos x="connsiteX19" y="connsiteY19"/>
-              </a:cxn>
-              <a:cxn ang="0">
-                <a:pos x="connsiteX20" y="connsiteY20"/>
-              </a:cxn>
-              <a:cxn ang="0">
-                <a:pos x="connsiteX21" y="connsiteY21"/>
-              </a:cxn>
-            </a:cxnLst>
-            <a:rect l="l" t="t" r="r" b="b"/>
-            <a:pathLst>
-              <a:path w="527901" h="461922">
-                <a:moveTo>
-                  <a:pt x="65987" y="461922"/>
-                </a:moveTo>
-                <a:cubicBezTo>
-                  <a:pt x="50276" y="455637"/>
-                  <a:pt x="29996" y="455803"/>
-                  <a:pt x="18853" y="443068"/>
-                </a:cubicBezTo>
-                <a:cubicBezTo>
-                  <a:pt x="5766" y="428112"/>
-                  <a:pt x="0" y="386507"/>
-                  <a:pt x="0" y="386507"/>
-                </a:cubicBezTo>
-                <a:cubicBezTo>
-                  <a:pt x="6284" y="364511"/>
-                  <a:pt x="6729" y="339919"/>
-                  <a:pt x="18853" y="320520"/>
-                </a:cubicBezTo>
-                <a:cubicBezTo>
-                  <a:pt x="24120" y="312094"/>
-                  <a:pt x="38088" y="306981"/>
-                  <a:pt x="47134" y="311093"/>
-                </a:cubicBezTo>
-                <a:cubicBezTo>
-                  <a:pt x="75740" y="324096"/>
-                  <a:pt x="122548" y="367654"/>
-                  <a:pt x="122548" y="367654"/>
-                </a:cubicBezTo>
-                <a:cubicBezTo>
-                  <a:pt x="125690" y="377081"/>
-                  <a:pt x="141912" y="395934"/>
-                  <a:pt x="131975" y="395934"/>
-                </a:cubicBezTo>
-                <a:cubicBezTo>
-                  <a:pt x="110896" y="395934"/>
-                  <a:pt x="89295" y="383517"/>
-                  <a:pt x="75414" y="367654"/>
-                </a:cubicBezTo>
-                <a:cubicBezTo>
-                  <a:pt x="64863" y="355596"/>
-                  <a:pt x="69129" y="336231"/>
-                  <a:pt x="65987" y="320520"/>
-                </a:cubicBezTo>
-                <a:cubicBezTo>
-                  <a:pt x="89061" y="266681"/>
-                  <a:pt x="84849" y="229394"/>
-                  <a:pt x="160255" y="235678"/>
-                </a:cubicBezTo>
-                <a:cubicBezTo>
-                  <a:pt x="178514" y="237200"/>
-                  <a:pt x="191678" y="254532"/>
-                  <a:pt x="207389" y="263959"/>
-                </a:cubicBezTo>
-                <a:cubicBezTo>
-                  <a:pt x="210531" y="279670"/>
-                  <a:pt x="221218" y="295687"/>
-                  <a:pt x="216816" y="311093"/>
-                </a:cubicBezTo>
-                <a:cubicBezTo>
-                  <a:pt x="213704" y="321986"/>
-                  <a:pt x="196547" y="337957"/>
-                  <a:pt x="188536" y="329946"/>
-                </a:cubicBezTo>
-                <a:cubicBezTo>
-                  <a:pt x="172360" y="313770"/>
-                  <a:pt x="175967" y="285955"/>
-                  <a:pt x="169682" y="263959"/>
-                </a:cubicBezTo>
-                <a:cubicBezTo>
-                  <a:pt x="202728" y="181343"/>
-                  <a:pt x="189658" y="153479"/>
-                  <a:pt x="282804" y="131983"/>
-                </a:cubicBezTo>
-                <a:cubicBezTo>
-                  <a:pt x="298416" y="128380"/>
-                  <a:pt x="314227" y="138268"/>
-                  <a:pt x="329938" y="141410"/>
-                </a:cubicBezTo>
-                <a:cubicBezTo>
-                  <a:pt x="333080" y="157121"/>
-                  <a:pt x="342507" y="172833"/>
-                  <a:pt x="339365" y="188544"/>
-                </a:cubicBezTo>
-                <a:cubicBezTo>
-                  <a:pt x="335772" y="206511"/>
-                  <a:pt x="323008" y="249589"/>
-                  <a:pt x="311084" y="235678"/>
-                </a:cubicBezTo>
-                <a:cubicBezTo>
-                  <a:pt x="285789" y="206168"/>
-                  <a:pt x="292231" y="160264"/>
-                  <a:pt x="282804" y="122557"/>
-                </a:cubicBezTo>
-                <a:cubicBezTo>
-                  <a:pt x="285946" y="100561"/>
-                  <a:pt x="276520" y="72280"/>
-                  <a:pt x="292231" y="56569"/>
-                </a:cubicBezTo>
-                <a:cubicBezTo>
-                  <a:pt x="313310" y="35490"/>
-                  <a:pt x="348227" y="35814"/>
-                  <a:pt x="377072" y="28289"/>
-                </a:cubicBezTo>
-                <a:cubicBezTo>
-                  <a:pt x="490530" y="-1309"/>
-                  <a:pt x="467502" y="8"/>
-                  <a:pt x="527901" y="8"/>
-                </a:cubicBezTo>
-              </a:path>
-            </a:pathLst>
-          </a:custGeom>
+          <p:cNvPr id="9" name="TextBox 8">
+            <a:extLst>
+              <a:ext uri="{FF2B5EF4-FFF2-40B4-BE49-F238E27FC236}">
+                <a16:creationId xmlns:a16="http://schemas.microsoft.com/office/drawing/2014/main" id="{44C4C182-44E4-41D3-B2F4-7ACC44FCD16F}"/>
+              </a:ext>
+            </a:extLst>
+          </p:cNvPr>
+          <p:cNvSpPr txBox="1"/>
+          <p:nvPr/>
+        </p:nvSpPr>
+        <p:spPr>
+          <a:xfrm>
+            <a:off x="1979568" y="3651222"/>
+            <a:ext cx="334500" cy="707886"/>
+          </a:xfrm>
+          <a:prstGeom prst="rect">
+            <a:avLst/>
+          </a:prstGeom>
           <a:noFill/>
         </p:spPr>
-        <p:style>
-          <a:lnRef idx="2">
-            <a:schemeClr val="accent1">
-              <a:shade val="50000"/>
-            </a:schemeClr>
-          </a:lnRef>
-          <a:fillRef idx="1">
-            <a:schemeClr val="accent1"/>
-          </a:fillRef>
-          <a:effectRef idx="0">
-            <a:schemeClr val="accent1"/>
-          </a:effectRef>
-          <a:fontRef idx="minor">
-            <a:schemeClr val="lt1"/>
-          </a:fontRef>
-        </p:style>
-        <p:txBody>
-          <a:bodyPr rtlCol="0" anchor="ctr"/>
-          <a:lstStyle/>
-          <a:p>
-            <a:pPr algn="ctr"/>
-            <a:endParaRPr lang="ko-KR" altLang="en-US"/>
-          </a:p>
-        </p:txBody>
-      </p:sp>
+        <p:txBody>
+          <a:bodyPr wrap="square" rtlCol="0">
+            <a:spAutoFit/>
+          </a:bodyPr>
+          <a:lstStyle/>
+          <a:p>
+            <a:r>
+              <a:rPr lang="en-US" altLang="ko-KR" sz="4000" b="1" dirty="0">
+                <a:solidFill>
+                  <a:srgbClr val="FF0000"/>
+                </a:solidFill>
+              </a:rPr>
+              <a:t>!</a:t>
+            </a:r>
+            <a:endParaRPr lang="ko-KR" altLang="en-US" sz="4000" b="1" dirty="0">
+              <a:solidFill>
+                <a:srgbClr val="FF0000"/>
+              </a:solidFill>
+            </a:endParaRPr>
+          </a:p>
+        </p:txBody>
+      </p:sp>
+      <p:sp>
+        <p:nvSpPr>
+          <p:cNvPr id="30" name="TextBox 29">
+            <a:extLst>
+              <a:ext uri="{FF2B5EF4-FFF2-40B4-BE49-F238E27FC236}">
+                <a16:creationId xmlns:a16="http://schemas.microsoft.com/office/drawing/2014/main" id="{A3F22A5B-4F31-4443-B807-3D9FEB71906C}"/>
+              </a:ext>
+            </a:extLst>
+          </p:cNvPr>
+          <p:cNvSpPr txBox="1"/>
+          <p:nvPr/>
+        </p:nvSpPr>
+        <p:spPr>
+          <a:xfrm>
+            <a:off x="4161072" y="3533034"/>
+            <a:ext cx="334500" cy="707886"/>
+          </a:xfrm>
+          <a:prstGeom prst="rect">
+            <a:avLst/>
+          </a:prstGeom>
+          <a:noFill/>
+        </p:spPr>
+        <p:txBody>
+          <a:bodyPr wrap="square" rtlCol="0">
+            <a:spAutoFit/>
+          </a:bodyPr>
+          <a:lstStyle/>
+          <a:p>
+            <a:r>
+              <a:rPr lang="en-US" altLang="ko-KR" sz="4000" b="1" dirty="0">
+                <a:solidFill>
+                  <a:srgbClr val="FF0000"/>
+                </a:solidFill>
+              </a:rPr>
+              <a:t>!</a:t>
+            </a:r>
+            <a:endParaRPr lang="ko-KR" altLang="en-US" sz="4000" b="1" dirty="0">
+              <a:solidFill>
+                <a:srgbClr val="FF0000"/>
+              </a:solidFill>
+            </a:endParaRPr>
+          </a:p>
+        </p:txBody>
+      </p:sp>
+      <p:sp>
+        <p:nvSpPr>
+          <p:cNvPr id="31" name="TextBox 30">
+            <a:extLst>
+              <a:ext uri="{FF2B5EF4-FFF2-40B4-BE49-F238E27FC236}">
+                <a16:creationId xmlns:a16="http://schemas.microsoft.com/office/drawing/2014/main" id="{26EE3C3A-9927-409E-837C-BB294F6AD955}"/>
+              </a:ext>
+            </a:extLst>
+          </p:cNvPr>
+          <p:cNvSpPr txBox="1"/>
+          <p:nvPr/>
+        </p:nvSpPr>
+        <p:spPr>
+          <a:xfrm>
+            <a:off x="6347800" y="3503329"/>
+            <a:ext cx="334500" cy="707886"/>
+          </a:xfrm>
+          <a:prstGeom prst="rect">
+            <a:avLst/>
+          </a:prstGeom>
+          <a:noFill/>
+        </p:spPr>
+        <p:txBody>
+          <a:bodyPr wrap="square" rtlCol="0">
+            <a:spAutoFit/>
+          </a:bodyPr>
+          <a:lstStyle/>
+          <a:p>
+            <a:r>
+              <a:rPr lang="en-US" altLang="ko-KR" sz="4000" b="1" dirty="0">
+                <a:solidFill>
+                  <a:srgbClr val="FF0000"/>
+                </a:solidFill>
+              </a:rPr>
+              <a:t>!</a:t>
+            </a:r>
+            <a:endParaRPr lang="ko-KR" altLang="en-US" sz="4000" b="1" dirty="0">
+              <a:solidFill>
+                <a:srgbClr val="FF0000"/>
+              </a:solidFill>
+            </a:endParaRPr>
+          </a:p>
+        </p:txBody>
+      </p:sp>
+      <p:pic>
+        <p:nvPicPr>
+          <p:cNvPr id="16" name="그래픽 15" descr="돋보기 윤곽선">
+            <a:extLst>
+              <a:ext uri="{FF2B5EF4-FFF2-40B4-BE49-F238E27FC236}">
+                <a16:creationId xmlns:a16="http://schemas.microsoft.com/office/drawing/2014/main" id="{FDE7620F-4E24-46BD-A3A3-5F3F971E2D08}"/>
+              </a:ext>
+            </a:extLst>
+          </p:cNvPr>
+          <p:cNvPicPr>
+            <a:picLocks noChangeAspect="1"/>
+          </p:cNvPicPr>
+          <p:nvPr/>
+        </p:nvPicPr>
+        <p:blipFill>
+          <a:blip r:embed="rId5">
+            <a:extLst>
+              <a:ext uri="{28A0092B-C50C-407E-A947-70E740481C1C}">
+                <a14:useLocalDpi xmlns:a14="http://schemas.microsoft.com/office/drawing/2010/main" val="0"/>
+              </a:ext>
+              <a:ext uri="{96DAC541-7B7A-43D3-8B79-37D633B846F1}">
+                <asvg:svgBlip xmlns:asvg="http://schemas.microsoft.com/office/drawing/2016/SVG/main" r:embed="rId6"/>
+              </a:ext>
+            </a:extLst>
+          </a:blip>
+          <a:stretch>
+            <a:fillRect/>
+          </a:stretch>
+        </p:blipFill>
+        <p:spPr>
+          <a:xfrm>
+            <a:off x="1391407" y="3093097"/>
+            <a:ext cx="1931089" cy="1931089"/>
+          </a:xfrm>
+          <a:prstGeom prst="rect">
+            <a:avLst/>
+          </a:prstGeom>
+        </p:spPr>
+      </p:pic>
+      <p:pic>
+        <p:nvPicPr>
+          <p:cNvPr id="32" name="그래픽 31" descr="돋보기 윤곽선">
+            <a:extLst>
+              <a:ext uri="{FF2B5EF4-FFF2-40B4-BE49-F238E27FC236}">
+                <a16:creationId xmlns:a16="http://schemas.microsoft.com/office/drawing/2014/main" id="{BF35FADF-E2CD-4A51-BD94-74370B3DFDBF}"/>
+              </a:ext>
+            </a:extLst>
+          </p:cNvPr>
+          <p:cNvPicPr>
+            <a:picLocks noChangeAspect="1"/>
+          </p:cNvPicPr>
+          <p:nvPr/>
+        </p:nvPicPr>
+        <p:blipFill>
+          <a:blip r:embed="rId5">
+            <a:extLst>
+              <a:ext uri="{28A0092B-C50C-407E-A947-70E740481C1C}">
+                <a14:useLocalDpi xmlns:a14="http://schemas.microsoft.com/office/drawing/2010/main" val="0"/>
+              </a:ext>
+              <a:ext uri="{96DAC541-7B7A-43D3-8B79-37D633B846F1}">
+                <asvg:svgBlip xmlns:asvg="http://schemas.microsoft.com/office/drawing/2016/SVG/main" r:embed="rId6"/>
+              </a:ext>
+            </a:extLst>
+          </a:blip>
+          <a:stretch>
+            <a:fillRect/>
+          </a:stretch>
+        </p:blipFill>
+        <p:spPr>
+          <a:xfrm>
+            <a:off x="3567991" y="3030463"/>
+            <a:ext cx="1931089" cy="1931089"/>
+          </a:xfrm>
+          <a:prstGeom prst="rect">
+            <a:avLst/>
+          </a:prstGeom>
+        </p:spPr>
+      </p:pic>
+      <p:pic>
+        <p:nvPicPr>
+          <p:cNvPr id="33" name="그래픽 32" descr="돋보기 윤곽선">
+            <a:extLst>
+              <a:ext uri="{FF2B5EF4-FFF2-40B4-BE49-F238E27FC236}">
+                <a16:creationId xmlns:a16="http://schemas.microsoft.com/office/drawing/2014/main" id="{007B0A62-5F7C-4D11-BD28-365FB0C93353}"/>
+              </a:ext>
+            </a:extLst>
+          </p:cNvPr>
+          <p:cNvPicPr>
+            <a:picLocks noChangeAspect="1"/>
+          </p:cNvPicPr>
+          <p:nvPr/>
+        </p:nvPicPr>
+        <p:blipFill>
+          <a:blip r:embed="rId5">
+            <a:extLst>
+              <a:ext uri="{28A0092B-C50C-407E-A947-70E740481C1C}">
+                <a14:useLocalDpi xmlns:a14="http://schemas.microsoft.com/office/drawing/2010/main" val="0"/>
+              </a:ext>
+              <a:ext uri="{96DAC541-7B7A-43D3-8B79-37D633B846F1}">
+                <asvg:svgBlip xmlns:asvg="http://schemas.microsoft.com/office/drawing/2016/SVG/main" r:embed="rId6"/>
+              </a:ext>
+            </a:extLst>
+          </a:blip>
+          <a:stretch>
+            <a:fillRect/>
+          </a:stretch>
+        </p:blipFill>
+        <p:spPr>
+          <a:xfrm>
+            <a:off x="5741470" y="2986144"/>
+            <a:ext cx="1931089" cy="1931089"/>
+          </a:xfrm>
+          <a:prstGeom prst="rect">
+            <a:avLst/>
+          </a:prstGeom>
+        </p:spPr>
+      </p:pic>
     </p:spTree>
     <p:extLst>
       <p:ext uri="{BB962C8B-B14F-4D97-AF65-F5344CB8AC3E}">
-        <p14:creationId xmlns:p14="http://schemas.microsoft.com/office/powerpoint/2010/main" val="1451462976"/>
+        <p14:creationId xmlns:p14="http://schemas.microsoft.com/office/powerpoint/2010/main" val="1654176119"/>
       </p:ext>
     </p:extLst>
   </p:cSld>
@@ -17928,58 +15518,6 @@
       </p:sp>
       <p:sp>
         <p:nvSpPr>
-          <p:cNvPr id="14" name="사각형: 둥근 모서리 13">
-            <a:extLst>
-              <a:ext uri="{FF2B5EF4-FFF2-40B4-BE49-F238E27FC236}">
-                <a16:creationId xmlns:a16="http://schemas.microsoft.com/office/drawing/2014/main" id="{0AAF1AD4-E157-484B-9346-CB1804FD3DF3}"/>
-              </a:ext>
-            </a:extLst>
-          </p:cNvPr>
-          <p:cNvSpPr/>
-          <p:nvPr/>
-        </p:nvSpPr>
-        <p:spPr>
-          <a:xfrm rot="5400000">
-            <a:off x="2351283" y="169148"/>
-            <a:ext cx="3954079" cy="7874742"/>
-          </a:xfrm>
-          <a:prstGeom prst="roundRect">
-            <a:avLst/>
-          </a:prstGeom>
-          <a:noFill/>
-          <a:ln w="38100">
-            <a:solidFill>
-              <a:schemeClr val="tx1"/>
-            </a:solidFill>
-          </a:ln>
-        </p:spPr>
-        <p:style>
-          <a:lnRef idx="2">
-            <a:schemeClr val="accent1">
-              <a:shade val="50000"/>
-            </a:schemeClr>
-          </a:lnRef>
-          <a:fillRef idx="1">
-            <a:schemeClr val="accent1"/>
-          </a:fillRef>
-          <a:effectRef idx="0">
-            <a:schemeClr val="accent1"/>
-          </a:effectRef>
-          <a:fontRef idx="minor">
-            <a:schemeClr val="lt1"/>
-          </a:fontRef>
-        </p:style>
-        <p:txBody>
-          <a:bodyPr rtlCol="0" anchor="ctr"/>
-          <a:lstStyle/>
-          <a:p>
-            <a:pPr algn="ctr"/>
-            <a:endParaRPr lang="ko-KR" altLang="en-US" dirty="0"/>
-          </a:p>
-        </p:txBody>
-      </p:sp>
-      <p:sp>
-        <p:nvSpPr>
           <p:cNvPr id="3" name="직사각형 2">
             <a:extLst>
               <a:ext uri="{FF2B5EF4-FFF2-40B4-BE49-F238E27FC236}">
@@ -18037,32 +15575,13 @@
                   <a:schemeClr val="tx1"/>
                 </a:solidFill>
               </a:rPr>
-              <a:t>돋보기로 사람을 검사하는 듯한 모션을 한다</a:t>
-            </a:r>
-            <a:r>
-              <a:rPr lang="en-US" altLang="ko-KR" sz="1600" b="1" dirty="0">
-                <a:solidFill>
-                  <a:schemeClr val="tx1"/>
-                </a:solidFill>
-              </a:rPr>
-              <a:t>. </a:t>
-            </a:r>
-            <a:r>
-              <a:rPr lang="ko-KR" altLang="en-US" sz="1600" b="1" dirty="0">
-                <a:solidFill>
-                  <a:schemeClr val="tx1"/>
-                </a:solidFill>
-              </a:rPr>
-              <a:t>그 사람을 지나치면 빨간 느낌표가 표시되며 검은 화면으로 바뀐다</a:t>
-            </a:r>
-            <a:r>
-              <a:rPr lang="en-US" altLang="ko-KR" sz="1600" b="1" dirty="0">
-                <a:solidFill>
-                  <a:schemeClr val="tx1"/>
-                </a:solidFill>
-              </a:rPr>
-              <a:t>.</a:t>
-            </a:r>
+              <a:t>사람들과 가득 실린 먹을 것을 배를 타고 탈출하는 사람들을 표현</a:t>
+            </a:r>
+            <a:endParaRPr lang="en-US" altLang="ko-KR" sz="1600" b="1" dirty="0">
+              <a:solidFill>
+                <a:schemeClr val="tx1"/>
+              </a:solidFill>
+            </a:endParaRPr>
           </a:p>
           <a:p>
             <a:pPr marL="285750" indent="-285750" algn="ctr">
@@ -18086,17 +15605,142 @@
                   <a:schemeClr val="tx1"/>
                 </a:solidFill>
               </a:rPr>
-              <a:t>공동 결과창으로 이동</a:t>
-            </a:r>
+              <a:t>이후에 공동 결과창으로 이동</a:t>
+            </a:r>
+          </a:p>
+        </p:txBody>
+      </p:sp>
+      <p:sp>
+        <p:nvSpPr>
+          <p:cNvPr id="64" name="사각형: 둥근 모서리 63">
+            <a:extLst>
+              <a:ext uri="{FF2B5EF4-FFF2-40B4-BE49-F238E27FC236}">
+                <a16:creationId xmlns:a16="http://schemas.microsoft.com/office/drawing/2014/main" id="{25BB1B42-FDC4-490B-B1F7-AB3472EAC00B}"/>
+              </a:ext>
+            </a:extLst>
+          </p:cNvPr>
+          <p:cNvSpPr/>
+          <p:nvPr/>
+        </p:nvSpPr>
+        <p:spPr>
+          <a:xfrm rot="5400000">
+            <a:off x="2351283" y="169148"/>
+            <a:ext cx="3954079" cy="7874742"/>
+          </a:xfrm>
+          <a:prstGeom prst="roundRect">
+            <a:avLst/>
+          </a:prstGeom>
+          <a:noFill/>
+          <a:ln w="38100">
+            <a:solidFill>
+              <a:schemeClr val="tx1"/>
+            </a:solidFill>
+          </a:ln>
+        </p:spPr>
+        <p:style>
+          <a:lnRef idx="2">
+            <a:schemeClr val="accent1">
+              <a:shade val="50000"/>
+            </a:schemeClr>
+          </a:lnRef>
+          <a:fillRef idx="1">
+            <a:schemeClr val="accent1"/>
+          </a:fillRef>
+          <a:effectRef idx="0">
+            <a:schemeClr val="accent1"/>
+          </a:effectRef>
+          <a:fontRef idx="minor">
+            <a:schemeClr val="lt1"/>
+          </a:fontRef>
+        </p:style>
+        <p:txBody>
+          <a:bodyPr rtlCol="0" anchor="ctr"/>
+          <a:lstStyle/>
+          <a:p>
+            <a:pPr algn="ctr"/>
+            <a:endParaRPr lang="ko-KR" altLang="en-US" dirty="0"/>
           </a:p>
         </p:txBody>
       </p:sp>
       <p:pic>
         <p:nvPicPr>
-          <p:cNvPr id="6" name="그래픽 5" descr="남자 윤곽선">
-            <a:extLst>
-              <a:ext uri="{FF2B5EF4-FFF2-40B4-BE49-F238E27FC236}">
-                <a16:creationId xmlns:a16="http://schemas.microsoft.com/office/drawing/2014/main" id="{EADB742A-6A5D-4F23-A97C-FCD24478AC79}"/>
+          <p:cNvPr id="65" name="Picture 2" descr="배 - 무료 수송개 아이콘">
+            <a:extLst>
+              <a:ext uri="{FF2B5EF4-FFF2-40B4-BE49-F238E27FC236}">
+                <a16:creationId xmlns:a16="http://schemas.microsoft.com/office/drawing/2014/main" id="{BBAF3833-EC0D-420F-84E1-410E0E8F4E76}"/>
+              </a:ext>
+            </a:extLst>
+          </p:cNvPr>
+          <p:cNvPicPr>
+            <a:picLocks noChangeAspect="1" noChangeArrowheads="1"/>
+          </p:cNvPicPr>
+          <p:nvPr/>
+        </p:nvPicPr>
+        <p:blipFill>
+          <a:blip r:embed="rId3">
+            <a:extLst>
+              <a:ext uri="{BEBA8EAE-BF5A-486C-A8C5-ECC9F3942E4B}">
+                <a14:imgProps xmlns:a14="http://schemas.microsoft.com/office/drawing/2010/main">
+                  <a14:imgLayer r:embed="rId4">
+                    <a14:imgEffect>
+                      <a14:backgroundRemoval t="9778" b="89778" l="4000" r="97333">
+                        <a14:foregroundMark x1="4444" y1="55556" x2="45778" y2="60444"/>
+                        <a14:foregroundMark x1="45778" y1="60444" x2="71111" y2="56444"/>
+                        <a14:foregroundMark x1="46667" y1="66222" x2="65333" y2="72444"/>
+                        <a14:foregroundMark x1="65333" y1="72444" x2="69778" y2="71111"/>
+                        <a14:foregroundMark x1="55556" y1="72444" x2="15556" y2="69778"/>
+                        <a14:foregroundMark x1="68000" y1="60000" x2="90667" y2="62667"/>
+                        <a14:foregroundMark x1="90667" y1="62667" x2="77333" y2="72000"/>
+                        <a14:foregroundMark x1="77333" y1="72000" x2="76889" y2="72000"/>
+                        <a14:foregroundMark x1="95111" y1="60889" x2="97333" y2="67111"/>
+                        <a14:foregroundMark x1="69333" y1="48444" x2="71111" y2="52889"/>
+                        <a14:foregroundMark x1="47556" y1="48444" x2="27111" y2="49333"/>
+                        <a14:foregroundMark x1="27111" y1="49333" x2="28889" y2="53333"/>
+                        <a14:foregroundMark x1="7111" y1="47556" x2="8889" y2="54222"/>
+                        <a14:foregroundMark x1="7556" y1="48444" x2="7111" y2="53333"/>
+                        <a14:foregroundMark x1="47556" y1="26222" x2="46667" y2="49333"/>
+                        <a14:foregroundMark x1="36444" y1="38667" x2="36889" y2="46667"/>
+                      </a14:backgroundRemoval>
+                    </a14:imgEffect>
+                  </a14:imgLayer>
+                </a14:imgProps>
+              </a:ext>
+              <a:ext uri="{28A0092B-C50C-407E-A947-70E740481C1C}">
+                <a14:useLocalDpi xmlns:a14="http://schemas.microsoft.com/office/drawing/2010/main" val="0"/>
+              </a:ext>
+            </a:extLst>
+          </a:blip>
+          <a:srcRect/>
+          <a:stretch>
+            <a:fillRect/>
+          </a:stretch>
+        </p:blipFill>
+        <p:spPr bwMode="auto">
+          <a:xfrm>
+            <a:off x="1786715" y="2535736"/>
+            <a:ext cx="3839644" cy="3839644"/>
+          </a:xfrm>
+          <a:prstGeom prst="rect">
+            <a:avLst/>
+          </a:prstGeom>
+          <a:noFill/>
+          <a:extLst>
+            <a:ext uri="{909E8E84-426E-40DD-AFC4-6F175D3DCCD1}">
+              <a14:hiddenFill xmlns:a14="http://schemas.microsoft.com/office/drawing/2010/main">
+                <a:solidFill>
+                  <a:srgbClr val="FFFFFF"/>
+                </a:solidFill>
+              </a14:hiddenFill>
+            </a:ext>
+          </a:extLst>
+        </p:spPr>
+      </p:pic>
+      <p:pic>
+        <p:nvPicPr>
+          <p:cNvPr id="21" name="그림 20" descr="옅은이(가) 표시된 사진&#10;&#10;자동 생성된 설명">
+            <a:extLst>
+              <a:ext uri="{FF2B5EF4-FFF2-40B4-BE49-F238E27FC236}">
+                <a16:creationId xmlns:a16="http://schemas.microsoft.com/office/drawing/2014/main" id="{33C1F8CB-ED44-46ED-92A4-4A328DCD1848}"/>
               </a:ext>
             </a:extLst>
           </p:cNvPr>
@@ -18106,13 +15750,10 @@
           <p:nvPr/>
         </p:nvPicPr>
         <p:blipFill>
-          <a:blip r:embed="rId3">
+          <a:blip r:embed="rId5">
             <a:extLst>
               <a:ext uri="{28A0092B-C50C-407E-A947-70E740481C1C}">
                 <a14:useLocalDpi xmlns:a14="http://schemas.microsoft.com/office/drawing/2010/main" val="0"/>
-              </a:ext>
-              <a:ext uri="{96DAC541-7B7A-43D3-8B79-37D633B846F1}">
-                <asvg:svgBlip xmlns:asvg="http://schemas.microsoft.com/office/drawing/2016/SVG/main" r:embed="rId4"/>
               </a:ext>
             </a:extLst>
           </a:blip>
@@ -18122,8 +15763,8 @@
         </p:blipFill>
         <p:spPr>
           <a:xfrm>
-            <a:off x="1234750" y="3251717"/>
-            <a:ext cx="1824136" cy="1824136"/>
+            <a:off x="5056727" y="4261943"/>
+            <a:ext cx="366254" cy="366254"/>
           </a:xfrm>
           <a:prstGeom prst="rect">
             <a:avLst/>
@@ -18132,10 +15773,10 @@
       </p:pic>
       <p:pic>
         <p:nvPicPr>
-          <p:cNvPr id="25" name="그래픽 24" descr="남자 윤곽선">
-            <a:extLst>
-              <a:ext uri="{FF2B5EF4-FFF2-40B4-BE49-F238E27FC236}">
-                <a16:creationId xmlns:a16="http://schemas.microsoft.com/office/drawing/2014/main" id="{A3AA7A24-8100-46D9-BFFD-EE8B0AA3E961}"/>
+          <p:cNvPr id="75" name="그림 74" descr="텍스트이(가) 표시된 사진&#10;&#10;자동 생성된 설명">
+            <a:extLst>
+              <a:ext uri="{FF2B5EF4-FFF2-40B4-BE49-F238E27FC236}">
+                <a16:creationId xmlns:a16="http://schemas.microsoft.com/office/drawing/2014/main" id="{8013D5DF-07BC-4425-BF7B-235502976964}"/>
               </a:ext>
             </a:extLst>
           </p:cNvPr>
@@ -18145,13 +15786,10 @@
           <p:nvPr/>
         </p:nvPicPr>
         <p:blipFill>
-          <a:blip r:embed="rId3">
+          <a:blip r:embed="rId6">
             <a:extLst>
               <a:ext uri="{28A0092B-C50C-407E-A947-70E740481C1C}">
                 <a14:useLocalDpi xmlns:a14="http://schemas.microsoft.com/office/drawing/2010/main" val="0"/>
-              </a:ext>
-              <a:ext uri="{96DAC541-7B7A-43D3-8B79-37D633B846F1}">
-                <asvg:svgBlip xmlns:asvg="http://schemas.microsoft.com/office/drawing/2016/SVG/main" r:embed="rId4"/>
               </a:ext>
             </a:extLst>
           </a:blip>
@@ -18161,8 +15799,8 @@
         </p:blipFill>
         <p:spPr>
           <a:xfrm>
-            <a:off x="3418866" y="3093097"/>
-            <a:ext cx="1824136" cy="1824136"/>
+            <a:off x="4447961" y="4272582"/>
+            <a:ext cx="355615" cy="355615"/>
           </a:xfrm>
           <a:prstGeom prst="rect">
             <a:avLst/>
@@ -18171,10 +15809,10 @@
       </p:pic>
       <p:pic>
         <p:nvPicPr>
-          <p:cNvPr id="29" name="그래픽 28" descr="남자 윤곽선">
-            <a:extLst>
-              <a:ext uri="{FF2B5EF4-FFF2-40B4-BE49-F238E27FC236}">
-                <a16:creationId xmlns:a16="http://schemas.microsoft.com/office/drawing/2014/main" id="{6A445642-7ADF-416E-A6AE-5F39095573F8}"/>
+          <p:cNvPr id="76" name="그림 75" descr="옅은이(가) 표시된 사진&#10;&#10;자동 생성된 설명">
+            <a:extLst>
+              <a:ext uri="{FF2B5EF4-FFF2-40B4-BE49-F238E27FC236}">
+                <a16:creationId xmlns:a16="http://schemas.microsoft.com/office/drawing/2014/main" id="{D65F3DAF-57E0-4368-AF50-F48F5906CF9D}"/>
               </a:ext>
             </a:extLst>
           </p:cNvPr>
@@ -18184,13 +15822,10 @@
           <p:nvPr/>
         </p:nvPicPr>
         <p:blipFill>
-          <a:blip r:embed="rId3">
+          <a:blip r:embed="rId5">
             <a:extLst>
               <a:ext uri="{28A0092B-C50C-407E-A947-70E740481C1C}">
                 <a14:useLocalDpi xmlns:a14="http://schemas.microsoft.com/office/drawing/2010/main" val="0"/>
-              </a:ext>
-              <a:ext uri="{96DAC541-7B7A-43D3-8B79-37D633B846F1}">
-                <asvg:svgBlip xmlns:asvg="http://schemas.microsoft.com/office/drawing/2016/SVG/main" r:embed="rId4"/>
               </a:ext>
             </a:extLst>
           </a:blip>
@@ -18200,152 +15835,20 @@
         </p:blipFill>
         <p:spPr>
           <a:xfrm>
-            <a:off x="5602982" y="3093097"/>
-            <a:ext cx="1824136" cy="1824136"/>
+            <a:off x="2417392" y="4272582"/>
+            <a:ext cx="366254" cy="366254"/>
           </a:xfrm>
           <a:prstGeom prst="rect">
             <a:avLst/>
           </a:prstGeom>
         </p:spPr>
       </p:pic>
-      <p:sp>
-        <p:nvSpPr>
-          <p:cNvPr id="9" name="TextBox 8">
-            <a:extLst>
-              <a:ext uri="{FF2B5EF4-FFF2-40B4-BE49-F238E27FC236}">
-                <a16:creationId xmlns:a16="http://schemas.microsoft.com/office/drawing/2014/main" id="{44C4C182-44E4-41D3-B2F4-7ACC44FCD16F}"/>
-              </a:ext>
-            </a:extLst>
-          </p:cNvPr>
-          <p:cNvSpPr txBox="1"/>
-          <p:nvPr/>
-        </p:nvSpPr>
-        <p:spPr>
-          <a:xfrm>
-            <a:off x="1979568" y="3651222"/>
-            <a:ext cx="334500" cy="707886"/>
-          </a:xfrm>
-          <a:prstGeom prst="rect">
-            <a:avLst/>
-          </a:prstGeom>
-          <a:noFill/>
-        </p:spPr>
-        <p:txBody>
-          <a:bodyPr wrap="square" rtlCol="0">
-            <a:spAutoFit/>
-          </a:bodyPr>
-          <a:lstStyle/>
-          <a:p>
-            <a:r>
-              <a:rPr lang="en-US" altLang="ko-KR" sz="4000" b="1" dirty="0">
-                <a:solidFill>
-                  <a:srgbClr val="FF0000"/>
-                </a:solidFill>
-              </a:rPr>
-              <a:t>!</a:t>
-            </a:r>
-            <a:endParaRPr lang="ko-KR" altLang="en-US" sz="4000" b="1" dirty="0">
-              <a:solidFill>
-                <a:srgbClr val="FF0000"/>
-              </a:solidFill>
-            </a:endParaRPr>
-          </a:p>
-        </p:txBody>
-      </p:sp>
-      <p:sp>
-        <p:nvSpPr>
-          <p:cNvPr id="30" name="TextBox 29">
-            <a:extLst>
-              <a:ext uri="{FF2B5EF4-FFF2-40B4-BE49-F238E27FC236}">
-                <a16:creationId xmlns:a16="http://schemas.microsoft.com/office/drawing/2014/main" id="{A3F22A5B-4F31-4443-B807-3D9FEB71906C}"/>
-              </a:ext>
-            </a:extLst>
-          </p:cNvPr>
-          <p:cNvSpPr txBox="1"/>
-          <p:nvPr/>
-        </p:nvSpPr>
-        <p:spPr>
-          <a:xfrm>
-            <a:off x="4161072" y="3533034"/>
-            <a:ext cx="334500" cy="707886"/>
-          </a:xfrm>
-          <a:prstGeom prst="rect">
-            <a:avLst/>
-          </a:prstGeom>
-          <a:noFill/>
-        </p:spPr>
-        <p:txBody>
-          <a:bodyPr wrap="square" rtlCol="0">
-            <a:spAutoFit/>
-          </a:bodyPr>
-          <a:lstStyle/>
-          <a:p>
-            <a:r>
-              <a:rPr lang="en-US" altLang="ko-KR" sz="4000" b="1" dirty="0">
-                <a:solidFill>
-                  <a:srgbClr val="FF0000"/>
-                </a:solidFill>
-              </a:rPr>
-              <a:t>!</a:t>
-            </a:r>
-            <a:endParaRPr lang="ko-KR" altLang="en-US" sz="4000" b="1" dirty="0">
-              <a:solidFill>
-                <a:srgbClr val="FF0000"/>
-              </a:solidFill>
-            </a:endParaRPr>
-          </a:p>
-        </p:txBody>
-      </p:sp>
-      <p:sp>
-        <p:nvSpPr>
-          <p:cNvPr id="31" name="TextBox 30">
-            <a:extLst>
-              <a:ext uri="{FF2B5EF4-FFF2-40B4-BE49-F238E27FC236}">
-                <a16:creationId xmlns:a16="http://schemas.microsoft.com/office/drawing/2014/main" id="{26EE3C3A-9927-409E-837C-BB294F6AD955}"/>
-              </a:ext>
-            </a:extLst>
-          </p:cNvPr>
-          <p:cNvSpPr txBox="1"/>
-          <p:nvPr/>
-        </p:nvSpPr>
-        <p:spPr>
-          <a:xfrm>
-            <a:off x="6347800" y="3503329"/>
-            <a:ext cx="334500" cy="707886"/>
-          </a:xfrm>
-          <a:prstGeom prst="rect">
-            <a:avLst/>
-          </a:prstGeom>
-          <a:noFill/>
-        </p:spPr>
-        <p:txBody>
-          <a:bodyPr wrap="square" rtlCol="0">
-            <a:spAutoFit/>
-          </a:bodyPr>
-          <a:lstStyle/>
-          <a:p>
-            <a:r>
-              <a:rPr lang="en-US" altLang="ko-KR" sz="4000" b="1" dirty="0">
-                <a:solidFill>
-                  <a:srgbClr val="FF0000"/>
-                </a:solidFill>
-              </a:rPr>
-              <a:t>!</a:t>
-            </a:r>
-            <a:endParaRPr lang="ko-KR" altLang="en-US" sz="4000" b="1" dirty="0">
-              <a:solidFill>
-                <a:srgbClr val="FF0000"/>
-              </a:solidFill>
-            </a:endParaRPr>
-          </a:p>
-        </p:txBody>
-      </p:sp>
       <p:pic>
         <p:nvPicPr>
-          <p:cNvPr id="16" name="그래픽 15" descr="돋보기 윤곽선">
-            <a:extLst>
-              <a:ext uri="{FF2B5EF4-FFF2-40B4-BE49-F238E27FC236}">
-                <a16:creationId xmlns:a16="http://schemas.microsoft.com/office/drawing/2014/main" id="{FDE7620F-4E24-46BD-A3A3-5F3F971E2D08}"/>
+          <p:cNvPr id="77" name="그림 76" descr="텍스트이(가) 표시된 사진&#10;&#10;자동 생성된 설명">
+            <a:extLst>
+              <a:ext uri="{FF2B5EF4-FFF2-40B4-BE49-F238E27FC236}">
+                <a16:creationId xmlns:a16="http://schemas.microsoft.com/office/drawing/2014/main" id="{5C30FB1A-D4C0-4E27-B102-EEC3EC68C9D3}"/>
               </a:ext>
             </a:extLst>
           </p:cNvPr>
@@ -18355,13 +15858,10 @@
           <p:nvPr/>
         </p:nvPicPr>
         <p:blipFill>
-          <a:blip r:embed="rId5">
+          <a:blip r:embed="rId6">
             <a:extLst>
               <a:ext uri="{28A0092B-C50C-407E-A947-70E740481C1C}">
                 <a14:useLocalDpi xmlns:a14="http://schemas.microsoft.com/office/drawing/2010/main" val="0"/>
-              </a:ext>
-              <a:ext uri="{96DAC541-7B7A-43D3-8B79-37D633B846F1}">
-                <asvg:svgBlip xmlns:asvg="http://schemas.microsoft.com/office/drawing/2016/SVG/main" r:embed="rId6"/>
               </a:ext>
             </a:extLst>
           </a:blip>
@@ -18371,8 +15871,8 @@
         </p:blipFill>
         <p:spPr>
           <a:xfrm>
-            <a:off x="1391407" y="3093097"/>
-            <a:ext cx="1931089" cy="1931089"/>
+            <a:off x="4740157" y="4272582"/>
+            <a:ext cx="355615" cy="355615"/>
           </a:xfrm>
           <a:prstGeom prst="rect">
             <a:avLst/>
@@ -18381,10 +15881,10 @@
       </p:pic>
       <p:pic>
         <p:nvPicPr>
-          <p:cNvPr id="32" name="그래픽 31" descr="돋보기 윤곽선">
-            <a:extLst>
-              <a:ext uri="{FF2B5EF4-FFF2-40B4-BE49-F238E27FC236}">
-                <a16:creationId xmlns:a16="http://schemas.microsoft.com/office/drawing/2014/main" id="{BF35FADF-E2CD-4A51-BD94-74370B3DFDBF}"/>
+          <p:cNvPr id="78" name="그림 77" descr="텍스트이(가) 표시된 사진&#10;&#10;자동 생성된 설명">
+            <a:extLst>
+              <a:ext uri="{FF2B5EF4-FFF2-40B4-BE49-F238E27FC236}">
+                <a16:creationId xmlns:a16="http://schemas.microsoft.com/office/drawing/2014/main" id="{F68819C7-2A14-4E60-B4AF-87D307E0C200}"/>
               </a:ext>
             </a:extLst>
           </p:cNvPr>
@@ -18394,13 +15894,10 @@
           <p:nvPr/>
         </p:nvPicPr>
         <p:blipFill>
-          <a:blip r:embed="rId5">
+          <a:blip r:embed="rId6">
             <a:extLst>
               <a:ext uri="{28A0092B-C50C-407E-A947-70E740481C1C}">
                 <a14:useLocalDpi xmlns:a14="http://schemas.microsoft.com/office/drawing/2010/main" val="0"/>
-              </a:ext>
-              <a:ext uri="{96DAC541-7B7A-43D3-8B79-37D633B846F1}">
-                <asvg:svgBlip xmlns:asvg="http://schemas.microsoft.com/office/drawing/2016/SVG/main" r:embed="rId6"/>
               </a:ext>
             </a:extLst>
           </a:blip>
@@ -18410,8 +15907,8 @@
         </p:blipFill>
         <p:spPr>
           <a:xfrm>
-            <a:off x="3567991" y="3030463"/>
-            <a:ext cx="1931089" cy="1931089"/>
+            <a:off x="2113009" y="4261943"/>
+            <a:ext cx="355615" cy="355615"/>
           </a:xfrm>
           <a:prstGeom prst="rect">
             <a:avLst/>
@@ -18420,10 +15917,10 @@
       </p:pic>
       <p:pic>
         <p:nvPicPr>
-          <p:cNvPr id="33" name="그래픽 32" descr="돋보기 윤곽선">
-            <a:extLst>
-              <a:ext uri="{FF2B5EF4-FFF2-40B4-BE49-F238E27FC236}">
-                <a16:creationId xmlns:a16="http://schemas.microsoft.com/office/drawing/2014/main" id="{007B0A62-5F7C-4D11-BD28-365FB0C93353}"/>
+          <p:cNvPr id="79" name="그림 78" descr="옅은이(가) 표시된 사진&#10;&#10;자동 생성된 설명">
+            <a:extLst>
+              <a:ext uri="{FF2B5EF4-FFF2-40B4-BE49-F238E27FC236}">
+                <a16:creationId xmlns:a16="http://schemas.microsoft.com/office/drawing/2014/main" id="{641AC7F4-420F-4090-A82E-7AA0EE23E178}"/>
               </a:ext>
             </a:extLst>
           </p:cNvPr>
@@ -18437,9 +15934,6 @@
             <a:extLst>
               <a:ext uri="{28A0092B-C50C-407E-A947-70E740481C1C}">
                 <a14:useLocalDpi xmlns:a14="http://schemas.microsoft.com/office/drawing/2010/main" val="0"/>
-              </a:ext>
-              <a:ext uri="{96DAC541-7B7A-43D3-8B79-37D633B846F1}">
-                <asvg:svgBlip xmlns:asvg="http://schemas.microsoft.com/office/drawing/2016/SVG/main" r:embed="rId6"/>
               </a:ext>
             </a:extLst>
           </a:blip>
@@ -18449,8 +15943,269 @@
         </p:blipFill>
         <p:spPr>
           <a:xfrm>
-            <a:off x="5741470" y="2986144"/>
-            <a:ext cx="1931089" cy="1931089"/>
+            <a:off x="4328253" y="3970122"/>
+            <a:ext cx="366254" cy="366254"/>
+          </a:xfrm>
+          <a:prstGeom prst="rect">
+            <a:avLst/>
+          </a:prstGeom>
+        </p:spPr>
+      </p:pic>
+      <p:pic>
+        <p:nvPicPr>
+          <p:cNvPr id="80" name="그림 79" descr="텍스트이(가) 표시된 사진&#10;&#10;자동 생성된 설명">
+            <a:extLst>
+              <a:ext uri="{FF2B5EF4-FFF2-40B4-BE49-F238E27FC236}">
+                <a16:creationId xmlns:a16="http://schemas.microsoft.com/office/drawing/2014/main" id="{320617BE-CCE6-499B-8905-F8DFCA2AD3AD}"/>
+              </a:ext>
+            </a:extLst>
+          </p:cNvPr>
+          <p:cNvPicPr>
+            <a:picLocks noChangeAspect="1"/>
+          </p:cNvPicPr>
+          <p:nvPr/>
+        </p:nvPicPr>
+        <p:blipFill>
+          <a:blip r:embed="rId6">
+            <a:extLst>
+              <a:ext uri="{28A0092B-C50C-407E-A947-70E740481C1C}">
+                <a14:useLocalDpi xmlns:a14="http://schemas.microsoft.com/office/drawing/2010/main" val="0"/>
+              </a:ext>
+            </a:extLst>
+          </a:blip>
+          <a:stretch>
+            <a:fillRect/>
+          </a:stretch>
+        </p:blipFill>
+        <p:spPr>
+          <a:xfrm>
+            <a:off x="4754239" y="3991400"/>
+            <a:ext cx="355615" cy="355615"/>
+          </a:xfrm>
+          <a:prstGeom prst="rect">
+            <a:avLst/>
+          </a:prstGeom>
+        </p:spPr>
+      </p:pic>
+      <p:pic>
+        <p:nvPicPr>
+          <p:cNvPr id="81" name="그림 80" descr="옅은이(가) 표시된 사진&#10;&#10;자동 생성된 설명">
+            <a:extLst>
+              <a:ext uri="{FF2B5EF4-FFF2-40B4-BE49-F238E27FC236}">
+                <a16:creationId xmlns:a16="http://schemas.microsoft.com/office/drawing/2014/main" id="{07C25237-C366-4AF8-8E01-913D76C33BCF}"/>
+              </a:ext>
+            </a:extLst>
+          </p:cNvPr>
+          <p:cNvPicPr>
+            <a:picLocks noChangeAspect="1"/>
+          </p:cNvPicPr>
+          <p:nvPr/>
+        </p:nvPicPr>
+        <p:blipFill>
+          <a:blip r:embed="rId5">
+            <a:extLst>
+              <a:ext uri="{28A0092B-C50C-407E-A947-70E740481C1C}">
+                <a14:useLocalDpi xmlns:a14="http://schemas.microsoft.com/office/drawing/2010/main" val="0"/>
+              </a:ext>
+            </a:extLst>
+          </a:blip>
+          <a:stretch>
+            <a:fillRect/>
+          </a:stretch>
+        </p:blipFill>
+        <p:spPr>
+          <a:xfrm>
+            <a:off x="2723670" y="3991400"/>
+            <a:ext cx="366254" cy="366254"/>
+          </a:xfrm>
+          <a:prstGeom prst="rect">
+            <a:avLst/>
+          </a:prstGeom>
+        </p:spPr>
+      </p:pic>
+      <p:pic>
+        <p:nvPicPr>
+          <p:cNvPr id="82" name="그림 81" descr="텍스트이(가) 표시된 사진&#10;&#10;자동 생성된 설명">
+            <a:extLst>
+              <a:ext uri="{FF2B5EF4-FFF2-40B4-BE49-F238E27FC236}">
+                <a16:creationId xmlns:a16="http://schemas.microsoft.com/office/drawing/2014/main" id="{995143CB-7FC1-4FEA-860F-4E59992A4361}"/>
+              </a:ext>
+            </a:extLst>
+          </p:cNvPr>
+          <p:cNvPicPr>
+            <a:picLocks noChangeAspect="1"/>
+          </p:cNvPicPr>
+          <p:nvPr/>
+        </p:nvPicPr>
+        <p:blipFill>
+          <a:blip r:embed="rId6">
+            <a:extLst>
+              <a:ext uri="{28A0092B-C50C-407E-A947-70E740481C1C}">
+                <a14:useLocalDpi xmlns:a14="http://schemas.microsoft.com/office/drawing/2010/main" val="0"/>
+              </a:ext>
+            </a:extLst>
+          </a:blip>
+          <a:stretch>
+            <a:fillRect/>
+          </a:stretch>
+        </p:blipFill>
+        <p:spPr>
+          <a:xfrm>
+            <a:off x="5046435" y="3991400"/>
+            <a:ext cx="355615" cy="355615"/>
+          </a:xfrm>
+          <a:prstGeom prst="rect">
+            <a:avLst/>
+          </a:prstGeom>
+        </p:spPr>
+      </p:pic>
+      <p:pic>
+        <p:nvPicPr>
+          <p:cNvPr id="83" name="그림 82" descr="텍스트이(가) 표시된 사진&#10;&#10;자동 생성된 설명">
+            <a:extLst>
+              <a:ext uri="{FF2B5EF4-FFF2-40B4-BE49-F238E27FC236}">
+                <a16:creationId xmlns:a16="http://schemas.microsoft.com/office/drawing/2014/main" id="{EB86605D-EF2C-4E68-AC0B-6F6BFA944D04}"/>
+              </a:ext>
+            </a:extLst>
+          </p:cNvPr>
+          <p:cNvPicPr>
+            <a:picLocks noChangeAspect="1"/>
+          </p:cNvPicPr>
+          <p:nvPr/>
+        </p:nvPicPr>
+        <p:blipFill>
+          <a:blip r:embed="rId6">
+            <a:extLst>
+              <a:ext uri="{28A0092B-C50C-407E-A947-70E740481C1C}">
+                <a14:useLocalDpi xmlns:a14="http://schemas.microsoft.com/office/drawing/2010/main" val="0"/>
+              </a:ext>
+            </a:extLst>
+          </a:blip>
+          <a:stretch>
+            <a:fillRect/>
+          </a:stretch>
+        </p:blipFill>
+        <p:spPr>
+          <a:xfrm>
+            <a:off x="2419287" y="3980761"/>
+            <a:ext cx="355615" cy="355615"/>
+          </a:xfrm>
+          <a:prstGeom prst="rect">
+            <a:avLst/>
+          </a:prstGeom>
+        </p:spPr>
+      </p:pic>
+      <p:pic>
+        <p:nvPicPr>
+          <p:cNvPr id="84" name="그래픽 83" descr="사용자 단색으로 채워진">
+            <a:extLst>
+              <a:ext uri="{FF2B5EF4-FFF2-40B4-BE49-F238E27FC236}">
+                <a16:creationId xmlns:a16="http://schemas.microsoft.com/office/drawing/2014/main" id="{A086F853-F53E-4AB2-8B4D-A35339284B96}"/>
+              </a:ext>
+            </a:extLst>
+          </p:cNvPr>
+          <p:cNvPicPr>
+            <a:picLocks noChangeAspect="1"/>
+          </p:cNvPicPr>
+          <p:nvPr/>
+        </p:nvPicPr>
+        <p:blipFill>
+          <a:blip r:embed="rId7">
+            <a:extLst>
+              <a:ext uri="{28A0092B-C50C-407E-A947-70E740481C1C}">
+                <a14:useLocalDpi xmlns:a14="http://schemas.microsoft.com/office/drawing/2010/main" val="0"/>
+              </a:ext>
+              <a:ext uri="{96DAC541-7B7A-43D3-8B79-37D633B846F1}">
+                <asvg:svgBlip xmlns:asvg="http://schemas.microsoft.com/office/drawing/2016/SVG/main" r:embed="rId8"/>
+              </a:ext>
+            </a:extLst>
+          </a:blip>
+          <a:stretch>
+            <a:fillRect/>
+          </a:stretch>
+        </p:blipFill>
+        <p:spPr>
+          <a:xfrm>
+            <a:off x="3602080" y="3790697"/>
+            <a:ext cx="481885" cy="481885"/>
+          </a:xfrm>
+          <a:prstGeom prst="rect">
+            <a:avLst/>
+          </a:prstGeom>
+        </p:spPr>
+      </p:pic>
+      <p:pic>
+        <p:nvPicPr>
+          <p:cNvPr id="85" name="그래픽 84" descr="사용자 단색으로 채워진">
+            <a:extLst>
+              <a:ext uri="{FF2B5EF4-FFF2-40B4-BE49-F238E27FC236}">
+                <a16:creationId xmlns:a16="http://schemas.microsoft.com/office/drawing/2014/main" id="{2EB229AB-1421-4996-9E41-1C6D5AB09E22}"/>
+              </a:ext>
+            </a:extLst>
+          </p:cNvPr>
+          <p:cNvPicPr>
+            <a:picLocks noChangeAspect="1"/>
+          </p:cNvPicPr>
+          <p:nvPr/>
+        </p:nvPicPr>
+        <p:blipFill>
+          <a:blip r:embed="rId7">
+            <a:extLst>
+              <a:ext uri="{28A0092B-C50C-407E-A947-70E740481C1C}">
+                <a14:useLocalDpi xmlns:a14="http://schemas.microsoft.com/office/drawing/2010/main" val="0"/>
+              </a:ext>
+              <a:ext uri="{96DAC541-7B7A-43D3-8B79-37D633B846F1}">
+                <asvg:svgBlip xmlns:asvg="http://schemas.microsoft.com/office/drawing/2016/SVG/main" r:embed="rId8"/>
+              </a:ext>
+            </a:extLst>
+          </a:blip>
+          <a:stretch>
+            <a:fillRect/>
+          </a:stretch>
+        </p:blipFill>
+        <p:spPr>
+          <a:xfrm rot="21338965">
+            <a:off x="3918627" y="4139368"/>
+            <a:ext cx="481885" cy="481885"/>
+          </a:xfrm>
+          <a:prstGeom prst="rect">
+            <a:avLst/>
+          </a:prstGeom>
+        </p:spPr>
+      </p:pic>
+      <p:pic>
+        <p:nvPicPr>
+          <p:cNvPr id="86" name="그래픽 85" descr="사용자 단색으로 채워진">
+            <a:extLst>
+              <a:ext uri="{FF2B5EF4-FFF2-40B4-BE49-F238E27FC236}">
+                <a16:creationId xmlns:a16="http://schemas.microsoft.com/office/drawing/2014/main" id="{6BF36942-9950-4FEF-AF34-98272CDC9B21}"/>
+              </a:ext>
+            </a:extLst>
+          </p:cNvPr>
+          <p:cNvPicPr>
+            <a:picLocks noChangeAspect="1"/>
+          </p:cNvPicPr>
+          <p:nvPr/>
+        </p:nvPicPr>
+        <p:blipFill>
+          <a:blip r:embed="rId7">
+            <a:extLst>
+              <a:ext uri="{28A0092B-C50C-407E-A947-70E740481C1C}">
+                <a14:useLocalDpi xmlns:a14="http://schemas.microsoft.com/office/drawing/2010/main" val="0"/>
+              </a:ext>
+              <a:ext uri="{96DAC541-7B7A-43D3-8B79-37D633B846F1}">
+                <asvg:svgBlip xmlns:asvg="http://schemas.microsoft.com/office/drawing/2016/SVG/main" r:embed="rId8"/>
+              </a:ext>
+            </a:extLst>
+          </a:blip>
+          <a:stretch>
+            <a:fillRect/>
+          </a:stretch>
+        </p:blipFill>
+        <p:spPr>
+          <a:xfrm>
+            <a:off x="3301405" y="4146312"/>
+            <a:ext cx="481885" cy="481885"/>
           </a:xfrm>
           <a:prstGeom prst="rect">
             <a:avLst/>
@@ -18460,7 +16215,7 @@
     </p:spTree>
     <p:extLst>
       <p:ext uri="{BB962C8B-B14F-4D97-AF65-F5344CB8AC3E}">
-        <p14:creationId xmlns:p14="http://schemas.microsoft.com/office/powerpoint/2010/main" val="1654176119"/>
+        <p14:creationId xmlns:p14="http://schemas.microsoft.com/office/powerpoint/2010/main" val="2552889122"/>
       </p:ext>
     </p:extLst>
   </p:cSld>

--- a/Document/시스템/시스템.pptx
+++ b/Document/시스템/시스템.pptx
@@ -205,7 +205,7 @@
           <a:p>
             <a:fld id="{1BE7B796-A74A-480E-B7C3-F20E279F0A7C}" type="datetimeFigureOut">
               <a:rPr lang="ko-KR" altLang="en-US" smtClean="0"/>
-              <a:t>2022-03-14(Mon)</a:t>
+              <a:t>2022-03-15(Tue)</a:t>
             </a:fld>
             <a:endParaRPr lang="ko-KR" altLang="en-US"/>
           </a:p>
@@ -1291,7 +1291,7 @@
           <a:p>
             <a:fld id="{4E8DDE92-A542-49E3-8BCA-C8166235BA4E}" type="datetimeFigureOut">
               <a:rPr lang="ko-KR" altLang="en-US" smtClean="0"/>
-              <a:t>2022-03-14(Mon)</a:t>
+              <a:t>2022-03-15(Tue)</a:t>
             </a:fld>
             <a:endParaRPr lang="ko-KR" altLang="en-US"/>
           </a:p>
@@ -1489,7 +1489,7 @@
           <a:p>
             <a:fld id="{4E8DDE92-A542-49E3-8BCA-C8166235BA4E}" type="datetimeFigureOut">
               <a:rPr lang="ko-KR" altLang="en-US" smtClean="0"/>
-              <a:t>2022-03-14(Mon)</a:t>
+              <a:t>2022-03-15(Tue)</a:t>
             </a:fld>
             <a:endParaRPr lang="ko-KR" altLang="en-US"/>
           </a:p>
@@ -1697,7 +1697,7 @@
           <a:p>
             <a:fld id="{4E8DDE92-A542-49E3-8BCA-C8166235BA4E}" type="datetimeFigureOut">
               <a:rPr lang="ko-KR" altLang="en-US" smtClean="0"/>
-              <a:t>2022-03-14(Mon)</a:t>
+              <a:t>2022-03-15(Tue)</a:t>
             </a:fld>
             <a:endParaRPr lang="ko-KR" altLang="en-US"/>
           </a:p>
@@ -2147,7 +2147,7 @@
           <a:p>
             <a:fld id="{4E8DDE92-A542-49E3-8BCA-C8166235BA4E}" type="datetimeFigureOut">
               <a:rPr lang="ko-KR" altLang="en-US" smtClean="0"/>
-              <a:t>2022-03-14(Mon)</a:t>
+              <a:t>2022-03-15(Tue)</a:t>
             </a:fld>
             <a:endParaRPr lang="ko-KR" altLang="en-US"/>
           </a:p>
@@ -2422,7 +2422,7 @@
           <a:p>
             <a:fld id="{4E8DDE92-A542-49E3-8BCA-C8166235BA4E}" type="datetimeFigureOut">
               <a:rPr lang="ko-KR" altLang="en-US" smtClean="0"/>
-              <a:t>2022-03-14(Mon)</a:t>
+              <a:t>2022-03-15(Tue)</a:t>
             </a:fld>
             <a:endParaRPr lang="ko-KR" altLang="en-US"/>
           </a:p>
@@ -2687,7 +2687,7 @@
           <a:p>
             <a:fld id="{4E8DDE92-A542-49E3-8BCA-C8166235BA4E}" type="datetimeFigureOut">
               <a:rPr lang="ko-KR" altLang="en-US" smtClean="0"/>
-              <a:t>2022-03-14(Mon)</a:t>
+              <a:t>2022-03-15(Tue)</a:t>
             </a:fld>
             <a:endParaRPr lang="ko-KR" altLang="en-US"/>
           </a:p>
@@ -3099,7 +3099,7 @@
           <a:p>
             <a:fld id="{4E8DDE92-A542-49E3-8BCA-C8166235BA4E}" type="datetimeFigureOut">
               <a:rPr lang="ko-KR" altLang="en-US" smtClean="0"/>
-              <a:t>2022-03-14(Mon)</a:t>
+              <a:t>2022-03-15(Tue)</a:t>
             </a:fld>
             <a:endParaRPr lang="ko-KR" altLang="en-US"/>
           </a:p>
@@ -3240,7 +3240,7 @@
           <a:p>
             <a:fld id="{4E8DDE92-A542-49E3-8BCA-C8166235BA4E}" type="datetimeFigureOut">
               <a:rPr lang="ko-KR" altLang="en-US" smtClean="0"/>
-              <a:t>2022-03-14(Mon)</a:t>
+              <a:t>2022-03-15(Tue)</a:t>
             </a:fld>
             <a:endParaRPr lang="ko-KR" altLang="en-US"/>
           </a:p>
@@ -3353,7 +3353,7 @@
           <a:p>
             <a:fld id="{4E8DDE92-A542-49E3-8BCA-C8166235BA4E}" type="datetimeFigureOut">
               <a:rPr lang="ko-KR" altLang="en-US" smtClean="0"/>
-              <a:t>2022-03-14(Mon)</a:t>
+              <a:t>2022-03-15(Tue)</a:t>
             </a:fld>
             <a:endParaRPr lang="ko-KR" altLang="en-US"/>
           </a:p>
@@ -3664,7 +3664,7 @@
           <a:p>
             <a:fld id="{4E8DDE92-A542-49E3-8BCA-C8166235BA4E}" type="datetimeFigureOut">
               <a:rPr lang="ko-KR" altLang="en-US" smtClean="0"/>
-              <a:t>2022-03-14(Mon)</a:t>
+              <a:t>2022-03-15(Tue)</a:t>
             </a:fld>
             <a:endParaRPr lang="ko-KR" altLang="en-US"/>
           </a:p>
@@ -3952,7 +3952,7 @@
           <a:p>
             <a:fld id="{4E8DDE92-A542-49E3-8BCA-C8166235BA4E}" type="datetimeFigureOut">
               <a:rPr lang="ko-KR" altLang="en-US" smtClean="0"/>
-              <a:t>2022-03-14(Mon)</a:t>
+              <a:t>2022-03-15(Tue)</a:t>
             </a:fld>
             <a:endParaRPr lang="ko-KR" altLang="en-US"/>
           </a:p>
@@ -4193,7 +4193,7 @@
           <a:p>
             <a:fld id="{4E8DDE92-A542-49E3-8BCA-C8166235BA4E}" type="datetimeFigureOut">
               <a:rPr lang="ko-KR" altLang="en-US" smtClean="0"/>
-              <a:t>2022-03-14(Mon)</a:t>
+              <a:t>2022-03-15(Tue)</a:t>
             </a:fld>
             <a:endParaRPr lang="ko-KR" altLang="en-US"/>
           </a:p>

--- a/Document/시스템/시스템.pptx
+++ b/Document/시스템/시스템.pptx
@@ -208,7 +208,7 @@
           <a:p>
             <a:fld id="{1BE7B796-A74A-480E-B7C3-F20E279F0A7C}" type="datetimeFigureOut">
               <a:rPr lang="ko-KR" altLang="en-US" smtClean="0"/>
-              <a:t>2022-03-17(Thu)</a:t>
+              <a:t>2022-03-22(Tue)</a:t>
             </a:fld>
             <a:endParaRPr lang="ko-KR" altLang="en-US"/>
           </a:p>
@@ -1546,7 +1546,7 @@
           <a:p>
             <a:fld id="{4E8DDE92-A542-49E3-8BCA-C8166235BA4E}" type="datetimeFigureOut">
               <a:rPr lang="ko-KR" altLang="en-US" smtClean="0"/>
-              <a:t>2022-03-17(Thu)</a:t>
+              <a:t>2022-03-22(Tue)</a:t>
             </a:fld>
             <a:endParaRPr lang="ko-KR" altLang="en-US"/>
           </a:p>
@@ -1744,7 +1744,7 @@
           <a:p>
             <a:fld id="{4E8DDE92-A542-49E3-8BCA-C8166235BA4E}" type="datetimeFigureOut">
               <a:rPr lang="ko-KR" altLang="en-US" smtClean="0"/>
-              <a:t>2022-03-17(Thu)</a:t>
+              <a:t>2022-03-22(Tue)</a:t>
             </a:fld>
             <a:endParaRPr lang="ko-KR" altLang="en-US"/>
           </a:p>
@@ -1952,7 +1952,7 @@
           <a:p>
             <a:fld id="{4E8DDE92-A542-49E3-8BCA-C8166235BA4E}" type="datetimeFigureOut">
               <a:rPr lang="ko-KR" altLang="en-US" smtClean="0"/>
-              <a:t>2022-03-17(Thu)</a:t>
+              <a:t>2022-03-22(Tue)</a:t>
             </a:fld>
             <a:endParaRPr lang="ko-KR" altLang="en-US"/>
           </a:p>
@@ -2402,7 +2402,7 @@
           <a:p>
             <a:fld id="{4E8DDE92-A542-49E3-8BCA-C8166235BA4E}" type="datetimeFigureOut">
               <a:rPr lang="ko-KR" altLang="en-US" smtClean="0"/>
-              <a:t>2022-03-17(Thu)</a:t>
+              <a:t>2022-03-22(Tue)</a:t>
             </a:fld>
             <a:endParaRPr lang="ko-KR" altLang="en-US"/>
           </a:p>
@@ -2677,7 +2677,7 @@
           <a:p>
             <a:fld id="{4E8DDE92-A542-49E3-8BCA-C8166235BA4E}" type="datetimeFigureOut">
               <a:rPr lang="ko-KR" altLang="en-US" smtClean="0"/>
-              <a:t>2022-03-17(Thu)</a:t>
+              <a:t>2022-03-22(Tue)</a:t>
             </a:fld>
             <a:endParaRPr lang="ko-KR" altLang="en-US"/>
           </a:p>
@@ -2942,7 +2942,7 @@
           <a:p>
             <a:fld id="{4E8DDE92-A542-49E3-8BCA-C8166235BA4E}" type="datetimeFigureOut">
               <a:rPr lang="ko-KR" altLang="en-US" smtClean="0"/>
-              <a:t>2022-03-17(Thu)</a:t>
+              <a:t>2022-03-22(Tue)</a:t>
             </a:fld>
             <a:endParaRPr lang="ko-KR" altLang="en-US"/>
           </a:p>
@@ -3354,7 +3354,7 @@
           <a:p>
             <a:fld id="{4E8DDE92-A542-49E3-8BCA-C8166235BA4E}" type="datetimeFigureOut">
               <a:rPr lang="ko-KR" altLang="en-US" smtClean="0"/>
-              <a:t>2022-03-17(Thu)</a:t>
+              <a:t>2022-03-22(Tue)</a:t>
             </a:fld>
             <a:endParaRPr lang="ko-KR" altLang="en-US"/>
           </a:p>
@@ -3495,7 +3495,7 @@
           <a:p>
             <a:fld id="{4E8DDE92-A542-49E3-8BCA-C8166235BA4E}" type="datetimeFigureOut">
               <a:rPr lang="ko-KR" altLang="en-US" smtClean="0"/>
-              <a:t>2022-03-17(Thu)</a:t>
+              <a:t>2022-03-22(Tue)</a:t>
             </a:fld>
             <a:endParaRPr lang="ko-KR" altLang="en-US"/>
           </a:p>
@@ -3608,7 +3608,7 @@
           <a:p>
             <a:fld id="{4E8DDE92-A542-49E3-8BCA-C8166235BA4E}" type="datetimeFigureOut">
               <a:rPr lang="ko-KR" altLang="en-US" smtClean="0"/>
-              <a:t>2022-03-17(Thu)</a:t>
+              <a:t>2022-03-22(Tue)</a:t>
             </a:fld>
             <a:endParaRPr lang="ko-KR" altLang="en-US"/>
           </a:p>
@@ -3919,7 +3919,7 @@
           <a:p>
             <a:fld id="{4E8DDE92-A542-49E3-8BCA-C8166235BA4E}" type="datetimeFigureOut">
               <a:rPr lang="ko-KR" altLang="en-US" smtClean="0"/>
-              <a:t>2022-03-17(Thu)</a:t>
+              <a:t>2022-03-22(Tue)</a:t>
             </a:fld>
             <a:endParaRPr lang="ko-KR" altLang="en-US"/>
           </a:p>
@@ -4207,7 +4207,7 @@
           <a:p>
             <a:fld id="{4E8DDE92-A542-49E3-8BCA-C8166235BA4E}" type="datetimeFigureOut">
               <a:rPr lang="ko-KR" altLang="en-US" smtClean="0"/>
-              <a:t>2022-03-17(Thu)</a:t>
+              <a:t>2022-03-22(Tue)</a:t>
             </a:fld>
             <a:endParaRPr lang="ko-KR" altLang="en-US"/>
           </a:p>
@@ -4448,7 +4448,7 @@
           <a:p>
             <a:fld id="{4E8DDE92-A542-49E3-8BCA-C8166235BA4E}" type="datetimeFigureOut">
               <a:rPr lang="ko-KR" altLang="en-US" smtClean="0"/>
-              <a:t>2022-03-17(Thu)</a:t>
+              <a:t>2022-03-22(Tue)</a:t>
             </a:fld>
             <a:endParaRPr lang="ko-KR" altLang="en-US"/>
           </a:p>
@@ -9951,9 +9951,9 @@
               </a:pathLst>
             </a:custGeom>
             <a:solidFill>
-              <a:schemeClr val="accent4">
-                <a:lumMod val="20000"/>
-                <a:lumOff val="80000"/>
+              <a:schemeClr val="accent2">
+                <a:lumMod val="40000"/>
+                <a:lumOff val="60000"/>
               </a:schemeClr>
             </a:solidFill>
             <a:ln>
@@ -10118,7 +10118,7 @@
               </a:pathLst>
             </a:custGeom>
             <a:solidFill>
-              <a:schemeClr val="accent4">
+              <a:schemeClr val="accent1">
                 <a:lumMod val="40000"/>
                 <a:lumOff val="60000"/>
               </a:schemeClr>
@@ -10235,7 +10235,7 @@
               </a:pathLst>
             </a:custGeom>
             <a:solidFill>
-              <a:schemeClr val="accent4">
+              <a:schemeClr val="accent1">
                 <a:lumMod val="40000"/>
                 <a:lumOff val="60000"/>
               </a:schemeClr>

--- a/Document/시스템/시스템.pptx
+++ b/Document/시스템/시스템.pptx
@@ -5,7 +5,7 @@
     <p:sldMasterId id="2147483648" r:id="rId1"/>
   </p:sldMasterIdLst>
   <p:notesMasterIdLst>
-    <p:notesMasterId r:id="rId14"/>
+    <p:notesMasterId r:id="rId15"/>
   </p:notesMasterIdLst>
   <p:sldIdLst>
     <p:sldId id="257" r:id="rId2"/>
@@ -13,13 +13,14 @@
     <p:sldId id="292" r:id="rId4"/>
     <p:sldId id="295" r:id="rId5"/>
     <p:sldId id="296" r:id="rId6"/>
-    <p:sldId id="297" r:id="rId7"/>
-    <p:sldId id="298" r:id="rId8"/>
-    <p:sldId id="300" r:id="rId9"/>
-    <p:sldId id="301" r:id="rId10"/>
-    <p:sldId id="302" r:id="rId11"/>
-    <p:sldId id="303" r:id="rId12"/>
-    <p:sldId id="304" r:id="rId13"/>
+    <p:sldId id="305" r:id="rId7"/>
+    <p:sldId id="297" r:id="rId8"/>
+    <p:sldId id="298" r:id="rId9"/>
+    <p:sldId id="300" r:id="rId10"/>
+    <p:sldId id="301" r:id="rId11"/>
+    <p:sldId id="302" r:id="rId12"/>
+    <p:sldId id="303" r:id="rId13"/>
+    <p:sldId id="304" r:id="rId14"/>
   </p:sldIdLst>
   <p:sldSz cx="12192000" cy="6858000"/>
   <p:notesSz cx="6858000" cy="9144000"/>
@@ -633,7 +634,7 @@
     </p:spTree>
     <p:extLst>
       <p:ext uri="{BB962C8B-B14F-4D97-AF65-F5344CB8AC3E}">
-        <p14:creationId xmlns:p14="http://schemas.microsoft.com/office/powerpoint/2010/main" val="1891078387"/>
+        <p14:creationId xmlns:p14="http://schemas.microsoft.com/office/powerpoint/2010/main" val="3240599215"/>
       </p:ext>
     </p:extLst>
   </p:cSld>
@@ -709,6 +710,90 @@
             <a:fld id="{73EB825B-89DC-4B21-8B3A-B3CA9CD761CE}" type="slidenum">
               <a:rPr lang="ko-KR" altLang="en-US" smtClean="0"/>
               <a:t>12</a:t>
+            </a:fld>
+            <a:endParaRPr lang="ko-KR" altLang="en-US"/>
+          </a:p>
+        </p:txBody>
+      </p:sp>
+    </p:spTree>
+    <p:extLst>
+      <p:ext uri="{BB962C8B-B14F-4D97-AF65-F5344CB8AC3E}">
+        <p14:creationId xmlns:p14="http://schemas.microsoft.com/office/powerpoint/2010/main" val="1891078387"/>
+      </p:ext>
+    </p:extLst>
+  </p:cSld>
+  <p:clrMapOvr>
+    <a:masterClrMapping/>
+  </p:clrMapOvr>
+</p:notes>
+</file>
+
+<file path=ppt/notesSlides/notesSlide12.xml><?xml version="1.0" encoding="utf-8"?>
+<p:notes xmlns:a="http://schemas.openxmlformats.org/drawingml/2006/main" xmlns:r="http://schemas.openxmlformats.org/officeDocument/2006/relationships" xmlns:p="http://schemas.openxmlformats.org/presentationml/2006/main">
+  <p:cSld>
+    <p:spTree>
+      <p:nvGrpSpPr>
+        <p:cNvPr id="1" name=""/>
+        <p:cNvGrpSpPr/>
+        <p:nvPr/>
+      </p:nvGrpSpPr>
+      <p:grpSpPr>
+        <a:xfrm>
+          <a:off x="0" y="0"/>
+          <a:ext cx="0" cy="0"/>
+          <a:chOff x="0" y="0"/>
+          <a:chExt cx="0" cy="0"/>
+        </a:xfrm>
+      </p:grpSpPr>
+      <p:sp>
+        <p:nvSpPr>
+          <p:cNvPr id="2" name="슬라이드 이미지 개체 틀 1"/>
+          <p:cNvSpPr>
+            <a:spLocks noGrp="1" noRot="1" noChangeAspect="1"/>
+          </p:cNvSpPr>
+          <p:nvPr>
+            <p:ph type="sldImg"/>
+          </p:nvPr>
+        </p:nvSpPr>
+        <p:spPr/>
+      </p:sp>
+      <p:sp>
+        <p:nvSpPr>
+          <p:cNvPr id="3" name="슬라이드 노트 개체 틀 2"/>
+          <p:cNvSpPr>
+            <a:spLocks noGrp="1"/>
+          </p:cNvSpPr>
+          <p:nvPr>
+            <p:ph type="body" idx="1"/>
+          </p:nvPr>
+        </p:nvSpPr>
+        <p:spPr/>
+        <p:txBody>
+          <a:bodyPr/>
+          <a:lstStyle/>
+          <a:p>
+            <a:endParaRPr lang="ko-KR" altLang="en-US" dirty="0"/>
+          </a:p>
+        </p:txBody>
+      </p:sp>
+      <p:sp>
+        <p:nvSpPr>
+          <p:cNvPr id="4" name="슬라이드 번호 개체 틀 3"/>
+          <p:cNvSpPr>
+            <a:spLocks noGrp="1"/>
+          </p:cNvSpPr>
+          <p:nvPr>
+            <p:ph type="sldNum" sz="quarter" idx="5"/>
+          </p:nvPr>
+        </p:nvSpPr>
+        <p:spPr/>
+        <p:txBody>
+          <a:bodyPr/>
+          <a:lstStyle/>
+          <a:p>
+            <a:fld id="{73EB825B-89DC-4B21-8B3A-B3CA9CD761CE}" type="slidenum">
+              <a:rPr lang="ko-KR" altLang="en-US" smtClean="0"/>
+              <a:t>13</a:t>
             </a:fld>
             <a:endParaRPr lang="ko-KR" altLang="en-US"/>
           </a:p>
@@ -1053,7 +1138,7 @@
     </p:spTree>
     <p:extLst>
       <p:ext uri="{BB962C8B-B14F-4D97-AF65-F5344CB8AC3E}">
-        <p14:creationId xmlns:p14="http://schemas.microsoft.com/office/powerpoint/2010/main" val="185718217"/>
+        <p14:creationId xmlns:p14="http://schemas.microsoft.com/office/powerpoint/2010/main" val="1203587499"/>
       </p:ext>
     </p:extLst>
   </p:cSld>
@@ -1137,7 +1222,7 @@
     </p:spTree>
     <p:extLst>
       <p:ext uri="{BB962C8B-B14F-4D97-AF65-F5344CB8AC3E}">
-        <p14:creationId xmlns:p14="http://schemas.microsoft.com/office/powerpoint/2010/main" val="2634498860"/>
+        <p14:creationId xmlns:p14="http://schemas.microsoft.com/office/powerpoint/2010/main" val="185718217"/>
       </p:ext>
     </p:extLst>
   </p:cSld>
@@ -1221,7 +1306,7 @@
     </p:spTree>
     <p:extLst>
       <p:ext uri="{BB962C8B-B14F-4D97-AF65-F5344CB8AC3E}">
-        <p14:creationId xmlns:p14="http://schemas.microsoft.com/office/powerpoint/2010/main" val="1808876994"/>
+        <p14:creationId xmlns:p14="http://schemas.microsoft.com/office/powerpoint/2010/main" val="2634498860"/>
       </p:ext>
     </p:extLst>
   </p:cSld>
@@ -1305,7 +1390,7 @@
     </p:spTree>
     <p:extLst>
       <p:ext uri="{BB962C8B-B14F-4D97-AF65-F5344CB8AC3E}">
-        <p14:creationId xmlns:p14="http://schemas.microsoft.com/office/powerpoint/2010/main" val="2922286954"/>
+        <p14:creationId xmlns:p14="http://schemas.microsoft.com/office/powerpoint/2010/main" val="1808876994"/>
       </p:ext>
     </p:extLst>
   </p:cSld>
@@ -1389,7 +1474,7 @@
     </p:spTree>
     <p:extLst>
       <p:ext uri="{BB962C8B-B14F-4D97-AF65-F5344CB8AC3E}">
-        <p14:creationId xmlns:p14="http://schemas.microsoft.com/office/powerpoint/2010/main" val="3240599215"/>
+        <p14:creationId xmlns:p14="http://schemas.microsoft.com/office/powerpoint/2010/main" val="2922286954"/>
       </p:ext>
     </p:extLst>
   </p:cSld>
@@ -4953,6 +5038,1326 @@
 </file>
 
 <file path=ppt/slides/slide10.xml><?xml version="1.0" encoding="utf-8"?>
+<p:sld xmlns:a="http://schemas.openxmlformats.org/drawingml/2006/main" xmlns:r="http://schemas.openxmlformats.org/officeDocument/2006/relationships" xmlns:p="http://schemas.openxmlformats.org/presentationml/2006/main">
+  <p:cSld>
+    <p:spTree>
+      <p:nvGrpSpPr>
+        <p:cNvPr id="1" name=""/>
+        <p:cNvGrpSpPr/>
+        <p:nvPr/>
+      </p:nvGrpSpPr>
+      <p:grpSpPr>
+        <a:xfrm>
+          <a:off x="0" y="0"/>
+          <a:ext cx="0" cy="0"/>
+          <a:chOff x="0" y="0"/>
+          <a:chExt cx="0" cy="0"/>
+        </a:xfrm>
+      </p:grpSpPr>
+      <p:sp>
+        <p:nvSpPr>
+          <p:cNvPr id="37" name="사각형: 둥근 모서리 36">
+            <a:extLst>
+              <a:ext uri="{FF2B5EF4-FFF2-40B4-BE49-F238E27FC236}">
+                <a16:creationId xmlns:a16="http://schemas.microsoft.com/office/drawing/2014/main" id="{8CB633B6-F0EE-44CA-9448-E6DE3BBEF3EF}"/>
+              </a:ext>
+            </a:extLst>
+          </p:cNvPr>
+          <p:cNvSpPr/>
+          <p:nvPr/>
+        </p:nvSpPr>
+        <p:spPr>
+          <a:xfrm>
+            <a:off x="5240222" y="955480"/>
+            <a:ext cx="1579988" cy="523220"/>
+          </a:xfrm>
+          <a:prstGeom prst="roundRect">
+            <a:avLst/>
+          </a:prstGeom>
+          <a:solidFill>
+            <a:schemeClr val="accent4">
+              <a:lumMod val="40000"/>
+              <a:lumOff val="60000"/>
+            </a:schemeClr>
+          </a:solidFill>
+          <a:ln>
+            <a:noFill/>
+          </a:ln>
+        </p:spPr>
+        <p:style>
+          <a:lnRef idx="2">
+            <a:schemeClr val="accent1">
+              <a:shade val="50000"/>
+            </a:schemeClr>
+          </a:lnRef>
+          <a:fillRef idx="1">
+            <a:schemeClr val="accent1"/>
+          </a:fillRef>
+          <a:effectRef idx="0">
+            <a:schemeClr val="accent1"/>
+          </a:effectRef>
+          <a:fontRef idx="minor">
+            <a:schemeClr val="lt1"/>
+          </a:fontRef>
+        </p:style>
+        <p:txBody>
+          <a:bodyPr rtlCol="0" anchor="ctr"/>
+          <a:lstStyle/>
+          <a:p>
+            <a:pPr algn="ctr"/>
+            <a:endParaRPr lang="ko-KR" altLang="en-US"/>
+          </a:p>
+        </p:txBody>
+      </p:sp>
+      <p:sp>
+        <p:nvSpPr>
+          <p:cNvPr id="4" name="직사각형 3">
+            <a:extLst>
+              <a:ext uri="{FF2B5EF4-FFF2-40B4-BE49-F238E27FC236}">
+                <a16:creationId xmlns:a16="http://schemas.microsoft.com/office/drawing/2014/main" id="{AE93FE2A-85FE-4157-951C-FC2FADBB3B34}"/>
+              </a:ext>
+            </a:extLst>
+          </p:cNvPr>
+          <p:cNvSpPr/>
+          <p:nvPr/>
+        </p:nvSpPr>
+        <p:spPr>
+          <a:xfrm>
+            <a:off x="0" y="0"/>
+            <a:ext cx="12192000" cy="1034474"/>
+          </a:xfrm>
+          <a:prstGeom prst="rect">
+            <a:avLst/>
+          </a:prstGeom>
+          <a:solidFill>
+            <a:schemeClr val="accent5">
+              <a:lumMod val="60000"/>
+              <a:lumOff val="40000"/>
+            </a:schemeClr>
+          </a:solidFill>
+        </p:spPr>
+        <p:style>
+          <a:lnRef idx="2">
+            <a:schemeClr val="accent1">
+              <a:shade val="50000"/>
+            </a:schemeClr>
+          </a:lnRef>
+          <a:fillRef idx="1">
+            <a:schemeClr val="accent1"/>
+          </a:fillRef>
+          <a:effectRef idx="0">
+            <a:schemeClr val="accent1"/>
+          </a:effectRef>
+          <a:fontRef idx="minor">
+            <a:schemeClr val="lt1"/>
+          </a:fontRef>
+        </p:style>
+        <p:txBody>
+          <a:bodyPr rtlCol="0" anchor="ctr"/>
+          <a:lstStyle/>
+          <a:p>
+            <a:pPr algn="ctr"/>
+            <a:endParaRPr lang="ko-KR" altLang="en-US" dirty="0"/>
+          </a:p>
+        </p:txBody>
+      </p:sp>
+      <p:sp>
+        <p:nvSpPr>
+          <p:cNvPr id="7" name="TextBox 6">
+            <a:extLst>
+              <a:ext uri="{FF2B5EF4-FFF2-40B4-BE49-F238E27FC236}">
+                <a16:creationId xmlns:a16="http://schemas.microsoft.com/office/drawing/2014/main" id="{982817C4-ACF4-45FB-A018-6E6F872691BC}"/>
+              </a:ext>
+            </a:extLst>
+          </p:cNvPr>
+          <p:cNvSpPr txBox="1"/>
+          <p:nvPr/>
+        </p:nvSpPr>
+        <p:spPr>
+          <a:xfrm>
+            <a:off x="646546" y="255627"/>
+            <a:ext cx="9411854" cy="523220"/>
+          </a:xfrm>
+          <a:prstGeom prst="rect">
+            <a:avLst/>
+          </a:prstGeom>
+          <a:noFill/>
+        </p:spPr>
+        <p:txBody>
+          <a:bodyPr wrap="square" rtlCol="0">
+            <a:spAutoFit/>
+          </a:bodyPr>
+          <a:lstStyle/>
+          <a:p>
+            <a:r>
+              <a:rPr lang="ko-KR" altLang="en-US" sz="2800" b="1" dirty="0"/>
+              <a:t>게임 결과 창 </a:t>
+            </a:r>
+            <a:r>
+              <a:rPr lang="en-US" altLang="ko-KR" sz="2800" b="1" dirty="0"/>
+              <a:t>( </a:t>
+            </a:r>
+            <a:r>
+              <a:rPr lang="ko-KR" altLang="en-US" sz="2800" b="1" dirty="0"/>
+              <a:t>납치자를 모두 찾았을 때 결과 창 </a:t>
+            </a:r>
+            <a:r>
+              <a:rPr lang="en-US" altLang="ko-KR" sz="2800" b="1" dirty="0"/>
+              <a:t>)</a:t>
+            </a:r>
+          </a:p>
+        </p:txBody>
+      </p:sp>
+      <p:sp>
+        <p:nvSpPr>
+          <p:cNvPr id="3" name="직사각형 2">
+            <a:extLst>
+              <a:ext uri="{FF2B5EF4-FFF2-40B4-BE49-F238E27FC236}">
+                <a16:creationId xmlns:a16="http://schemas.microsoft.com/office/drawing/2014/main" id="{2C18C050-3297-43B0-B3DD-79AF0F21F07D}"/>
+              </a:ext>
+            </a:extLst>
+          </p:cNvPr>
+          <p:cNvSpPr/>
+          <p:nvPr/>
+        </p:nvSpPr>
+        <p:spPr>
+          <a:xfrm>
+            <a:off x="8518845" y="2748914"/>
+            <a:ext cx="3405674" cy="2715209"/>
+          </a:xfrm>
+          <a:prstGeom prst="rect">
+            <a:avLst/>
+          </a:prstGeom>
+          <a:solidFill>
+            <a:schemeClr val="bg1"/>
+          </a:solidFill>
+          <a:ln w="38100">
+            <a:solidFill>
+              <a:schemeClr val="tx1"/>
+            </a:solidFill>
+          </a:ln>
+        </p:spPr>
+        <p:style>
+          <a:lnRef idx="2">
+            <a:schemeClr val="accent1">
+              <a:shade val="50000"/>
+            </a:schemeClr>
+          </a:lnRef>
+          <a:fillRef idx="1">
+            <a:schemeClr val="accent1"/>
+          </a:fillRef>
+          <a:effectRef idx="0">
+            <a:schemeClr val="accent1"/>
+          </a:effectRef>
+          <a:fontRef idx="minor">
+            <a:schemeClr val="lt1"/>
+          </a:fontRef>
+        </p:style>
+        <p:txBody>
+          <a:bodyPr rtlCol="0" anchor="ctr"/>
+          <a:lstStyle/>
+          <a:p>
+            <a:pPr marL="285750" indent="-285750" algn="ctr">
+              <a:buFontTx/>
+              <a:buChar char="-"/>
+            </a:pPr>
+            <a:r>
+              <a:rPr lang="ko-KR" altLang="en-US" sz="1600" b="1" dirty="0">
+                <a:solidFill>
+                  <a:schemeClr val="tx1"/>
+                </a:solidFill>
+              </a:rPr>
+              <a:t>사람들과 가득 실린 먹을 것을 배를 타고 탈출하는 사람들을 표현</a:t>
+            </a:r>
+            <a:endParaRPr lang="en-US" altLang="ko-KR" sz="1600" b="1" dirty="0">
+              <a:solidFill>
+                <a:schemeClr val="tx1"/>
+              </a:solidFill>
+            </a:endParaRPr>
+          </a:p>
+          <a:p>
+            <a:pPr marL="285750" indent="-285750" algn="ctr">
+              <a:buFontTx/>
+              <a:buChar char="-"/>
+            </a:pPr>
+            <a:endParaRPr lang="en-US" altLang="ko-KR" sz="1600" b="1" dirty="0">
+              <a:solidFill>
+                <a:schemeClr val="tx1"/>
+              </a:solidFill>
+            </a:endParaRPr>
+          </a:p>
+          <a:p>
+            <a:pPr marL="285750" indent="-285750" algn="ctr">
+              <a:buFontTx/>
+              <a:buChar char="-"/>
+            </a:pPr>
+            <a:r>
+              <a:rPr lang="ko-KR" altLang="en-US" sz="1600" b="1" dirty="0">
+                <a:solidFill>
+                  <a:schemeClr val="tx1"/>
+                </a:solidFill>
+              </a:rPr>
+              <a:t>이후에 공동 결과창으로 이동</a:t>
+            </a:r>
+          </a:p>
+        </p:txBody>
+      </p:sp>
+      <p:sp>
+        <p:nvSpPr>
+          <p:cNvPr id="64" name="사각형: 둥근 모서리 63">
+            <a:extLst>
+              <a:ext uri="{FF2B5EF4-FFF2-40B4-BE49-F238E27FC236}">
+                <a16:creationId xmlns:a16="http://schemas.microsoft.com/office/drawing/2014/main" id="{25BB1B42-FDC4-490B-B1F7-AB3472EAC00B}"/>
+              </a:ext>
+            </a:extLst>
+          </p:cNvPr>
+          <p:cNvSpPr/>
+          <p:nvPr/>
+        </p:nvSpPr>
+        <p:spPr>
+          <a:xfrm rot="5400000">
+            <a:off x="2351283" y="169148"/>
+            <a:ext cx="3954079" cy="7874742"/>
+          </a:xfrm>
+          <a:prstGeom prst="roundRect">
+            <a:avLst/>
+          </a:prstGeom>
+          <a:noFill/>
+          <a:ln w="38100">
+            <a:solidFill>
+              <a:schemeClr val="tx1"/>
+            </a:solidFill>
+          </a:ln>
+        </p:spPr>
+        <p:style>
+          <a:lnRef idx="2">
+            <a:schemeClr val="accent1">
+              <a:shade val="50000"/>
+            </a:schemeClr>
+          </a:lnRef>
+          <a:fillRef idx="1">
+            <a:schemeClr val="accent1"/>
+          </a:fillRef>
+          <a:effectRef idx="0">
+            <a:schemeClr val="accent1"/>
+          </a:effectRef>
+          <a:fontRef idx="minor">
+            <a:schemeClr val="lt1"/>
+          </a:fontRef>
+        </p:style>
+        <p:txBody>
+          <a:bodyPr rtlCol="0" anchor="ctr"/>
+          <a:lstStyle/>
+          <a:p>
+            <a:pPr algn="ctr"/>
+            <a:endParaRPr lang="ko-KR" altLang="en-US" dirty="0"/>
+          </a:p>
+        </p:txBody>
+      </p:sp>
+      <p:pic>
+        <p:nvPicPr>
+          <p:cNvPr id="65" name="Picture 2" descr="배 - 무료 수송개 아이콘">
+            <a:extLst>
+              <a:ext uri="{FF2B5EF4-FFF2-40B4-BE49-F238E27FC236}">
+                <a16:creationId xmlns:a16="http://schemas.microsoft.com/office/drawing/2014/main" id="{BBAF3833-EC0D-420F-84E1-410E0E8F4E76}"/>
+              </a:ext>
+            </a:extLst>
+          </p:cNvPr>
+          <p:cNvPicPr>
+            <a:picLocks noChangeAspect="1" noChangeArrowheads="1"/>
+          </p:cNvPicPr>
+          <p:nvPr/>
+        </p:nvPicPr>
+        <p:blipFill>
+          <a:blip r:embed="rId3">
+            <a:extLst>
+              <a:ext uri="{BEBA8EAE-BF5A-486C-A8C5-ECC9F3942E4B}">
+                <a14:imgProps xmlns:a14="http://schemas.microsoft.com/office/drawing/2010/main">
+                  <a14:imgLayer r:embed="rId4">
+                    <a14:imgEffect>
+                      <a14:backgroundRemoval t="9778" b="89778" l="4000" r="97333">
+                        <a14:foregroundMark x1="4444" y1="55556" x2="45778" y2="60444"/>
+                        <a14:foregroundMark x1="45778" y1="60444" x2="71111" y2="56444"/>
+                        <a14:foregroundMark x1="46667" y1="66222" x2="65333" y2="72444"/>
+                        <a14:foregroundMark x1="65333" y1="72444" x2="69778" y2="71111"/>
+                        <a14:foregroundMark x1="55556" y1="72444" x2="15556" y2="69778"/>
+                        <a14:foregroundMark x1="68000" y1="60000" x2="90667" y2="62667"/>
+                        <a14:foregroundMark x1="90667" y1="62667" x2="77333" y2="72000"/>
+                        <a14:foregroundMark x1="77333" y1="72000" x2="76889" y2="72000"/>
+                        <a14:foregroundMark x1="95111" y1="60889" x2="97333" y2="67111"/>
+                        <a14:foregroundMark x1="69333" y1="48444" x2="71111" y2="52889"/>
+                        <a14:foregroundMark x1="47556" y1="48444" x2="27111" y2="49333"/>
+                        <a14:foregroundMark x1="27111" y1="49333" x2="28889" y2="53333"/>
+                        <a14:foregroundMark x1="7111" y1="47556" x2="8889" y2="54222"/>
+                        <a14:foregroundMark x1="7556" y1="48444" x2="7111" y2="53333"/>
+                        <a14:foregroundMark x1="47556" y1="26222" x2="46667" y2="49333"/>
+                        <a14:foregroundMark x1="36444" y1="38667" x2="36889" y2="46667"/>
+                      </a14:backgroundRemoval>
+                    </a14:imgEffect>
+                  </a14:imgLayer>
+                </a14:imgProps>
+              </a:ext>
+              <a:ext uri="{28A0092B-C50C-407E-A947-70E740481C1C}">
+                <a14:useLocalDpi xmlns:a14="http://schemas.microsoft.com/office/drawing/2010/main" val="0"/>
+              </a:ext>
+            </a:extLst>
+          </a:blip>
+          <a:srcRect/>
+          <a:stretch>
+            <a:fillRect/>
+          </a:stretch>
+        </p:blipFill>
+        <p:spPr bwMode="auto">
+          <a:xfrm>
+            <a:off x="1786715" y="2535736"/>
+            <a:ext cx="3839644" cy="3839644"/>
+          </a:xfrm>
+          <a:prstGeom prst="rect">
+            <a:avLst/>
+          </a:prstGeom>
+          <a:noFill/>
+          <a:extLst>
+            <a:ext uri="{909E8E84-426E-40DD-AFC4-6F175D3DCCD1}">
+              <a14:hiddenFill xmlns:a14="http://schemas.microsoft.com/office/drawing/2010/main">
+                <a:solidFill>
+                  <a:srgbClr val="FFFFFF"/>
+                </a:solidFill>
+              </a14:hiddenFill>
+            </a:ext>
+          </a:extLst>
+        </p:spPr>
+      </p:pic>
+      <p:pic>
+        <p:nvPicPr>
+          <p:cNvPr id="21" name="그림 20" descr="옅은이(가) 표시된 사진&#10;&#10;자동 생성된 설명">
+            <a:extLst>
+              <a:ext uri="{FF2B5EF4-FFF2-40B4-BE49-F238E27FC236}">
+                <a16:creationId xmlns:a16="http://schemas.microsoft.com/office/drawing/2014/main" id="{33C1F8CB-ED44-46ED-92A4-4A328DCD1848}"/>
+              </a:ext>
+            </a:extLst>
+          </p:cNvPr>
+          <p:cNvPicPr>
+            <a:picLocks noChangeAspect="1"/>
+          </p:cNvPicPr>
+          <p:nvPr/>
+        </p:nvPicPr>
+        <p:blipFill>
+          <a:blip r:embed="rId5">
+            <a:extLst>
+              <a:ext uri="{28A0092B-C50C-407E-A947-70E740481C1C}">
+                <a14:useLocalDpi xmlns:a14="http://schemas.microsoft.com/office/drawing/2010/main" val="0"/>
+              </a:ext>
+            </a:extLst>
+          </a:blip>
+          <a:stretch>
+            <a:fillRect/>
+          </a:stretch>
+        </p:blipFill>
+        <p:spPr>
+          <a:xfrm>
+            <a:off x="5056727" y="4261943"/>
+            <a:ext cx="366254" cy="366254"/>
+          </a:xfrm>
+          <a:prstGeom prst="rect">
+            <a:avLst/>
+          </a:prstGeom>
+        </p:spPr>
+      </p:pic>
+      <p:pic>
+        <p:nvPicPr>
+          <p:cNvPr id="75" name="그림 74" descr="텍스트이(가) 표시된 사진&#10;&#10;자동 생성된 설명">
+            <a:extLst>
+              <a:ext uri="{FF2B5EF4-FFF2-40B4-BE49-F238E27FC236}">
+                <a16:creationId xmlns:a16="http://schemas.microsoft.com/office/drawing/2014/main" id="{8013D5DF-07BC-4425-BF7B-235502976964}"/>
+              </a:ext>
+            </a:extLst>
+          </p:cNvPr>
+          <p:cNvPicPr>
+            <a:picLocks noChangeAspect="1"/>
+          </p:cNvPicPr>
+          <p:nvPr/>
+        </p:nvPicPr>
+        <p:blipFill>
+          <a:blip r:embed="rId6">
+            <a:extLst>
+              <a:ext uri="{28A0092B-C50C-407E-A947-70E740481C1C}">
+                <a14:useLocalDpi xmlns:a14="http://schemas.microsoft.com/office/drawing/2010/main" val="0"/>
+              </a:ext>
+            </a:extLst>
+          </a:blip>
+          <a:stretch>
+            <a:fillRect/>
+          </a:stretch>
+        </p:blipFill>
+        <p:spPr>
+          <a:xfrm>
+            <a:off x="4447961" y="4272582"/>
+            <a:ext cx="355615" cy="355615"/>
+          </a:xfrm>
+          <a:prstGeom prst="rect">
+            <a:avLst/>
+          </a:prstGeom>
+        </p:spPr>
+      </p:pic>
+      <p:pic>
+        <p:nvPicPr>
+          <p:cNvPr id="76" name="그림 75" descr="옅은이(가) 표시된 사진&#10;&#10;자동 생성된 설명">
+            <a:extLst>
+              <a:ext uri="{FF2B5EF4-FFF2-40B4-BE49-F238E27FC236}">
+                <a16:creationId xmlns:a16="http://schemas.microsoft.com/office/drawing/2014/main" id="{D65F3DAF-57E0-4368-AF50-F48F5906CF9D}"/>
+              </a:ext>
+            </a:extLst>
+          </p:cNvPr>
+          <p:cNvPicPr>
+            <a:picLocks noChangeAspect="1"/>
+          </p:cNvPicPr>
+          <p:nvPr/>
+        </p:nvPicPr>
+        <p:blipFill>
+          <a:blip r:embed="rId5">
+            <a:extLst>
+              <a:ext uri="{28A0092B-C50C-407E-A947-70E740481C1C}">
+                <a14:useLocalDpi xmlns:a14="http://schemas.microsoft.com/office/drawing/2010/main" val="0"/>
+              </a:ext>
+            </a:extLst>
+          </a:blip>
+          <a:stretch>
+            <a:fillRect/>
+          </a:stretch>
+        </p:blipFill>
+        <p:spPr>
+          <a:xfrm>
+            <a:off x="2417392" y="4272582"/>
+            <a:ext cx="366254" cy="366254"/>
+          </a:xfrm>
+          <a:prstGeom prst="rect">
+            <a:avLst/>
+          </a:prstGeom>
+        </p:spPr>
+      </p:pic>
+      <p:pic>
+        <p:nvPicPr>
+          <p:cNvPr id="77" name="그림 76" descr="텍스트이(가) 표시된 사진&#10;&#10;자동 생성된 설명">
+            <a:extLst>
+              <a:ext uri="{FF2B5EF4-FFF2-40B4-BE49-F238E27FC236}">
+                <a16:creationId xmlns:a16="http://schemas.microsoft.com/office/drawing/2014/main" id="{5C30FB1A-D4C0-4E27-B102-EEC3EC68C9D3}"/>
+              </a:ext>
+            </a:extLst>
+          </p:cNvPr>
+          <p:cNvPicPr>
+            <a:picLocks noChangeAspect="1"/>
+          </p:cNvPicPr>
+          <p:nvPr/>
+        </p:nvPicPr>
+        <p:blipFill>
+          <a:blip r:embed="rId6">
+            <a:extLst>
+              <a:ext uri="{28A0092B-C50C-407E-A947-70E740481C1C}">
+                <a14:useLocalDpi xmlns:a14="http://schemas.microsoft.com/office/drawing/2010/main" val="0"/>
+              </a:ext>
+            </a:extLst>
+          </a:blip>
+          <a:stretch>
+            <a:fillRect/>
+          </a:stretch>
+        </p:blipFill>
+        <p:spPr>
+          <a:xfrm>
+            <a:off x="4740157" y="4272582"/>
+            <a:ext cx="355615" cy="355615"/>
+          </a:xfrm>
+          <a:prstGeom prst="rect">
+            <a:avLst/>
+          </a:prstGeom>
+        </p:spPr>
+      </p:pic>
+      <p:pic>
+        <p:nvPicPr>
+          <p:cNvPr id="78" name="그림 77" descr="텍스트이(가) 표시된 사진&#10;&#10;자동 생성된 설명">
+            <a:extLst>
+              <a:ext uri="{FF2B5EF4-FFF2-40B4-BE49-F238E27FC236}">
+                <a16:creationId xmlns:a16="http://schemas.microsoft.com/office/drawing/2014/main" id="{F68819C7-2A14-4E60-B4AF-87D307E0C200}"/>
+              </a:ext>
+            </a:extLst>
+          </p:cNvPr>
+          <p:cNvPicPr>
+            <a:picLocks noChangeAspect="1"/>
+          </p:cNvPicPr>
+          <p:nvPr/>
+        </p:nvPicPr>
+        <p:blipFill>
+          <a:blip r:embed="rId6">
+            <a:extLst>
+              <a:ext uri="{28A0092B-C50C-407E-A947-70E740481C1C}">
+                <a14:useLocalDpi xmlns:a14="http://schemas.microsoft.com/office/drawing/2010/main" val="0"/>
+              </a:ext>
+            </a:extLst>
+          </a:blip>
+          <a:stretch>
+            <a:fillRect/>
+          </a:stretch>
+        </p:blipFill>
+        <p:spPr>
+          <a:xfrm>
+            <a:off x="2113009" y="4261943"/>
+            <a:ext cx="355615" cy="355615"/>
+          </a:xfrm>
+          <a:prstGeom prst="rect">
+            <a:avLst/>
+          </a:prstGeom>
+        </p:spPr>
+      </p:pic>
+      <p:pic>
+        <p:nvPicPr>
+          <p:cNvPr id="79" name="그림 78" descr="옅은이(가) 표시된 사진&#10;&#10;자동 생성된 설명">
+            <a:extLst>
+              <a:ext uri="{FF2B5EF4-FFF2-40B4-BE49-F238E27FC236}">
+                <a16:creationId xmlns:a16="http://schemas.microsoft.com/office/drawing/2014/main" id="{641AC7F4-420F-4090-A82E-7AA0EE23E178}"/>
+              </a:ext>
+            </a:extLst>
+          </p:cNvPr>
+          <p:cNvPicPr>
+            <a:picLocks noChangeAspect="1"/>
+          </p:cNvPicPr>
+          <p:nvPr/>
+        </p:nvPicPr>
+        <p:blipFill>
+          <a:blip r:embed="rId5">
+            <a:extLst>
+              <a:ext uri="{28A0092B-C50C-407E-A947-70E740481C1C}">
+                <a14:useLocalDpi xmlns:a14="http://schemas.microsoft.com/office/drawing/2010/main" val="0"/>
+              </a:ext>
+            </a:extLst>
+          </a:blip>
+          <a:stretch>
+            <a:fillRect/>
+          </a:stretch>
+        </p:blipFill>
+        <p:spPr>
+          <a:xfrm>
+            <a:off x="4328253" y="3970122"/>
+            <a:ext cx="366254" cy="366254"/>
+          </a:xfrm>
+          <a:prstGeom prst="rect">
+            <a:avLst/>
+          </a:prstGeom>
+        </p:spPr>
+      </p:pic>
+      <p:pic>
+        <p:nvPicPr>
+          <p:cNvPr id="80" name="그림 79" descr="텍스트이(가) 표시된 사진&#10;&#10;자동 생성된 설명">
+            <a:extLst>
+              <a:ext uri="{FF2B5EF4-FFF2-40B4-BE49-F238E27FC236}">
+                <a16:creationId xmlns:a16="http://schemas.microsoft.com/office/drawing/2014/main" id="{320617BE-CCE6-499B-8905-F8DFCA2AD3AD}"/>
+              </a:ext>
+            </a:extLst>
+          </p:cNvPr>
+          <p:cNvPicPr>
+            <a:picLocks noChangeAspect="1"/>
+          </p:cNvPicPr>
+          <p:nvPr/>
+        </p:nvPicPr>
+        <p:blipFill>
+          <a:blip r:embed="rId6">
+            <a:extLst>
+              <a:ext uri="{28A0092B-C50C-407E-A947-70E740481C1C}">
+                <a14:useLocalDpi xmlns:a14="http://schemas.microsoft.com/office/drawing/2010/main" val="0"/>
+              </a:ext>
+            </a:extLst>
+          </a:blip>
+          <a:stretch>
+            <a:fillRect/>
+          </a:stretch>
+        </p:blipFill>
+        <p:spPr>
+          <a:xfrm>
+            <a:off x="4754239" y="3991400"/>
+            <a:ext cx="355615" cy="355615"/>
+          </a:xfrm>
+          <a:prstGeom prst="rect">
+            <a:avLst/>
+          </a:prstGeom>
+        </p:spPr>
+      </p:pic>
+      <p:pic>
+        <p:nvPicPr>
+          <p:cNvPr id="81" name="그림 80" descr="옅은이(가) 표시된 사진&#10;&#10;자동 생성된 설명">
+            <a:extLst>
+              <a:ext uri="{FF2B5EF4-FFF2-40B4-BE49-F238E27FC236}">
+                <a16:creationId xmlns:a16="http://schemas.microsoft.com/office/drawing/2014/main" id="{07C25237-C366-4AF8-8E01-913D76C33BCF}"/>
+              </a:ext>
+            </a:extLst>
+          </p:cNvPr>
+          <p:cNvPicPr>
+            <a:picLocks noChangeAspect="1"/>
+          </p:cNvPicPr>
+          <p:nvPr/>
+        </p:nvPicPr>
+        <p:blipFill>
+          <a:blip r:embed="rId5">
+            <a:extLst>
+              <a:ext uri="{28A0092B-C50C-407E-A947-70E740481C1C}">
+                <a14:useLocalDpi xmlns:a14="http://schemas.microsoft.com/office/drawing/2010/main" val="0"/>
+              </a:ext>
+            </a:extLst>
+          </a:blip>
+          <a:stretch>
+            <a:fillRect/>
+          </a:stretch>
+        </p:blipFill>
+        <p:spPr>
+          <a:xfrm>
+            <a:off x="2723670" y="3991400"/>
+            <a:ext cx="366254" cy="366254"/>
+          </a:xfrm>
+          <a:prstGeom prst="rect">
+            <a:avLst/>
+          </a:prstGeom>
+        </p:spPr>
+      </p:pic>
+      <p:pic>
+        <p:nvPicPr>
+          <p:cNvPr id="82" name="그림 81" descr="텍스트이(가) 표시된 사진&#10;&#10;자동 생성된 설명">
+            <a:extLst>
+              <a:ext uri="{FF2B5EF4-FFF2-40B4-BE49-F238E27FC236}">
+                <a16:creationId xmlns:a16="http://schemas.microsoft.com/office/drawing/2014/main" id="{995143CB-7FC1-4FEA-860F-4E59992A4361}"/>
+              </a:ext>
+            </a:extLst>
+          </p:cNvPr>
+          <p:cNvPicPr>
+            <a:picLocks noChangeAspect="1"/>
+          </p:cNvPicPr>
+          <p:nvPr/>
+        </p:nvPicPr>
+        <p:blipFill>
+          <a:blip r:embed="rId6">
+            <a:extLst>
+              <a:ext uri="{28A0092B-C50C-407E-A947-70E740481C1C}">
+                <a14:useLocalDpi xmlns:a14="http://schemas.microsoft.com/office/drawing/2010/main" val="0"/>
+              </a:ext>
+            </a:extLst>
+          </a:blip>
+          <a:stretch>
+            <a:fillRect/>
+          </a:stretch>
+        </p:blipFill>
+        <p:spPr>
+          <a:xfrm>
+            <a:off x="5046435" y="3991400"/>
+            <a:ext cx="355615" cy="355615"/>
+          </a:xfrm>
+          <a:prstGeom prst="rect">
+            <a:avLst/>
+          </a:prstGeom>
+        </p:spPr>
+      </p:pic>
+      <p:pic>
+        <p:nvPicPr>
+          <p:cNvPr id="83" name="그림 82" descr="텍스트이(가) 표시된 사진&#10;&#10;자동 생성된 설명">
+            <a:extLst>
+              <a:ext uri="{FF2B5EF4-FFF2-40B4-BE49-F238E27FC236}">
+                <a16:creationId xmlns:a16="http://schemas.microsoft.com/office/drawing/2014/main" id="{EB86605D-EF2C-4E68-AC0B-6F6BFA944D04}"/>
+              </a:ext>
+            </a:extLst>
+          </p:cNvPr>
+          <p:cNvPicPr>
+            <a:picLocks noChangeAspect="1"/>
+          </p:cNvPicPr>
+          <p:nvPr/>
+        </p:nvPicPr>
+        <p:blipFill>
+          <a:blip r:embed="rId6">
+            <a:extLst>
+              <a:ext uri="{28A0092B-C50C-407E-A947-70E740481C1C}">
+                <a14:useLocalDpi xmlns:a14="http://schemas.microsoft.com/office/drawing/2010/main" val="0"/>
+              </a:ext>
+            </a:extLst>
+          </a:blip>
+          <a:stretch>
+            <a:fillRect/>
+          </a:stretch>
+        </p:blipFill>
+        <p:spPr>
+          <a:xfrm>
+            <a:off x="2419287" y="3980761"/>
+            <a:ext cx="355615" cy="355615"/>
+          </a:xfrm>
+          <a:prstGeom prst="rect">
+            <a:avLst/>
+          </a:prstGeom>
+        </p:spPr>
+      </p:pic>
+      <p:pic>
+        <p:nvPicPr>
+          <p:cNvPr id="84" name="그래픽 83" descr="사용자 단색으로 채워진">
+            <a:extLst>
+              <a:ext uri="{FF2B5EF4-FFF2-40B4-BE49-F238E27FC236}">
+                <a16:creationId xmlns:a16="http://schemas.microsoft.com/office/drawing/2014/main" id="{A086F853-F53E-4AB2-8B4D-A35339284B96}"/>
+              </a:ext>
+            </a:extLst>
+          </p:cNvPr>
+          <p:cNvPicPr>
+            <a:picLocks noChangeAspect="1"/>
+          </p:cNvPicPr>
+          <p:nvPr/>
+        </p:nvPicPr>
+        <p:blipFill>
+          <a:blip r:embed="rId7">
+            <a:extLst>
+              <a:ext uri="{28A0092B-C50C-407E-A947-70E740481C1C}">
+                <a14:useLocalDpi xmlns:a14="http://schemas.microsoft.com/office/drawing/2010/main" val="0"/>
+              </a:ext>
+              <a:ext uri="{96DAC541-7B7A-43D3-8B79-37D633B846F1}">
+                <asvg:svgBlip xmlns:asvg="http://schemas.microsoft.com/office/drawing/2016/SVG/main" r:embed="rId8"/>
+              </a:ext>
+            </a:extLst>
+          </a:blip>
+          <a:stretch>
+            <a:fillRect/>
+          </a:stretch>
+        </p:blipFill>
+        <p:spPr>
+          <a:xfrm>
+            <a:off x="3602080" y="3790697"/>
+            <a:ext cx="481885" cy="481885"/>
+          </a:xfrm>
+          <a:prstGeom prst="rect">
+            <a:avLst/>
+          </a:prstGeom>
+        </p:spPr>
+      </p:pic>
+      <p:pic>
+        <p:nvPicPr>
+          <p:cNvPr id="85" name="그래픽 84" descr="사용자 단색으로 채워진">
+            <a:extLst>
+              <a:ext uri="{FF2B5EF4-FFF2-40B4-BE49-F238E27FC236}">
+                <a16:creationId xmlns:a16="http://schemas.microsoft.com/office/drawing/2014/main" id="{2EB229AB-1421-4996-9E41-1C6D5AB09E22}"/>
+              </a:ext>
+            </a:extLst>
+          </p:cNvPr>
+          <p:cNvPicPr>
+            <a:picLocks noChangeAspect="1"/>
+          </p:cNvPicPr>
+          <p:nvPr/>
+        </p:nvPicPr>
+        <p:blipFill>
+          <a:blip r:embed="rId7">
+            <a:extLst>
+              <a:ext uri="{28A0092B-C50C-407E-A947-70E740481C1C}">
+                <a14:useLocalDpi xmlns:a14="http://schemas.microsoft.com/office/drawing/2010/main" val="0"/>
+              </a:ext>
+              <a:ext uri="{96DAC541-7B7A-43D3-8B79-37D633B846F1}">
+                <asvg:svgBlip xmlns:asvg="http://schemas.microsoft.com/office/drawing/2016/SVG/main" r:embed="rId8"/>
+              </a:ext>
+            </a:extLst>
+          </a:blip>
+          <a:stretch>
+            <a:fillRect/>
+          </a:stretch>
+        </p:blipFill>
+        <p:spPr>
+          <a:xfrm rot="21338965">
+            <a:off x="3918627" y="4139368"/>
+            <a:ext cx="481885" cy="481885"/>
+          </a:xfrm>
+          <a:prstGeom prst="rect">
+            <a:avLst/>
+          </a:prstGeom>
+        </p:spPr>
+      </p:pic>
+      <p:pic>
+        <p:nvPicPr>
+          <p:cNvPr id="86" name="그래픽 85" descr="사용자 단색으로 채워진">
+            <a:extLst>
+              <a:ext uri="{FF2B5EF4-FFF2-40B4-BE49-F238E27FC236}">
+                <a16:creationId xmlns:a16="http://schemas.microsoft.com/office/drawing/2014/main" id="{6BF36942-9950-4FEF-AF34-98272CDC9B21}"/>
+              </a:ext>
+            </a:extLst>
+          </p:cNvPr>
+          <p:cNvPicPr>
+            <a:picLocks noChangeAspect="1"/>
+          </p:cNvPicPr>
+          <p:nvPr/>
+        </p:nvPicPr>
+        <p:blipFill>
+          <a:blip r:embed="rId7">
+            <a:extLst>
+              <a:ext uri="{28A0092B-C50C-407E-A947-70E740481C1C}">
+                <a14:useLocalDpi xmlns:a14="http://schemas.microsoft.com/office/drawing/2010/main" val="0"/>
+              </a:ext>
+              <a:ext uri="{96DAC541-7B7A-43D3-8B79-37D633B846F1}">
+                <asvg:svgBlip xmlns:asvg="http://schemas.microsoft.com/office/drawing/2016/SVG/main" r:embed="rId8"/>
+              </a:ext>
+            </a:extLst>
+          </a:blip>
+          <a:stretch>
+            <a:fillRect/>
+          </a:stretch>
+        </p:blipFill>
+        <p:spPr>
+          <a:xfrm>
+            <a:off x="3301405" y="4146312"/>
+            <a:ext cx="481885" cy="481885"/>
+          </a:xfrm>
+          <a:prstGeom prst="rect">
+            <a:avLst/>
+          </a:prstGeom>
+        </p:spPr>
+      </p:pic>
+      <p:sp>
+        <p:nvSpPr>
+          <p:cNvPr id="28" name="TextBox 27">
+            <a:extLst>
+              <a:ext uri="{FF2B5EF4-FFF2-40B4-BE49-F238E27FC236}">
+                <a16:creationId xmlns:a16="http://schemas.microsoft.com/office/drawing/2014/main" id="{D23C7FE1-1E69-4F43-AFF6-B9478305E827}"/>
+              </a:ext>
+            </a:extLst>
+          </p:cNvPr>
+          <p:cNvSpPr txBox="1"/>
+          <p:nvPr/>
+        </p:nvSpPr>
+        <p:spPr>
+          <a:xfrm>
+            <a:off x="206463" y="1037795"/>
+            <a:ext cx="199618" cy="400110"/>
+          </a:xfrm>
+          <a:prstGeom prst="rect">
+            <a:avLst/>
+          </a:prstGeom>
+          <a:noFill/>
+        </p:spPr>
+        <p:txBody>
+          <a:bodyPr wrap="square" rtlCol="0">
+            <a:spAutoFit/>
+          </a:bodyPr>
+          <a:lstStyle/>
+          <a:p>
+            <a:r>
+              <a:rPr lang="ko-KR" altLang="en-US" sz="2000" b="1" dirty="0"/>
+              <a:t>킬</a:t>
+            </a:r>
+            <a:endParaRPr lang="en-US" altLang="ko-KR" sz="2000" b="1" dirty="0"/>
+          </a:p>
+        </p:txBody>
+      </p:sp>
+      <p:sp>
+        <p:nvSpPr>
+          <p:cNvPr id="29" name="TextBox 28">
+            <a:extLst>
+              <a:ext uri="{FF2B5EF4-FFF2-40B4-BE49-F238E27FC236}">
+                <a16:creationId xmlns:a16="http://schemas.microsoft.com/office/drawing/2014/main" id="{6AB4C647-E56B-443A-B7D0-06B986A5CD19}"/>
+              </a:ext>
+            </a:extLst>
+          </p:cNvPr>
+          <p:cNvSpPr txBox="1"/>
+          <p:nvPr/>
+        </p:nvSpPr>
+        <p:spPr>
+          <a:xfrm>
+            <a:off x="853008" y="1048865"/>
+            <a:ext cx="2774268" cy="400110"/>
+          </a:xfrm>
+          <a:prstGeom prst="rect">
+            <a:avLst/>
+          </a:prstGeom>
+          <a:noFill/>
+        </p:spPr>
+        <p:txBody>
+          <a:bodyPr wrap="square">
+            <a:spAutoFit/>
+          </a:bodyPr>
+          <a:lstStyle/>
+          <a:p>
+            <a:r>
+              <a:rPr lang="ko-KR" altLang="en-US" sz="2000" b="1" dirty="0"/>
+              <a:t>회의 후 플레이어 배치</a:t>
+            </a:r>
+            <a:endParaRPr lang="en-US" altLang="ko-KR" sz="2000" b="1" dirty="0"/>
+          </a:p>
+        </p:txBody>
+      </p:sp>
+      <p:sp>
+        <p:nvSpPr>
+          <p:cNvPr id="30" name="TextBox 29">
+            <a:extLst>
+              <a:ext uri="{FF2B5EF4-FFF2-40B4-BE49-F238E27FC236}">
+                <a16:creationId xmlns:a16="http://schemas.microsoft.com/office/drawing/2014/main" id="{FB33625E-CCEB-4151-97AD-D2D793D58998}"/>
+              </a:ext>
+            </a:extLst>
+          </p:cNvPr>
+          <p:cNvSpPr txBox="1"/>
+          <p:nvPr/>
+        </p:nvSpPr>
+        <p:spPr>
+          <a:xfrm>
+            <a:off x="3627276" y="1041926"/>
+            <a:ext cx="1550870" cy="400110"/>
+          </a:xfrm>
+          <a:prstGeom prst="rect">
+            <a:avLst/>
+          </a:prstGeom>
+          <a:noFill/>
+        </p:spPr>
+        <p:txBody>
+          <a:bodyPr wrap="square">
+            <a:spAutoFit/>
+          </a:bodyPr>
+          <a:lstStyle/>
+          <a:p>
+            <a:r>
+              <a:rPr lang="ko-KR" altLang="en-US" sz="2000" b="1" dirty="0"/>
+              <a:t>게임 구조도 </a:t>
+            </a:r>
+            <a:endParaRPr lang="ko-KR" altLang="en-US" sz="2000" dirty="0"/>
+          </a:p>
+        </p:txBody>
+      </p:sp>
+      <p:sp>
+        <p:nvSpPr>
+          <p:cNvPr id="31" name="직사각형 30">
+            <a:extLst>
+              <a:ext uri="{FF2B5EF4-FFF2-40B4-BE49-F238E27FC236}">
+                <a16:creationId xmlns:a16="http://schemas.microsoft.com/office/drawing/2014/main" id="{4C6088F9-9042-48C7-A606-A2B694CA1AEE}"/>
+              </a:ext>
+            </a:extLst>
+          </p:cNvPr>
+          <p:cNvSpPr/>
+          <p:nvPr/>
+        </p:nvSpPr>
+        <p:spPr>
+          <a:xfrm>
+            <a:off x="746451" y="1054358"/>
+            <a:ext cx="45719" cy="400110"/>
+          </a:xfrm>
+          <a:prstGeom prst="rect">
+            <a:avLst/>
+          </a:prstGeom>
+          <a:solidFill>
+            <a:schemeClr val="tx1"/>
+          </a:solidFill>
+          <a:ln>
+            <a:noFill/>
+          </a:ln>
+        </p:spPr>
+        <p:style>
+          <a:lnRef idx="2">
+            <a:schemeClr val="accent1">
+              <a:shade val="50000"/>
+            </a:schemeClr>
+          </a:lnRef>
+          <a:fillRef idx="1">
+            <a:schemeClr val="accent1"/>
+          </a:fillRef>
+          <a:effectRef idx="0">
+            <a:schemeClr val="accent1"/>
+          </a:effectRef>
+          <a:fontRef idx="minor">
+            <a:schemeClr val="lt1"/>
+          </a:fontRef>
+        </p:style>
+        <p:txBody>
+          <a:bodyPr rtlCol="0" anchor="ctr"/>
+          <a:lstStyle/>
+          <a:p>
+            <a:pPr algn="ctr"/>
+            <a:endParaRPr lang="ko-KR" altLang="en-US"/>
+          </a:p>
+        </p:txBody>
+      </p:sp>
+      <p:sp>
+        <p:nvSpPr>
+          <p:cNvPr id="32" name="직사각형 31">
+            <a:extLst>
+              <a:ext uri="{FF2B5EF4-FFF2-40B4-BE49-F238E27FC236}">
+                <a16:creationId xmlns:a16="http://schemas.microsoft.com/office/drawing/2014/main" id="{429C263F-770E-4637-9166-1420AD0F07B2}"/>
+              </a:ext>
+            </a:extLst>
+          </p:cNvPr>
+          <p:cNvSpPr/>
+          <p:nvPr/>
+        </p:nvSpPr>
+        <p:spPr>
+          <a:xfrm>
+            <a:off x="3581557" y="1056727"/>
+            <a:ext cx="45719" cy="400110"/>
+          </a:xfrm>
+          <a:prstGeom prst="rect">
+            <a:avLst/>
+          </a:prstGeom>
+          <a:solidFill>
+            <a:schemeClr val="tx1"/>
+          </a:solidFill>
+          <a:ln>
+            <a:noFill/>
+          </a:ln>
+        </p:spPr>
+        <p:style>
+          <a:lnRef idx="2">
+            <a:schemeClr val="accent1">
+              <a:shade val="50000"/>
+            </a:schemeClr>
+          </a:lnRef>
+          <a:fillRef idx="1">
+            <a:schemeClr val="accent1"/>
+          </a:fillRef>
+          <a:effectRef idx="0">
+            <a:schemeClr val="accent1"/>
+          </a:effectRef>
+          <a:fontRef idx="minor">
+            <a:schemeClr val="lt1"/>
+          </a:fontRef>
+        </p:style>
+        <p:txBody>
+          <a:bodyPr rtlCol="0" anchor="ctr"/>
+          <a:lstStyle/>
+          <a:p>
+            <a:pPr algn="ctr"/>
+            <a:endParaRPr lang="ko-KR" altLang="en-US"/>
+          </a:p>
+        </p:txBody>
+      </p:sp>
+      <p:sp>
+        <p:nvSpPr>
+          <p:cNvPr id="33" name="직사각형 32">
+            <a:extLst>
+              <a:ext uri="{FF2B5EF4-FFF2-40B4-BE49-F238E27FC236}">
+                <a16:creationId xmlns:a16="http://schemas.microsoft.com/office/drawing/2014/main" id="{F007D0E9-8748-46CB-86EC-820BF884865A}"/>
+              </a:ext>
+            </a:extLst>
+          </p:cNvPr>
+          <p:cNvSpPr/>
+          <p:nvPr/>
+        </p:nvSpPr>
+        <p:spPr>
+          <a:xfrm>
+            <a:off x="5161545" y="1041173"/>
+            <a:ext cx="45719" cy="400110"/>
+          </a:xfrm>
+          <a:prstGeom prst="rect">
+            <a:avLst/>
+          </a:prstGeom>
+          <a:solidFill>
+            <a:schemeClr val="tx1"/>
+          </a:solidFill>
+          <a:ln>
+            <a:noFill/>
+          </a:ln>
+        </p:spPr>
+        <p:style>
+          <a:lnRef idx="2">
+            <a:schemeClr val="accent1">
+              <a:shade val="50000"/>
+            </a:schemeClr>
+          </a:lnRef>
+          <a:fillRef idx="1">
+            <a:schemeClr val="accent1"/>
+          </a:fillRef>
+          <a:effectRef idx="0">
+            <a:schemeClr val="accent1"/>
+          </a:effectRef>
+          <a:fontRef idx="minor">
+            <a:schemeClr val="lt1"/>
+          </a:fontRef>
+        </p:style>
+        <p:txBody>
+          <a:bodyPr rtlCol="0" anchor="ctr"/>
+          <a:lstStyle/>
+          <a:p>
+            <a:pPr algn="ctr"/>
+            <a:endParaRPr lang="ko-KR" altLang="en-US"/>
+          </a:p>
+        </p:txBody>
+      </p:sp>
+      <p:sp>
+        <p:nvSpPr>
+          <p:cNvPr id="34" name="TextBox 33">
+            <a:extLst>
+              <a:ext uri="{FF2B5EF4-FFF2-40B4-BE49-F238E27FC236}">
+                <a16:creationId xmlns:a16="http://schemas.microsoft.com/office/drawing/2014/main" id="{435EA9A0-07D2-4C42-930B-B607E0431699}"/>
+              </a:ext>
+            </a:extLst>
+          </p:cNvPr>
+          <p:cNvSpPr txBox="1"/>
+          <p:nvPr/>
+        </p:nvSpPr>
+        <p:spPr>
+          <a:xfrm>
+            <a:off x="5207264" y="1054358"/>
+            <a:ext cx="1678530" cy="400110"/>
+          </a:xfrm>
+          <a:prstGeom prst="rect">
+            <a:avLst/>
+          </a:prstGeom>
+          <a:noFill/>
+        </p:spPr>
+        <p:txBody>
+          <a:bodyPr wrap="square">
+            <a:spAutoFit/>
+          </a:bodyPr>
+          <a:lstStyle/>
+          <a:p>
+            <a:r>
+              <a:rPr lang="ko-KR" altLang="en-US" sz="2000" b="1" dirty="0"/>
+              <a:t>게임 결과 창 </a:t>
+            </a:r>
+            <a:endParaRPr lang="ko-KR" altLang="en-US" sz="2000" dirty="0"/>
+          </a:p>
+        </p:txBody>
+      </p:sp>
+      <p:sp>
+        <p:nvSpPr>
+          <p:cNvPr id="35" name="직사각형 34">
+            <a:extLst>
+              <a:ext uri="{FF2B5EF4-FFF2-40B4-BE49-F238E27FC236}">
+                <a16:creationId xmlns:a16="http://schemas.microsoft.com/office/drawing/2014/main" id="{22F12895-E258-4435-AE08-71A97D364F17}"/>
+              </a:ext>
+            </a:extLst>
+          </p:cNvPr>
+          <p:cNvSpPr/>
+          <p:nvPr/>
+        </p:nvSpPr>
+        <p:spPr>
+          <a:xfrm>
+            <a:off x="6788181" y="1062943"/>
+            <a:ext cx="45719" cy="400110"/>
+          </a:xfrm>
+          <a:prstGeom prst="rect">
+            <a:avLst/>
+          </a:prstGeom>
+          <a:solidFill>
+            <a:schemeClr val="tx1"/>
+          </a:solidFill>
+          <a:ln>
+            <a:noFill/>
+          </a:ln>
+        </p:spPr>
+        <p:style>
+          <a:lnRef idx="2">
+            <a:schemeClr val="accent1">
+              <a:shade val="50000"/>
+            </a:schemeClr>
+          </a:lnRef>
+          <a:fillRef idx="1">
+            <a:schemeClr val="accent1"/>
+          </a:fillRef>
+          <a:effectRef idx="0">
+            <a:schemeClr val="accent1"/>
+          </a:effectRef>
+          <a:fontRef idx="minor">
+            <a:schemeClr val="lt1"/>
+          </a:fontRef>
+        </p:style>
+        <p:txBody>
+          <a:bodyPr rtlCol="0" anchor="ctr"/>
+          <a:lstStyle/>
+          <a:p>
+            <a:pPr algn="ctr"/>
+            <a:endParaRPr lang="ko-KR" altLang="en-US"/>
+          </a:p>
+        </p:txBody>
+      </p:sp>
+      <p:sp>
+        <p:nvSpPr>
+          <p:cNvPr id="36" name="TextBox 35">
+            <a:extLst>
+              <a:ext uri="{FF2B5EF4-FFF2-40B4-BE49-F238E27FC236}">
+                <a16:creationId xmlns:a16="http://schemas.microsoft.com/office/drawing/2014/main" id="{DE6A16BA-0607-4796-ABB9-F626082B1F6B}"/>
+              </a:ext>
+            </a:extLst>
+          </p:cNvPr>
+          <p:cNvSpPr txBox="1"/>
+          <p:nvPr/>
+        </p:nvSpPr>
+        <p:spPr>
+          <a:xfrm>
+            <a:off x="6814710" y="1068058"/>
+            <a:ext cx="1201032" cy="400110"/>
+          </a:xfrm>
+          <a:prstGeom prst="rect">
+            <a:avLst/>
+          </a:prstGeom>
+          <a:noFill/>
+        </p:spPr>
+        <p:txBody>
+          <a:bodyPr wrap="square" rtlCol="0">
+            <a:spAutoFit/>
+          </a:bodyPr>
+          <a:lstStyle/>
+          <a:p>
+            <a:r>
+              <a:rPr lang="ko-KR" altLang="en-US" sz="2000" b="1" dirty="0"/>
+              <a:t>인벤토리</a:t>
+            </a:r>
+            <a:endParaRPr lang="en-US" altLang="ko-KR" sz="2000" b="1" dirty="0"/>
+          </a:p>
+        </p:txBody>
+      </p:sp>
+      <p:sp>
+        <p:nvSpPr>
+          <p:cNvPr id="38" name="직사각형 37">
+            <a:extLst>
+              <a:ext uri="{FF2B5EF4-FFF2-40B4-BE49-F238E27FC236}">
+                <a16:creationId xmlns:a16="http://schemas.microsoft.com/office/drawing/2014/main" id="{DB35CD82-A6B2-4460-B8B0-A189E877499B}"/>
+              </a:ext>
+            </a:extLst>
+          </p:cNvPr>
+          <p:cNvSpPr/>
+          <p:nvPr/>
+        </p:nvSpPr>
+        <p:spPr>
+          <a:xfrm>
+            <a:off x="7967533" y="1049107"/>
+            <a:ext cx="45719" cy="400110"/>
+          </a:xfrm>
+          <a:prstGeom prst="rect">
+            <a:avLst/>
+          </a:prstGeom>
+          <a:solidFill>
+            <a:schemeClr val="tx1"/>
+          </a:solidFill>
+          <a:ln>
+            <a:noFill/>
+          </a:ln>
+        </p:spPr>
+        <p:style>
+          <a:lnRef idx="2">
+            <a:schemeClr val="accent1">
+              <a:shade val="50000"/>
+            </a:schemeClr>
+          </a:lnRef>
+          <a:fillRef idx="1">
+            <a:schemeClr val="accent1"/>
+          </a:fillRef>
+          <a:effectRef idx="0">
+            <a:schemeClr val="accent1"/>
+          </a:effectRef>
+          <a:fontRef idx="minor">
+            <a:schemeClr val="lt1"/>
+          </a:fontRef>
+        </p:style>
+        <p:txBody>
+          <a:bodyPr rtlCol="0" anchor="ctr"/>
+          <a:lstStyle/>
+          <a:p>
+            <a:pPr algn="ctr"/>
+            <a:endParaRPr lang="ko-KR" altLang="en-US"/>
+          </a:p>
+        </p:txBody>
+      </p:sp>
+    </p:spTree>
+    <p:extLst>
+      <p:ext uri="{BB962C8B-B14F-4D97-AF65-F5344CB8AC3E}">
+        <p14:creationId xmlns:p14="http://schemas.microsoft.com/office/powerpoint/2010/main" val="2552889122"/>
+      </p:ext>
+    </p:extLst>
+  </p:cSld>
+  <p:clrMapOvr>
+    <a:masterClrMapping/>
+  </p:clrMapOvr>
+</p:sld>
+</file>
+
+<file path=ppt/slides/slide11.xml><?xml version="1.0" encoding="utf-8"?>
 <p:sld xmlns:a="http://schemas.openxmlformats.org/drawingml/2006/main" xmlns:r="http://schemas.openxmlformats.org/officeDocument/2006/relationships" xmlns:p="http://schemas.openxmlformats.org/presentationml/2006/main">
   <p:cSld>
     <p:spTree>
@@ -6255,7 +7660,7 @@
 </p:sld>
 </file>
 
-<file path=ppt/slides/slide11.xml><?xml version="1.0" encoding="utf-8"?>
+<file path=ppt/slides/slide12.xml><?xml version="1.0" encoding="utf-8"?>
 <p:sld xmlns:a="http://schemas.openxmlformats.org/drawingml/2006/main" xmlns:r="http://schemas.openxmlformats.org/officeDocument/2006/relationships" xmlns:p="http://schemas.openxmlformats.org/presentationml/2006/main">
   <p:cSld>
     <p:spTree>
@@ -7350,7 +8755,7 @@
 </p:sld>
 </file>
 
-<file path=ppt/slides/slide12.xml><?xml version="1.0" encoding="utf-8"?>
+<file path=ppt/slides/slide13.xml><?xml version="1.0" encoding="utf-8"?>
 <p:sld xmlns:a="http://schemas.openxmlformats.org/drawingml/2006/main" xmlns:r="http://schemas.openxmlformats.org/officeDocument/2006/relationships" xmlns:p="http://schemas.openxmlformats.org/presentationml/2006/main">
   <p:cSld>
     <p:spTree>
@@ -23593,6 +24998,135 @@
       </p:grpSpPr>
       <p:sp>
         <p:nvSpPr>
+          <p:cNvPr id="14" name="사각형: 둥근 모서리 13">
+            <a:extLst>
+              <a:ext uri="{FF2B5EF4-FFF2-40B4-BE49-F238E27FC236}">
+                <a16:creationId xmlns:a16="http://schemas.microsoft.com/office/drawing/2014/main" id="{0AAF1AD4-E157-484B-9346-CB1804FD3DF3}"/>
+              </a:ext>
+            </a:extLst>
+          </p:cNvPr>
+          <p:cNvSpPr/>
+          <p:nvPr/>
+        </p:nvSpPr>
+        <p:spPr>
+          <a:xfrm rot="5400000">
+            <a:off x="1726353" y="1298204"/>
+            <a:ext cx="2862400" cy="5700610"/>
+          </a:xfrm>
+          <a:prstGeom prst="roundRect">
+            <a:avLst/>
+          </a:prstGeom>
+          <a:solidFill>
+            <a:schemeClr val="bg2">
+              <a:lumMod val="50000"/>
+            </a:schemeClr>
+          </a:solidFill>
+          <a:ln w="38100">
+            <a:solidFill>
+              <a:schemeClr val="tx1"/>
+            </a:solidFill>
+          </a:ln>
+        </p:spPr>
+        <p:style>
+          <a:lnRef idx="2">
+            <a:schemeClr val="accent1">
+              <a:shade val="50000"/>
+            </a:schemeClr>
+          </a:lnRef>
+          <a:fillRef idx="1">
+            <a:schemeClr val="accent1"/>
+          </a:fillRef>
+          <a:effectRef idx="0">
+            <a:schemeClr val="accent1"/>
+          </a:effectRef>
+          <a:fontRef idx="minor">
+            <a:schemeClr val="lt1"/>
+          </a:fontRef>
+        </p:style>
+        <p:txBody>
+          <a:bodyPr rtlCol="0" anchor="ctr"/>
+          <a:lstStyle/>
+          <a:p>
+            <a:pPr algn="ctr"/>
+            <a:endParaRPr lang="ko-KR" altLang="en-US" dirty="0"/>
+          </a:p>
+        </p:txBody>
+      </p:sp>
+      <p:sp>
+        <p:nvSpPr>
+          <p:cNvPr id="3" name="타원 2">
+            <a:extLst>
+              <a:ext uri="{FF2B5EF4-FFF2-40B4-BE49-F238E27FC236}">
+                <a16:creationId xmlns:a16="http://schemas.microsoft.com/office/drawing/2014/main" id="{AA0D9AF4-8D57-482D-9E70-830BF58EC3D3}"/>
+              </a:ext>
+            </a:extLst>
+          </p:cNvPr>
+          <p:cNvSpPr/>
+          <p:nvPr/>
+        </p:nvSpPr>
+        <p:spPr>
+          <a:xfrm>
+            <a:off x="1770419" y="3429000"/>
+            <a:ext cx="2774268" cy="1446244"/>
+          </a:xfrm>
+          <a:prstGeom prst="ellipse">
+            <a:avLst/>
+          </a:prstGeom>
+          <a:gradFill flip="none" rotWithShape="1">
+            <a:gsLst>
+              <a:gs pos="0">
+                <a:srgbClr val="D71132">
+                  <a:shade val="30000"/>
+                  <a:satMod val="115000"/>
+                </a:srgbClr>
+              </a:gs>
+              <a:gs pos="50000">
+                <a:srgbClr val="D71132">
+                  <a:shade val="67500"/>
+                  <a:satMod val="115000"/>
+                </a:srgbClr>
+              </a:gs>
+              <a:gs pos="100000">
+                <a:srgbClr val="D71132">
+                  <a:shade val="100000"/>
+                  <a:satMod val="115000"/>
+                </a:srgbClr>
+              </a:gs>
+            </a:gsLst>
+            <a:lin ang="13500000" scaled="1"/>
+            <a:tileRect/>
+          </a:gradFill>
+          <a:ln>
+            <a:noFill/>
+          </a:ln>
+        </p:spPr>
+        <p:style>
+          <a:lnRef idx="2">
+            <a:schemeClr val="accent1">
+              <a:shade val="50000"/>
+            </a:schemeClr>
+          </a:lnRef>
+          <a:fillRef idx="1">
+            <a:schemeClr val="accent1"/>
+          </a:fillRef>
+          <a:effectRef idx="0">
+            <a:schemeClr val="accent1"/>
+          </a:effectRef>
+          <a:fontRef idx="minor">
+            <a:schemeClr val="lt1"/>
+          </a:fontRef>
+        </p:style>
+        <p:txBody>
+          <a:bodyPr rtlCol="0" anchor="ctr"/>
+          <a:lstStyle/>
+          <a:p>
+            <a:pPr algn="ctr"/>
+            <a:endParaRPr lang="ko-KR" altLang="en-US"/>
+          </a:p>
+        </p:txBody>
+      </p:sp>
+      <p:sp>
+        <p:nvSpPr>
           <p:cNvPr id="12" name="사각형: 둥근 모서리 11">
             <a:extLst>
               <a:ext uri="{FF2B5EF4-FFF2-40B4-BE49-F238E27FC236}">
@@ -24045,12 +25579,90 @@
           </a:p>
         </p:txBody>
       </p:sp>
-      <p:sp>
-        <p:nvSpPr>
-          <p:cNvPr id="14" name="사각형: 둥근 모서리 13">
-            <a:extLst>
-              <a:ext uri="{FF2B5EF4-FFF2-40B4-BE49-F238E27FC236}">
-                <a16:creationId xmlns:a16="http://schemas.microsoft.com/office/drawing/2014/main" id="{0AAF1AD4-E157-484B-9346-CB1804FD3DF3}"/>
+      <p:pic>
+        <p:nvPicPr>
+          <p:cNvPr id="5" name="그림 4" descr="클립아트이(가) 표시된 사진&#10;&#10;자동 생성된 설명">
+            <a:extLst>
+              <a:ext uri="{FF2B5EF4-FFF2-40B4-BE49-F238E27FC236}">
+                <a16:creationId xmlns:a16="http://schemas.microsoft.com/office/drawing/2014/main" id="{E25D863B-9E06-44B5-A060-ED08F599847C}"/>
+              </a:ext>
+            </a:extLst>
+          </p:cNvPr>
+          <p:cNvPicPr>
+            <a:picLocks noChangeAspect="1"/>
+          </p:cNvPicPr>
+          <p:nvPr/>
+        </p:nvPicPr>
+        <p:blipFill>
+          <a:blip r:embed="rId3">
+            <a:extLst>
+              <a:ext uri="{28A0092B-C50C-407E-A947-70E740481C1C}">
+                <a14:useLocalDpi xmlns:a14="http://schemas.microsoft.com/office/drawing/2010/main" val="0"/>
+              </a:ext>
+            </a:extLst>
+          </a:blip>
+          <a:stretch>
+            <a:fillRect/>
+          </a:stretch>
+        </p:blipFill>
+        <p:spPr>
+          <a:xfrm flipH="1">
+            <a:off x="2728726" y="3840649"/>
+            <a:ext cx="914400" cy="886836"/>
+          </a:xfrm>
+          <a:prstGeom prst="rect">
+            <a:avLst/>
+          </a:prstGeom>
+          <a:scene3d>
+            <a:camera prst="orthographicFront">
+              <a:rot lat="0" lon="10800000" rev="0"/>
+            </a:camera>
+            <a:lightRig rig="threePt" dir="t"/>
+          </a:scene3d>
+        </p:spPr>
+      </p:pic>
+      <p:pic>
+        <p:nvPicPr>
+          <p:cNvPr id="8" name="그림 7" descr="벡터그래픽이(가) 표시된 사진&#10;&#10;자동 생성된 설명">
+            <a:extLst>
+              <a:ext uri="{FF2B5EF4-FFF2-40B4-BE49-F238E27FC236}">
+                <a16:creationId xmlns:a16="http://schemas.microsoft.com/office/drawing/2014/main" id="{06BBB882-8DE9-4B2A-9369-FC42F1F5C34B}"/>
+              </a:ext>
+            </a:extLst>
+          </p:cNvPr>
+          <p:cNvPicPr>
+            <a:picLocks noChangeAspect="1"/>
+          </p:cNvPicPr>
+          <p:nvPr/>
+        </p:nvPicPr>
+        <p:blipFill>
+          <a:blip r:embed="rId4">
+            <a:extLst>
+              <a:ext uri="{28A0092B-C50C-407E-A947-70E740481C1C}">
+                <a14:useLocalDpi xmlns:a14="http://schemas.microsoft.com/office/drawing/2010/main" val="0"/>
+              </a:ext>
+            </a:extLst>
+          </a:blip>
+          <a:stretch>
+            <a:fillRect/>
+          </a:stretch>
+        </p:blipFill>
+        <p:spPr>
+          <a:xfrm>
+            <a:off x="3556432" y="3651723"/>
+            <a:ext cx="914400" cy="914400"/>
+          </a:xfrm>
+          <a:prstGeom prst="rect">
+            <a:avLst/>
+          </a:prstGeom>
+        </p:spPr>
+      </p:pic>
+      <p:sp>
+        <p:nvSpPr>
+          <p:cNvPr id="20" name="직사각형 19">
+            <a:extLst>
+              <a:ext uri="{FF2B5EF4-FFF2-40B4-BE49-F238E27FC236}">
+                <a16:creationId xmlns:a16="http://schemas.microsoft.com/office/drawing/2014/main" id="{9294A0F6-C959-4AD6-B239-A9A0793AC668}"/>
               </a:ext>
             </a:extLst>
           </p:cNvPr>
@@ -24058,15 +25670,17 @@
           <p:nvPr/>
         </p:nvSpPr>
         <p:spPr>
-          <a:xfrm rot="5400000">
-            <a:off x="1726353" y="1298204"/>
-            <a:ext cx="2862400" cy="5700610"/>
-          </a:xfrm>
-          <a:prstGeom prst="roundRect">
-            <a:avLst/>
-          </a:prstGeom>
-          <a:noFill/>
-          <a:ln w="38100">
+          <a:xfrm>
+            <a:off x="2658557" y="3557886"/>
+            <a:ext cx="953634" cy="282763"/>
+          </a:xfrm>
+          <a:prstGeom prst="rect">
+            <a:avLst/>
+          </a:prstGeom>
+          <a:solidFill>
+            <a:schemeClr val="tx1"/>
+          </a:solidFill>
+          <a:ln>
             <a:solidFill>
               <a:schemeClr val="tx1"/>
             </a:solidFill>
@@ -24093,16 +25707,23 @@
           <a:lstStyle/>
           <a:p>
             <a:pPr algn="ctr"/>
-            <a:endParaRPr lang="ko-KR" altLang="en-US" dirty="0"/>
-          </a:p>
-        </p:txBody>
-      </p:sp>
-      <p:sp>
-        <p:nvSpPr>
-          <p:cNvPr id="2" name="직사각형 1">
-            <a:extLst>
-              <a:ext uri="{FF2B5EF4-FFF2-40B4-BE49-F238E27FC236}">
-                <a16:creationId xmlns:a16="http://schemas.microsoft.com/office/drawing/2014/main" id="{8DA77785-D063-44D1-8E37-0FBA8703B670}"/>
+            <a:r>
+              <a:rPr lang="ko-KR" altLang="en-US" sz="1400" dirty="0">
+                <a:solidFill>
+                  <a:schemeClr val="bg1"/>
+                </a:solidFill>
+              </a:rPr>
+              <a:t>납치자</a:t>
+            </a:r>
+          </a:p>
+        </p:txBody>
+      </p:sp>
+      <p:sp>
+        <p:nvSpPr>
+          <p:cNvPr id="35" name="사각형: 둥근 모서리 34">
+            <a:extLst>
+              <a:ext uri="{FF2B5EF4-FFF2-40B4-BE49-F238E27FC236}">
+                <a16:creationId xmlns:a16="http://schemas.microsoft.com/office/drawing/2014/main" id="{F0D572B4-803F-4A94-AADF-5AE2B7F781B7}"/>
               </a:ext>
             </a:extLst>
           </p:cNvPr>
@@ -24111,18 +25732,31 @@
         </p:nvSpPr>
         <p:spPr>
           <a:xfrm>
-            <a:off x="314893" y="3867268"/>
-            <a:ext cx="5710334" cy="651315"/>
-          </a:xfrm>
-          <a:prstGeom prst="rect">
-            <a:avLst/>
-          </a:prstGeom>
-          <a:solidFill>
-            <a:schemeClr val="accent2">
-              <a:lumMod val="40000"/>
-              <a:lumOff val="60000"/>
-            </a:schemeClr>
-          </a:solidFill>
+            <a:off x="6301353" y="2752442"/>
+            <a:ext cx="5583399" cy="2792131"/>
+          </a:xfrm>
+          <a:prstGeom prst="roundRect">
+            <a:avLst/>
+          </a:prstGeom>
+          <a:blipFill dpi="0" rotWithShape="1">
+            <a:blip r:embed="rId5">
+              <a:alphaModFix amt="50000"/>
+              <a:extLst>
+                <a:ext uri="{28A0092B-C50C-407E-A947-70E740481C1C}">
+                  <a14:useLocalDpi xmlns:a14="http://schemas.microsoft.com/office/drawing/2010/main" val="0"/>
+                </a:ext>
+              </a:extLst>
+            </a:blip>
+            <a:srcRect/>
+            <a:stretch>
+              <a:fillRect/>
+            </a:stretch>
+          </a:blipFill>
+          <a:ln w="38100">
+            <a:solidFill>
+              <a:schemeClr val="tx1"/>
+            </a:solidFill>
+          </a:ln>
         </p:spPr>
         <p:style>
           <a:lnRef idx="2">
@@ -24145,23 +25779,16 @@
           <a:lstStyle/>
           <a:p>
             <a:pPr algn="ctr"/>
-            <a:r>
-              <a:rPr lang="ko-KR" altLang="en-US" dirty="0">
-                <a:solidFill>
-                  <a:schemeClr val="tx1"/>
-                </a:solidFill>
-              </a:rPr>
-              <a:t>납치자 승리</a:t>
-            </a:r>
+            <a:endParaRPr lang="ko-KR" altLang="en-US" dirty="0"/>
           </a:p>
         </p:txBody>
       </p:sp>
       <p:pic>
         <p:nvPicPr>
-          <p:cNvPr id="5" name="그림 4" descr="클립아트이(가) 표시된 사진&#10;&#10;자동 생성된 설명">
-            <a:extLst>
-              <a:ext uri="{FF2B5EF4-FFF2-40B4-BE49-F238E27FC236}">
-                <a16:creationId xmlns:a16="http://schemas.microsoft.com/office/drawing/2014/main" id="{E25D863B-9E06-44B5-A060-ED08F599847C}"/>
+          <p:cNvPr id="38" name="그림 37" descr="클립아트이(가) 표시된 사진&#10;&#10;자동 생성된 설명">
+            <a:extLst>
+              <a:ext uri="{FF2B5EF4-FFF2-40B4-BE49-F238E27FC236}">
+                <a16:creationId xmlns:a16="http://schemas.microsoft.com/office/drawing/2014/main" id="{8E359EF7-3983-42EA-8714-C1D1F79DC7EB}"/>
               </a:ext>
             </a:extLst>
           </p:cNvPr>
@@ -24184,7 +25811,7 @@
         </p:blipFill>
         <p:spPr>
           <a:xfrm>
-            <a:off x="1863838" y="2995280"/>
+            <a:off x="8105435" y="4233575"/>
             <a:ext cx="886836" cy="886836"/>
           </a:xfrm>
           <a:prstGeom prst="rect">
@@ -24200,10 +25827,10 @@
       </p:pic>
       <p:pic>
         <p:nvPicPr>
-          <p:cNvPr id="22" name="그림 21" descr="클립아트이(가) 표시된 사진&#10;&#10;자동 생성된 설명">
-            <a:extLst>
-              <a:ext uri="{FF2B5EF4-FFF2-40B4-BE49-F238E27FC236}">
-                <a16:creationId xmlns:a16="http://schemas.microsoft.com/office/drawing/2014/main" id="{627FA3E3-901E-421E-A12C-AD34651E3F02}"/>
+          <p:cNvPr id="40" name="그림 39" descr="클립아트이(가) 표시된 사진&#10;&#10;자동 생성된 설명">
+            <a:extLst>
+              <a:ext uri="{FF2B5EF4-FFF2-40B4-BE49-F238E27FC236}">
+                <a16:creationId xmlns:a16="http://schemas.microsoft.com/office/drawing/2014/main" id="{6B1D055B-5505-40C1-91A4-79183B738506}"/>
               </a:ext>
             </a:extLst>
           </p:cNvPr>
@@ -24226,7 +25853,7 @@
         </p:blipFill>
         <p:spPr>
           <a:xfrm>
-            <a:off x="2180529" y="4740413"/>
+            <a:off x="9356259" y="4209627"/>
             <a:ext cx="886836" cy="886836"/>
           </a:xfrm>
           <a:prstGeom prst="rect">
@@ -24242,10 +25869,10 @@
       </p:pic>
       <p:pic>
         <p:nvPicPr>
-          <p:cNvPr id="8" name="그림 7" descr="벡터그래픽이(가) 표시된 사진&#10;&#10;자동 생성된 설명">
-            <a:extLst>
-              <a:ext uri="{FF2B5EF4-FFF2-40B4-BE49-F238E27FC236}">
-                <a16:creationId xmlns:a16="http://schemas.microsoft.com/office/drawing/2014/main" id="{06BBB882-8DE9-4B2A-9369-FC42F1F5C34B}"/>
+          <p:cNvPr id="41" name="그림 40" descr="클립아트이(가) 표시된 사진&#10;&#10;자동 생성된 설명">
+            <a:extLst>
+              <a:ext uri="{FF2B5EF4-FFF2-40B4-BE49-F238E27FC236}">
+                <a16:creationId xmlns:a16="http://schemas.microsoft.com/office/drawing/2014/main" id="{FACCB054-FA89-4612-92C2-F9586415C6EE}"/>
               </a:ext>
             </a:extLst>
           </p:cNvPr>
@@ -24255,7 +25882,7 @@
           <p:nvPr/>
         </p:nvPicPr>
         <p:blipFill>
-          <a:blip r:embed="rId4">
+          <a:blip r:embed="rId3">
             <a:extLst>
               <a:ext uri="{28A0092B-C50C-407E-A947-70E740481C1C}">
                 <a14:useLocalDpi xmlns:a14="http://schemas.microsoft.com/office/drawing/2010/main" val="0"/>
@@ -24268,43 +25895,7 @@
         </p:blipFill>
         <p:spPr>
           <a:xfrm>
-            <a:off x="3603298" y="2990732"/>
-            <a:ext cx="914400" cy="914400"/>
-          </a:xfrm>
-          <a:prstGeom prst="rect">
-            <a:avLst/>
-          </a:prstGeom>
-        </p:spPr>
-      </p:pic>
-      <p:pic>
-        <p:nvPicPr>
-          <p:cNvPr id="25" name="그림 24" descr="클립아트이(가) 표시된 사진&#10;&#10;자동 생성된 설명">
-            <a:extLst>
-              <a:ext uri="{FF2B5EF4-FFF2-40B4-BE49-F238E27FC236}">
-                <a16:creationId xmlns:a16="http://schemas.microsoft.com/office/drawing/2014/main" id="{E978F5C1-F9D5-49F3-B77F-EBCA7194A463}"/>
-              </a:ext>
-            </a:extLst>
-          </p:cNvPr>
-          <p:cNvPicPr>
-            <a:picLocks noChangeAspect="1"/>
-          </p:cNvPicPr>
-          <p:nvPr/>
-        </p:nvPicPr>
-        <p:blipFill>
-          <a:blip r:embed="rId3">
-            <a:extLst>
-              <a:ext uri="{28A0092B-C50C-407E-A947-70E740481C1C}">
-                <a14:useLocalDpi xmlns:a14="http://schemas.microsoft.com/office/drawing/2010/main" val="0"/>
-              </a:ext>
-            </a:extLst>
-          </a:blip>
-          <a:stretch>
-            <a:fillRect/>
-          </a:stretch>
-        </p:blipFill>
-        <p:spPr>
-          <a:xfrm>
-            <a:off x="3431353" y="4716465"/>
+            <a:off x="9985404" y="4213025"/>
             <a:ext cx="886836" cy="886836"/>
           </a:xfrm>
           <a:prstGeom prst="rect">
@@ -24320,10 +25911,10 @@
       </p:pic>
       <p:pic>
         <p:nvPicPr>
-          <p:cNvPr id="26" name="그림 25" descr="클립아트이(가) 표시된 사진&#10;&#10;자동 생성된 설명">
-            <a:extLst>
-              <a:ext uri="{FF2B5EF4-FFF2-40B4-BE49-F238E27FC236}">
-                <a16:creationId xmlns:a16="http://schemas.microsoft.com/office/drawing/2014/main" id="{0942E6FF-8D32-4475-A9AE-1CC805533822}"/>
+          <p:cNvPr id="42" name="그림 41" descr="벡터그래픽이(가) 표시된 사진&#10;&#10;자동 생성된 설명">
+            <a:extLst>
+              <a:ext uri="{FF2B5EF4-FFF2-40B4-BE49-F238E27FC236}">
+                <a16:creationId xmlns:a16="http://schemas.microsoft.com/office/drawing/2014/main" id="{F700F386-8E6E-4C1C-86AF-449A7AA18642}"/>
               </a:ext>
             </a:extLst>
           </p:cNvPr>
@@ -24333,7 +25924,7 @@
           <p:nvPr/>
         </p:nvPicPr>
         <p:blipFill>
-          <a:blip r:embed="rId3">
+          <a:blip r:embed="rId4">
             <a:extLst>
               <a:ext uri="{28A0092B-C50C-407E-A947-70E740481C1C}">
                 <a14:useLocalDpi xmlns:a14="http://schemas.microsoft.com/office/drawing/2010/main" val="0"/>
@@ -24346,26 +25937,20 @@
         </p:blipFill>
         <p:spPr>
           <a:xfrm>
-            <a:off x="4060498" y="4719863"/>
-            <a:ext cx="886836" cy="886836"/>
+            <a:off x="10600767" y="4160532"/>
+            <a:ext cx="914400" cy="914400"/>
           </a:xfrm>
           <a:prstGeom prst="rect">
             <a:avLst/>
           </a:prstGeom>
-          <a:scene3d>
-            <a:camera prst="orthographicFront">
-              <a:rot lat="0" lon="10800000" rev="0"/>
-            </a:camera>
-            <a:lightRig rig="threePt" dir="t"/>
-          </a:scene3d>
         </p:spPr>
       </p:pic>
       <p:pic>
         <p:nvPicPr>
-          <p:cNvPr id="27" name="그림 26" descr="벡터그래픽이(가) 표시된 사진&#10;&#10;자동 생성된 설명">
-            <a:extLst>
-              <a:ext uri="{FF2B5EF4-FFF2-40B4-BE49-F238E27FC236}">
-                <a16:creationId xmlns:a16="http://schemas.microsoft.com/office/drawing/2014/main" id="{F06A40C4-3B30-406A-A2F1-424BA1ABE003}"/>
+          <p:cNvPr id="46" name="그림 45" descr="벡터그래픽이(가) 표시된 사진&#10;&#10;자동 생성된 설명">
+            <a:extLst>
+              <a:ext uri="{FF2B5EF4-FFF2-40B4-BE49-F238E27FC236}">
+                <a16:creationId xmlns:a16="http://schemas.microsoft.com/office/drawing/2014/main" id="{C664A30C-C6D6-4B0B-A114-3E4654291FB8}"/>
               </a:ext>
             </a:extLst>
           </p:cNvPr>
@@ -24388,7 +25973,7 @@
         </p:blipFill>
         <p:spPr>
           <a:xfrm>
-            <a:off x="4675861" y="4667370"/>
+            <a:off x="6876463" y="4192111"/>
             <a:ext cx="914400" cy="914400"/>
           </a:xfrm>
           <a:prstGeom prst="rect">
@@ -24396,175 +25981,31 @@
           </a:prstGeom>
         </p:spPr>
       </p:pic>
-      <p:pic>
-        <p:nvPicPr>
-          <p:cNvPr id="18" name="그림 17" descr="텍스트이(가) 표시된 사진&#10;&#10;자동 생성된 설명">
-            <a:extLst>
-              <a:ext uri="{FF2B5EF4-FFF2-40B4-BE49-F238E27FC236}">
-                <a16:creationId xmlns:a16="http://schemas.microsoft.com/office/drawing/2014/main" id="{90905107-7643-425F-AC99-6D95132697B6}"/>
-              </a:ext>
-            </a:extLst>
-          </p:cNvPr>
-          <p:cNvPicPr>
-            <a:picLocks noChangeAspect="1"/>
-          </p:cNvPicPr>
-          <p:nvPr/>
-        </p:nvPicPr>
-        <p:blipFill>
-          <a:blip r:embed="rId5">
-            <a:extLst>
-              <a:ext uri="{28A0092B-C50C-407E-A947-70E740481C1C}">
-                <a14:useLocalDpi xmlns:a14="http://schemas.microsoft.com/office/drawing/2010/main" val="0"/>
-              </a:ext>
-            </a:extLst>
-          </a:blip>
-          <a:stretch>
-            <a:fillRect/>
-          </a:stretch>
-        </p:blipFill>
-        <p:spPr>
-          <a:xfrm>
-            <a:off x="2759857" y="3004514"/>
-            <a:ext cx="886836" cy="886836"/>
+      <p:sp>
+        <p:nvSpPr>
+          <p:cNvPr id="56" name="직사각형 55">
+            <a:extLst>
+              <a:ext uri="{FF2B5EF4-FFF2-40B4-BE49-F238E27FC236}">
+                <a16:creationId xmlns:a16="http://schemas.microsoft.com/office/drawing/2014/main" id="{D16E6E72-8D8E-4132-BC62-2EECC7D69C9B}"/>
+              </a:ext>
+            </a:extLst>
+          </p:cNvPr>
+          <p:cNvSpPr/>
+          <p:nvPr/>
+        </p:nvSpPr>
+        <p:spPr>
+          <a:xfrm>
+            <a:off x="6788181" y="1062943"/>
+            <a:ext cx="45719" cy="400110"/>
           </a:xfrm>
           <a:prstGeom prst="rect">
             <a:avLst/>
           </a:prstGeom>
-        </p:spPr>
-      </p:pic>
-      <p:pic>
-        <p:nvPicPr>
-          <p:cNvPr id="30" name="그림 29" descr="텍스트이(가) 표시된 사진&#10;&#10;자동 생성된 설명">
-            <a:extLst>
-              <a:ext uri="{FF2B5EF4-FFF2-40B4-BE49-F238E27FC236}">
-                <a16:creationId xmlns:a16="http://schemas.microsoft.com/office/drawing/2014/main" id="{4F89D849-02DA-4872-8638-2FC349E2FEEC}"/>
-              </a:ext>
-            </a:extLst>
-          </p:cNvPr>
-          <p:cNvPicPr>
-            <a:picLocks noChangeAspect="1"/>
-          </p:cNvPicPr>
-          <p:nvPr/>
-        </p:nvPicPr>
-        <p:blipFill>
-          <a:blip r:embed="rId5">
-            <a:extLst>
-              <a:ext uri="{28A0092B-C50C-407E-A947-70E740481C1C}">
-                <a14:useLocalDpi xmlns:a14="http://schemas.microsoft.com/office/drawing/2010/main" val="0"/>
-              </a:ext>
-            </a:extLst>
-          </a:blip>
-          <a:stretch>
-            <a:fillRect/>
-          </a:stretch>
-        </p:blipFill>
-        <p:spPr>
-          <a:xfrm>
-            <a:off x="2815990" y="4756112"/>
-            <a:ext cx="886836" cy="886836"/>
-          </a:xfrm>
-          <a:prstGeom prst="rect">
-            <a:avLst/>
-          </a:prstGeom>
-        </p:spPr>
-      </p:pic>
-      <p:pic>
-        <p:nvPicPr>
-          <p:cNvPr id="31" name="그림 30" descr="텍스트이(가) 표시된 사진&#10;&#10;자동 생성된 설명">
-            <a:extLst>
-              <a:ext uri="{FF2B5EF4-FFF2-40B4-BE49-F238E27FC236}">
-                <a16:creationId xmlns:a16="http://schemas.microsoft.com/office/drawing/2014/main" id="{18050541-DC46-487F-96AE-794557B8519F}"/>
-              </a:ext>
-            </a:extLst>
-          </p:cNvPr>
-          <p:cNvPicPr>
-            <a:picLocks noChangeAspect="1"/>
-          </p:cNvPicPr>
-          <p:nvPr/>
-        </p:nvPicPr>
-        <p:blipFill>
-          <a:blip r:embed="rId5">
-            <a:extLst>
-              <a:ext uri="{28A0092B-C50C-407E-A947-70E740481C1C}">
-                <a14:useLocalDpi xmlns:a14="http://schemas.microsoft.com/office/drawing/2010/main" val="0"/>
-              </a:ext>
-            </a:extLst>
-          </a:blip>
-          <a:stretch>
-            <a:fillRect/>
-          </a:stretch>
-        </p:blipFill>
-        <p:spPr>
-          <a:xfrm>
-            <a:off x="1583000" y="4747427"/>
-            <a:ext cx="886836" cy="886836"/>
-          </a:xfrm>
-          <a:prstGeom prst="rect">
-            <a:avLst/>
-          </a:prstGeom>
-        </p:spPr>
-      </p:pic>
-      <p:pic>
-        <p:nvPicPr>
-          <p:cNvPr id="32" name="그림 31" descr="벡터그래픽이(가) 표시된 사진&#10;&#10;자동 생성된 설명">
-            <a:extLst>
-              <a:ext uri="{FF2B5EF4-FFF2-40B4-BE49-F238E27FC236}">
-                <a16:creationId xmlns:a16="http://schemas.microsoft.com/office/drawing/2014/main" id="{855CDDA1-7A97-48DD-A8A8-26C8F3F6EEBD}"/>
-              </a:ext>
-            </a:extLst>
-          </p:cNvPr>
-          <p:cNvPicPr>
-            <a:picLocks noChangeAspect="1"/>
-          </p:cNvPicPr>
-          <p:nvPr/>
-        </p:nvPicPr>
-        <p:blipFill>
-          <a:blip r:embed="rId4">
-            <a:extLst>
-              <a:ext uri="{28A0092B-C50C-407E-A947-70E740481C1C}">
-                <a14:useLocalDpi xmlns:a14="http://schemas.microsoft.com/office/drawing/2010/main" val="0"/>
-              </a:ext>
-            </a:extLst>
-          </a:blip>
-          <a:stretch>
-            <a:fillRect/>
-          </a:stretch>
-        </p:blipFill>
-        <p:spPr>
-          <a:xfrm>
-            <a:off x="951557" y="4698949"/>
-            <a:ext cx="914400" cy="914400"/>
-          </a:xfrm>
-          <a:prstGeom prst="rect">
-            <a:avLst/>
-          </a:prstGeom>
-        </p:spPr>
-      </p:pic>
-      <p:sp>
-        <p:nvSpPr>
-          <p:cNvPr id="20" name="직사각형 19">
-            <a:extLst>
-              <a:ext uri="{FF2B5EF4-FFF2-40B4-BE49-F238E27FC236}">
-                <a16:creationId xmlns:a16="http://schemas.microsoft.com/office/drawing/2014/main" id="{9294A0F6-C959-4AD6-B239-A9A0793AC668}"/>
-              </a:ext>
-            </a:extLst>
-          </p:cNvPr>
-          <p:cNvSpPr/>
-          <p:nvPr/>
-        </p:nvSpPr>
-        <p:spPr>
-          <a:xfrm>
-            <a:off x="2590548" y="2791580"/>
-            <a:ext cx="953634" cy="282763"/>
-          </a:xfrm>
-          <a:prstGeom prst="rect">
-            <a:avLst/>
-          </a:prstGeom>
-          <a:noFill/>
+          <a:solidFill>
+            <a:schemeClr val="tx1"/>
+          </a:solidFill>
           <a:ln>
-            <a:solidFill>
-              <a:schemeClr val="tx1"/>
-            </a:solidFill>
+            <a:noFill/>
           </a:ln>
         </p:spPr>
         <p:style>
@@ -24588,201 +26029,52 @@
           <a:lstStyle/>
           <a:p>
             <a:pPr algn="ctr"/>
-            <a:r>
-              <a:rPr lang="ko-KR" altLang="en-US" sz="1400" dirty="0">
-                <a:solidFill>
-                  <a:schemeClr val="tx1"/>
-                </a:solidFill>
-              </a:rPr>
-              <a:t>납치자</a:t>
-            </a:r>
-          </a:p>
-        </p:txBody>
-      </p:sp>
-      <p:sp>
-        <p:nvSpPr>
-          <p:cNvPr id="34" name="직사각형 33">
-            <a:extLst>
-              <a:ext uri="{FF2B5EF4-FFF2-40B4-BE49-F238E27FC236}">
-                <a16:creationId xmlns:a16="http://schemas.microsoft.com/office/drawing/2014/main" id="{70EECDB1-012C-47F3-BD57-8CEC5BEA45A4}"/>
-              </a:ext>
-            </a:extLst>
-          </p:cNvPr>
-          <p:cNvSpPr/>
-          <p:nvPr/>
-        </p:nvSpPr>
-        <p:spPr>
-          <a:xfrm>
-            <a:off x="2608658" y="4509094"/>
-            <a:ext cx="953634" cy="254244"/>
+            <a:endParaRPr lang="ko-KR" altLang="en-US"/>
+          </a:p>
+        </p:txBody>
+      </p:sp>
+      <p:sp>
+        <p:nvSpPr>
+          <p:cNvPr id="58" name="TextBox 57">
+            <a:extLst>
+              <a:ext uri="{FF2B5EF4-FFF2-40B4-BE49-F238E27FC236}">
+                <a16:creationId xmlns:a16="http://schemas.microsoft.com/office/drawing/2014/main" id="{60033CC1-A74B-462D-AD05-2B197AA13F2F}"/>
+              </a:ext>
+            </a:extLst>
+          </p:cNvPr>
+          <p:cNvSpPr txBox="1"/>
+          <p:nvPr/>
+        </p:nvSpPr>
+        <p:spPr>
+          <a:xfrm>
+            <a:off x="6814710" y="1068058"/>
+            <a:ext cx="1201032" cy="400110"/>
           </a:xfrm>
           <a:prstGeom prst="rect">
             <a:avLst/>
           </a:prstGeom>
           <a:noFill/>
-          <a:ln>
-            <a:solidFill>
-              <a:schemeClr val="tx1"/>
-            </a:solidFill>
-          </a:ln>
-        </p:spPr>
-        <p:style>
-          <a:lnRef idx="2">
-            <a:schemeClr val="accent1">
-              <a:shade val="50000"/>
-            </a:schemeClr>
-          </a:lnRef>
-          <a:fillRef idx="1">
-            <a:schemeClr val="accent1"/>
-          </a:fillRef>
-          <a:effectRef idx="0">
-            <a:schemeClr val="accent1"/>
-          </a:effectRef>
-          <a:fontRef idx="minor">
-            <a:schemeClr val="lt1"/>
-          </a:fontRef>
-        </p:style>
-        <p:txBody>
-          <a:bodyPr rtlCol="0" anchor="ctr"/>
+        </p:spPr>
+        <p:txBody>
+          <a:bodyPr wrap="square" rtlCol="0">
+            <a:spAutoFit/>
+          </a:bodyPr>
           <a:lstStyle/>
           <a:p>
-            <a:pPr algn="ctr"/>
-            <a:r>
-              <a:rPr lang="ko-KR" altLang="en-US" sz="1400" dirty="0">
-                <a:solidFill>
-                  <a:schemeClr val="tx1"/>
-                </a:solidFill>
-              </a:rPr>
-              <a:t>시민</a:t>
-            </a:r>
-          </a:p>
-        </p:txBody>
-      </p:sp>
-      <p:sp>
-        <p:nvSpPr>
-          <p:cNvPr id="35" name="사각형: 둥근 모서리 34">
-            <a:extLst>
-              <a:ext uri="{FF2B5EF4-FFF2-40B4-BE49-F238E27FC236}">
-                <a16:creationId xmlns:a16="http://schemas.microsoft.com/office/drawing/2014/main" id="{F0D572B4-803F-4A94-AADF-5AE2B7F781B7}"/>
-              </a:ext>
-            </a:extLst>
-          </p:cNvPr>
-          <p:cNvSpPr/>
-          <p:nvPr/>
-        </p:nvSpPr>
-        <p:spPr>
-          <a:xfrm rot="5400000">
-            <a:off x="7737769" y="1285887"/>
-            <a:ext cx="2862400" cy="5700610"/>
-          </a:xfrm>
-          <a:prstGeom prst="roundRect">
-            <a:avLst/>
-          </a:prstGeom>
-          <a:noFill/>
-          <a:ln w="38100">
-            <a:solidFill>
-              <a:schemeClr val="tx1"/>
-            </a:solidFill>
-          </a:ln>
-        </p:spPr>
-        <p:style>
-          <a:lnRef idx="2">
-            <a:schemeClr val="accent1">
-              <a:shade val="50000"/>
-            </a:schemeClr>
-          </a:lnRef>
-          <a:fillRef idx="1">
-            <a:schemeClr val="accent1"/>
-          </a:fillRef>
-          <a:effectRef idx="0">
-            <a:schemeClr val="accent1"/>
-          </a:effectRef>
-          <a:fontRef idx="minor">
-            <a:schemeClr val="lt1"/>
-          </a:fontRef>
-        </p:style>
-        <p:txBody>
-          <a:bodyPr rtlCol="0" anchor="ctr"/>
-          <a:lstStyle/>
-          <a:p>
-            <a:pPr algn="ctr"/>
-            <a:endParaRPr lang="ko-KR" altLang="en-US" dirty="0"/>
-          </a:p>
-        </p:txBody>
-      </p:sp>
-      <p:sp>
-        <p:nvSpPr>
-          <p:cNvPr id="36" name="직사각형 35">
-            <a:extLst>
-              <a:ext uri="{FF2B5EF4-FFF2-40B4-BE49-F238E27FC236}">
-                <a16:creationId xmlns:a16="http://schemas.microsoft.com/office/drawing/2014/main" id="{1F325BD2-130C-42A7-8AFE-C4A797F420D6}"/>
-              </a:ext>
-            </a:extLst>
-          </p:cNvPr>
-          <p:cNvSpPr/>
-          <p:nvPr/>
-        </p:nvSpPr>
-        <p:spPr>
-          <a:xfrm>
-            <a:off x="6326309" y="3854951"/>
-            <a:ext cx="5710334" cy="651315"/>
-          </a:xfrm>
-          <a:prstGeom prst="rect">
-            <a:avLst/>
-          </a:prstGeom>
-          <a:solidFill>
-            <a:schemeClr val="accent1">
-              <a:lumMod val="40000"/>
-              <a:lumOff val="60000"/>
-            </a:schemeClr>
-          </a:solidFill>
-        </p:spPr>
-        <p:style>
-          <a:lnRef idx="2">
-            <a:schemeClr val="accent1">
-              <a:shade val="50000"/>
-            </a:schemeClr>
-          </a:lnRef>
-          <a:fillRef idx="1">
-            <a:schemeClr val="accent1"/>
-          </a:fillRef>
-          <a:effectRef idx="0">
-            <a:schemeClr val="accent1"/>
-          </a:effectRef>
-          <a:fontRef idx="minor">
-            <a:schemeClr val="lt1"/>
-          </a:fontRef>
-        </p:style>
-        <p:txBody>
-          <a:bodyPr rtlCol="0" anchor="ctr"/>
-          <a:lstStyle/>
-          <a:p>
-            <a:pPr algn="ctr"/>
-            <a:r>
-              <a:rPr lang="ko-KR" altLang="en-US">
-                <a:solidFill>
-                  <a:schemeClr val="tx1"/>
-                </a:solidFill>
-              </a:rPr>
-              <a:t>시민 </a:t>
-            </a:r>
-            <a:r>
-              <a:rPr lang="ko-KR" altLang="en-US" dirty="0">
-                <a:solidFill>
-                  <a:schemeClr val="tx1"/>
-                </a:solidFill>
-              </a:rPr>
-              <a:t>승리</a:t>
-            </a:r>
+            <a:r>
+              <a:rPr lang="ko-KR" altLang="en-US" sz="2000" b="1" dirty="0"/>
+              <a:t>인벤토리</a:t>
+            </a:r>
+            <a:endParaRPr lang="en-US" altLang="ko-KR" sz="2000" b="1" dirty="0"/>
           </a:p>
         </p:txBody>
       </p:sp>
       <p:pic>
         <p:nvPicPr>
-          <p:cNvPr id="37" name="그림 36" descr="클립아트이(가) 표시된 사진&#10;&#10;자동 생성된 설명">
-            <a:extLst>
-              <a:ext uri="{FF2B5EF4-FFF2-40B4-BE49-F238E27FC236}">
-                <a16:creationId xmlns:a16="http://schemas.microsoft.com/office/drawing/2014/main" id="{D77BB159-3069-42B2-8050-CB485D15480C}"/>
+          <p:cNvPr id="49" name="그림 48" descr="클립아트이(가) 표시된 사진&#10;&#10;자동 생성된 설명">
+            <a:extLst>
+              <a:ext uri="{FF2B5EF4-FFF2-40B4-BE49-F238E27FC236}">
+                <a16:creationId xmlns:a16="http://schemas.microsoft.com/office/drawing/2014/main" id="{57D56B13-04AB-486A-B2A3-41C972FF7785}"/>
               </a:ext>
             </a:extLst>
           </p:cNvPr>
@@ -24804,27 +26096,121 @@
           </a:stretch>
         </p:blipFill>
         <p:spPr>
-          <a:xfrm>
-            <a:off x="7875254" y="2982963"/>
-            <a:ext cx="886836" cy="886836"/>
+          <a:xfrm flipH="1">
+            <a:off x="1816982" y="3665505"/>
+            <a:ext cx="973258" cy="886836"/>
           </a:xfrm>
           <a:prstGeom prst="rect">
             <a:avLst/>
           </a:prstGeom>
           <a:scene3d>
             <a:camera prst="orthographicFront">
-              <a:rot lat="0" lon="10800000" rev="0"/>
+              <a:rot lat="0" lon="0" rev="0"/>
             </a:camera>
             <a:lightRig rig="threePt" dir="t"/>
           </a:scene3d>
         </p:spPr>
       </p:pic>
+      <p:sp>
+        <p:nvSpPr>
+          <p:cNvPr id="6" name="TextBox 5">
+            <a:extLst>
+              <a:ext uri="{FF2B5EF4-FFF2-40B4-BE49-F238E27FC236}">
+                <a16:creationId xmlns:a16="http://schemas.microsoft.com/office/drawing/2014/main" id="{2818A4D9-55DD-4D65-BE43-DBF0222EF17B}"/>
+              </a:ext>
+            </a:extLst>
+          </p:cNvPr>
+          <p:cNvSpPr txBox="1"/>
+          <p:nvPr/>
+        </p:nvSpPr>
+        <p:spPr>
+          <a:xfrm>
+            <a:off x="1091681" y="5793442"/>
+            <a:ext cx="3876382" cy="276999"/>
+          </a:xfrm>
+          <a:prstGeom prst="rect">
+            <a:avLst/>
+          </a:prstGeom>
+          <a:noFill/>
+        </p:spPr>
+        <p:txBody>
+          <a:bodyPr wrap="none" rtlCol="0">
+            <a:spAutoFit/>
+          </a:bodyPr>
+          <a:lstStyle/>
+          <a:p>
+            <a:r>
+              <a:rPr lang="ko-KR" altLang="en-US" sz="1200" dirty="0"/>
+              <a:t>납치자에게는 납치자의 수만큼 닉네임과 함께 알려줌</a:t>
+            </a:r>
+            <a:r>
+              <a:rPr lang="en-US" altLang="ko-KR" sz="1200" dirty="0"/>
+              <a:t>.</a:t>
+            </a:r>
+            <a:endParaRPr lang="ko-KR" altLang="en-US" sz="1200" dirty="0"/>
+          </a:p>
+        </p:txBody>
+      </p:sp>
+      <p:sp>
+        <p:nvSpPr>
+          <p:cNvPr id="50" name="TextBox 49">
+            <a:extLst>
+              <a:ext uri="{FF2B5EF4-FFF2-40B4-BE49-F238E27FC236}">
+                <a16:creationId xmlns:a16="http://schemas.microsoft.com/office/drawing/2014/main" id="{713EFB48-2066-4A87-8185-3C08E8F76CDC}"/>
+              </a:ext>
+            </a:extLst>
+          </p:cNvPr>
+          <p:cNvSpPr txBox="1"/>
+          <p:nvPr/>
+        </p:nvSpPr>
+        <p:spPr>
+          <a:xfrm>
+            <a:off x="7199258" y="5839608"/>
+            <a:ext cx="4314001" cy="461665"/>
+          </a:xfrm>
+          <a:prstGeom prst="rect">
+            <a:avLst/>
+          </a:prstGeom>
+          <a:noFill/>
+        </p:spPr>
+        <p:txBody>
+          <a:bodyPr wrap="none" rtlCol="0">
+            <a:spAutoFit/>
+          </a:bodyPr>
+          <a:lstStyle/>
+          <a:p>
+            <a:r>
+              <a:rPr lang="ko-KR" altLang="en-US" sz="1200" dirty="0"/>
+              <a:t>일반 사람들에게는 닉네임이 뜨지 않고 뒤에 섬이 보이면서 </a:t>
+            </a:r>
+            <a:endParaRPr lang="en-US" altLang="ko-KR" sz="1200" dirty="0"/>
+          </a:p>
+          <a:p>
+            <a:r>
+              <a:rPr lang="en-US" altLang="ko-KR" sz="1200" dirty="0"/>
+              <a:t>“</a:t>
+            </a:r>
+            <a:r>
+              <a:rPr lang="ko-KR" altLang="en-US" sz="1200" dirty="0"/>
+              <a:t>탈출하세요</a:t>
+            </a:r>
+            <a:r>
+              <a:rPr lang="en-US" altLang="ko-KR" sz="1200" dirty="0"/>
+              <a:t>!” </a:t>
+            </a:r>
+            <a:r>
+              <a:rPr lang="ko-KR" altLang="en-US" sz="1200" dirty="0"/>
+              <a:t>메시지 출력 </a:t>
+            </a:r>
+          </a:p>
+        </p:txBody>
+      </p:sp>
       <p:pic>
         <p:nvPicPr>
-          <p:cNvPr id="38" name="그림 37" descr="클립아트이(가) 표시된 사진&#10;&#10;자동 생성된 설명">
-            <a:extLst>
-              <a:ext uri="{FF2B5EF4-FFF2-40B4-BE49-F238E27FC236}">
-                <a16:creationId xmlns:a16="http://schemas.microsoft.com/office/drawing/2014/main" id="{8E359EF7-3983-42EA-8714-C1D1F79DC7EB}"/>
+          <p:cNvPr id="51" name="그림 50" descr="클립아트이(가) 표시된 사진&#10;&#10;자동 생성된 설명">
+            <a:extLst>
+              <a:ext uri="{FF2B5EF4-FFF2-40B4-BE49-F238E27FC236}">
+                <a16:creationId xmlns:a16="http://schemas.microsoft.com/office/drawing/2014/main" id="{0AFC8DBE-88D2-4B10-B022-DEE170AD9D4C}"/>
               </a:ext>
             </a:extLst>
           </p:cNvPr>
@@ -24846,16 +26232,16 @@
           </a:stretch>
         </p:blipFill>
         <p:spPr>
-          <a:xfrm>
-            <a:off x="8191945" y="4728096"/>
-            <a:ext cx="886836" cy="886836"/>
+          <a:xfrm flipH="1">
+            <a:off x="7446750" y="4230530"/>
+            <a:ext cx="973258" cy="886836"/>
           </a:xfrm>
           <a:prstGeom prst="rect">
             <a:avLst/>
           </a:prstGeom>
           <a:scene3d>
             <a:camera prst="orthographicFront">
-              <a:rot lat="0" lon="10800000" rev="0"/>
+              <a:rot lat="0" lon="0" rev="0"/>
             </a:camera>
             <a:lightRig rig="threePt" dir="t"/>
           </a:scene3d>
@@ -24863,10 +26249,10 @@
       </p:pic>
       <p:pic>
         <p:nvPicPr>
-          <p:cNvPr id="39" name="그림 38" descr="벡터그래픽이(가) 표시된 사진&#10;&#10;자동 생성된 설명">
-            <a:extLst>
-              <a:ext uri="{FF2B5EF4-FFF2-40B4-BE49-F238E27FC236}">
-                <a16:creationId xmlns:a16="http://schemas.microsoft.com/office/drawing/2014/main" id="{14F82095-D83E-49FC-B141-D177FE205F41}"/>
+          <p:cNvPr id="52" name="그림 51" descr="클립아트이(가) 표시된 사진&#10;&#10;자동 생성된 설명">
+            <a:extLst>
+              <a:ext uri="{FF2B5EF4-FFF2-40B4-BE49-F238E27FC236}">
+                <a16:creationId xmlns:a16="http://schemas.microsoft.com/office/drawing/2014/main" id="{C73F022D-2284-4B3D-9293-8CB5D2C56CFE}"/>
               </a:ext>
             </a:extLst>
           </p:cNvPr>
@@ -24876,7 +26262,7 @@
           <p:nvPr/>
         </p:nvPicPr>
         <p:blipFill>
-          <a:blip r:embed="rId4">
+          <a:blip r:embed="rId3">
             <a:extLst>
               <a:ext uri="{28A0092B-C50C-407E-A947-70E740481C1C}">
                 <a14:useLocalDpi xmlns:a14="http://schemas.microsoft.com/office/drawing/2010/main" val="0"/>
@@ -24888,489 +26274,65 @@
           </a:stretch>
         </p:blipFill>
         <p:spPr>
-          <a:xfrm>
-            <a:off x="9614714" y="2978415"/>
-            <a:ext cx="914400" cy="914400"/>
-          </a:xfrm>
-          <a:prstGeom prst="rect">
-            <a:avLst/>
-          </a:prstGeom>
-        </p:spPr>
-      </p:pic>
-      <p:pic>
-        <p:nvPicPr>
-          <p:cNvPr id="40" name="그림 39" descr="클립아트이(가) 표시된 사진&#10;&#10;자동 생성된 설명">
-            <a:extLst>
-              <a:ext uri="{FF2B5EF4-FFF2-40B4-BE49-F238E27FC236}">
-                <a16:creationId xmlns:a16="http://schemas.microsoft.com/office/drawing/2014/main" id="{6B1D055B-5505-40C1-91A4-79183B738506}"/>
-              </a:ext>
-            </a:extLst>
-          </p:cNvPr>
-          <p:cNvPicPr>
-            <a:picLocks noChangeAspect="1"/>
-          </p:cNvPicPr>
-          <p:nvPr/>
-        </p:nvPicPr>
-        <p:blipFill>
-          <a:blip r:embed="rId3">
-            <a:extLst>
-              <a:ext uri="{28A0092B-C50C-407E-A947-70E740481C1C}">
-                <a14:useLocalDpi xmlns:a14="http://schemas.microsoft.com/office/drawing/2010/main" val="0"/>
-              </a:ext>
-            </a:extLst>
-          </a:blip>
-          <a:stretch>
-            <a:fillRect/>
-          </a:stretch>
-        </p:blipFill>
-        <p:spPr>
-          <a:xfrm>
-            <a:off x="9442769" y="4704148"/>
-            <a:ext cx="886836" cy="886836"/>
+          <a:xfrm flipH="1">
+            <a:off x="8677698" y="4209627"/>
+            <a:ext cx="973258" cy="886836"/>
           </a:xfrm>
           <a:prstGeom prst="rect">
             <a:avLst/>
           </a:prstGeom>
           <a:scene3d>
             <a:camera prst="orthographicFront">
-              <a:rot lat="0" lon="10800000" rev="0"/>
+              <a:rot lat="0" lon="0" rev="0"/>
             </a:camera>
             <a:lightRig rig="threePt" dir="t"/>
           </a:scene3d>
         </p:spPr>
       </p:pic>
-      <p:pic>
-        <p:nvPicPr>
-          <p:cNvPr id="41" name="그림 40" descr="클립아트이(가) 표시된 사진&#10;&#10;자동 생성된 설명">
-            <a:extLst>
-              <a:ext uri="{FF2B5EF4-FFF2-40B4-BE49-F238E27FC236}">
-                <a16:creationId xmlns:a16="http://schemas.microsoft.com/office/drawing/2014/main" id="{FACCB054-FA89-4612-92C2-F9586415C6EE}"/>
-              </a:ext>
-            </a:extLst>
-          </p:cNvPr>
-          <p:cNvPicPr>
-            <a:picLocks noChangeAspect="1"/>
-          </p:cNvPicPr>
-          <p:nvPr/>
-        </p:nvPicPr>
-        <p:blipFill>
-          <a:blip r:embed="rId3">
-            <a:extLst>
-              <a:ext uri="{28A0092B-C50C-407E-A947-70E740481C1C}">
-                <a14:useLocalDpi xmlns:a14="http://schemas.microsoft.com/office/drawing/2010/main" val="0"/>
-              </a:ext>
-            </a:extLst>
-          </a:blip>
-          <a:stretch>
-            <a:fillRect/>
-          </a:stretch>
-        </p:blipFill>
-        <p:spPr>
-          <a:xfrm>
-            <a:off x="10071914" y="4707546"/>
-            <a:ext cx="886836" cy="886836"/>
+      <p:sp>
+        <p:nvSpPr>
+          <p:cNvPr id="9" name="TextBox 8">
+            <a:extLst>
+              <a:ext uri="{FF2B5EF4-FFF2-40B4-BE49-F238E27FC236}">
+                <a16:creationId xmlns:a16="http://schemas.microsoft.com/office/drawing/2014/main" id="{BCB209BC-9AB9-406D-941D-4398A1005A0B}"/>
+              </a:ext>
+            </a:extLst>
+          </p:cNvPr>
+          <p:cNvSpPr txBox="1"/>
+          <p:nvPr/>
+        </p:nvSpPr>
+        <p:spPr>
+          <a:xfrm>
+            <a:off x="7795191" y="3415213"/>
+            <a:ext cx="2805576" cy="369332"/>
           </a:xfrm>
           <a:prstGeom prst="rect">
             <a:avLst/>
           </a:prstGeom>
-          <a:scene3d>
-            <a:camera prst="orthographicFront">
-              <a:rot lat="0" lon="10800000" rev="0"/>
-            </a:camera>
-            <a:lightRig rig="threePt" dir="t"/>
-          </a:scene3d>
-        </p:spPr>
-      </p:pic>
-      <p:pic>
-        <p:nvPicPr>
-          <p:cNvPr id="42" name="그림 41" descr="벡터그래픽이(가) 표시된 사진&#10;&#10;자동 생성된 설명">
-            <a:extLst>
-              <a:ext uri="{FF2B5EF4-FFF2-40B4-BE49-F238E27FC236}">
-                <a16:creationId xmlns:a16="http://schemas.microsoft.com/office/drawing/2014/main" id="{F700F386-8E6E-4C1C-86AF-449A7AA18642}"/>
-              </a:ext>
-            </a:extLst>
-          </p:cNvPr>
-          <p:cNvPicPr>
-            <a:picLocks noChangeAspect="1"/>
-          </p:cNvPicPr>
-          <p:nvPr/>
-        </p:nvPicPr>
-        <p:blipFill>
-          <a:blip r:embed="rId4">
-            <a:extLst>
-              <a:ext uri="{28A0092B-C50C-407E-A947-70E740481C1C}">
-                <a14:useLocalDpi xmlns:a14="http://schemas.microsoft.com/office/drawing/2010/main" val="0"/>
-              </a:ext>
-            </a:extLst>
-          </a:blip>
-          <a:stretch>
-            <a:fillRect/>
-          </a:stretch>
-        </p:blipFill>
-        <p:spPr>
-          <a:xfrm>
-            <a:off x="10687277" y="4655053"/>
-            <a:ext cx="914400" cy="914400"/>
-          </a:xfrm>
-          <a:prstGeom prst="rect">
-            <a:avLst/>
-          </a:prstGeom>
-        </p:spPr>
-      </p:pic>
-      <p:pic>
-        <p:nvPicPr>
-          <p:cNvPr id="43" name="그림 42" descr="텍스트이(가) 표시된 사진&#10;&#10;자동 생성된 설명">
-            <a:extLst>
-              <a:ext uri="{FF2B5EF4-FFF2-40B4-BE49-F238E27FC236}">
-                <a16:creationId xmlns:a16="http://schemas.microsoft.com/office/drawing/2014/main" id="{8BBE5C4C-D5B5-442A-8F6F-48E405D220DA}"/>
-              </a:ext>
-            </a:extLst>
-          </p:cNvPr>
-          <p:cNvPicPr>
-            <a:picLocks noChangeAspect="1"/>
-          </p:cNvPicPr>
-          <p:nvPr/>
-        </p:nvPicPr>
-        <p:blipFill>
-          <a:blip r:embed="rId5">
-            <a:extLst>
-              <a:ext uri="{28A0092B-C50C-407E-A947-70E740481C1C}">
-                <a14:useLocalDpi xmlns:a14="http://schemas.microsoft.com/office/drawing/2010/main" val="0"/>
-              </a:ext>
-            </a:extLst>
-          </a:blip>
-          <a:stretch>
-            <a:fillRect/>
-          </a:stretch>
-        </p:blipFill>
-        <p:spPr>
-          <a:xfrm>
-            <a:off x="8771273" y="2992197"/>
-            <a:ext cx="886836" cy="886836"/>
-          </a:xfrm>
-          <a:prstGeom prst="rect">
-            <a:avLst/>
-          </a:prstGeom>
-        </p:spPr>
-      </p:pic>
-      <p:pic>
-        <p:nvPicPr>
-          <p:cNvPr id="44" name="그림 43" descr="텍스트이(가) 표시된 사진&#10;&#10;자동 생성된 설명">
-            <a:extLst>
-              <a:ext uri="{FF2B5EF4-FFF2-40B4-BE49-F238E27FC236}">
-                <a16:creationId xmlns:a16="http://schemas.microsoft.com/office/drawing/2014/main" id="{9B8431FB-9417-4C7A-A126-86183E6542FF}"/>
-              </a:ext>
-            </a:extLst>
-          </p:cNvPr>
-          <p:cNvPicPr>
-            <a:picLocks noChangeAspect="1"/>
-          </p:cNvPicPr>
-          <p:nvPr/>
-        </p:nvPicPr>
-        <p:blipFill>
-          <a:blip r:embed="rId5">
-            <a:extLst>
-              <a:ext uri="{28A0092B-C50C-407E-A947-70E740481C1C}">
-                <a14:useLocalDpi xmlns:a14="http://schemas.microsoft.com/office/drawing/2010/main" val="0"/>
-              </a:ext>
-            </a:extLst>
-          </a:blip>
-          <a:stretch>
-            <a:fillRect/>
-          </a:stretch>
-        </p:blipFill>
-        <p:spPr>
-          <a:xfrm>
-            <a:off x="8827406" y="4743795"/>
-            <a:ext cx="886836" cy="886836"/>
-          </a:xfrm>
-          <a:prstGeom prst="rect">
-            <a:avLst/>
-          </a:prstGeom>
-        </p:spPr>
-      </p:pic>
-      <p:pic>
-        <p:nvPicPr>
-          <p:cNvPr id="45" name="그림 44" descr="텍스트이(가) 표시된 사진&#10;&#10;자동 생성된 설명">
-            <a:extLst>
-              <a:ext uri="{FF2B5EF4-FFF2-40B4-BE49-F238E27FC236}">
-                <a16:creationId xmlns:a16="http://schemas.microsoft.com/office/drawing/2014/main" id="{F20009B3-FB23-4582-BD41-F0D0F9331B27}"/>
-              </a:ext>
-            </a:extLst>
-          </p:cNvPr>
-          <p:cNvPicPr>
-            <a:picLocks noChangeAspect="1"/>
-          </p:cNvPicPr>
-          <p:nvPr/>
-        </p:nvPicPr>
-        <p:blipFill>
-          <a:blip r:embed="rId5">
-            <a:extLst>
-              <a:ext uri="{28A0092B-C50C-407E-A947-70E740481C1C}">
-                <a14:useLocalDpi xmlns:a14="http://schemas.microsoft.com/office/drawing/2010/main" val="0"/>
-              </a:ext>
-            </a:extLst>
-          </a:blip>
-          <a:stretch>
-            <a:fillRect/>
-          </a:stretch>
-        </p:blipFill>
-        <p:spPr>
-          <a:xfrm>
-            <a:off x="7594416" y="4735110"/>
-            <a:ext cx="886836" cy="886836"/>
-          </a:xfrm>
-          <a:prstGeom prst="rect">
-            <a:avLst/>
-          </a:prstGeom>
-        </p:spPr>
-      </p:pic>
-      <p:pic>
-        <p:nvPicPr>
-          <p:cNvPr id="46" name="그림 45" descr="벡터그래픽이(가) 표시된 사진&#10;&#10;자동 생성된 설명">
-            <a:extLst>
-              <a:ext uri="{FF2B5EF4-FFF2-40B4-BE49-F238E27FC236}">
-                <a16:creationId xmlns:a16="http://schemas.microsoft.com/office/drawing/2014/main" id="{C664A30C-C6D6-4B0B-A114-3E4654291FB8}"/>
-              </a:ext>
-            </a:extLst>
-          </p:cNvPr>
-          <p:cNvPicPr>
-            <a:picLocks noChangeAspect="1"/>
-          </p:cNvPicPr>
-          <p:nvPr/>
-        </p:nvPicPr>
-        <p:blipFill>
-          <a:blip r:embed="rId4">
-            <a:extLst>
-              <a:ext uri="{28A0092B-C50C-407E-A947-70E740481C1C}">
-                <a14:useLocalDpi xmlns:a14="http://schemas.microsoft.com/office/drawing/2010/main" val="0"/>
-              </a:ext>
-            </a:extLst>
-          </a:blip>
-          <a:stretch>
-            <a:fillRect/>
-          </a:stretch>
-        </p:blipFill>
-        <p:spPr>
-          <a:xfrm>
-            <a:off x="6962973" y="4686632"/>
-            <a:ext cx="914400" cy="914400"/>
-          </a:xfrm>
-          <a:prstGeom prst="rect">
-            <a:avLst/>
-          </a:prstGeom>
-        </p:spPr>
-      </p:pic>
-      <p:sp>
-        <p:nvSpPr>
-          <p:cNvPr id="47" name="직사각형 46">
-            <a:extLst>
-              <a:ext uri="{FF2B5EF4-FFF2-40B4-BE49-F238E27FC236}">
-                <a16:creationId xmlns:a16="http://schemas.microsoft.com/office/drawing/2014/main" id="{68FA6A2C-0FCD-4992-9737-6F8A2869A016}"/>
-              </a:ext>
-            </a:extLst>
-          </p:cNvPr>
-          <p:cNvSpPr/>
-          <p:nvPr/>
-        </p:nvSpPr>
-        <p:spPr>
-          <a:xfrm>
-            <a:off x="8601964" y="2779263"/>
-            <a:ext cx="953634" cy="282763"/>
-          </a:xfrm>
-          <a:prstGeom prst="rect">
-            <a:avLst/>
-          </a:prstGeom>
           <a:noFill/>
-          <a:ln>
-            <a:solidFill>
-              <a:schemeClr val="tx1"/>
-            </a:solidFill>
-          </a:ln>
-        </p:spPr>
-        <p:style>
-          <a:lnRef idx="2">
-            <a:schemeClr val="accent1">
-              <a:shade val="50000"/>
-            </a:schemeClr>
-          </a:lnRef>
-          <a:fillRef idx="1">
-            <a:schemeClr val="accent1"/>
-          </a:fillRef>
-          <a:effectRef idx="0">
-            <a:schemeClr val="accent1"/>
-          </a:effectRef>
-          <a:fontRef idx="minor">
-            <a:schemeClr val="lt1"/>
-          </a:fontRef>
-        </p:style>
-        <p:txBody>
-          <a:bodyPr rtlCol="0" anchor="ctr"/>
-          <a:lstStyle/>
-          <a:p>
-            <a:pPr algn="ctr"/>
-            <a:r>
-              <a:rPr lang="ko-KR" altLang="en-US" sz="1400" dirty="0">
-                <a:solidFill>
-                  <a:schemeClr val="tx1"/>
-                </a:solidFill>
-              </a:rPr>
-              <a:t>납치자</a:t>
-            </a:r>
-          </a:p>
-        </p:txBody>
-      </p:sp>
-      <p:sp>
-        <p:nvSpPr>
-          <p:cNvPr id="48" name="직사각형 47">
-            <a:extLst>
-              <a:ext uri="{FF2B5EF4-FFF2-40B4-BE49-F238E27FC236}">
-                <a16:creationId xmlns:a16="http://schemas.microsoft.com/office/drawing/2014/main" id="{FC62D31D-00E2-4D8A-AB2E-7C79523A6565}"/>
-              </a:ext>
-            </a:extLst>
-          </p:cNvPr>
-          <p:cNvSpPr/>
-          <p:nvPr/>
-        </p:nvSpPr>
-        <p:spPr>
-          <a:xfrm>
-            <a:off x="8620074" y="4496777"/>
-            <a:ext cx="953634" cy="254244"/>
-          </a:xfrm>
-          <a:prstGeom prst="rect">
-            <a:avLst/>
-          </a:prstGeom>
-          <a:noFill/>
-          <a:ln>
-            <a:solidFill>
-              <a:schemeClr val="tx1"/>
-            </a:solidFill>
-          </a:ln>
-        </p:spPr>
-        <p:style>
-          <a:lnRef idx="2">
-            <a:schemeClr val="accent1">
-              <a:shade val="50000"/>
-            </a:schemeClr>
-          </a:lnRef>
-          <a:fillRef idx="1">
-            <a:schemeClr val="accent1"/>
-          </a:fillRef>
-          <a:effectRef idx="0">
-            <a:schemeClr val="accent1"/>
-          </a:effectRef>
-          <a:fontRef idx="minor">
-            <a:schemeClr val="lt1"/>
-          </a:fontRef>
-        </p:style>
-        <p:txBody>
-          <a:bodyPr rtlCol="0" anchor="ctr"/>
-          <a:lstStyle/>
-          <a:p>
-            <a:pPr algn="ctr"/>
-            <a:r>
-              <a:rPr lang="ko-KR" altLang="en-US" sz="1400" dirty="0">
-                <a:solidFill>
-                  <a:schemeClr val="tx1"/>
-                </a:solidFill>
-              </a:rPr>
-              <a:t>시민</a:t>
-            </a:r>
-          </a:p>
-        </p:txBody>
-      </p:sp>
-      <p:sp>
-        <p:nvSpPr>
-          <p:cNvPr id="56" name="직사각형 55">
-            <a:extLst>
-              <a:ext uri="{FF2B5EF4-FFF2-40B4-BE49-F238E27FC236}">
-                <a16:creationId xmlns:a16="http://schemas.microsoft.com/office/drawing/2014/main" id="{D16E6E72-8D8E-4132-BC62-2EECC7D69C9B}"/>
-              </a:ext>
-            </a:extLst>
-          </p:cNvPr>
-          <p:cNvSpPr/>
-          <p:nvPr/>
-        </p:nvSpPr>
-        <p:spPr>
-          <a:xfrm>
-            <a:off x="6788181" y="1062943"/>
-            <a:ext cx="45719" cy="400110"/>
-          </a:xfrm>
-          <a:prstGeom prst="rect">
-            <a:avLst/>
-          </a:prstGeom>
-          <a:solidFill>
-            <a:schemeClr val="tx1"/>
-          </a:solidFill>
-          <a:ln>
-            <a:noFill/>
-          </a:ln>
-        </p:spPr>
-        <p:style>
-          <a:lnRef idx="2">
-            <a:schemeClr val="accent1">
-              <a:shade val="50000"/>
-            </a:schemeClr>
-          </a:lnRef>
-          <a:fillRef idx="1">
-            <a:schemeClr val="accent1"/>
-          </a:fillRef>
-          <a:effectRef idx="0">
-            <a:schemeClr val="accent1"/>
-          </a:effectRef>
-          <a:fontRef idx="minor">
-            <a:schemeClr val="lt1"/>
-          </a:fontRef>
-        </p:style>
-        <p:txBody>
-          <a:bodyPr rtlCol="0" anchor="ctr"/>
-          <a:lstStyle/>
-          <a:p>
-            <a:pPr algn="ctr"/>
-            <a:endParaRPr lang="ko-KR" altLang="en-US"/>
-          </a:p>
-        </p:txBody>
-      </p:sp>
-      <p:sp>
-        <p:nvSpPr>
-          <p:cNvPr id="58" name="TextBox 57">
-            <a:extLst>
-              <a:ext uri="{FF2B5EF4-FFF2-40B4-BE49-F238E27FC236}">
-                <a16:creationId xmlns:a16="http://schemas.microsoft.com/office/drawing/2014/main" id="{60033CC1-A74B-462D-AD05-2B197AA13F2F}"/>
-              </a:ext>
-            </a:extLst>
-          </p:cNvPr>
-          <p:cNvSpPr txBox="1"/>
-          <p:nvPr/>
-        </p:nvSpPr>
-        <p:spPr>
-          <a:xfrm>
-            <a:off x="6814710" y="1068058"/>
-            <a:ext cx="1201032" cy="400110"/>
-          </a:xfrm>
-          <a:prstGeom prst="rect">
-            <a:avLst/>
-          </a:prstGeom>
-          <a:noFill/>
-        </p:spPr>
-        <p:txBody>
-          <a:bodyPr wrap="square" rtlCol="0">
+        </p:spPr>
+        <p:txBody>
+          <a:bodyPr wrap="none" rtlCol="0">
             <a:spAutoFit/>
           </a:bodyPr>
           <a:lstStyle/>
           <a:p>
             <a:r>
-              <a:rPr lang="ko-KR" altLang="en-US" sz="2000" b="1" dirty="0"/>
-              <a:t>인벤토리</a:t>
-            </a:r>
-            <a:endParaRPr lang="en-US" altLang="ko-KR" sz="2000" b="1" dirty="0"/>
+              <a:rPr lang="ko-KR" altLang="en-US" dirty="0"/>
+              <a:t>모두 이 섬을 탈출하세요</a:t>
+            </a:r>
+            <a:r>
+              <a:rPr lang="en-US" altLang="ko-KR" dirty="0"/>
+              <a:t>!</a:t>
+            </a:r>
+            <a:endParaRPr lang="ko-KR" altLang="en-US" dirty="0"/>
           </a:p>
         </p:txBody>
       </p:sp>
     </p:spTree>
     <p:extLst>
       <p:ext uri="{BB962C8B-B14F-4D97-AF65-F5344CB8AC3E}">
-        <p14:creationId xmlns:p14="http://schemas.microsoft.com/office/powerpoint/2010/main" val="122669228"/>
+        <p14:creationId xmlns:p14="http://schemas.microsoft.com/office/powerpoint/2010/main" val="1040996918"/>
       </p:ext>
     </p:extLst>
   </p:cSld>
@@ -25399,10 +26361,10 @@
       </p:grpSpPr>
       <p:sp>
         <p:nvSpPr>
-          <p:cNvPr id="26" name="사각형: 둥근 모서리 25">
-            <a:extLst>
-              <a:ext uri="{FF2B5EF4-FFF2-40B4-BE49-F238E27FC236}">
-                <a16:creationId xmlns:a16="http://schemas.microsoft.com/office/drawing/2014/main" id="{0308313E-D446-4C9E-BB3E-B4BC9C897152}"/>
+          <p:cNvPr id="12" name="사각형: 둥근 모서리 11">
+            <a:extLst>
+              <a:ext uri="{FF2B5EF4-FFF2-40B4-BE49-F238E27FC236}">
+                <a16:creationId xmlns:a16="http://schemas.microsoft.com/office/drawing/2014/main" id="{6CA48564-8D2A-41E2-9BC0-77500EB8993D}"/>
               </a:ext>
             </a:extLst>
           </p:cNvPr>
@@ -25454,10 +26416,118 @@
       </p:sp>
       <p:sp>
         <p:nvSpPr>
-          <p:cNvPr id="4" name="직사각형 3">
-            <a:extLst>
-              <a:ext uri="{FF2B5EF4-FFF2-40B4-BE49-F238E27FC236}">
-                <a16:creationId xmlns:a16="http://schemas.microsoft.com/office/drawing/2014/main" id="{AE93FE2A-85FE-4157-951C-FC2FADBB3B34}"/>
+          <p:cNvPr id="68" name="TextBox 67">
+            <a:extLst>
+              <a:ext uri="{FF2B5EF4-FFF2-40B4-BE49-F238E27FC236}">
+                <a16:creationId xmlns:a16="http://schemas.microsoft.com/office/drawing/2014/main" id="{12658D71-6CFE-4718-A222-A59F9BFD9DCA}"/>
+              </a:ext>
+            </a:extLst>
+          </p:cNvPr>
+          <p:cNvSpPr txBox="1"/>
+          <p:nvPr/>
+        </p:nvSpPr>
+        <p:spPr>
+          <a:xfrm>
+            <a:off x="206463" y="1037795"/>
+            <a:ext cx="199618" cy="400110"/>
+          </a:xfrm>
+          <a:prstGeom prst="rect">
+            <a:avLst/>
+          </a:prstGeom>
+          <a:noFill/>
+        </p:spPr>
+        <p:txBody>
+          <a:bodyPr wrap="square" rtlCol="0">
+            <a:spAutoFit/>
+          </a:bodyPr>
+          <a:lstStyle/>
+          <a:p>
+            <a:r>
+              <a:rPr lang="ko-KR" altLang="en-US" sz="2000" b="1" dirty="0"/>
+              <a:t>킬</a:t>
+            </a:r>
+            <a:endParaRPr lang="en-US" altLang="ko-KR" sz="2000" b="1" dirty="0"/>
+          </a:p>
+        </p:txBody>
+      </p:sp>
+      <p:sp>
+        <p:nvSpPr>
+          <p:cNvPr id="69" name="TextBox 68">
+            <a:extLst>
+              <a:ext uri="{FF2B5EF4-FFF2-40B4-BE49-F238E27FC236}">
+                <a16:creationId xmlns:a16="http://schemas.microsoft.com/office/drawing/2014/main" id="{A6DE0166-3F92-41E3-835F-6EA967B55752}"/>
+              </a:ext>
+            </a:extLst>
+          </p:cNvPr>
+          <p:cNvSpPr txBox="1"/>
+          <p:nvPr/>
+        </p:nvSpPr>
+        <p:spPr>
+          <a:xfrm>
+            <a:off x="853008" y="1048865"/>
+            <a:ext cx="2774268" cy="400110"/>
+          </a:xfrm>
+          <a:prstGeom prst="rect">
+            <a:avLst/>
+          </a:prstGeom>
+          <a:noFill/>
+        </p:spPr>
+        <p:txBody>
+          <a:bodyPr wrap="square">
+            <a:spAutoFit/>
+          </a:bodyPr>
+          <a:lstStyle/>
+          <a:p>
+            <a:r>
+              <a:rPr lang="ko-KR" altLang="en-US" sz="2000" b="1" dirty="0"/>
+              <a:t>회의 후 플레이어 배치</a:t>
+            </a:r>
+            <a:endParaRPr lang="en-US" altLang="ko-KR" sz="2000" b="1" dirty="0"/>
+          </a:p>
+        </p:txBody>
+      </p:sp>
+      <p:sp>
+        <p:nvSpPr>
+          <p:cNvPr id="70" name="TextBox 69">
+            <a:extLst>
+              <a:ext uri="{FF2B5EF4-FFF2-40B4-BE49-F238E27FC236}">
+                <a16:creationId xmlns:a16="http://schemas.microsoft.com/office/drawing/2014/main" id="{CEAB88A2-7ECB-4042-88AE-609A107595B0}"/>
+              </a:ext>
+            </a:extLst>
+          </p:cNvPr>
+          <p:cNvSpPr txBox="1"/>
+          <p:nvPr/>
+        </p:nvSpPr>
+        <p:spPr>
+          <a:xfrm>
+            <a:off x="3627276" y="1041926"/>
+            <a:ext cx="1550870" cy="400110"/>
+          </a:xfrm>
+          <a:prstGeom prst="rect">
+            <a:avLst/>
+          </a:prstGeom>
+          <a:noFill/>
+        </p:spPr>
+        <p:txBody>
+          <a:bodyPr wrap="square">
+            <a:spAutoFit/>
+          </a:bodyPr>
+          <a:lstStyle/>
+          <a:p>
+            <a:r>
+              <a:rPr lang="ko-KR" altLang="en-US" sz="2000" b="1" dirty="0"/>
+              <a:t>게임 구조도 </a:t>
+            </a:r>
+            <a:endParaRPr lang="ko-KR" altLang="en-US" sz="2000" dirty="0"/>
+          </a:p>
+        </p:txBody>
+      </p:sp>
+      <p:sp>
+        <p:nvSpPr>
+          <p:cNvPr id="72" name="직사각형 71">
+            <a:extLst>
+              <a:ext uri="{FF2B5EF4-FFF2-40B4-BE49-F238E27FC236}">
+                <a16:creationId xmlns:a16="http://schemas.microsoft.com/office/drawing/2014/main" id="{3E7A2C32-FFB4-460A-A3B1-F07114F8778D}"/>
               </a:ext>
             </a:extLst>
           </p:cNvPr>
@@ -25466,18 +26536,18 @@
         </p:nvSpPr>
         <p:spPr>
           <a:xfrm>
-            <a:off x="0" y="0"/>
-            <a:ext cx="12192000" cy="1034474"/>
+            <a:off x="746451" y="1054358"/>
+            <a:ext cx="45719" cy="400110"/>
           </a:xfrm>
           <a:prstGeom prst="rect">
             <a:avLst/>
           </a:prstGeom>
           <a:solidFill>
-            <a:schemeClr val="accent5">
-              <a:lumMod val="60000"/>
-              <a:lumOff val="40000"/>
-            </a:schemeClr>
+            <a:schemeClr val="tx1"/>
           </a:solidFill>
+          <a:ln>
+            <a:noFill/>
+          </a:ln>
         </p:spPr>
         <p:style>
           <a:lnRef idx="2">
@@ -25500,82 +26570,35 @@
           <a:lstStyle/>
           <a:p>
             <a:pPr algn="ctr"/>
-            <a:endParaRPr lang="ko-KR" altLang="en-US" dirty="0"/>
-          </a:p>
-        </p:txBody>
-      </p:sp>
-      <p:sp>
-        <p:nvSpPr>
-          <p:cNvPr id="7" name="TextBox 6">
-            <a:extLst>
-              <a:ext uri="{FF2B5EF4-FFF2-40B4-BE49-F238E27FC236}">
-                <a16:creationId xmlns:a16="http://schemas.microsoft.com/office/drawing/2014/main" id="{982817C4-ACF4-45FB-A018-6E6F872691BC}"/>
-              </a:ext>
-            </a:extLst>
-          </p:cNvPr>
-          <p:cNvSpPr txBox="1"/>
-          <p:nvPr/>
-        </p:nvSpPr>
-        <p:spPr>
-          <a:xfrm>
-            <a:off x="646546" y="255627"/>
-            <a:ext cx="8562768" cy="523220"/>
+            <a:endParaRPr lang="ko-KR" altLang="en-US"/>
+          </a:p>
+        </p:txBody>
+      </p:sp>
+      <p:sp>
+        <p:nvSpPr>
+          <p:cNvPr id="74" name="직사각형 73">
+            <a:extLst>
+              <a:ext uri="{FF2B5EF4-FFF2-40B4-BE49-F238E27FC236}">
+                <a16:creationId xmlns:a16="http://schemas.microsoft.com/office/drawing/2014/main" id="{A1F56697-C4DA-4F01-A9A0-9053F965A88D}"/>
+              </a:ext>
+            </a:extLst>
+          </p:cNvPr>
+          <p:cNvSpPr/>
+          <p:nvPr/>
+        </p:nvSpPr>
+        <p:spPr>
+          <a:xfrm>
+            <a:off x="3581557" y="1056727"/>
+            <a:ext cx="45719" cy="400110"/>
           </a:xfrm>
           <a:prstGeom prst="rect">
             <a:avLst/>
           </a:prstGeom>
-          <a:noFill/>
-        </p:spPr>
-        <p:txBody>
-          <a:bodyPr wrap="square" rtlCol="0">
-            <a:spAutoFit/>
-          </a:bodyPr>
-          <a:lstStyle/>
-          <a:p>
-            <a:r>
-              <a:rPr lang="ko-KR" altLang="en-US" sz="2800" b="1" dirty="0"/>
-              <a:t>게임 결과 창 </a:t>
-            </a:r>
-            <a:r>
-              <a:rPr lang="en-US" altLang="ko-KR" sz="2800" b="1" dirty="0"/>
-              <a:t>( </a:t>
-            </a:r>
-            <a:r>
-              <a:rPr lang="ko-KR" altLang="en-US" sz="2800" b="1" dirty="0"/>
-              <a:t>납치자가 다 죽였을 때 결과 창 </a:t>
-            </a:r>
-            <a:r>
-              <a:rPr lang="en-US" altLang="ko-KR" sz="2800" b="1" dirty="0"/>
-              <a:t>)</a:t>
-            </a:r>
-          </a:p>
-        </p:txBody>
-      </p:sp>
-      <p:sp>
-        <p:nvSpPr>
-          <p:cNvPr id="14" name="사각형: 둥근 모서리 13">
-            <a:extLst>
-              <a:ext uri="{FF2B5EF4-FFF2-40B4-BE49-F238E27FC236}">
-                <a16:creationId xmlns:a16="http://schemas.microsoft.com/office/drawing/2014/main" id="{0AAF1AD4-E157-484B-9346-CB1804FD3DF3}"/>
-              </a:ext>
-            </a:extLst>
-          </p:cNvPr>
-          <p:cNvSpPr/>
-          <p:nvPr/>
-        </p:nvSpPr>
-        <p:spPr>
-          <a:xfrm rot="5400000">
-            <a:off x="2351283" y="169148"/>
-            <a:ext cx="3954079" cy="7874742"/>
-          </a:xfrm>
-          <a:prstGeom prst="roundRect">
-            <a:avLst/>
-          </a:prstGeom>
-          <a:noFill/>
-          <a:ln w="38100">
-            <a:solidFill>
-              <a:schemeClr val="tx1"/>
-            </a:solidFill>
+          <a:solidFill>
+            <a:schemeClr val="tx1"/>
+          </a:solidFill>
+          <a:ln>
+            <a:noFill/>
           </a:ln>
         </p:spPr>
         <p:style>
@@ -25599,206 +26622,36 @@
           <a:lstStyle/>
           <a:p>
             <a:pPr algn="ctr"/>
-            <a:endParaRPr lang="ko-KR" altLang="en-US" dirty="0"/>
-          </a:p>
-        </p:txBody>
-      </p:sp>
-      <p:pic>
-        <p:nvPicPr>
-          <p:cNvPr id="1028" name="Picture 4" descr="살인 사건 - 스톡일러스트 [41559464] - PIXTA">
-            <a:extLst>
-              <a:ext uri="{FF2B5EF4-FFF2-40B4-BE49-F238E27FC236}">
-                <a16:creationId xmlns:a16="http://schemas.microsoft.com/office/drawing/2014/main" id="{2FC76769-84F3-4249-96F6-C4634F7C3ADD}"/>
-              </a:ext>
-            </a:extLst>
-          </p:cNvPr>
-          <p:cNvPicPr>
-            <a:picLocks noChangeAspect="1" noChangeArrowheads="1"/>
-          </p:cNvPicPr>
-          <p:nvPr/>
-        </p:nvPicPr>
-        <p:blipFill>
-          <a:blip r:embed="rId3">
-            <a:extLst>
-              <a:ext uri="{BEBA8EAE-BF5A-486C-A8C5-ECC9F3942E4B}">
-                <a14:imgProps xmlns:a14="http://schemas.microsoft.com/office/drawing/2010/main">
-                  <a14:imgLayer r:embed="rId4">
-                    <a14:imgEffect>
-                      <a14:backgroundRemoval t="10000" b="90000" l="10000" r="90000"/>
-                    </a14:imgEffect>
-                  </a14:imgLayer>
-                </a14:imgProps>
-              </a:ext>
-              <a:ext uri="{28A0092B-C50C-407E-A947-70E740481C1C}">
-                <a14:useLocalDpi xmlns:a14="http://schemas.microsoft.com/office/drawing/2010/main" val="0"/>
-              </a:ext>
-            </a:extLst>
-          </a:blip>
-          <a:srcRect/>
-          <a:stretch>
-            <a:fillRect/>
-          </a:stretch>
-        </p:blipFill>
-        <p:spPr bwMode="auto">
-          <a:xfrm>
-            <a:off x="2622987" y="2919996"/>
-            <a:ext cx="3516085" cy="2705737"/>
+            <a:endParaRPr lang="ko-KR" altLang="en-US"/>
+          </a:p>
+        </p:txBody>
+      </p:sp>
+      <p:sp>
+        <p:nvSpPr>
+          <p:cNvPr id="4" name="직사각형 3">
+            <a:extLst>
+              <a:ext uri="{FF2B5EF4-FFF2-40B4-BE49-F238E27FC236}">
+                <a16:creationId xmlns:a16="http://schemas.microsoft.com/office/drawing/2014/main" id="{AE93FE2A-85FE-4157-951C-FC2FADBB3B34}"/>
+              </a:ext>
+            </a:extLst>
+          </p:cNvPr>
+          <p:cNvSpPr/>
+          <p:nvPr/>
+        </p:nvSpPr>
+        <p:spPr>
+          <a:xfrm>
+            <a:off x="0" y="0"/>
+            <a:ext cx="12192000" cy="1034474"/>
           </a:xfrm>
           <a:prstGeom prst="rect">
             <a:avLst/>
           </a:prstGeom>
-          <a:noFill/>
-          <a:extLst>
-            <a:ext uri="{909E8E84-426E-40DD-AFC4-6F175D3DCCD1}">
-              <a14:hiddenFill xmlns:a14="http://schemas.microsoft.com/office/drawing/2010/main">
-                <a:solidFill>
-                  <a:srgbClr val="FFFFFF"/>
-                </a:solidFill>
-              </a14:hiddenFill>
-            </a:ext>
-          </a:extLst>
-        </p:spPr>
-      </p:pic>
-      <p:pic>
-        <p:nvPicPr>
-          <p:cNvPr id="49" name="Picture 4" descr="살인 사건 - 스톡일러스트 [41559464] - PIXTA">
-            <a:extLst>
-              <a:ext uri="{FF2B5EF4-FFF2-40B4-BE49-F238E27FC236}">
-                <a16:creationId xmlns:a16="http://schemas.microsoft.com/office/drawing/2014/main" id="{E4DDF074-E768-4AFE-8A3D-1B943AEBDB78}"/>
-              </a:ext>
-            </a:extLst>
-          </p:cNvPr>
-          <p:cNvPicPr>
-            <a:picLocks noChangeAspect="1" noChangeArrowheads="1"/>
-          </p:cNvPicPr>
-          <p:nvPr/>
-        </p:nvPicPr>
-        <p:blipFill>
-          <a:blip r:embed="rId3">
-            <a:extLst>
-              <a:ext uri="{BEBA8EAE-BF5A-486C-A8C5-ECC9F3942E4B}">
-                <a14:imgProps xmlns:a14="http://schemas.microsoft.com/office/drawing/2010/main">
-                  <a14:imgLayer r:embed="rId4">
-                    <a14:imgEffect>
-                      <a14:backgroundRemoval t="10000" b="90000" l="10000" r="90000"/>
-                    </a14:imgEffect>
-                  </a14:imgLayer>
-                </a14:imgProps>
-              </a:ext>
-              <a:ext uri="{28A0092B-C50C-407E-A947-70E740481C1C}">
-                <a14:useLocalDpi xmlns:a14="http://schemas.microsoft.com/office/drawing/2010/main" val="0"/>
-              </a:ext>
-            </a:extLst>
-          </a:blip>
-          <a:srcRect/>
-          <a:stretch>
-            <a:fillRect/>
-          </a:stretch>
-        </p:blipFill>
-        <p:spPr bwMode="auto">
-          <a:xfrm>
-            <a:off x="1166067" y="2846765"/>
-            <a:ext cx="2835426" cy="2181949"/>
-          </a:xfrm>
-          <a:prstGeom prst="rect">
-            <a:avLst/>
-          </a:prstGeom>
-          <a:noFill/>
-          <a:extLst>
-            <a:ext uri="{909E8E84-426E-40DD-AFC4-6F175D3DCCD1}">
-              <a14:hiddenFill xmlns:a14="http://schemas.microsoft.com/office/drawing/2010/main">
-                <a:solidFill>
-                  <a:srgbClr val="FFFFFF"/>
-                </a:solidFill>
-              </a14:hiddenFill>
-            </a:ext>
-          </a:extLst>
-        </p:spPr>
-      </p:pic>
-      <p:pic>
-        <p:nvPicPr>
-          <p:cNvPr id="50" name="Picture 4" descr="살인 사건 - 스톡일러스트 [41559464] - PIXTA">
-            <a:extLst>
-              <a:ext uri="{FF2B5EF4-FFF2-40B4-BE49-F238E27FC236}">
-                <a16:creationId xmlns:a16="http://schemas.microsoft.com/office/drawing/2014/main" id="{B56AB350-5871-469F-AA06-52F12A00CDC0}"/>
-              </a:ext>
-            </a:extLst>
-          </p:cNvPr>
-          <p:cNvPicPr>
-            <a:picLocks noChangeAspect="1" noChangeArrowheads="1"/>
-          </p:cNvPicPr>
-          <p:nvPr/>
-        </p:nvPicPr>
-        <p:blipFill>
-          <a:blip r:embed="rId3">
-            <a:extLst>
-              <a:ext uri="{BEBA8EAE-BF5A-486C-A8C5-ECC9F3942E4B}">
-                <a14:imgProps xmlns:a14="http://schemas.microsoft.com/office/drawing/2010/main">
-                  <a14:imgLayer r:embed="rId4">
-                    <a14:imgEffect>
-                      <a14:backgroundRemoval t="10000" b="90000" l="10000" r="90000"/>
-                    </a14:imgEffect>
-                  </a14:imgLayer>
-                </a14:imgProps>
-              </a:ext>
-              <a:ext uri="{28A0092B-C50C-407E-A947-70E740481C1C}">
-                <a14:useLocalDpi xmlns:a14="http://schemas.microsoft.com/office/drawing/2010/main" val="0"/>
-              </a:ext>
-            </a:extLst>
-          </a:blip>
-          <a:srcRect/>
-          <a:stretch>
-            <a:fillRect/>
-          </a:stretch>
-        </p:blipFill>
-        <p:spPr bwMode="auto">
-          <a:xfrm>
-            <a:off x="4926876" y="2919996"/>
-            <a:ext cx="2740263" cy="2108718"/>
-          </a:xfrm>
-          <a:prstGeom prst="rect">
-            <a:avLst/>
-          </a:prstGeom>
-          <a:noFill/>
-          <a:extLst>
-            <a:ext uri="{909E8E84-426E-40DD-AFC4-6F175D3DCCD1}">
-              <a14:hiddenFill xmlns:a14="http://schemas.microsoft.com/office/drawing/2010/main">
-                <a:solidFill>
-                  <a:srgbClr val="FFFFFF"/>
-                </a:solidFill>
-              </a14:hiddenFill>
-            </a:ext>
-          </a:extLst>
-        </p:spPr>
-      </p:pic>
-      <p:sp>
-        <p:nvSpPr>
-          <p:cNvPr id="3" name="직사각형 2">
-            <a:extLst>
-              <a:ext uri="{FF2B5EF4-FFF2-40B4-BE49-F238E27FC236}">
-                <a16:creationId xmlns:a16="http://schemas.microsoft.com/office/drawing/2014/main" id="{2C18C050-3297-43B0-B3DD-79AF0F21F07D}"/>
-              </a:ext>
-            </a:extLst>
-          </p:cNvPr>
-          <p:cNvSpPr/>
-          <p:nvPr/>
-        </p:nvSpPr>
-        <p:spPr>
-          <a:xfrm>
-            <a:off x="8518845" y="2748914"/>
-            <a:ext cx="3405674" cy="2715209"/>
-          </a:xfrm>
-          <a:prstGeom prst="rect">
-            <a:avLst/>
-          </a:prstGeom>
           <a:solidFill>
-            <a:schemeClr val="bg1"/>
+            <a:schemeClr val="accent5">
+              <a:lumMod val="60000"/>
+              <a:lumOff val="40000"/>
+            </a:schemeClr>
           </a:solidFill>
-          <a:ln w="38100">
-            <a:solidFill>
-              <a:schemeClr val="tx1"/>
-            </a:solidFill>
-          </a:ln>
         </p:spPr>
         <p:style>
           <a:lnRef idx="2">
@@ -25820,151 +26673,17 @@
           <a:bodyPr rtlCol="0" anchor="ctr"/>
           <a:lstStyle/>
           <a:p>
-            <a:pPr marL="285750" indent="-285750" algn="ctr">
-              <a:buFontTx/>
-              <a:buChar char="-"/>
-            </a:pPr>
-            <a:r>
-              <a:rPr lang="ko-KR" altLang="en-US" sz="1600" b="1" dirty="0">
-                <a:solidFill>
-                  <a:schemeClr val="tx1"/>
-                </a:solidFill>
-              </a:rPr>
-              <a:t>검은 화면에서 총소리 또는 </a:t>
-            </a:r>
-            <a:br>
-              <a:rPr lang="en-US" altLang="ko-KR" sz="1600" b="1" dirty="0">
-                <a:solidFill>
-                  <a:schemeClr val="tx1"/>
-                </a:solidFill>
-              </a:rPr>
-            </a:br>
-            <a:r>
-              <a:rPr lang="ko-KR" altLang="en-US" sz="1600" b="1" dirty="0">
-                <a:solidFill>
-                  <a:schemeClr val="tx1"/>
-                </a:solidFill>
-              </a:rPr>
-              <a:t>칼 찔리는 소리가 난 후 캐릭터 모양은 아니지만 </a:t>
-            </a:r>
-            <a:r>
-              <a:rPr lang="en-US" altLang="ko-KR" sz="1600" b="1" dirty="0">
-                <a:solidFill>
-                  <a:schemeClr val="tx1"/>
-                </a:solidFill>
-              </a:rPr>
-              <a:t>3</a:t>
-            </a:r>
-            <a:r>
-              <a:rPr lang="ko-KR" altLang="en-US" sz="1600" b="1" dirty="0">
-                <a:solidFill>
-                  <a:schemeClr val="tx1"/>
-                </a:solidFill>
-              </a:rPr>
-              <a:t>개의 사람 </a:t>
-            </a:r>
-            <a:br>
-              <a:rPr lang="en-US" altLang="ko-KR" sz="1600" b="1" dirty="0">
-                <a:solidFill>
-                  <a:schemeClr val="tx1"/>
-                </a:solidFill>
-              </a:rPr>
-            </a:br>
-            <a:r>
-              <a:rPr lang="ko-KR" altLang="en-US" sz="1600" b="1" dirty="0">
-                <a:solidFill>
-                  <a:schemeClr val="tx1"/>
-                </a:solidFill>
-              </a:rPr>
-              <a:t>모양의 아이콘이 죽어 있으며 </a:t>
-            </a:r>
-            <a:br>
-              <a:rPr lang="en-US" altLang="ko-KR" sz="1600" b="1" dirty="0">
-                <a:solidFill>
-                  <a:schemeClr val="tx1"/>
-                </a:solidFill>
-              </a:rPr>
-            </a:br>
-            <a:r>
-              <a:rPr lang="ko-KR" altLang="en-US" sz="1600" b="1" dirty="0">
-                <a:solidFill>
-                  <a:schemeClr val="tx1"/>
-                </a:solidFill>
-              </a:rPr>
-              <a:t>다시 검은 화면으로 바뀜</a:t>
-            </a:r>
-            <a:r>
-              <a:rPr lang="en-US" altLang="ko-KR" sz="1600" b="1" dirty="0">
-                <a:solidFill>
-                  <a:schemeClr val="tx1"/>
-                </a:solidFill>
-              </a:rPr>
-              <a:t>.</a:t>
-            </a:r>
-          </a:p>
-          <a:p>
             <a:pPr algn="ctr"/>
-            <a:endParaRPr lang="en-US" altLang="ko-KR" sz="1600" b="1" dirty="0">
-              <a:solidFill>
-                <a:schemeClr val="tx1"/>
-              </a:solidFill>
-            </a:endParaRPr>
-          </a:p>
-          <a:p>
-            <a:pPr algn="ctr"/>
-            <a:r>
-              <a:rPr lang="en-US" altLang="ko-KR" sz="1600" b="1" dirty="0">
-                <a:solidFill>
-                  <a:schemeClr val="tx1"/>
-                </a:solidFill>
-              </a:rPr>
-              <a:t>- </a:t>
-            </a:r>
-            <a:r>
-              <a:rPr lang="ko-KR" altLang="en-US" sz="1600" b="1" dirty="0">
-                <a:solidFill>
-                  <a:schemeClr val="tx1"/>
-                </a:solidFill>
-              </a:rPr>
-              <a:t>이 후에 공통 결과창으로 </a:t>
-            </a:r>
-            <a:br>
-              <a:rPr lang="en-US" altLang="ko-KR" sz="1600" b="1" dirty="0">
-                <a:solidFill>
-                  <a:schemeClr val="tx1"/>
-                </a:solidFill>
-              </a:rPr>
-            </a:br>
-            <a:r>
-              <a:rPr lang="ko-KR" altLang="en-US" sz="1600" b="1" dirty="0">
-                <a:solidFill>
-                  <a:schemeClr val="tx1"/>
-                </a:solidFill>
-              </a:rPr>
-              <a:t>넘어간다</a:t>
-            </a:r>
-            <a:r>
-              <a:rPr lang="en-US" altLang="ko-KR" sz="1600" b="1" dirty="0">
-                <a:solidFill>
-                  <a:schemeClr val="tx1"/>
-                </a:solidFill>
-              </a:rPr>
-              <a:t>.</a:t>
-            </a:r>
-            <a:endParaRPr lang="ko-KR" altLang="en-US" sz="1600" b="1" dirty="0">
-              <a:solidFill>
-                <a:schemeClr val="tx1"/>
-              </a:solidFill>
-            </a:endParaRPr>
-          </a:p>
-        </p:txBody>
-      </p:sp>
-      <p:sp>
-        <p:nvSpPr>
-          <p:cNvPr id="17" name="TextBox 16">
-            <a:extLst>
-              <a:ext uri="{FF2B5EF4-FFF2-40B4-BE49-F238E27FC236}">
-                <a16:creationId xmlns:a16="http://schemas.microsoft.com/office/drawing/2014/main" id="{33949146-2C9F-4FC5-BF65-375C68F174B1}"/>
+            <a:endParaRPr lang="ko-KR" altLang="en-US" dirty="0"/>
+          </a:p>
+        </p:txBody>
+      </p:sp>
+      <p:sp>
+        <p:nvSpPr>
+          <p:cNvPr id="7" name="TextBox 6">
+            <a:extLst>
+              <a:ext uri="{FF2B5EF4-FFF2-40B4-BE49-F238E27FC236}">
+                <a16:creationId xmlns:a16="http://schemas.microsoft.com/office/drawing/2014/main" id="{982817C4-ACF4-45FB-A018-6E6F872691BC}"/>
               </a:ext>
             </a:extLst>
           </p:cNvPr>
@@ -25973,8 +26692,8 @@
         </p:nvSpPr>
         <p:spPr>
           <a:xfrm>
-            <a:off x="206463" y="1037795"/>
-            <a:ext cx="199618" cy="400110"/>
+            <a:off x="646546" y="255627"/>
+            <a:ext cx="5700610" cy="523220"/>
           </a:xfrm>
           <a:prstGeom prst="rect">
             <a:avLst/>
@@ -25988,91 +26707,30 @@
           <a:lstStyle/>
           <a:p>
             <a:r>
-              <a:rPr lang="ko-KR" altLang="en-US" sz="2000" b="1" dirty="0"/>
-              <a:t>킬</a:t>
-            </a:r>
-            <a:endParaRPr lang="en-US" altLang="ko-KR" sz="2000" b="1" dirty="0"/>
-          </a:p>
-        </p:txBody>
-      </p:sp>
-      <p:sp>
-        <p:nvSpPr>
-          <p:cNvPr id="18" name="TextBox 17">
-            <a:extLst>
-              <a:ext uri="{FF2B5EF4-FFF2-40B4-BE49-F238E27FC236}">
-                <a16:creationId xmlns:a16="http://schemas.microsoft.com/office/drawing/2014/main" id="{07F4FA26-8309-4DD0-A6DE-D71E76CE04FD}"/>
-              </a:ext>
-            </a:extLst>
-          </p:cNvPr>
-          <p:cNvSpPr txBox="1"/>
-          <p:nvPr/>
-        </p:nvSpPr>
-        <p:spPr>
-          <a:xfrm>
-            <a:off x="853008" y="1048865"/>
-            <a:ext cx="2774268" cy="400110"/>
-          </a:xfrm>
-          <a:prstGeom prst="rect">
-            <a:avLst/>
-          </a:prstGeom>
-          <a:noFill/>
-        </p:spPr>
-        <p:txBody>
-          <a:bodyPr wrap="square">
-            <a:spAutoFit/>
-          </a:bodyPr>
-          <a:lstStyle/>
-          <a:p>
-            <a:r>
-              <a:rPr lang="ko-KR" altLang="en-US" sz="2000" b="1" dirty="0"/>
-              <a:t>회의 후 플레이어 배치</a:t>
-            </a:r>
-            <a:endParaRPr lang="en-US" altLang="ko-KR" sz="2000" b="1" dirty="0"/>
-          </a:p>
-        </p:txBody>
-      </p:sp>
-      <p:sp>
-        <p:nvSpPr>
-          <p:cNvPr id="19" name="TextBox 18">
-            <a:extLst>
-              <a:ext uri="{FF2B5EF4-FFF2-40B4-BE49-F238E27FC236}">
-                <a16:creationId xmlns:a16="http://schemas.microsoft.com/office/drawing/2014/main" id="{21E7E867-9666-4B05-B927-1B36C6C02601}"/>
-              </a:ext>
-            </a:extLst>
-          </p:cNvPr>
-          <p:cNvSpPr txBox="1"/>
-          <p:nvPr/>
-        </p:nvSpPr>
-        <p:spPr>
-          <a:xfrm>
-            <a:off x="3627276" y="1041926"/>
-            <a:ext cx="1550870" cy="400110"/>
-          </a:xfrm>
-          <a:prstGeom prst="rect">
-            <a:avLst/>
-          </a:prstGeom>
-          <a:noFill/>
-        </p:spPr>
-        <p:txBody>
-          <a:bodyPr wrap="square">
-            <a:spAutoFit/>
-          </a:bodyPr>
-          <a:lstStyle/>
-          <a:p>
-            <a:r>
-              <a:rPr lang="ko-KR" altLang="en-US" sz="2000" b="1" dirty="0"/>
-              <a:t>게임 구조도 </a:t>
-            </a:r>
-            <a:endParaRPr lang="ko-KR" altLang="en-US" sz="2000" dirty="0"/>
-          </a:p>
-        </p:txBody>
-      </p:sp>
-      <p:sp>
-        <p:nvSpPr>
-          <p:cNvPr id="20" name="직사각형 19">
-            <a:extLst>
-              <a:ext uri="{FF2B5EF4-FFF2-40B4-BE49-F238E27FC236}">
-                <a16:creationId xmlns:a16="http://schemas.microsoft.com/office/drawing/2014/main" id="{F880190F-4EB5-4AF1-80B6-081EC402A06A}"/>
+              <a:rPr lang="ko-KR" altLang="en-US" sz="2800" b="1" dirty="0"/>
+              <a:t>게임 결과 창 </a:t>
+            </a:r>
+            <a:r>
+              <a:rPr lang="en-US" altLang="ko-KR" sz="2800" b="1" dirty="0"/>
+              <a:t>( </a:t>
+            </a:r>
+            <a:r>
+              <a:rPr lang="ko-KR" altLang="en-US" sz="2800" b="1" dirty="0"/>
+              <a:t>공통 결과 창</a:t>
+            </a:r>
+            <a:r>
+              <a:rPr lang="en-US" altLang="ko-KR" sz="2800" b="1" dirty="0"/>
+              <a:t> )</a:t>
+            </a:r>
+          </a:p>
+        </p:txBody>
+      </p:sp>
+      <p:sp>
+        <p:nvSpPr>
+          <p:cNvPr id="10" name="직사각형 9">
+            <a:extLst>
+              <a:ext uri="{FF2B5EF4-FFF2-40B4-BE49-F238E27FC236}">
+                <a16:creationId xmlns:a16="http://schemas.microsoft.com/office/drawing/2014/main" id="{46A0F60D-0077-4149-B062-DBD9307E6FEA}"/>
               </a:ext>
             </a:extLst>
           </p:cNvPr>
@@ -26081,7 +26739,7 @@
         </p:nvSpPr>
         <p:spPr>
           <a:xfrm>
-            <a:off x="746451" y="1054358"/>
+            <a:off x="5161545" y="1041173"/>
             <a:ext cx="45719" cy="400110"/>
           </a:xfrm>
           <a:prstGeom prst="rect">
@@ -26121,10 +26779,46 @@
       </p:sp>
       <p:sp>
         <p:nvSpPr>
-          <p:cNvPr id="21" name="직사각형 20">
-            <a:extLst>
-              <a:ext uri="{FF2B5EF4-FFF2-40B4-BE49-F238E27FC236}">
-                <a16:creationId xmlns:a16="http://schemas.microsoft.com/office/drawing/2014/main" id="{2D36705C-A127-4359-B849-4EECD90E67E3}"/>
+          <p:cNvPr id="11" name="TextBox 10">
+            <a:extLst>
+              <a:ext uri="{FF2B5EF4-FFF2-40B4-BE49-F238E27FC236}">
+                <a16:creationId xmlns:a16="http://schemas.microsoft.com/office/drawing/2014/main" id="{D3CFEE73-41B2-4270-8C30-853053249758}"/>
+              </a:ext>
+            </a:extLst>
+          </p:cNvPr>
+          <p:cNvSpPr txBox="1"/>
+          <p:nvPr/>
+        </p:nvSpPr>
+        <p:spPr>
+          <a:xfrm>
+            <a:off x="5197933" y="1045029"/>
+            <a:ext cx="1678530" cy="400110"/>
+          </a:xfrm>
+          <a:prstGeom prst="rect">
+            <a:avLst/>
+          </a:prstGeom>
+          <a:noFill/>
+        </p:spPr>
+        <p:txBody>
+          <a:bodyPr wrap="square">
+            <a:spAutoFit/>
+          </a:bodyPr>
+          <a:lstStyle/>
+          <a:p>
+            <a:r>
+              <a:rPr lang="ko-KR" altLang="en-US" sz="2000" b="1" dirty="0"/>
+              <a:t>게임 결과 창 </a:t>
+            </a:r>
+            <a:endParaRPr lang="ko-KR" altLang="en-US" sz="2000" dirty="0"/>
+          </a:p>
+        </p:txBody>
+      </p:sp>
+      <p:sp>
+        <p:nvSpPr>
+          <p:cNvPr id="14" name="사각형: 둥근 모서리 13">
+            <a:extLst>
+              <a:ext uri="{FF2B5EF4-FFF2-40B4-BE49-F238E27FC236}">
+                <a16:creationId xmlns:a16="http://schemas.microsoft.com/office/drawing/2014/main" id="{0AAF1AD4-E157-484B-9346-CB1804FD3DF3}"/>
               </a:ext>
             </a:extLst>
           </p:cNvPr>
@@ -26132,18 +26826,18 @@
           <p:nvPr/>
         </p:nvSpPr>
         <p:spPr>
-          <a:xfrm>
-            <a:off x="3581557" y="1056727"/>
-            <a:ext cx="45719" cy="400110"/>
-          </a:xfrm>
-          <a:prstGeom prst="rect">
-            <a:avLst/>
-          </a:prstGeom>
-          <a:solidFill>
-            <a:schemeClr val="tx1"/>
-          </a:solidFill>
-          <a:ln>
-            <a:noFill/>
+          <a:xfrm rot="5400000">
+            <a:off x="1726353" y="1298204"/>
+            <a:ext cx="2862400" cy="5700610"/>
+          </a:xfrm>
+          <a:prstGeom prst="roundRect">
+            <a:avLst/>
+          </a:prstGeom>
+          <a:noFill/>
+          <a:ln w="38100">
+            <a:solidFill>
+              <a:schemeClr val="tx1"/>
+            </a:solidFill>
           </a:ln>
         </p:spPr>
         <p:style>
@@ -26167,16 +26861,16 @@
           <a:lstStyle/>
           <a:p>
             <a:pPr algn="ctr"/>
-            <a:endParaRPr lang="ko-KR" altLang="en-US"/>
-          </a:p>
-        </p:txBody>
-      </p:sp>
-      <p:sp>
-        <p:nvSpPr>
-          <p:cNvPr id="22" name="직사각형 21">
-            <a:extLst>
-              <a:ext uri="{FF2B5EF4-FFF2-40B4-BE49-F238E27FC236}">
-                <a16:creationId xmlns:a16="http://schemas.microsoft.com/office/drawing/2014/main" id="{96503DDE-4A52-4186-81BD-FEC2C2F6F143}"/>
+            <a:endParaRPr lang="ko-KR" altLang="en-US" dirty="0"/>
+          </a:p>
+        </p:txBody>
+      </p:sp>
+      <p:sp>
+        <p:nvSpPr>
+          <p:cNvPr id="2" name="직사각형 1">
+            <a:extLst>
+              <a:ext uri="{FF2B5EF4-FFF2-40B4-BE49-F238E27FC236}">
+                <a16:creationId xmlns:a16="http://schemas.microsoft.com/office/drawing/2014/main" id="{8DA77785-D063-44D1-8E37-0FBA8703B670}"/>
               </a:ext>
             </a:extLst>
           </p:cNvPr>
@@ -26185,18 +26879,18 @@
         </p:nvSpPr>
         <p:spPr>
           <a:xfrm>
-            <a:off x="5161545" y="1041173"/>
-            <a:ext cx="45719" cy="400110"/>
+            <a:off x="314893" y="3867268"/>
+            <a:ext cx="5710334" cy="651315"/>
           </a:xfrm>
           <a:prstGeom prst="rect">
             <a:avLst/>
           </a:prstGeom>
           <a:solidFill>
-            <a:schemeClr val="tx1"/>
+            <a:schemeClr val="accent2">
+              <a:lumMod val="40000"/>
+              <a:lumOff val="60000"/>
+            </a:schemeClr>
           </a:solidFill>
-          <a:ln>
-            <a:noFill/>
-          </a:ln>
         </p:spPr>
         <p:style>
           <a:lnRef idx="2">
@@ -26219,71 +26913,426 @@
           <a:lstStyle/>
           <a:p>
             <a:pPr algn="ctr"/>
-            <a:endParaRPr lang="ko-KR" altLang="en-US"/>
-          </a:p>
-        </p:txBody>
-      </p:sp>
-      <p:sp>
-        <p:nvSpPr>
-          <p:cNvPr id="23" name="TextBox 22">
-            <a:extLst>
-              <a:ext uri="{FF2B5EF4-FFF2-40B4-BE49-F238E27FC236}">
-                <a16:creationId xmlns:a16="http://schemas.microsoft.com/office/drawing/2014/main" id="{2B544717-CDCA-48BD-9C8F-2CE5992EB1B7}"/>
-              </a:ext>
-            </a:extLst>
-          </p:cNvPr>
-          <p:cNvSpPr txBox="1"/>
-          <p:nvPr/>
-        </p:nvSpPr>
-        <p:spPr>
-          <a:xfrm>
-            <a:off x="5207264" y="1054358"/>
-            <a:ext cx="1678530" cy="400110"/>
+            <a:r>
+              <a:rPr lang="ko-KR" altLang="en-US" dirty="0">
+                <a:solidFill>
+                  <a:schemeClr val="tx1"/>
+                </a:solidFill>
+              </a:rPr>
+              <a:t>납치자 승리</a:t>
+            </a:r>
+          </a:p>
+        </p:txBody>
+      </p:sp>
+      <p:pic>
+        <p:nvPicPr>
+          <p:cNvPr id="5" name="그림 4" descr="클립아트이(가) 표시된 사진&#10;&#10;자동 생성된 설명">
+            <a:extLst>
+              <a:ext uri="{FF2B5EF4-FFF2-40B4-BE49-F238E27FC236}">
+                <a16:creationId xmlns:a16="http://schemas.microsoft.com/office/drawing/2014/main" id="{E25D863B-9E06-44B5-A060-ED08F599847C}"/>
+              </a:ext>
+            </a:extLst>
+          </p:cNvPr>
+          <p:cNvPicPr>
+            <a:picLocks noChangeAspect="1"/>
+          </p:cNvPicPr>
+          <p:nvPr/>
+        </p:nvPicPr>
+        <p:blipFill>
+          <a:blip r:embed="rId3">
+            <a:extLst>
+              <a:ext uri="{28A0092B-C50C-407E-A947-70E740481C1C}">
+                <a14:useLocalDpi xmlns:a14="http://schemas.microsoft.com/office/drawing/2010/main" val="0"/>
+              </a:ext>
+            </a:extLst>
+          </a:blip>
+          <a:stretch>
+            <a:fillRect/>
+          </a:stretch>
+        </p:blipFill>
+        <p:spPr>
+          <a:xfrm>
+            <a:off x="1863838" y="2995280"/>
+            <a:ext cx="886836" cy="886836"/>
           </a:xfrm>
           <a:prstGeom prst="rect">
             <a:avLst/>
           </a:prstGeom>
+          <a:scene3d>
+            <a:camera prst="orthographicFront">
+              <a:rot lat="0" lon="10800000" rev="0"/>
+            </a:camera>
+            <a:lightRig rig="threePt" dir="t"/>
+          </a:scene3d>
+        </p:spPr>
+      </p:pic>
+      <p:pic>
+        <p:nvPicPr>
+          <p:cNvPr id="22" name="그림 21" descr="클립아트이(가) 표시된 사진&#10;&#10;자동 생성된 설명">
+            <a:extLst>
+              <a:ext uri="{FF2B5EF4-FFF2-40B4-BE49-F238E27FC236}">
+                <a16:creationId xmlns:a16="http://schemas.microsoft.com/office/drawing/2014/main" id="{627FA3E3-901E-421E-A12C-AD34651E3F02}"/>
+              </a:ext>
+            </a:extLst>
+          </p:cNvPr>
+          <p:cNvPicPr>
+            <a:picLocks noChangeAspect="1"/>
+          </p:cNvPicPr>
+          <p:nvPr/>
+        </p:nvPicPr>
+        <p:blipFill>
+          <a:blip r:embed="rId3">
+            <a:extLst>
+              <a:ext uri="{28A0092B-C50C-407E-A947-70E740481C1C}">
+                <a14:useLocalDpi xmlns:a14="http://schemas.microsoft.com/office/drawing/2010/main" val="0"/>
+              </a:ext>
+            </a:extLst>
+          </a:blip>
+          <a:stretch>
+            <a:fillRect/>
+          </a:stretch>
+        </p:blipFill>
+        <p:spPr>
+          <a:xfrm>
+            <a:off x="2180529" y="4740413"/>
+            <a:ext cx="886836" cy="886836"/>
+          </a:xfrm>
+          <a:prstGeom prst="rect">
+            <a:avLst/>
+          </a:prstGeom>
+          <a:scene3d>
+            <a:camera prst="orthographicFront">
+              <a:rot lat="0" lon="10800000" rev="0"/>
+            </a:camera>
+            <a:lightRig rig="threePt" dir="t"/>
+          </a:scene3d>
+        </p:spPr>
+      </p:pic>
+      <p:pic>
+        <p:nvPicPr>
+          <p:cNvPr id="8" name="그림 7" descr="벡터그래픽이(가) 표시된 사진&#10;&#10;자동 생성된 설명">
+            <a:extLst>
+              <a:ext uri="{FF2B5EF4-FFF2-40B4-BE49-F238E27FC236}">
+                <a16:creationId xmlns:a16="http://schemas.microsoft.com/office/drawing/2014/main" id="{06BBB882-8DE9-4B2A-9369-FC42F1F5C34B}"/>
+              </a:ext>
+            </a:extLst>
+          </p:cNvPr>
+          <p:cNvPicPr>
+            <a:picLocks noChangeAspect="1"/>
+          </p:cNvPicPr>
+          <p:nvPr/>
+        </p:nvPicPr>
+        <p:blipFill>
+          <a:blip r:embed="rId4">
+            <a:extLst>
+              <a:ext uri="{28A0092B-C50C-407E-A947-70E740481C1C}">
+                <a14:useLocalDpi xmlns:a14="http://schemas.microsoft.com/office/drawing/2010/main" val="0"/>
+              </a:ext>
+            </a:extLst>
+          </a:blip>
+          <a:stretch>
+            <a:fillRect/>
+          </a:stretch>
+        </p:blipFill>
+        <p:spPr>
+          <a:xfrm>
+            <a:off x="3603298" y="2990732"/>
+            <a:ext cx="914400" cy="914400"/>
+          </a:xfrm>
+          <a:prstGeom prst="rect">
+            <a:avLst/>
+          </a:prstGeom>
+        </p:spPr>
+      </p:pic>
+      <p:pic>
+        <p:nvPicPr>
+          <p:cNvPr id="25" name="그림 24" descr="클립아트이(가) 표시된 사진&#10;&#10;자동 생성된 설명">
+            <a:extLst>
+              <a:ext uri="{FF2B5EF4-FFF2-40B4-BE49-F238E27FC236}">
+                <a16:creationId xmlns:a16="http://schemas.microsoft.com/office/drawing/2014/main" id="{E978F5C1-F9D5-49F3-B77F-EBCA7194A463}"/>
+              </a:ext>
+            </a:extLst>
+          </p:cNvPr>
+          <p:cNvPicPr>
+            <a:picLocks noChangeAspect="1"/>
+          </p:cNvPicPr>
+          <p:nvPr/>
+        </p:nvPicPr>
+        <p:blipFill>
+          <a:blip r:embed="rId3">
+            <a:extLst>
+              <a:ext uri="{28A0092B-C50C-407E-A947-70E740481C1C}">
+                <a14:useLocalDpi xmlns:a14="http://schemas.microsoft.com/office/drawing/2010/main" val="0"/>
+              </a:ext>
+            </a:extLst>
+          </a:blip>
+          <a:stretch>
+            <a:fillRect/>
+          </a:stretch>
+        </p:blipFill>
+        <p:spPr>
+          <a:xfrm>
+            <a:off x="3431353" y="4716465"/>
+            <a:ext cx="886836" cy="886836"/>
+          </a:xfrm>
+          <a:prstGeom prst="rect">
+            <a:avLst/>
+          </a:prstGeom>
+          <a:scene3d>
+            <a:camera prst="orthographicFront">
+              <a:rot lat="0" lon="10800000" rev="0"/>
+            </a:camera>
+            <a:lightRig rig="threePt" dir="t"/>
+          </a:scene3d>
+        </p:spPr>
+      </p:pic>
+      <p:pic>
+        <p:nvPicPr>
+          <p:cNvPr id="26" name="그림 25" descr="클립아트이(가) 표시된 사진&#10;&#10;자동 생성된 설명">
+            <a:extLst>
+              <a:ext uri="{FF2B5EF4-FFF2-40B4-BE49-F238E27FC236}">
+                <a16:creationId xmlns:a16="http://schemas.microsoft.com/office/drawing/2014/main" id="{0942E6FF-8D32-4475-A9AE-1CC805533822}"/>
+              </a:ext>
+            </a:extLst>
+          </p:cNvPr>
+          <p:cNvPicPr>
+            <a:picLocks noChangeAspect="1"/>
+          </p:cNvPicPr>
+          <p:nvPr/>
+        </p:nvPicPr>
+        <p:blipFill>
+          <a:blip r:embed="rId3">
+            <a:extLst>
+              <a:ext uri="{28A0092B-C50C-407E-A947-70E740481C1C}">
+                <a14:useLocalDpi xmlns:a14="http://schemas.microsoft.com/office/drawing/2010/main" val="0"/>
+              </a:ext>
+            </a:extLst>
+          </a:blip>
+          <a:stretch>
+            <a:fillRect/>
+          </a:stretch>
+        </p:blipFill>
+        <p:spPr>
+          <a:xfrm>
+            <a:off x="4060498" y="4719863"/>
+            <a:ext cx="886836" cy="886836"/>
+          </a:xfrm>
+          <a:prstGeom prst="rect">
+            <a:avLst/>
+          </a:prstGeom>
+          <a:scene3d>
+            <a:camera prst="orthographicFront">
+              <a:rot lat="0" lon="10800000" rev="0"/>
+            </a:camera>
+            <a:lightRig rig="threePt" dir="t"/>
+          </a:scene3d>
+        </p:spPr>
+      </p:pic>
+      <p:pic>
+        <p:nvPicPr>
+          <p:cNvPr id="27" name="그림 26" descr="벡터그래픽이(가) 표시된 사진&#10;&#10;자동 생성된 설명">
+            <a:extLst>
+              <a:ext uri="{FF2B5EF4-FFF2-40B4-BE49-F238E27FC236}">
+                <a16:creationId xmlns:a16="http://schemas.microsoft.com/office/drawing/2014/main" id="{F06A40C4-3B30-406A-A2F1-424BA1ABE003}"/>
+              </a:ext>
+            </a:extLst>
+          </p:cNvPr>
+          <p:cNvPicPr>
+            <a:picLocks noChangeAspect="1"/>
+          </p:cNvPicPr>
+          <p:nvPr/>
+        </p:nvPicPr>
+        <p:blipFill>
+          <a:blip r:embed="rId4">
+            <a:extLst>
+              <a:ext uri="{28A0092B-C50C-407E-A947-70E740481C1C}">
+                <a14:useLocalDpi xmlns:a14="http://schemas.microsoft.com/office/drawing/2010/main" val="0"/>
+              </a:ext>
+            </a:extLst>
+          </a:blip>
+          <a:stretch>
+            <a:fillRect/>
+          </a:stretch>
+        </p:blipFill>
+        <p:spPr>
+          <a:xfrm>
+            <a:off x="4675861" y="4667370"/>
+            <a:ext cx="914400" cy="914400"/>
+          </a:xfrm>
+          <a:prstGeom prst="rect">
+            <a:avLst/>
+          </a:prstGeom>
+        </p:spPr>
+      </p:pic>
+      <p:pic>
+        <p:nvPicPr>
+          <p:cNvPr id="18" name="그림 17" descr="텍스트이(가) 표시된 사진&#10;&#10;자동 생성된 설명">
+            <a:extLst>
+              <a:ext uri="{FF2B5EF4-FFF2-40B4-BE49-F238E27FC236}">
+                <a16:creationId xmlns:a16="http://schemas.microsoft.com/office/drawing/2014/main" id="{90905107-7643-425F-AC99-6D95132697B6}"/>
+              </a:ext>
+            </a:extLst>
+          </p:cNvPr>
+          <p:cNvPicPr>
+            <a:picLocks noChangeAspect="1"/>
+          </p:cNvPicPr>
+          <p:nvPr/>
+        </p:nvPicPr>
+        <p:blipFill>
+          <a:blip r:embed="rId5">
+            <a:extLst>
+              <a:ext uri="{28A0092B-C50C-407E-A947-70E740481C1C}">
+                <a14:useLocalDpi xmlns:a14="http://schemas.microsoft.com/office/drawing/2010/main" val="0"/>
+              </a:ext>
+            </a:extLst>
+          </a:blip>
+          <a:stretch>
+            <a:fillRect/>
+          </a:stretch>
+        </p:blipFill>
+        <p:spPr>
+          <a:xfrm>
+            <a:off x="2759857" y="3004514"/>
+            <a:ext cx="886836" cy="886836"/>
+          </a:xfrm>
+          <a:prstGeom prst="rect">
+            <a:avLst/>
+          </a:prstGeom>
+        </p:spPr>
+      </p:pic>
+      <p:pic>
+        <p:nvPicPr>
+          <p:cNvPr id="30" name="그림 29" descr="텍스트이(가) 표시된 사진&#10;&#10;자동 생성된 설명">
+            <a:extLst>
+              <a:ext uri="{FF2B5EF4-FFF2-40B4-BE49-F238E27FC236}">
+                <a16:creationId xmlns:a16="http://schemas.microsoft.com/office/drawing/2014/main" id="{4F89D849-02DA-4872-8638-2FC349E2FEEC}"/>
+              </a:ext>
+            </a:extLst>
+          </p:cNvPr>
+          <p:cNvPicPr>
+            <a:picLocks noChangeAspect="1"/>
+          </p:cNvPicPr>
+          <p:nvPr/>
+        </p:nvPicPr>
+        <p:blipFill>
+          <a:blip r:embed="rId5">
+            <a:extLst>
+              <a:ext uri="{28A0092B-C50C-407E-A947-70E740481C1C}">
+                <a14:useLocalDpi xmlns:a14="http://schemas.microsoft.com/office/drawing/2010/main" val="0"/>
+              </a:ext>
+            </a:extLst>
+          </a:blip>
+          <a:stretch>
+            <a:fillRect/>
+          </a:stretch>
+        </p:blipFill>
+        <p:spPr>
+          <a:xfrm>
+            <a:off x="2815990" y="4756112"/>
+            <a:ext cx="886836" cy="886836"/>
+          </a:xfrm>
+          <a:prstGeom prst="rect">
+            <a:avLst/>
+          </a:prstGeom>
+        </p:spPr>
+      </p:pic>
+      <p:pic>
+        <p:nvPicPr>
+          <p:cNvPr id="31" name="그림 30" descr="텍스트이(가) 표시된 사진&#10;&#10;자동 생성된 설명">
+            <a:extLst>
+              <a:ext uri="{FF2B5EF4-FFF2-40B4-BE49-F238E27FC236}">
+                <a16:creationId xmlns:a16="http://schemas.microsoft.com/office/drawing/2014/main" id="{18050541-DC46-487F-96AE-794557B8519F}"/>
+              </a:ext>
+            </a:extLst>
+          </p:cNvPr>
+          <p:cNvPicPr>
+            <a:picLocks noChangeAspect="1"/>
+          </p:cNvPicPr>
+          <p:nvPr/>
+        </p:nvPicPr>
+        <p:blipFill>
+          <a:blip r:embed="rId5">
+            <a:extLst>
+              <a:ext uri="{28A0092B-C50C-407E-A947-70E740481C1C}">
+                <a14:useLocalDpi xmlns:a14="http://schemas.microsoft.com/office/drawing/2010/main" val="0"/>
+              </a:ext>
+            </a:extLst>
+          </a:blip>
+          <a:stretch>
+            <a:fillRect/>
+          </a:stretch>
+        </p:blipFill>
+        <p:spPr>
+          <a:xfrm>
+            <a:off x="1583000" y="4747427"/>
+            <a:ext cx="886836" cy="886836"/>
+          </a:xfrm>
+          <a:prstGeom prst="rect">
+            <a:avLst/>
+          </a:prstGeom>
+        </p:spPr>
+      </p:pic>
+      <p:pic>
+        <p:nvPicPr>
+          <p:cNvPr id="32" name="그림 31" descr="벡터그래픽이(가) 표시된 사진&#10;&#10;자동 생성된 설명">
+            <a:extLst>
+              <a:ext uri="{FF2B5EF4-FFF2-40B4-BE49-F238E27FC236}">
+                <a16:creationId xmlns:a16="http://schemas.microsoft.com/office/drawing/2014/main" id="{855CDDA1-7A97-48DD-A8A8-26C8F3F6EEBD}"/>
+              </a:ext>
+            </a:extLst>
+          </p:cNvPr>
+          <p:cNvPicPr>
+            <a:picLocks noChangeAspect="1"/>
+          </p:cNvPicPr>
+          <p:nvPr/>
+        </p:nvPicPr>
+        <p:blipFill>
+          <a:blip r:embed="rId4">
+            <a:extLst>
+              <a:ext uri="{28A0092B-C50C-407E-A947-70E740481C1C}">
+                <a14:useLocalDpi xmlns:a14="http://schemas.microsoft.com/office/drawing/2010/main" val="0"/>
+              </a:ext>
+            </a:extLst>
+          </a:blip>
+          <a:stretch>
+            <a:fillRect/>
+          </a:stretch>
+        </p:blipFill>
+        <p:spPr>
+          <a:xfrm>
+            <a:off x="951557" y="4698949"/>
+            <a:ext cx="914400" cy="914400"/>
+          </a:xfrm>
+          <a:prstGeom prst="rect">
+            <a:avLst/>
+          </a:prstGeom>
+        </p:spPr>
+      </p:pic>
+      <p:sp>
+        <p:nvSpPr>
+          <p:cNvPr id="20" name="직사각형 19">
+            <a:extLst>
+              <a:ext uri="{FF2B5EF4-FFF2-40B4-BE49-F238E27FC236}">
+                <a16:creationId xmlns:a16="http://schemas.microsoft.com/office/drawing/2014/main" id="{9294A0F6-C959-4AD6-B239-A9A0793AC668}"/>
+              </a:ext>
+            </a:extLst>
+          </p:cNvPr>
+          <p:cNvSpPr/>
+          <p:nvPr/>
+        </p:nvSpPr>
+        <p:spPr>
+          <a:xfrm>
+            <a:off x="2590548" y="2791580"/>
+            <a:ext cx="953634" cy="282763"/>
+          </a:xfrm>
+          <a:prstGeom prst="rect">
+            <a:avLst/>
+          </a:prstGeom>
           <a:noFill/>
-        </p:spPr>
-        <p:txBody>
-          <a:bodyPr wrap="square">
-            <a:spAutoFit/>
-          </a:bodyPr>
-          <a:lstStyle/>
-          <a:p>
-            <a:r>
-              <a:rPr lang="ko-KR" altLang="en-US" sz="2000" b="1" dirty="0"/>
-              <a:t>게임 결과 창 </a:t>
-            </a:r>
-            <a:endParaRPr lang="ko-KR" altLang="en-US" sz="2000" dirty="0"/>
-          </a:p>
-        </p:txBody>
-      </p:sp>
-      <p:sp>
-        <p:nvSpPr>
-          <p:cNvPr id="24" name="직사각형 23">
-            <a:extLst>
-              <a:ext uri="{FF2B5EF4-FFF2-40B4-BE49-F238E27FC236}">
-                <a16:creationId xmlns:a16="http://schemas.microsoft.com/office/drawing/2014/main" id="{8F491334-54BD-4746-98EB-8E1DD71F9EC7}"/>
-              </a:ext>
-            </a:extLst>
-          </p:cNvPr>
-          <p:cNvSpPr/>
-          <p:nvPr/>
-        </p:nvSpPr>
-        <p:spPr>
-          <a:xfrm>
-            <a:off x="6788181" y="1062943"/>
-            <a:ext cx="45719" cy="400110"/>
-          </a:xfrm>
-          <a:prstGeom prst="rect">
-            <a:avLst/>
-          </a:prstGeom>
-          <a:solidFill>
-            <a:schemeClr val="tx1"/>
-          </a:solidFill>
           <a:ln>
-            <a:noFill/>
+            <a:solidFill>
+              <a:schemeClr val="tx1"/>
+            </a:solidFill>
           </a:ln>
         </p:spPr>
         <p:style>
@@ -26307,16 +27356,755 @@
           <a:lstStyle/>
           <a:p>
             <a:pPr algn="ctr"/>
+            <a:r>
+              <a:rPr lang="ko-KR" altLang="en-US" sz="1400" dirty="0">
+                <a:solidFill>
+                  <a:schemeClr val="tx1"/>
+                </a:solidFill>
+              </a:rPr>
+              <a:t>납치자</a:t>
+            </a:r>
+          </a:p>
+        </p:txBody>
+      </p:sp>
+      <p:sp>
+        <p:nvSpPr>
+          <p:cNvPr id="34" name="직사각형 33">
+            <a:extLst>
+              <a:ext uri="{FF2B5EF4-FFF2-40B4-BE49-F238E27FC236}">
+                <a16:creationId xmlns:a16="http://schemas.microsoft.com/office/drawing/2014/main" id="{70EECDB1-012C-47F3-BD57-8CEC5BEA45A4}"/>
+              </a:ext>
+            </a:extLst>
+          </p:cNvPr>
+          <p:cNvSpPr/>
+          <p:nvPr/>
+        </p:nvSpPr>
+        <p:spPr>
+          <a:xfrm>
+            <a:off x="2608658" y="4509094"/>
+            <a:ext cx="953634" cy="254244"/>
+          </a:xfrm>
+          <a:prstGeom prst="rect">
+            <a:avLst/>
+          </a:prstGeom>
+          <a:noFill/>
+          <a:ln>
+            <a:solidFill>
+              <a:schemeClr val="tx1"/>
+            </a:solidFill>
+          </a:ln>
+        </p:spPr>
+        <p:style>
+          <a:lnRef idx="2">
+            <a:schemeClr val="accent1">
+              <a:shade val="50000"/>
+            </a:schemeClr>
+          </a:lnRef>
+          <a:fillRef idx="1">
+            <a:schemeClr val="accent1"/>
+          </a:fillRef>
+          <a:effectRef idx="0">
+            <a:schemeClr val="accent1"/>
+          </a:effectRef>
+          <a:fontRef idx="minor">
+            <a:schemeClr val="lt1"/>
+          </a:fontRef>
+        </p:style>
+        <p:txBody>
+          <a:bodyPr rtlCol="0" anchor="ctr"/>
+          <a:lstStyle/>
+          <a:p>
+            <a:pPr algn="ctr"/>
+            <a:r>
+              <a:rPr lang="ko-KR" altLang="en-US" sz="1400" dirty="0">
+                <a:solidFill>
+                  <a:schemeClr val="tx1"/>
+                </a:solidFill>
+              </a:rPr>
+              <a:t>시민</a:t>
+            </a:r>
+          </a:p>
+        </p:txBody>
+      </p:sp>
+      <p:sp>
+        <p:nvSpPr>
+          <p:cNvPr id="35" name="사각형: 둥근 모서리 34">
+            <a:extLst>
+              <a:ext uri="{FF2B5EF4-FFF2-40B4-BE49-F238E27FC236}">
+                <a16:creationId xmlns:a16="http://schemas.microsoft.com/office/drawing/2014/main" id="{F0D572B4-803F-4A94-AADF-5AE2B7F781B7}"/>
+              </a:ext>
+            </a:extLst>
+          </p:cNvPr>
+          <p:cNvSpPr/>
+          <p:nvPr/>
+        </p:nvSpPr>
+        <p:spPr>
+          <a:xfrm rot="5400000">
+            <a:off x="7737769" y="1285887"/>
+            <a:ext cx="2862400" cy="5700610"/>
+          </a:xfrm>
+          <a:prstGeom prst="roundRect">
+            <a:avLst/>
+          </a:prstGeom>
+          <a:noFill/>
+          <a:ln w="38100">
+            <a:solidFill>
+              <a:schemeClr val="tx1"/>
+            </a:solidFill>
+          </a:ln>
+        </p:spPr>
+        <p:style>
+          <a:lnRef idx="2">
+            <a:schemeClr val="accent1">
+              <a:shade val="50000"/>
+            </a:schemeClr>
+          </a:lnRef>
+          <a:fillRef idx="1">
+            <a:schemeClr val="accent1"/>
+          </a:fillRef>
+          <a:effectRef idx="0">
+            <a:schemeClr val="accent1"/>
+          </a:effectRef>
+          <a:fontRef idx="minor">
+            <a:schemeClr val="lt1"/>
+          </a:fontRef>
+        </p:style>
+        <p:txBody>
+          <a:bodyPr rtlCol="0" anchor="ctr"/>
+          <a:lstStyle/>
+          <a:p>
+            <a:pPr algn="ctr"/>
+            <a:endParaRPr lang="ko-KR" altLang="en-US" dirty="0"/>
+          </a:p>
+        </p:txBody>
+      </p:sp>
+      <p:sp>
+        <p:nvSpPr>
+          <p:cNvPr id="36" name="직사각형 35">
+            <a:extLst>
+              <a:ext uri="{FF2B5EF4-FFF2-40B4-BE49-F238E27FC236}">
+                <a16:creationId xmlns:a16="http://schemas.microsoft.com/office/drawing/2014/main" id="{1F325BD2-130C-42A7-8AFE-C4A797F420D6}"/>
+              </a:ext>
+            </a:extLst>
+          </p:cNvPr>
+          <p:cNvSpPr/>
+          <p:nvPr/>
+        </p:nvSpPr>
+        <p:spPr>
+          <a:xfrm>
+            <a:off x="6326309" y="3854951"/>
+            <a:ext cx="5710334" cy="651315"/>
+          </a:xfrm>
+          <a:prstGeom prst="rect">
+            <a:avLst/>
+          </a:prstGeom>
+          <a:solidFill>
+            <a:schemeClr val="accent1">
+              <a:lumMod val="40000"/>
+              <a:lumOff val="60000"/>
+            </a:schemeClr>
+          </a:solidFill>
+        </p:spPr>
+        <p:style>
+          <a:lnRef idx="2">
+            <a:schemeClr val="accent1">
+              <a:shade val="50000"/>
+            </a:schemeClr>
+          </a:lnRef>
+          <a:fillRef idx="1">
+            <a:schemeClr val="accent1"/>
+          </a:fillRef>
+          <a:effectRef idx="0">
+            <a:schemeClr val="accent1"/>
+          </a:effectRef>
+          <a:fontRef idx="minor">
+            <a:schemeClr val="lt1"/>
+          </a:fontRef>
+        </p:style>
+        <p:txBody>
+          <a:bodyPr rtlCol="0" anchor="ctr"/>
+          <a:lstStyle/>
+          <a:p>
+            <a:pPr algn="ctr"/>
+            <a:r>
+              <a:rPr lang="ko-KR" altLang="en-US">
+                <a:solidFill>
+                  <a:schemeClr val="tx1"/>
+                </a:solidFill>
+              </a:rPr>
+              <a:t>시민 </a:t>
+            </a:r>
+            <a:r>
+              <a:rPr lang="ko-KR" altLang="en-US" dirty="0">
+                <a:solidFill>
+                  <a:schemeClr val="tx1"/>
+                </a:solidFill>
+              </a:rPr>
+              <a:t>승리</a:t>
+            </a:r>
+          </a:p>
+        </p:txBody>
+      </p:sp>
+      <p:pic>
+        <p:nvPicPr>
+          <p:cNvPr id="37" name="그림 36" descr="클립아트이(가) 표시된 사진&#10;&#10;자동 생성된 설명">
+            <a:extLst>
+              <a:ext uri="{FF2B5EF4-FFF2-40B4-BE49-F238E27FC236}">
+                <a16:creationId xmlns:a16="http://schemas.microsoft.com/office/drawing/2014/main" id="{D77BB159-3069-42B2-8050-CB485D15480C}"/>
+              </a:ext>
+            </a:extLst>
+          </p:cNvPr>
+          <p:cNvPicPr>
+            <a:picLocks noChangeAspect="1"/>
+          </p:cNvPicPr>
+          <p:nvPr/>
+        </p:nvPicPr>
+        <p:blipFill>
+          <a:blip r:embed="rId3">
+            <a:extLst>
+              <a:ext uri="{28A0092B-C50C-407E-A947-70E740481C1C}">
+                <a14:useLocalDpi xmlns:a14="http://schemas.microsoft.com/office/drawing/2010/main" val="0"/>
+              </a:ext>
+            </a:extLst>
+          </a:blip>
+          <a:stretch>
+            <a:fillRect/>
+          </a:stretch>
+        </p:blipFill>
+        <p:spPr>
+          <a:xfrm>
+            <a:off x="7875254" y="2982963"/>
+            <a:ext cx="886836" cy="886836"/>
+          </a:xfrm>
+          <a:prstGeom prst="rect">
+            <a:avLst/>
+          </a:prstGeom>
+          <a:scene3d>
+            <a:camera prst="orthographicFront">
+              <a:rot lat="0" lon="10800000" rev="0"/>
+            </a:camera>
+            <a:lightRig rig="threePt" dir="t"/>
+          </a:scene3d>
+        </p:spPr>
+      </p:pic>
+      <p:pic>
+        <p:nvPicPr>
+          <p:cNvPr id="38" name="그림 37" descr="클립아트이(가) 표시된 사진&#10;&#10;자동 생성된 설명">
+            <a:extLst>
+              <a:ext uri="{FF2B5EF4-FFF2-40B4-BE49-F238E27FC236}">
+                <a16:creationId xmlns:a16="http://schemas.microsoft.com/office/drawing/2014/main" id="{8E359EF7-3983-42EA-8714-C1D1F79DC7EB}"/>
+              </a:ext>
+            </a:extLst>
+          </p:cNvPr>
+          <p:cNvPicPr>
+            <a:picLocks noChangeAspect="1"/>
+          </p:cNvPicPr>
+          <p:nvPr/>
+        </p:nvPicPr>
+        <p:blipFill>
+          <a:blip r:embed="rId3">
+            <a:extLst>
+              <a:ext uri="{28A0092B-C50C-407E-A947-70E740481C1C}">
+                <a14:useLocalDpi xmlns:a14="http://schemas.microsoft.com/office/drawing/2010/main" val="0"/>
+              </a:ext>
+            </a:extLst>
+          </a:blip>
+          <a:stretch>
+            <a:fillRect/>
+          </a:stretch>
+        </p:blipFill>
+        <p:spPr>
+          <a:xfrm>
+            <a:off x="8191945" y="4728096"/>
+            <a:ext cx="886836" cy="886836"/>
+          </a:xfrm>
+          <a:prstGeom prst="rect">
+            <a:avLst/>
+          </a:prstGeom>
+          <a:scene3d>
+            <a:camera prst="orthographicFront">
+              <a:rot lat="0" lon="10800000" rev="0"/>
+            </a:camera>
+            <a:lightRig rig="threePt" dir="t"/>
+          </a:scene3d>
+        </p:spPr>
+      </p:pic>
+      <p:pic>
+        <p:nvPicPr>
+          <p:cNvPr id="39" name="그림 38" descr="벡터그래픽이(가) 표시된 사진&#10;&#10;자동 생성된 설명">
+            <a:extLst>
+              <a:ext uri="{FF2B5EF4-FFF2-40B4-BE49-F238E27FC236}">
+                <a16:creationId xmlns:a16="http://schemas.microsoft.com/office/drawing/2014/main" id="{14F82095-D83E-49FC-B141-D177FE205F41}"/>
+              </a:ext>
+            </a:extLst>
+          </p:cNvPr>
+          <p:cNvPicPr>
+            <a:picLocks noChangeAspect="1"/>
+          </p:cNvPicPr>
+          <p:nvPr/>
+        </p:nvPicPr>
+        <p:blipFill>
+          <a:blip r:embed="rId4">
+            <a:extLst>
+              <a:ext uri="{28A0092B-C50C-407E-A947-70E740481C1C}">
+                <a14:useLocalDpi xmlns:a14="http://schemas.microsoft.com/office/drawing/2010/main" val="0"/>
+              </a:ext>
+            </a:extLst>
+          </a:blip>
+          <a:stretch>
+            <a:fillRect/>
+          </a:stretch>
+        </p:blipFill>
+        <p:spPr>
+          <a:xfrm>
+            <a:off x="9614714" y="2978415"/>
+            <a:ext cx="914400" cy="914400"/>
+          </a:xfrm>
+          <a:prstGeom prst="rect">
+            <a:avLst/>
+          </a:prstGeom>
+        </p:spPr>
+      </p:pic>
+      <p:pic>
+        <p:nvPicPr>
+          <p:cNvPr id="40" name="그림 39" descr="클립아트이(가) 표시된 사진&#10;&#10;자동 생성된 설명">
+            <a:extLst>
+              <a:ext uri="{FF2B5EF4-FFF2-40B4-BE49-F238E27FC236}">
+                <a16:creationId xmlns:a16="http://schemas.microsoft.com/office/drawing/2014/main" id="{6B1D055B-5505-40C1-91A4-79183B738506}"/>
+              </a:ext>
+            </a:extLst>
+          </p:cNvPr>
+          <p:cNvPicPr>
+            <a:picLocks noChangeAspect="1"/>
+          </p:cNvPicPr>
+          <p:nvPr/>
+        </p:nvPicPr>
+        <p:blipFill>
+          <a:blip r:embed="rId3">
+            <a:extLst>
+              <a:ext uri="{28A0092B-C50C-407E-A947-70E740481C1C}">
+                <a14:useLocalDpi xmlns:a14="http://schemas.microsoft.com/office/drawing/2010/main" val="0"/>
+              </a:ext>
+            </a:extLst>
+          </a:blip>
+          <a:stretch>
+            <a:fillRect/>
+          </a:stretch>
+        </p:blipFill>
+        <p:spPr>
+          <a:xfrm>
+            <a:off x="9442769" y="4704148"/>
+            <a:ext cx="886836" cy="886836"/>
+          </a:xfrm>
+          <a:prstGeom prst="rect">
+            <a:avLst/>
+          </a:prstGeom>
+          <a:scene3d>
+            <a:camera prst="orthographicFront">
+              <a:rot lat="0" lon="10800000" rev="0"/>
+            </a:camera>
+            <a:lightRig rig="threePt" dir="t"/>
+          </a:scene3d>
+        </p:spPr>
+      </p:pic>
+      <p:pic>
+        <p:nvPicPr>
+          <p:cNvPr id="41" name="그림 40" descr="클립아트이(가) 표시된 사진&#10;&#10;자동 생성된 설명">
+            <a:extLst>
+              <a:ext uri="{FF2B5EF4-FFF2-40B4-BE49-F238E27FC236}">
+                <a16:creationId xmlns:a16="http://schemas.microsoft.com/office/drawing/2014/main" id="{FACCB054-FA89-4612-92C2-F9586415C6EE}"/>
+              </a:ext>
+            </a:extLst>
+          </p:cNvPr>
+          <p:cNvPicPr>
+            <a:picLocks noChangeAspect="1"/>
+          </p:cNvPicPr>
+          <p:nvPr/>
+        </p:nvPicPr>
+        <p:blipFill>
+          <a:blip r:embed="rId3">
+            <a:extLst>
+              <a:ext uri="{28A0092B-C50C-407E-A947-70E740481C1C}">
+                <a14:useLocalDpi xmlns:a14="http://schemas.microsoft.com/office/drawing/2010/main" val="0"/>
+              </a:ext>
+            </a:extLst>
+          </a:blip>
+          <a:stretch>
+            <a:fillRect/>
+          </a:stretch>
+        </p:blipFill>
+        <p:spPr>
+          <a:xfrm>
+            <a:off x="10071914" y="4707546"/>
+            <a:ext cx="886836" cy="886836"/>
+          </a:xfrm>
+          <a:prstGeom prst="rect">
+            <a:avLst/>
+          </a:prstGeom>
+          <a:scene3d>
+            <a:camera prst="orthographicFront">
+              <a:rot lat="0" lon="10800000" rev="0"/>
+            </a:camera>
+            <a:lightRig rig="threePt" dir="t"/>
+          </a:scene3d>
+        </p:spPr>
+      </p:pic>
+      <p:pic>
+        <p:nvPicPr>
+          <p:cNvPr id="42" name="그림 41" descr="벡터그래픽이(가) 표시된 사진&#10;&#10;자동 생성된 설명">
+            <a:extLst>
+              <a:ext uri="{FF2B5EF4-FFF2-40B4-BE49-F238E27FC236}">
+                <a16:creationId xmlns:a16="http://schemas.microsoft.com/office/drawing/2014/main" id="{F700F386-8E6E-4C1C-86AF-449A7AA18642}"/>
+              </a:ext>
+            </a:extLst>
+          </p:cNvPr>
+          <p:cNvPicPr>
+            <a:picLocks noChangeAspect="1"/>
+          </p:cNvPicPr>
+          <p:nvPr/>
+        </p:nvPicPr>
+        <p:blipFill>
+          <a:blip r:embed="rId4">
+            <a:extLst>
+              <a:ext uri="{28A0092B-C50C-407E-A947-70E740481C1C}">
+                <a14:useLocalDpi xmlns:a14="http://schemas.microsoft.com/office/drawing/2010/main" val="0"/>
+              </a:ext>
+            </a:extLst>
+          </a:blip>
+          <a:stretch>
+            <a:fillRect/>
+          </a:stretch>
+        </p:blipFill>
+        <p:spPr>
+          <a:xfrm>
+            <a:off x="10687277" y="4655053"/>
+            <a:ext cx="914400" cy="914400"/>
+          </a:xfrm>
+          <a:prstGeom prst="rect">
+            <a:avLst/>
+          </a:prstGeom>
+        </p:spPr>
+      </p:pic>
+      <p:pic>
+        <p:nvPicPr>
+          <p:cNvPr id="43" name="그림 42" descr="텍스트이(가) 표시된 사진&#10;&#10;자동 생성된 설명">
+            <a:extLst>
+              <a:ext uri="{FF2B5EF4-FFF2-40B4-BE49-F238E27FC236}">
+                <a16:creationId xmlns:a16="http://schemas.microsoft.com/office/drawing/2014/main" id="{8BBE5C4C-D5B5-442A-8F6F-48E405D220DA}"/>
+              </a:ext>
+            </a:extLst>
+          </p:cNvPr>
+          <p:cNvPicPr>
+            <a:picLocks noChangeAspect="1"/>
+          </p:cNvPicPr>
+          <p:nvPr/>
+        </p:nvPicPr>
+        <p:blipFill>
+          <a:blip r:embed="rId5">
+            <a:extLst>
+              <a:ext uri="{28A0092B-C50C-407E-A947-70E740481C1C}">
+                <a14:useLocalDpi xmlns:a14="http://schemas.microsoft.com/office/drawing/2010/main" val="0"/>
+              </a:ext>
+            </a:extLst>
+          </a:blip>
+          <a:stretch>
+            <a:fillRect/>
+          </a:stretch>
+        </p:blipFill>
+        <p:spPr>
+          <a:xfrm>
+            <a:off x="8771273" y="2992197"/>
+            <a:ext cx="886836" cy="886836"/>
+          </a:xfrm>
+          <a:prstGeom prst="rect">
+            <a:avLst/>
+          </a:prstGeom>
+        </p:spPr>
+      </p:pic>
+      <p:pic>
+        <p:nvPicPr>
+          <p:cNvPr id="44" name="그림 43" descr="텍스트이(가) 표시된 사진&#10;&#10;자동 생성된 설명">
+            <a:extLst>
+              <a:ext uri="{FF2B5EF4-FFF2-40B4-BE49-F238E27FC236}">
+                <a16:creationId xmlns:a16="http://schemas.microsoft.com/office/drawing/2014/main" id="{9B8431FB-9417-4C7A-A126-86183E6542FF}"/>
+              </a:ext>
+            </a:extLst>
+          </p:cNvPr>
+          <p:cNvPicPr>
+            <a:picLocks noChangeAspect="1"/>
+          </p:cNvPicPr>
+          <p:nvPr/>
+        </p:nvPicPr>
+        <p:blipFill>
+          <a:blip r:embed="rId5">
+            <a:extLst>
+              <a:ext uri="{28A0092B-C50C-407E-A947-70E740481C1C}">
+                <a14:useLocalDpi xmlns:a14="http://schemas.microsoft.com/office/drawing/2010/main" val="0"/>
+              </a:ext>
+            </a:extLst>
+          </a:blip>
+          <a:stretch>
+            <a:fillRect/>
+          </a:stretch>
+        </p:blipFill>
+        <p:spPr>
+          <a:xfrm>
+            <a:off x="8827406" y="4743795"/>
+            <a:ext cx="886836" cy="886836"/>
+          </a:xfrm>
+          <a:prstGeom prst="rect">
+            <a:avLst/>
+          </a:prstGeom>
+        </p:spPr>
+      </p:pic>
+      <p:pic>
+        <p:nvPicPr>
+          <p:cNvPr id="45" name="그림 44" descr="텍스트이(가) 표시된 사진&#10;&#10;자동 생성된 설명">
+            <a:extLst>
+              <a:ext uri="{FF2B5EF4-FFF2-40B4-BE49-F238E27FC236}">
+                <a16:creationId xmlns:a16="http://schemas.microsoft.com/office/drawing/2014/main" id="{F20009B3-FB23-4582-BD41-F0D0F9331B27}"/>
+              </a:ext>
+            </a:extLst>
+          </p:cNvPr>
+          <p:cNvPicPr>
+            <a:picLocks noChangeAspect="1"/>
+          </p:cNvPicPr>
+          <p:nvPr/>
+        </p:nvPicPr>
+        <p:blipFill>
+          <a:blip r:embed="rId5">
+            <a:extLst>
+              <a:ext uri="{28A0092B-C50C-407E-A947-70E740481C1C}">
+                <a14:useLocalDpi xmlns:a14="http://schemas.microsoft.com/office/drawing/2010/main" val="0"/>
+              </a:ext>
+            </a:extLst>
+          </a:blip>
+          <a:stretch>
+            <a:fillRect/>
+          </a:stretch>
+        </p:blipFill>
+        <p:spPr>
+          <a:xfrm>
+            <a:off x="7594416" y="4735110"/>
+            <a:ext cx="886836" cy="886836"/>
+          </a:xfrm>
+          <a:prstGeom prst="rect">
+            <a:avLst/>
+          </a:prstGeom>
+        </p:spPr>
+      </p:pic>
+      <p:pic>
+        <p:nvPicPr>
+          <p:cNvPr id="46" name="그림 45" descr="벡터그래픽이(가) 표시된 사진&#10;&#10;자동 생성된 설명">
+            <a:extLst>
+              <a:ext uri="{FF2B5EF4-FFF2-40B4-BE49-F238E27FC236}">
+                <a16:creationId xmlns:a16="http://schemas.microsoft.com/office/drawing/2014/main" id="{C664A30C-C6D6-4B0B-A114-3E4654291FB8}"/>
+              </a:ext>
+            </a:extLst>
+          </p:cNvPr>
+          <p:cNvPicPr>
+            <a:picLocks noChangeAspect="1"/>
+          </p:cNvPicPr>
+          <p:nvPr/>
+        </p:nvPicPr>
+        <p:blipFill>
+          <a:blip r:embed="rId4">
+            <a:extLst>
+              <a:ext uri="{28A0092B-C50C-407E-A947-70E740481C1C}">
+                <a14:useLocalDpi xmlns:a14="http://schemas.microsoft.com/office/drawing/2010/main" val="0"/>
+              </a:ext>
+            </a:extLst>
+          </a:blip>
+          <a:stretch>
+            <a:fillRect/>
+          </a:stretch>
+        </p:blipFill>
+        <p:spPr>
+          <a:xfrm>
+            <a:off x="6962973" y="4686632"/>
+            <a:ext cx="914400" cy="914400"/>
+          </a:xfrm>
+          <a:prstGeom prst="rect">
+            <a:avLst/>
+          </a:prstGeom>
+        </p:spPr>
+      </p:pic>
+      <p:sp>
+        <p:nvSpPr>
+          <p:cNvPr id="47" name="직사각형 46">
+            <a:extLst>
+              <a:ext uri="{FF2B5EF4-FFF2-40B4-BE49-F238E27FC236}">
+                <a16:creationId xmlns:a16="http://schemas.microsoft.com/office/drawing/2014/main" id="{68FA6A2C-0FCD-4992-9737-6F8A2869A016}"/>
+              </a:ext>
+            </a:extLst>
+          </p:cNvPr>
+          <p:cNvSpPr/>
+          <p:nvPr/>
+        </p:nvSpPr>
+        <p:spPr>
+          <a:xfrm>
+            <a:off x="8601964" y="2779263"/>
+            <a:ext cx="953634" cy="282763"/>
+          </a:xfrm>
+          <a:prstGeom prst="rect">
+            <a:avLst/>
+          </a:prstGeom>
+          <a:noFill/>
+          <a:ln>
+            <a:solidFill>
+              <a:schemeClr val="tx1"/>
+            </a:solidFill>
+          </a:ln>
+        </p:spPr>
+        <p:style>
+          <a:lnRef idx="2">
+            <a:schemeClr val="accent1">
+              <a:shade val="50000"/>
+            </a:schemeClr>
+          </a:lnRef>
+          <a:fillRef idx="1">
+            <a:schemeClr val="accent1"/>
+          </a:fillRef>
+          <a:effectRef idx="0">
+            <a:schemeClr val="accent1"/>
+          </a:effectRef>
+          <a:fontRef idx="minor">
+            <a:schemeClr val="lt1"/>
+          </a:fontRef>
+        </p:style>
+        <p:txBody>
+          <a:bodyPr rtlCol="0" anchor="ctr"/>
+          <a:lstStyle/>
+          <a:p>
+            <a:pPr algn="ctr"/>
+            <a:r>
+              <a:rPr lang="ko-KR" altLang="en-US" sz="1400" dirty="0">
+                <a:solidFill>
+                  <a:schemeClr val="tx1"/>
+                </a:solidFill>
+              </a:rPr>
+              <a:t>납치자</a:t>
+            </a:r>
+          </a:p>
+        </p:txBody>
+      </p:sp>
+      <p:sp>
+        <p:nvSpPr>
+          <p:cNvPr id="48" name="직사각형 47">
+            <a:extLst>
+              <a:ext uri="{FF2B5EF4-FFF2-40B4-BE49-F238E27FC236}">
+                <a16:creationId xmlns:a16="http://schemas.microsoft.com/office/drawing/2014/main" id="{FC62D31D-00E2-4D8A-AB2E-7C79523A6565}"/>
+              </a:ext>
+            </a:extLst>
+          </p:cNvPr>
+          <p:cNvSpPr/>
+          <p:nvPr/>
+        </p:nvSpPr>
+        <p:spPr>
+          <a:xfrm>
+            <a:off x="8620074" y="4496777"/>
+            <a:ext cx="953634" cy="254244"/>
+          </a:xfrm>
+          <a:prstGeom prst="rect">
+            <a:avLst/>
+          </a:prstGeom>
+          <a:noFill/>
+          <a:ln>
+            <a:solidFill>
+              <a:schemeClr val="tx1"/>
+            </a:solidFill>
+          </a:ln>
+        </p:spPr>
+        <p:style>
+          <a:lnRef idx="2">
+            <a:schemeClr val="accent1">
+              <a:shade val="50000"/>
+            </a:schemeClr>
+          </a:lnRef>
+          <a:fillRef idx="1">
+            <a:schemeClr val="accent1"/>
+          </a:fillRef>
+          <a:effectRef idx="0">
+            <a:schemeClr val="accent1"/>
+          </a:effectRef>
+          <a:fontRef idx="minor">
+            <a:schemeClr val="lt1"/>
+          </a:fontRef>
+        </p:style>
+        <p:txBody>
+          <a:bodyPr rtlCol="0" anchor="ctr"/>
+          <a:lstStyle/>
+          <a:p>
+            <a:pPr algn="ctr"/>
+            <a:r>
+              <a:rPr lang="ko-KR" altLang="en-US" sz="1400" dirty="0">
+                <a:solidFill>
+                  <a:schemeClr val="tx1"/>
+                </a:solidFill>
+              </a:rPr>
+              <a:t>시민</a:t>
+            </a:r>
+          </a:p>
+        </p:txBody>
+      </p:sp>
+      <p:sp>
+        <p:nvSpPr>
+          <p:cNvPr id="56" name="직사각형 55">
+            <a:extLst>
+              <a:ext uri="{FF2B5EF4-FFF2-40B4-BE49-F238E27FC236}">
+                <a16:creationId xmlns:a16="http://schemas.microsoft.com/office/drawing/2014/main" id="{D16E6E72-8D8E-4132-BC62-2EECC7D69C9B}"/>
+              </a:ext>
+            </a:extLst>
+          </p:cNvPr>
+          <p:cNvSpPr/>
+          <p:nvPr/>
+        </p:nvSpPr>
+        <p:spPr>
+          <a:xfrm>
+            <a:off x="6788181" y="1062943"/>
+            <a:ext cx="45719" cy="400110"/>
+          </a:xfrm>
+          <a:prstGeom prst="rect">
+            <a:avLst/>
+          </a:prstGeom>
+          <a:solidFill>
+            <a:schemeClr val="tx1"/>
+          </a:solidFill>
+          <a:ln>
+            <a:noFill/>
+          </a:ln>
+        </p:spPr>
+        <p:style>
+          <a:lnRef idx="2">
+            <a:schemeClr val="accent1">
+              <a:shade val="50000"/>
+            </a:schemeClr>
+          </a:lnRef>
+          <a:fillRef idx="1">
+            <a:schemeClr val="accent1"/>
+          </a:fillRef>
+          <a:effectRef idx="0">
+            <a:schemeClr val="accent1"/>
+          </a:effectRef>
+          <a:fontRef idx="minor">
+            <a:schemeClr val="lt1"/>
+          </a:fontRef>
+        </p:style>
+        <p:txBody>
+          <a:bodyPr rtlCol="0" anchor="ctr"/>
+          <a:lstStyle/>
+          <a:p>
+            <a:pPr algn="ctr"/>
             <a:endParaRPr lang="ko-KR" altLang="en-US"/>
           </a:p>
         </p:txBody>
       </p:sp>
       <p:sp>
         <p:nvSpPr>
-          <p:cNvPr id="25" name="TextBox 24">
-            <a:extLst>
-              <a:ext uri="{FF2B5EF4-FFF2-40B4-BE49-F238E27FC236}">
-                <a16:creationId xmlns:a16="http://schemas.microsoft.com/office/drawing/2014/main" id="{62956702-0AA7-4024-A40C-31AA7A109D68}"/>
+          <p:cNvPr id="58" name="TextBox 57">
+            <a:extLst>
+              <a:ext uri="{FF2B5EF4-FFF2-40B4-BE49-F238E27FC236}">
+                <a16:creationId xmlns:a16="http://schemas.microsoft.com/office/drawing/2014/main" id="{60033CC1-A74B-462D-AD05-2B197AA13F2F}"/>
               </a:ext>
             </a:extLst>
           </p:cNvPr>
@@ -26350,7 +28138,7 @@
     </p:spTree>
     <p:extLst>
       <p:ext uri="{BB962C8B-B14F-4D97-AF65-F5344CB8AC3E}">
-        <p14:creationId xmlns:p14="http://schemas.microsoft.com/office/powerpoint/2010/main" val="1833258639"/>
+        <p14:creationId xmlns:p14="http://schemas.microsoft.com/office/powerpoint/2010/main" val="122669228"/>
       </p:ext>
     </p:extLst>
   </p:cSld>
@@ -26379,10 +28167,10 @@
       </p:grpSpPr>
       <p:sp>
         <p:nvSpPr>
-          <p:cNvPr id="38" name="사각형: 둥근 모서리 37">
-            <a:extLst>
-              <a:ext uri="{FF2B5EF4-FFF2-40B4-BE49-F238E27FC236}">
-                <a16:creationId xmlns:a16="http://schemas.microsoft.com/office/drawing/2014/main" id="{0DEAC4A5-EE8F-4167-B0D9-3CD18842DA20}"/>
+          <p:cNvPr id="26" name="사각형: 둥근 모서리 25">
+            <a:extLst>
+              <a:ext uri="{FF2B5EF4-FFF2-40B4-BE49-F238E27FC236}">
+                <a16:creationId xmlns:a16="http://schemas.microsoft.com/office/drawing/2014/main" id="{0308313E-D446-4C9E-BB3E-B4BC9C897152}"/>
               </a:ext>
             </a:extLst>
           </p:cNvPr>
@@ -26499,7 +28287,7 @@
         <p:spPr>
           <a:xfrm>
             <a:off x="646546" y="255627"/>
-            <a:ext cx="9411854" cy="523220"/>
+            <a:ext cx="8562768" cy="523220"/>
           </a:xfrm>
           <a:prstGeom prst="rect">
             <a:avLst/>
@@ -26522,7 +28310,7 @@
             </a:r>
             <a:r>
               <a:rPr lang="ko-KR" altLang="en-US" sz="2800" b="1" dirty="0"/>
-              <a:t>납치자를 모두 찾았을 때 결과 창 </a:t>
+              <a:t>납치자가 다 죽였을 때 결과 창 </a:t>
             </a:r>
             <a:r>
               <a:rPr lang="en-US" altLang="ko-KR" sz="2800" b="1" dirty="0"/>
@@ -26583,6 +28371,174 @@
           </a:p>
         </p:txBody>
       </p:sp>
+      <p:pic>
+        <p:nvPicPr>
+          <p:cNvPr id="1028" name="Picture 4" descr="살인 사건 - 스톡일러스트 [41559464] - PIXTA">
+            <a:extLst>
+              <a:ext uri="{FF2B5EF4-FFF2-40B4-BE49-F238E27FC236}">
+                <a16:creationId xmlns:a16="http://schemas.microsoft.com/office/drawing/2014/main" id="{2FC76769-84F3-4249-96F6-C4634F7C3ADD}"/>
+              </a:ext>
+            </a:extLst>
+          </p:cNvPr>
+          <p:cNvPicPr>
+            <a:picLocks noChangeAspect="1" noChangeArrowheads="1"/>
+          </p:cNvPicPr>
+          <p:nvPr/>
+        </p:nvPicPr>
+        <p:blipFill>
+          <a:blip r:embed="rId3">
+            <a:extLst>
+              <a:ext uri="{BEBA8EAE-BF5A-486C-A8C5-ECC9F3942E4B}">
+                <a14:imgProps xmlns:a14="http://schemas.microsoft.com/office/drawing/2010/main">
+                  <a14:imgLayer r:embed="rId4">
+                    <a14:imgEffect>
+                      <a14:backgroundRemoval t="10000" b="90000" l="10000" r="90000"/>
+                    </a14:imgEffect>
+                  </a14:imgLayer>
+                </a14:imgProps>
+              </a:ext>
+              <a:ext uri="{28A0092B-C50C-407E-A947-70E740481C1C}">
+                <a14:useLocalDpi xmlns:a14="http://schemas.microsoft.com/office/drawing/2010/main" val="0"/>
+              </a:ext>
+            </a:extLst>
+          </a:blip>
+          <a:srcRect/>
+          <a:stretch>
+            <a:fillRect/>
+          </a:stretch>
+        </p:blipFill>
+        <p:spPr bwMode="auto">
+          <a:xfrm>
+            <a:off x="2622987" y="2919996"/>
+            <a:ext cx="3516085" cy="2705737"/>
+          </a:xfrm>
+          <a:prstGeom prst="rect">
+            <a:avLst/>
+          </a:prstGeom>
+          <a:noFill/>
+          <a:extLst>
+            <a:ext uri="{909E8E84-426E-40DD-AFC4-6F175D3DCCD1}">
+              <a14:hiddenFill xmlns:a14="http://schemas.microsoft.com/office/drawing/2010/main">
+                <a:solidFill>
+                  <a:srgbClr val="FFFFFF"/>
+                </a:solidFill>
+              </a14:hiddenFill>
+            </a:ext>
+          </a:extLst>
+        </p:spPr>
+      </p:pic>
+      <p:pic>
+        <p:nvPicPr>
+          <p:cNvPr id="49" name="Picture 4" descr="살인 사건 - 스톡일러스트 [41559464] - PIXTA">
+            <a:extLst>
+              <a:ext uri="{FF2B5EF4-FFF2-40B4-BE49-F238E27FC236}">
+                <a16:creationId xmlns:a16="http://schemas.microsoft.com/office/drawing/2014/main" id="{E4DDF074-E768-4AFE-8A3D-1B943AEBDB78}"/>
+              </a:ext>
+            </a:extLst>
+          </p:cNvPr>
+          <p:cNvPicPr>
+            <a:picLocks noChangeAspect="1" noChangeArrowheads="1"/>
+          </p:cNvPicPr>
+          <p:nvPr/>
+        </p:nvPicPr>
+        <p:blipFill>
+          <a:blip r:embed="rId3">
+            <a:extLst>
+              <a:ext uri="{BEBA8EAE-BF5A-486C-A8C5-ECC9F3942E4B}">
+                <a14:imgProps xmlns:a14="http://schemas.microsoft.com/office/drawing/2010/main">
+                  <a14:imgLayer r:embed="rId4">
+                    <a14:imgEffect>
+                      <a14:backgroundRemoval t="10000" b="90000" l="10000" r="90000"/>
+                    </a14:imgEffect>
+                  </a14:imgLayer>
+                </a14:imgProps>
+              </a:ext>
+              <a:ext uri="{28A0092B-C50C-407E-A947-70E740481C1C}">
+                <a14:useLocalDpi xmlns:a14="http://schemas.microsoft.com/office/drawing/2010/main" val="0"/>
+              </a:ext>
+            </a:extLst>
+          </a:blip>
+          <a:srcRect/>
+          <a:stretch>
+            <a:fillRect/>
+          </a:stretch>
+        </p:blipFill>
+        <p:spPr bwMode="auto">
+          <a:xfrm>
+            <a:off x="1166067" y="2846765"/>
+            <a:ext cx="2835426" cy="2181949"/>
+          </a:xfrm>
+          <a:prstGeom prst="rect">
+            <a:avLst/>
+          </a:prstGeom>
+          <a:noFill/>
+          <a:extLst>
+            <a:ext uri="{909E8E84-426E-40DD-AFC4-6F175D3DCCD1}">
+              <a14:hiddenFill xmlns:a14="http://schemas.microsoft.com/office/drawing/2010/main">
+                <a:solidFill>
+                  <a:srgbClr val="FFFFFF"/>
+                </a:solidFill>
+              </a14:hiddenFill>
+            </a:ext>
+          </a:extLst>
+        </p:spPr>
+      </p:pic>
+      <p:pic>
+        <p:nvPicPr>
+          <p:cNvPr id="50" name="Picture 4" descr="살인 사건 - 스톡일러스트 [41559464] - PIXTA">
+            <a:extLst>
+              <a:ext uri="{FF2B5EF4-FFF2-40B4-BE49-F238E27FC236}">
+                <a16:creationId xmlns:a16="http://schemas.microsoft.com/office/drawing/2014/main" id="{B56AB350-5871-469F-AA06-52F12A00CDC0}"/>
+              </a:ext>
+            </a:extLst>
+          </p:cNvPr>
+          <p:cNvPicPr>
+            <a:picLocks noChangeAspect="1" noChangeArrowheads="1"/>
+          </p:cNvPicPr>
+          <p:nvPr/>
+        </p:nvPicPr>
+        <p:blipFill>
+          <a:blip r:embed="rId3">
+            <a:extLst>
+              <a:ext uri="{BEBA8EAE-BF5A-486C-A8C5-ECC9F3942E4B}">
+                <a14:imgProps xmlns:a14="http://schemas.microsoft.com/office/drawing/2010/main">
+                  <a14:imgLayer r:embed="rId4">
+                    <a14:imgEffect>
+                      <a14:backgroundRemoval t="10000" b="90000" l="10000" r="90000"/>
+                    </a14:imgEffect>
+                  </a14:imgLayer>
+                </a14:imgProps>
+              </a:ext>
+              <a:ext uri="{28A0092B-C50C-407E-A947-70E740481C1C}">
+                <a14:useLocalDpi xmlns:a14="http://schemas.microsoft.com/office/drawing/2010/main" val="0"/>
+              </a:ext>
+            </a:extLst>
+          </a:blip>
+          <a:srcRect/>
+          <a:stretch>
+            <a:fillRect/>
+          </a:stretch>
+        </p:blipFill>
+        <p:spPr bwMode="auto">
+          <a:xfrm>
+            <a:off x="4926876" y="2919996"/>
+            <a:ext cx="2740263" cy="2108718"/>
+          </a:xfrm>
+          <a:prstGeom prst="rect">
+            <a:avLst/>
+          </a:prstGeom>
+          <a:noFill/>
+          <a:extLst>
+            <a:ext uri="{909E8E84-426E-40DD-AFC4-6F175D3DCCD1}">
+              <a14:hiddenFill xmlns:a14="http://schemas.microsoft.com/office/drawing/2010/main">
+                <a:solidFill>
+                  <a:srgbClr val="FFFFFF"/>
+                </a:solidFill>
+              </a14:hiddenFill>
+            </a:ext>
+          </a:extLst>
+        </p:spPr>
+      </p:pic>
       <p:sp>
         <p:nvSpPr>
           <p:cNvPr id="3" name="직사각형 2">
@@ -26642,23 +28598,68 @@
                   <a:schemeClr val="tx1"/>
                 </a:solidFill>
               </a:rPr>
-              <a:t>돋보기로 사람을 검사하는 듯한 모션을 한다</a:t>
-            </a:r>
-            <a:r>
+              <a:t>검은 화면에서 총소리 또는 </a:t>
+            </a:r>
+            <a:br>
               <a:rPr lang="en-US" altLang="ko-KR" sz="1600" b="1" dirty="0">
                 <a:solidFill>
                   <a:schemeClr val="tx1"/>
                 </a:solidFill>
               </a:rPr>
-              <a:t>. </a:t>
-            </a:r>
+            </a:br>
             <a:r>
               <a:rPr lang="ko-KR" altLang="en-US" sz="1600" b="1" dirty="0">
                 <a:solidFill>
                   <a:schemeClr val="tx1"/>
                 </a:solidFill>
               </a:rPr>
-              <a:t>그 사람을 지나치면 빨간 느낌표가 표시되며 검은 화면으로 바뀐다</a:t>
+              <a:t>칼 찔리는 소리가 난 후 캐릭터 모양은 아니지만 </a:t>
+            </a:r>
+            <a:r>
+              <a:rPr lang="en-US" altLang="ko-KR" sz="1600" b="1" dirty="0">
+                <a:solidFill>
+                  <a:schemeClr val="tx1"/>
+                </a:solidFill>
+              </a:rPr>
+              <a:t>3</a:t>
+            </a:r>
+            <a:r>
+              <a:rPr lang="ko-KR" altLang="en-US" sz="1600" b="1" dirty="0">
+                <a:solidFill>
+                  <a:schemeClr val="tx1"/>
+                </a:solidFill>
+              </a:rPr>
+              <a:t>개의 사람 </a:t>
+            </a:r>
+            <a:br>
+              <a:rPr lang="en-US" altLang="ko-KR" sz="1600" b="1" dirty="0">
+                <a:solidFill>
+                  <a:schemeClr val="tx1"/>
+                </a:solidFill>
+              </a:rPr>
+            </a:br>
+            <a:r>
+              <a:rPr lang="ko-KR" altLang="en-US" sz="1600" b="1" dirty="0">
+                <a:solidFill>
+                  <a:schemeClr val="tx1"/>
+                </a:solidFill>
+              </a:rPr>
+              <a:t>모양의 아이콘이 죽어 있으며 </a:t>
+            </a:r>
+            <a:br>
+              <a:rPr lang="en-US" altLang="ko-KR" sz="1600" b="1" dirty="0">
+                <a:solidFill>
+                  <a:schemeClr val="tx1"/>
+                </a:solidFill>
+              </a:rPr>
+            </a:br>
+            <a:r>
+              <a:rPr lang="ko-KR" altLang="en-US" sz="1600" b="1" dirty="0">
+                <a:solidFill>
+                  <a:schemeClr val="tx1"/>
+                </a:solidFill>
+              </a:rPr>
+              <a:t>다시 검은 화면으로 바뀜</a:t>
             </a:r>
             <a:r>
               <a:rPr lang="en-US" altLang="ko-KR" sz="1600" b="1" dirty="0">
@@ -26670,10 +28671,7 @@
             </a:r>
           </a:p>
           <a:p>
-            <a:pPr marL="285750" indent="-285750" algn="ctr">
-              <a:buFontTx/>
-              <a:buChar char="-"/>
-            </a:pPr>
+            <a:pPr algn="ctr"/>
             <a:endParaRPr lang="en-US" altLang="ko-KR" sz="1600" b="1" dirty="0">
               <a:solidFill>
                 <a:schemeClr val="tx1"/>
@@ -26681,144 +28679,60 @@
             </a:endParaRPr>
           </a:p>
           <a:p>
-            <a:pPr marL="285750" indent="-285750" algn="ctr">
-              <a:buFontTx/>
-              <a:buChar char="-"/>
-            </a:pPr>
+            <a:pPr algn="ctr"/>
+            <a:r>
+              <a:rPr lang="en-US" altLang="ko-KR" sz="1600" b="1" dirty="0">
+                <a:solidFill>
+                  <a:schemeClr val="tx1"/>
+                </a:solidFill>
+              </a:rPr>
+              <a:t>- </a:t>
+            </a:r>
             <a:r>
               <a:rPr lang="ko-KR" altLang="en-US" sz="1600" b="1" dirty="0">
                 <a:solidFill>
                   <a:schemeClr val="tx1"/>
                 </a:solidFill>
               </a:rPr>
-              <a:t>공동 결과창으로 이동</a:t>
-            </a:r>
-          </a:p>
-        </p:txBody>
-      </p:sp>
-      <p:pic>
-        <p:nvPicPr>
-          <p:cNvPr id="6" name="그래픽 5" descr="남자 윤곽선">
-            <a:extLst>
-              <a:ext uri="{FF2B5EF4-FFF2-40B4-BE49-F238E27FC236}">
-                <a16:creationId xmlns:a16="http://schemas.microsoft.com/office/drawing/2014/main" id="{EADB742A-6A5D-4F23-A97C-FCD24478AC79}"/>
-              </a:ext>
-            </a:extLst>
-          </p:cNvPr>
-          <p:cNvPicPr>
-            <a:picLocks noChangeAspect="1"/>
-          </p:cNvPicPr>
-          <p:nvPr/>
-        </p:nvPicPr>
-        <p:blipFill>
-          <a:blip r:embed="rId3">
-            <a:extLst>
-              <a:ext uri="{28A0092B-C50C-407E-A947-70E740481C1C}">
-                <a14:useLocalDpi xmlns:a14="http://schemas.microsoft.com/office/drawing/2010/main" val="0"/>
-              </a:ext>
-              <a:ext uri="{96DAC541-7B7A-43D3-8B79-37D633B846F1}">
-                <asvg:svgBlip xmlns:asvg="http://schemas.microsoft.com/office/drawing/2016/SVG/main" r:embed="rId4"/>
-              </a:ext>
-            </a:extLst>
-          </a:blip>
-          <a:stretch>
-            <a:fillRect/>
-          </a:stretch>
-        </p:blipFill>
-        <p:spPr>
-          <a:xfrm>
-            <a:off x="1234750" y="3251717"/>
-            <a:ext cx="1824136" cy="1824136"/>
-          </a:xfrm>
-          <a:prstGeom prst="rect">
-            <a:avLst/>
-          </a:prstGeom>
-        </p:spPr>
-      </p:pic>
-      <p:pic>
-        <p:nvPicPr>
-          <p:cNvPr id="25" name="그래픽 24" descr="남자 윤곽선">
-            <a:extLst>
-              <a:ext uri="{FF2B5EF4-FFF2-40B4-BE49-F238E27FC236}">
-                <a16:creationId xmlns:a16="http://schemas.microsoft.com/office/drawing/2014/main" id="{A3AA7A24-8100-46D9-BFFD-EE8B0AA3E961}"/>
-              </a:ext>
-            </a:extLst>
-          </p:cNvPr>
-          <p:cNvPicPr>
-            <a:picLocks noChangeAspect="1"/>
-          </p:cNvPicPr>
-          <p:nvPr/>
-        </p:nvPicPr>
-        <p:blipFill>
-          <a:blip r:embed="rId3">
-            <a:extLst>
-              <a:ext uri="{28A0092B-C50C-407E-A947-70E740481C1C}">
-                <a14:useLocalDpi xmlns:a14="http://schemas.microsoft.com/office/drawing/2010/main" val="0"/>
-              </a:ext>
-              <a:ext uri="{96DAC541-7B7A-43D3-8B79-37D633B846F1}">
-                <asvg:svgBlip xmlns:asvg="http://schemas.microsoft.com/office/drawing/2016/SVG/main" r:embed="rId4"/>
-              </a:ext>
-            </a:extLst>
-          </a:blip>
-          <a:stretch>
-            <a:fillRect/>
-          </a:stretch>
-        </p:blipFill>
-        <p:spPr>
-          <a:xfrm>
-            <a:off x="3418866" y="3093097"/>
-            <a:ext cx="1824136" cy="1824136"/>
-          </a:xfrm>
-          <a:prstGeom prst="rect">
-            <a:avLst/>
-          </a:prstGeom>
-        </p:spPr>
-      </p:pic>
-      <p:pic>
-        <p:nvPicPr>
-          <p:cNvPr id="29" name="그래픽 28" descr="남자 윤곽선">
-            <a:extLst>
-              <a:ext uri="{FF2B5EF4-FFF2-40B4-BE49-F238E27FC236}">
-                <a16:creationId xmlns:a16="http://schemas.microsoft.com/office/drawing/2014/main" id="{6A445642-7ADF-416E-A6AE-5F39095573F8}"/>
-              </a:ext>
-            </a:extLst>
-          </p:cNvPr>
-          <p:cNvPicPr>
-            <a:picLocks noChangeAspect="1"/>
-          </p:cNvPicPr>
-          <p:nvPr/>
-        </p:nvPicPr>
-        <p:blipFill>
-          <a:blip r:embed="rId3">
-            <a:extLst>
-              <a:ext uri="{28A0092B-C50C-407E-A947-70E740481C1C}">
-                <a14:useLocalDpi xmlns:a14="http://schemas.microsoft.com/office/drawing/2010/main" val="0"/>
-              </a:ext>
-              <a:ext uri="{96DAC541-7B7A-43D3-8B79-37D633B846F1}">
-                <asvg:svgBlip xmlns:asvg="http://schemas.microsoft.com/office/drawing/2016/SVG/main" r:embed="rId4"/>
-              </a:ext>
-            </a:extLst>
-          </a:blip>
-          <a:stretch>
-            <a:fillRect/>
-          </a:stretch>
-        </p:blipFill>
-        <p:spPr>
-          <a:xfrm>
-            <a:off x="5602982" y="3093097"/>
-            <a:ext cx="1824136" cy="1824136"/>
-          </a:xfrm>
-          <a:prstGeom prst="rect">
-            <a:avLst/>
-          </a:prstGeom>
-        </p:spPr>
-      </p:pic>
-      <p:sp>
-        <p:nvSpPr>
-          <p:cNvPr id="9" name="TextBox 8">
-            <a:extLst>
-              <a:ext uri="{FF2B5EF4-FFF2-40B4-BE49-F238E27FC236}">
-                <a16:creationId xmlns:a16="http://schemas.microsoft.com/office/drawing/2014/main" id="{44C4C182-44E4-41D3-B2F4-7ACC44FCD16F}"/>
+              <a:t>이 후에 공통 결과창으로 </a:t>
+            </a:r>
+            <a:br>
+              <a:rPr lang="en-US" altLang="ko-KR" sz="1600" b="1" dirty="0">
+                <a:solidFill>
+                  <a:schemeClr val="tx1"/>
+                </a:solidFill>
+              </a:rPr>
+            </a:br>
+            <a:r>
+              <a:rPr lang="ko-KR" altLang="en-US" sz="1600" b="1" dirty="0">
+                <a:solidFill>
+                  <a:schemeClr val="tx1"/>
+                </a:solidFill>
+              </a:rPr>
+              <a:t>넘어간다</a:t>
+            </a:r>
+            <a:r>
+              <a:rPr lang="en-US" altLang="ko-KR" sz="1600" b="1" dirty="0">
+                <a:solidFill>
+                  <a:schemeClr val="tx1"/>
+                </a:solidFill>
+              </a:rPr>
+              <a:t>.</a:t>
+            </a:r>
+            <a:endParaRPr lang="ko-KR" altLang="en-US" sz="1600" b="1" dirty="0">
+              <a:solidFill>
+                <a:schemeClr val="tx1"/>
+              </a:solidFill>
+            </a:endParaRPr>
+          </a:p>
+        </p:txBody>
+      </p:sp>
+      <p:sp>
+        <p:nvSpPr>
+          <p:cNvPr id="17" name="TextBox 16">
+            <a:extLst>
+              <a:ext uri="{FF2B5EF4-FFF2-40B4-BE49-F238E27FC236}">
+                <a16:creationId xmlns:a16="http://schemas.microsoft.com/office/drawing/2014/main" id="{33949146-2C9F-4FC5-BF65-375C68F174B1}"/>
               </a:ext>
             </a:extLst>
           </p:cNvPr>
@@ -26827,8 +28741,8 @@
         </p:nvSpPr>
         <p:spPr>
           <a:xfrm>
-            <a:off x="1979568" y="3651222"/>
-            <a:ext cx="334500" cy="707886"/>
+            <a:off x="206463" y="1037795"/>
+            <a:ext cx="199618" cy="400110"/>
           </a:xfrm>
           <a:prstGeom prst="rect">
             <a:avLst/>
@@ -26842,255 +28756,6 @@
           <a:lstStyle/>
           <a:p>
             <a:r>
-              <a:rPr lang="en-US" altLang="ko-KR" sz="4000" b="1" dirty="0">
-                <a:solidFill>
-                  <a:srgbClr val="FF0000"/>
-                </a:solidFill>
-              </a:rPr>
-              <a:t>!</a:t>
-            </a:r>
-            <a:endParaRPr lang="ko-KR" altLang="en-US" sz="4000" b="1" dirty="0">
-              <a:solidFill>
-                <a:srgbClr val="FF0000"/>
-              </a:solidFill>
-            </a:endParaRPr>
-          </a:p>
-        </p:txBody>
-      </p:sp>
-      <p:sp>
-        <p:nvSpPr>
-          <p:cNvPr id="30" name="TextBox 29">
-            <a:extLst>
-              <a:ext uri="{FF2B5EF4-FFF2-40B4-BE49-F238E27FC236}">
-                <a16:creationId xmlns:a16="http://schemas.microsoft.com/office/drawing/2014/main" id="{A3F22A5B-4F31-4443-B807-3D9FEB71906C}"/>
-              </a:ext>
-            </a:extLst>
-          </p:cNvPr>
-          <p:cNvSpPr txBox="1"/>
-          <p:nvPr/>
-        </p:nvSpPr>
-        <p:spPr>
-          <a:xfrm>
-            <a:off x="4161072" y="3533034"/>
-            <a:ext cx="334500" cy="707886"/>
-          </a:xfrm>
-          <a:prstGeom prst="rect">
-            <a:avLst/>
-          </a:prstGeom>
-          <a:noFill/>
-        </p:spPr>
-        <p:txBody>
-          <a:bodyPr wrap="square" rtlCol="0">
-            <a:spAutoFit/>
-          </a:bodyPr>
-          <a:lstStyle/>
-          <a:p>
-            <a:r>
-              <a:rPr lang="en-US" altLang="ko-KR" sz="4000" b="1" dirty="0">
-                <a:solidFill>
-                  <a:srgbClr val="FF0000"/>
-                </a:solidFill>
-              </a:rPr>
-              <a:t>!</a:t>
-            </a:r>
-            <a:endParaRPr lang="ko-KR" altLang="en-US" sz="4000" b="1" dirty="0">
-              <a:solidFill>
-                <a:srgbClr val="FF0000"/>
-              </a:solidFill>
-            </a:endParaRPr>
-          </a:p>
-        </p:txBody>
-      </p:sp>
-      <p:sp>
-        <p:nvSpPr>
-          <p:cNvPr id="31" name="TextBox 30">
-            <a:extLst>
-              <a:ext uri="{FF2B5EF4-FFF2-40B4-BE49-F238E27FC236}">
-                <a16:creationId xmlns:a16="http://schemas.microsoft.com/office/drawing/2014/main" id="{26EE3C3A-9927-409E-837C-BB294F6AD955}"/>
-              </a:ext>
-            </a:extLst>
-          </p:cNvPr>
-          <p:cNvSpPr txBox="1"/>
-          <p:nvPr/>
-        </p:nvSpPr>
-        <p:spPr>
-          <a:xfrm>
-            <a:off x="6347800" y="3503329"/>
-            <a:ext cx="334500" cy="707886"/>
-          </a:xfrm>
-          <a:prstGeom prst="rect">
-            <a:avLst/>
-          </a:prstGeom>
-          <a:noFill/>
-        </p:spPr>
-        <p:txBody>
-          <a:bodyPr wrap="square" rtlCol="0">
-            <a:spAutoFit/>
-          </a:bodyPr>
-          <a:lstStyle/>
-          <a:p>
-            <a:r>
-              <a:rPr lang="en-US" altLang="ko-KR" sz="4000" b="1" dirty="0">
-                <a:solidFill>
-                  <a:srgbClr val="FF0000"/>
-                </a:solidFill>
-              </a:rPr>
-              <a:t>!</a:t>
-            </a:r>
-            <a:endParaRPr lang="ko-KR" altLang="en-US" sz="4000" b="1" dirty="0">
-              <a:solidFill>
-                <a:srgbClr val="FF0000"/>
-              </a:solidFill>
-            </a:endParaRPr>
-          </a:p>
-        </p:txBody>
-      </p:sp>
-      <p:pic>
-        <p:nvPicPr>
-          <p:cNvPr id="16" name="그래픽 15" descr="돋보기 윤곽선">
-            <a:extLst>
-              <a:ext uri="{FF2B5EF4-FFF2-40B4-BE49-F238E27FC236}">
-                <a16:creationId xmlns:a16="http://schemas.microsoft.com/office/drawing/2014/main" id="{FDE7620F-4E24-46BD-A3A3-5F3F971E2D08}"/>
-              </a:ext>
-            </a:extLst>
-          </p:cNvPr>
-          <p:cNvPicPr>
-            <a:picLocks noChangeAspect="1"/>
-          </p:cNvPicPr>
-          <p:nvPr/>
-        </p:nvPicPr>
-        <p:blipFill>
-          <a:blip r:embed="rId5">
-            <a:extLst>
-              <a:ext uri="{28A0092B-C50C-407E-A947-70E740481C1C}">
-                <a14:useLocalDpi xmlns:a14="http://schemas.microsoft.com/office/drawing/2010/main" val="0"/>
-              </a:ext>
-              <a:ext uri="{96DAC541-7B7A-43D3-8B79-37D633B846F1}">
-                <asvg:svgBlip xmlns:asvg="http://schemas.microsoft.com/office/drawing/2016/SVG/main" r:embed="rId6"/>
-              </a:ext>
-            </a:extLst>
-          </a:blip>
-          <a:stretch>
-            <a:fillRect/>
-          </a:stretch>
-        </p:blipFill>
-        <p:spPr>
-          <a:xfrm>
-            <a:off x="1391407" y="3093097"/>
-            <a:ext cx="1931089" cy="1931089"/>
-          </a:xfrm>
-          <a:prstGeom prst="rect">
-            <a:avLst/>
-          </a:prstGeom>
-        </p:spPr>
-      </p:pic>
-      <p:pic>
-        <p:nvPicPr>
-          <p:cNvPr id="32" name="그래픽 31" descr="돋보기 윤곽선">
-            <a:extLst>
-              <a:ext uri="{FF2B5EF4-FFF2-40B4-BE49-F238E27FC236}">
-                <a16:creationId xmlns:a16="http://schemas.microsoft.com/office/drawing/2014/main" id="{BF35FADF-E2CD-4A51-BD94-74370B3DFDBF}"/>
-              </a:ext>
-            </a:extLst>
-          </p:cNvPr>
-          <p:cNvPicPr>
-            <a:picLocks noChangeAspect="1"/>
-          </p:cNvPicPr>
-          <p:nvPr/>
-        </p:nvPicPr>
-        <p:blipFill>
-          <a:blip r:embed="rId5">
-            <a:extLst>
-              <a:ext uri="{28A0092B-C50C-407E-A947-70E740481C1C}">
-                <a14:useLocalDpi xmlns:a14="http://schemas.microsoft.com/office/drawing/2010/main" val="0"/>
-              </a:ext>
-              <a:ext uri="{96DAC541-7B7A-43D3-8B79-37D633B846F1}">
-                <asvg:svgBlip xmlns:asvg="http://schemas.microsoft.com/office/drawing/2016/SVG/main" r:embed="rId6"/>
-              </a:ext>
-            </a:extLst>
-          </a:blip>
-          <a:stretch>
-            <a:fillRect/>
-          </a:stretch>
-        </p:blipFill>
-        <p:spPr>
-          <a:xfrm>
-            <a:off x="3567991" y="3030463"/>
-            <a:ext cx="1931089" cy="1931089"/>
-          </a:xfrm>
-          <a:prstGeom prst="rect">
-            <a:avLst/>
-          </a:prstGeom>
-        </p:spPr>
-      </p:pic>
-      <p:pic>
-        <p:nvPicPr>
-          <p:cNvPr id="33" name="그래픽 32" descr="돋보기 윤곽선">
-            <a:extLst>
-              <a:ext uri="{FF2B5EF4-FFF2-40B4-BE49-F238E27FC236}">
-                <a16:creationId xmlns:a16="http://schemas.microsoft.com/office/drawing/2014/main" id="{007B0A62-5F7C-4D11-BD28-365FB0C93353}"/>
-              </a:ext>
-            </a:extLst>
-          </p:cNvPr>
-          <p:cNvPicPr>
-            <a:picLocks noChangeAspect="1"/>
-          </p:cNvPicPr>
-          <p:nvPr/>
-        </p:nvPicPr>
-        <p:blipFill>
-          <a:blip r:embed="rId5">
-            <a:extLst>
-              <a:ext uri="{28A0092B-C50C-407E-A947-70E740481C1C}">
-                <a14:useLocalDpi xmlns:a14="http://schemas.microsoft.com/office/drawing/2010/main" val="0"/>
-              </a:ext>
-              <a:ext uri="{96DAC541-7B7A-43D3-8B79-37D633B846F1}">
-                <asvg:svgBlip xmlns:asvg="http://schemas.microsoft.com/office/drawing/2016/SVG/main" r:embed="rId6"/>
-              </a:ext>
-            </a:extLst>
-          </a:blip>
-          <a:stretch>
-            <a:fillRect/>
-          </a:stretch>
-        </p:blipFill>
-        <p:spPr>
-          <a:xfrm>
-            <a:off x="5741470" y="2986144"/>
-            <a:ext cx="1931089" cy="1931089"/>
-          </a:xfrm>
-          <a:prstGeom prst="rect">
-            <a:avLst/>
-          </a:prstGeom>
-        </p:spPr>
-      </p:pic>
-      <p:sp>
-        <p:nvSpPr>
-          <p:cNvPr id="23" name="TextBox 22">
-            <a:extLst>
-              <a:ext uri="{FF2B5EF4-FFF2-40B4-BE49-F238E27FC236}">
-                <a16:creationId xmlns:a16="http://schemas.microsoft.com/office/drawing/2014/main" id="{07E34DE8-3A8C-438E-832B-E2E8D9A7D418}"/>
-              </a:ext>
-            </a:extLst>
-          </p:cNvPr>
-          <p:cNvSpPr txBox="1"/>
-          <p:nvPr/>
-        </p:nvSpPr>
-        <p:spPr>
-          <a:xfrm>
-            <a:off x="206463" y="1037795"/>
-            <a:ext cx="199618" cy="400110"/>
-          </a:xfrm>
-          <a:prstGeom prst="rect">
-            <a:avLst/>
-          </a:prstGeom>
-          <a:noFill/>
-        </p:spPr>
-        <p:txBody>
-          <a:bodyPr wrap="square" rtlCol="0">
-            <a:spAutoFit/>
-          </a:bodyPr>
-          <a:lstStyle/>
-          <a:p>
-            <a:r>
               <a:rPr lang="ko-KR" altLang="en-US" sz="2000" b="1" dirty="0"/>
               <a:t>킬</a:t>
             </a:r>
@@ -27100,10 +28765,10 @@
       </p:sp>
       <p:sp>
         <p:nvSpPr>
-          <p:cNvPr id="24" name="TextBox 23">
-            <a:extLst>
-              <a:ext uri="{FF2B5EF4-FFF2-40B4-BE49-F238E27FC236}">
-                <a16:creationId xmlns:a16="http://schemas.microsoft.com/office/drawing/2014/main" id="{EC294485-9819-498D-96F3-87FE051FA092}"/>
+          <p:cNvPr id="18" name="TextBox 17">
+            <a:extLst>
+              <a:ext uri="{FF2B5EF4-FFF2-40B4-BE49-F238E27FC236}">
+                <a16:creationId xmlns:a16="http://schemas.microsoft.com/office/drawing/2014/main" id="{07F4FA26-8309-4DD0-A6DE-D71E76CE04FD}"/>
               </a:ext>
             </a:extLst>
           </p:cNvPr>
@@ -27136,10 +28801,10 @@
       </p:sp>
       <p:sp>
         <p:nvSpPr>
-          <p:cNvPr id="26" name="TextBox 25">
-            <a:extLst>
-              <a:ext uri="{FF2B5EF4-FFF2-40B4-BE49-F238E27FC236}">
-                <a16:creationId xmlns:a16="http://schemas.microsoft.com/office/drawing/2014/main" id="{E947157E-CFFB-4EEA-84FC-77F369B52A13}"/>
+          <p:cNvPr id="19" name="TextBox 18">
+            <a:extLst>
+              <a:ext uri="{FF2B5EF4-FFF2-40B4-BE49-F238E27FC236}">
+                <a16:creationId xmlns:a16="http://schemas.microsoft.com/office/drawing/2014/main" id="{21E7E867-9666-4B05-B927-1B36C6C02601}"/>
               </a:ext>
             </a:extLst>
           </p:cNvPr>
@@ -27172,10 +28837,10 @@
       </p:sp>
       <p:sp>
         <p:nvSpPr>
-          <p:cNvPr id="27" name="직사각형 26">
-            <a:extLst>
-              <a:ext uri="{FF2B5EF4-FFF2-40B4-BE49-F238E27FC236}">
-                <a16:creationId xmlns:a16="http://schemas.microsoft.com/office/drawing/2014/main" id="{1F08920E-4986-4F1E-8C47-548C3F98F4FC}"/>
+          <p:cNvPr id="20" name="직사각형 19">
+            <a:extLst>
+              <a:ext uri="{FF2B5EF4-FFF2-40B4-BE49-F238E27FC236}">
+                <a16:creationId xmlns:a16="http://schemas.microsoft.com/office/drawing/2014/main" id="{F880190F-4EB5-4AF1-80B6-081EC402A06A}"/>
               </a:ext>
             </a:extLst>
           </p:cNvPr>
@@ -27224,10 +28889,10 @@
       </p:sp>
       <p:sp>
         <p:nvSpPr>
-          <p:cNvPr id="28" name="직사각형 27">
-            <a:extLst>
-              <a:ext uri="{FF2B5EF4-FFF2-40B4-BE49-F238E27FC236}">
-                <a16:creationId xmlns:a16="http://schemas.microsoft.com/office/drawing/2014/main" id="{D56053B7-6397-4E34-915D-5B85690A147B}"/>
+          <p:cNvPr id="21" name="직사각형 20">
+            <a:extLst>
+              <a:ext uri="{FF2B5EF4-FFF2-40B4-BE49-F238E27FC236}">
+                <a16:creationId xmlns:a16="http://schemas.microsoft.com/office/drawing/2014/main" id="{2D36705C-A127-4359-B849-4EECD90E67E3}"/>
               </a:ext>
             </a:extLst>
           </p:cNvPr>
@@ -27276,10 +28941,10 @@
       </p:sp>
       <p:sp>
         <p:nvSpPr>
-          <p:cNvPr id="34" name="직사각형 33">
-            <a:extLst>
-              <a:ext uri="{FF2B5EF4-FFF2-40B4-BE49-F238E27FC236}">
-                <a16:creationId xmlns:a16="http://schemas.microsoft.com/office/drawing/2014/main" id="{B811A488-1DBB-47B3-9EB8-6DB665BD8912}"/>
+          <p:cNvPr id="22" name="직사각형 21">
+            <a:extLst>
+              <a:ext uri="{FF2B5EF4-FFF2-40B4-BE49-F238E27FC236}">
+                <a16:creationId xmlns:a16="http://schemas.microsoft.com/office/drawing/2014/main" id="{96503DDE-4A52-4186-81BD-FEC2C2F6F143}"/>
               </a:ext>
             </a:extLst>
           </p:cNvPr>
@@ -27328,10 +28993,10 @@
       </p:sp>
       <p:sp>
         <p:nvSpPr>
-          <p:cNvPr id="35" name="TextBox 34">
-            <a:extLst>
-              <a:ext uri="{FF2B5EF4-FFF2-40B4-BE49-F238E27FC236}">
-                <a16:creationId xmlns:a16="http://schemas.microsoft.com/office/drawing/2014/main" id="{FFDB2B21-3667-435A-AB20-03FF3AEBA1D7}"/>
+          <p:cNvPr id="23" name="TextBox 22">
+            <a:extLst>
+              <a:ext uri="{FF2B5EF4-FFF2-40B4-BE49-F238E27FC236}">
+                <a16:creationId xmlns:a16="http://schemas.microsoft.com/office/drawing/2014/main" id="{2B544717-CDCA-48BD-9C8F-2CE5992EB1B7}"/>
               </a:ext>
             </a:extLst>
           </p:cNvPr>
@@ -27364,10 +29029,10 @@
       </p:sp>
       <p:sp>
         <p:nvSpPr>
-          <p:cNvPr id="36" name="직사각형 35">
-            <a:extLst>
-              <a:ext uri="{FF2B5EF4-FFF2-40B4-BE49-F238E27FC236}">
-                <a16:creationId xmlns:a16="http://schemas.microsoft.com/office/drawing/2014/main" id="{98A040AD-5DCE-49DA-937C-7361A2A3A57B}"/>
+          <p:cNvPr id="24" name="직사각형 23">
+            <a:extLst>
+              <a:ext uri="{FF2B5EF4-FFF2-40B4-BE49-F238E27FC236}">
+                <a16:creationId xmlns:a16="http://schemas.microsoft.com/office/drawing/2014/main" id="{8F491334-54BD-4746-98EB-8E1DD71F9EC7}"/>
               </a:ext>
             </a:extLst>
           </p:cNvPr>
@@ -27416,10 +29081,10 @@
       </p:sp>
       <p:sp>
         <p:nvSpPr>
-          <p:cNvPr id="37" name="TextBox 36">
-            <a:extLst>
-              <a:ext uri="{FF2B5EF4-FFF2-40B4-BE49-F238E27FC236}">
-                <a16:creationId xmlns:a16="http://schemas.microsoft.com/office/drawing/2014/main" id="{B1BF5ADA-8B91-4324-96DB-8C48F48929B8}"/>
+          <p:cNvPr id="25" name="TextBox 24">
+            <a:extLst>
+              <a:ext uri="{FF2B5EF4-FFF2-40B4-BE49-F238E27FC236}">
+                <a16:creationId xmlns:a16="http://schemas.microsoft.com/office/drawing/2014/main" id="{62956702-0AA7-4024-A40C-31AA7A109D68}"/>
               </a:ext>
             </a:extLst>
           </p:cNvPr>
@@ -27453,7 +29118,7 @@
     </p:spTree>
     <p:extLst>
       <p:ext uri="{BB962C8B-B14F-4D97-AF65-F5344CB8AC3E}">
-        <p14:creationId xmlns:p14="http://schemas.microsoft.com/office/powerpoint/2010/main" val="1654176119"/>
+        <p14:creationId xmlns:p14="http://schemas.microsoft.com/office/powerpoint/2010/main" val="1833258639"/>
       </p:ext>
     </p:extLst>
   </p:cSld>
@@ -27482,10 +29147,10 @@
       </p:grpSpPr>
       <p:sp>
         <p:nvSpPr>
-          <p:cNvPr id="37" name="사각형: 둥근 모서리 36">
-            <a:extLst>
-              <a:ext uri="{FF2B5EF4-FFF2-40B4-BE49-F238E27FC236}">
-                <a16:creationId xmlns:a16="http://schemas.microsoft.com/office/drawing/2014/main" id="{8CB633B6-F0EE-44CA-9448-E6DE3BBEF3EF}"/>
+          <p:cNvPr id="38" name="사각형: 둥근 모서리 37">
+            <a:extLst>
+              <a:ext uri="{FF2B5EF4-FFF2-40B4-BE49-F238E27FC236}">
+                <a16:creationId xmlns:a16="http://schemas.microsoft.com/office/drawing/2014/main" id="{0DEAC4A5-EE8F-4167-B0D9-3CD18842DA20}"/>
               </a:ext>
             </a:extLst>
           </p:cNvPr>
@@ -27636,6 +29301,58 @@
       </p:sp>
       <p:sp>
         <p:nvSpPr>
+          <p:cNvPr id="14" name="사각형: 둥근 모서리 13">
+            <a:extLst>
+              <a:ext uri="{FF2B5EF4-FFF2-40B4-BE49-F238E27FC236}">
+                <a16:creationId xmlns:a16="http://schemas.microsoft.com/office/drawing/2014/main" id="{0AAF1AD4-E157-484B-9346-CB1804FD3DF3}"/>
+              </a:ext>
+            </a:extLst>
+          </p:cNvPr>
+          <p:cNvSpPr/>
+          <p:nvPr/>
+        </p:nvSpPr>
+        <p:spPr>
+          <a:xfrm rot="5400000">
+            <a:off x="2351283" y="169148"/>
+            <a:ext cx="3954079" cy="7874742"/>
+          </a:xfrm>
+          <a:prstGeom prst="roundRect">
+            <a:avLst/>
+          </a:prstGeom>
+          <a:noFill/>
+          <a:ln w="38100">
+            <a:solidFill>
+              <a:schemeClr val="tx1"/>
+            </a:solidFill>
+          </a:ln>
+        </p:spPr>
+        <p:style>
+          <a:lnRef idx="2">
+            <a:schemeClr val="accent1">
+              <a:shade val="50000"/>
+            </a:schemeClr>
+          </a:lnRef>
+          <a:fillRef idx="1">
+            <a:schemeClr val="accent1"/>
+          </a:fillRef>
+          <a:effectRef idx="0">
+            <a:schemeClr val="accent1"/>
+          </a:effectRef>
+          <a:fontRef idx="minor">
+            <a:schemeClr val="lt1"/>
+          </a:fontRef>
+        </p:style>
+        <p:txBody>
+          <a:bodyPr rtlCol="0" anchor="ctr"/>
+          <a:lstStyle/>
+          <a:p>
+            <a:pPr algn="ctr"/>
+            <a:endParaRPr lang="ko-KR" altLang="en-US" dirty="0"/>
+          </a:p>
+        </p:txBody>
+      </p:sp>
+      <p:sp>
+        <p:nvSpPr>
           <p:cNvPr id="3" name="직사각형 2">
             <a:extLst>
               <a:ext uri="{FF2B5EF4-FFF2-40B4-BE49-F238E27FC236}">
@@ -27693,13 +29410,32 @@
                   <a:schemeClr val="tx1"/>
                 </a:solidFill>
               </a:rPr>
-              <a:t>사람들과 가득 실린 먹을 것을 배를 타고 탈출하는 사람들을 표현</a:t>
-            </a:r>
-            <a:endParaRPr lang="en-US" altLang="ko-KR" sz="1600" b="1" dirty="0">
-              <a:solidFill>
-                <a:schemeClr val="tx1"/>
-              </a:solidFill>
-            </a:endParaRPr>
+              <a:t>돋보기로 사람을 검사하는 듯한 모션을 한다</a:t>
+            </a:r>
+            <a:r>
+              <a:rPr lang="en-US" altLang="ko-KR" sz="1600" b="1" dirty="0">
+                <a:solidFill>
+                  <a:schemeClr val="tx1"/>
+                </a:solidFill>
+              </a:rPr>
+              <a:t>. </a:t>
+            </a:r>
+            <a:r>
+              <a:rPr lang="ko-KR" altLang="en-US" sz="1600" b="1" dirty="0">
+                <a:solidFill>
+                  <a:schemeClr val="tx1"/>
+                </a:solidFill>
+              </a:rPr>
+              <a:t>그 사람을 지나치면 빨간 느낌표가 표시되며 검은 화면으로 바뀐다</a:t>
+            </a:r>
+            <a:r>
+              <a:rPr lang="en-US" altLang="ko-KR" sz="1600" b="1" dirty="0">
+                <a:solidFill>
+                  <a:schemeClr val="tx1"/>
+                </a:solidFill>
+              </a:rPr>
+              <a:t>.</a:t>
+            </a:r>
           </a:p>
           <a:p>
             <a:pPr marL="285750" indent="-285750" algn="ctr">
@@ -27723,17 +29459,491 @@
                   <a:schemeClr val="tx1"/>
                 </a:solidFill>
               </a:rPr>
-              <a:t>이후에 공동 결과창으로 이동</a:t>
-            </a:r>
-          </a:p>
-        </p:txBody>
-      </p:sp>
-      <p:sp>
-        <p:nvSpPr>
-          <p:cNvPr id="64" name="사각형: 둥근 모서리 63">
-            <a:extLst>
-              <a:ext uri="{FF2B5EF4-FFF2-40B4-BE49-F238E27FC236}">
-                <a16:creationId xmlns:a16="http://schemas.microsoft.com/office/drawing/2014/main" id="{25BB1B42-FDC4-490B-B1F7-AB3472EAC00B}"/>
+              <a:t>공동 결과창으로 이동</a:t>
+            </a:r>
+          </a:p>
+        </p:txBody>
+      </p:sp>
+      <p:pic>
+        <p:nvPicPr>
+          <p:cNvPr id="6" name="그래픽 5" descr="남자 윤곽선">
+            <a:extLst>
+              <a:ext uri="{FF2B5EF4-FFF2-40B4-BE49-F238E27FC236}">
+                <a16:creationId xmlns:a16="http://schemas.microsoft.com/office/drawing/2014/main" id="{EADB742A-6A5D-4F23-A97C-FCD24478AC79}"/>
+              </a:ext>
+            </a:extLst>
+          </p:cNvPr>
+          <p:cNvPicPr>
+            <a:picLocks noChangeAspect="1"/>
+          </p:cNvPicPr>
+          <p:nvPr/>
+        </p:nvPicPr>
+        <p:blipFill>
+          <a:blip r:embed="rId3">
+            <a:extLst>
+              <a:ext uri="{28A0092B-C50C-407E-A947-70E740481C1C}">
+                <a14:useLocalDpi xmlns:a14="http://schemas.microsoft.com/office/drawing/2010/main" val="0"/>
+              </a:ext>
+              <a:ext uri="{96DAC541-7B7A-43D3-8B79-37D633B846F1}">
+                <asvg:svgBlip xmlns:asvg="http://schemas.microsoft.com/office/drawing/2016/SVG/main" r:embed="rId4"/>
+              </a:ext>
+            </a:extLst>
+          </a:blip>
+          <a:stretch>
+            <a:fillRect/>
+          </a:stretch>
+        </p:blipFill>
+        <p:spPr>
+          <a:xfrm>
+            <a:off x="1234750" y="3251717"/>
+            <a:ext cx="1824136" cy="1824136"/>
+          </a:xfrm>
+          <a:prstGeom prst="rect">
+            <a:avLst/>
+          </a:prstGeom>
+        </p:spPr>
+      </p:pic>
+      <p:pic>
+        <p:nvPicPr>
+          <p:cNvPr id="25" name="그래픽 24" descr="남자 윤곽선">
+            <a:extLst>
+              <a:ext uri="{FF2B5EF4-FFF2-40B4-BE49-F238E27FC236}">
+                <a16:creationId xmlns:a16="http://schemas.microsoft.com/office/drawing/2014/main" id="{A3AA7A24-8100-46D9-BFFD-EE8B0AA3E961}"/>
+              </a:ext>
+            </a:extLst>
+          </p:cNvPr>
+          <p:cNvPicPr>
+            <a:picLocks noChangeAspect="1"/>
+          </p:cNvPicPr>
+          <p:nvPr/>
+        </p:nvPicPr>
+        <p:blipFill>
+          <a:blip r:embed="rId3">
+            <a:extLst>
+              <a:ext uri="{28A0092B-C50C-407E-A947-70E740481C1C}">
+                <a14:useLocalDpi xmlns:a14="http://schemas.microsoft.com/office/drawing/2010/main" val="0"/>
+              </a:ext>
+              <a:ext uri="{96DAC541-7B7A-43D3-8B79-37D633B846F1}">
+                <asvg:svgBlip xmlns:asvg="http://schemas.microsoft.com/office/drawing/2016/SVG/main" r:embed="rId4"/>
+              </a:ext>
+            </a:extLst>
+          </a:blip>
+          <a:stretch>
+            <a:fillRect/>
+          </a:stretch>
+        </p:blipFill>
+        <p:spPr>
+          <a:xfrm>
+            <a:off x="3418866" y="3093097"/>
+            <a:ext cx="1824136" cy="1824136"/>
+          </a:xfrm>
+          <a:prstGeom prst="rect">
+            <a:avLst/>
+          </a:prstGeom>
+        </p:spPr>
+      </p:pic>
+      <p:pic>
+        <p:nvPicPr>
+          <p:cNvPr id="29" name="그래픽 28" descr="남자 윤곽선">
+            <a:extLst>
+              <a:ext uri="{FF2B5EF4-FFF2-40B4-BE49-F238E27FC236}">
+                <a16:creationId xmlns:a16="http://schemas.microsoft.com/office/drawing/2014/main" id="{6A445642-7ADF-416E-A6AE-5F39095573F8}"/>
+              </a:ext>
+            </a:extLst>
+          </p:cNvPr>
+          <p:cNvPicPr>
+            <a:picLocks noChangeAspect="1"/>
+          </p:cNvPicPr>
+          <p:nvPr/>
+        </p:nvPicPr>
+        <p:blipFill>
+          <a:blip r:embed="rId3">
+            <a:extLst>
+              <a:ext uri="{28A0092B-C50C-407E-A947-70E740481C1C}">
+                <a14:useLocalDpi xmlns:a14="http://schemas.microsoft.com/office/drawing/2010/main" val="0"/>
+              </a:ext>
+              <a:ext uri="{96DAC541-7B7A-43D3-8B79-37D633B846F1}">
+                <asvg:svgBlip xmlns:asvg="http://schemas.microsoft.com/office/drawing/2016/SVG/main" r:embed="rId4"/>
+              </a:ext>
+            </a:extLst>
+          </a:blip>
+          <a:stretch>
+            <a:fillRect/>
+          </a:stretch>
+        </p:blipFill>
+        <p:spPr>
+          <a:xfrm>
+            <a:off x="5602982" y="3093097"/>
+            <a:ext cx="1824136" cy="1824136"/>
+          </a:xfrm>
+          <a:prstGeom prst="rect">
+            <a:avLst/>
+          </a:prstGeom>
+        </p:spPr>
+      </p:pic>
+      <p:sp>
+        <p:nvSpPr>
+          <p:cNvPr id="9" name="TextBox 8">
+            <a:extLst>
+              <a:ext uri="{FF2B5EF4-FFF2-40B4-BE49-F238E27FC236}">
+                <a16:creationId xmlns:a16="http://schemas.microsoft.com/office/drawing/2014/main" id="{44C4C182-44E4-41D3-B2F4-7ACC44FCD16F}"/>
+              </a:ext>
+            </a:extLst>
+          </p:cNvPr>
+          <p:cNvSpPr txBox="1"/>
+          <p:nvPr/>
+        </p:nvSpPr>
+        <p:spPr>
+          <a:xfrm>
+            <a:off x="1979568" y="3651222"/>
+            <a:ext cx="334500" cy="707886"/>
+          </a:xfrm>
+          <a:prstGeom prst="rect">
+            <a:avLst/>
+          </a:prstGeom>
+          <a:noFill/>
+        </p:spPr>
+        <p:txBody>
+          <a:bodyPr wrap="square" rtlCol="0">
+            <a:spAutoFit/>
+          </a:bodyPr>
+          <a:lstStyle/>
+          <a:p>
+            <a:r>
+              <a:rPr lang="en-US" altLang="ko-KR" sz="4000" b="1" dirty="0">
+                <a:solidFill>
+                  <a:srgbClr val="FF0000"/>
+                </a:solidFill>
+              </a:rPr>
+              <a:t>!</a:t>
+            </a:r>
+            <a:endParaRPr lang="ko-KR" altLang="en-US" sz="4000" b="1" dirty="0">
+              <a:solidFill>
+                <a:srgbClr val="FF0000"/>
+              </a:solidFill>
+            </a:endParaRPr>
+          </a:p>
+        </p:txBody>
+      </p:sp>
+      <p:sp>
+        <p:nvSpPr>
+          <p:cNvPr id="30" name="TextBox 29">
+            <a:extLst>
+              <a:ext uri="{FF2B5EF4-FFF2-40B4-BE49-F238E27FC236}">
+                <a16:creationId xmlns:a16="http://schemas.microsoft.com/office/drawing/2014/main" id="{A3F22A5B-4F31-4443-B807-3D9FEB71906C}"/>
+              </a:ext>
+            </a:extLst>
+          </p:cNvPr>
+          <p:cNvSpPr txBox="1"/>
+          <p:nvPr/>
+        </p:nvSpPr>
+        <p:spPr>
+          <a:xfrm>
+            <a:off x="4161072" y="3533034"/>
+            <a:ext cx="334500" cy="707886"/>
+          </a:xfrm>
+          <a:prstGeom prst="rect">
+            <a:avLst/>
+          </a:prstGeom>
+          <a:noFill/>
+        </p:spPr>
+        <p:txBody>
+          <a:bodyPr wrap="square" rtlCol="0">
+            <a:spAutoFit/>
+          </a:bodyPr>
+          <a:lstStyle/>
+          <a:p>
+            <a:r>
+              <a:rPr lang="en-US" altLang="ko-KR" sz="4000" b="1" dirty="0">
+                <a:solidFill>
+                  <a:srgbClr val="FF0000"/>
+                </a:solidFill>
+              </a:rPr>
+              <a:t>!</a:t>
+            </a:r>
+            <a:endParaRPr lang="ko-KR" altLang="en-US" sz="4000" b="1" dirty="0">
+              <a:solidFill>
+                <a:srgbClr val="FF0000"/>
+              </a:solidFill>
+            </a:endParaRPr>
+          </a:p>
+        </p:txBody>
+      </p:sp>
+      <p:sp>
+        <p:nvSpPr>
+          <p:cNvPr id="31" name="TextBox 30">
+            <a:extLst>
+              <a:ext uri="{FF2B5EF4-FFF2-40B4-BE49-F238E27FC236}">
+                <a16:creationId xmlns:a16="http://schemas.microsoft.com/office/drawing/2014/main" id="{26EE3C3A-9927-409E-837C-BB294F6AD955}"/>
+              </a:ext>
+            </a:extLst>
+          </p:cNvPr>
+          <p:cNvSpPr txBox="1"/>
+          <p:nvPr/>
+        </p:nvSpPr>
+        <p:spPr>
+          <a:xfrm>
+            <a:off x="6347800" y="3503329"/>
+            <a:ext cx="334500" cy="707886"/>
+          </a:xfrm>
+          <a:prstGeom prst="rect">
+            <a:avLst/>
+          </a:prstGeom>
+          <a:noFill/>
+        </p:spPr>
+        <p:txBody>
+          <a:bodyPr wrap="square" rtlCol="0">
+            <a:spAutoFit/>
+          </a:bodyPr>
+          <a:lstStyle/>
+          <a:p>
+            <a:r>
+              <a:rPr lang="en-US" altLang="ko-KR" sz="4000" b="1" dirty="0">
+                <a:solidFill>
+                  <a:srgbClr val="FF0000"/>
+                </a:solidFill>
+              </a:rPr>
+              <a:t>!</a:t>
+            </a:r>
+            <a:endParaRPr lang="ko-KR" altLang="en-US" sz="4000" b="1" dirty="0">
+              <a:solidFill>
+                <a:srgbClr val="FF0000"/>
+              </a:solidFill>
+            </a:endParaRPr>
+          </a:p>
+        </p:txBody>
+      </p:sp>
+      <p:pic>
+        <p:nvPicPr>
+          <p:cNvPr id="16" name="그래픽 15" descr="돋보기 윤곽선">
+            <a:extLst>
+              <a:ext uri="{FF2B5EF4-FFF2-40B4-BE49-F238E27FC236}">
+                <a16:creationId xmlns:a16="http://schemas.microsoft.com/office/drawing/2014/main" id="{FDE7620F-4E24-46BD-A3A3-5F3F971E2D08}"/>
+              </a:ext>
+            </a:extLst>
+          </p:cNvPr>
+          <p:cNvPicPr>
+            <a:picLocks noChangeAspect="1"/>
+          </p:cNvPicPr>
+          <p:nvPr/>
+        </p:nvPicPr>
+        <p:blipFill>
+          <a:blip r:embed="rId5">
+            <a:extLst>
+              <a:ext uri="{28A0092B-C50C-407E-A947-70E740481C1C}">
+                <a14:useLocalDpi xmlns:a14="http://schemas.microsoft.com/office/drawing/2010/main" val="0"/>
+              </a:ext>
+              <a:ext uri="{96DAC541-7B7A-43D3-8B79-37D633B846F1}">
+                <asvg:svgBlip xmlns:asvg="http://schemas.microsoft.com/office/drawing/2016/SVG/main" r:embed="rId6"/>
+              </a:ext>
+            </a:extLst>
+          </a:blip>
+          <a:stretch>
+            <a:fillRect/>
+          </a:stretch>
+        </p:blipFill>
+        <p:spPr>
+          <a:xfrm>
+            <a:off x="1391407" y="3093097"/>
+            <a:ext cx="1931089" cy="1931089"/>
+          </a:xfrm>
+          <a:prstGeom prst="rect">
+            <a:avLst/>
+          </a:prstGeom>
+        </p:spPr>
+      </p:pic>
+      <p:pic>
+        <p:nvPicPr>
+          <p:cNvPr id="32" name="그래픽 31" descr="돋보기 윤곽선">
+            <a:extLst>
+              <a:ext uri="{FF2B5EF4-FFF2-40B4-BE49-F238E27FC236}">
+                <a16:creationId xmlns:a16="http://schemas.microsoft.com/office/drawing/2014/main" id="{BF35FADF-E2CD-4A51-BD94-74370B3DFDBF}"/>
+              </a:ext>
+            </a:extLst>
+          </p:cNvPr>
+          <p:cNvPicPr>
+            <a:picLocks noChangeAspect="1"/>
+          </p:cNvPicPr>
+          <p:nvPr/>
+        </p:nvPicPr>
+        <p:blipFill>
+          <a:blip r:embed="rId5">
+            <a:extLst>
+              <a:ext uri="{28A0092B-C50C-407E-A947-70E740481C1C}">
+                <a14:useLocalDpi xmlns:a14="http://schemas.microsoft.com/office/drawing/2010/main" val="0"/>
+              </a:ext>
+              <a:ext uri="{96DAC541-7B7A-43D3-8B79-37D633B846F1}">
+                <asvg:svgBlip xmlns:asvg="http://schemas.microsoft.com/office/drawing/2016/SVG/main" r:embed="rId6"/>
+              </a:ext>
+            </a:extLst>
+          </a:blip>
+          <a:stretch>
+            <a:fillRect/>
+          </a:stretch>
+        </p:blipFill>
+        <p:spPr>
+          <a:xfrm>
+            <a:off x="3567991" y="3030463"/>
+            <a:ext cx="1931089" cy="1931089"/>
+          </a:xfrm>
+          <a:prstGeom prst="rect">
+            <a:avLst/>
+          </a:prstGeom>
+        </p:spPr>
+      </p:pic>
+      <p:pic>
+        <p:nvPicPr>
+          <p:cNvPr id="33" name="그래픽 32" descr="돋보기 윤곽선">
+            <a:extLst>
+              <a:ext uri="{FF2B5EF4-FFF2-40B4-BE49-F238E27FC236}">
+                <a16:creationId xmlns:a16="http://schemas.microsoft.com/office/drawing/2014/main" id="{007B0A62-5F7C-4D11-BD28-365FB0C93353}"/>
+              </a:ext>
+            </a:extLst>
+          </p:cNvPr>
+          <p:cNvPicPr>
+            <a:picLocks noChangeAspect="1"/>
+          </p:cNvPicPr>
+          <p:nvPr/>
+        </p:nvPicPr>
+        <p:blipFill>
+          <a:blip r:embed="rId5">
+            <a:extLst>
+              <a:ext uri="{28A0092B-C50C-407E-A947-70E740481C1C}">
+                <a14:useLocalDpi xmlns:a14="http://schemas.microsoft.com/office/drawing/2010/main" val="0"/>
+              </a:ext>
+              <a:ext uri="{96DAC541-7B7A-43D3-8B79-37D633B846F1}">
+                <asvg:svgBlip xmlns:asvg="http://schemas.microsoft.com/office/drawing/2016/SVG/main" r:embed="rId6"/>
+              </a:ext>
+            </a:extLst>
+          </a:blip>
+          <a:stretch>
+            <a:fillRect/>
+          </a:stretch>
+        </p:blipFill>
+        <p:spPr>
+          <a:xfrm>
+            <a:off x="5741470" y="2986144"/>
+            <a:ext cx="1931089" cy="1931089"/>
+          </a:xfrm>
+          <a:prstGeom prst="rect">
+            <a:avLst/>
+          </a:prstGeom>
+        </p:spPr>
+      </p:pic>
+      <p:sp>
+        <p:nvSpPr>
+          <p:cNvPr id="23" name="TextBox 22">
+            <a:extLst>
+              <a:ext uri="{FF2B5EF4-FFF2-40B4-BE49-F238E27FC236}">
+                <a16:creationId xmlns:a16="http://schemas.microsoft.com/office/drawing/2014/main" id="{07E34DE8-3A8C-438E-832B-E2E8D9A7D418}"/>
+              </a:ext>
+            </a:extLst>
+          </p:cNvPr>
+          <p:cNvSpPr txBox="1"/>
+          <p:nvPr/>
+        </p:nvSpPr>
+        <p:spPr>
+          <a:xfrm>
+            <a:off x="206463" y="1037795"/>
+            <a:ext cx="199618" cy="400110"/>
+          </a:xfrm>
+          <a:prstGeom prst="rect">
+            <a:avLst/>
+          </a:prstGeom>
+          <a:noFill/>
+        </p:spPr>
+        <p:txBody>
+          <a:bodyPr wrap="square" rtlCol="0">
+            <a:spAutoFit/>
+          </a:bodyPr>
+          <a:lstStyle/>
+          <a:p>
+            <a:r>
+              <a:rPr lang="ko-KR" altLang="en-US" sz="2000" b="1" dirty="0"/>
+              <a:t>킬</a:t>
+            </a:r>
+            <a:endParaRPr lang="en-US" altLang="ko-KR" sz="2000" b="1" dirty="0"/>
+          </a:p>
+        </p:txBody>
+      </p:sp>
+      <p:sp>
+        <p:nvSpPr>
+          <p:cNvPr id="24" name="TextBox 23">
+            <a:extLst>
+              <a:ext uri="{FF2B5EF4-FFF2-40B4-BE49-F238E27FC236}">
+                <a16:creationId xmlns:a16="http://schemas.microsoft.com/office/drawing/2014/main" id="{EC294485-9819-498D-96F3-87FE051FA092}"/>
+              </a:ext>
+            </a:extLst>
+          </p:cNvPr>
+          <p:cNvSpPr txBox="1"/>
+          <p:nvPr/>
+        </p:nvSpPr>
+        <p:spPr>
+          <a:xfrm>
+            <a:off x="853008" y="1048865"/>
+            <a:ext cx="2774268" cy="400110"/>
+          </a:xfrm>
+          <a:prstGeom prst="rect">
+            <a:avLst/>
+          </a:prstGeom>
+          <a:noFill/>
+        </p:spPr>
+        <p:txBody>
+          <a:bodyPr wrap="square">
+            <a:spAutoFit/>
+          </a:bodyPr>
+          <a:lstStyle/>
+          <a:p>
+            <a:r>
+              <a:rPr lang="ko-KR" altLang="en-US" sz="2000" b="1" dirty="0"/>
+              <a:t>회의 후 플레이어 배치</a:t>
+            </a:r>
+            <a:endParaRPr lang="en-US" altLang="ko-KR" sz="2000" b="1" dirty="0"/>
+          </a:p>
+        </p:txBody>
+      </p:sp>
+      <p:sp>
+        <p:nvSpPr>
+          <p:cNvPr id="26" name="TextBox 25">
+            <a:extLst>
+              <a:ext uri="{FF2B5EF4-FFF2-40B4-BE49-F238E27FC236}">
+                <a16:creationId xmlns:a16="http://schemas.microsoft.com/office/drawing/2014/main" id="{E947157E-CFFB-4EEA-84FC-77F369B52A13}"/>
+              </a:ext>
+            </a:extLst>
+          </p:cNvPr>
+          <p:cNvSpPr txBox="1"/>
+          <p:nvPr/>
+        </p:nvSpPr>
+        <p:spPr>
+          <a:xfrm>
+            <a:off x="3627276" y="1041926"/>
+            <a:ext cx="1550870" cy="400110"/>
+          </a:xfrm>
+          <a:prstGeom prst="rect">
+            <a:avLst/>
+          </a:prstGeom>
+          <a:noFill/>
+        </p:spPr>
+        <p:txBody>
+          <a:bodyPr wrap="square">
+            <a:spAutoFit/>
+          </a:bodyPr>
+          <a:lstStyle/>
+          <a:p>
+            <a:r>
+              <a:rPr lang="ko-KR" altLang="en-US" sz="2000" b="1" dirty="0"/>
+              <a:t>게임 구조도 </a:t>
+            </a:r>
+            <a:endParaRPr lang="ko-KR" altLang="en-US" sz="2000" dirty="0"/>
+          </a:p>
+        </p:txBody>
+      </p:sp>
+      <p:sp>
+        <p:nvSpPr>
+          <p:cNvPr id="27" name="직사각형 26">
+            <a:extLst>
+              <a:ext uri="{FF2B5EF4-FFF2-40B4-BE49-F238E27FC236}">
+                <a16:creationId xmlns:a16="http://schemas.microsoft.com/office/drawing/2014/main" id="{1F08920E-4986-4F1E-8C47-548C3F98F4FC}"/>
               </a:ext>
             </a:extLst>
           </p:cNvPr>
@@ -27741,18 +29951,18 @@
           <p:nvPr/>
         </p:nvSpPr>
         <p:spPr>
-          <a:xfrm rot="5400000">
-            <a:off x="2351283" y="169148"/>
-            <a:ext cx="3954079" cy="7874742"/>
-          </a:xfrm>
-          <a:prstGeom prst="roundRect">
-            <a:avLst/>
-          </a:prstGeom>
-          <a:noFill/>
-          <a:ln w="38100">
-            <a:solidFill>
-              <a:schemeClr val="tx1"/>
-            </a:solidFill>
+          <a:xfrm>
+            <a:off x="746451" y="1054358"/>
+            <a:ext cx="45719" cy="400110"/>
+          </a:xfrm>
+          <a:prstGeom prst="rect">
+            <a:avLst/>
+          </a:prstGeom>
+          <a:solidFill>
+            <a:schemeClr val="tx1"/>
+          </a:solidFill>
+          <a:ln>
+            <a:noFill/>
           </a:ln>
         </p:spPr>
         <p:style>
@@ -27776,674 +29986,16 @@
           <a:lstStyle/>
           <a:p>
             <a:pPr algn="ctr"/>
-            <a:endParaRPr lang="ko-KR" altLang="en-US" dirty="0"/>
-          </a:p>
-        </p:txBody>
-      </p:sp>
-      <p:pic>
-        <p:nvPicPr>
-          <p:cNvPr id="65" name="Picture 2" descr="배 - 무료 수송개 아이콘">
-            <a:extLst>
-              <a:ext uri="{FF2B5EF4-FFF2-40B4-BE49-F238E27FC236}">
-                <a16:creationId xmlns:a16="http://schemas.microsoft.com/office/drawing/2014/main" id="{BBAF3833-EC0D-420F-84E1-410E0E8F4E76}"/>
-              </a:ext>
-            </a:extLst>
-          </p:cNvPr>
-          <p:cNvPicPr>
-            <a:picLocks noChangeAspect="1" noChangeArrowheads="1"/>
-          </p:cNvPicPr>
-          <p:nvPr/>
-        </p:nvPicPr>
-        <p:blipFill>
-          <a:blip r:embed="rId3">
-            <a:extLst>
-              <a:ext uri="{BEBA8EAE-BF5A-486C-A8C5-ECC9F3942E4B}">
-                <a14:imgProps xmlns:a14="http://schemas.microsoft.com/office/drawing/2010/main">
-                  <a14:imgLayer r:embed="rId4">
-                    <a14:imgEffect>
-                      <a14:backgroundRemoval t="9778" b="89778" l="4000" r="97333">
-                        <a14:foregroundMark x1="4444" y1="55556" x2="45778" y2="60444"/>
-                        <a14:foregroundMark x1="45778" y1="60444" x2="71111" y2="56444"/>
-                        <a14:foregroundMark x1="46667" y1="66222" x2="65333" y2="72444"/>
-                        <a14:foregroundMark x1="65333" y1="72444" x2="69778" y2="71111"/>
-                        <a14:foregroundMark x1="55556" y1="72444" x2="15556" y2="69778"/>
-                        <a14:foregroundMark x1="68000" y1="60000" x2="90667" y2="62667"/>
-                        <a14:foregroundMark x1="90667" y1="62667" x2="77333" y2="72000"/>
-                        <a14:foregroundMark x1="77333" y1="72000" x2="76889" y2="72000"/>
-                        <a14:foregroundMark x1="95111" y1="60889" x2="97333" y2="67111"/>
-                        <a14:foregroundMark x1="69333" y1="48444" x2="71111" y2="52889"/>
-                        <a14:foregroundMark x1="47556" y1="48444" x2="27111" y2="49333"/>
-                        <a14:foregroundMark x1="27111" y1="49333" x2="28889" y2="53333"/>
-                        <a14:foregroundMark x1="7111" y1="47556" x2="8889" y2="54222"/>
-                        <a14:foregroundMark x1="7556" y1="48444" x2="7111" y2="53333"/>
-                        <a14:foregroundMark x1="47556" y1="26222" x2="46667" y2="49333"/>
-                        <a14:foregroundMark x1="36444" y1="38667" x2="36889" y2="46667"/>
-                      </a14:backgroundRemoval>
-                    </a14:imgEffect>
-                  </a14:imgLayer>
-                </a14:imgProps>
-              </a:ext>
-              <a:ext uri="{28A0092B-C50C-407E-A947-70E740481C1C}">
-                <a14:useLocalDpi xmlns:a14="http://schemas.microsoft.com/office/drawing/2010/main" val="0"/>
-              </a:ext>
-            </a:extLst>
-          </a:blip>
-          <a:srcRect/>
-          <a:stretch>
-            <a:fillRect/>
-          </a:stretch>
-        </p:blipFill>
-        <p:spPr bwMode="auto">
-          <a:xfrm>
-            <a:off x="1786715" y="2535736"/>
-            <a:ext cx="3839644" cy="3839644"/>
-          </a:xfrm>
-          <a:prstGeom prst="rect">
-            <a:avLst/>
-          </a:prstGeom>
-          <a:noFill/>
-          <a:extLst>
-            <a:ext uri="{909E8E84-426E-40DD-AFC4-6F175D3DCCD1}">
-              <a14:hiddenFill xmlns:a14="http://schemas.microsoft.com/office/drawing/2010/main">
-                <a:solidFill>
-                  <a:srgbClr val="FFFFFF"/>
-                </a:solidFill>
-              </a14:hiddenFill>
-            </a:ext>
-          </a:extLst>
-        </p:spPr>
-      </p:pic>
-      <p:pic>
-        <p:nvPicPr>
-          <p:cNvPr id="21" name="그림 20" descr="옅은이(가) 표시된 사진&#10;&#10;자동 생성된 설명">
-            <a:extLst>
-              <a:ext uri="{FF2B5EF4-FFF2-40B4-BE49-F238E27FC236}">
-                <a16:creationId xmlns:a16="http://schemas.microsoft.com/office/drawing/2014/main" id="{33C1F8CB-ED44-46ED-92A4-4A328DCD1848}"/>
-              </a:ext>
-            </a:extLst>
-          </p:cNvPr>
-          <p:cNvPicPr>
-            <a:picLocks noChangeAspect="1"/>
-          </p:cNvPicPr>
-          <p:nvPr/>
-        </p:nvPicPr>
-        <p:blipFill>
-          <a:blip r:embed="rId5">
-            <a:extLst>
-              <a:ext uri="{28A0092B-C50C-407E-A947-70E740481C1C}">
-                <a14:useLocalDpi xmlns:a14="http://schemas.microsoft.com/office/drawing/2010/main" val="0"/>
-              </a:ext>
-            </a:extLst>
-          </a:blip>
-          <a:stretch>
-            <a:fillRect/>
-          </a:stretch>
-        </p:blipFill>
-        <p:spPr>
-          <a:xfrm>
-            <a:off x="5056727" y="4261943"/>
-            <a:ext cx="366254" cy="366254"/>
-          </a:xfrm>
-          <a:prstGeom prst="rect">
-            <a:avLst/>
-          </a:prstGeom>
-        </p:spPr>
-      </p:pic>
-      <p:pic>
-        <p:nvPicPr>
-          <p:cNvPr id="75" name="그림 74" descr="텍스트이(가) 표시된 사진&#10;&#10;자동 생성된 설명">
-            <a:extLst>
-              <a:ext uri="{FF2B5EF4-FFF2-40B4-BE49-F238E27FC236}">
-                <a16:creationId xmlns:a16="http://schemas.microsoft.com/office/drawing/2014/main" id="{8013D5DF-07BC-4425-BF7B-235502976964}"/>
-              </a:ext>
-            </a:extLst>
-          </p:cNvPr>
-          <p:cNvPicPr>
-            <a:picLocks noChangeAspect="1"/>
-          </p:cNvPicPr>
-          <p:nvPr/>
-        </p:nvPicPr>
-        <p:blipFill>
-          <a:blip r:embed="rId6">
-            <a:extLst>
-              <a:ext uri="{28A0092B-C50C-407E-A947-70E740481C1C}">
-                <a14:useLocalDpi xmlns:a14="http://schemas.microsoft.com/office/drawing/2010/main" val="0"/>
-              </a:ext>
-            </a:extLst>
-          </a:blip>
-          <a:stretch>
-            <a:fillRect/>
-          </a:stretch>
-        </p:blipFill>
-        <p:spPr>
-          <a:xfrm>
-            <a:off x="4447961" y="4272582"/>
-            <a:ext cx="355615" cy="355615"/>
-          </a:xfrm>
-          <a:prstGeom prst="rect">
-            <a:avLst/>
-          </a:prstGeom>
-        </p:spPr>
-      </p:pic>
-      <p:pic>
-        <p:nvPicPr>
-          <p:cNvPr id="76" name="그림 75" descr="옅은이(가) 표시된 사진&#10;&#10;자동 생성된 설명">
-            <a:extLst>
-              <a:ext uri="{FF2B5EF4-FFF2-40B4-BE49-F238E27FC236}">
-                <a16:creationId xmlns:a16="http://schemas.microsoft.com/office/drawing/2014/main" id="{D65F3DAF-57E0-4368-AF50-F48F5906CF9D}"/>
-              </a:ext>
-            </a:extLst>
-          </p:cNvPr>
-          <p:cNvPicPr>
-            <a:picLocks noChangeAspect="1"/>
-          </p:cNvPicPr>
-          <p:nvPr/>
-        </p:nvPicPr>
-        <p:blipFill>
-          <a:blip r:embed="rId5">
-            <a:extLst>
-              <a:ext uri="{28A0092B-C50C-407E-A947-70E740481C1C}">
-                <a14:useLocalDpi xmlns:a14="http://schemas.microsoft.com/office/drawing/2010/main" val="0"/>
-              </a:ext>
-            </a:extLst>
-          </a:blip>
-          <a:stretch>
-            <a:fillRect/>
-          </a:stretch>
-        </p:blipFill>
-        <p:spPr>
-          <a:xfrm>
-            <a:off x="2417392" y="4272582"/>
-            <a:ext cx="366254" cy="366254"/>
-          </a:xfrm>
-          <a:prstGeom prst="rect">
-            <a:avLst/>
-          </a:prstGeom>
-        </p:spPr>
-      </p:pic>
-      <p:pic>
-        <p:nvPicPr>
-          <p:cNvPr id="77" name="그림 76" descr="텍스트이(가) 표시된 사진&#10;&#10;자동 생성된 설명">
-            <a:extLst>
-              <a:ext uri="{FF2B5EF4-FFF2-40B4-BE49-F238E27FC236}">
-                <a16:creationId xmlns:a16="http://schemas.microsoft.com/office/drawing/2014/main" id="{5C30FB1A-D4C0-4E27-B102-EEC3EC68C9D3}"/>
-              </a:ext>
-            </a:extLst>
-          </p:cNvPr>
-          <p:cNvPicPr>
-            <a:picLocks noChangeAspect="1"/>
-          </p:cNvPicPr>
-          <p:nvPr/>
-        </p:nvPicPr>
-        <p:blipFill>
-          <a:blip r:embed="rId6">
-            <a:extLst>
-              <a:ext uri="{28A0092B-C50C-407E-A947-70E740481C1C}">
-                <a14:useLocalDpi xmlns:a14="http://schemas.microsoft.com/office/drawing/2010/main" val="0"/>
-              </a:ext>
-            </a:extLst>
-          </a:blip>
-          <a:stretch>
-            <a:fillRect/>
-          </a:stretch>
-        </p:blipFill>
-        <p:spPr>
-          <a:xfrm>
-            <a:off x="4740157" y="4272582"/>
-            <a:ext cx="355615" cy="355615"/>
-          </a:xfrm>
-          <a:prstGeom prst="rect">
-            <a:avLst/>
-          </a:prstGeom>
-        </p:spPr>
-      </p:pic>
-      <p:pic>
-        <p:nvPicPr>
-          <p:cNvPr id="78" name="그림 77" descr="텍스트이(가) 표시된 사진&#10;&#10;자동 생성된 설명">
-            <a:extLst>
-              <a:ext uri="{FF2B5EF4-FFF2-40B4-BE49-F238E27FC236}">
-                <a16:creationId xmlns:a16="http://schemas.microsoft.com/office/drawing/2014/main" id="{F68819C7-2A14-4E60-B4AF-87D307E0C200}"/>
-              </a:ext>
-            </a:extLst>
-          </p:cNvPr>
-          <p:cNvPicPr>
-            <a:picLocks noChangeAspect="1"/>
-          </p:cNvPicPr>
-          <p:nvPr/>
-        </p:nvPicPr>
-        <p:blipFill>
-          <a:blip r:embed="rId6">
-            <a:extLst>
-              <a:ext uri="{28A0092B-C50C-407E-A947-70E740481C1C}">
-                <a14:useLocalDpi xmlns:a14="http://schemas.microsoft.com/office/drawing/2010/main" val="0"/>
-              </a:ext>
-            </a:extLst>
-          </a:blip>
-          <a:stretch>
-            <a:fillRect/>
-          </a:stretch>
-        </p:blipFill>
-        <p:spPr>
-          <a:xfrm>
-            <a:off x="2113009" y="4261943"/>
-            <a:ext cx="355615" cy="355615"/>
-          </a:xfrm>
-          <a:prstGeom prst="rect">
-            <a:avLst/>
-          </a:prstGeom>
-        </p:spPr>
-      </p:pic>
-      <p:pic>
-        <p:nvPicPr>
-          <p:cNvPr id="79" name="그림 78" descr="옅은이(가) 표시된 사진&#10;&#10;자동 생성된 설명">
-            <a:extLst>
-              <a:ext uri="{FF2B5EF4-FFF2-40B4-BE49-F238E27FC236}">
-                <a16:creationId xmlns:a16="http://schemas.microsoft.com/office/drawing/2014/main" id="{641AC7F4-420F-4090-A82E-7AA0EE23E178}"/>
-              </a:ext>
-            </a:extLst>
-          </p:cNvPr>
-          <p:cNvPicPr>
-            <a:picLocks noChangeAspect="1"/>
-          </p:cNvPicPr>
-          <p:nvPr/>
-        </p:nvPicPr>
-        <p:blipFill>
-          <a:blip r:embed="rId5">
-            <a:extLst>
-              <a:ext uri="{28A0092B-C50C-407E-A947-70E740481C1C}">
-                <a14:useLocalDpi xmlns:a14="http://schemas.microsoft.com/office/drawing/2010/main" val="0"/>
-              </a:ext>
-            </a:extLst>
-          </a:blip>
-          <a:stretch>
-            <a:fillRect/>
-          </a:stretch>
-        </p:blipFill>
-        <p:spPr>
-          <a:xfrm>
-            <a:off x="4328253" y="3970122"/>
-            <a:ext cx="366254" cy="366254"/>
-          </a:xfrm>
-          <a:prstGeom prst="rect">
-            <a:avLst/>
-          </a:prstGeom>
-        </p:spPr>
-      </p:pic>
-      <p:pic>
-        <p:nvPicPr>
-          <p:cNvPr id="80" name="그림 79" descr="텍스트이(가) 표시된 사진&#10;&#10;자동 생성된 설명">
-            <a:extLst>
-              <a:ext uri="{FF2B5EF4-FFF2-40B4-BE49-F238E27FC236}">
-                <a16:creationId xmlns:a16="http://schemas.microsoft.com/office/drawing/2014/main" id="{320617BE-CCE6-499B-8905-F8DFCA2AD3AD}"/>
-              </a:ext>
-            </a:extLst>
-          </p:cNvPr>
-          <p:cNvPicPr>
-            <a:picLocks noChangeAspect="1"/>
-          </p:cNvPicPr>
-          <p:nvPr/>
-        </p:nvPicPr>
-        <p:blipFill>
-          <a:blip r:embed="rId6">
-            <a:extLst>
-              <a:ext uri="{28A0092B-C50C-407E-A947-70E740481C1C}">
-                <a14:useLocalDpi xmlns:a14="http://schemas.microsoft.com/office/drawing/2010/main" val="0"/>
-              </a:ext>
-            </a:extLst>
-          </a:blip>
-          <a:stretch>
-            <a:fillRect/>
-          </a:stretch>
-        </p:blipFill>
-        <p:spPr>
-          <a:xfrm>
-            <a:off x="4754239" y="3991400"/>
-            <a:ext cx="355615" cy="355615"/>
-          </a:xfrm>
-          <a:prstGeom prst="rect">
-            <a:avLst/>
-          </a:prstGeom>
-        </p:spPr>
-      </p:pic>
-      <p:pic>
-        <p:nvPicPr>
-          <p:cNvPr id="81" name="그림 80" descr="옅은이(가) 표시된 사진&#10;&#10;자동 생성된 설명">
-            <a:extLst>
-              <a:ext uri="{FF2B5EF4-FFF2-40B4-BE49-F238E27FC236}">
-                <a16:creationId xmlns:a16="http://schemas.microsoft.com/office/drawing/2014/main" id="{07C25237-C366-4AF8-8E01-913D76C33BCF}"/>
-              </a:ext>
-            </a:extLst>
-          </p:cNvPr>
-          <p:cNvPicPr>
-            <a:picLocks noChangeAspect="1"/>
-          </p:cNvPicPr>
-          <p:nvPr/>
-        </p:nvPicPr>
-        <p:blipFill>
-          <a:blip r:embed="rId5">
-            <a:extLst>
-              <a:ext uri="{28A0092B-C50C-407E-A947-70E740481C1C}">
-                <a14:useLocalDpi xmlns:a14="http://schemas.microsoft.com/office/drawing/2010/main" val="0"/>
-              </a:ext>
-            </a:extLst>
-          </a:blip>
-          <a:stretch>
-            <a:fillRect/>
-          </a:stretch>
-        </p:blipFill>
-        <p:spPr>
-          <a:xfrm>
-            <a:off x="2723670" y="3991400"/>
-            <a:ext cx="366254" cy="366254"/>
-          </a:xfrm>
-          <a:prstGeom prst="rect">
-            <a:avLst/>
-          </a:prstGeom>
-        </p:spPr>
-      </p:pic>
-      <p:pic>
-        <p:nvPicPr>
-          <p:cNvPr id="82" name="그림 81" descr="텍스트이(가) 표시된 사진&#10;&#10;자동 생성된 설명">
-            <a:extLst>
-              <a:ext uri="{FF2B5EF4-FFF2-40B4-BE49-F238E27FC236}">
-                <a16:creationId xmlns:a16="http://schemas.microsoft.com/office/drawing/2014/main" id="{995143CB-7FC1-4FEA-860F-4E59992A4361}"/>
-              </a:ext>
-            </a:extLst>
-          </p:cNvPr>
-          <p:cNvPicPr>
-            <a:picLocks noChangeAspect="1"/>
-          </p:cNvPicPr>
-          <p:nvPr/>
-        </p:nvPicPr>
-        <p:blipFill>
-          <a:blip r:embed="rId6">
-            <a:extLst>
-              <a:ext uri="{28A0092B-C50C-407E-A947-70E740481C1C}">
-                <a14:useLocalDpi xmlns:a14="http://schemas.microsoft.com/office/drawing/2010/main" val="0"/>
-              </a:ext>
-            </a:extLst>
-          </a:blip>
-          <a:stretch>
-            <a:fillRect/>
-          </a:stretch>
-        </p:blipFill>
-        <p:spPr>
-          <a:xfrm>
-            <a:off x="5046435" y="3991400"/>
-            <a:ext cx="355615" cy="355615"/>
-          </a:xfrm>
-          <a:prstGeom prst="rect">
-            <a:avLst/>
-          </a:prstGeom>
-        </p:spPr>
-      </p:pic>
-      <p:pic>
-        <p:nvPicPr>
-          <p:cNvPr id="83" name="그림 82" descr="텍스트이(가) 표시된 사진&#10;&#10;자동 생성된 설명">
-            <a:extLst>
-              <a:ext uri="{FF2B5EF4-FFF2-40B4-BE49-F238E27FC236}">
-                <a16:creationId xmlns:a16="http://schemas.microsoft.com/office/drawing/2014/main" id="{EB86605D-EF2C-4E68-AC0B-6F6BFA944D04}"/>
-              </a:ext>
-            </a:extLst>
-          </p:cNvPr>
-          <p:cNvPicPr>
-            <a:picLocks noChangeAspect="1"/>
-          </p:cNvPicPr>
-          <p:nvPr/>
-        </p:nvPicPr>
-        <p:blipFill>
-          <a:blip r:embed="rId6">
-            <a:extLst>
-              <a:ext uri="{28A0092B-C50C-407E-A947-70E740481C1C}">
-                <a14:useLocalDpi xmlns:a14="http://schemas.microsoft.com/office/drawing/2010/main" val="0"/>
-              </a:ext>
-            </a:extLst>
-          </a:blip>
-          <a:stretch>
-            <a:fillRect/>
-          </a:stretch>
-        </p:blipFill>
-        <p:spPr>
-          <a:xfrm>
-            <a:off x="2419287" y="3980761"/>
-            <a:ext cx="355615" cy="355615"/>
-          </a:xfrm>
-          <a:prstGeom prst="rect">
-            <a:avLst/>
-          </a:prstGeom>
-        </p:spPr>
-      </p:pic>
-      <p:pic>
-        <p:nvPicPr>
-          <p:cNvPr id="84" name="그래픽 83" descr="사용자 단색으로 채워진">
-            <a:extLst>
-              <a:ext uri="{FF2B5EF4-FFF2-40B4-BE49-F238E27FC236}">
-                <a16:creationId xmlns:a16="http://schemas.microsoft.com/office/drawing/2014/main" id="{A086F853-F53E-4AB2-8B4D-A35339284B96}"/>
-              </a:ext>
-            </a:extLst>
-          </p:cNvPr>
-          <p:cNvPicPr>
-            <a:picLocks noChangeAspect="1"/>
-          </p:cNvPicPr>
-          <p:nvPr/>
-        </p:nvPicPr>
-        <p:blipFill>
-          <a:blip r:embed="rId7">
-            <a:extLst>
-              <a:ext uri="{28A0092B-C50C-407E-A947-70E740481C1C}">
-                <a14:useLocalDpi xmlns:a14="http://schemas.microsoft.com/office/drawing/2010/main" val="0"/>
-              </a:ext>
-              <a:ext uri="{96DAC541-7B7A-43D3-8B79-37D633B846F1}">
-                <asvg:svgBlip xmlns:asvg="http://schemas.microsoft.com/office/drawing/2016/SVG/main" r:embed="rId8"/>
-              </a:ext>
-            </a:extLst>
-          </a:blip>
-          <a:stretch>
-            <a:fillRect/>
-          </a:stretch>
-        </p:blipFill>
-        <p:spPr>
-          <a:xfrm>
-            <a:off x="3602080" y="3790697"/>
-            <a:ext cx="481885" cy="481885"/>
-          </a:xfrm>
-          <a:prstGeom prst="rect">
-            <a:avLst/>
-          </a:prstGeom>
-        </p:spPr>
-      </p:pic>
-      <p:pic>
-        <p:nvPicPr>
-          <p:cNvPr id="85" name="그래픽 84" descr="사용자 단색으로 채워진">
-            <a:extLst>
-              <a:ext uri="{FF2B5EF4-FFF2-40B4-BE49-F238E27FC236}">
-                <a16:creationId xmlns:a16="http://schemas.microsoft.com/office/drawing/2014/main" id="{2EB229AB-1421-4996-9E41-1C6D5AB09E22}"/>
-              </a:ext>
-            </a:extLst>
-          </p:cNvPr>
-          <p:cNvPicPr>
-            <a:picLocks noChangeAspect="1"/>
-          </p:cNvPicPr>
-          <p:nvPr/>
-        </p:nvPicPr>
-        <p:blipFill>
-          <a:blip r:embed="rId7">
-            <a:extLst>
-              <a:ext uri="{28A0092B-C50C-407E-A947-70E740481C1C}">
-                <a14:useLocalDpi xmlns:a14="http://schemas.microsoft.com/office/drawing/2010/main" val="0"/>
-              </a:ext>
-              <a:ext uri="{96DAC541-7B7A-43D3-8B79-37D633B846F1}">
-                <asvg:svgBlip xmlns:asvg="http://schemas.microsoft.com/office/drawing/2016/SVG/main" r:embed="rId8"/>
-              </a:ext>
-            </a:extLst>
-          </a:blip>
-          <a:stretch>
-            <a:fillRect/>
-          </a:stretch>
-        </p:blipFill>
-        <p:spPr>
-          <a:xfrm rot="21338965">
-            <a:off x="3918627" y="4139368"/>
-            <a:ext cx="481885" cy="481885"/>
-          </a:xfrm>
-          <a:prstGeom prst="rect">
-            <a:avLst/>
-          </a:prstGeom>
-        </p:spPr>
-      </p:pic>
-      <p:pic>
-        <p:nvPicPr>
-          <p:cNvPr id="86" name="그래픽 85" descr="사용자 단색으로 채워진">
-            <a:extLst>
-              <a:ext uri="{FF2B5EF4-FFF2-40B4-BE49-F238E27FC236}">
-                <a16:creationId xmlns:a16="http://schemas.microsoft.com/office/drawing/2014/main" id="{6BF36942-9950-4FEF-AF34-98272CDC9B21}"/>
-              </a:ext>
-            </a:extLst>
-          </p:cNvPr>
-          <p:cNvPicPr>
-            <a:picLocks noChangeAspect="1"/>
-          </p:cNvPicPr>
-          <p:nvPr/>
-        </p:nvPicPr>
-        <p:blipFill>
-          <a:blip r:embed="rId7">
-            <a:extLst>
-              <a:ext uri="{28A0092B-C50C-407E-A947-70E740481C1C}">
-                <a14:useLocalDpi xmlns:a14="http://schemas.microsoft.com/office/drawing/2010/main" val="0"/>
-              </a:ext>
-              <a:ext uri="{96DAC541-7B7A-43D3-8B79-37D633B846F1}">
-                <asvg:svgBlip xmlns:asvg="http://schemas.microsoft.com/office/drawing/2016/SVG/main" r:embed="rId8"/>
-              </a:ext>
-            </a:extLst>
-          </a:blip>
-          <a:stretch>
-            <a:fillRect/>
-          </a:stretch>
-        </p:blipFill>
-        <p:spPr>
-          <a:xfrm>
-            <a:off x="3301405" y="4146312"/>
-            <a:ext cx="481885" cy="481885"/>
-          </a:xfrm>
-          <a:prstGeom prst="rect">
-            <a:avLst/>
-          </a:prstGeom>
-        </p:spPr>
-      </p:pic>
-      <p:sp>
-        <p:nvSpPr>
-          <p:cNvPr id="28" name="TextBox 27">
-            <a:extLst>
-              <a:ext uri="{FF2B5EF4-FFF2-40B4-BE49-F238E27FC236}">
-                <a16:creationId xmlns:a16="http://schemas.microsoft.com/office/drawing/2014/main" id="{D23C7FE1-1E69-4F43-AFF6-B9478305E827}"/>
-              </a:ext>
-            </a:extLst>
-          </p:cNvPr>
-          <p:cNvSpPr txBox="1"/>
-          <p:nvPr/>
-        </p:nvSpPr>
-        <p:spPr>
-          <a:xfrm>
-            <a:off x="206463" y="1037795"/>
-            <a:ext cx="199618" cy="400110"/>
-          </a:xfrm>
-          <a:prstGeom prst="rect">
-            <a:avLst/>
-          </a:prstGeom>
-          <a:noFill/>
-        </p:spPr>
-        <p:txBody>
-          <a:bodyPr wrap="square" rtlCol="0">
-            <a:spAutoFit/>
-          </a:bodyPr>
-          <a:lstStyle/>
-          <a:p>
-            <a:r>
-              <a:rPr lang="ko-KR" altLang="en-US" sz="2000" b="1" dirty="0"/>
-              <a:t>킬</a:t>
-            </a:r>
-            <a:endParaRPr lang="en-US" altLang="ko-KR" sz="2000" b="1" dirty="0"/>
-          </a:p>
-        </p:txBody>
-      </p:sp>
-      <p:sp>
-        <p:nvSpPr>
-          <p:cNvPr id="29" name="TextBox 28">
-            <a:extLst>
-              <a:ext uri="{FF2B5EF4-FFF2-40B4-BE49-F238E27FC236}">
-                <a16:creationId xmlns:a16="http://schemas.microsoft.com/office/drawing/2014/main" id="{6AB4C647-E56B-443A-B7D0-06B986A5CD19}"/>
-              </a:ext>
-            </a:extLst>
-          </p:cNvPr>
-          <p:cNvSpPr txBox="1"/>
-          <p:nvPr/>
-        </p:nvSpPr>
-        <p:spPr>
-          <a:xfrm>
-            <a:off x="853008" y="1048865"/>
-            <a:ext cx="2774268" cy="400110"/>
-          </a:xfrm>
-          <a:prstGeom prst="rect">
-            <a:avLst/>
-          </a:prstGeom>
-          <a:noFill/>
-        </p:spPr>
-        <p:txBody>
-          <a:bodyPr wrap="square">
-            <a:spAutoFit/>
-          </a:bodyPr>
-          <a:lstStyle/>
-          <a:p>
-            <a:r>
-              <a:rPr lang="ko-KR" altLang="en-US" sz="2000" b="1" dirty="0"/>
-              <a:t>회의 후 플레이어 배치</a:t>
-            </a:r>
-            <a:endParaRPr lang="en-US" altLang="ko-KR" sz="2000" b="1" dirty="0"/>
-          </a:p>
-        </p:txBody>
-      </p:sp>
-      <p:sp>
-        <p:nvSpPr>
-          <p:cNvPr id="30" name="TextBox 29">
-            <a:extLst>
-              <a:ext uri="{FF2B5EF4-FFF2-40B4-BE49-F238E27FC236}">
-                <a16:creationId xmlns:a16="http://schemas.microsoft.com/office/drawing/2014/main" id="{FB33625E-CCEB-4151-97AD-D2D793D58998}"/>
-              </a:ext>
-            </a:extLst>
-          </p:cNvPr>
-          <p:cNvSpPr txBox="1"/>
-          <p:nvPr/>
-        </p:nvSpPr>
-        <p:spPr>
-          <a:xfrm>
-            <a:off x="3627276" y="1041926"/>
-            <a:ext cx="1550870" cy="400110"/>
-          </a:xfrm>
-          <a:prstGeom prst="rect">
-            <a:avLst/>
-          </a:prstGeom>
-          <a:noFill/>
-        </p:spPr>
-        <p:txBody>
-          <a:bodyPr wrap="square">
-            <a:spAutoFit/>
-          </a:bodyPr>
-          <a:lstStyle/>
-          <a:p>
-            <a:r>
-              <a:rPr lang="ko-KR" altLang="en-US" sz="2000" b="1" dirty="0"/>
-              <a:t>게임 구조도 </a:t>
-            </a:r>
-            <a:endParaRPr lang="ko-KR" altLang="en-US" sz="2000" dirty="0"/>
-          </a:p>
-        </p:txBody>
-      </p:sp>
-      <p:sp>
-        <p:nvSpPr>
-          <p:cNvPr id="31" name="직사각형 30">
-            <a:extLst>
-              <a:ext uri="{FF2B5EF4-FFF2-40B4-BE49-F238E27FC236}">
-                <a16:creationId xmlns:a16="http://schemas.microsoft.com/office/drawing/2014/main" id="{4C6088F9-9042-48C7-A606-A2B694CA1AEE}"/>
+            <a:endParaRPr lang="ko-KR" altLang="en-US"/>
+          </a:p>
+        </p:txBody>
+      </p:sp>
+      <p:sp>
+        <p:nvSpPr>
+          <p:cNvPr id="28" name="직사각형 27">
+            <a:extLst>
+              <a:ext uri="{FF2B5EF4-FFF2-40B4-BE49-F238E27FC236}">
+                <a16:creationId xmlns:a16="http://schemas.microsoft.com/office/drawing/2014/main" id="{D56053B7-6397-4E34-915D-5B85690A147B}"/>
               </a:ext>
             </a:extLst>
           </p:cNvPr>
@@ -28452,7 +30004,7 @@
         </p:nvSpPr>
         <p:spPr>
           <a:xfrm>
-            <a:off x="746451" y="1054358"/>
+            <a:off x="3581557" y="1056727"/>
             <a:ext cx="45719" cy="400110"/>
           </a:xfrm>
           <a:prstGeom prst="rect">
@@ -28492,10 +30044,10 @@
       </p:sp>
       <p:sp>
         <p:nvSpPr>
-          <p:cNvPr id="32" name="직사각형 31">
-            <a:extLst>
-              <a:ext uri="{FF2B5EF4-FFF2-40B4-BE49-F238E27FC236}">
-                <a16:creationId xmlns:a16="http://schemas.microsoft.com/office/drawing/2014/main" id="{429C263F-770E-4637-9166-1420AD0F07B2}"/>
+          <p:cNvPr id="34" name="직사각형 33">
+            <a:extLst>
+              <a:ext uri="{FF2B5EF4-FFF2-40B4-BE49-F238E27FC236}">
+                <a16:creationId xmlns:a16="http://schemas.microsoft.com/office/drawing/2014/main" id="{B811A488-1DBB-47B3-9EB8-6DB665BD8912}"/>
               </a:ext>
             </a:extLst>
           </p:cNvPr>
@@ -28504,7 +30056,7 @@
         </p:nvSpPr>
         <p:spPr>
           <a:xfrm>
-            <a:off x="3581557" y="1056727"/>
+            <a:off x="5161545" y="1041173"/>
             <a:ext cx="45719" cy="400110"/>
           </a:xfrm>
           <a:prstGeom prst="rect">
@@ -28544,10 +30096,46 @@
       </p:sp>
       <p:sp>
         <p:nvSpPr>
-          <p:cNvPr id="33" name="직사각형 32">
-            <a:extLst>
-              <a:ext uri="{FF2B5EF4-FFF2-40B4-BE49-F238E27FC236}">
-                <a16:creationId xmlns:a16="http://schemas.microsoft.com/office/drawing/2014/main" id="{F007D0E9-8748-46CB-86EC-820BF884865A}"/>
+          <p:cNvPr id="35" name="TextBox 34">
+            <a:extLst>
+              <a:ext uri="{FF2B5EF4-FFF2-40B4-BE49-F238E27FC236}">
+                <a16:creationId xmlns:a16="http://schemas.microsoft.com/office/drawing/2014/main" id="{FFDB2B21-3667-435A-AB20-03FF3AEBA1D7}"/>
+              </a:ext>
+            </a:extLst>
+          </p:cNvPr>
+          <p:cNvSpPr txBox="1"/>
+          <p:nvPr/>
+        </p:nvSpPr>
+        <p:spPr>
+          <a:xfrm>
+            <a:off x="5207264" y="1054358"/>
+            <a:ext cx="1678530" cy="400110"/>
+          </a:xfrm>
+          <a:prstGeom prst="rect">
+            <a:avLst/>
+          </a:prstGeom>
+          <a:noFill/>
+        </p:spPr>
+        <p:txBody>
+          <a:bodyPr wrap="square">
+            <a:spAutoFit/>
+          </a:bodyPr>
+          <a:lstStyle/>
+          <a:p>
+            <a:r>
+              <a:rPr lang="ko-KR" altLang="en-US" sz="2000" b="1" dirty="0"/>
+              <a:t>게임 결과 창 </a:t>
+            </a:r>
+            <a:endParaRPr lang="ko-KR" altLang="en-US" sz="2000" dirty="0"/>
+          </a:p>
+        </p:txBody>
+      </p:sp>
+      <p:sp>
+        <p:nvSpPr>
+          <p:cNvPr id="36" name="직사각형 35">
+            <a:extLst>
+              <a:ext uri="{FF2B5EF4-FFF2-40B4-BE49-F238E27FC236}">
+                <a16:creationId xmlns:a16="http://schemas.microsoft.com/office/drawing/2014/main" id="{98A040AD-5DCE-49DA-937C-7361A2A3A57B}"/>
               </a:ext>
             </a:extLst>
           </p:cNvPr>
@@ -28556,7 +30144,7 @@
         </p:nvSpPr>
         <p:spPr>
           <a:xfrm>
-            <a:off x="5161545" y="1041173"/>
+            <a:off x="6788181" y="1062943"/>
             <a:ext cx="45719" cy="400110"/>
           </a:xfrm>
           <a:prstGeom prst="rect">
@@ -28596,98 +30184,10 @@
       </p:sp>
       <p:sp>
         <p:nvSpPr>
-          <p:cNvPr id="34" name="TextBox 33">
-            <a:extLst>
-              <a:ext uri="{FF2B5EF4-FFF2-40B4-BE49-F238E27FC236}">
-                <a16:creationId xmlns:a16="http://schemas.microsoft.com/office/drawing/2014/main" id="{435EA9A0-07D2-4C42-930B-B607E0431699}"/>
-              </a:ext>
-            </a:extLst>
-          </p:cNvPr>
-          <p:cNvSpPr txBox="1"/>
-          <p:nvPr/>
-        </p:nvSpPr>
-        <p:spPr>
-          <a:xfrm>
-            <a:off x="5207264" y="1054358"/>
-            <a:ext cx="1678530" cy="400110"/>
-          </a:xfrm>
-          <a:prstGeom prst="rect">
-            <a:avLst/>
-          </a:prstGeom>
-          <a:noFill/>
-        </p:spPr>
-        <p:txBody>
-          <a:bodyPr wrap="square">
-            <a:spAutoFit/>
-          </a:bodyPr>
-          <a:lstStyle/>
-          <a:p>
-            <a:r>
-              <a:rPr lang="ko-KR" altLang="en-US" sz="2000" b="1" dirty="0"/>
-              <a:t>게임 결과 창 </a:t>
-            </a:r>
-            <a:endParaRPr lang="ko-KR" altLang="en-US" sz="2000" dirty="0"/>
-          </a:p>
-        </p:txBody>
-      </p:sp>
-      <p:sp>
-        <p:nvSpPr>
-          <p:cNvPr id="35" name="직사각형 34">
-            <a:extLst>
-              <a:ext uri="{FF2B5EF4-FFF2-40B4-BE49-F238E27FC236}">
-                <a16:creationId xmlns:a16="http://schemas.microsoft.com/office/drawing/2014/main" id="{22F12895-E258-4435-AE08-71A97D364F17}"/>
-              </a:ext>
-            </a:extLst>
-          </p:cNvPr>
-          <p:cNvSpPr/>
-          <p:nvPr/>
-        </p:nvSpPr>
-        <p:spPr>
-          <a:xfrm>
-            <a:off x="6788181" y="1062943"/>
-            <a:ext cx="45719" cy="400110"/>
-          </a:xfrm>
-          <a:prstGeom prst="rect">
-            <a:avLst/>
-          </a:prstGeom>
-          <a:solidFill>
-            <a:schemeClr val="tx1"/>
-          </a:solidFill>
-          <a:ln>
-            <a:noFill/>
-          </a:ln>
-        </p:spPr>
-        <p:style>
-          <a:lnRef idx="2">
-            <a:schemeClr val="accent1">
-              <a:shade val="50000"/>
-            </a:schemeClr>
-          </a:lnRef>
-          <a:fillRef idx="1">
-            <a:schemeClr val="accent1"/>
-          </a:fillRef>
-          <a:effectRef idx="0">
-            <a:schemeClr val="accent1"/>
-          </a:effectRef>
-          <a:fontRef idx="minor">
-            <a:schemeClr val="lt1"/>
-          </a:fontRef>
-        </p:style>
-        <p:txBody>
-          <a:bodyPr rtlCol="0" anchor="ctr"/>
-          <a:lstStyle/>
-          <a:p>
-            <a:pPr algn="ctr"/>
-            <a:endParaRPr lang="ko-KR" altLang="en-US"/>
-          </a:p>
-        </p:txBody>
-      </p:sp>
-      <p:sp>
-        <p:nvSpPr>
-          <p:cNvPr id="36" name="TextBox 35">
-            <a:extLst>
-              <a:ext uri="{FF2B5EF4-FFF2-40B4-BE49-F238E27FC236}">
-                <a16:creationId xmlns:a16="http://schemas.microsoft.com/office/drawing/2014/main" id="{DE6A16BA-0607-4796-ABB9-F626082B1F6B}"/>
+          <p:cNvPr id="37" name="TextBox 36">
+            <a:extLst>
+              <a:ext uri="{FF2B5EF4-FFF2-40B4-BE49-F238E27FC236}">
+                <a16:creationId xmlns:a16="http://schemas.microsoft.com/office/drawing/2014/main" id="{B1BF5ADA-8B91-4324-96DB-8C48F48929B8}"/>
               </a:ext>
             </a:extLst>
           </p:cNvPr>
@@ -28718,62 +30218,10 @@
           </a:p>
         </p:txBody>
       </p:sp>
-      <p:sp>
-        <p:nvSpPr>
-          <p:cNvPr id="38" name="직사각형 37">
-            <a:extLst>
-              <a:ext uri="{FF2B5EF4-FFF2-40B4-BE49-F238E27FC236}">
-                <a16:creationId xmlns:a16="http://schemas.microsoft.com/office/drawing/2014/main" id="{DB35CD82-A6B2-4460-B8B0-A189E877499B}"/>
-              </a:ext>
-            </a:extLst>
-          </p:cNvPr>
-          <p:cNvSpPr/>
-          <p:nvPr/>
-        </p:nvSpPr>
-        <p:spPr>
-          <a:xfrm>
-            <a:off x="7967533" y="1049107"/>
-            <a:ext cx="45719" cy="400110"/>
-          </a:xfrm>
-          <a:prstGeom prst="rect">
-            <a:avLst/>
-          </a:prstGeom>
-          <a:solidFill>
-            <a:schemeClr val="tx1"/>
-          </a:solidFill>
-          <a:ln>
-            <a:noFill/>
-          </a:ln>
-        </p:spPr>
-        <p:style>
-          <a:lnRef idx="2">
-            <a:schemeClr val="accent1">
-              <a:shade val="50000"/>
-            </a:schemeClr>
-          </a:lnRef>
-          <a:fillRef idx="1">
-            <a:schemeClr val="accent1"/>
-          </a:fillRef>
-          <a:effectRef idx="0">
-            <a:schemeClr val="accent1"/>
-          </a:effectRef>
-          <a:fontRef idx="minor">
-            <a:schemeClr val="lt1"/>
-          </a:fontRef>
-        </p:style>
-        <p:txBody>
-          <a:bodyPr rtlCol="0" anchor="ctr"/>
-          <a:lstStyle/>
-          <a:p>
-            <a:pPr algn="ctr"/>
-            <a:endParaRPr lang="ko-KR" altLang="en-US"/>
-          </a:p>
-        </p:txBody>
-      </p:sp>
     </p:spTree>
     <p:extLst>
       <p:ext uri="{BB962C8B-B14F-4D97-AF65-F5344CB8AC3E}">
-        <p14:creationId xmlns:p14="http://schemas.microsoft.com/office/powerpoint/2010/main" val="2552889122"/>
+        <p14:creationId xmlns:p14="http://schemas.microsoft.com/office/powerpoint/2010/main" val="1654176119"/>
       </p:ext>
     </p:extLst>
   </p:cSld>

--- a/Document/시스템/시스템.pptx
+++ b/Document/시스템/시스템.pptx
@@ -208,7 +208,7 @@
           <a:p>
             <a:fld id="{1BE7B796-A74A-480E-B7C3-F20E279F0A7C}" type="datetimeFigureOut">
               <a:rPr lang="ko-KR" altLang="en-US" smtClean="0"/>
-              <a:t>2022-05-18(Wed)</a:t>
+              <a:t>2022-05-26(Thu)</a:t>
             </a:fld>
             <a:endParaRPr lang="ko-KR" altLang="en-US"/>
           </a:p>
@@ -1546,7 +1546,7 @@
           <a:p>
             <a:fld id="{4E8DDE92-A542-49E3-8BCA-C8166235BA4E}" type="datetimeFigureOut">
               <a:rPr lang="ko-KR" altLang="en-US" smtClean="0"/>
-              <a:t>2022-05-18(Wed)</a:t>
+              <a:t>2022-05-26(Thu)</a:t>
             </a:fld>
             <a:endParaRPr lang="ko-KR" altLang="en-US"/>
           </a:p>
@@ -1744,7 +1744,7 @@
           <a:p>
             <a:fld id="{4E8DDE92-A542-49E3-8BCA-C8166235BA4E}" type="datetimeFigureOut">
               <a:rPr lang="ko-KR" altLang="en-US" smtClean="0"/>
-              <a:t>2022-05-18(Wed)</a:t>
+              <a:t>2022-05-26(Thu)</a:t>
             </a:fld>
             <a:endParaRPr lang="ko-KR" altLang="en-US"/>
           </a:p>
@@ -1952,7 +1952,7 @@
           <a:p>
             <a:fld id="{4E8DDE92-A542-49E3-8BCA-C8166235BA4E}" type="datetimeFigureOut">
               <a:rPr lang="ko-KR" altLang="en-US" smtClean="0"/>
-              <a:t>2022-05-18(Wed)</a:t>
+              <a:t>2022-05-26(Thu)</a:t>
             </a:fld>
             <a:endParaRPr lang="ko-KR" altLang="en-US"/>
           </a:p>
@@ -2402,7 +2402,7 @@
           <a:p>
             <a:fld id="{4E8DDE92-A542-49E3-8BCA-C8166235BA4E}" type="datetimeFigureOut">
               <a:rPr lang="ko-KR" altLang="en-US" smtClean="0"/>
-              <a:t>2022-05-18(Wed)</a:t>
+              <a:t>2022-05-26(Thu)</a:t>
             </a:fld>
             <a:endParaRPr lang="ko-KR" altLang="en-US"/>
           </a:p>
@@ -2677,7 +2677,7 @@
           <a:p>
             <a:fld id="{4E8DDE92-A542-49E3-8BCA-C8166235BA4E}" type="datetimeFigureOut">
               <a:rPr lang="ko-KR" altLang="en-US" smtClean="0"/>
-              <a:t>2022-05-18(Wed)</a:t>
+              <a:t>2022-05-26(Thu)</a:t>
             </a:fld>
             <a:endParaRPr lang="ko-KR" altLang="en-US"/>
           </a:p>
@@ -2942,7 +2942,7 @@
           <a:p>
             <a:fld id="{4E8DDE92-A542-49E3-8BCA-C8166235BA4E}" type="datetimeFigureOut">
               <a:rPr lang="ko-KR" altLang="en-US" smtClean="0"/>
-              <a:t>2022-05-18(Wed)</a:t>
+              <a:t>2022-05-26(Thu)</a:t>
             </a:fld>
             <a:endParaRPr lang="ko-KR" altLang="en-US"/>
           </a:p>
@@ -3354,7 +3354,7 @@
           <a:p>
             <a:fld id="{4E8DDE92-A542-49E3-8BCA-C8166235BA4E}" type="datetimeFigureOut">
               <a:rPr lang="ko-KR" altLang="en-US" smtClean="0"/>
-              <a:t>2022-05-18(Wed)</a:t>
+              <a:t>2022-05-26(Thu)</a:t>
             </a:fld>
             <a:endParaRPr lang="ko-KR" altLang="en-US"/>
           </a:p>
@@ -3495,7 +3495,7 @@
           <a:p>
             <a:fld id="{4E8DDE92-A542-49E3-8BCA-C8166235BA4E}" type="datetimeFigureOut">
               <a:rPr lang="ko-KR" altLang="en-US" smtClean="0"/>
-              <a:t>2022-05-18(Wed)</a:t>
+              <a:t>2022-05-26(Thu)</a:t>
             </a:fld>
             <a:endParaRPr lang="ko-KR" altLang="en-US"/>
           </a:p>
@@ -3608,7 +3608,7 @@
           <a:p>
             <a:fld id="{4E8DDE92-A542-49E3-8BCA-C8166235BA4E}" type="datetimeFigureOut">
               <a:rPr lang="ko-KR" altLang="en-US" smtClean="0"/>
-              <a:t>2022-05-18(Wed)</a:t>
+              <a:t>2022-05-26(Thu)</a:t>
             </a:fld>
             <a:endParaRPr lang="ko-KR" altLang="en-US"/>
           </a:p>
@@ -3919,7 +3919,7 @@
           <a:p>
             <a:fld id="{4E8DDE92-A542-49E3-8BCA-C8166235BA4E}" type="datetimeFigureOut">
               <a:rPr lang="ko-KR" altLang="en-US" smtClean="0"/>
-              <a:t>2022-05-18(Wed)</a:t>
+              <a:t>2022-05-26(Thu)</a:t>
             </a:fld>
             <a:endParaRPr lang="ko-KR" altLang="en-US"/>
           </a:p>
@@ -4207,7 +4207,7 @@
           <a:p>
             <a:fld id="{4E8DDE92-A542-49E3-8BCA-C8166235BA4E}" type="datetimeFigureOut">
               <a:rPr lang="ko-KR" altLang="en-US" smtClean="0"/>
-              <a:t>2022-05-18(Wed)</a:t>
+              <a:t>2022-05-26(Thu)</a:t>
             </a:fld>
             <a:endParaRPr lang="ko-KR" altLang="en-US"/>
           </a:p>
@@ -4448,7 +4448,7 @@
           <a:p>
             <a:fld id="{4E8DDE92-A542-49E3-8BCA-C8166235BA4E}" type="datetimeFigureOut">
               <a:rPr lang="ko-KR" altLang="en-US" smtClean="0"/>
-              <a:t>2022-05-18(Wed)</a:t>
+              <a:t>2022-05-26(Thu)</a:t>
             </a:fld>
             <a:endParaRPr lang="ko-KR" altLang="en-US"/>
           </a:p>

--- a/Document/시스템/시스템.pptx
+++ b/Document/시스템/시스템.pptx
@@ -208,7 +208,7 @@
           <a:p>
             <a:fld id="{1BE7B796-A74A-480E-B7C3-F20E279F0A7C}" type="datetimeFigureOut">
               <a:rPr lang="ko-KR" altLang="en-US" smtClean="0"/>
-              <a:t>2022-05-26(Thu)</a:t>
+              <a:t>2022-06-16(Thu)</a:t>
             </a:fld>
             <a:endParaRPr lang="ko-KR" altLang="en-US"/>
           </a:p>
@@ -1546,7 +1546,7 @@
           <a:p>
             <a:fld id="{4E8DDE92-A542-49E3-8BCA-C8166235BA4E}" type="datetimeFigureOut">
               <a:rPr lang="ko-KR" altLang="en-US" smtClean="0"/>
-              <a:t>2022-05-26(Thu)</a:t>
+              <a:t>2022-06-16(Thu)</a:t>
             </a:fld>
             <a:endParaRPr lang="ko-KR" altLang="en-US"/>
           </a:p>
@@ -1744,7 +1744,7 @@
           <a:p>
             <a:fld id="{4E8DDE92-A542-49E3-8BCA-C8166235BA4E}" type="datetimeFigureOut">
               <a:rPr lang="ko-KR" altLang="en-US" smtClean="0"/>
-              <a:t>2022-05-26(Thu)</a:t>
+              <a:t>2022-06-16(Thu)</a:t>
             </a:fld>
             <a:endParaRPr lang="ko-KR" altLang="en-US"/>
           </a:p>
@@ -1952,7 +1952,7 @@
           <a:p>
             <a:fld id="{4E8DDE92-A542-49E3-8BCA-C8166235BA4E}" type="datetimeFigureOut">
               <a:rPr lang="ko-KR" altLang="en-US" smtClean="0"/>
-              <a:t>2022-05-26(Thu)</a:t>
+              <a:t>2022-06-16(Thu)</a:t>
             </a:fld>
             <a:endParaRPr lang="ko-KR" altLang="en-US"/>
           </a:p>
@@ -2402,7 +2402,7 @@
           <a:p>
             <a:fld id="{4E8DDE92-A542-49E3-8BCA-C8166235BA4E}" type="datetimeFigureOut">
               <a:rPr lang="ko-KR" altLang="en-US" smtClean="0"/>
-              <a:t>2022-05-26(Thu)</a:t>
+              <a:t>2022-06-16(Thu)</a:t>
             </a:fld>
             <a:endParaRPr lang="ko-KR" altLang="en-US"/>
           </a:p>
@@ -2677,7 +2677,7 @@
           <a:p>
             <a:fld id="{4E8DDE92-A542-49E3-8BCA-C8166235BA4E}" type="datetimeFigureOut">
               <a:rPr lang="ko-KR" altLang="en-US" smtClean="0"/>
-              <a:t>2022-05-26(Thu)</a:t>
+              <a:t>2022-06-16(Thu)</a:t>
             </a:fld>
             <a:endParaRPr lang="ko-KR" altLang="en-US"/>
           </a:p>
@@ -2942,7 +2942,7 @@
           <a:p>
             <a:fld id="{4E8DDE92-A542-49E3-8BCA-C8166235BA4E}" type="datetimeFigureOut">
               <a:rPr lang="ko-KR" altLang="en-US" smtClean="0"/>
-              <a:t>2022-05-26(Thu)</a:t>
+              <a:t>2022-06-16(Thu)</a:t>
             </a:fld>
             <a:endParaRPr lang="ko-KR" altLang="en-US"/>
           </a:p>
@@ -3354,7 +3354,7 @@
           <a:p>
             <a:fld id="{4E8DDE92-A542-49E3-8BCA-C8166235BA4E}" type="datetimeFigureOut">
               <a:rPr lang="ko-KR" altLang="en-US" smtClean="0"/>
-              <a:t>2022-05-26(Thu)</a:t>
+              <a:t>2022-06-16(Thu)</a:t>
             </a:fld>
             <a:endParaRPr lang="ko-KR" altLang="en-US"/>
           </a:p>
@@ -3495,7 +3495,7 @@
           <a:p>
             <a:fld id="{4E8DDE92-A542-49E3-8BCA-C8166235BA4E}" type="datetimeFigureOut">
               <a:rPr lang="ko-KR" altLang="en-US" smtClean="0"/>
-              <a:t>2022-05-26(Thu)</a:t>
+              <a:t>2022-06-16(Thu)</a:t>
             </a:fld>
             <a:endParaRPr lang="ko-KR" altLang="en-US"/>
           </a:p>
@@ -3608,7 +3608,7 @@
           <a:p>
             <a:fld id="{4E8DDE92-A542-49E3-8BCA-C8166235BA4E}" type="datetimeFigureOut">
               <a:rPr lang="ko-KR" altLang="en-US" smtClean="0"/>
-              <a:t>2022-05-26(Thu)</a:t>
+              <a:t>2022-06-16(Thu)</a:t>
             </a:fld>
             <a:endParaRPr lang="ko-KR" altLang="en-US"/>
           </a:p>
@@ -3919,7 +3919,7 @@
           <a:p>
             <a:fld id="{4E8DDE92-A542-49E3-8BCA-C8166235BA4E}" type="datetimeFigureOut">
               <a:rPr lang="ko-KR" altLang="en-US" smtClean="0"/>
-              <a:t>2022-05-26(Thu)</a:t>
+              <a:t>2022-06-16(Thu)</a:t>
             </a:fld>
             <a:endParaRPr lang="ko-KR" altLang="en-US"/>
           </a:p>
@@ -4207,7 +4207,7 @@
           <a:p>
             <a:fld id="{4E8DDE92-A542-49E3-8BCA-C8166235BA4E}" type="datetimeFigureOut">
               <a:rPr lang="ko-KR" altLang="en-US" smtClean="0"/>
-              <a:t>2022-05-26(Thu)</a:t>
+              <a:t>2022-06-16(Thu)</a:t>
             </a:fld>
             <a:endParaRPr lang="ko-KR" altLang="en-US"/>
           </a:p>
@@ -4448,7 +4448,7 @@
           <a:p>
             <a:fld id="{4E8DDE92-A542-49E3-8BCA-C8166235BA4E}" type="datetimeFigureOut">
               <a:rPr lang="ko-KR" altLang="en-US" smtClean="0"/>
-              <a:t>2022-05-26(Thu)</a:t>
+              <a:t>2022-06-16(Thu)</a:t>
             </a:fld>
             <a:endParaRPr lang="ko-KR" altLang="en-US"/>
           </a:p>
@@ -25366,7 +25366,7 @@
             </a:r>
             <a:r>
               <a:rPr lang="ko-KR" altLang="en-US" sz="2800" b="1" dirty="0"/>
-              <a:t>공통 결과 창</a:t>
+              <a:t>결과 창</a:t>
             </a:r>
             <a:r>
               <a:rPr lang="en-US" altLang="ko-KR" sz="2800" b="1" dirty="0"/>
@@ -25569,7 +25569,23 @@
                   <a:schemeClr val="tx1"/>
                 </a:solidFill>
               </a:rPr>
-              <a:t>납치자 승리</a:t>
+              <a:t> </a:t>
+            </a:r>
+            <a:r>
+              <a:rPr lang="ko-KR" altLang="en-US" dirty="0" err="1">
+                <a:solidFill>
+                  <a:schemeClr val="tx1"/>
+                </a:solidFill>
+              </a:rPr>
+              <a:t>레드팀</a:t>
+            </a:r>
+            <a:r>
+              <a:rPr lang="ko-KR" altLang="en-US" dirty="0">
+                <a:solidFill>
+                  <a:schemeClr val="tx1"/>
+                </a:solidFill>
+              </a:rPr>
+              <a:t> 승리</a:t>
             </a:r>
           </a:p>
         </p:txBody>
@@ -26177,12 +26193,12 @@
           <a:p>
             <a:pPr algn="ctr"/>
             <a:r>
-              <a:rPr lang="ko-KR" altLang="en-US">
+              <a:rPr lang="ko-KR" altLang="en-US" dirty="0" err="1">
                 <a:solidFill>
                   <a:schemeClr val="tx1"/>
                 </a:solidFill>
               </a:rPr>
-              <a:t>시민 </a:t>
+              <a:t>블루팀</a:t>
             </a:r>
             <a:r>
               <a:rPr lang="ko-KR" altLang="en-US" dirty="0">
@@ -26190,7 +26206,7 @@
                   <a:schemeClr val="tx1"/>
                 </a:solidFill>
               </a:rPr>
-              <a:t>승리</a:t>
+              <a:t> 승리</a:t>
             </a:r>
           </a:p>
         </p:txBody>
